--- a/doc/stock_dashboard_documentation.pptx
+++ b/doc/stock_dashboard_documentation.pptx
@@ -8,6 +8,7 @@
     <p:sldId id="256" r:id="rId2"/>
     <p:sldId id="258" r:id="rId3"/>
     <p:sldId id="257" r:id="rId4"/>
+    <p:sldId id="259" r:id="rId5"/>
   </p:sldIdLst>
   <p:sldSz cx="12192000" cy="6858000"/>
   <p:notesSz cx="6858000" cy="9144000"/>
@@ -106,6 +107,11 @@
       </a:defRPr>
     </a:lvl9pPr>
   </p:defaultTextStyle>
+  <p:extLst>
+    <p:ext uri="{EFAFB233-063F-42B5-8137-9DF3F51BA10A}">
+      <p15:sldGuideLst xmlns:p15="http://schemas.microsoft.com/office/powerpoint/2012/main"/>
+    </p:ext>
+  </p:extLst>
 </p:presentation>
 </file>
 
@@ -4108,11 +4114,7 @@
             <a:pPr lvl="1"/>
             <a:r>
               <a:rPr lang="nl-BE" sz="1800" dirty="0" smtClean="0"/>
-              <a:t>sell</a:t>
-            </a:r>
-            <a:r>
-              <a:rPr lang="nl-BE" sz="1800" dirty="0" smtClean="0"/>
-              <a:t>: sell N amount of shares at price P</a:t>
+              <a:t>sell: sell N amount of shares at price P</a:t>
             </a:r>
           </a:p>
           <a:p>
@@ -4126,13 +4128,8 @@
             <a:pPr lvl="1"/>
             <a:r>
               <a:rPr lang="nl-BE" sz="1800" dirty="0" smtClean="0"/>
-              <a:t>transfer_out: transfer out </a:t>
-            </a:r>
-            <a:r>
-              <a:rPr lang="nl-BE" sz="1800" dirty="0" smtClean="0"/>
-              <a:t>N shares to another broker</a:t>
-            </a:r>
-            <a:endParaRPr lang="nl-BE" sz="1800" dirty="0" smtClean="0"/>
+              <a:t>transfer_out: transfer out N shares to another broker</a:t>
+            </a:r>
           </a:p>
           <a:p>
             <a:pPr lvl="1"/>
@@ -4145,11 +4142,7 @@
             <a:pPr lvl="1"/>
             <a:r>
               <a:rPr lang="nl-BE" sz="1800" dirty="0" smtClean="0"/>
-              <a:t>cash_out: </a:t>
-            </a:r>
-            <a:r>
-              <a:rPr lang="nl-BE" sz="1800" dirty="0" smtClean="0"/>
-              <a:t>take out M money from your broker’s cash account</a:t>
+              <a:t>cash_out: take out M money from your broker’s cash account</a:t>
             </a:r>
           </a:p>
           <a:p>
@@ -4158,7 +4151,6 @@
               <a:rPr lang="nl-BE" sz="1800" dirty="0" smtClean="0"/>
               <a:t>div: receive dividend</a:t>
             </a:r>
-            <a:endParaRPr lang="nl-BE" sz="1800" dirty="0" smtClean="0"/>
           </a:p>
           <a:p>
             <a:pPr lvl="1"/>
@@ -4174,6 +4166,213 @@
     <p:extLst>
       <p:ext uri="{BB962C8B-B14F-4D97-AF65-F5344CB8AC3E}">
         <p14:creationId xmlns:p14="http://schemas.microsoft.com/office/powerpoint/2010/main" val="1854203341"/>
+      </p:ext>
+    </p:extLst>
+  </p:cSld>
+  <p:clrMapOvr>
+    <a:masterClrMapping/>
+  </p:clrMapOvr>
+</p:sld>
+</file>
+
+<file path=ppt/slides/slide4.xml><?xml version="1.0" encoding="utf-8"?>
+<p:sld xmlns:a="http://schemas.openxmlformats.org/drawingml/2006/main" xmlns:r="http://schemas.openxmlformats.org/officeDocument/2006/relationships" xmlns:p="http://schemas.openxmlformats.org/presentationml/2006/main">
+  <p:cSld>
+    <p:spTree>
+      <p:nvGrpSpPr>
+        <p:cNvPr id="1" name=""/>
+        <p:cNvGrpSpPr/>
+        <p:nvPr/>
+      </p:nvGrpSpPr>
+      <p:grpSpPr>
+        <a:xfrm>
+          <a:off x="0" y="0"/>
+          <a:ext cx="0" cy="0"/>
+          <a:chOff x="0" y="0"/>
+          <a:chExt cx="0" cy="0"/>
+        </a:xfrm>
+      </p:grpSpPr>
+      <p:sp>
+        <p:nvSpPr>
+          <p:cNvPr id="2" name="Title 1"/>
+          <p:cNvSpPr>
+            <a:spLocks noGrp="1"/>
+          </p:cNvSpPr>
+          <p:nvPr>
+            <p:ph type="title"/>
+          </p:nvPr>
+        </p:nvSpPr>
+        <p:spPr>
+          <a:xfrm>
+            <a:off x="68525" y="-207198"/>
+            <a:ext cx="10515600" cy="1325563"/>
+          </a:xfrm>
+        </p:spPr>
+        <p:txBody>
+          <a:bodyPr/>
+          <a:lstStyle/>
+          <a:p>
+            <a:r>
+              <a:rPr lang="nl-BE" dirty="0" smtClean="0"/>
+              <a:t>BOLERO import</a:t>
+            </a:r>
+            <a:endParaRPr lang="en-US" dirty="0"/>
+          </a:p>
+        </p:txBody>
+      </p:sp>
+      <p:sp>
+        <p:nvSpPr>
+          <p:cNvPr id="3" name="Content Placeholder 2"/>
+          <p:cNvSpPr>
+            <a:spLocks noGrp="1"/>
+          </p:cNvSpPr>
+          <p:nvPr>
+            <p:ph idx="1"/>
+          </p:nvPr>
+        </p:nvSpPr>
+        <p:spPr>
+          <a:xfrm>
+            <a:off x="203932" y="1052547"/>
+            <a:ext cx="4837626" cy="5499556"/>
+          </a:xfrm>
+        </p:spPr>
+        <p:txBody>
+          <a:bodyPr>
+            <a:normAutofit/>
+          </a:bodyPr>
+          <a:lstStyle/>
+          <a:p>
+            <a:r>
+              <a:rPr lang="nl-BE" sz="2400" dirty="0"/>
+              <a:t>log in op bolero</a:t>
+            </a:r>
+          </a:p>
+          <a:p>
+            <a:r>
+              <a:rPr lang="nl-BE" sz="2400" dirty="0"/>
+              <a:t>gaar naar portefeuille</a:t>
+            </a:r>
+          </a:p>
+          <a:p>
+            <a:r>
+              <a:rPr lang="nl-BE" sz="2400" dirty="0"/>
+              <a:t>dan naar historiek</a:t>
+            </a:r>
+          </a:p>
+          <a:p>
+            <a:r>
+              <a:rPr lang="nl-BE" sz="2400" dirty="0"/>
+              <a:t>selecteer data en plak het in </a:t>
+            </a:r>
+            <a:r>
+              <a:rPr lang="nl-BE" sz="2400" dirty="0" smtClean="0"/>
+              <a:t>excel (via notepad tussenstap wordt html formatting verwijderd)</a:t>
+            </a:r>
+            <a:endParaRPr lang="nl-BE" sz="2400" dirty="0"/>
+          </a:p>
+          <a:p>
+            <a:endParaRPr lang="nl-BE" sz="2400" dirty="0" smtClean="0"/>
+          </a:p>
+          <a:p>
+            <a:r>
+              <a:rPr lang="nl-BE" sz="2400" dirty="0"/>
+              <a:t>voeg een </a:t>
+            </a:r>
+            <a:r>
+              <a:rPr lang="nl-BE" sz="2400" i="1" dirty="0"/>
+              <a:t>symbol</a:t>
+            </a:r>
+            <a:r>
+              <a:rPr lang="nl-BE" sz="2400" dirty="0"/>
+              <a:t> kolom toe</a:t>
+            </a:r>
+          </a:p>
+          <a:p>
+            <a:r>
+              <a:rPr lang="nl-BE" sz="2400" dirty="0"/>
+              <a:t>vul het </a:t>
+            </a:r>
+            <a:r>
+              <a:rPr lang="nl-BE" sz="2400" dirty="0" smtClean="0"/>
+              <a:t>RIC als symbol in (minstens </a:t>
+            </a:r>
+            <a:r>
+              <a:rPr lang="nl-BE" sz="2400" dirty="0"/>
+              <a:t>1x per nieuwe </a:t>
+            </a:r>
+            <a:r>
+              <a:rPr lang="nl-BE" sz="2400" dirty="0" smtClean="0"/>
+              <a:t>stock)</a:t>
+            </a:r>
+            <a:endParaRPr lang="nl-BE" sz="2400" dirty="0"/>
+          </a:p>
+          <a:p>
+            <a:r>
+              <a:rPr lang="nl-BE" sz="2400" dirty="0"/>
+              <a:t>als er geen ‘nieuwe’ stocks zijn gekocht dan hoef je geen symbol in te vullen</a:t>
+            </a:r>
+            <a:endParaRPr lang="en-US" sz="2400" dirty="0"/>
+          </a:p>
+          <a:p>
+            <a:endParaRPr lang="en-US" sz="2400" dirty="0"/>
+          </a:p>
+          <a:p>
+            <a:endParaRPr lang="nl-BE" sz="2200" dirty="0" smtClean="0"/>
+          </a:p>
+        </p:txBody>
+      </p:sp>
+      <p:pic>
+        <p:nvPicPr>
+          <p:cNvPr id="4" name="Content Placeholder 5"/>
+          <p:cNvPicPr>
+            <a:picLocks noChangeAspect="1"/>
+          </p:cNvPicPr>
+          <p:nvPr/>
+        </p:nvPicPr>
+        <p:blipFill>
+          <a:blip r:embed="rId2"/>
+          <a:stretch>
+            <a:fillRect/>
+          </a:stretch>
+        </p:blipFill>
+        <p:spPr>
+          <a:xfrm>
+            <a:off x="5235555" y="213069"/>
+            <a:ext cx="6650373" cy="2956440"/>
+          </a:xfrm>
+          <a:prstGeom prst="rect">
+            <a:avLst/>
+          </a:prstGeom>
+        </p:spPr>
+      </p:pic>
+      <p:pic>
+        <p:nvPicPr>
+          <p:cNvPr id="5" name="Picture 4"/>
+          <p:cNvPicPr>
+            <a:picLocks noChangeAspect="1"/>
+          </p:cNvPicPr>
+          <p:nvPr/>
+        </p:nvPicPr>
+        <p:blipFill>
+          <a:blip r:embed="rId3"/>
+          <a:stretch>
+            <a:fillRect/>
+          </a:stretch>
+        </p:blipFill>
+        <p:spPr>
+          <a:xfrm>
+            <a:off x="5283034" y="4063365"/>
+            <a:ext cx="6555414" cy="1720215"/>
+          </a:xfrm>
+          <a:prstGeom prst="rect">
+            <a:avLst/>
+          </a:prstGeom>
+        </p:spPr>
+      </p:pic>
+    </p:spTree>
+    <p:extLst>
+      <p:ext uri="{BB962C8B-B14F-4D97-AF65-F5344CB8AC3E}">
+        <p14:creationId xmlns:p14="http://schemas.microsoft.com/office/powerpoint/2010/main" val="8355119"/>
       </p:ext>
     </p:extLst>
   </p:cSld>

--- a/doc/stock_dashboard_documentation.pptx
+++ b/doc/stock_dashboard_documentation.pptx
@@ -9,6 +9,7 @@
     <p:sldId id="258" r:id="rId3"/>
     <p:sldId id="257" r:id="rId4"/>
     <p:sldId id="259" r:id="rId5"/>
+    <p:sldId id="260" r:id="rId6"/>
   </p:sldIdLst>
   <p:sldSz cx="12192000" cy="6858000"/>
   <p:notesSz cx="6858000" cy="9144000"/>
@@ -4214,7 +4215,11 @@
           <a:p>
             <a:r>
               <a:rPr lang="nl-BE" dirty="0" smtClean="0"/>
-              <a:t>BOLERO import</a:t>
+              <a:t>BOLERO </a:t>
+            </a:r>
+            <a:r>
+              <a:rPr lang="nl-BE" dirty="0" smtClean="0"/>
+              <a:t>import xlsx</a:t>
             </a:r>
             <a:endParaRPr lang="en-US" dirty="0"/>
           </a:p>
@@ -4379,6 +4384,229 @@
   <p:clrMapOvr>
     <a:masterClrMapping/>
   </p:clrMapOvr>
+  <p:timing>
+    <p:tnLst>
+      <p:par>
+        <p:cTn id="1" dur="indefinite" restart="never" nodeType="tmRoot"/>
+      </p:par>
+    </p:tnLst>
+  </p:timing>
+</p:sld>
+</file>
+
+<file path=ppt/slides/slide5.xml><?xml version="1.0" encoding="utf-8"?>
+<p:sld xmlns:a="http://schemas.openxmlformats.org/drawingml/2006/main" xmlns:r="http://schemas.openxmlformats.org/officeDocument/2006/relationships" xmlns:p="http://schemas.openxmlformats.org/presentationml/2006/main">
+  <p:cSld>
+    <p:spTree>
+      <p:nvGrpSpPr>
+        <p:cNvPr id="1" name=""/>
+        <p:cNvGrpSpPr/>
+        <p:nvPr/>
+      </p:nvGrpSpPr>
+      <p:grpSpPr>
+        <a:xfrm>
+          <a:off x="0" y="0"/>
+          <a:ext cx="0" cy="0"/>
+          <a:chOff x="0" y="0"/>
+          <a:chExt cx="0" cy="0"/>
+        </a:xfrm>
+      </p:grpSpPr>
+      <p:sp>
+        <p:nvSpPr>
+          <p:cNvPr id="2" name="Title 1"/>
+          <p:cNvSpPr>
+            <a:spLocks noGrp="1"/>
+          </p:cNvSpPr>
+          <p:nvPr>
+            <p:ph type="title"/>
+          </p:nvPr>
+        </p:nvSpPr>
+        <p:spPr>
+          <a:xfrm>
+            <a:off x="68525" y="-207198"/>
+            <a:ext cx="10515600" cy="1325563"/>
+          </a:xfrm>
+        </p:spPr>
+        <p:txBody>
+          <a:bodyPr/>
+          <a:lstStyle/>
+          <a:p>
+            <a:r>
+              <a:rPr lang="nl-BE"/>
+              <a:t>SAXO import xlsx</a:t>
+            </a:r>
+            <a:endParaRPr lang="en-US" dirty="0"/>
+          </a:p>
+        </p:txBody>
+      </p:sp>
+      <p:sp>
+        <p:nvSpPr>
+          <p:cNvPr id="3" name="Content Placeholder 2"/>
+          <p:cNvSpPr>
+            <a:spLocks noGrp="1"/>
+          </p:cNvSpPr>
+          <p:nvPr>
+            <p:ph idx="1"/>
+          </p:nvPr>
+        </p:nvSpPr>
+        <p:spPr>
+          <a:xfrm>
+            <a:off x="203932" y="1052547"/>
+            <a:ext cx="4837626" cy="5499556"/>
+          </a:xfrm>
+        </p:spPr>
+        <p:txBody>
+          <a:bodyPr>
+            <a:normAutofit/>
+          </a:bodyPr>
+          <a:lstStyle/>
+          <a:p>
+            <a:r>
+              <a:rPr lang="nl-BE" sz="2400" dirty="0"/>
+              <a:t>log in op bolero</a:t>
+            </a:r>
+          </a:p>
+          <a:p>
+            <a:r>
+              <a:rPr lang="nl-BE" sz="2400" dirty="0"/>
+              <a:t>gaar naar </a:t>
+            </a:r>
+            <a:r>
+              <a:rPr lang="nl-BE" sz="2400" dirty="0" smtClean="0"/>
+              <a:t>transacties</a:t>
+            </a:r>
+            <a:endParaRPr lang="nl-BE" sz="2400" dirty="0"/>
+          </a:p>
+          <a:p>
+            <a:r>
+              <a:rPr lang="nl-BE" sz="2400" dirty="0" smtClean="0"/>
+              <a:t>plaats aangepaste periode</a:t>
+            </a:r>
+            <a:endParaRPr lang="nl-BE" sz="2400" dirty="0"/>
+          </a:p>
+          <a:p>
+            <a:r>
+              <a:rPr lang="nl-BE" sz="2400" dirty="0" smtClean="0"/>
+              <a:t>exporteer als excel</a:t>
+            </a:r>
+            <a:endParaRPr lang="nl-BE" sz="2400" dirty="0"/>
+          </a:p>
+          <a:p>
+            <a:endParaRPr lang="nl-BE" sz="2400" dirty="0" smtClean="0"/>
+          </a:p>
+          <a:p>
+            <a:r>
+              <a:rPr lang="nl-BE" sz="2400" dirty="0"/>
+              <a:t>voeg een </a:t>
+            </a:r>
+            <a:r>
+              <a:rPr lang="nl-BE" sz="2400" i="1" dirty="0"/>
+              <a:t>symbol</a:t>
+            </a:r>
+            <a:r>
+              <a:rPr lang="nl-BE" sz="2400" dirty="0"/>
+              <a:t> kolom toe</a:t>
+            </a:r>
+          </a:p>
+          <a:p>
+            <a:r>
+              <a:rPr lang="nl-BE" sz="2400" dirty="0"/>
+              <a:t>vul het </a:t>
+            </a:r>
+            <a:r>
+              <a:rPr lang="nl-BE" sz="2400" dirty="0" smtClean="0"/>
+              <a:t>RIC als symbol in (minstens </a:t>
+            </a:r>
+            <a:r>
+              <a:rPr lang="nl-BE" sz="2400" dirty="0"/>
+              <a:t>1x per nieuwe </a:t>
+            </a:r>
+            <a:r>
+              <a:rPr lang="nl-BE" sz="2400" dirty="0" smtClean="0"/>
+              <a:t>stock)</a:t>
+            </a:r>
+            <a:endParaRPr lang="nl-BE" sz="2400" dirty="0"/>
+          </a:p>
+          <a:p>
+            <a:r>
+              <a:rPr lang="nl-BE" sz="2400" dirty="0"/>
+              <a:t>als er geen ‘nieuwe’ stocks zijn gekocht dan hoef je geen symbol in te vullen</a:t>
+            </a:r>
+            <a:endParaRPr lang="en-US" sz="2400" dirty="0"/>
+          </a:p>
+          <a:p>
+            <a:endParaRPr lang="en-US" sz="2400" dirty="0"/>
+          </a:p>
+          <a:p>
+            <a:endParaRPr lang="nl-BE" sz="2200" dirty="0" smtClean="0"/>
+          </a:p>
+        </p:txBody>
+      </p:sp>
+      <p:pic>
+        <p:nvPicPr>
+          <p:cNvPr id="6" name="Picture 5"/>
+          <p:cNvPicPr>
+            <a:picLocks noChangeAspect="1"/>
+          </p:cNvPicPr>
+          <p:nvPr/>
+        </p:nvPicPr>
+        <p:blipFill>
+          <a:blip r:embed="rId2"/>
+          <a:stretch>
+            <a:fillRect/>
+          </a:stretch>
+        </p:blipFill>
+        <p:spPr>
+          <a:xfrm>
+            <a:off x="7737781" y="21292"/>
+            <a:ext cx="2400629" cy="4461714"/>
+          </a:xfrm>
+          <a:prstGeom prst="rect">
+            <a:avLst/>
+          </a:prstGeom>
+        </p:spPr>
+      </p:pic>
+      <p:pic>
+        <p:nvPicPr>
+          <p:cNvPr id="7" name="Picture 6"/>
+          <p:cNvPicPr>
+            <a:picLocks noChangeAspect="1"/>
+          </p:cNvPicPr>
+          <p:nvPr/>
+        </p:nvPicPr>
+        <p:blipFill>
+          <a:blip r:embed="rId3"/>
+          <a:stretch>
+            <a:fillRect/>
+          </a:stretch>
+        </p:blipFill>
+        <p:spPr>
+          <a:xfrm>
+            <a:off x="546833" y="5742751"/>
+            <a:ext cx="11473718" cy="829842"/>
+          </a:xfrm>
+          <a:prstGeom prst="rect">
+            <a:avLst/>
+          </a:prstGeom>
+        </p:spPr>
+      </p:pic>
+    </p:spTree>
+    <p:extLst>
+      <p:ext uri="{BB962C8B-B14F-4D97-AF65-F5344CB8AC3E}">
+        <p14:creationId xmlns:p14="http://schemas.microsoft.com/office/powerpoint/2010/main" val="703887595"/>
+      </p:ext>
+    </p:extLst>
+  </p:cSld>
+  <p:clrMapOvr>
+    <a:masterClrMapping/>
+  </p:clrMapOvr>
+  <p:timing>
+    <p:tnLst>
+      <p:par>
+        <p:cTn id="1" dur="indefinite" restart="never" nodeType="tmRoot"/>
+      </p:par>
+    </p:tnLst>
+  </p:timing>
 </p:sld>
 </file>
 

--- a/doc/stock_dashboard_documentation.pptx
+++ b/doc/stock_dashboard_documentation.pptx
@@ -6,10 +6,22 @@
   </p:sldMasterIdLst>
   <p:sldIdLst>
     <p:sldId id="256" r:id="rId2"/>
-    <p:sldId id="258" r:id="rId3"/>
-    <p:sldId id="257" r:id="rId4"/>
-    <p:sldId id="259" r:id="rId5"/>
-    <p:sldId id="260" r:id="rId6"/>
+    <p:sldId id="262" r:id="rId3"/>
+    <p:sldId id="259" r:id="rId4"/>
+    <p:sldId id="260" r:id="rId5"/>
+    <p:sldId id="263" r:id="rId6"/>
+    <p:sldId id="264" r:id="rId7"/>
+    <p:sldId id="257" r:id="rId8"/>
+    <p:sldId id="272" r:id="rId9"/>
+    <p:sldId id="265" r:id="rId10"/>
+    <p:sldId id="266" r:id="rId11"/>
+    <p:sldId id="268" r:id="rId12"/>
+    <p:sldId id="271" r:id="rId13"/>
+    <p:sldId id="274" r:id="rId14"/>
+    <p:sldId id="269" r:id="rId15"/>
+    <p:sldId id="275" r:id="rId16"/>
+    <p:sldId id="261" r:id="rId17"/>
+    <p:sldId id="258" r:id="rId18"/>
   </p:sldIdLst>
   <p:sldSz cx="12192000" cy="6858000"/>
   <p:notesSz cx="6858000" cy="9144000"/>
@@ -247,7 +259,7 @@
           <a:p>
             <a:fld id="{C7A550C2-E7D9-4260-A406-70CCA9D8798D}" type="datetimeFigureOut">
               <a:rPr lang="en-US" smtClean="0"/>
-              <a:t>3/29/2022</a:t>
+              <a:t>3/30/2022</a:t>
             </a:fld>
             <a:endParaRPr lang="en-US"/>
           </a:p>
@@ -417,7 +429,7 @@
           <a:p>
             <a:fld id="{C7A550C2-E7D9-4260-A406-70CCA9D8798D}" type="datetimeFigureOut">
               <a:rPr lang="en-US" smtClean="0"/>
-              <a:t>3/29/2022</a:t>
+              <a:t>3/30/2022</a:t>
             </a:fld>
             <a:endParaRPr lang="en-US"/>
           </a:p>
@@ -597,7 +609,7 @@
           <a:p>
             <a:fld id="{C7A550C2-E7D9-4260-A406-70CCA9D8798D}" type="datetimeFigureOut">
               <a:rPr lang="en-US" smtClean="0"/>
-              <a:t>3/29/2022</a:t>
+              <a:t>3/30/2022</a:t>
             </a:fld>
             <a:endParaRPr lang="en-US"/>
           </a:p>
@@ -767,7 +779,7 @@
           <a:p>
             <a:fld id="{C7A550C2-E7D9-4260-A406-70CCA9D8798D}" type="datetimeFigureOut">
               <a:rPr lang="en-US" smtClean="0"/>
-              <a:t>3/29/2022</a:t>
+              <a:t>3/30/2022</a:t>
             </a:fld>
             <a:endParaRPr lang="en-US"/>
           </a:p>
@@ -1013,7 +1025,7 @@
           <a:p>
             <a:fld id="{C7A550C2-E7D9-4260-A406-70CCA9D8798D}" type="datetimeFigureOut">
               <a:rPr lang="en-US" smtClean="0"/>
-              <a:t>3/29/2022</a:t>
+              <a:t>3/30/2022</a:t>
             </a:fld>
             <a:endParaRPr lang="en-US"/>
           </a:p>
@@ -1245,7 +1257,7 @@
           <a:p>
             <a:fld id="{C7A550C2-E7D9-4260-A406-70CCA9D8798D}" type="datetimeFigureOut">
               <a:rPr lang="en-US" smtClean="0"/>
-              <a:t>3/29/2022</a:t>
+              <a:t>3/30/2022</a:t>
             </a:fld>
             <a:endParaRPr lang="en-US"/>
           </a:p>
@@ -1612,7 +1624,7 @@
           <a:p>
             <a:fld id="{C7A550C2-E7D9-4260-A406-70CCA9D8798D}" type="datetimeFigureOut">
               <a:rPr lang="en-US" smtClean="0"/>
-              <a:t>3/29/2022</a:t>
+              <a:t>3/30/2022</a:t>
             </a:fld>
             <a:endParaRPr lang="en-US"/>
           </a:p>
@@ -1730,7 +1742,7 @@
           <a:p>
             <a:fld id="{C7A550C2-E7D9-4260-A406-70CCA9D8798D}" type="datetimeFigureOut">
               <a:rPr lang="en-US" smtClean="0"/>
-              <a:t>3/29/2022</a:t>
+              <a:t>3/30/2022</a:t>
             </a:fld>
             <a:endParaRPr lang="en-US"/>
           </a:p>
@@ -1825,7 +1837,7 @@
           <a:p>
             <a:fld id="{C7A550C2-E7D9-4260-A406-70CCA9D8798D}" type="datetimeFigureOut">
               <a:rPr lang="en-US" smtClean="0"/>
-              <a:t>3/29/2022</a:t>
+              <a:t>3/30/2022</a:t>
             </a:fld>
             <a:endParaRPr lang="en-US"/>
           </a:p>
@@ -2102,7 +2114,7 @@
           <a:p>
             <a:fld id="{C7A550C2-E7D9-4260-A406-70CCA9D8798D}" type="datetimeFigureOut">
               <a:rPr lang="en-US" smtClean="0"/>
-              <a:t>3/29/2022</a:t>
+              <a:t>3/30/2022</a:t>
             </a:fld>
             <a:endParaRPr lang="en-US"/>
           </a:p>
@@ -2355,7 +2367,7 @@
           <a:p>
             <a:fld id="{C7A550C2-E7D9-4260-A406-70CCA9D8798D}" type="datetimeFigureOut">
               <a:rPr lang="en-US" smtClean="0"/>
-              <a:t>3/29/2022</a:t>
+              <a:t>3/30/2022</a:t>
             </a:fld>
             <a:endParaRPr lang="en-US"/>
           </a:p>
@@ -2568,7 +2580,7 @@
           <a:p>
             <a:fld id="{C7A550C2-E7D9-4260-A406-70CCA9D8798D}" type="datetimeFigureOut">
               <a:rPr lang="en-US" smtClean="0"/>
-              <a:t>3/29/2022</a:t>
+              <a:t>3/30/2022</a:t>
             </a:fld>
             <a:endParaRPr lang="en-US"/>
           </a:p>
@@ -2959,6 +2971,17 @@
 <file path=ppt/slides/slide1.xml><?xml version="1.0" encoding="utf-8"?>
 <p:sld xmlns:a="http://schemas.openxmlformats.org/drawingml/2006/main" xmlns:r="http://schemas.openxmlformats.org/officeDocument/2006/relationships" xmlns:p="http://schemas.openxmlformats.org/presentationml/2006/main">
   <p:cSld>
+    <p:bg>
+      <p:bgPr>
+        <a:solidFill>
+          <a:schemeClr val="accent6">
+            <a:lumMod val="60000"/>
+            <a:lumOff val="40000"/>
+          </a:schemeClr>
+        </a:solidFill>
+        <a:effectLst/>
+      </p:bgPr>
+    </p:bg>
     <p:spTree>
       <p:nvGrpSpPr>
         <p:cNvPr id="1" name=""/>
@@ -3032,7 +3055,2315 @@
 </p:sld>
 </file>
 
-<file path=ppt/slides/slide2.xml><?xml version="1.0" encoding="utf-8"?>
+<file path=ppt/slides/slide10.xml><?xml version="1.0" encoding="utf-8"?>
+<p:sld xmlns:a="http://schemas.openxmlformats.org/drawingml/2006/main" xmlns:r="http://schemas.openxmlformats.org/officeDocument/2006/relationships" xmlns:p="http://schemas.openxmlformats.org/presentationml/2006/main">
+  <p:cSld>
+    <p:spTree>
+      <p:nvGrpSpPr>
+        <p:cNvPr id="1" name=""/>
+        <p:cNvGrpSpPr/>
+        <p:nvPr/>
+      </p:nvGrpSpPr>
+      <p:grpSpPr>
+        <a:xfrm>
+          <a:off x="0" y="0"/>
+          <a:ext cx="0" cy="0"/>
+          <a:chOff x="0" y="0"/>
+          <a:chExt cx="0" cy="0"/>
+        </a:xfrm>
+      </p:grpSpPr>
+      <p:sp>
+        <p:nvSpPr>
+          <p:cNvPr id="2" name="Title 1"/>
+          <p:cNvSpPr>
+            <a:spLocks noGrp="1"/>
+          </p:cNvSpPr>
+          <p:nvPr>
+            <p:ph type="title"/>
+          </p:nvPr>
+        </p:nvSpPr>
+        <p:spPr>
+          <a:xfrm>
+            <a:off x="109151" y="-203286"/>
+            <a:ext cx="10515600" cy="1325563"/>
+          </a:xfrm>
+        </p:spPr>
+        <p:txBody>
+          <a:bodyPr/>
+          <a:lstStyle/>
+          <a:p>
+            <a:r>
+              <a:rPr lang="nl-BE" dirty="0" smtClean="0"/>
+              <a:t>reactive values</a:t>
+            </a:r>
+            <a:endParaRPr lang="en-US" dirty="0"/>
+          </a:p>
+        </p:txBody>
+      </p:sp>
+      <p:sp>
+        <p:nvSpPr>
+          <p:cNvPr id="10" name="Content Placeholder 2"/>
+          <p:cNvSpPr>
+            <a:spLocks noGrp="1"/>
+          </p:cNvSpPr>
+          <p:nvPr>
+            <p:ph idx="1"/>
+          </p:nvPr>
+        </p:nvSpPr>
+        <p:spPr>
+          <a:xfrm>
+            <a:off x="203931" y="1052547"/>
+            <a:ext cx="11368171" cy="5499556"/>
+          </a:xfrm>
+        </p:spPr>
+        <p:txBody>
+          <a:bodyPr>
+            <a:normAutofit/>
+          </a:bodyPr>
+          <a:lstStyle/>
+          <a:p>
+            <a:r>
+              <a:rPr lang="nl-BE" sz="2400" dirty="0" smtClean="0"/>
+              <a:t>rv$focus_stock</a:t>
+            </a:r>
+          </a:p>
+          <a:p>
+            <a:pPr lvl="1"/>
+            <a:r>
+              <a:rPr lang="nl-BE" sz="2000" dirty="0" smtClean="0"/>
+              <a:t>guarantees continuity between pages when selecting 1 stock</a:t>
+            </a:r>
+          </a:p>
+          <a:p>
+            <a:pPr lvl="1"/>
+            <a:r>
+              <a:rPr lang="nl-BE" sz="2000" dirty="0" smtClean="0"/>
+              <a:t>first lines sets the rv so that other selectinputs may update</a:t>
+            </a:r>
+          </a:p>
+          <a:p>
+            <a:pPr lvl="1"/>
+            <a:r>
+              <a:rPr lang="nl-BE" sz="2000" dirty="0" smtClean="0"/>
+              <a:t>second line updates this selectinput if somewhere else the rv was modified</a:t>
+            </a:r>
+          </a:p>
+          <a:p>
+            <a:endParaRPr lang="nl-BE" sz="2400" dirty="0"/>
+          </a:p>
+          <a:p>
+            <a:endParaRPr lang="nl-BE" sz="2400" dirty="0" smtClean="0"/>
+          </a:p>
+          <a:p>
+            <a:r>
+              <a:rPr lang="nl-BE" sz="2400" dirty="0" smtClean="0"/>
+              <a:t>rv$msgs</a:t>
+            </a:r>
+          </a:p>
+          <a:p>
+            <a:pPr lvl="1"/>
+            <a:r>
+              <a:rPr lang="nl-BE" sz="1800" dirty="0" smtClean="0"/>
+              <a:t>contains messages shown in notification corner as well as notification menu</a:t>
+            </a:r>
+            <a:endParaRPr lang="nl-BE" sz="1800" dirty="0" smtClean="0"/>
+          </a:p>
+        </p:txBody>
+      </p:sp>
+      <p:pic>
+        <p:nvPicPr>
+          <p:cNvPr id="3" name="Picture 2"/>
+          <p:cNvPicPr>
+            <a:picLocks noChangeAspect="1"/>
+          </p:cNvPicPr>
+          <p:nvPr/>
+        </p:nvPicPr>
+        <p:blipFill>
+          <a:blip r:embed="rId2"/>
+          <a:stretch>
+            <a:fillRect/>
+          </a:stretch>
+        </p:blipFill>
+        <p:spPr>
+          <a:xfrm>
+            <a:off x="1013383" y="2560887"/>
+            <a:ext cx="9324975" cy="323850"/>
+          </a:xfrm>
+          <a:prstGeom prst="rect">
+            <a:avLst/>
+          </a:prstGeom>
+        </p:spPr>
+      </p:pic>
+    </p:spTree>
+    <p:extLst>
+      <p:ext uri="{BB962C8B-B14F-4D97-AF65-F5344CB8AC3E}">
+        <p14:creationId xmlns:p14="http://schemas.microsoft.com/office/powerpoint/2010/main" val="994119531"/>
+      </p:ext>
+    </p:extLst>
+  </p:cSld>
+  <p:clrMapOvr>
+    <a:masterClrMapping/>
+  </p:clrMapOvr>
+</p:sld>
+</file>
+
+<file path=ppt/slides/slide11.xml><?xml version="1.0" encoding="utf-8"?>
+<p:sld xmlns:a="http://schemas.openxmlformats.org/drawingml/2006/main" xmlns:r="http://schemas.openxmlformats.org/officeDocument/2006/relationships" xmlns:p="http://schemas.openxmlformats.org/presentationml/2006/main">
+  <p:cSld>
+    <p:bg>
+      <p:bgPr>
+        <a:solidFill>
+          <a:schemeClr val="accent6">
+            <a:lumMod val="20000"/>
+            <a:lumOff val="80000"/>
+          </a:schemeClr>
+        </a:solidFill>
+        <a:effectLst/>
+      </p:bgPr>
+    </p:bg>
+    <p:spTree>
+      <p:nvGrpSpPr>
+        <p:cNvPr id="1" name=""/>
+        <p:cNvGrpSpPr/>
+        <p:nvPr/>
+      </p:nvGrpSpPr>
+      <p:grpSpPr>
+        <a:xfrm>
+          <a:off x="0" y="0"/>
+          <a:ext cx="0" cy="0"/>
+          <a:chOff x="0" y="0"/>
+          <a:chExt cx="0" cy="0"/>
+        </a:xfrm>
+      </p:grpSpPr>
+      <p:sp>
+        <p:nvSpPr>
+          <p:cNvPr id="4" name="Title 3"/>
+          <p:cNvSpPr>
+            <a:spLocks noGrp="1"/>
+          </p:cNvSpPr>
+          <p:nvPr>
+            <p:ph type="ctrTitle"/>
+          </p:nvPr>
+        </p:nvSpPr>
+        <p:spPr/>
+        <p:txBody>
+          <a:bodyPr/>
+          <a:lstStyle/>
+          <a:p>
+            <a:r>
+              <a:rPr lang="nl-BE" dirty="0" smtClean="0"/>
+              <a:t>performance</a:t>
+            </a:r>
+            <a:endParaRPr lang="en-US" dirty="0"/>
+          </a:p>
+        </p:txBody>
+      </p:sp>
+      <p:sp>
+        <p:nvSpPr>
+          <p:cNvPr id="5" name="Subtitle 4"/>
+          <p:cNvSpPr>
+            <a:spLocks noGrp="1"/>
+          </p:cNvSpPr>
+          <p:nvPr>
+            <p:ph type="subTitle" idx="1"/>
+          </p:nvPr>
+        </p:nvSpPr>
+        <p:spPr/>
+        <p:txBody>
+          <a:bodyPr/>
+          <a:lstStyle/>
+          <a:p>
+            <a:endParaRPr lang="en-US"/>
+          </a:p>
+        </p:txBody>
+      </p:sp>
+    </p:spTree>
+    <p:extLst>
+      <p:ext uri="{BB962C8B-B14F-4D97-AF65-F5344CB8AC3E}">
+        <p14:creationId xmlns:p14="http://schemas.microsoft.com/office/powerpoint/2010/main" val="253882994"/>
+      </p:ext>
+    </p:extLst>
+  </p:cSld>
+  <p:clrMapOvr>
+    <a:overrideClrMapping bg1="lt1" tx1="dk1" bg2="lt2" tx2="dk2" accent1="accent1" accent2="accent2" accent3="accent3" accent4="accent4" accent5="accent5" accent6="accent6" hlink="hlink" folHlink="folHlink"/>
+  </p:clrMapOvr>
+</p:sld>
+</file>
+
+<file path=ppt/slides/slide12.xml><?xml version="1.0" encoding="utf-8"?>
+<p:sld xmlns:a="http://schemas.openxmlformats.org/drawingml/2006/main" xmlns:r="http://schemas.openxmlformats.org/officeDocument/2006/relationships" xmlns:p="http://schemas.openxmlformats.org/presentationml/2006/main">
+  <p:cSld>
+    <p:spTree>
+      <p:nvGrpSpPr>
+        <p:cNvPr id="1" name=""/>
+        <p:cNvGrpSpPr/>
+        <p:nvPr/>
+      </p:nvGrpSpPr>
+      <p:grpSpPr>
+        <a:xfrm>
+          <a:off x="0" y="0"/>
+          <a:ext cx="0" cy="0"/>
+          <a:chOff x="0" y="0"/>
+          <a:chExt cx="0" cy="0"/>
+        </a:xfrm>
+      </p:grpSpPr>
+      <p:sp>
+        <p:nvSpPr>
+          <p:cNvPr id="2" name="Title 1"/>
+          <p:cNvSpPr>
+            <a:spLocks noGrp="1"/>
+          </p:cNvSpPr>
+          <p:nvPr>
+            <p:ph type="title"/>
+          </p:nvPr>
+        </p:nvSpPr>
+        <p:spPr>
+          <a:xfrm>
+            <a:off x="109151" y="-203286"/>
+            <a:ext cx="10515600" cy="1325563"/>
+          </a:xfrm>
+        </p:spPr>
+        <p:txBody>
+          <a:bodyPr/>
+          <a:lstStyle/>
+          <a:p>
+            <a:r>
+              <a:rPr lang="nl-BE" dirty="0" smtClean="0"/>
+              <a:t>performance per stock</a:t>
+            </a:r>
+            <a:endParaRPr lang="en-US" dirty="0"/>
+          </a:p>
+        </p:txBody>
+      </p:sp>
+      <p:sp>
+        <p:nvSpPr>
+          <p:cNvPr id="10" name="Content Placeholder 2"/>
+          <p:cNvSpPr>
+            <a:spLocks noGrp="1"/>
+          </p:cNvSpPr>
+          <p:nvPr>
+            <p:ph idx="1"/>
+          </p:nvPr>
+        </p:nvSpPr>
+        <p:spPr>
+          <a:xfrm>
+            <a:off x="203931" y="1052547"/>
+            <a:ext cx="11368171" cy="1630748"/>
+          </a:xfrm>
+        </p:spPr>
+        <p:txBody>
+          <a:bodyPr>
+            <a:normAutofit lnSpcReduction="10000"/>
+          </a:bodyPr>
+          <a:lstStyle/>
+          <a:p>
+            <a:r>
+              <a:rPr lang="nl-BE" sz="2400" dirty="0" smtClean="0"/>
+              <a:t>everything is shown in euro unless otherwise specified</a:t>
+            </a:r>
+          </a:p>
+          <a:p>
+            <a:r>
+              <a:rPr lang="nl-BE" sz="2400" dirty="0" smtClean="0"/>
+              <a:t>for a stock we keep track of the mean </a:t>
+            </a:r>
+            <a:r>
+              <a:rPr lang="nl-BE" sz="2400" dirty="0"/>
+              <a:t>acquire price, irrespective of time </a:t>
+            </a:r>
+            <a:r>
+              <a:rPr lang="nl-BE" sz="2400" dirty="0" smtClean="0"/>
+              <a:t>held,</a:t>
+            </a:r>
+            <a:r>
+              <a:rPr lang="nl-BE" sz="2400" dirty="0" smtClean="0"/>
+              <a:t> and compare that to the latest close price, </a:t>
+            </a:r>
+            <a:endParaRPr lang="nl-BE" sz="2400" dirty="0"/>
+          </a:p>
+          <a:p>
+            <a:r>
+              <a:rPr lang="nl-BE" sz="2400" dirty="0" smtClean="0"/>
+              <a:t>example:</a:t>
+            </a:r>
+          </a:p>
+          <a:p>
+            <a:pPr lvl="1"/>
+            <a:endParaRPr lang="nl-BE" sz="1400" dirty="0" smtClean="0"/>
+          </a:p>
+        </p:txBody>
+      </p:sp>
+      <p:cxnSp>
+        <p:nvCxnSpPr>
+          <p:cNvPr id="5" name="Straight Arrow Connector 4"/>
+          <p:cNvCxnSpPr/>
+          <p:nvPr/>
+        </p:nvCxnSpPr>
+        <p:spPr>
+          <a:xfrm flipV="1">
+            <a:off x="1131488" y="2710302"/>
+            <a:ext cx="9966302" cy="13160"/>
+          </a:xfrm>
+          <a:prstGeom prst="straightConnector1">
+            <a:avLst/>
+          </a:prstGeom>
+          <a:ln>
+            <a:tailEnd type="triangle"/>
+          </a:ln>
+        </p:spPr>
+        <p:style>
+          <a:lnRef idx="1">
+            <a:schemeClr val="accent1"/>
+          </a:lnRef>
+          <a:fillRef idx="0">
+            <a:schemeClr val="accent1"/>
+          </a:fillRef>
+          <a:effectRef idx="0">
+            <a:schemeClr val="accent1"/>
+          </a:effectRef>
+          <a:fontRef idx="minor">
+            <a:schemeClr val="tx1"/>
+          </a:fontRef>
+        </p:style>
+      </p:cxnSp>
+      <p:cxnSp>
+        <p:nvCxnSpPr>
+          <p:cNvPr id="7" name="Straight Connector 6"/>
+          <p:cNvCxnSpPr/>
+          <p:nvPr/>
+        </p:nvCxnSpPr>
+        <p:spPr>
+          <a:xfrm>
+            <a:off x="1539350" y="2611628"/>
+            <a:ext cx="1" cy="236823"/>
+          </a:xfrm>
+          <a:prstGeom prst="line">
+            <a:avLst/>
+          </a:prstGeom>
+        </p:spPr>
+        <p:style>
+          <a:lnRef idx="1">
+            <a:schemeClr val="accent1"/>
+          </a:lnRef>
+          <a:fillRef idx="0">
+            <a:schemeClr val="accent1"/>
+          </a:fillRef>
+          <a:effectRef idx="0">
+            <a:schemeClr val="accent1"/>
+          </a:effectRef>
+          <a:fontRef idx="minor">
+            <a:schemeClr val="tx1"/>
+          </a:fontRef>
+        </p:style>
+      </p:cxnSp>
+      <p:cxnSp>
+        <p:nvCxnSpPr>
+          <p:cNvPr id="11" name="Straight Connector 10"/>
+          <p:cNvCxnSpPr/>
+          <p:nvPr/>
+        </p:nvCxnSpPr>
+        <p:spPr>
+          <a:xfrm>
+            <a:off x="3308948" y="2591892"/>
+            <a:ext cx="1" cy="236823"/>
+          </a:xfrm>
+          <a:prstGeom prst="line">
+            <a:avLst/>
+          </a:prstGeom>
+        </p:spPr>
+        <p:style>
+          <a:lnRef idx="1">
+            <a:schemeClr val="accent1"/>
+          </a:lnRef>
+          <a:fillRef idx="0">
+            <a:schemeClr val="accent1"/>
+          </a:fillRef>
+          <a:effectRef idx="0">
+            <a:schemeClr val="accent1"/>
+          </a:effectRef>
+          <a:fontRef idx="minor">
+            <a:schemeClr val="tx1"/>
+          </a:fontRef>
+        </p:style>
+      </p:cxnSp>
+      <p:cxnSp>
+        <p:nvCxnSpPr>
+          <p:cNvPr id="12" name="Straight Connector 11"/>
+          <p:cNvCxnSpPr/>
+          <p:nvPr/>
+        </p:nvCxnSpPr>
+        <p:spPr>
+          <a:xfrm>
+            <a:off x="9673234" y="2591895"/>
+            <a:ext cx="1" cy="236823"/>
+          </a:xfrm>
+          <a:prstGeom prst="line">
+            <a:avLst/>
+          </a:prstGeom>
+        </p:spPr>
+        <p:style>
+          <a:lnRef idx="1">
+            <a:schemeClr val="accent1"/>
+          </a:lnRef>
+          <a:fillRef idx="0">
+            <a:schemeClr val="accent1"/>
+          </a:fillRef>
+          <a:effectRef idx="0">
+            <a:schemeClr val="accent1"/>
+          </a:effectRef>
+          <a:fontRef idx="minor">
+            <a:schemeClr val="tx1"/>
+          </a:fontRef>
+        </p:style>
+      </p:cxnSp>
+      <p:cxnSp>
+        <p:nvCxnSpPr>
+          <p:cNvPr id="13" name="Straight Connector 12"/>
+          <p:cNvCxnSpPr/>
+          <p:nvPr/>
+        </p:nvCxnSpPr>
+        <p:spPr>
+          <a:xfrm>
+            <a:off x="7693473" y="2591888"/>
+            <a:ext cx="1" cy="236823"/>
+          </a:xfrm>
+          <a:prstGeom prst="line">
+            <a:avLst/>
+          </a:prstGeom>
+        </p:spPr>
+        <p:style>
+          <a:lnRef idx="1">
+            <a:schemeClr val="accent1"/>
+          </a:lnRef>
+          <a:fillRef idx="0">
+            <a:schemeClr val="accent1"/>
+          </a:fillRef>
+          <a:effectRef idx="0">
+            <a:schemeClr val="accent1"/>
+          </a:effectRef>
+          <a:fontRef idx="minor">
+            <a:schemeClr val="tx1"/>
+          </a:fontRef>
+        </p:style>
+      </p:cxnSp>
+      <p:sp>
+        <p:nvSpPr>
+          <p:cNvPr id="9" name="TextBox 8"/>
+          <p:cNvSpPr txBox="1"/>
+          <p:nvPr/>
+        </p:nvSpPr>
+        <p:spPr>
+          <a:xfrm>
+            <a:off x="868351" y="2848451"/>
+            <a:ext cx="1341997" cy="461665"/>
+          </a:xfrm>
+          <a:prstGeom prst="rect">
+            <a:avLst/>
+          </a:prstGeom>
+          <a:noFill/>
+        </p:spPr>
+        <p:txBody>
+          <a:bodyPr wrap="square" rtlCol="0">
+            <a:spAutoFit/>
+          </a:bodyPr>
+          <a:lstStyle/>
+          <a:p>
+            <a:pPr algn="ctr"/>
+            <a:r>
+              <a:rPr lang="nl-BE" sz="1200" dirty="0" smtClean="0"/>
+              <a:t>buy 100 stocks at 10 EUR (1000EUR)</a:t>
+            </a:r>
+            <a:endParaRPr lang="en-US" sz="1200" dirty="0"/>
+          </a:p>
+        </p:txBody>
+      </p:sp>
+      <p:sp>
+        <p:nvSpPr>
+          <p:cNvPr id="14" name="TextBox 13"/>
+          <p:cNvSpPr txBox="1"/>
+          <p:nvPr/>
+        </p:nvSpPr>
+        <p:spPr>
+          <a:xfrm>
+            <a:off x="2637949" y="2874764"/>
+            <a:ext cx="1447248" cy="461665"/>
+          </a:xfrm>
+          <a:prstGeom prst="rect">
+            <a:avLst/>
+          </a:prstGeom>
+          <a:noFill/>
+        </p:spPr>
+        <p:txBody>
+          <a:bodyPr wrap="square" rtlCol="0">
+            <a:spAutoFit/>
+          </a:bodyPr>
+          <a:lstStyle/>
+          <a:p>
+            <a:pPr algn="ctr"/>
+            <a:r>
+              <a:rPr lang="nl-BE" sz="1200" dirty="0" smtClean="0"/>
+              <a:t>buy 100 stocks at 14 EUR (1400 EUR)</a:t>
+            </a:r>
+            <a:endParaRPr lang="en-US" sz="1200" dirty="0"/>
+          </a:p>
+        </p:txBody>
+      </p:sp>
+      <p:sp>
+        <p:nvSpPr>
+          <p:cNvPr id="15" name="TextBox 14"/>
+          <p:cNvSpPr txBox="1"/>
+          <p:nvPr/>
+        </p:nvSpPr>
+        <p:spPr>
+          <a:xfrm>
+            <a:off x="6946810" y="2848451"/>
+            <a:ext cx="1417662" cy="461665"/>
+          </a:xfrm>
+          <a:prstGeom prst="rect">
+            <a:avLst/>
+          </a:prstGeom>
+          <a:noFill/>
+        </p:spPr>
+        <p:txBody>
+          <a:bodyPr wrap="square" rtlCol="0">
+            <a:spAutoFit/>
+          </a:bodyPr>
+          <a:lstStyle/>
+          <a:p>
+            <a:pPr algn="ctr"/>
+            <a:r>
+              <a:rPr lang="nl-BE" sz="1200" dirty="0" smtClean="0"/>
+              <a:t>buy 100 stocks at 16 EUR (1600 EUR)</a:t>
+            </a:r>
+            <a:endParaRPr lang="en-US" sz="1200" dirty="0"/>
+          </a:p>
+        </p:txBody>
+      </p:sp>
+      <p:sp>
+        <p:nvSpPr>
+          <p:cNvPr id="16" name="TextBox 15"/>
+          <p:cNvSpPr txBox="1"/>
+          <p:nvPr/>
+        </p:nvSpPr>
+        <p:spPr>
+          <a:xfrm>
+            <a:off x="9081509" y="2841868"/>
+            <a:ext cx="1341997" cy="461665"/>
+          </a:xfrm>
+          <a:prstGeom prst="rect">
+            <a:avLst/>
+          </a:prstGeom>
+          <a:noFill/>
+        </p:spPr>
+        <p:txBody>
+          <a:bodyPr wrap="square" rtlCol="0">
+            <a:spAutoFit/>
+          </a:bodyPr>
+          <a:lstStyle/>
+          <a:p>
+            <a:pPr algn="ctr"/>
+            <a:r>
+              <a:rPr lang="nl-BE" sz="1200" dirty="0" smtClean="0"/>
+              <a:t>current evaluation 18 EUR</a:t>
+            </a:r>
+            <a:endParaRPr lang="en-US" sz="1200" dirty="0"/>
+          </a:p>
+        </p:txBody>
+      </p:sp>
+      <p:sp>
+        <p:nvSpPr>
+          <p:cNvPr id="20" name="TextBox 19"/>
+          <p:cNvSpPr txBox="1"/>
+          <p:nvPr/>
+        </p:nvSpPr>
+        <p:spPr>
+          <a:xfrm>
+            <a:off x="-6908" y="3807671"/>
+            <a:ext cx="947622" cy="646331"/>
+          </a:xfrm>
+          <a:prstGeom prst="rect">
+            <a:avLst/>
+          </a:prstGeom>
+          <a:noFill/>
+        </p:spPr>
+        <p:txBody>
+          <a:bodyPr wrap="square" rtlCol="0">
+            <a:spAutoFit/>
+          </a:bodyPr>
+          <a:lstStyle/>
+          <a:p>
+            <a:pPr algn="ctr"/>
+            <a:r>
+              <a:rPr lang="nl-BE" sz="1200" dirty="0" smtClean="0"/>
+              <a:t>mean acquire price</a:t>
+            </a:r>
+            <a:endParaRPr lang="en-US" sz="1200" dirty="0"/>
+          </a:p>
+        </p:txBody>
+      </p:sp>
+      <p:sp>
+        <p:nvSpPr>
+          <p:cNvPr id="21" name="TextBox 20"/>
+          <p:cNvSpPr txBox="1"/>
+          <p:nvPr/>
+        </p:nvSpPr>
+        <p:spPr>
+          <a:xfrm>
+            <a:off x="-39801" y="4616408"/>
+            <a:ext cx="947622" cy="646331"/>
+          </a:xfrm>
+          <a:prstGeom prst="rect">
+            <a:avLst/>
+          </a:prstGeom>
+          <a:noFill/>
+        </p:spPr>
+        <p:txBody>
+          <a:bodyPr wrap="square" rtlCol="0">
+            <a:spAutoFit/>
+          </a:bodyPr>
+          <a:lstStyle/>
+          <a:p>
+            <a:pPr algn="ctr"/>
+            <a:r>
+              <a:rPr lang="nl-BE" sz="1200" dirty="0" smtClean="0"/>
+              <a:t>mean acquire evaluation</a:t>
+            </a:r>
+            <a:endParaRPr lang="en-US" sz="1200" dirty="0"/>
+          </a:p>
+        </p:txBody>
+      </p:sp>
+      <p:sp>
+        <p:nvSpPr>
+          <p:cNvPr id="22" name="TextBox 21"/>
+          <p:cNvSpPr txBox="1"/>
+          <p:nvPr/>
+        </p:nvSpPr>
+        <p:spPr>
+          <a:xfrm>
+            <a:off x="-79272" y="5326465"/>
+            <a:ext cx="1019985" cy="461665"/>
+          </a:xfrm>
+          <a:prstGeom prst="rect">
+            <a:avLst/>
+          </a:prstGeom>
+          <a:noFill/>
+        </p:spPr>
+        <p:txBody>
+          <a:bodyPr wrap="square" rtlCol="0">
+            <a:spAutoFit/>
+          </a:bodyPr>
+          <a:lstStyle/>
+          <a:p>
+            <a:pPr algn="ctr"/>
+            <a:r>
+              <a:rPr lang="nl-BE" sz="1200" dirty="0" smtClean="0"/>
+              <a:t>performance absolute</a:t>
+            </a:r>
+            <a:endParaRPr lang="en-US" sz="1200" dirty="0"/>
+          </a:p>
+        </p:txBody>
+      </p:sp>
+      <p:sp>
+        <p:nvSpPr>
+          <p:cNvPr id="23" name="TextBox 22"/>
+          <p:cNvSpPr txBox="1"/>
+          <p:nvPr/>
+        </p:nvSpPr>
+        <p:spPr>
+          <a:xfrm>
+            <a:off x="-79272" y="6112750"/>
+            <a:ext cx="1019985" cy="461665"/>
+          </a:xfrm>
+          <a:prstGeom prst="rect">
+            <a:avLst/>
+          </a:prstGeom>
+          <a:noFill/>
+        </p:spPr>
+        <p:txBody>
+          <a:bodyPr wrap="square" rtlCol="0">
+            <a:spAutoFit/>
+          </a:bodyPr>
+          <a:lstStyle/>
+          <a:p>
+            <a:pPr algn="ctr"/>
+            <a:r>
+              <a:rPr lang="nl-BE" sz="1200" dirty="0" smtClean="0"/>
+              <a:t>performance relative</a:t>
+            </a:r>
+            <a:endParaRPr lang="en-US" sz="1200" dirty="0"/>
+          </a:p>
+        </p:txBody>
+      </p:sp>
+      <p:sp>
+        <p:nvSpPr>
+          <p:cNvPr id="24" name="TextBox 23"/>
+          <p:cNvSpPr txBox="1"/>
+          <p:nvPr/>
+        </p:nvSpPr>
+        <p:spPr>
+          <a:xfrm>
+            <a:off x="789080" y="3925000"/>
+            <a:ext cx="1341997" cy="276999"/>
+          </a:xfrm>
+          <a:prstGeom prst="rect">
+            <a:avLst/>
+          </a:prstGeom>
+          <a:noFill/>
+        </p:spPr>
+        <p:txBody>
+          <a:bodyPr wrap="square" rtlCol="0">
+            <a:spAutoFit/>
+          </a:bodyPr>
+          <a:lstStyle/>
+          <a:p>
+            <a:pPr algn="ctr"/>
+            <a:r>
+              <a:rPr lang="nl-BE" sz="1200" dirty="0" smtClean="0"/>
+              <a:t>10</a:t>
+            </a:r>
+            <a:endParaRPr lang="en-US" sz="1200" dirty="0"/>
+          </a:p>
+        </p:txBody>
+      </p:sp>
+      <p:sp>
+        <p:nvSpPr>
+          <p:cNvPr id="25" name="TextBox 24"/>
+          <p:cNvSpPr txBox="1"/>
+          <p:nvPr/>
+        </p:nvSpPr>
+        <p:spPr>
+          <a:xfrm>
+            <a:off x="789080" y="4776967"/>
+            <a:ext cx="1341997" cy="276999"/>
+          </a:xfrm>
+          <a:prstGeom prst="rect">
+            <a:avLst/>
+          </a:prstGeom>
+          <a:noFill/>
+        </p:spPr>
+        <p:txBody>
+          <a:bodyPr wrap="square" rtlCol="0">
+            <a:spAutoFit/>
+          </a:bodyPr>
+          <a:lstStyle/>
+          <a:p>
+            <a:pPr algn="ctr"/>
+            <a:r>
+              <a:rPr lang="nl-BE" sz="1200" dirty="0" smtClean="0"/>
+              <a:t>1000</a:t>
+            </a:r>
+            <a:endParaRPr lang="en-US" sz="1200" dirty="0"/>
+          </a:p>
+        </p:txBody>
+      </p:sp>
+      <p:sp>
+        <p:nvSpPr>
+          <p:cNvPr id="26" name="TextBox 25"/>
+          <p:cNvSpPr txBox="1"/>
+          <p:nvPr/>
+        </p:nvSpPr>
+        <p:spPr>
+          <a:xfrm>
+            <a:off x="789079" y="5396738"/>
+            <a:ext cx="1341997" cy="276999"/>
+          </a:xfrm>
+          <a:prstGeom prst="rect">
+            <a:avLst/>
+          </a:prstGeom>
+          <a:noFill/>
+        </p:spPr>
+        <p:txBody>
+          <a:bodyPr wrap="square" rtlCol="0">
+            <a:spAutoFit/>
+          </a:bodyPr>
+          <a:lstStyle/>
+          <a:p>
+            <a:pPr algn="ctr"/>
+            <a:r>
+              <a:rPr lang="nl-BE" sz="1200" dirty="0" smtClean="0"/>
+              <a:t>0</a:t>
+            </a:r>
+            <a:endParaRPr lang="en-US" sz="1200" dirty="0"/>
+          </a:p>
+        </p:txBody>
+      </p:sp>
+      <p:sp>
+        <p:nvSpPr>
+          <p:cNvPr id="27" name="TextBox 26"/>
+          <p:cNvSpPr txBox="1"/>
+          <p:nvPr/>
+        </p:nvSpPr>
+        <p:spPr>
+          <a:xfrm>
+            <a:off x="795657" y="6205082"/>
+            <a:ext cx="1341997" cy="276999"/>
+          </a:xfrm>
+          <a:prstGeom prst="rect">
+            <a:avLst/>
+          </a:prstGeom>
+          <a:noFill/>
+        </p:spPr>
+        <p:txBody>
+          <a:bodyPr wrap="square" rtlCol="0">
+            <a:spAutoFit/>
+          </a:bodyPr>
+          <a:lstStyle/>
+          <a:p>
+            <a:pPr algn="ctr"/>
+            <a:r>
+              <a:rPr lang="nl-BE" sz="1200" dirty="0"/>
+              <a:t>0</a:t>
+            </a:r>
+            <a:endParaRPr lang="en-US" sz="1200" dirty="0"/>
+          </a:p>
+        </p:txBody>
+      </p:sp>
+      <p:sp>
+        <p:nvSpPr>
+          <p:cNvPr id="28" name="TextBox 27"/>
+          <p:cNvSpPr txBox="1"/>
+          <p:nvPr/>
+        </p:nvSpPr>
+        <p:spPr>
+          <a:xfrm>
+            <a:off x="2618215" y="3925000"/>
+            <a:ext cx="1341997" cy="646331"/>
+          </a:xfrm>
+          <a:prstGeom prst="rect">
+            <a:avLst/>
+          </a:prstGeom>
+          <a:noFill/>
+        </p:spPr>
+        <p:txBody>
+          <a:bodyPr wrap="square" rtlCol="0">
+            <a:spAutoFit/>
+          </a:bodyPr>
+          <a:lstStyle/>
+          <a:p>
+            <a:pPr algn="ctr"/>
+            <a:r>
+              <a:rPr lang="nl-BE" sz="1200" dirty="0" smtClean="0"/>
+              <a:t>(100x10 + 100x14) / 200 = 12</a:t>
+            </a:r>
+          </a:p>
+          <a:p>
+            <a:pPr algn="ctr"/>
+            <a:endParaRPr lang="en-US" sz="1200" dirty="0"/>
+          </a:p>
+        </p:txBody>
+      </p:sp>
+      <p:sp>
+        <p:nvSpPr>
+          <p:cNvPr id="29" name="TextBox 28"/>
+          <p:cNvSpPr txBox="1"/>
+          <p:nvPr/>
+        </p:nvSpPr>
+        <p:spPr>
+          <a:xfrm>
+            <a:off x="2618215" y="4776967"/>
+            <a:ext cx="1341997" cy="276999"/>
+          </a:xfrm>
+          <a:prstGeom prst="rect">
+            <a:avLst/>
+          </a:prstGeom>
+          <a:noFill/>
+        </p:spPr>
+        <p:txBody>
+          <a:bodyPr wrap="square" rtlCol="0">
+            <a:spAutoFit/>
+          </a:bodyPr>
+          <a:lstStyle/>
+          <a:p>
+            <a:pPr algn="ctr"/>
+            <a:r>
+              <a:rPr lang="nl-BE" sz="1200" dirty="0" smtClean="0"/>
+              <a:t>12 x 200 = 2400</a:t>
+            </a:r>
+            <a:endParaRPr lang="en-US" sz="1200" dirty="0"/>
+          </a:p>
+        </p:txBody>
+      </p:sp>
+      <p:sp>
+        <p:nvSpPr>
+          <p:cNvPr id="30" name="TextBox 29"/>
+          <p:cNvSpPr txBox="1"/>
+          <p:nvPr/>
+        </p:nvSpPr>
+        <p:spPr>
+          <a:xfrm>
+            <a:off x="2618214" y="5396738"/>
+            <a:ext cx="1341997" cy="461665"/>
+          </a:xfrm>
+          <a:prstGeom prst="rect">
+            <a:avLst/>
+          </a:prstGeom>
+          <a:noFill/>
+        </p:spPr>
+        <p:txBody>
+          <a:bodyPr wrap="square" rtlCol="0">
+            <a:spAutoFit/>
+          </a:bodyPr>
+          <a:lstStyle/>
+          <a:p>
+            <a:pPr algn="ctr"/>
+            <a:r>
+              <a:rPr lang="nl-BE" sz="1200" dirty="0" smtClean="0"/>
+              <a:t>14x200 – 2400 = 400</a:t>
+            </a:r>
+            <a:endParaRPr lang="en-US" sz="1200" dirty="0"/>
+          </a:p>
+        </p:txBody>
+      </p:sp>
+      <p:sp>
+        <p:nvSpPr>
+          <p:cNvPr id="31" name="TextBox 30"/>
+          <p:cNvSpPr txBox="1"/>
+          <p:nvPr/>
+        </p:nvSpPr>
+        <p:spPr>
+          <a:xfrm>
+            <a:off x="2624792" y="6205082"/>
+            <a:ext cx="1341997" cy="461665"/>
+          </a:xfrm>
+          <a:prstGeom prst="rect">
+            <a:avLst/>
+          </a:prstGeom>
+          <a:noFill/>
+        </p:spPr>
+        <p:txBody>
+          <a:bodyPr wrap="square" rtlCol="0">
+            <a:spAutoFit/>
+          </a:bodyPr>
+          <a:lstStyle/>
+          <a:p>
+            <a:pPr algn="ctr"/>
+            <a:r>
+              <a:rPr lang="nl-BE" sz="1200" dirty="0" smtClean="0"/>
+              <a:t>400 / 2400 = 16,66%</a:t>
+            </a:r>
+            <a:endParaRPr lang="en-US" sz="1200" dirty="0"/>
+          </a:p>
+        </p:txBody>
+      </p:sp>
+      <p:sp>
+        <p:nvSpPr>
+          <p:cNvPr id="32" name="TextBox 31"/>
+          <p:cNvSpPr txBox="1"/>
+          <p:nvPr/>
+        </p:nvSpPr>
+        <p:spPr>
+          <a:xfrm>
+            <a:off x="0" y="3323962"/>
+            <a:ext cx="947622" cy="276999"/>
+          </a:xfrm>
+          <a:prstGeom prst="rect">
+            <a:avLst/>
+          </a:prstGeom>
+          <a:noFill/>
+        </p:spPr>
+        <p:txBody>
+          <a:bodyPr wrap="square" rtlCol="0">
+            <a:spAutoFit/>
+          </a:bodyPr>
+          <a:lstStyle/>
+          <a:p>
+            <a:pPr algn="ctr"/>
+            <a:r>
+              <a:rPr lang="nl-BE" sz="1200" dirty="0" smtClean="0"/>
+              <a:t>holding</a:t>
+            </a:r>
+            <a:endParaRPr lang="en-US" sz="1200" dirty="0"/>
+          </a:p>
+        </p:txBody>
+      </p:sp>
+      <p:sp>
+        <p:nvSpPr>
+          <p:cNvPr id="33" name="TextBox 32"/>
+          <p:cNvSpPr txBox="1"/>
+          <p:nvPr/>
+        </p:nvSpPr>
+        <p:spPr>
+          <a:xfrm>
+            <a:off x="808030" y="3326132"/>
+            <a:ext cx="1341997" cy="276999"/>
+          </a:xfrm>
+          <a:prstGeom prst="rect">
+            <a:avLst/>
+          </a:prstGeom>
+          <a:noFill/>
+        </p:spPr>
+        <p:txBody>
+          <a:bodyPr wrap="square" rtlCol="0">
+            <a:spAutoFit/>
+          </a:bodyPr>
+          <a:lstStyle/>
+          <a:p>
+            <a:pPr algn="ctr"/>
+            <a:r>
+              <a:rPr lang="nl-BE" sz="1200" dirty="0" smtClean="0"/>
+              <a:t>100</a:t>
+            </a:r>
+            <a:endParaRPr lang="en-US" sz="1200" dirty="0"/>
+          </a:p>
+        </p:txBody>
+      </p:sp>
+      <p:sp>
+        <p:nvSpPr>
+          <p:cNvPr id="34" name="TextBox 33"/>
+          <p:cNvSpPr txBox="1"/>
+          <p:nvPr/>
+        </p:nvSpPr>
+        <p:spPr>
+          <a:xfrm>
+            <a:off x="2608503" y="3341535"/>
+            <a:ext cx="1341997" cy="276999"/>
+          </a:xfrm>
+          <a:prstGeom prst="rect">
+            <a:avLst/>
+          </a:prstGeom>
+          <a:noFill/>
+        </p:spPr>
+        <p:txBody>
+          <a:bodyPr wrap="square" rtlCol="0">
+            <a:spAutoFit/>
+          </a:bodyPr>
+          <a:lstStyle/>
+          <a:p>
+            <a:pPr algn="ctr"/>
+            <a:r>
+              <a:rPr lang="nl-BE" sz="1200" dirty="0" smtClean="0"/>
+              <a:t>200</a:t>
+            </a:r>
+            <a:endParaRPr lang="en-US" sz="1200" dirty="0"/>
+          </a:p>
+        </p:txBody>
+      </p:sp>
+      <p:cxnSp>
+        <p:nvCxnSpPr>
+          <p:cNvPr id="37" name="Straight Connector 36"/>
+          <p:cNvCxnSpPr/>
+          <p:nvPr/>
+        </p:nvCxnSpPr>
+        <p:spPr>
+          <a:xfrm>
+            <a:off x="5192267" y="2576094"/>
+            <a:ext cx="1" cy="236823"/>
+          </a:xfrm>
+          <a:prstGeom prst="line">
+            <a:avLst/>
+          </a:prstGeom>
+        </p:spPr>
+        <p:style>
+          <a:lnRef idx="1">
+            <a:schemeClr val="accent1"/>
+          </a:lnRef>
+          <a:fillRef idx="0">
+            <a:schemeClr val="accent1"/>
+          </a:fillRef>
+          <a:effectRef idx="0">
+            <a:schemeClr val="accent1"/>
+          </a:effectRef>
+          <a:fontRef idx="minor">
+            <a:schemeClr val="tx1"/>
+          </a:fontRef>
+        </p:style>
+      </p:cxnSp>
+      <p:sp>
+        <p:nvSpPr>
+          <p:cNvPr id="38" name="TextBox 37"/>
+          <p:cNvSpPr txBox="1"/>
+          <p:nvPr/>
+        </p:nvSpPr>
+        <p:spPr>
+          <a:xfrm>
+            <a:off x="4521268" y="2858966"/>
+            <a:ext cx="1341997" cy="461665"/>
+          </a:xfrm>
+          <a:prstGeom prst="rect">
+            <a:avLst/>
+          </a:prstGeom>
+          <a:noFill/>
+        </p:spPr>
+        <p:txBody>
+          <a:bodyPr wrap="square" rtlCol="0">
+            <a:spAutoFit/>
+          </a:bodyPr>
+          <a:lstStyle/>
+          <a:p>
+            <a:pPr algn="ctr"/>
+            <a:r>
+              <a:rPr lang="nl-BE" sz="1200" dirty="0" smtClean="0"/>
+              <a:t>sell 50 stocks at 15 EUR (750 EUR)</a:t>
+            </a:r>
+            <a:endParaRPr lang="en-US" sz="1200" dirty="0"/>
+          </a:p>
+        </p:txBody>
+      </p:sp>
+      <p:sp>
+        <p:nvSpPr>
+          <p:cNvPr id="39" name="TextBox 38"/>
+          <p:cNvSpPr txBox="1"/>
+          <p:nvPr/>
+        </p:nvSpPr>
+        <p:spPr>
+          <a:xfrm>
+            <a:off x="4501534" y="3909202"/>
+            <a:ext cx="1341997" cy="461665"/>
+          </a:xfrm>
+          <a:prstGeom prst="rect">
+            <a:avLst/>
+          </a:prstGeom>
+          <a:noFill/>
+        </p:spPr>
+        <p:txBody>
+          <a:bodyPr wrap="square" rtlCol="0">
+            <a:spAutoFit/>
+          </a:bodyPr>
+          <a:lstStyle/>
+          <a:p>
+            <a:pPr algn="ctr"/>
+            <a:r>
+              <a:rPr lang="nl-BE" sz="1200" dirty="0" smtClean="0"/>
+              <a:t>12</a:t>
+            </a:r>
+          </a:p>
+          <a:p>
+            <a:pPr algn="ctr"/>
+            <a:endParaRPr lang="en-US" sz="1200" dirty="0"/>
+          </a:p>
+        </p:txBody>
+      </p:sp>
+      <p:sp>
+        <p:nvSpPr>
+          <p:cNvPr id="40" name="TextBox 39"/>
+          <p:cNvSpPr txBox="1"/>
+          <p:nvPr/>
+        </p:nvSpPr>
+        <p:spPr>
+          <a:xfrm>
+            <a:off x="4491822" y="4757262"/>
+            <a:ext cx="1341997" cy="276999"/>
+          </a:xfrm>
+          <a:prstGeom prst="rect">
+            <a:avLst/>
+          </a:prstGeom>
+          <a:noFill/>
+        </p:spPr>
+        <p:txBody>
+          <a:bodyPr wrap="square" rtlCol="0">
+            <a:spAutoFit/>
+          </a:bodyPr>
+          <a:lstStyle/>
+          <a:p>
+            <a:pPr algn="r"/>
+            <a:r>
+              <a:rPr lang="nl-BE" sz="1200" dirty="0" smtClean="0"/>
+              <a:t>12 x 150 = 1800</a:t>
+            </a:r>
+            <a:endParaRPr lang="en-US" sz="1200" dirty="0"/>
+          </a:p>
+        </p:txBody>
+      </p:sp>
+      <p:sp>
+        <p:nvSpPr>
+          <p:cNvPr id="41" name="TextBox 40"/>
+          <p:cNvSpPr txBox="1"/>
+          <p:nvPr/>
+        </p:nvSpPr>
+        <p:spPr>
+          <a:xfrm>
+            <a:off x="4501533" y="5380940"/>
+            <a:ext cx="1341997" cy="461665"/>
+          </a:xfrm>
+          <a:prstGeom prst="rect">
+            <a:avLst/>
+          </a:prstGeom>
+          <a:noFill/>
+        </p:spPr>
+        <p:txBody>
+          <a:bodyPr wrap="square" rtlCol="0">
+            <a:spAutoFit/>
+          </a:bodyPr>
+          <a:lstStyle/>
+          <a:p>
+            <a:pPr algn="ctr"/>
+            <a:r>
+              <a:rPr lang="nl-BE" sz="1200" dirty="0" smtClean="0"/>
+              <a:t>15x150 – 1800 = 450</a:t>
+            </a:r>
+            <a:endParaRPr lang="en-US" sz="1200" dirty="0"/>
+          </a:p>
+        </p:txBody>
+      </p:sp>
+      <p:sp>
+        <p:nvSpPr>
+          <p:cNvPr id="42" name="TextBox 41"/>
+          <p:cNvSpPr txBox="1"/>
+          <p:nvPr/>
+        </p:nvSpPr>
+        <p:spPr>
+          <a:xfrm>
+            <a:off x="4508111" y="6189284"/>
+            <a:ext cx="1341997" cy="461665"/>
+          </a:xfrm>
+          <a:prstGeom prst="rect">
+            <a:avLst/>
+          </a:prstGeom>
+          <a:noFill/>
+        </p:spPr>
+        <p:txBody>
+          <a:bodyPr wrap="square" rtlCol="0">
+            <a:spAutoFit/>
+          </a:bodyPr>
+          <a:lstStyle/>
+          <a:p>
+            <a:pPr algn="ctr"/>
+            <a:r>
+              <a:rPr lang="nl-BE" sz="1200" dirty="0" smtClean="0"/>
+              <a:t>450 / 1800 = </a:t>
+            </a:r>
+          </a:p>
+          <a:p>
+            <a:pPr algn="ctr"/>
+            <a:r>
+              <a:rPr lang="nl-BE" sz="1200" dirty="0" smtClean="0"/>
+              <a:t>25%</a:t>
+            </a:r>
+            <a:endParaRPr lang="en-US" sz="1200" dirty="0"/>
+          </a:p>
+        </p:txBody>
+      </p:sp>
+      <p:sp>
+        <p:nvSpPr>
+          <p:cNvPr id="43" name="TextBox 42"/>
+          <p:cNvSpPr txBox="1"/>
+          <p:nvPr/>
+        </p:nvSpPr>
+        <p:spPr>
+          <a:xfrm>
+            <a:off x="4491822" y="3325737"/>
+            <a:ext cx="1341997" cy="276999"/>
+          </a:xfrm>
+          <a:prstGeom prst="rect">
+            <a:avLst/>
+          </a:prstGeom>
+          <a:noFill/>
+        </p:spPr>
+        <p:txBody>
+          <a:bodyPr wrap="square" rtlCol="0">
+            <a:spAutoFit/>
+          </a:bodyPr>
+          <a:lstStyle/>
+          <a:p>
+            <a:pPr algn="ctr"/>
+            <a:r>
+              <a:rPr lang="nl-BE" sz="1200" dirty="0" smtClean="0"/>
+              <a:t>150</a:t>
+            </a:r>
+            <a:endParaRPr lang="en-US" sz="1200" dirty="0"/>
+          </a:p>
+        </p:txBody>
+      </p:sp>
+      <p:sp>
+        <p:nvSpPr>
+          <p:cNvPr id="44" name="TextBox 43"/>
+          <p:cNvSpPr txBox="1"/>
+          <p:nvPr/>
+        </p:nvSpPr>
+        <p:spPr>
+          <a:xfrm>
+            <a:off x="7032186" y="3925000"/>
+            <a:ext cx="1341997" cy="646331"/>
+          </a:xfrm>
+          <a:prstGeom prst="rect">
+            <a:avLst/>
+          </a:prstGeom>
+          <a:noFill/>
+        </p:spPr>
+        <p:txBody>
+          <a:bodyPr wrap="square" rtlCol="0">
+            <a:spAutoFit/>
+          </a:bodyPr>
+          <a:lstStyle/>
+          <a:p>
+            <a:pPr algn="ctr"/>
+            <a:r>
+              <a:rPr lang="nl-BE" sz="1200" dirty="0" smtClean="0"/>
+              <a:t>(150x12 + 100x16) / 250 = 13,6</a:t>
+            </a:r>
+          </a:p>
+          <a:p>
+            <a:pPr algn="ctr"/>
+            <a:endParaRPr lang="en-US" sz="1200" dirty="0"/>
+          </a:p>
+        </p:txBody>
+      </p:sp>
+      <p:sp>
+        <p:nvSpPr>
+          <p:cNvPr id="45" name="TextBox 44"/>
+          <p:cNvSpPr txBox="1"/>
+          <p:nvPr/>
+        </p:nvSpPr>
+        <p:spPr>
+          <a:xfrm>
+            <a:off x="7032186" y="4776967"/>
+            <a:ext cx="1341997" cy="276999"/>
+          </a:xfrm>
+          <a:prstGeom prst="rect">
+            <a:avLst/>
+          </a:prstGeom>
+          <a:noFill/>
+        </p:spPr>
+        <p:txBody>
+          <a:bodyPr wrap="square" rtlCol="0">
+            <a:spAutoFit/>
+          </a:bodyPr>
+          <a:lstStyle/>
+          <a:p>
+            <a:pPr algn="ctr"/>
+            <a:r>
+              <a:rPr lang="nl-BE" sz="1200" dirty="0" smtClean="0"/>
+              <a:t>13,6 x 250 = 3400</a:t>
+            </a:r>
+            <a:endParaRPr lang="en-US" sz="1200" dirty="0"/>
+          </a:p>
+        </p:txBody>
+      </p:sp>
+      <p:sp>
+        <p:nvSpPr>
+          <p:cNvPr id="46" name="TextBox 45"/>
+          <p:cNvSpPr txBox="1"/>
+          <p:nvPr/>
+        </p:nvSpPr>
+        <p:spPr>
+          <a:xfrm>
+            <a:off x="7032185" y="5396738"/>
+            <a:ext cx="1341997" cy="461665"/>
+          </a:xfrm>
+          <a:prstGeom prst="rect">
+            <a:avLst/>
+          </a:prstGeom>
+          <a:noFill/>
+        </p:spPr>
+        <p:txBody>
+          <a:bodyPr wrap="square" rtlCol="0">
+            <a:spAutoFit/>
+          </a:bodyPr>
+          <a:lstStyle/>
+          <a:p>
+            <a:pPr algn="ctr"/>
+            <a:r>
+              <a:rPr lang="nl-BE" sz="1200" dirty="0" smtClean="0"/>
+              <a:t>16x250 – 3400 = 600</a:t>
+            </a:r>
+            <a:endParaRPr lang="en-US" sz="1200" dirty="0"/>
+          </a:p>
+        </p:txBody>
+      </p:sp>
+      <p:sp>
+        <p:nvSpPr>
+          <p:cNvPr id="47" name="TextBox 46"/>
+          <p:cNvSpPr txBox="1"/>
+          <p:nvPr/>
+        </p:nvSpPr>
+        <p:spPr>
+          <a:xfrm>
+            <a:off x="7038763" y="6205082"/>
+            <a:ext cx="1341997" cy="461665"/>
+          </a:xfrm>
+          <a:prstGeom prst="rect">
+            <a:avLst/>
+          </a:prstGeom>
+          <a:noFill/>
+        </p:spPr>
+        <p:txBody>
+          <a:bodyPr wrap="square" rtlCol="0">
+            <a:spAutoFit/>
+          </a:bodyPr>
+          <a:lstStyle/>
+          <a:p>
+            <a:pPr algn="ctr"/>
+            <a:r>
+              <a:rPr lang="nl-BE" sz="1200" dirty="0" smtClean="0"/>
+              <a:t>600 / 13,6 = 17,64%</a:t>
+            </a:r>
+            <a:endParaRPr lang="en-US" sz="1200" dirty="0"/>
+          </a:p>
+        </p:txBody>
+      </p:sp>
+      <p:sp>
+        <p:nvSpPr>
+          <p:cNvPr id="48" name="TextBox 47"/>
+          <p:cNvSpPr txBox="1"/>
+          <p:nvPr/>
+        </p:nvSpPr>
+        <p:spPr>
+          <a:xfrm>
+            <a:off x="7022474" y="3341535"/>
+            <a:ext cx="1341997" cy="276999"/>
+          </a:xfrm>
+          <a:prstGeom prst="rect">
+            <a:avLst/>
+          </a:prstGeom>
+          <a:noFill/>
+        </p:spPr>
+        <p:txBody>
+          <a:bodyPr wrap="square" rtlCol="0">
+            <a:spAutoFit/>
+          </a:bodyPr>
+          <a:lstStyle/>
+          <a:p>
+            <a:pPr algn="ctr"/>
+            <a:r>
+              <a:rPr lang="nl-BE" sz="1200" dirty="0" smtClean="0"/>
+              <a:t>250</a:t>
+            </a:r>
+            <a:endParaRPr lang="en-US" sz="1200" dirty="0"/>
+          </a:p>
+        </p:txBody>
+      </p:sp>
+      <p:sp>
+        <p:nvSpPr>
+          <p:cNvPr id="49" name="TextBox 48"/>
+          <p:cNvSpPr txBox="1"/>
+          <p:nvPr/>
+        </p:nvSpPr>
+        <p:spPr>
+          <a:xfrm>
+            <a:off x="9011947" y="3909607"/>
+            <a:ext cx="1341997" cy="461665"/>
+          </a:xfrm>
+          <a:prstGeom prst="rect">
+            <a:avLst/>
+          </a:prstGeom>
+          <a:noFill/>
+        </p:spPr>
+        <p:txBody>
+          <a:bodyPr wrap="square" rtlCol="0">
+            <a:spAutoFit/>
+          </a:bodyPr>
+          <a:lstStyle/>
+          <a:p>
+            <a:pPr algn="ctr"/>
+            <a:r>
+              <a:rPr lang="nl-BE" sz="1200" dirty="0" smtClean="0"/>
+              <a:t>13,6</a:t>
+            </a:r>
+          </a:p>
+          <a:p>
+            <a:pPr algn="ctr"/>
+            <a:endParaRPr lang="en-US" sz="1200" dirty="0"/>
+          </a:p>
+        </p:txBody>
+      </p:sp>
+      <p:sp>
+        <p:nvSpPr>
+          <p:cNvPr id="50" name="TextBox 49"/>
+          <p:cNvSpPr txBox="1"/>
+          <p:nvPr/>
+        </p:nvSpPr>
+        <p:spPr>
+          <a:xfrm>
+            <a:off x="9011947" y="4761574"/>
+            <a:ext cx="1341997" cy="276999"/>
+          </a:xfrm>
+          <a:prstGeom prst="rect">
+            <a:avLst/>
+          </a:prstGeom>
+          <a:noFill/>
+        </p:spPr>
+        <p:txBody>
+          <a:bodyPr wrap="square" rtlCol="0">
+            <a:spAutoFit/>
+          </a:bodyPr>
+          <a:lstStyle/>
+          <a:p>
+            <a:pPr algn="ctr"/>
+            <a:r>
+              <a:rPr lang="nl-BE" sz="1200" dirty="0" smtClean="0"/>
+              <a:t>3400</a:t>
+            </a:r>
+            <a:endParaRPr lang="en-US" sz="1200" dirty="0"/>
+          </a:p>
+        </p:txBody>
+      </p:sp>
+      <p:sp>
+        <p:nvSpPr>
+          <p:cNvPr id="51" name="TextBox 50"/>
+          <p:cNvSpPr txBox="1"/>
+          <p:nvPr/>
+        </p:nvSpPr>
+        <p:spPr>
+          <a:xfrm>
+            <a:off x="9011946" y="5381345"/>
+            <a:ext cx="1341997" cy="461665"/>
+          </a:xfrm>
+          <a:prstGeom prst="rect">
+            <a:avLst/>
+          </a:prstGeom>
+          <a:noFill/>
+        </p:spPr>
+        <p:txBody>
+          <a:bodyPr wrap="square" rtlCol="0">
+            <a:spAutoFit/>
+          </a:bodyPr>
+          <a:lstStyle/>
+          <a:p>
+            <a:pPr algn="ctr"/>
+            <a:r>
+              <a:rPr lang="nl-BE" sz="1200" dirty="0" smtClean="0"/>
+              <a:t>18x250 – 3400 = 1100</a:t>
+            </a:r>
+            <a:endParaRPr lang="en-US" sz="1200" dirty="0"/>
+          </a:p>
+        </p:txBody>
+      </p:sp>
+      <p:sp>
+        <p:nvSpPr>
+          <p:cNvPr id="52" name="TextBox 51"/>
+          <p:cNvSpPr txBox="1"/>
+          <p:nvPr/>
+        </p:nvSpPr>
+        <p:spPr>
+          <a:xfrm>
+            <a:off x="9018524" y="6189689"/>
+            <a:ext cx="1341997" cy="461665"/>
+          </a:xfrm>
+          <a:prstGeom prst="rect">
+            <a:avLst/>
+          </a:prstGeom>
+          <a:noFill/>
+        </p:spPr>
+        <p:txBody>
+          <a:bodyPr wrap="square" rtlCol="0">
+            <a:spAutoFit/>
+          </a:bodyPr>
+          <a:lstStyle/>
+          <a:p>
+            <a:pPr algn="ctr"/>
+            <a:r>
+              <a:rPr lang="nl-BE" sz="1200" dirty="0" smtClean="0"/>
+              <a:t>1100 / 3400 = 32,4%</a:t>
+            </a:r>
+            <a:endParaRPr lang="en-US" sz="1200" dirty="0"/>
+          </a:p>
+        </p:txBody>
+      </p:sp>
+      <p:sp>
+        <p:nvSpPr>
+          <p:cNvPr id="53" name="TextBox 52"/>
+          <p:cNvSpPr txBox="1"/>
+          <p:nvPr/>
+        </p:nvSpPr>
+        <p:spPr>
+          <a:xfrm>
+            <a:off x="9002235" y="3326142"/>
+            <a:ext cx="1341997" cy="276999"/>
+          </a:xfrm>
+          <a:prstGeom prst="rect">
+            <a:avLst/>
+          </a:prstGeom>
+          <a:noFill/>
+        </p:spPr>
+        <p:txBody>
+          <a:bodyPr wrap="square" rtlCol="0">
+            <a:spAutoFit/>
+          </a:bodyPr>
+          <a:lstStyle/>
+          <a:p>
+            <a:pPr algn="ctr"/>
+            <a:r>
+              <a:rPr lang="nl-BE" sz="1200" dirty="0" smtClean="0"/>
+              <a:t>250</a:t>
+            </a:r>
+            <a:endParaRPr lang="en-US" sz="1200" dirty="0"/>
+          </a:p>
+        </p:txBody>
+      </p:sp>
+      <p:cxnSp>
+        <p:nvCxnSpPr>
+          <p:cNvPr id="55" name="Straight Arrow Connector 54"/>
+          <p:cNvCxnSpPr/>
+          <p:nvPr/>
+        </p:nvCxnSpPr>
+        <p:spPr>
+          <a:xfrm>
+            <a:off x="1631447" y="3545767"/>
+            <a:ext cx="1203851" cy="447332"/>
+          </a:xfrm>
+          <a:prstGeom prst="straightConnector1">
+            <a:avLst/>
+          </a:prstGeom>
+          <a:ln>
+            <a:tailEnd type="triangle"/>
+          </a:ln>
+        </p:spPr>
+        <p:style>
+          <a:lnRef idx="1">
+            <a:schemeClr val="accent1"/>
+          </a:lnRef>
+          <a:fillRef idx="0">
+            <a:schemeClr val="accent1"/>
+          </a:fillRef>
+          <a:effectRef idx="0">
+            <a:schemeClr val="accent1"/>
+          </a:effectRef>
+          <a:fontRef idx="minor">
+            <a:schemeClr val="tx1"/>
+          </a:fontRef>
+        </p:style>
+      </p:cxnSp>
+      <p:cxnSp>
+        <p:nvCxnSpPr>
+          <p:cNvPr id="57" name="Straight Arrow Connector 56"/>
+          <p:cNvCxnSpPr/>
+          <p:nvPr/>
+        </p:nvCxnSpPr>
+        <p:spPr>
+          <a:xfrm>
+            <a:off x="3216846" y="3037590"/>
+            <a:ext cx="363881" cy="971976"/>
+          </a:xfrm>
+          <a:prstGeom prst="straightConnector1">
+            <a:avLst/>
+          </a:prstGeom>
+          <a:ln>
+            <a:tailEnd type="triangle"/>
+          </a:ln>
+        </p:spPr>
+        <p:style>
+          <a:lnRef idx="1">
+            <a:schemeClr val="accent1"/>
+          </a:lnRef>
+          <a:fillRef idx="0">
+            <a:schemeClr val="accent1"/>
+          </a:fillRef>
+          <a:effectRef idx="0">
+            <a:schemeClr val="accent1"/>
+          </a:effectRef>
+          <a:fontRef idx="minor">
+            <a:schemeClr val="tx1"/>
+          </a:fontRef>
+        </p:style>
+      </p:cxnSp>
+      <p:cxnSp>
+        <p:nvCxnSpPr>
+          <p:cNvPr id="59" name="Straight Arrow Connector 58"/>
+          <p:cNvCxnSpPr/>
+          <p:nvPr/>
+        </p:nvCxnSpPr>
+        <p:spPr>
+          <a:xfrm flipH="1">
+            <a:off x="3812354" y="3070141"/>
+            <a:ext cx="154435" cy="908143"/>
+          </a:xfrm>
+          <a:prstGeom prst="straightConnector1">
+            <a:avLst/>
+          </a:prstGeom>
+          <a:ln>
+            <a:tailEnd type="triangle"/>
+          </a:ln>
+        </p:spPr>
+        <p:style>
+          <a:lnRef idx="1">
+            <a:schemeClr val="accent1"/>
+          </a:lnRef>
+          <a:fillRef idx="0">
+            <a:schemeClr val="accent1"/>
+          </a:fillRef>
+          <a:effectRef idx="0">
+            <a:schemeClr val="accent1"/>
+          </a:effectRef>
+          <a:fontRef idx="minor">
+            <a:schemeClr val="tx1"/>
+          </a:fontRef>
+        </p:style>
+      </p:cxnSp>
+      <p:cxnSp>
+        <p:nvCxnSpPr>
+          <p:cNvPr id="61" name="Straight Arrow Connector 60"/>
+          <p:cNvCxnSpPr/>
+          <p:nvPr/>
+        </p:nvCxnSpPr>
+        <p:spPr>
+          <a:xfrm>
+            <a:off x="3183890" y="3548869"/>
+            <a:ext cx="84967" cy="653130"/>
+          </a:xfrm>
+          <a:prstGeom prst="straightConnector1">
+            <a:avLst/>
+          </a:prstGeom>
+          <a:ln>
+            <a:tailEnd type="triangle"/>
+          </a:ln>
+        </p:spPr>
+        <p:style>
+          <a:lnRef idx="1">
+            <a:schemeClr val="accent1"/>
+          </a:lnRef>
+          <a:fillRef idx="0">
+            <a:schemeClr val="accent1"/>
+          </a:fillRef>
+          <a:effectRef idx="0">
+            <a:schemeClr val="accent1"/>
+          </a:effectRef>
+          <a:fontRef idx="minor">
+            <a:schemeClr val="tx1"/>
+          </a:fontRef>
+        </p:style>
+      </p:cxnSp>
+      <p:cxnSp>
+        <p:nvCxnSpPr>
+          <p:cNvPr id="65" name="Straight Arrow Connector 64"/>
+          <p:cNvCxnSpPr/>
+          <p:nvPr/>
+        </p:nvCxnSpPr>
+        <p:spPr>
+          <a:xfrm flipH="1">
+            <a:off x="2940553" y="4322020"/>
+            <a:ext cx="526273" cy="519695"/>
+          </a:xfrm>
+          <a:prstGeom prst="straightConnector1">
+            <a:avLst/>
+          </a:prstGeom>
+          <a:ln>
+            <a:tailEnd type="triangle"/>
+          </a:ln>
+        </p:spPr>
+        <p:style>
+          <a:lnRef idx="1">
+            <a:schemeClr val="accent1"/>
+          </a:lnRef>
+          <a:fillRef idx="0">
+            <a:schemeClr val="accent1"/>
+          </a:fillRef>
+          <a:effectRef idx="0">
+            <a:schemeClr val="accent1"/>
+          </a:effectRef>
+          <a:fontRef idx="minor">
+            <a:schemeClr val="tx1"/>
+          </a:fontRef>
+        </p:style>
+      </p:cxnSp>
+      <p:cxnSp>
+        <p:nvCxnSpPr>
+          <p:cNvPr id="67" name="Straight Arrow Connector 66"/>
+          <p:cNvCxnSpPr/>
+          <p:nvPr/>
+        </p:nvCxnSpPr>
+        <p:spPr>
+          <a:xfrm flipV="1">
+            <a:off x="3629502" y="4063499"/>
+            <a:ext cx="1429301" cy="184666"/>
+          </a:xfrm>
+          <a:prstGeom prst="straightConnector1">
+            <a:avLst/>
+          </a:prstGeom>
+          <a:ln>
+            <a:tailEnd type="triangle"/>
+          </a:ln>
+        </p:spPr>
+        <p:style>
+          <a:lnRef idx="1">
+            <a:schemeClr val="accent1"/>
+          </a:lnRef>
+          <a:fillRef idx="0">
+            <a:schemeClr val="accent1"/>
+          </a:fillRef>
+          <a:effectRef idx="0">
+            <a:schemeClr val="accent1"/>
+          </a:effectRef>
+          <a:fontRef idx="minor">
+            <a:schemeClr val="tx1"/>
+          </a:fontRef>
+        </p:style>
+      </p:cxnSp>
+      <p:cxnSp>
+        <p:nvCxnSpPr>
+          <p:cNvPr id="69" name="Straight Arrow Connector 68"/>
+          <p:cNvCxnSpPr/>
+          <p:nvPr/>
+        </p:nvCxnSpPr>
+        <p:spPr>
+          <a:xfrm>
+            <a:off x="3564444" y="4999350"/>
+            <a:ext cx="0" cy="437601"/>
+          </a:xfrm>
+          <a:prstGeom prst="straightConnector1">
+            <a:avLst/>
+          </a:prstGeom>
+          <a:ln>
+            <a:tailEnd type="triangle"/>
+          </a:ln>
+        </p:spPr>
+        <p:style>
+          <a:lnRef idx="1">
+            <a:schemeClr val="accent1"/>
+          </a:lnRef>
+          <a:fillRef idx="0">
+            <a:schemeClr val="accent1"/>
+          </a:fillRef>
+          <a:effectRef idx="0">
+            <a:schemeClr val="accent1"/>
+          </a:effectRef>
+          <a:fontRef idx="minor">
+            <a:schemeClr val="tx1"/>
+          </a:fontRef>
+        </p:style>
+      </p:cxnSp>
+      <p:cxnSp>
+        <p:nvCxnSpPr>
+          <p:cNvPr id="71" name="Straight Arrow Connector 70"/>
+          <p:cNvCxnSpPr/>
+          <p:nvPr/>
+        </p:nvCxnSpPr>
+        <p:spPr>
+          <a:xfrm flipH="1">
+            <a:off x="3026073" y="5788130"/>
+            <a:ext cx="165239" cy="474523"/>
+          </a:xfrm>
+          <a:prstGeom prst="straightConnector1">
+            <a:avLst/>
+          </a:prstGeom>
+          <a:ln>
+            <a:tailEnd type="triangle"/>
+          </a:ln>
+        </p:spPr>
+        <p:style>
+          <a:lnRef idx="1">
+            <a:schemeClr val="accent1"/>
+          </a:lnRef>
+          <a:fillRef idx="0">
+            <a:schemeClr val="accent1"/>
+          </a:fillRef>
+          <a:effectRef idx="0">
+            <a:schemeClr val="accent1"/>
+          </a:effectRef>
+          <a:fontRef idx="minor">
+            <a:schemeClr val="tx1"/>
+          </a:fontRef>
+        </p:style>
+      </p:cxnSp>
+      <p:cxnSp>
+        <p:nvCxnSpPr>
+          <p:cNvPr id="74" name="Straight Arrow Connector 73"/>
+          <p:cNvCxnSpPr/>
+          <p:nvPr/>
+        </p:nvCxnSpPr>
+        <p:spPr>
+          <a:xfrm flipH="1">
+            <a:off x="3564444" y="4986137"/>
+            <a:ext cx="74798" cy="1259217"/>
+          </a:xfrm>
+          <a:prstGeom prst="straightConnector1">
+            <a:avLst/>
+          </a:prstGeom>
+          <a:ln>
+            <a:tailEnd type="triangle"/>
+          </a:ln>
+        </p:spPr>
+        <p:style>
+          <a:lnRef idx="1">
+            <a:schemeClr val="accent1"/>
+          </a:lnRef>
+          <a:fillRef idx="0">
+            <a:schemeClr val="accent1"/>
+          </a:fillRef>
+          <a:effectRef idx="0">
+            <a:schemeClr val="accent1"/>
+          </a:effectRef>
+          <a:fontRef idx="minor">
+            <a:schemeClr val="tx1"/>
+          </a:fontRef>
+        </p:style>
+      </p:cxnSp>
+    </p:spTree>
+    <p:extLst>
+      <p:ext uri="{BB962C8B-B14F-4D97-AF65-F5344CB8AC3E}">
+        <p14:creationId xmlns:p14="http://schemas.microsoft.com/office/powerpoint/2010/main" val="1902415958"/>
+      </p:ext>
+    </p:extLst>
+  </p:cSld>
+  <p:clrMapOvr>
+    <a:masterClrMapping/>
+  </p:clrMapOvr>
+</p:sld>
+</file>
+
+<file path=ppt/slides/slide13.xml><?xml version="1.0" encoding="utf-8"?>
+<p:sld xmlns:a="http://schemas.openxmlformats.org/drawingml/2006/main" xmlns:r="http://schemas.openxmlformats.org/officeDocument/2006/relationships" xmlns:p="http://schemas.openxmlformats.org/presentationml/2006/main">
+  <p:cSld>
+    <p:spTree>
+      <p:nvGrpSpPr>
+        <p:cNvPr id="1" name=""/>
+        <p:cNvGrpSpPr/>
+        <p:nvPr/>
+      </p:nvGrpSpPr>
+      <p:grpSpPr>
+        <a:xfrm>
+          <a:off x="0" y="0"/>
+          <a:ext cx="0" cy="0"/>
+          <a:chOff x="0" y="0"/>
+          <a:chExt cx="0" cy="0"/>
+        </a:xfrm>
+      </p:grpSpPr>
+      <p:sp>
+        <p:nvSpPr>
+          <p:cNvPr id="2" name="Title 1"/>
+          <p:cNvSpPr>
+            <a:spLocks noGrp="1"/>
+          </p:cNvSpPr>
+          <p:nvPr>
+            <p:ph type="title"/>
+          </p:nvPr>
+        </p:nvSpPr>
+        <p:spPr>
+          <a:xfrm>
+            <a:off x="109151" y="-203286"/>
+            <a:ext cx="10515600" cy="1325563"/>
+          </a:xfrm>
+        </p:spPr>
+        <p:txBody>
+          <a:bodyPr/>
+          <a:lstStyle/>
+          <a:p>
+            <a:r>
+              <a:rPr lang="nl-BE" dirty="0" smtClean="0"/>
+              <a:t>performance per portfolio</a:t>
+            </a:r>
+            <a:endParaRPr lang="en-US" dirty="0"/>
+          </a:p>
+        </p:txBody>
+      </p:sp>
+      <p:sp>
+        <p:nvSpPr>
+          <p:cNvPr id="10" name="Content Placeholder 2"/>
+          <p:cNvSpPr>
+            <a:spLocks noGrp="1"/>
+          </p:cNvSpPr>
+          <p:nvPr>
+            <p:ph idx="1"/>
+          </p:nvPr>
+        </p:nvSpPr>
+        <p:spPr>
+          <a:xfrm>
+            <a:off x="203931" y="1052547"/>
+            <a:ext cx="11368171" cy="1630748"/>
+          </a:xfrm>
+        </p:spPr>
+        <p:txBody>
+          <a:bodyPr>
+            <a:normAutofit/>
+          </a:bodyPr>
+          <a:lstStyle/>
+          <a:p>
+            <a:r>
+              <a:rPr lang="nl-BE" sz="2400" dirty="0" smtClean="0"/>
+              <a:t>1234569</a:t>
+            </a:r>
+          </a:p>
+          <a:p>
+            <a:pPr lvl="1"/>
+            <a:endParaRPr lang="nl-BE" sz="1400" dirty="0" smtClean="0"/>
+          </a:p>
+        </p:txBody>
+      </p:sp>
+      <p:pic>
+        <p:nvPicPr>
+          <p:cNvPr id="3" name="Picture 2"/>
+          <p:cNvPicPr>
+            <a:picLocks noChangeAspect="1"/>
+          </p:cNvPicPr>
+          <p:nvPr/>
+        </p:nvPicPr>
+        <p:blipFill>
+          <a:blip r:embed="rId2"/>
+          <a:stretch>
+            <a:fillRect/>
+          </a:stretch>
+        </p:blipFill>
+        <p:spPr>
+          <a:xfrm>
+            <a:off x="637661" y="2986601"/>
+            <a:ext cx="5250355" cy="2862708"/>
+          </a:xfrm>
+          <a:prstGeom prst="rect">
+            <a:avLst/>
+          </a:prstGeom>
+        </p:spPr>
+      </p:pic>
+      <p:pic>
+        <p:nvPicPr>
+          <p:cNvPr id="4" name="Picture 3"/>
+          <p:cNvPicPr>
+            <a:picLocks noChangeAspect="1"/>
+          </p:cNvPicPr>
+          <p:nvPr/>
+        </p:nvPicPr>
+        <p:blipFill>
+          <a:blip r:embed="rId3"/>
+          <a:stretch>
+            <a:fillRect/>
+          </a:stretch>
+        </p:blipFill>
+        <p:spPr>
+          <a:xfrm>
+            <a:off x="6361055" y="3274201"/>
+            <a:ext cx="4846797" cy="2287507"/>
+          </a:xfrm>
+          <a:prstGeom prst="rect">
+            <a:avLst/>
+          </a:prstGeom>
+        </p:spPr>
+      </p:pic>
+    </p:spTree>
+    <p:extLst>
+      <p:ext uri="{BB962C8B-B14F-4D97-AF65-F5344CB8AC3E}">
+        <p14:creationId xmlns:p14="http://schemas.microsoft.com/office/powerpoint/2010/main" val="2156918266"/>
+      </p:ext>
+    </p:extLst>
+  </p:cSld>
+  <p:clrMapOvr>
+    <a:masterClrMapping/>
+  </p:clrMapOvr>
+</p:sld>
+</file>
+
+<file path=ppt/slides/slide14.xml><?xml version="1.0" encoding="utf-8"?>
+<p:sld xmlns:a="http://schemas.openxmlformats.org/drawingml/2006/main" xmlns:r="http://schemas.openxmlformats.org/officeDocument/2006/relationships" xmlns:p="http://schemas.openxmlformats.org/presentationml/2006/main">
+  <p:cSld>
+    <p:bg>
+      <p:bgPr>
+        <a:solidFill>
+          <a:schemeClr val="accent6">
+            <a:lumMod val="20000"/>
+            <a:lumOff val="80000"/>
+          </a:schemeClr>
+        </a:solidFill>
+        <a:effectLst/>
+      </p:bgPr>
+    </p:bg>
+    <p:spTree>
+      <p:nvGrpSpPr>
+        <p:cNvPr id="1" name=""/>
+        <p:cNvGrpSpPr/>
+        <p:nvPr/>
+      </p:nvGrpSpPr>
+      <p:grpSpPr>
+        <a:xfrm>
+          <a:off x="0" y="0"/>
+          <a:ext cx="0" cy="0"/>
+          <a:chOff x="0" y="0"/>
+          <a:chExt cx="0" cy="0"/>
+        </a:xfrm>
+      </p:grpSpPr>
+      <p:sp>
+        <p:nvSpPr>
+          <p:cNvPr id="4" name="Title 3"/>
+          <p:cNvSpPr>
+            <a:spLocks noGrp="1"/>
+          </p:cNvSpPr>
+          <p:nvPr>
+            <p:ph type="ctrTitle"/>
+          </p:nvPr>
+        </p:nvSpPr>
+        <p:spPr/>
+        <p:txBody>
+          <a:bodyPr/>
+          <a:lstStyle/>
+          <a:p>
+            <a:r>
+              <a:rPr lang="nl-BE" dirty="0" smtClean="0"/>
+              <a:t>ui</a:t>
+            </a:r>
+            <a:endParaRPr lang="en-US" dirty="0"/>
+          </a:p>
+        </p:txBody>
+      </p:sp>
+      <p:sp>
+        <p:nvSpPr>
+          <p:cNvPr id="5" name="Subtitle 4"/>
+          <p:cNvSpPr>
+            <a:spLocks noGrp="1"/>
+          </p:cNvSpPr>
+          <p:nvPr>
+            <p:ph type="subTitle" idx="1"/>
+          </p:nvPr>
+        </p:nvSpPr>
+        <p:spPr/>
+        <p:txBody>
+          <a:bodyPr/>
+          <a:lstStyle/>
+          <a:p>
+            <a:endParaRPr lang="en-US"/>
+          </a:p>
+        </p:txBody>
+      </p:sp>
+    </p:spTree>
+    <p:extLst>
+      <p:ext uri="{BB962C8B-B14F-4D97-AF65-F5344CB8AC3E}">
+        <p14:creationId xmlns:p14="http://schemas.microsoft.com/office/powerpoint/2010/main" val="3712414989"/>
+      </p:ext>
+    </p:extLst>
+  </p:cSld>
+  <p:clrMapOvr>
+    <a:overrideClrMapping bg1="lt1" tx1="dk1" bg2="lt2" tx2="dk2" accent1="accent1" accent2="accent2" accent3="accent3" accent4="accent4" accent5="accent5" accent6="accent6" hlink="hlink" folHlink="folHlink"/>
+  </p:clrMapOvr>
+</p:sld>
+</file>
+
+<file path=ppt/slides/slide15.xml><?xml version="1.0" encoding="utf-8"?>
+<p:sld xmlns:a="http://schemas.openxmlformats.org/drawingml/2006/main" xmlns:r="http://schemas.openxmlformats.org/officeDocument/2006/relationships" xmlns:p="http://schemas.openxmlformats.org/presentationml/2006/main">
+  <p:cSld>
+    <p:spTree>
+      <p:nvGrpSpPr>
+        <p:cNvPr id="1" name=""/>
+        <p:cNvGrpSpPr/>
+        <p:nvPr/>
+      </p:nvGrpSpPr>
+      <p:grpSpPr>
+        <a:xfrm>
+          <a:off x="0" y="0"/>
+          <a:ext cx="0" cy="0"/>
+          <a:chOff x="0" y="0"/>
+          <a:chExt cx="0" cy="0"/>
+        </a:xfrm>
+      </p:grpSpPr>
+      <p:sp>
+        <p:nvSpPr>
+          <p:cNvPr id="2" name="Title 1"/>
+          <p:cNvSpPr>
+            <a:spLocks noGrp="1"/>
+          </p:cNvSpPr>
+          <p:nvPr>
+            <p:ph type="title"/>
+          </p:nvPr>
+        </p:nvSpPr>
+        <p:spPr/>
+        <p:txBody>
+          <a:bodyPr/>
+          <a:lstStyle/>
+          <a:p>
+            <a:endParaRPr lang="en-US"/>
+          </a:p>
+        </p:txBody>
+      </p:sp>
+      <p:sp>
+        <p:nvSpPr>
+          <p:cNvPr id="3" name="Content Placeholder 2"/>
+          <p:cNvSpPr>
+            <a:spLocks noGrp="1"/>
+          </p:cNvSpPr>
+          <p:nvPr>
+            <p:ph idx="1"/>
+          </p:nvPr>
+        </p:nvSpPr>
+        <p:spPr/>
+        <p:txBody>
+          <a:bodyPr/>
+          <a:lstStyle/>
+          <a:p>
+            <a:endParaRPr lang="en-US"/>
+          </a:p>
+        </p:txBody>
+      </p:sp>
+    </p:spTree>
+    <p:extLst>
+      <p:ext uri="{BB962C8B-B14F-4D97-AF65-F5344CB8AC3E}">
+        <p14:creationId xmlns:p14="http://schemas.microsoft.com/office/powerpoint/2010/main" val="2515541860"/>
+      </p:ext>
+    </p:extLst>
+  </p:cSld>
+  <p:clrMapOvr>
+    <a:masterClrMapping/>
+  </p:clrMapOvr>
+</p:sld>
+</file>
+
+<file path=ppt/slides/slide16.xml><?xml version="1.0" encoding="utf-8"?>
+<p:sld xmlns:a="http://schemas.openxmlformats.org/drawingml/2006/main" xmlns:r="http://schemas.openxmlformats.org/officeDocument/2006/relationships" xmlns:p="http://schemas.openxmlformats.org/presentationml/2006/main">
+  <p:cSld>
+    <p:bg>
+      <p:bgPr>
+        <a:solidFill>
+          <a:schemeClr val="accent6">
+            <a:lumMod val="20000"/>
+            <a:lumOff val="80000"/>
+          </a:schemeClr>
+        </a:solidFill>
+        <a:effectLst/>
+      </p:bgPr>
+    </p:bg>
+    <p:spTree>
+      <p:nvGrpSpPr>
+        <p:cNvPr id="1" name=""/>
+        <p:cNvGrpSpPr/>
+        <p:nvPr/>
+      </p:nvGrpSpPr>
+      <p:grpSpPr>
+        <a:xfrm>
+          <a:off x="0" y="0"/>
+          <a:ext cx="0" cy="0"/>
+          <a:chOff x="0" y="0"/>
+          <a:chExt cx="0" cy="0"/>
+        </a:xfrm>
+      </p:grpSpPr>
+      <p:sp>
+        <p:nvSpPr>
+          <p:cNvPr id="4" name="Title 3"/>
+          <p:cNvSpPr>
+            <a:spLocks noGrp="1"/>
+          </p:cNvSpPr>
+          <p:nvPr>
+            <p:ph type="ctrTitle"/>
+          </p:nvPr>
+        </p:nvSpPr>
+        <p:spPr/>
+        <p:txBody>
+          <a:bodyPr/>
+          <a:lstStyle/>
+          <a:p>
+            <a:r>
+              <a:rPr lang="nl-BE" dirty="0" smtClean="0"/>
+              <a:t>theory</a:t>
+            </a:r>
+            <a:endParaRPr lang="en-US" dirty="0"/>
+          </a:p>
+        </p:txBody>
+      </p:sp>
+      <p:sp>
+        <p:nvSpPr>
+          <p:cNvPr id="5" name="Subtitle 4"/>
+          <p:cNvSpPr>
+            <a:spLocks noGrp="1"/>
+          </p:cNvSpPr>
+          <p:nvPr>
+            <p:ph type="subTitle" idx="1"/>
+          </p:nvPr>
+        </p:nvSpPr>
+        <p:spPr/>
+        <p:txBody>
+          <a:bodyPr/>
+          <a:lstStyle/>
+          <a:p>
+            <a:endParaRPr lang="en-US"/>
+          </a:p>
+        </p:txBody>
+      </p:sp>
+    </p:spTree>
+    <p:extLst>
+      <p:ext uri="{BB962C8B-B14F-4D97-AF65-F5344CB8AC3E}">
+        <p14:creationId xmlns:p14="http://schemas.microsoft.com/office/powerpoint/2010/main" val="3882685378"/>
+      </p:ext>
+    </p:extLst>
+  </p:cSld>
+  <p:clrMapOvr>
+    <a:overrideClrMapping bg1="lt1" tx1="dk1" bg2="lt2" tx2="dk2" accent1="accent1" accent2="accent2" accent3="accent3" accent4="accent4" accent5="accent5" accent6="accent6" hlink="hlink" folHlink="folHlink"/>
+  </p:clrMapOvr>
+</p:sld>
+</file>
+
+<file path=ppt/slides/slide17.xml><?xml version="1.0" encoding="utf-8"?>
 <p:sld xmlns:a="http://schemas.openxmlformats.org/drawingml/2006/main" xmlns:r="http://schemas.openxmlformats.org/officeDocument/2006/relationships" xmlns:p="http://schemas.openxmlformats.org/presentationml/2006/main">
   <p:cSld>
     <p:spTree>
@@ -4032,6 +6363,89 @@
 </p:sld>
 </file>
 
+<file path=ppt/slides/slide2.xml><?xml version="1.0" encoding="utf-8"?>
+<p:sld xmlns:a="http://schemas.openxmlformats.org/drawingml/2006/main" xmlns:r="http://schemas.openxmlformats.org/officeDocument/2006/relationships" xmlns:p="http://schemas.openxmlformats.org/presentationml/2006/main">
+  <p:cSld>
+    <p:bg>
+      <p:bgPr>
+        <a:solidFill>
+          <a:schemeClr val="accent6">
+            <a:lumMod val="20000"/>
+            <a:lumOff val="80000"/>
+          </a:schemeClr>
+        </a:solidFill>
+        <a:effectLst/>
+      </p:bgPr>
+    </p:bg>
+    <p:spTree>
+      <p:nvGrpSpPr>
+        <p:cNvPr id="1" name=""/>
+        <p:cNvGrpSpPr/>
+        <p:nvPr/>
+      </p:nvGrpSpPr>
+      <p:grpSpPr>
+        <a:xfrm>
+          <a:off x="0" y="0"/>
+          <a:ext cx="0" cy="0"/>
+          <a:chOff x="0" y="0"/>
+          <a:chExt cx="0" cy="0"/>
+        </a:xfrm>
+      </p:grpSpPr>
+      <p:sp>
+        <p:nvSpPr>
+          <p:cNvPr id="4" name="Title 3"/>
+          <p:cNvSpPr>
+            <a:spLocks noGrp="1"/>
+          </p:cNvSpPr>
+          <p:nvPr>
+            <p:ph type="ctrTitle"/>
+          </p:nvPr>
+        </p:nvSpPr>
+        <p:spPr/>
+        <p:txBody>
+          <a:bodyPr/>
+          <a:lstStyle/>
+          <a:p>
+            <a:r>
+              <a:rPr lang="nl-BE" dirty="0" smtClean="0"/>
+              <a:t>import</a:t>
+            </a:r>
+            <a:endParaRPr lang="en-US" dirty="0"/>
+          </a:p>
+        </p:txBody>
+      </p:sp>
+      <p:sp>
+        <p:nvSpPr>
+          <p:cNvPr id="5" name="Subtitle 4"/>
+          <p:cNvSpPr>
+            <a:spLocks noGrp="1"/>
+          </p:cNvSpPr>
+          <p:nvPr>
+            <p:ph type="subTitle" idx="1"/>
+          </p:nvPr>
+        </p:nvSpPr>
+        <p:spPr/>
+        <p:txBody>
+          <a:bodyPr/>
+          <a:lstStyle/>
+          <a:p>
+            <a:endParaRPr lang="en-US"/>
+          </a:p>
+        </p:txBody>
+      </p:sp>
+    </p:spTree>
+    <p:extLst>
+      <p:ext uri="{BB962C8B-B14F-4D97-AF65-F5344CB8AC3E}">
+        <p14:creationId xmlns:p14="http://schemas.microsoft.com/office/powerpoint/2010/main" val="1322926125"/>
+      </p:ext>
+    </p:extLst>
+  </p:cSld>
+  <p:clrMapOvr>
+    <a:overrideClrMapping bg1="lt1" tx1="dk1" bg2="lt2" tx2="dk2" accent1="accent1" accent2="accent2" accent3="accent3" accent4="accent4" accent5="accent5" accent6="accent6" hlink="hlink" folHlink="folHlink"/>
+  </p:clrMapOvr>
+</p:sld>
+</file>
+
 <file path=ppt/slides/slide3.xml><?xml version="1.0" encoding="utf-8"?>
 <p:sld xmlns:a="http://schemas.openxmlformats.org/drawingml/2006/main" xmlns:r="http://schemas.openxmlformats.org/officeDocument/2006/relationships" xmlns:p="http://schemas.openxmlformats.org/presentationml/2006/main">
   <p:cSld>
@@ -4071,155 +6485,7 @@
           <a:p>
             <a:r>
               <a:rPr lang="nl-BE" dirty="0" smtClean="0"/>
-              <a:t>transactions description</a:t>
-            </a:r>
-            <a:endParaRPr lang="en-US" dirty="0"/>
-          </a:p>
-        </p:txBody>
-      </p:sp>
-      <p:sp>
-        <p:nvSpPr>
-          <p:cNvPr id="3" name="Content Placeholder 2"/>
-          <p:cNvSpPr>
-            <a:spLocks noGrp="1"/>
-          </p:cNvSpPr>
-          <p:nvPr>
-            <p:ph idx="1"/>
-          </p:nvPr>
-        </p:nvSpPr>
-        <p:spPr>
-          <a:xfrm>
-            <a:off x="203931" y="1052547"/>
-            <a:ext cx="11742475" cy="5499556"/>
-          </a:xfrm>
-        </p:spPr>
-        <p:txBody>
-          <a:bodyPr>
-            <a:normAutofit/>
-          </a:bodyPr>
-          <a:lstStyle/>
-          <a:p>
-            <a:r>
-              <a:rPr lang="nl-BE" sz="2000" dirty="0" smtClean="0"/>
-              <a:t>possible types of transactions:</a:t>
-            </a:r>
-          </a:p>
-          <a:p>
-            <a:pPr lvl="1"/>
-            <a:r>
-              <a:rPr lang="nl-BE" sz="1800" dirty="0" smtClean="0"/>
-              <a:t>buy: buy N amount of shares at price P</a:t>
-            </a:r>
-          </a:p>
-          <a:p>
-            <a:pPr lvl="1"/>
-            <a:r>
-              <a:rPr lang="nl-BE" sz="1800" dirty="0" smtClean="0"/>
-              <a:t>sell: sell N amount of shares at price P</a:t>
-            </a:r>
-          </a:p>
-          <a:p>
-            <a:pPr lvl="1"/>
-            <a:r>
-              <a:rPr lang="nl-BE" sz="1800" dirty="0" smtClean="0"/>
-              <a:t>transfer_in: bring in N shares from another broker</a:t>
-            </a:r>
-          </a:p>
-          <a:p>
-            <a:pPr lvl="1"/>
-            <a:r>
-              <a:rPr lang="nl-BE" sz="1800" dirty="0" smtClean="0"/>
-              <a:t>transfer_out: transfer out N shares to another broker</a:t>
-            </a:r>
-          </a:p>
-          <a:p>
-            <a:pPr lvl="1"/>
-            <a:r>
-              <a:rPr lang="nl-BE" sz="1800" dirty="0" smtClean="0"/>
-              <a:t>cash_in: bring in M money in your broker’s cash account</a:t>
-            </a:r>
-          </a:p>
-          <a:p>
-            <a:pPr lvl="1"/>
-            <a:r>
-              <a:rPr lang="nl-BE" sz="1800" dirty="0" smtClean="0"/>
-              <a:t>cash_out: take out M money from your broker’s cash account</a:t>
-            </a:r>
-          </a:p>
-          <a:p>
-            <a:pPr lvl="1"/>
-            <a:r>
-              <a:rPr lang="nl-BE" sz="1800" dirty="0" smtClean="0"/>
-              <a:t>div: receive dividend</a:t>
-            </a:r>
-          </a:p>
-          <a:p>
-            <a:pPr lvl="1"/>
-            <a:endParaRPr lang="nl-BE" sz="1800" dirty="0" smtClean="0"/>
-          </a:p>
-          <a:p>
-            <a:pPr lvl="1"/>
-            <a:endParaRPr lang="en-US" sz="1800" dirty="0"/>
-          </a:p>
-        </p:txBody>
-      </p:sp>
-    </p:spTree>
-    <p:extLst>
-      <p:ext uri="{BB962C8B-B14F-4D97-AF65-F5344CB8AC3E}">
-        <p14:creationId xmlns:p14="http://schemas.microsoft.com/office/powerpoint/2010/main" val="1854203341"/>
-      </p:ext>
-    </p:extLst>
-  </p:cSld>
-  <p:clrMapOvr>
-    <a:masterClrMapping/>
-  </p:clrMapOvr>
-</p:sld>
-</file>
-
-<file path=ppt/slides/slide4.xml><?xml version="1.0" encoding="utf-8"?>
-<p:sld xmlns:a="http://schemas.openxmlformats.org/drawingml/2006/main" xmlns:r="http://schemas.openxmlformats.org/officeDocument/2006/relationships" xmlns:p="http://schemas.openxmlformats.org/presentationml/2006/main">
-  <p:cSld>
-    <p:spTree>
-      <p:nvGrpSpPr>
-        <p:cNvPr id="1" name=""/>
-        <p:cNvGrpSpPr/>
-        <p:nvPr/>
-      </p:nvGrpSpPr>
-      <p:grpSpPr>
-        <a:xfrm>
-          <a:off x="0" y="0"/>
-          <a:ext cx="0" cy="0"/>
-          <a:chOff x="0" y="0"/>
-          <a:chExt cx="0" cy="0"/>
-        </a:xfrm>
-      </p:grpSpPr>
-      <p:sp>
-        <p:nvSpPr>
-          <p:cNvPr id="2" name="Title 1"/>
-          <p:cNvSpPr>
-            <a:spLocks noGrp="1"/>
-          </p:cNvSpPr>
-          <p:nvPr>
-            <p:ph type="title"/>
-          </p:nvPr>
-        </p:nvSpPr>
-        <p:spPr>
-          <a:xfrm>
-            <a:off x="68525" y="-207198"/>
-            <a:ext cx="10515600" cy="1325563"/>
-          </a:xfrm>
-        </p:spPr>
-        <p:txBody>
-          <a:bodyPr/>
-          <a:lstStyle/>
-          <a:p>
-            <a:r>
-              <a:rPr lang="nl-BE" dirty="0" smtClean="0"/>
-              <a:t>BOLERO </a:t>
-            </a:r>
-            <a:r>
-              <a:rPr lang="nl-BE" dirty="0" smtClean="0"/>
-              <a:t>import xlsx</a:t>
+              <a:t>BOLERO import xlsx</a:t>
             </a:r>
             <a:endParaRPr lang="en-US" dirty="0"/>
           </a:p>
@@ -4394,7 +6660,7 @@
 </p:sld>
 </file>
 
-<file path=ppt/slides/slide5.xml><?xml version="1.0" encoding="utf-8"?>
+<file path=ppt/slides/slide4.xml><?xml version="1.0" encoding="utf-8"?>
 <p:sld xmlns:a="http://schemas.openxmlformats.org/drawingml/2006/main" xmlns:r="http://schemas.openxmlformats.org/officeDocument/2006/relationships" xmlns:p="http://schemas.openxmlformats.org/presentationml/2006/main">
   <p:cSld>
     <p:spTree>
@@ -4607,6 +6873,1618 @@
       </p:par>
     </p:tnLst>
   </p:timing>
+</p:sld>
+</file>
+
+<file path=ppt/slides/slide5.xml><?xml version="1.0" encoding="utf-8"?>
+<p:sld xmlns:a="http://schemas.openxmlformats.org/drawingml/2006/main" xmlns:r="http://schemas.openxmlformats.org/officeDocument/2006/relationships" xmlns:p="http://schemas.openxmlformats.org/presentationml/2006/main">
+  <p:cSld>
+    <p:bg>
+      <p:bgPr>
+        <a:solidFill>
+          <a:schemeClr val="accent6">
+            <a:lumMod val="20000"/>
+            <a:lumOff val="80000"/>
+          </a:schemeClr>
+        </a:solidFill>
+        <a:effectLst/>
+      </p:bgPr>
+    </p:bg>
+    <p:spTree>
+      <p:nvGrpSpPr>
+        <p:cNvPr id="1" name=""/>
+        <p:cNvGrpSpPr/>
+        <p:nvPr/>
+      </p:nvGrpSpPr>
+      <p:grpSpPr>
+        <a:xfrm>
+          <a:off x="0" y="0"/>
+          <a:ext cx="0" cy="0"/>
+          <a:chOff x="0" y="0"/>
+          <a:chExt cx="0" cy="0"/>
+        </a:xfrm>
+      </p:grpSpPr>
+      <p:sp>
+        <p:nvSpPr>
+          <p:cNvPr id="4" name="Title 3"/>
+          <p:cNvSpPr>
+            <a:spLocks noGrp="1"/>
+          </p:cNvSpPr>
+          <p:nvPr>
+            <p:ph type="ctrTitle"/>
+          </p:nvPr>
+        </p:nvSpPr>
+        <p:spPr/>
+        <p:txBody>
+          <a:bodyPr/>
+          <a:lstStyle/>
+          <a:p>
+            <a:r>
+              <a:rPr lang="nl-BE" dirty="0" smtClean="0"/>
+              <a:t>db</a:t>
+            </a:r>
+            <a:endParaRPr lang="en-US" dirty="0"/>
+          </a:p>
+        </p:txBody>
+      </p:sp>
+      <p:sp>
+        <p:nvSpPr>
+          <p:cNvPr id="5" name="Subtitle 4"/>
+          <p:cNvSpPr>
+            <a:spLocks noGrp="1"/>
+          </p:cNvSpPr>
+          <p:nvPr>
+            <p:ph type="subTitle" idx="1"/>
+          </p:nvPr>
+        </p:nvSpPr>
+        <p:spPr/>
+        <p:txBody>
+          <a:bodyPr/>
+          <a:lstStyle/>
+          <a:p>
+            <a:endParaRPr lang="en-US"/>
+          </a:p>
+        </p:txBody>
+      </p:sp>
+    </p:spTree>
+    <p:extLst>
+      <p:ext uri="{BB962C8B-B14F-4D97-AF65-F5344CB8AC3E}">
+        <p14:creationId xmlns:p14="http://schemas.microsoft.com/office/powerpoint/2010/main" val="3187297014"/>
+      </p:ext>
+    </p:extLst>
+  </p:cSld>
+  <p:clrMapOvr>
+    <a:overrideClrMapping bg1="lt1" tx1="dk1" bg2="lt2" tx2="dk2" accent1="accent1" accent2="accent2" accent3="accent3" accent4="accent4" accent5="accent5" accent6="accent6" hlink="hlink" folHlink="folHlink"/>
+  </p:clrMapOvr>
+</p:sld>
+</file>
+
+<file path=ppt/slides/slide6.xml><?xml version="1.0" encoding="utf-8"?>
+<p:sld xmlns:a="http://schemas.openxmlformats.org/drawingml/2006/main" xmlns:r="http://schemas.openxmlformats.org/officeDocument/2006/relationships" xmlns:p="http://schemas.openxmlformats.org/presentationml/2006/main">
+  <p:cSld>
+    <p:spTree>
+      <p:nvGrpSpPr>
+        <p:cNvPr id="1" name=""/>
+        <p:cNvGrpSpPr/>
+        <p:nvPr/>
+      </p:nvGrpSpPr>
+      <p:grpSpPr>
+        <a:xfrm>
+          <a:off x="0" y="0"/>
+          <a:ext cx="0" cy="0"/>
+          <a:chOff x="0" y="0"/>
+          <a:chExt cx="0" cy="0"/>
+        </a:xfrm>
+      </p:grpSpPr>
+      <p:sp>
+        <p:nvSpPr>
+          <p:cNvPr id="2" name="Title 1"/>
+          <p:cNvSpPr>
+            <a:spLocks noGrp="1"/>
+          </p:cNvSpPr>
+          <p:nvPr>
+            <p:ph type="title"/>
+          </p:nvPr>
+        </p:nvSpPr>
+        <p:spPr>
+          <a:xfrm>
+            <a:off x="68525" y="-207198"/>
+            <a:ext cx="10515600" cy="1325563"/>
+          </a:xfrm>
+        </p:spPr>
+        <p:txBody>
+          <a:bodyPr/>
+          <a:lstStyle/>
+          <a:p>
+            <a:r>
+              <a:rPr lang="nl-BE" dirty="0" smtClean="0"/>
+              <a:t>DB schema</a:t>
+            </a:r>
+            <a:endParaRPr lang="en-US" dirty="0"/>
+          </a:p>
+        </p:txBody>
+      </p:sp>
+      <p:pic>
+        <p:nvPicPr>
+          <p:cNvPr id="6" name="Picture 5"/>
+          <p:cNvPicPr>
+            <a:picLocks noChangeAspect="1"/>
+          </p:cNvPicPr>
+          <p:nvPr/>
+        </p:nvPicPr>
+        <p:blipFill>
+          <a:blip r:embed="rId2"/>
+          <a:stretch>
+            <a:fillRect/>
+          </a:stretch>
+        </p:blipFill>
+        <p:spPr>
+          <a:xfrm>
+            <a:off x="68525" y="928979"/>
+            <a:ext cx="12051846" cy="935187"/>
+          </a:xfrm>
+          <a:prstGeom prst="rect">
+            <a:avLst/>
+          </a:prstGeom>
+        </p:spPr>
+      </p:pic>
+      <p:sp>
+        <p:nvSpPr>
+          <p:cNvPr id="7" name="Content Placeholder 2"/>
+          <p:cNvSpPr>
+            <a:spLocks noGrp="1"/>
+          </p:cNvSpPr>
+          <p:nvPr>
+            <p:ph idx="1"/>
+          </p:nvPr>
+        </p:nvSpPr>
+        <p:spPr>
+          <a:xfrm>
+            <a:off x="203931" y="2150075"/>
+            <a:ext cx="11368171" cy="4402027"/>
+          </a:xfrm>
+        </p:spPr>
+        <p:txBody>
+          <a:bodyPr>
+            <a:normAutofit/>
+          </a:bodyPr>
+          <a:lstStyle/>
+          <a:p>
+            <a:r>
+              <a:rPr lang="nl-BE" sz="2400" dirty="0" smtClean="0"/>
+              <a:t>the 2 _map tables are related to imports where RIC codes are missing</a:t>
+            </a:r>
+          </a:p>
+          <a:p>
+            <a:r>
+              <a:rPr lang="nl-BE" sz="2400" dirty="0" smtClean="0"/>
+              <a:t>the other 4 tables are core data tables</a:t>
+            </a:r>
+            <a:endParaRPr lang="nl-BE" sz="1800" dirty="0" smtClean="0"/>
+          </a:p>
+        </p:txBody>
+      </p:sp>
+    </p:spTree>
+    <p:extLst>
+      <p:ext uri="{BB962C8B-B14F-4D97-AF65-F5344CB8AC3E}">
+        <p14:creationId xmlns:p14="http://schemas.microsoft.com/office/powerpoint/2010/main" val="1119302274"/>
+      </p:ext>
+    </p:extLst>
+  </p:cSld>
+  <p:clrMapOvr>
+    <a:masterClrMapping/>
+  </p:clrMapOvr>
+  <p:timing>
+    <p:tnLst>
+      <p:par>
+        <p:cTn id="1" dur="indefinite" restart="never" nodeType="tmRoot"/>
+      </p:par>
+    </p:tnLst>
+  </p:timing>
+</p:sld>
+</file>
+
+<file path=ppt/slides/slide7.xml><?xml version="1.0" encoding="utf-8"?>
+<p:sld xmlns:a="http://schemas.openxmlformats.org/drawingml/2006/main" xmlns:r="http://schemas.openxmlformats.org/officeDocument/2006/relationships" xmlns:p="http://schemas.openxmlformats.org/presentationml/2006/main">
+  <p:cSld>
+    <p:spTree>
+      <p:nvGrpSpPr>
+        <p:cNvPr id="1" name=""/>
+        <p:cNvGrpSpPr/>
+        <p:nvPr/>
+      </p:nvGrpSpPr>
+      <p:grpSpPr>
+        <a:xfrm>
+          <a:off x="0" y="0"/>
+          <a:ext cx="0" cy="0"/>
+          <a:chOff x="0" y="0"/>
+          <a:chExt cx="0" cy="0"/>
+        </a:xfrm>
+      </p:grpSpPr>
+      <p:sp>
+        <p:nvSpPr>
+          <p:cNvPr id="2" name="Title 1"/>
+          <p:cNvSpPr>
+            <a:spLocks noGrp="1"/>
+          </p:cNvSpPr>
+          <p:nvPr>
+            <p:ph type="title"/>
+          </p:nvPr>
+        </p:nvSpPr>
+        <p:spPr>
+          <a:xfrm>
+            <a:off x="68525" y="-207198"/>
+            <a:ext cx="10515600" cy="1325563"/>
+          </a:xfrm>
+        </p:spPr>
+        <p:txBody>
+          <a:bodyPr/>
+          <a:lstStyle/>
+          <a:p>
+            <a:r>
+              <a:rPr lang="nl-BE" dirty="0" smtClean="0"/>
+              <a:t>transactions description</a:t>
+            </a:r>
+            <a:endParaRPr lang="en-US" dirty="0"/>
+          </a:p>
+        </p:txBody>
+      </p:sp>
+      <p:sp>
+        <p:nvSpPr>
+          <p:cNvPr id="3" name="Content Placeholder 2"/>
+          <p:cNvSpPr>
+            <a:spLocks noGrp="1"/>
+          </p:cNvSpPr>
+          <p:nvPr>
+            <p:ph idx="1"/>
+          </p:nvPr>
+        </p:nvSpPr>
+        <p:spPr>
+          <a:xfrm>
+            <a:off x="203931" y="1052547"/>
+            <a:ext cx="11742475" cy="5499556"/>
+          </a:xfrm>
+        </p:spPr>
+        <p:txBody>
+          <a:bodyPr>
+            <a:normAutofit/>
+          </a:bodyPr>
+          <a:lstStyle/>
+          <a:p>
+            <a:r>
+              <a:rPr lang="nl-BE" sz="2000" dirty="0" smtClean="0"/>
+              <a:t>possible types of transactions:</a:t>
+            </a:r>
+          </a:p>
+          <a:p>
+            <a:pPr lvl="1"/>
+            <a:r>
+              <a:rPr lang="nl-BE" sz="1800" dirty="0" smtClean="0"/>
+              <a:t>buy: buy N amount of shares at price P</a:t>
+            </a:r>
+          </a:p>
+          <a:p>
+            <a:pPr lvl="1"/>
+            <a:r>
+              <a:rPr lang="nl-BE" sz="1800" dirty="0" smtClean="0"/>
+              <a:t>sell: sell N amount of shares at price P</a:t>
+            </a:r>
+          </a:p>
+          <a:p>
+            <a:pPr lvl="1"/>
+            <a:r>
+              <a:rPr lang="nl-BE" sz="1800" dirty="0" smtClean="0"/>
+              <a:t>transfer_in: bring in N shares from another broker</a:t>
+            </a:r>
+          </a:p>
+          <a:p>
+            <a:pPr lvl="1"/>
+            <a:r>
+              <a:rPr lang="nl-BE" sz="1800" dirty="0" smtClean="0"/>
+              <a:t>transfer_out: transfer out N shares to another broker</a:t>
+            </a:r>
+          </a:p>
+          <a:p>
+            <a:pPr lvl="1"/>
+            <a:r>
+              <a:rPr lang="nl-BE" sz="1800" dirty="0" smtClean="0"/>
+              <a:t>cash_in: bring in M money in your broker’s cash account</a:t>
+            </a:r>
+          </a:p>
+          <a:p>
+            <a:pPr lvl="1"/>
+            <a:r>
+              <a:rPr lang="nl-BE" sz="1800" dirty="0" smtClean="0"/>
+              <a:t>cash_out: take out M money from your broker’s cash account</a:t>
+            </a:r>
+          </a:p>
+          <a:p>
+            <a:pPr lvl="1"/>
+            <a:r>
+              <a:rPr lang="nl-BE" sz="1800" dirty="0" smtClean="0"/>
+              <a:t>div: receive dividend</a:t>
+            </a:r>
+          </a:p>
+          <a:p>
+            <a:pPr lvl="1"/>
+            <a:endParaRPr lang="nl-BE" sz="1800" dirty="0" smtClean="0"/>
+          </a:p>
+          <a:p>
+            <a:pPr lvl="1"/>
+            <a:endParaRPr lang="en-US" sz="1800" dirty="0"/>
+          </a:p>
+        </p:txBody>
+      </p:sp>
+    </p:spTree>
+    <p:extLst>
+      <p:ext uri="{BB962C8B-B14F-4D97-AF65-F5344CB8AC3E}">
+        <p14:creationId xmlns:p14="http://schemas.microsoft.com/office/powerpoint/2010/main" val="1854203341"/>
+      </p:ext>
+    </p:extLst>
+  </p:cSld>
+  <p:clrMapOvr>
+    <a:masterClrMapping/>
+  </p:clrMapOvr>
+</p:sld>
+</file>
+
+<file path=ppt/slides/slide8.xml><?xml version="1.0" encoding="utf-8"?>
+<p:sld xmlns:a="http://schemas.openxmlformats.org/drawingml/2006/main" xmlns:r="http://schemas.openxmlformats.org/officeDocument/2006/relationships" xmlns:p="http://schemas.openxmlformats.org/presentationml/2006/main">
+  <p:cSld>
+    <p:bg>
+      <p:bgPr>
+        <a:solidFill>
+          <a:schemeClr val="accent6">
+            <a:lumMod val="20000"/>
+            <a:lumOff val="80000"/>
+          </a:schemeClr>
+        </a:solidFill>
+        <a:effectLst/>
+      </p:bgPr>
+    </p:bg>
+    <p:spTree>
+      <p:nvGrpSpPr>
+        <p:cNvPr id="1" name=""/>
+        <p:cNvGrpSpPr/>
+        <p:nvPr/>
+      </p:nvGrpSpPr>
+      <p:grpSpPr>
+        <a:xfrm>
+          <a:off x="0" y="0"/>
+          <a:ext cx="0" cy="0"/>
+          <a:chOff x="0" y="0"/>
+          <a:chExt cx="0" cy="0"/>
+        </a:xfrm>
+      </p:grpSpPr>
+      <p:sp>
+        <p:nvSpPr>
+          <p:cNvPr id="4" name="Title 3"/>
+          <p:cNvSpPr>
+            <a:spLocks noGrp="1"/>
+          </p:cNvSpPr>
+          <p:nvPr>
+            <p:ph type="ctrTitle"/>
+          </p:nvPr>
+        </p:nvSpPr>
+        <p:spPr/>
+        <p:txBody>
+          <a:bodyPr/>
+          <a:lstStyle/>
+          <a:p>
+            <a:r>
+              <a:rPr lang="nl-BE" dirty="0" smtClean="0"/>
+              <a:t>reactivity</a:t>
+            </a:r>
+            <a:endParaRPr lang="en-US" dirty="0"/>
+          </a:p>
+        </p:txBody>
+      </p:sp>
+      <p:sp>
+        <p:nvSpPr>
+          <p:cNvPr id="5" name="Subtitle 4"/>
+          <p:cNvSpPr>
+            <a:spLocks noGrp="1"/>
+          </p:cNvSpPr>
+          <p:nvPr>
+            <p:ph type="subTitle" idx="1"/>
+          </p:nvPr>
+        </p:nvSpPr>
+        <p:spPr/>
+        <p:txBody>
+          <a:bodyPr/>
+          <a:lstStyle/>
+          <a:p>
+            <a:endParaRPr lang="en-US"/>
+          </a:p>
+        </p:txBody>
+      </p:sp>
+    </p:spTree>
+    <p:extLst>
+      <p:ext uri="{BB962C8B-B14F-4D97-AF65-F5344CB8AC3E}">
+        <p14:creationId xmlns:p14="http://schemas.microsoft.com/office/powerpoint/2010/main" val="1106892015"/>
+      </p:ext>
+    </p:extLst>
+  </p:cSld>
+  <p:clrMapOvr>
+    <a:masterClrMapping/>
+  </p:clrMapOvr>
+</p:sld>
+</file>
+
+<file path=ppt/slides/slide9.xml><?xml version="1.0" encoding="utf-8"?>
+<p:sld xmlns:a="http://schemas.openxmlformats.org/drawingml/2006/main" xmlns:r="http://schemas.openxmlformats.org/officeDocument/2006/relationships" xmlns:p="http://schemas.openxmlformats.org/presentationml/2006/main">
+  <p:cSld>
+    <p:spTree>
+      <p:nvGrpSpPr>
+        <p:cNvPr id="1" name=""/>
+        <p:cNvGrpSpPr/>
+        <p:nvPr/>
+      </p:nvGrpSpPr>
+      <p:grpSpPr>
+        <a:xfrm>
+          <a:off x="0" y="0"/>
+          <a:ext cx="0" cy="0"/>
+          <a:chOff x="0" y="0"/>
+          <a:chExt cx="0" cy="0"/>
+        </a:xfrm>
+      </p:grpSpPr>
+      <p:sp>
+        <p:nvSpPr>
+          <p:cNvPr id="2" name="Title 1"/>
+          <p:cNvSpPr>
+            <a:spLocks noGrp="1"/>
+          </p:cNvSpPr>
+          <p:nvPr>
+            <p:ph type="title"/>
+          </p:nvPr>
+        </p:nvSpPr>
+        <p:spPr/>
+        <p:txBody>
+          <a:bodyPr/>
+          <a:lstStyle/>
+          <a:p>
+            <a:r>
+              <a:rPr lang="nl-BE" dirty="0" smtClean="0"/>
+              <a:t>reactives</a:t>
+            </a:r>
+            <a:endParaRPr lang="en-US" dirty="0"/>
+          </a:p>
+        </p:txBody>
+      </p:sp>
+      <p:sp>
+        <p:nvSpPr>
+          <p:cNvPr id="4" name="Flowchart: Magnetic Disk 3"/>
+          <p:cNvSpPr/>
+          <p:nvPr/>
+        </p:nvSpPr>
+        <p:spPr>
+          <a:xfrm>
+            <a:off x="988539" y="1890584"/>
+            <a:ext cx="840259" cy="729048"/>
+          </a:xfrm>
+          <a:prstGeom prst="flowChartMagneticDisk">
+            <a:avLst/>
+          </a:prstGeom>
+        </p:spPr>
+        <p:style>
+          <a:lnRef idx="2">
+            <a:schemeClr val="accent5">
+              <a:shade val="50000"/>
+            </a:schemeClr>
+          </a:lnRef>
+          <a:fillRef idx="1">
+            <a:schemeClr val="accent5"/>
+          </a:fillRef>
+          <a:effectRef idx="0">
+            <a:schemeClr val="accent5"/>
+          </a:effectRef>
+          <a:fontRef idx="minor">
+            <a:schemeClr val="lt1"/>
+          </a:fontRef>
+        </p:style>
+        <p:txBody>
+          <a:bodyPr rtlCol="0" anchor="ctr"/>
+          <a:lstStyle/>
+          <a:p>
+            <a:pPr algn="ctr"/>
+            <a:r>
+              <a:rPr lang="nl-BE" sz="900" dirty="0" smtClean="0"/>
+              <a:t>transactions</a:t>
+            </a:r>
+            <a:endParaRPr lang="en-US" sz="900" dirty="0"/>
+          </a:p>
+        </p:txBody>
+      </p:sp>
+      <p:sp>
+        <p:nvSpPr>
+          <p:cNvPr id="5" name="Flowchart: Magnetic Disk 4"/>
+          <p:cNvSpPr/>
+          <p:nvPr/>
+        </p:nvSpPr>
+        <p:spPr>
+          <a:xfrm>
+            <a:off x="988540" y="3095369"/>
+            <a:ext cx="840259" cy="729048"/>
+          </a:xfrm>
+          <a:prstGeom prst="flowChartMagneticDisk">
+            <a:avLst/>
+          </a:prstGeom>
+        </p:spPr>
+        <p:style>
+          <a:lnRef idx="2">
+            <a:schemeClr val="accent5">
+              <a:shade val="50000"/>
+            </a:schemeClr>
+          </a:lnRef>
+          <a:fillRef idx="1">
+            <a:schemeClr val="accent5"/>
+          </a:fillRef>
+          <a:effectRef idx="0">
+            <a:schemeClr val="accent5"/>
+          </a:effectRef>
+          <a:fontRef idx="minor">
+            <a:schemeClr val="lt1"/>
+          </a:fontRef>
+        </p:style>
+        <p:txBody>
+          <a:bodyPr rtlCol="0" anchor="ctr"/>
+          <a:lstStyle/>
+          <a:p>
+            <a:pPr algn="ctr"/>
+            <a:r>
+              <a:rPr lang="nl-BE" sz="900" dirty="0" smtClean="0"/>
+              <a:t>stock_ohlc</a:t>
+            </a:r>
+            <a:endParaRPr lang="en-US" sz="900" dirty="0"/>
+          </a:p>
+        </p:txBody>
+      </p:sp>
+      <p:sp>
+        <p:nvSpPr>
+          <p:cNvPr id="6" name="Flowchart: Magnetic Disk 5"/>
+          <p:cNvSpPr/>
+          <p:nvPr/>
+        </p:nvSpPr>
+        <p:spPr>
+          <a:xfrm>
+            <a:off x="988539" y="4436077"/>
+            <a:ext cx="840259" cy="729048"/>
+          </a:xfrm>
+          <a:prstGeom prst="flowChartMagneticDisk">
+            <a:avLst/>
+          </a:prstGeom>
+        </p:spPr>
+        <p:style>
+          <a:lnRef idx="2">
+            <a:schemeClr val="accent5">
+              <a:shade val="50000"/>
+            </a:schemeClr>
+          </a:lnRef>
+          <a:fillRef idx="1">
+            <a:schemeClr val="accent5"/>
+          </a:fillRef>
+          <a:effectRef idx="0">
+            <a:schemeClr val="accent5"/>
+          </a:effectRef>
+          <a:fontRef idx="minor">
+            <a:schemeClr val="lt1"/>
+          </a:fontRef>
+        </p:style>
+        <p:txBody>
+          <a:bodyPr rtlCol="0" anchor="ctr"/>
+          <a:lstStyle/>
+          <a:p>
+            <a:pPr algn="ctr"/>
+            <a:r>
+              <a:rPr lang="nl-BE" sz="900" dirty="0" smtClean="0"/>
+              <a:t>fx_rates</a:t>
+            </a:r>
+            <a:endParaRPr lang="en-US" sz="900" dirty="0"/>
+          </a:p>
+        </p:txBody>
+      </p:sp>
+      <p:sp>
+        <p:nvSpPr>
+          <p:cNvPr id="7" name="Chevron 6"/>
+          <p:cNvSpPr/>
+          <p:nvPr/>
+        </p:nvSpPr>
+        <p:spPr>
+          <a:xfrm>
+            <a:off x="2940910" y="1927654"/>
+            <a:ext cx="1402492" cy="654909"/>
+          </a:xfrm>
+          <a:prstGeom prst="chevron">
+            <a:avLst/>
+          </a:prstGeom>
+        </p:spPr>
+        <p:style>
+          <a:lnRef idx="2">
+            <a:schemeClr val="accent1">
+              <a:shade val="50000"/>
+            </a:schemeClr>
+          </a:lnRef>
+          <a:fillRef idx="1">
+            <a:schemeClr val="accent1"/>
+          </a:fillRef>
+          <a:effectRef idx="0">
+            <a:schemeClr val="accent1"/>
+          </a:effectRef>
+          <a:fontRef idx="minor">
+            <a:schemeClr val="lt1"/>
+          </a:fontRef>
+        </p:style>
+        <p:txBody>
+          <a:bodyPr rtlCol="0" anchor="ctr"/>
+          <a:lstStyle/>
+          <a:p>
+            <a:pPr algn="ctr"/>
+            <a:r>
+              <a:rPr lang="nl-BE" sz="900" dirty="0"/>
+              <a:t>tr()</a:t>
+            </a:r>
+            <a:endParaRPr lang="en-US" sz="900" dirty="0"/>
+          </a:p>
+        </p:txBody>
+      </p:sp>
+      <p:sp>
+        <p:nvSpPr>
+          <p:cNvPr id="8" name="Chevron 7"/>
+          <p:cNvSpPr/>
+          <p:nvPr/>
+        </p:nvSpPr>
+        <p:spPr>
+          <a:xfrm>
+            <a:off x="2940910" y="3132438"/>
+            <a:ext cx="1402492" cy="654909"/>
+          </a:xfrm>
+          <a:prstGeom prst="chevron">
+            <a:avLst/>
+          </a:prstGeom>
+        </p:spPr>
+        <p:style>
+          <a:lnRef idx="2">
+            <a:schemeClr val="accent1">
+              <a:shade val="50000"/>
+            </a:schemeClr>
+          </a:lnRef>
+          <a:fillRef idx="1">
+            <a:schemeClr val="accent1"/>
+          </a:fillRef>
+          <a:effectRef idx="0">
+            <a:schemeClr val="accent1"/>
+          </a:effectRef>
+          <a:fontRef idx="minor">
+            <a:schemeClr val="lt1"/>
+          </a:fontRef>
+        </p:style>
+        <p:txBody>
+          <a:bodyPr rtlCol="0" anchor="ctr"/>
+          <a:lstStyle/>
+          <a:p>
+            <a:pPr algn="ctr"/>
+            <a:r>
+              <a:rPr lang="nl-BE" sz="900" dirty="0" smtClean="0"/>
+              <a:t>ohlc()</a:t>
+            </a:r>
+            <a:endParaRPr lang="en-US" sz="900" dirty="0"/>
+          </a:p>
+        </p:txBody>
+      </p:sp>
+      <p:sp>
+        <p:nvSpPr>
+          <p:cNvPr id="9" name="Chevron 8"/>
+          <p:cNvSpPr/>
+          <p:nvPr/>
+        </p:nvSpPr>
+        <p:spPr>
+          <a:xfrm>
+            <a:off x="2940910" y="4473146"/>
+            <a:ext cx="1402492" cy="654909"/>
+          </a:xfrm>
+          <a:prstGeom prst="chevron">
+            <a:avLst/>
+          </a:prstGeom>
+        </p:spPr>
+        <p:style>
+          <a:lnRef idx="2">
+            <a:schemeClr val="accent1">
+              <a:shade val="50000"/>
+            </a:schemeClr>
+          </a:lnRef>
+          <a:fillRef idx="1">
+            <a:schemeClr val="accent1"/>
+          </a:fillRef>
+          <a:effectRef idx="0">
+            <a:schemeClr val="accent1"/>
+          </a:effectRef>
+          <a:fontRef idx="minor">
+            <a:schemeClr val="lt1"/>
+          </a:fontRef>
+        </p:style>
+        <p:txBody>
+          <a:bodyPr rtlCol="0" anchor="ctr"/>
+          <a:lstStyle/>
+          <a:p>
+            <a:pPr algn="ctr"/>
+            <a:r>
+              <a:rPr lang="nl-BE" sz="900" dirty="0" smtClean="0"/>
+              <a:t>fx()</a:t>
+            </a:r>
+            <a:endParaRPr lang="en-US" sz="900" dirty="0"/>
+          </a:p>
+        </p:txBody>
+      </p:sp>
+      <p:sp>
+        <p:nvSpPr>
+          <p:cNvPr id="10" name="Chevron 9"/>
+          <p:cNvSpPr/>
+          <p:nvPr/>
+        </p:nvSpPr>
+        <p:spPr>
+          <a:xfrm>
+            <a:off x="4744997" y="1927654"/>
+            <a:ext cx="1402492" cy="654909"/>
+          </a:xfrm>
+          <a:prstGeom prst="chevron">
+            <a:avLst/>
+          </a:prstGeom>
+        </p:spPr>
+        <p:style>
+          <a:lnRef idx="2">
+            <a:schemeClr val="accent1">
+              <a:shade val="50000"/>
+            </a:schemeClr>
+          </a:lnRef>
+          <a:fillRef idx="1">
+            <a:schemeClr val="accent1"/>
+          </a:fillRef>
+          <a:effectRef idx="0">
+            <a:schemeClr val="accent1"/>
+          </a:effectRef>
+          <a:fontRef idx="minor">
+            <a:schemeClr val="lt1"/>
+          </a:fontRef>
+        </p:style>
+        <p:txBody>
+          <a:bodyPr rtlCol="0" anchor="ctr"/>
+          <a:lstStyle/>
+          <a:p>
+            <a:pPr algn="ctr"/>
+            <a:r>
+              <a:rPr lang="nl-BE" sz="900" dirty="0" smtClean="0"/>
+              <a:t>tr_ext()</a:t>
+            </a:r>
+            <a:endParaRPr lang="en-US" sz="900" dirty="0"/>
+          </a:p>
+        </p:txBody>
+      </p:sp>
+      <p:sp>
+        <p:nvSpPr>
+          <p:cNvPr id="11" name="Chevron 10"/>
+          <p:cNvSpPr/>
+          <p:nvPr/>
+        </p:nvSpPr>
+        <p:spPr>
+          <a:xfrm>
+            <a:off x="6567619" y="1154262"/>
+            <a:ext cx="1402492" cy="654909"/>
+          </a:xfrm>
+          <a:prstGeom prst="chevron">
+            <a:avLst/>
+          </a:prstGeom>
+        </p:spPr>
+        <p:style>
+          <a:lnRef idx="2">
+            <a:schemeClr val="accent1">
+              <a:shade val="50000"/>
+            </a:schemeClr>
+          </a:lnRef>
+          <a:fillRef idx="1">
+            <a:schemeClr val="accent1"/>
+          </a:fillRef>
+          <a:effectRef idx="0">
+            <a:schemeClr val="accent1"/>
+          </a:effectRef>
+          <a:fontRef idx="minor">
+            <a:schemeClr val="lt1"/>
+          </a:fontRef>
+        </p:style>
+        <p:txBody>
+          <a:bodyPr rtlCol="0" anchor="ctr"/>
+          <a:lstStyle/>
+          <a:p>
+            <a:pPr algn="ctr"/>
+            <a:r>
+              <a:rPr lang="nl-BE" sz="900" dirty="0"/>
+              <a:t>cash_b_evol()</a:t>
+            </a:r>
+            <a:endParaRPr lang="en-US" sz="900" dirty="0"/>
+          </a:p>
+        </p:txBody>
+      </p:sp>
+      <p:sp>
+        <p:nvSpPr>
+          <p:cNvPr id="12" name="Chevron 11"/>
+          <p:cNvSpPr/>
+          <p:nvPr/>
+        </p:nvSpPr>
+        <p:spPr>
+          <a:xfrm>
+            <a:off x="6462586" y="2686500"/>
+            <a:ext cx="1402492" cy="654909"/>
+          </a:xfrm>
+          <a:prstGeom prst="chevron">
+            <a:avLst/>
+          </a:prstGeom>
+        </p:spPr>
+        <p:style>
+          <a:lnRef idx="2">
+            <a:schemeClr val="accent1">
+              <a:shade val="50000"/>
+            </a:schemeClr>
+          </a:lnRef>
+          <a:fillRef idx="1">
+            <a:schemeClr val="accent1"/>
+          </a:fillRef>
+          <a:effectRef idx="0">
+            <a:schemeClr val="accent1"/>
+          </a:effectRef>
+          <a:fontRef idx="minor">
+            <a:schemeClr val="lt1"/>
+          </a:fontRef>
+        </p:style>
+        <p:txBody>
+          <a:bodyPr rtlCol="0" anchor="ctr"/>
+          <a:lstStyle/>
+          <a:p>
+            <a:pPr algn="ctr"/>
+            <a:r>
+              <a:rPr lang="nl-BE" sz="900" dirty="0"/>
+              <a:t>pos_sb_evol()</a:t>
+            </a:r>
+            <a:endParaRPr lang="en-US" sz="900" dirty="0"/>
+          </a:p>
+        </p:txBody>
+      </p:sp>
+      <p:sp>
+        <p:nvSpPr>
+          <p:cNvPr id="13" name="Chevron 12"/>
+          <p:cNvSpPr/>
+          <p:nvPr/>
+        </p:nvSpPr>
+        <p:spPr>
+          <a:xfrm>
+            <a:off x="8841262" y="2686499"/>
+            <a:ext cx="1402492" cy="654909"/>
+          </a:xfrm>
+          <a:prstGeom prst="chevron">
+            <a:avLst/>
+          </a:prstGeom>
+        </p:spPr>
+        <p:style>
+          <a:lnRef idx="2">
+            <a:schemeClr val="accent1">
+              <a:shade val="50000"/>
+            </a:schemeClr>
+          </a:lnRef>
+          <a:fillRef idx="1">
+            <a:schemeClr val="accent1"/>
+          </a:fillRef>
+          <a:effectRef idx="0">
+            <a:schemeClr val="accent1"/>
+          </a:effectRef>
+          <a:fontRef idx="minor">
+            <a:schemeClr val="lt1"/>
+          </a:fontRef>
+        </p:style>
+        <p:txBody>
+          <a:bodyPr rtlCol="0" anchor="ctr"/>
+          <a:lstStyle/>
+          <a:p>
+            <a:pPr algn="ctr"/>
+            <a:r>
+              <a:rPr lang="nl-BE" sz="900" dirty="0"/>
+              <a:t>pos_sb()</a:t>
+            </a:r>
+            <a:endParaRPr lang="en-US" sz="900" dirty="0"/>
+          </a:p>
+        </p:txBody>
+      </p:sp>
+      <p:cxnSp>
+        <p:nvCxnSpPr>
+          <p:cNvPr id="15" name="Straight Arrow Connector 14"/>
+          <p:cNvCxnSpPr>
+            <a:stCxn id="4" idx="4"/>
+            <a:endCxn id="7" idx="1"/>
+          </p:cNvCxnSpPr>
+          <p:nvPr/>
+        </p:nvCxnSpPr>
+        <p:spPr>
+          <a:xfrm>
+            <a:off x="1828798" y="2255108"/>
+            <a:ext cx="1439567" cy="1"/>
+          </a:xfrm>
+          <a:prstGeom prst="straightConnector1">
+            <a:avLst/>
+          </a:prstGeom>
+          <a:ln>
+            <a:tailEnd type="triangle"/>
+          </a:ln>
+        </p:spPr>
+        <p:style>
+          <a:lnRef idx="1">
+            <a:schemeClr val="dk1"/>
+          </a:lnRef>
+          <a:fillRef idx="0">
+            <a:schemeClr val="dk1"/>
+          </a:fillRef>
+          <a:effectRef idx="0">
+            <a:schemeClr val="dk1"/>
+          </a:effectRef>
+          <a:fontRef idx="minor">
+            <a:schemeClr val="tx1"/>
+          </a:fontRef>
+        </p:style>
+      </p:cxnSp>
+      <p:sp>
+        <p:nvSpPr>
+          <p:cNvPr id="17" name="TextBox 16"/>
+          <p:cNvSpPr txBox="1"/>
+          <p:nvPr/>
+        </p:nvSpPr>
+        <p:spPr>
+          <a:xfrm>
+            <a:off x="1831893" y="2021673"/>
+            <a:ext cx="704332" cy="230832"/>
+          </a:xfrm>
+          <a:prstGeom prst="rect">
+            <a:avLst/>
+          </a:prstGeom>
+          <a:noFill/>
+        </p:spPr>
+        <p:txBody>
+          <a:bodyPr wrap="square" rtlCol="0">
+            <a:spAutoFit/>
+          </a:bodyPr>
+          <a:lstStyle/>
+          <a:p>
+            <a:r>
+              <a:rPr lang="nl-BE" sz="900" dirty="0" smtClean="0"/>
+              <a:t>polling</a:t>
+            </a:r>
+            <a:endParaRPr lang="en-US" sz="900" dirty="0"/>
+          </a:p>
+        </p:txBody>
+      </p:sp>
+      <p:sp>
+        <p:nvSpPr>
+          <p:cNvPr id="18" name="Flowchart: Magnetic Disk 17"/>
+          <p:cNvSpPr/>
+          <p:nvPr/>
+        </p:nvSpPr>
+        <p:spPr>
+          <a:xfrm>
+            <a:off x="988539" y="5776785"/>
+            <a:ext cx="840259" cy="729048"/>
+          </a:xfrm>
+          <a:prstGeom prst="flowChartMagneticDisk">
+            <a:avLst/>
+          </a:prstGeom>
+        </p:spPr>
+        <p:style>
+          <a:lnRef idx="2">
+            <a:schemeClr val="accent5">
+              <a:shade val="50000"/>
+            </a:schemeClr>
+          </a:lnRef>
+          <a:fillRef idx="1">
+            <a:schemeClr val="accent5"/>
+          </a:fillRef>
+          <a:effectRef idx="0">
+            <a:schemeClr val="accent5"/>
+          </a:effectRef>
+          <a:fontRef idx="minor">
+            <a:schemeClr val="lt1"/>
+          </a:fontRef>
+        </p:style>
+        <p:txBody>
+          <a:bodyPr rtlCol="0" anchor="ctr"/>
+          <a:lstStyle/>
+          <a:p>
+            <a:pPr algn="ctr"/>
+            <a:r>
+              <a:rPr lang="nl-BE" sz="900" dirty="0" smtClean="0"/>
+              <a:t>stock_profiles</a:t>
+            </a:r>
+            <a:endParaRPr lang="en-US" sz="900" dirty="0"/>
+          </a:p>
+        </p:txBody>
+      </p:sp>
+      <p:sp>
+        <p:nvSpPr>
+          <p:cNvPr id="19" name="Chevron 18"/>
+          <p:cNvSpPr/>
+          <p:nvPr/>
+        </p:nvSpPr>
+        <p:spPr>
+          <a:xfrm>
+            <a:off x="2940910" y="5813854"/>
+            <a:ext cx="1402492" cy="654909"/>
+          </a:xfrm>
+          <a:prstGeom prst="chevron">
+            <a:avLst/>
+          </a:prstGeom>
+        </p:spPr>
+        <p:style>
+          <a:lnRef idx="2">
+            <a:schemeClr val="accent1">
+              <a:shade val="50000"/>
+            </a:schemeClr>
+          </a:lnRef>
+          <a:fillRef idx="1">
+            <a:schemeClr val="accent1"/>
+          </a:fillRef>
+          <a:effectRef idx="0">
+            <a:schemeClr val="accent1"/>
+          </a:effectRef>
+          <a:fontRef idx="minor">
+            <a:schemeClr val="lt1"/>
+          </a:fontRef>
+        </p:style>
+        <p:txBody>
+          <a:bodyPr rtlCol="0" anchor="ctr"/>
+          <a:lstStyle/>
+          <a:p>
+            <a:pPr algn="ctr"/>
+            <a:r>
+              <a:rPr lang="nl-BE" sz="900" dirty="0" smtClean="0"/>
+              <a:t>profiles()</a:t>
+            </a:r>
+            <a:endParaRPr lang="en-US" sz="900" dirty="0"/>
+          </a:p>
+        </p:txBody>
+      </p:sp>
+      <p:cxnSp>
+        <p:nvCxnSpPr>
+          <p:cNvPr id="21" name="Straight Arrow Connector 20"/>
+          <p:cNvCxnSpPr>
+            <a:stCxn id="5" idx="4"/>
+            <a:endCxn id="8" idx="1"/>
+          </p:cNvCxnSpPr>
+          <p:nvPr/>
+        </p:nvCxnSpPr>
+        <p:spPr>
+          <a:xfrm>
+            <a:off x="1828799" y="3459893"/>
+            <a:ext cx="1439566" cy="0"/>
+          </a:xfrm>
+          <a:prstGeom prst="straightConnector1">
+            <a:avLst/>
+          </a:prstGeom>
+          <a:ln>
+            <a:tailEnd type="triangle"/>
+          </a:ln>
+        </p:spPr>
+        <p:style>
+          <a:lnRef idx="1">
+            <a:schemeClr val="dk1"/>
+          </a:lnRef>
+          <a:fillRef idx="0">
+            <a:schemeClr val="dk1"/>
+          </a:fillRef>
+          <a:effectRef idx="0">
+            <a:schemeClr val="dk1"/>
+          </a:effectRef>
+          <a:fontRef idx="minor">
+            <a:schemeClr val="tx1"/>
+          </a:fontRef>
+        </p:style>
+      </p:cxnSp>
+      <p:cxnSp>
+        <p:nvCxnSpPr>
+          <p:cNvPr id="23" name="Straight Arrow Connector 22"/>
+          <p:cNvCxnSpPr>
+            <a:stCxn id="6" idx="4"/>
+            <a:endCxn id="9" idx="1"/>
+          </p:cNvCxnSpPr>
+          <p:nvPr/>
+        </p:nvCxnSpPr>
+        <p:spPr>
+          <a:xfrm>
+            <a:off x="1828798" y="4800601"/>
+            <a:ext cx="1439567" cy="0"/>
+          </a:xfrm>
+          <a:prstGeom prst="straightConnector1">
+            <a:avLst/>
+          </a:prstGeom>
+          <a:ln>
+            <a:tailEnd type="triangle"/>
+          </a:ln>
+        </p:spPr>
+        <p:style>
+          <a:lnRef idx="1">
+            <a:schemeClr val="dk1"/>
+          </a:lnRef>
+          <a:fillRef idx="0">
+            <a:schemeClr val="dk1"/>
+          </a:fillRef>
+          <a:effectRef idx="0">
+            <a:schemeClr val="dk1"/>
+          </a:effectRef>
+          <a:fontRef idx="minor">
+            <a:schemeClr val="tx1"/>
+          </a:fontRef>
+        </p:style>
+      </p:cxnSp>
+      <p:cxnSp>
+        <p:nvCxnSpPr>
+          <p:cNvPr id="25" name="Straight Arrow Connector 24"/>
+          <p:cNvCxnSpPr>
+            <a:stCxn id="18" idx="4"/>
+            <a:endCxn id="19" idx="1"/>
+          </p:cNvCxnSpPr>
+          <p:nvPr/>
+        </p:nvCxnSpPr>
+        <p:spPr>
+          <a:xfrm>
+            <a:off x="1828798" y="6141309"/>
+            <a:ext cx="1439567" cy="0"/>
+          </a:xfrm>
+          <a:prstGeom prst="straightConnector1">
+            <a:avLst/>
+          </a:prstGeom>
+          <a:ln>
+            <a:tailEnd type="triangle"/>
+          </a:ln>
+        </p:spPr>
+        <p:style>
+          <a:lnRef idx="1">
+            <a:schemeClr val="dk1"/>
+          </a:lnRef>
+          <a:fillRef idx="0">
+            <a:schemeClr val="dk1"/>
+          </a:fillRef>
+          <a:effectRef idx="0">
+            <a:schemeClr val="dk1"/>
+          </a:effectRef>
+          <a:fontRef idx="minor">
+            <a:schemeClr val="tx1"/>
+          </a:fontRef>
+        </p:style>
+      </p:cxnSp>
+      <p:sp>
+        <p:nvSpPr>
+          <p:cNvPr id="26" name="TextBox 25"/>
+          <p:cNvSpPr txBox="1"/>
+          <p:nvPr/>
+        </p:nvSpPr>
+        <p:spPr>
+          <a:xfrm>
+            <a:off x="1831893" y="3235282"/>
+            <a:ext cx="704332" cy="230832"/>
+          </a:xfrm>
+          <a:prstGeom prst="rect">
+            <a:avLst/>
+          </a:prstGeom>
+          <a:noFill/>
+        </p:spPr>
+        <p:txBody>
+          <a:bodyPr wrap="square" rtlCol="0">
+            <a:spAutoFit/>
+          </a:bodyPr>
+          <a:lstStyle/>
+          <a:p>
+            <a:r>
+              <a:rPr lang="nl-BE" sz="900" dirty="0" smtClean="0"/>
+              <a:t>polling</a:t>
+            </a:r>
+            <a:endParaRPr lang="en-US" sz="900" dirty="0"/>
+          </a:p>
+        </p:txBody>
+      </p:sp>
+      <p:sp>
+        <p:nvSpPr>
+          <p:cNvPr id="27" name="TextBox 26"/>
+          <p:cNvSpPr txBox="1"/>
+          <p:nvPr/>
+        </p:nvSpPr>
+        <p:spPr>
+          <a:xfrm>
+            <a:off x="1831893" y="4563176"/>
+            <a:ext cx="704332" cy="230832"/>
+          </a:xfrm>
+          <a:prstGeom prst="rect">
+            <a:avLst/>
+          </a:prstGeom>
+          <a:noFill/>
+        </p:spPr>
+        <p:txBody>
+          <a:bodyPr wrap="square" rtlCol="0">
+            <a:spAutoFit/>
+          </a:bodyPr>
+          <a:lstStyle/>
+          <a:p>
+            <a:r>
+              <a:rPr lang="nl-BE" sz="900" dirty="0" smtClean="0"/>
+              <a:t>polling</a:t>
+            </a:r>
+            <a:endParaRPr lang="en-US" sz="900" dirty="0"/>
+          </a:p>
+        </p:txBody>
+      </p:sp>
+      <p:sp>
+        <p:nvSpPr>
+          <p:cNvPr id="28" name="TextBox 27"/>
+          <p:cNvSpPr txBox="1"/>
+          <p:nvPr/>
+        </p:nvSpPr>
+        <p:spPr>
+          <a:xfrm>
+            <a:off x="1831893" y="5903884"/>
+            <a:ext cx="704332" cy="230832"/>
+          </a:xfrm>
+          <a:prstGeom prst="rect">
+            <a:avLst/>
+          </a:prstGeom>
+          <a:noFill/>
+        </p:spPr>
+        <p:txBody>
+          <a:bodyPr wrap="square" rtlCol="0">
+            <a:spAutoFit/>
+          </a:bodyPr>
+          <a:lstStyle/>
+          <a:p>
+            <a:r>
+              <a:rPr lang="nl-BE" sz="900" dirty="0" smtClean="0"/>
+              <a:t>polling</a:t>
+            </a:r>
+            <a:endParaRPr lang="en-US" sz="900" dirty="0"/>
+          </a:p>
+        </p:txBody>
+      </p:sp>
+      <p:sp>
+        <p:nvSpPr>
+          <p:cNvPr id="30" name="Chevron 29"/>
+          <p:cNvSpPr/>
+          <p:nvPr/>
+        </p:nvSpPr>
+        <p:spPr>
+          <a:xfrm>
+            <a:off x="4877829" y="3787347"/>
+            <a:ext cx="1402492" cy="654909"/>
+          </a:xfrm>
+          <a:prstGeom prst="chevron">
+            <a:avLst/>
+          </a:prstGeom>
+        </p:spPr>
+        <p:style>
+          <a:lnRef idx="2">
+            <a:schemeClr val="accent1">
+              <a:shade val="50000"/>
+            </a:schemeClr>
+          </a:lnRef>
+          <a:fillRef idx="1">
+            <a:schemeClr val="accent1"/>
+          </a:fillRef>
+          <a:effectRef idx="0">
+            <a:schemeClr val="accent1"/>
+          </a:effectRef>
+          <a:fontRef idx="minor">
+            <a:schemeClr val="lt1"/>
+          </a:fontRef>
+        </p:style>
+        <p:txBody>
+          <a:bodyPr rtlCol="0" anchor="ctr"/>
+          <a:lstStyle/>
+          <a:p>
+            <a:pPr algn="ctr"/>
+            <a:r>
+              <a:rPr lang="nl-BE" sz="900" dirty="0" smtClean="0"/>
+              <a:t>ohlc_euro()</a:t>
+            </a:r>
+            <a:endParaRPr lang="en-US" sz="900" dirty="0"/>
+          </a:p>
+        </p:txBody>
+      </p:sp>
+      <p:cxnSp>
+        <p:nvCxnSpPr>
+          <p:cNvPr id="32" name="Straight Arrow Connector 31"/>
+          <p:cNvCxnSpPr>
+            <a:stCxn id="8" idx="3"/>
+            <a:endCxn id="30" idx="1"/>
+          </p:cNvCxnSpPr>
+          <p:nvPr/>
+        </p:nvCxnSpPr>
+        <p:spPr>
+          <a:xfrm>
+            <a:off x="4343402" y="3459893"/>
+            <a:ext cx="861882" cy="654909"/>
+          </a:xfrm>
+          <a:prstGeom prst="straightConnector1">
+            <a:avLst/>
+          </a:prstGeom>
+          <a:ln>
+            <a:tailEnd type="triangle"/>
+          </a:ln>
+        </p:spPr>
+        <p:style>
+          <a:lnRef idx="1">
+            <a:schemeClr val="dk1"/>
+          </a:lnRef>
+          <a:fillRef idx="0">
+            <a:schemeClr val="dk1"/>
+          </a:fillRef>
+          <a:effectRef idx="0">
+            <a:schemeClr val="dk1"/>
+          </a:effectRef>
+          <a:fontRef idx="minor">
+            <a:schemeClr val="tx1"/>
+          </a:fontRef>
+        </p:style>
+      </p:cxnSp>
+      <p:cxnSp>
+        <p:nvCxnSpPr>
+          <p:cNvPr id="34" name="Straight Arrow Connector 33"/>
+          <p:cNvCxnSpPr>
+            <a:stCxn id="9" idx="3"/>
+            <a:endCxn id="30" idx="1"/>
+          </p:cNvCxnSpPr>
+          <p:nvPr/>
+        </p:nvCxnSpPr>
+        <p:spPr>
+          <a:xfrm flipV="1">
+            <a:off x="4343402" y="4114802"/>
+            <a:ext cx="861882" cy="685799"/>
+          </a:xfrm>
+          <a:prstGeom prst="straightConnector1">
+            <a:avLst/>
+          </a:prstGeom>
+          <a:ln>
+            <a:tailEnd type="triangle"/>
+          </a:ln>
+        </p:spPr>
+        <p:style>
+          <a:lnRef idx="1">
+            <a:schemeClr val="dk1"/>
+          </a:lnRef>
+          <a:fillRef idx="0">
+            <a:schemeClr val="dk1"/>
+          </a:fillRef>
+          <a:effectRef idx="0">
+            <a:schemeClr val="dk1"/>
+          </a:effectRef>
+          <a:fontRef idx="minor">
+            <a:schemeClr val="tx1"/>
+          </a:fontRef>
+        </p:style>
+      </p:cxnSp>
+      <p:cxnSp>
+        <p:nvCxnSpPr>
+          <p:cNvPr id="36" name="Straight Arrow Connector 35"/>
+          <p:cNvCxnSpPr>
+            <a:stCxn id="19" idx="3"/>
+            <a:endCxn id="30" idx="1"/>
+          </p:cNvCxnSpPr>
+          <p:nvPr/>
+        </p:nvCxnSpPr>
+        <p:spPr>
+          <a:xfrm flipV="1">
+            <a:off x="4343402" y="4114802"/>
+            <a:ext cx="861882" cy="2026507"/>
+          </a:xfrm>
+          <a:prstGeom prst="straightConnector1">
+            <a:avLst/>
+          </a:prstGeom>
+          <a:ln>
+            <a:tailEnd type="triangle"/>
+          </a:ln>
+        </p:spPr>
+        <p:style>
+          <a:lnRef idx="1">
+            <a:schemeClr val="dk1"/>
+          </a:lnRef>
+          <a:fillRef idx="0">
+            <a:schemeClr val="dk1"/>
+          </a:fillRef>
+          <a:effectRef idx="0">
+            <a:schemeClr val="dk1"/>
+          </a:effectRef>
+          <a:fontRef idx="minor">
+            <a:schemeClr val="tx1"/>
+          </a:fontRef>
+        </p:style>
+      </p:cxnSp>
+      <p:cxnSp>
+        <p:nvCxnSpPr>
+          <p:cNvPr id="38" name="Straight Arrow Connector 37"/>
+          <p:cNvCxnSpPr>
+            <a:stCxn id="7" idx="3"/>
+            <a:endCxn id="10" idx="1"/>
+          </p:cNvCxnSpPr>
+          <p:nvPr/>
+        </p:nvCxnSpPr>
+        <p:spPr>
+          <a:xfrm>
+            <a:off x="4343402" y="2255109"/>
+            <a:ext cx="729050" cy="0"/>
+          </a:xfrm>
+          <a:prstGeom prst="straightConnector1">
+            <a:avLst/>
+          </a:prstGeom>
+          <a:ln>
+            <a:tailEnd type="triangle"/>
+          </a:ln>
+        </p:spPr>
+        <p:style>
+          <a:lnRef idx="1">
+            <a:schemeClr val="dk1"/>
+          </a:lnRef>
+          <a:fillRef idx="0">
+            <a:schemeClr val="dk1"/>
+          </a:fillRef>
+          <a:effectRef idx="0">
+            <a:schemeClr val="dk1"/>
+          </a:effectRef>
+          <a:fontRef idx="minor">
+            <a:schemeClr val="tx1"/>
+          </a:fontRef>
+        </p:style>
+      </p:cxnSp>
+      <p:cxnSp>
+        <p:nvCxnSpPr>
+          <p:cNvPr id="42" name="Straight Arrow Connector 41"/>
+          <p:cNvCxnSpPr>
+            <a:stCxn id="10" idx="3"/>
+            <a:endCxn id="11" idx="1"/>
+          </p:cNvCxnSpPr>
+          <p:nvPr/>
+        </p:nvCxnSpPr>
+        <p:spPr>
+          <a:xfrm flipV="1">
+            <a:off x="6147489" y="1481717"/>
+            <a:ext cx="747585" cy="773392"/>
+          </a:xfrm>
+          <a:prstGeom prst="straightConnector1">
+            <a:avLst/>
+          </a:prstGeom>
+          <a:ln>
+            <a:tailEnd type="triangle"/>
+          </a:ln>
+        </p:spPr>
+        <p:style>
+          <a:lnRef idx="1">
+            <a:schemeClr val="dk1"/>
+          </a:lnRef>
+          <a:fillRef idx="0">
+            <a:schemeClr val="dk1"/>
+          </a:fillRef>
+          <a:effectRef idx="0">
+            <a:schemeClr val="dk1"/>
+          </a:effectRef>
+          <a:fontRef idx="minor">
+            <a:schemeClr val="tx1"/>
+          </a:fontRef>
+        </p:style>
+      </p:cxnSp>
+      <p:cxnSp>
+        <p:nvCxnSpPr>
+          <p:cNvPr id="44" name="Straight Arrow Connector 43"/>
+          <p:cNvCxnSpPr>
+            <a:stCxn id="10" idx="3"/>
+            <a:endCxn id="12" idx="1"/>
+          </p:cNvCxnSpPr>
+          <p:nvPr/>
+        </p:nvCxnSpPr>
+        <p:spPr>
+          <a:xfrm>
+            <a:off x="6147489" y="2255109"/>
+            <a:ext cx="642552" cy="758846"/>
+          </a:xfrm>
+          <a:prstGeom prst="straightConnector1">
+            <a:avLst/>
+          </a:prstGeom>
+          <a:ln>
+            <a:tailEnd type="triangle"/>
+          </a:ln>
+        </p:spPr>
+        <p:style>
+          <a:lnRef idx="1">
+            <a:schemeClr val="dk1"/>
+          </a:lnRef>
+          <a:fillRef idx="0">
+            <a:schemeClr val="dk1"/>
+          </a:fillRef>
+          <a:effectRef idx="0">
+            <a:schemeClr val="dk1"/>
+          </a:effectRef>
+          <a:fontRef idx="minor">
+            <a:schemeClr val="tx1"/>
+          </a:fontRef>
+        </p:style>
+      </p:cxnSp>
+      <p:cxnSp>
+        <p:nvCxnSpPr>
+          <p:cNvPr id="46" name="Straight Arrow Connector 45"/>
+          <p:cNvCxnSpPr>
+            <a:stCxn id="30" idx="3"/>
+            <a:endCxn id="12" idx="1"/>
+          </p:cNvCxnSpPr>
+          <p:nvPr/>
+        </p:nvCxnSpPr>
+        <p:spPr>
+          <a:xfrm flipV="1">
+            <a:off x="6280321" y="3013955"/>
+            <a:ext cx="509720" cy="1100847"/>
+          </a:xfrm>
+          <a:prstGeom prst="straightConnector1">
+            <a:avLst/>
+          </a:prstGeom>
+          <a:ln>
+            <a:tailEnd type="triangle"/>
+          </a:ln>
+        </p:spPr>
+        <p:style>
+          <a:lnRef idx="1">
+            <a:schemeClr val="dk1"/>
+          </a:lnRef>
+          <a:fillRef idx="0">
+            <a:schemeClr val="dk1"/>
+          </a:fillRef>
+          <a:effectRef idx="0">
+            <a:schemeClr val="dk1"/>
+          </a:effectRef>
+          <a:fontRef idx="minor">
+            <a:schemeClr val="tx1"/>
+          </a:fontRef>
+        </p:style>
+      </p:cxnSp>
+      <p:cxnSp>
+        <p:nvCxnSpPr>
+          <p:cNvPr id="48" name="Straight Arrow Connector 47"/>
+          <p:cNvCxnSpPr>
+            <a:stCxn id="12" idx="3"/>
+            <a:endCxn id="13" idx="1"/>
+          </p:cNvCxnSpPr>
+          <p:nvPr/>
+        </p:nvCxnSpPr>
+        <p:spPr>
+          <a:xfrm flipV="1">
+            <a:off x="7865078" y="3013954"/>
+            <a:ext cx="1303639" cy="1"/>
+          </a:xfrm>
+          <a:prstGeom prst="straightConnector1">
+            <a:avLst/>
+          </a:prstGeom>
+          <a:ln>
+            <a:tailEnd type="triangle"/>
+          </a:ln>
+        </p:spPr>
+        <p:style>
+          <a:lnRef idx="1">
+            <a:schemeClr val="dk1"/>
+          </a:lnRef>
+          <a:fillRef idx="0">
+            <a:schemeClr val="dk1"/>
+          </a:fillRef>
+          <a:effectRef idx="0">
+            <a:schemeClr val="dk1"/>
+          </a:effectRef>
+          <a:fontRef idx="minor">
+            <a:schemeClr val="tx1"/>
+          </a:fontRef>
+        </p:style>
+      </p:cxnSp>
+    </p:spTree>
+    <p:extLst>
+      <p:ext uri="{BB962C8B-B14F-4D97-AF65-F5344CB8AC3E}">
+        <p14:creationId xmlns:p14="http://schemas.microsoft.com/office/powerpoint/2010/main" val="2314002344"/>
+      </p:ext>
+    </p:extLst>
+  </p:cSld>
+  <p:clrMapOvr>
+    <a:masterClrMapping/>
+  </p:clrMapOvr>
 </p:sld>
 </file>
 
@@ -4869,4 +8747,219 @@
     </a:ext>
   </a:extLst>
 </a:theme>
+</file>
+
+<file path=ppt/theme/themeOverride1.xml><?xml version="1.0" encoding="utf-8"?>
+<a:themeOverride xmlns:a="http://schemas.openxmlformats.org/drawingml/2006/main">
+  <a:clrScheme name="Office">
+    <a:dk1>
+      <a:sysClr val="windowText" lastClr="000000"/>
+    </a:dk1>
+    <a:lt1>
+      <a:sysClr val="window" lastClr="FFFFFF"/>
+    </a:lt1>
+    <a:dk2>
+      <a:srgbClr val="44546A"/>
+    </a:dk2>
+    <a:lt2>
+      <a:srgbClr val="E7E6E6"/>
+    </a:lt2>
+    <a:accent1>
+      <a:srgbClr val="5B9BD5"/>
+    </a:accent1>
+    <a:accent2>
+      <a:srgbClr val="ED7D31"/>
+    </a:accent2>
+    <a:accent3>
+      <a:srgbClr val="A5A5A5"/>
+    </a:accent3>
+    <a:accent4>
+      <a:srgbClr val="FFC000"/>
+    </a:accent4>
+    <a:accent5>
+      <a:srgbClr val="4472C4"/>
+    </a:accent5>
+    <a:accent6>
+      <a:srgbClr val="70AD47"/>
+    </a:accent6>
+    <a:hlink>
+      <a:srgbClr val="0563C1"/>
+    </a:hlink>
+    <a:folHlink>
+      <a:srgbClr val="954F72"/>
+    </a:folHlink>
+  </a:clrScheme>
+</a:themeOverride>
+</file>
+
+<file path=ppt/theme/themeOverride2.xml><?xml version="1.0" encoding="utf-8"?>
+<a:themeOverride xmlns:a="http://schemas.openxmlformats.org/drawingml/2006/main">
+  <a:clrScheme name="Office">
+    <a:dk1>
+      <a:sysClr val="windowText" lastClr="000000"/>
+    </a:dk1>
+    <a:lt1>
+      <a:sysClr val="window" lastClr="FFFFFF"/>
+    </a:lt1>
+    <a:dk2>
+      <a:srgbClr val="44546A"/>
+    </a:dk2>
+    <a:lt2>
+      <a:srgbClr val="E7E6E6"/>
+    </a:lt2>
+    <a:accent1>
+      <a:srgbClr val="5B9BD5"/>
+    </a:accent1>
+    <a:accent2>
+      <a:srgbClr val="ED7D31"/>
+    </a:accent2>
+    <a:accent3>
+      <a:srgbClr val="A5A5A5"/>
+    </a:accent3>
+    <a:accent4>
+      <a:srgbClr val="FFC000"/>
+    </a:accent4>
+    <a:accent5>
+      <a:srgbClr val="4472C4"/>
+    </a:accent5>
+    <a:accent6>
+      <a:srgbClr val="70AD47"/>
+    </a:accent6>
+    <a:hlink>
+      <a:srgbClr val="0563C1"/>
+    </a:hlink>
+    <a:folHlink>
+      <a:srgbClr val="954F72"/>
+    </a:folHlink>
+  </a:clrScheme>
+</a:themeOverride>
+</file>
+
+<file path=ppt/theme/themeOverride3.xml><?xml version="1.0" encoding="utf-8"?>
+<a:themeOverride xmlns:a="http://schemas.openxmlformats.org/drawingml/2006/main">
+  <a:clrScheme name="Office">
+    <a:dk1>
+      <a:sysClr val="windowText" lastClr="000000"/>
+    </a:dk1>
+    <a:lt1>
+      <a:sysClr val="window" lastClr="FFFFFF"/>
+    </a:lt1>
+    <a:dk2>
+      <a:srgbClr val="44546A"/>
+    </a:dk2>
+    <a:lt2>
+      <a:srgbClr val="E7E6E6"/>
+    </a:lt2>
+    <a:accent1>
+      <a:srgbClr val="5B9BD5"/>
+    </a:accent1>
+    <a:accent2>
+      <a:srgbClr val="ED7D31"/>
+    </a:accent2>
+    <a:accent3>
+      <a:srgbClr val="A5A5A5"/>
+    </a:accent3>
+    <a:accent4>
+      <a:srgbClr val="FFC000"/>
+    </a:accent4>
+    <a:accent5>
+      <a:srgbClr val="4472C4"/>
+    </a:accent5>
+    <a:accent6>
+      <a:srgbClr val="70AD47"/>
+    </a:accent6>
+    <a:hlink>
+      <a:srgbClr val="0563C1"/>
+    </a:hlink>
+    <a:folHlink>
+      <a:srgbClr val="954F72"/>
+    </a:folHlink>
+  </a:clrScheme>
+</a:themeOverride>
+</file>
+
+<file path=ppt/theme/themeOverride4.xml><?xml version="1.0" encoding="utf-8"?>
+<a:themeOverride xmlns:a="http://schemas.openxmlformats.org/drawingml/2006/main">
+  <a:clrScheme name="Office">
+    <a:dk1>
+      <a:sysClr val="windowText" lastClr="000000"/>
+    </a:dk1>
+    <a:lt1>
+      <a:sysClr val="window" lastClr="FFFFFF"/>
+    </a:lt1>
+    <a:dk2>
+      <a:srgbClr val="44546A"/>
+    </a:dk2>
+    <a:lt2>
+      <a:srgbClr val="E7E6E6"/>
+    </a:lt2>
+    <a:accent1>
+      <a:srgbClr val="5B9BD5"/>
+    </a:accent1>
+    <a:accent2>
+      <a:srgbClr val="ED7D31"/>
+    </a:accent2>
+    <a:accent3>
+      <a:srgbClr val="A5A5A5"/>
+    </a:accent3>
+    <a:accent4>
+      <a:srgbClr val="FFC000"/>
+    </a:accent4>
+    <a:accent5>
+      <a:srgbClr val="4472C4"/>
+    </a:accent5>
+    <a:accent6>
+      <a:srgbClr val="70AD47"/>
+    </a:accent6>
+    <a:hlink>
+      <a:srgbClr val="0563C1"/>
+    </a:hlink>
+    <a:folHlink>
+      <a:srgbClr val="954F72"/>
+    </a:folHlink>
+  </a:clrScheme>
+</a:themeOverride>
+</file>
+
+<file path=ppt/theme/themeOverride5.xml><?xml version="1.0" encoding="utf-8"?>
+<a:themeOverride xmlns:a="http://schemas.openxmlformats.org/drawingml/2006/main">
+  <a:clrScheme name="Office">
+    <a:dk1>
+      <a:sysClr val="windowText" lastClr="000000"/>
+    </a:dk1>
+    <a:lt1>
+      <a:sysClr val="window" lastClr="FFFFFF"/>
+    </a:lt1>
+    <a:dk2>
+      <a:srgbClr val="44546A"/>
+    </a:dk2>
+    <a:lt2>
+      <a:srgbClr val="E7E6E6"/>
+    </a:lt2>
+    <a:accent1>
+      <a:srgbClr val="5B9BD5"/>
+    </a:accent1>
+    <a:accent2>
+      <a:srgbClr val="ED7D31"/>
+    </a:accent2>
+    <a:accent3>
+      <a:srgbClr val="A5A5A5"/>
+    </a:accent3>
+    <a:accent4>
+      <a:srgbClr val="FFC000"/>
+    </a:accent4>
+    <a:accent5>
+      <a:srgbClr val="4472C4"/>
+    </a:accent5>
+    <a:accent6>
+      <a:srgbClr val="70AD47"/>
+    </a:accent6>
+    <a:hlink>
+      <a:srgbClr val="0563C1"/>
+    </a:hlink>
+    <a:folHlink>
+      <a:srgbClr val="954F72"/>
+    </a:folHlink>
+  </a:clrScheme>
+</a:themeOverride>
 </file>
--- a/doc/stock_dashboard_documentation.pptx
+++ b/doc/stock_dashboard_documentation.pptx
@@ -3166,7 +3166,6 @@
               <a:rPr lang="nl-BE" sz="1800" dirty="0" smtClean="0"/>
               <a:t>contains messages shown in notification corner as well as notification menu</a:t>
             </a:r>
-            <a:endParaRPr lang="nl-BE" sz="1800" dirty="0" smtClean="0"/>
           </a:p>
         </p:txBody>
       </p:sp>
@@ -3373,11 +3372,7 @@
             </a:r>
             <a:r>
               <a:rPr lang="nl-BE" sz="2400" dirty="0" smtClean="0"/>
-              <a:t>held,</a:t>
-            </a:r>
-            <a:r>
-              <a:rPr lang="nl-BE" sz="2400" dirty="0" smtClean="0"/>
-              <a:t> and compare that to the latest close price, </a:t>
+              <a:t>held, and compare that to the latest close price, </a:t>
             </a:r>
             <a:endParaRPr lang="nl-BE" sz="2400" dirty="0"/>
           </a:p>
@@ -7667,7 +7662,7 @@
         </p:nvSpPr>
         <p:spPr>
           <a:xfrm>
-            <a:off x="6567619" y="1154262"/>
+            <a:off x="6305038" y="774840"/>
             <a:ext cx="1402492" cy="654909"/>
           </a:xfrm>
           <a:prstGeom prst="chevron">
@@ -8342,8 +8337,8 @@
         </p:nvCxnSpPr>
         <p:spPr>
           <a:xfrm flipV="1">
-            <a:off x="6147489" y="1481717"/>
-            <a:ext cx="747585" cy="773392"/>
+            <a:off x="6147489" y="1102295"/>
+            <a:ext cx="485004" cy="1152814"/>
           </a:xfrm>
           <a:prstGeom prst="straightConnector1">
             <a:avLst/>
@@ -8475,6 +8470,120 @@
           </a:fontRef>
         </p:style>
       </p:cxnSp>
+      <p:sp>
+        <p:nvSpPr>
+          <p:cNvPr id="3" name="TextBox 2"/>
+          <p:cNvSpPr txBox="1"/>
+          <p:nvPr/>
+        </p:nvSpPr>
+        <p:spPr>
+          <a:xfrm>
+            <a:off x="7865078" y="183845"/>
+            <a:ext cx="4326922" cy="2308324"/>
+          </a:xfrm>
+          <a:prstGeom prst="rect">
+            <a:avLst/>
+          </a:prstGeom>
+          <a:noFill/>
+        </p:spPr>
+        <p:txBody>
+          <a:bodyPr wrap="square" rtlCol="0">
+            <a:spAutoFit/>
+          </a:bodyPr>
+          <a:lstStyle/>
+          <a:p>
+            <a:r>
+              <a:rPr lang="nl-BE" b="1" dirty="0"/>
+              <a:t>use reactive expressions for calculations</a:t>
+            </a:r>
+          </a:p>
+          <a:p>
+            <a:r>
+              <a:rPr lang="nl-BE" dirty="0" smtClean="0"/>
+              <a:t>reactive expressions are recipes for how to calculate something, shiny will determine when it is required to execute</a:t>
+            </a:r>
+          </a:p>
+          <a:p>
+            <a:r>
+              <a:rPr lang="nl-BE" dirty="0" smtClean="0"/>
+              <a:t>can accept reactive input and deliver reactive output</a:t>
+            </a:r>
+          </a:p>
+          <a:p>
+            <a:r>
+              <a:rPr lang="nl-BE" dirty="0" smtClean="0"/>
+              <a:t>has a cached result</a:t>
+            </a:r>
+          </a:p>
+          <a:p>
+            <a:r>
+              <a:rPr lang="nl-BE" dirty="0" smtClean="0"/>
+              <a:t>make maximum use of this feature in shiny</a:t>
+            </a:r>
+            <a:endParaRPr lang="en-US" dirty="0"/>
+          </a:p>
+        </p:txBody>
+      </p:sp>
+      <p:sp>
+        <p:nvSpPr>
+          <p:cNvPr id="35" name="TextBox 34"/>
+          <p:cNvSpPr txBox="1"/>
+          <p:nvPr/>
+        </p:nvSpPr>
+        <p:spPr>
+          <a:xfrm>
+            <a:off x="7293574" y="4613525"/>
+            <a:ext cx="4326922" cy="1200329"/>
+          </a:xfrm>
+          <a:prstGeom prst="rect">
+            <a:avLst/>
+          </a:prstGeom>
+          <a:noFill/>
+        </p:spPr>
+        <p:txBody>
+          <a:bodyPr wrap="square" rtlCol="0">
+            <a:spAutoFit/>
+          </a:bodyPr>
+          <a:lstStyle/>
+          <a:p>
+            <a:r>
+              <a:rPr lang="nl-BE" b="1" dirty="0" smtClean="0"/>
+              <a:t>use observers for side effects</a:t>
+            </a:r>
+          </a:p>
+          <a:p>
+            <a:pPr marL="285750" indent="-285750">
+              <a:buFontTx/>
+              <a:buChar char="-"/>
+            </a:pPr>
+            <a:r>
+              <a:rPr lang="nl-BE" dirty="0" smtClean="0"/>
+              <a:t>dealing with I/O (files / DB)</a:t>
+            </a:r>
+          </a:p>
+          <a:p>
+            <a:pPr marL="285750" indent="-285750">
+              <a:buFontTx/>
+              <a:buChar char="-"/>
+            </a:pPr>
+            <a:r>
+              <a:rPr lang="nl-BE" dirty="0" smtClean="0"/>
+              <a:t>setting reactive values!</a:t>
+            </a:r>
+          </a:p>
+          <a:p>
+            <a:pPr marL="285750" indent="-285750">
+              <a:buFontTx/>
+              <a:buChar char="-"/>
+            </a:pPr>
+            <a:r>
+              <a:rPr lang="nl-BE" dirty="0" smtClean="0"/>
+              <a:t>update input elements of the shiny app</a:t>
+            </a:r>
+            <a:endParaRPr lang="en-US" dirty="0"/>
+          </a:p>
+        </p:txBody>
+      </p:sp>
     </p:spTree>
     <p:extLst>
       <p:ext uri="{BB962C8B-B14F-4D97-AF65-F5344CB8AC3E}">

--- a/doc/stock_dashboard_documentation.pptx
+++ b/doc/stock_dashboard_documentation.pptx
@@ -259,7 +259,7 @@
           <a:p>
             <a:fld id="{C7A550C2-E7D9-4260-A406-70CCA9D8798D}" type="datetimeFigureOut">
               <a:rPr lang="en-US" smtClean="0"/>
-              <a:t>3/30/2022</a:t>
+              <a:t>7/5/2022</a:t>
             </a:fld>
             <a:endParaRPr lang="en-US"/>
           </a:p>
@@ -429,7 +429,7 @@
           <a:p>
             <a:fld id="{C7A550C2-E7D9-4260-A406-70CCA9D8798D}" type="datetimeFigureOut">
               <a:rPr lang="en-US" smtClean="0"/>
-              <a:t>3/30/2022</a:t>
+              <a:t>7/5/2022</a:t>
             </a:fld>
             <a:endParaRPr lang="en-US"/>
           </a:p>
@@ -609,7 +609,7 @@
           <a:p>
             <a:fld id="{C7A550C2-E7D9-4260-A406-70CCA9D8798D}" type="datetimeFigureOut">
               <a:rPr lang="en-US" smtClean="0"/>
-              <a:t>3/30/2022</a:t>
+              <a:t>7/5/2022</a:t>
             </a:fld>
             <a:endParaRPr lang="en-US"/>
           </a:p>
@@ -779,7 +779,7 @@
           <a:p>
             <a:fld id="{C7A550C2-E7D9-4260-A406-70CCA9D8798D}" type="datetimeFigureOut">
               <a:rPr lang="en-US" smtClean="0"/>
-              <a:t>3/30/2022</a:t>
+              <a:t>7/5/2022</a:t>
             </a:fld>
             <a:endParaRPr lang="en-US"/>
           </a:p>
@@ -1025,7 +1025,7 @@
           <a:p>
             <a:fld id="{C7A550C2-E7D9-4260-A406-70CCA9D8798D}" type="datetimeFigureOut">
               <a:rPr lang="en-US" smtClean="0"/>
-              <a:t>3/30/2022</a:t>
+              <a:t>7/5/2022</a:t>
             </a:fld>
             <a:endParaRPr lang="en-US"/>
           </a:p>
@@ -1257,7 +1257,7 @@
           <a:p>
             <a:fld id="{C7A550C2-E7D9-4260-A406-70CCA9D8798D}" type="datetimeFigureOut">
               <a:rPr lang="en-US" smtClean="0"/>
-              <a:t>3/30/2022</a:t>
+              <a:t>7/5/2022</a:t>
             </a:fld>
             <a:endParaRPr lang="en-US"/>
           </a:p>
@@ -1624,7 +1624,7 @@
           <a:p>
             <a:fld id="{C7A550C2-E7D9-4260-A406-70CCA9D8798D}" type="datetimeFigureOut">
               <a:rPr lang="en-US" smtClean="0"/>
-              <a:t>3/30/2022</a:t>
+              <a:t>7/5/2022</a:t>
             </a:fld>
             <a:endParaRPr lang="en-US"/>
           </a:p>
@@ -1742,7 +1742,7 @@
           <a:p>
             <a:fld id="{C7A550C2-E7D9-4260-A406-70CCA9D8798D}" type="datetimeFigureOut">
               <a:rPr lang="en-US" smtClean="0"/>
-              <a:t>3/30/2022</a:t>
+              <a:t>7/5/2022</a:t>
             </a:fld>
             <a:endParaRPr lang="en-US"/>
           </a:p>
@@ -1837,7 +1837,7 @@
           <a:p>
             <a:fld id="{C7A550C2-E7D9-4260-A406-70CCA9D8798D}" type="datetimeFigureOut">
               <a:rPr lang="en-US" smtClean="0"/>
-              <a:t>3/30/2022</a:t>
+              <a:t>7/5/2022</a:t>
             </a:fld>
             <a:endParaRPr lang="en-US"/>
           </a:p>
@@ -2114,7 +2114,7 @@
           <a:p>
             <a:fld id="{C7A550C2-E7D9-4260-A406-70CCA9D8798D}" type="datetimeFigureOut">
               <a:rPr lang="en-US" smtClean="0"/>
-              <a:t>3/30/2022</a:t>
+              <a:t>7/5/2022</a:t>
             </a:fld>
             <a:endParaRPr lang="en-US"/>
           </a:p>
@@ -2367,7 +2367,7 @@
           <a:p>
             <a:fld id="{C7A550C2-E7D9-4260-A406-70CCA9D8798D}" type="datetimeFigureOut">
               <a:rPr lang="en-US" smtClean="0"/>
-              <a:t>3/30/2022</a:t>
+              <a:t>7/5/2022</a:t>
             </a:fld>
             <a:endParaRPr lang="en-US"/>
           </a:p>
@@ -2580,7 +2580,7 @@
           <a:p>
             <a:fld id="{C7A550C2-E7D9-4260-A406-70CCA9D8798D}" type="datetimeFigureOut">
               <a:rPr lang="en-US" smtClean="0"/>
-              <a:t>3/30/2022</a:t>
+              <a:t>7/5/2022</a:t>
             </a:fld>
             <a:endParaRPr lang="en-US"/>
           </a:p>
@@ -3203,6 +3203,13 @@
   <p:clrMapOvr>
     <a:masterClrMapping/>
   </p:clrMapOvr>
+  <p:timing>
+    <p:tnLst>
+      <p:par>
+        <p:cTn id="1" dur="indefinite" restart="never" nodeType="tmRoot"/>
+      </p:par>
+    </p:tnLst>
+  </p:timing>
 </p:sld>
 </file>
 
@@ -3286,6 +3293,13 @@
   <p:clrMapOvr>
     <a:overrideClrMapping bg1="lt1" tx1="dk1" bg2="lt2" tx2="dk2" accent1="accent1" accent2="accent2" accent3="accent3" accent4="accent4" accent5="accent5" accent6="accent6" hlink="hlink" folHlink="folHlink"/>
   </p:clrMapOvr>
+  <p:timing>
+    <p:tnLst>
+      <p:par>
+        <p:cTn id="1" dur="indefinite" restart="never" nodeType="tmRoot"/>
+      </p:par>
+    </p:tnLst>
+  </p:timing>
 </p:sld>
 </file>
 
@@ -4982,6 +4996,13 @@
   <p:clrMapOvr>
     <a:masterClrMapping/>
   </p:clrMapOvr>
+  <p:timing>
+    <p:tnLst>
+      <p:par>
+        <p:cTn id="1" dur="indefinite" restart="never" nodeType="tmRoot"/>
+      </p:par>
+    </p:tnLst>
+  </p:timing>
 </p:sld>
 </file>
 
@@ -5121,6 +5142,13 @@
   <p:clrMapOvr>
     <a:masterClrMapping/>
   </p:clrMapOvr>
+  <p:timing>
+    <p:tnLst>
+      <p:par>
+        <p:cTn id="1" dur="indefinite" restart="never" nodeType="tmRoot"/>
+      </p:par>
+    </p:tnLst>
+  </p:timing>
 </p:sld>
 </file>
 
@@ -5204,6 +5232,13 @@
   <p:clrMapOvr>
     <a:overrideClrMapping bg1="lt1" tx1="dk1" bg2="lt2" tx2="dk2" accent1="accent1" accent2="accent2" accent3="accent3" accent4="accent4" accent5="accent5" accent6="accent6" hlink="hlink" folHlink="folHlink"/>
   </p:clrMapOvr>
+  <p:timing>
+    <p:tnLst>
+      <p:par>
+        <p:cTn id="1" dur="indefinite" restart="never" nodeType="tmRoot"/>
+      </p:par>
+    </p:tnLst>
+  </p:timing>
 </p:sld>
 </file>
 
@@ -6724,8 +6759,17 @@
           <a:p>
             <a:r>
               <a:rPr lang="nl-BE" sz="2400" dirty="0"/>
-              <a:t>log in op bolero</a:t>
-            </a:r>
+              <a:t>log in </a:t>
+            </a:r>
+            <a:r>
+              <a:rPr lang="nl-BE" sz="2400"/>
+              <a:t>op </a:t>
+            </a:r>
+            <a:r>
+              <a:rPr lang="nl-BE" sz="2400" smtClean="0"/>
+              <a:t>Saxo Investor</a:t>
+            </a:r>
+            <a:endParaRPr lang="nl-BE" sz="2400" dirty="0"/>
           </a:p>
           <a:p>
             <a:r>
@@ -7663,7 +7707,7 @@
         <p:spPr>
           <a:xfrm>
             <a:off x="6305038" y="774840"/>
-            <a:ext cx="1402492" cy="654909"/>
+            <a:ext cx="1560040" cy="654909"/>
           </a:xfrm>
           <a:prstGeom prst="chevron">
             <a:avLst/>
@@ -7706,8 +7750,8 @@
         </p:nvSpPr>
         <p:spPr>
           <a:xfrm>
-            <a:off x="6462586" y="2686500"/>
-            <a:ext cx="1402492" cy="654909"/>
+            <a:off x="6462585" y="2686500"/>
+            <a:ext cx="1520829" cy="654909"/>
           </a:xfrm>
           <a:prstGeom prst="chevron">
             <a:avLst/>
@@ -8374,7 +8418,7 @@
         <p:spPr>
           <a:xfrm>
             <a:off x="6147489" y="2255109"/>
-            <a:ext cx="642552" cy="758846"/>
+            <a:ext cx="642551" cy="758846"/>
           </a:xfrm>
           <a:prstGeom prst="straightConnector1">
             <a:avLst/>
@@ -8410,7 +8454,7 @@
         <p:spPr>
           <a:xfrm flipV="1">
             <a:off x="6280321" y="3013955"/>
-            <a:ext cx="509720" cy="1100847"/>
+            <a:ext cx="509719" cy="1100847"/>
           </a:xfrm>
           <a:prstGeom prst="straightConnector1">
             <a:avLst/>
@@ -8445,8 +8489,8 @@
         </p:nvCxnSpPr>
         <p:spPr>
           <a:xfrm flipV="1">
-            <a:off x="7865078" y="3013954"/>
-            <a:ext cx="1303639" cy="1"/>
+            <a:off x="7983414" y="3013954"/>
+            <a:ext cx="1185303" cy="1"/>
           </a:xfrm>
           <a:prstGeom prst="straightConnector1">
             <a:avLst/>
@@ -8500,25 +8544,41 @@
           <a:p>
             <a:r>
               <a:rPr lang="nl-BE" dirty="0" smtClean="0"/>
-              <a:t>reactive expressions are recipes for how to calculate something, shiny will determine when it is required to execute</a:t>
-            </a:r>
-          </a:p>
-          <a:p>
+              <a:t>- reactive </a:t>
+            </a:r>
             <a:r>
               <a:rPr lang="nl-BE" dirty="0" smtClean="0"/>
-              <a:t>can accept reactive input and deliver reactive output</a:t>
+              <a:t>expressions are recipes for how to calculate something, shiny will determine when it is required to execute</a:t>
             </a:r>
           </a:p>
           <a:p>
             <a:r>
               <a:rPr lang="nl-BE" dirty="0" smtClean="0"/>
-              <a:t>has a cached result</a:t>
-            </a:r>
-          </a:p>
-          <a:p>
+              <a:t>- can </a:t>
+            </a:r>
             <a:r>
               <a:rPr lang="nl-BE" dirty="0" smtClean="0"/>
-              <a:t>make maximum use of this feature in shiny</a:t>
+              <a:t>accept reactive input and deliver reactive output</a:t>
+            </a:r>
+          </a:p>
+          <a:p>
+            <a:r>
+              <a:rPr lang="nl-BE" dirty="0" smtClean="0"/>
+              <a:t>- has </a:t>
+            </a:r>
+            <a:r>
+              <a:rPr lang="nl-BE" dirty="0" smtClean="0"/>
+              <a:t>a cached result</a:t>
+            </a:r>
+          </a:p>
+          <a:p>
+            <a:r>
+              <a:rPr lang="nl-BE" dirty="0" smtClean="0"/>
+              <a:t>- make </a:t>
+            </a:r>
+            <a:r>
+              <a:rPr lang="nl-BE" dirty="0" smtClean="0"/>
+              <a:t>maximum use of this feature in shiny</a:t>
             </a:r>
             <a:endParaRPr lang="en-US" dirty="0"/>
           </a:p>

--- a/doc/stock_dashboard_documentation.pptx
+++ b/doc/stock_dashboard_documentation.pptx
@@ -20,8 +20,9 @@
     <p:sldId id="274" r:id="rId14"/>
     <p:sldId id="269" r:id="rId15"/>
     <p:sldId id="275" r:id="rId16"/>
-    <p:sldId id="261" r:id="rId17"/>
-    <p:sldId id="258" r:id="rId18"/>
+    <p:sldId id="276" r:id="rId17"/>
+    <p:sldId id="261" r:id="rId18"/>
+    <p:sldId id="258" r:id="rId19"/>
   </p:sldIdLst>
   <p:sldSz cx="12192000" cy="6858000"/>
   <p:notesSz cx="6858000" cy="9144000"/>
@@ -259,7 +260,7 @@
           <a:p>
             <a:fld id="{C7A550C2-E7D9-4260-A406-70CCA9D8798D}" type="datetimeFigureOut">
               <a:rPr lang="en-US" smtClean="0"/>
-              <a:t>7/5/2022</a:t>
+              <a:t>9/23/2023</a:t>
             </a:fld>
             <a:endParaRPr lang="en-US"/>
           </a:p>
@@ -429,7 +430,7 @@
           <a:p>
             <a:fld id="{C7A550C2-E7D9-4260-A406-70CCA9D8798D}" type="datetimeFigureOut">
               <a:rPr lang="en-US" smtClean="0"/>
-              <a:t>7/5/2022</a:t>
+              <a:t>9/23/2023</a:t>
             </a:fld>
             <a:endParaRPr lang="en-US"/>
           </a:p>
@@ -609,7 +610,7 @@
           <a:p>
             <a:fld id="{C7A550C2-E7D9-4260-A406-70CCA9D8798D}" type="datetimeFigureOut">
               <a:rPr lang="en-US" smtClean="0"/>
-              <a:t>7/5/2022</a:t>
+              <a:t>9/23/2023</a:t>
             </a:fld>
             <a:endParaRPr lang="en-US"/>
           </a:p>
@@ -779,7 +780,7 @@
           <a:p>
             <a:fld id="{C7A550C2-E7D9-4260-A406-70CCA9D8798D}" type="datetimeFigureOut">
               <a:rPr lang="en-US" smtClean="0"/>
-              <a:t>7/5/2022</a:t>
+              <a:t>9/23/2023</a:t>
             </a:fld>
             <a:endParaRPr lang="en-US"/>
           </a:p>
@@ -1025,7 +1026,7 @@
           <a:p>
             <a:fld id="{C7A550C2-E7D9-4260-A406-70CCA9D8798D}" type="datetimeFigureOut">
               <a:rPr lang="en-US" smtClean="0"/>
-              <a:t>7/5/2022</a:t>
+              <a:t>9/23/2023</a:t>
             </a:fld>
             <a:endParaRPr lang="en-US"/>
           </a:p>
@@ -1257,7 +1258,7 @@
           <a:p>
             <a:fld id="{C7A550C2-E7D9-4260-A406-70CCA9D8798D}" type="datetimeFigureOut">
               <a:rPr lang="en-US" smtClean="0"/>
-              <a:t>7/5/2022</a:t>
+              <a:t>9/23/2023</a:t>
             </a:fld>
             <a:endParaRPr lang="en-US"/>
           </a:p>
@@ -1624,7 +1625,7 @@
           <a:p>
             <a:fld id="{C7A550C2-E7D9-4260-A406-70CCA9D8798D}" type="datetimeFigureOut">
               <a:rPr lang="en-US" smtClean="0"/>
-              <a:t>7/5/2022</a:t>
+              <a:t>9/23/2023</a:t>
             </a:fld>
             <a:endParaRPr lang="en-US"/>
           </a:p>
@@ -1742,7 +1743,7 @@
           <a:p>
             <a:fld id="{C7A550C2-E7D9-4260-A406-70CCA9D8798D}" type="datetimeFigureOut">
               <a:rPr lang="en-US" smtClean="0"/>
-              <a:t>7/5/2022</a:t>
+              <a:t>9/23/2023</a:t>
             </a:fld>
             <a:endParaRPr lang="en-US"/>
           </a:p>
@@ -1837,7 +1838,7 @@
           <a:p>
             <a:fld id="{C7A550C2-E7D9-4260-A406-70CCA9D8798D}" type="datetimeFigureOut">
               <a:rPr lang="en-US" smtClean="0"/>
-              <a:t>7/5/2022</a:t>
+              <a:t>9/23/2023</a:t>
             </a:fld>
             <a:endParaRPr lang="en-US"/>
           </a:p>
@@ -2114,7 +2115,7 @@
           <a:p>
             <a:fld id="{C7A550C2-E7D9-4260-A406-70CCA9D8798D}" type="datetimeFigureOut">
               <a:rPr lang="en-US" smtClean="0"/>
-              <a:t>7/5/2022</a:t>
+              <a:t>9/23/2023</a:t>
             </a:fld>
             <a:endParaRPr lang="en-US"/>
           </a:p>
@@ -2367,7 +2368,7 @@
           <a:p>
             <a:fld id="{C7A550C2-E7D9-4260-A406-70CCA9D8798D}" type="datetimeFigureOut">
               <a:rPr lang="en-US" smtClean="0"/>
-              <a:t>7/5/2022</a:t>
+              <a:t>9/23/2023</a:t>
             </a:fld>
             <a:endParaRPr lang="en-US"/>
           </a:p>
@@ -2580,7 +2581,7 @@
           <a:p>
             <a:fld id="{C7A550C2-E7D9-4260-A406-70CCA9D8798D}" type="datetimeFigureOut">
               <a:rPr lang="en-US" smtClean="0"/>
-              <a:t>7/5/2022</a:t>
+              <a:t>9/23/2023</a:t>
             </a:fld>
             <a:endParaRPr lang="en-US"/>
           </a:p>
@@ -5196,8 +5197,8 @@
           <a:lstStyle/>
           <a:p>
             <a:r>
-              <a:rPr lang="nl-BE" dirty="0" smtClean="0"/>
-              <a:t>ui</a:t>
+              <a:rPr lang="en-BE" dirty="0" smtClean="0"/>
+              <a:t>app</a:t>
             </a:r>
             <a:endParaRPr lang="en-US" dirty="0"/>
           </a:p>
@@ -5274,7 +5275,11 @@
           <a:bodyPr/>
           <a:lstStyle/>
           <a:p>
-            <a:endParaRPr lang="en-US"/>
+            <a:r>
+              <a:rPr lang="en-BE" dirty="0" smtClean="0"/>
+              <a:t>Shinymanager: authentication &amp; site monitoring</a:t>
+            </a:r>
+            <a:endParaRPr lang="en-US" dirty="0"/>
           </a:p>
         </p:txBody>
       </p:sp>
@@ -5290,13 +5295,201 @@
         </p:nvSpPr>
         <p:spPr/>
         <p:txBody>
-          <a:bodyPr/>
-          <a:lstStyle/>
-          <a:p>
-            <a:endParaRPr lang="en-US"/>
-          </a:p>
-        </p:txBody>
-      </p:sp>
+          <a:bodyPr>
+            <a:normAutofit fontScale="92500" lnSpcReduction="20000"/>
+          </a:bodyPr>
+          <a:lstStyle/>
+          <a:p>
+            <a:r>
+              <a:rPr lang="en-BE" dirty="0" smtClean="0"/>
+              <a:t>Auth is</a:t>
+            </a:r>
+            <a:r>
+              <a:rPr lang="en-BE" dirty="0" smtClean="0"/>
+              <a:t> done using shinymanager</a:t>
+            </a:r>
+          </a:p>
+          <a:p>
+            <a:pPr lvl="1"/>
+            <a:r>
+              <a:rPr lang="en-US" dirty="0">
+                <a:hlinkClick r:id="rId2"/>
+              </a:rPr>
+              <a:t>https://datastorm-open.github.io/shinymanager</a:t>
+            </a:r>
+            <a:r>
+              <a:rPr lang="en-US" dirty="0" smtClean="0">
+                <a:hlinkClick r:id="rId2"/>
+              </a:rPr>
+              <a:t>/</a:t>
+            </a:r>
+            <a:endParaRPr lang="en-BE" dirty="0" smtClean="0"/>
+          </a:p>
+          <a:p>
+            <a:r>
+              <a:rPr lang="en-BE" dirty="0" smtClean="0"/>
+              <a:t>Shinymanager can store credentials </a:t>
+            </a:r>
+            <a:r>
+              <a:rPr lang="en-BE" dirty="0"/>
+              <a:t>are stored in </a:t>
+            </a:r>
+            <a:r>
+              <a:rPr lang="en-BE" dirty="0" smtClean="0"/>
+              <a:t>sqlite</a:t>
+            </a:r>
+            <a:r>
+              <a:rPr lang="en-US" dirty="0" smtClean="0"/>
+              <a:t> database</a:t>
+            </a:r>
+            <a:endParaRPr lang="en-BE" dirty="0"/>
+          </a:p>
+          <a:p>
+            <a:r>
+              <a:rPr lang="en-BE" dirty="0" smtClean="0"/>
+              <a:t>Shinymanager </a:t>
+            </a:r>
+            <a:r>
+              <a:rPr lang="en-BE" dirty="0"/>
+              <a:t>provides an admin console with an overview of the site </a:t>
+            </a:r>
+            <a:r>
+              <a:rPr lang="en-BE" dirty="0" smtClean="0"/>
+              <a:t>usage, but only if you use the sqlite backend option.</a:t>
+            </a:r>
+          </a:p>
+          <a:p>
+            <a:endParaRPr lang="en-BE" dirty="0" smtClean="0"/>
+          </a:p>
+          <a:p>
+            <a:r>
+              <a:rPr lang="en-BE" dirty="0" smtClean="0"/>
+              <a:t>The sqlite DB is </a:t>
+            </a:r>
+            <a:r>
+              <a:rPr lang="en-US" dirty="0" smtClean="0"/>
+              <a:t>protected </a:t>
+            </a:r>
+            <a:r>
+              <a:rPr lang="en-US" dirty="0"/>
+              <a:t>with a symmetric AES encryption</a:t>
+            </a:r>
+            <a:r>
+              <a:rPr lang="en-BE" dirty="0"/>
+              <a:t>. To store the keys for this encryption it uses </a:t>
+            </a:r>
+            <a:r>
+              <a:rPr lang="en-BE" dirty="0" smtClean="0"/>
+              <a:t>the keyring package. This makes use of the OS credential store: w</a:t>
+            </a:r>
+            <a:r>
+              <a:rPr lang="en-US" dirty="0" smtClean="0"/>
+              <a:t>hen </a:t>
+            </a:r>
+            <a:r>
+              <a:rPr lang="en-US" dirty="0"/>
+              <a:t>you set a key using </a:t>
+            </a:r>
+            <a:r>
+              <a:rPr lang="en-US" dirty="0" err="1"/>
+              <a:t>key_set</a:t>
+            </a:r>
+            <a:r>
+              <a:rPr lang="en-US" dirty="0"/>
+              <a:t> </a:t>
+            </a:r>
+            <a:r>
+              <a:rPr lang="en-US" dirty="0" smtClean="0"/>
+              <a:t>it </a:t>
+            </a:r>
+            <a:r>
+              <a:rPr lang="en-US" dirty="0"/>
+              <a:t>is stored securely on the </a:t>
+            </a:r>
+            <a:r>
+              <a:rPr lang="en-BE" dirty="0" smtClean="0"/>
+              <a:t>local </a:t>
+            </a:r>
+            <a:r>
+              <a:rPr lang="en-US" dirty="0" smtClean="0"/>
+              <a:t>machine </a:t>
+            </a:r>
+            <a:endParaRPr lang="en-BE" dirty="0" smtClean="0"/>
+          </a:p>
+          <a:p>
+            <a:pPr lvl="1"/>
+            <a:r>
+              <a:rPr lang="en-US" b="1" dirty="0" smtClean="0"/>
+              <a:t>Windows</a:t>
+            </a:r>
+            <a:r>
+              <a:rPr lang="en-US" dirty="0"/>
+              <a:t>: It </a:t>
+            </a:r>
+            <a:r>
+              <a:rPr lang="en-US" dirty="0" smtClean="0"/>
+              <a:t>use</a:t>
+            </a:r>
+            <a:r>
+              <a:rPr lang="en-BE" dirty="0" smtClean="0"/>
+              <a:t>s</a:t>
+            </a:r>
+            <a:r>
+              <a:rPr lang="en-US" dirty="0" smtClean="0"/>
+              <a:t> </a:t>
+            </a:r>
+            <a:r>
+              <a:rPr lang="en-US" dirty="0"/>
+              <a:t>the Windows Credential Manager</a:t>
+            </a:r>
+            <a:r>
+              <a:rPr lang="en-US" dirty="0" smtClean="0"/>
+              <a:t>.</a:t>
+            </a:r>
+            <a:endParaRPr lang="en-BE" dirty="0" smtClean="0"/>
+          </a:p>
+          <a:p>
+            <a:pPr lvl="1"/>
+            <a:r>
+              <a:rPr lang="en-US" b="1" dirty="0"/>
+              <a:t>Linux</a:t>
+            </a:r>
+            <a:r>
+              <a:rPr lang="en-US" dirty="0"/>
+              <a:t>: It may use the Linux keyring or other secure storage mechanisms</a:t>
+            </a:r>
+            <a:r>
+              <a:rPr lang="en-US" dirty="0" smtClean="0"/>
+              <a:t>.</a:t>
+            </a:r>
+            <a:endParaRPr lang="en-BE" dirty="0" smtClean="0"/>
+          </a:p>
+        </p:txBody>
+      </p:sp>
+      <p:pic>
+        <p:nvPicPr>
+          <p:cNvPr id="4" name="Picture 3"/>
+          <p:cNvPicPr>
+            <a:picLocks noChangeAspect="1"/>
+          </p:cNvPicPr>
+          <p:nvPr/>
+        </p:nvPicPr>
+        <p:blipFill>
+          <a:blip r:embed="rId3"/>
+          <a:stretch>
+            <a:fillRect/>
+          </a:stretch>
+        </p:blipFill>
+        <p:spPr>
+          <a:xfrm>
+            <a:off x="10834144" y="1383618"/>
+            <a:ext cx="1181202" cy="1615580"/>
+          </a:xfrm>
+          <a:prstGeom prst="rect">
+            <a:avLst/>
+          </a:prstGeom>
+        </p:spPr>
+      </p:pic>
     </p:spTree>
     <p:extLst>
       <p:ext uri="{BB962C8B-B14F-4D97-AF65-F5344CB8AC3E}">
@@ -5311,6 +5504,175 @@
 </file>
 
 <file path=ppt/slides/slide16.xml><?xml version="1.0" encoding="utf-8"?>
+<p:sld xmlns:a="http://schemas.openxmlformats.org/drawingml/2006/main" xmlns:r="http://schemas.openxmlformats.org/officeDocument/2006/relationships" xmlns:p="http://schemas.openxmlformats.org/presentationml/2006/main">
+  <p:cSld>
+    <p:spTree>
+      <p:nvGrpSpPr>
+        <p:cNvPr id="1" name=""/>
+        <p:cNvGrpSpPr/>
+        <p:nvPr/>
+      </p:nvGrpSpPr>
+      <p:grpSpPr>
+        <a:xfrm>
+          <a:off x="0" y="0"/>
+          <a:ext cx="0" cy="0"/>
+          <a:chOff x="0" y="0"/>
+          <a:chExt cx="0" cy="0"/>
+        </a:xfrm>
+      </p:grpSpPr>
+      <p:sp>
+        <p:nvSpPr>
+          <p:cNvPr id="2" name="Title 1"/>
+          <p:cNvSpPr>
+            <a:spLocks noGrp="1"/>
+          </p:cNvSpPr>
+          <p:nvPr>
+            <p:ph type="title"/>
+          </p:nvPr>
+        </p:nvSpPr>
+        <p:spPr/>
+        <p:txBody>
+          <a:bodyPr/>
+          <a:lstStyle/>
+          <a:p>
+            <a:r>
+              <a:rPr lang="en-BE" dirty="0" smtClean="0"/>
+              <a:t>Shinymanager: authentication &amp; site monitoring</a:t>
+            </a:r>
+            <a:endParaRPr lang="en-US" dirty="0"/>
+          </a:p>
+        </p:txBody>
+      </p:sp>
+      <p:sp>
+        <p:nvSpPr>
+          <p:cNvPr id="3" name="Content Placeholder 2"/>
+          <p:cNvSpPr>
+            <a:spLocks noGrp="1"/>
+          </p:cNvSpPr>
+          <p:nvPr>
+            <p:ph idx="1"/>
+          </p:nvPr>
+        </p:nvSpPr>
+        <p:spPr/>
+        <p:txBody>
+          <a:bodyPr>
+            <a:normAutofit lnSpcReduction="10000"/>
+          </a:bodyPr>
+          <a:lstStyle/>
+          <a:p>
+            <a:r>
+              <a:rPr lang="en-BE" dirty="0" smtClean="0"/>
+              <a:t>How to set it up locally:</a:t>
+            </a:r>
+          </a:p>
+          <a:p>
+            <a:pPr marL="914400" lvl="1" indent="-457200">
+              <a:buFont typeface="+mj-lt"/>
+              <a:buAutoNum type="arabicPeriod"/>
+            </a:pPr>
+            <a:r>
+              <a:rPr lang="en-BE" dirty="0" smtClean="0"/>
+              <a:t>Copy scripts/credentials_template.env to scripts/credentials.env </a:t>
+            </a:r>
+          </a:p>
+          <a:p>
+            <a:pPr marL="914400" lvl="1" indent="-457200">
+              <a:buFont typeface="+mj-lt"/>
+              <a:buAutoNum type="arabicPeriod"/>
+            </a:pPr>
+            <a:r>
+              <a:rPr lang="en-BE" dirty="0" smtClean="0"/>
+              <a:t>Modify credentials.env: configure shiny app username and password as well as sqlite encryption password</a:t>
+            </a:r>
+          </a:p>
+          <a:p>
+            <a:pPr marL="914400" lvl="1" indent="-457200">
+              <a:buFont typeface="+mj-lt"/>
+              <a:buAutoNum type="arabicPeriod"/>
+            </a:pPr>
+            <a:r>
+              <a:rPr lang="en-BE" dirty="0" smtClean="0"/>
+              <a:t>Run setup_credentials.R</a:t>
+            </a:r>
+          </a:p>
+          <a:p>
+            <a:pPr marL="914400" lvl="1" indent="-457200">
+              <a:buFont typeface="+mj-lt"/>
+              <a:buAutoNum type="arabicPeriod"/>
+            </a:pPr>
+            <a:r>
+              <a:rPr lang="en-BE" dirty="0" smtClean="0"/>
+              <a:t>Verify that db/credentials.db has been created</a:t>
+            </a:r>
+          </a:p>
+          <a:p>
+            <a:pPr marL="914400" lvl="1" indent="-457200">
+              <a:buFont typeface="+mj-lt"/>
+              <a:buAutoNum type="arabicPeriod"/>
+            </a:pPr>
+            <a:endParaRPr lang="en-BE" dirty="0"/>
+          </a:p>
+          <a:p>
+            <a:r>
+              <a:rPr lang="en-BE" dirty="0" smtClean="0"/>
+              <a:t>How to set it up in a docker image</a:t>
+            </a:r>
+          </a:p>
+          <a:p>
+            <a:pPr lvl="1"/>
+            <a:r>
+              <a:rPr lang="en-BE" dirty="0" smtClean="0"/>
+              <a:t>Replace steps 1 &amp; 2 above by setting up the environment variables through docker</a:t>
+            </a:r>
+          </a:p>
+          <a:p>
+            <a:pPr lvl="1"/>
+            <a:r>
+              <a:rPr lang="en-BE" smtClean="0"/>
+              <a:t>Perform 3 &amp; 4.</a:t>
+            </a:r>
+            <a:endParaRPr lang="en-BE" dirty="0" smtClean="0"/>
+          </a:p>
+        </p:txBody>
+      </p:sp>
+      <p:pic>
+        <p:nvPicPr>
+          <p:cNvPr id="4" name="Picture 3"/>
+          <p:cNvPicPr>
+            <a:picLocks noChangeAspect="1"/>
+          </p:cNvPicPr>
+          <p:nvPr/>
+        </p:nvPicPr>
+        <p:blipFill>
+          <a:blip r:embed="rId2"/>
+          <a:stretch>
+            <a:fillRect/>
+          </a:stretch>
+        </p:blipFill>
+        <p:spPr>
+          <a:xfrm>
+            <a:off x="10834144" y="1383618"/>
+            <a:ext cx="1181202" cy="1615580"/>
+          </a:xfrm>
+          <a:prstGeom prst="rect">
+            <a:avLst/>
+          </a:prstGeom>
+        </p:spPr>
+      </p:pic>
+    </p:spTree>
+    <p:extLst>
+      <p:ext uri="{BB962C8B-B14F-4D97-AF65-F5344CB8AC3E}">
+        <p14:creationId xmlns:p14="http://schemas.microsoft.com/office/powerpoint/2010/main" val="1061525508"/>
+      </p:ext>
+    </p:extLst>
+  </p:cSld>
+  <p:clrMapOvr>
+    <a:masterClrMapping/>
+  </p:clrMapOvr>
+</p:sld>
+</file>
+
+<file path=ppt/slides/slide17.xml><?xml version="1.0" encoding="utf-8"?>
 <p:sld xmlns:a="http://schemas.openxmlformats.org/drawingml/2006/main" xmlns:r="http://schemas.openxmlformats.org/officeDocument/2006/relationships" xmlns:p="http://schemas.openxmlformats.org/presentationml/2006/main">
   <p:cSld>
     <p:bg>
@@ -5393,7 +5755,7 @@
 </p:sld>
 </file>
 
-<file path=ppt/slides/slide17.xml><?xml version="1.0" encoding="utf-8"?>
+<file path=ppt/slides/slide18.xml><?xml version="1.0" encoding="utf-8"?>
 <p:sld xmlns:a="http://schemas.openxmlformats.org/drawingml/2006/main" xmlns:r="http://schemas.openxmlformats.org/officeDocument/2006/relationships" xmlns:p="http://schemas.openxmlformats.org/presentationml/2006/main">
   <p:cSld>
     <p:spTree>
@@ -8544,41 +8906,25 @@
           <a:p>
             <a:r>
               <a:rPr lang="nl-BE" dirty="0" smtClean="0"/>
-              <a:t>- reactive </a:t>
-            </a:r>
+              <a:t>- reactive expressions are recipes for how to calculate something, shiny will determine when it is required to execute</a:t>
+            </a:r>
+          </a:p>
+          <a:p>
             <a:r>
               <a:rPr lang="nl-BE" dirty="0" smtClean="0"/>
-              <a:t>expressions are recipes for how to calculate something, shiny will determine when it is required to execute</a:t>
+              <a:t>- can accept reactive input and deliver reactive output</a:t>
             </a:r>
           </a:p>
           <a:p>
             <a:r>
               <a:rPr lang="nl-BE" dirty="0" smtClean="0"/>
-              <a:t>- can </a:t>
-            </a:r>
+              <a:t>- has a cached result</a:t>
+            </a:r>
+          </a:p>
+          <a:p>
             <a:r>
               <a:rPr lang="nl-BE" dirty="0" smtClean="0"/>
-              <a:t>accept reactive input and deliver reactive output</a:t>
-            </a:r>
-          </a:p>
-          <a:p>
-            <a:r>
-              <a:rPr lang="nl-BE" dirty="0" smtClean="0"/>
-              <a:t>- has </a:t>
-            </a:r>
-            <a:r>
-              <a:rPr lang="nl-BE" dirty="0" smtClean="0"/>
-              <a:t>a cached result</a:t>
-            </a:r>
-          </a:p>
-          <a:p>
-            <a:r>
-              <a:rPr lang="nl-BE" dirty="0" smtClean="0"/>
-              <a:t>- make </a:t>
-            </a:r>
-            <a:r>
-              <a:rPr lang="nl-BE" dirty="0" smtClean="0"/>
-              <a:t>maximum use of this feature in shiny</a:t>
+              <a:t>- make maximum use of this feature in shiny</a:t>
             </a:r>
             <a:endParaRPr lang="en-US" dirty="0"/>
           </a:p>

--- a/doc/stock_dashboard_documentation.pptx
+++ b/doc/stock_dashboard_documentation.pptx
@@ -6,23 +6,28 @@
   </p:sldMasterIdLst>
   <p:sldIdLst>
     <p:sldId id="256" r:id="rId2"/>
-    <p:sldId id="262" r:id="rId3"/>
-    <p:sldId id="259" r:id="rId4"/>
-    <p:sldId id="260" r:id="rId5"/>
-    <p:sldId id="263" r:id="rId6"/>
-    <p:sldId id="264" r:id="rId7"/>
-    <p:sldId id="257" r:id="rId8"/>
-    <p:sldId id="272" r:id="rId9"/>
-    <p:sldId id="265" r:id="rId10"/>
-    <p:sldId id="266" r:id="rId11"/>
-    <p:sldId id="268" r:id="rId12"/>
-    <p:sldId id="271" r:id="rId13"/>
-    <p:sldId id="274" r:id="rId14"/>
-    <p:sldId id="269" r:id="rId15"/>
-    <p:sldId id="275" r:id="rId16"/>
-    <p:sldId id="276" r:id="rId17"/>
-    <p:sldId id="261" r:id="rId18"/>
-    <p:sldId id="258" r:id="rId19"/>
+    <p:sldId id="279" r:id="rId3"/>
+    <p:sldId id="285" r:id="rId4"/>
+    <p:sldId id="263" r:id="rId5"/>
+    <p:sldId id="264" r:id="rId6"/>
+    <p:sldId id="257" r:id="rId7"/>
+    <p:sldId id="281" r:id="rId8"/>
+    <p:sldId id="283" r:id="rId9"/>
+    <p:sldId id="280" r:id="rId10"/>
+    <p:sldId id="258" r:id="rId11"/>
+    <p:sldId id="262" r:id="rId12"/>
+    <p:sldId id="284" r:id="rId13"/>
+    <p:sldId id="259" r:id="rId14"/>
+    <p:sldId id="260" r:id="rId15"/>
+    <p:sldId id="272" r:id="rId16"/>
+    <p:sldId id="265" r:id="rId17"/>
+    <p:sldId id="266" r:id="rId18"/>
+    <p:sldId id="268" r:id="rId19"/>
+    <p:sldId id="271" r:id="rId20"/>
+    <p:sldId id="274" r:id="rId21"/>
+    <p:sldId id="269" r:id="rId22"/>
+    <p:sldId id="275" r:id="rId23"/>
+    <p:sldId id="276" r:id="rId24"/>
   </p:sldIdLst>
   <p:sldSz cx="12192000" cy="6858000"/>
   <p:notesSz cx="6858000" cy="9144000"/>
@@ -318,6 +323,13 @@
   <p:clrMapOvr>
     <a:masterClrMapping/>
   </p:clrMapOvr>
+  <p:timing>
+    <p:tnLst>
+      <p:par>
+        <p:cTn id="1" dur="indefinite" restart="never" nodeType="tmRoot"/>
+      </p:par>
+    </p:tnLst>
+  </p:timing>
 </p:sldLayout>
 </file>
 
@@ -668,6 +680,13 @@
   <p:clrMapOvr>
     <a:masterClrMapping/>
   </p:clrMapOvr>
+  <p:timing>
+    <p:tnLst>
+      <p:par>
+        <p:cTn id="1" dur="indefinite" restart="never" nodeType="tmRoot"/>
+      </p:par>
+    </p:tnLst>
+  </p:timing>
 </p:sldLayout>
 </file>
 
@@ -2477,10 +2496,10 @@
           <a:lstStyle/>
           <a:p>
             <a:r>
-              <a:rPr lang="en-US" smtClean="0"/>
+              <a:rPr lang="en-US" dirty="0" smtClean="0"/>
               <a:t>Click to edit Master title style</a:t>
             </a:r>
-            <a:endParaRPr lang="en-US"/>
+            <a:endParaRPr lang="en-US" dirty="0"/>
           </a:p>
         </p:txBody>
       </p:sp>
@@ -2511,38 +2530,38 @@
           <a:p>
             <a:pPr lvl="0"/>
             <a:r>
-              <a:rPr lang="en-US" smtClean="0"/>
+              <a:rPr lang="en-US" dirty="0" smtClean="0"/>
               <a:t>Edit Master text styles</a:t>
             </a:r>
           </a:p>
           <a:p>
             <a:pPr lvl="1"/>
             <a:r>
-              <a:rPr lang="en-US" smtClean="0"/>
+              <a:rPr lang="en-US" dirty="0" smtClean="0"/>
               <a:t>Second level</a:t>
             </a:r>
           </a:p>
           <a:p>
             <a:pPr lvl="2"/>
             <a:r>
-              <a:rPr lang="en-US" smtClean="0"/>
+              <a:rPr lang="en-US" dirty="0" smtClean="0"/>
               <a:t>Third level</a:t>
             </a:r>
           </a:p>
           <a:p>
             <a:pPr lvl="3"/>
             <a:r>
-              <a:rPr lang="en-US" smtClean="0"/>
+              <a:rPr lang="en-US" dirty="0" smtClean="0"/>
               <a:t>Fourth level</a:t>
             </a:r>
           </a:p>
           <a:p>
             <a:pPr lvl="4"/>
             <a:r>
-              <a:rPr lang="en-US" smtClean="0"/>
+              <a:rPr lang="en-US" dirty="0" smtClean="0"/>
               <a:t>Fifth level</a:t>
             </a:r>
-            <a:endParaRPr lang="en-US"/>
+            <a:endParaRPr lang="en-US" dirty="0"/>
           </a:p>
         </p:txBody>
       </p:sp>
@@ -2686,6 +2705,13 @@
     <p:sldLayoutId id="2147483658" r:id="rId10"/>
     <p:sldLayoutId id="2147483659" r:id="rId11"/>
   </p:sldLayoutIdLst>
+  <p:timing>
+    <p:tnLst>
+      <p:par>
+        <p:cTn id="1" dur="indefinite" restart="never" nodeType="tmRoot"/>
+      </p:par>
+    </p:tnLst>
+  </p:timing>
   <p:txStyles>
     <p:titleStyle>
       <a:lvl1pPr algn="l" defTabSz="914400" rtl="0" eaLnBrk="1" latinLnBrk="0" hangingPunct="1">
@@ -3075,6 +3101,104 @@
       </p:grpSpPr>
       <p:sp>
         <p:nvSpPr>
+          <p:cNvPr id="23" name="Rectangle 22"/>
+          <p:cNvSpPr/>
+          <p:nvPr/>
+        </p:nvSpPr>
+        <p:spPr>
+          <a:xfrm>
+            <a:off x="3401042" y="4471454"/>
+            <a:ext cx="6624465" cy="2034601"/>
+          </a:xfrm>
+          <a:prstGeom prst="rect">
+            <a:avLst/>
+          </a:prstGeom>
+          <a:solidFill>
+            <a:schemeClr val="accent2">
+              <a:alpha val="50000"/>
+            </a:schemeClr>
+          </a:solidFill>
+        </p:spPr>
+        <p:style>
+          <a:lnRef idx="2">
+            <a:schemeClr val="accent2">
+              <a:shade val="50000"/>
+            </a:schemeClr>
+          </a:lnRef>
+          <a:fillRef idx="1">
+            <a:schemeClr val="accent2"/>
+          </a:fillRef>
+          <a:effectRef idx="0">
+            <a:schemeClr val="accent2"/>
+          </a:effectRef>
+          <a:fontRef idx="minor">
+            <a:schemeClr val="lt1"/>
+          </a:fontRef>
+        </p:style>
+        <p:txBody>
+          <a:bodyPr rtlCol="0" anchor="t" anchorCtr="0"/>
+          <a:lstStyle/>
+          <a:p>
+            <a:pPr algn="ctr"/>
+            <a:r>
+              <a:rPr lang="nl-BE" sz="1400" dirty="0" smtClean="0"/>
+              <a:t>BROKER B</a:t>
+            </a:r>
+            <a:endParaRPr lang="en-US" sz="1400" dirty="0"/>
+          </a:p>
+        </p:txBody>
+      </p:sp>
+      <p:sp>
+        <p:nvSpPr>
+          <p:cNvPr id="22" name="Rectangle 21"/>
+          <p:cNvSpPr/>
+          <p:nvPr/>
+        </p:nvSpPr>
+        <p:spPr>
+          <a:xfrm>
+            <a:off x="3401042" y="1194646"/>
+            <a:ext cx="6624465" cy="3253371"/>
+          </a:xfrm>
+          <a:prstGeom prst="rect">
+            <a:avLst/>
+          </a:prstGeom>
+          <a:solidFill>
+            <a:schemeClr val="accent1">
+              <a:alpha val="50000"/>
+            </a:schemeClr>
+          </a:solidFill>
+        </p:spPr>
+        <p:style>
+          <a:lnRef idx="2">
+            <a:schemeClr val="accent1">
+              <a:shade val="50000"/>
+            </a:schemeClr>
+          </a:lnRef>
+          <a:fillRef idx="1">
+            <a:schemeClr val="accent1"/>
+          </a:fillRef>
+          <a:effectRef idx="0">
+            <a:schemeClr val="accent1"/>
+          </a:effectRef>
+          <a:fontRef idx="minor">
+            <a:schemeClr val="lt1"/>
+          </a:fontRef>
+        </p:style>
+        <p:txBody>
+          <a:bodyPr rtlCol="0" anchor="t" anchorCtr="0"/>
+          <a:lstStyle/>
+          <a:p>
+            <a:pPr algn="ctr"/>
+            <a:r>
+              <a:rPr lang="nl-BE" sz="1400" dirty="0" smtClean="0"/>
+              <a:t>BROKER A</a:t>
+            </a:r>
+            <a:endParaRPr lang="en-US" sz="1400" dirty="0"/>
+          </a:p>
+        </p:txBody>
+      </p:sp>
+      <p:sp>
+        <p:nvSpPr>
           <p:cNvPr id="2" name="Title 1"/>
           <p:cNvSpPr>
             <a:spLocks noGrp="1"/>
@@ -3085,7 +3209,7 @@
         </p:nvSpPr>
         <p:spPr>
           <a:xfrm>
-            <a:off x="109151" y="-203286"/>
+            <a:off x="57561" y="-218393"/>
             <a:ext cx="10515600" cy="1325563"/>
           </a:xfrm>
         </p:spPr>
@@ -3095,7 +3219,19 @@
           <a:p>
             <a:r>
               <a:rPr lang="nl-BE" dirty="0" smtClean="0"/>
-              <a:t>reactive values</a:t>
+              <a:t>transactions</a:t>
+            </a:r>
+            <a:r>
+              <a:rPr lang="en-BE" dirty="0" smtClean="0"/>
+              <a:t>: flows</a:t>
+            </a:r>
+            <a:r>
+              <a:rPr lang="nl-BE" dirty="0" smtClean="0"/>
+              <a:t> </a:t>
+            </a:r>
+            <a:r>
+              <a:rPr lang="nl-BE" dirty="0" smtClean="0"/>
+              <a:t>visualised</a:t>
             </a:r>
             <a:endParaRPr lang="en-US" dirty="0"/>
           </a:p>
@@ -3103,101 +3239,852 @@
       </p:sp>
       <p:sp>
         <p:nvSpPr>
-          <p:cNvPr id="10" name="Content Placeholder 2"/>
-          <p:cNvSpPr>
-            <a:spLocks noGrp="1"/>
-          </p:cNvSpPr>
-          <p:nvPr>
-            <p:ph idx="1"/>
-          </p:nvPr>
-        </p:nvSpPr>
-        <p:spPr>
-          <a:xfrm>
-            <a:off x="203931" y="1052547"/>
-            <a:ext cx="11368171" cy="5499556"/>
-          </a:xfrm>
-        </p:spPr>
-        <p:txBody>
-          <a:bodyPr>
-            <a:normAutofit/>
+          <p:cNvPr id="4" name="Rectangle 3"/>
+          <p:cNvSpPr/>
+          <p:nvPr/>
+        </p:nvSpPr>
+        <p:spPr>
+          <a:xfrm>
+            <a:off x="5248344" y="1501167"/>
+            <a:ext cx="1371600" cy="1399916"/>
+          </a:xfrm>
+          <a:prstGeom prst="rect">
+            <a:avLst/>
+          </a:prstGeom>
+        </p:spPr>
+        <p:style>
+          <a:lnRef idx="2">
+            <a:schemeClr val="accent1">
+              <a:shade val="50000"/>
+            </a:schemeClr>
+          </a:lnRef>
+          <a:fillRef idx="1">
+            <a:schemeClr val="accent1"/>
+          </a:fillRef>
+          <a:effectRef idx="0">
+            <a:schemeClr val="accent1"/>
+          </a:effectRef>
+          <a:fontRef idx="minor">
+            <a:schemeClr val="lt1"/>
+          </a:fontRef>
+        </p:style>
+        <p:txBody>
+          <a:bodyPr rtlCol="0" anchor="t" anchorCtr="0"/>
+          <a:lstStyle/>
+          <a:p>
+            <a:pPr algn="ctr"/>
+            <a:r>
+              <a:rPr lang="nl-BE" sz="1400" dirty="0" smtClean="0"/>
+              <a:t>CASH ACCOUNT</a:t>
+            </a:r>
+            <a:endParaRPr lang="en-US" sz="1400" dirty="0"/>
+          </a:p>
+        </p:txBody>
+      </p:sp>
+      <p:sp>
+        <p:nvSpPr>
+          <p:cNvPr id="5" name="Rectangle 4"/>
+          <p:cNvSpPr/>
+          <p:nvPr/>
+        </p:nvSpPr>
+        <p:spPr>
+          <a:xfrm>
+            <a:off x="8419140" y="1501167"/>
+            <a:ext cx="1371600" cy="1399916"/>
+          </a:xfrm>
+          <a:prstGeom prst="rect">
+            <a:avLst/>
+          </a:prstGeom>
+        </p:spPr>
+        <p:style>
+          <a:lnRef idx="2">
+            <a:schemeClr val="accent1">
+              <a:shade val="50000"/>
+            </a:schemeClr>
+          </a:lnRef>
+          <a:fillRef idx="1">
+            <a:schemeClr val="accent1"/>
+          </a:fillRef>
+          <a:effectRef idx="0">
+            <a:schemeClr val="accent1"/>
+          </a:effectRef>
+          <a:fontRef idx="minor">
+            <a:schemeClr val="lt1"/>
+          </a:fontRef>
+        </p:style>
+        <p:txBody>
+          <a:bodyPr rtlCol="0" anchor="t" anchorCtr="0"/>
+          <a:lstStyle/>
+          <a:p>
+            <a:pPr algn="ctr"/>
+            <a:r>
+              <a:rPr lang="nl-BE" sz="1400" dirty="0" smtClean="0"/>
+              <a:t>STOCKS ACCOUNT</a:t>
+            </a:r>
+            <a:endParaRPr lang="en-US" sz="1400" dirty="0"/>
+          </a:p>
+        </p:txBody>
+      </p:sp>
+      <p:sp>
+        <p:nvSpPr>
+          <p:cNvPr id="6" name="Rectangle 5"/>
+          <p:cNvSpPr/>
+          <p:nvPr/>
+        </p:nvSpPr>
+        <p:spPr>
+          <a:xfrm>
+            <a:off x="1893351" y="1194647"/>
+            <a:ext cx="1371600" cy="5311408"/>
+          </a:xfrm>
+          <a:prstGeom prst="rect">
+            <a:avLst/>
+          </a:prstGeom>
+        </p:spPr>
+        <p:style>
+          <a:lnRef idx="2">
+            <a:schemeClr val="accent6">
+              <a:shade val="50000"/>
+            </a:schemeClr>
+          </a:lnRef>
+          <a:fillRef idx="1">
+            <a:schemeClr val="accent6"/>
+          </a:fillRef>
+          <a:effectRef idx="0">
+            <a:schemeClr val="accent6"/>
+          </a:effectRef>
+          <a:fontRef idx="minor">
+            <a:schemeClr val="lt1"/>
+          </a:fontRef>
+        </p:style>
+        <p:txBody>
+          <a:bodyPr rtlCol="0" anchor="t" anchorCtr="0"/>
+          <a:lstStyle/>
+          <a:p>
+            <a:pPr algn="ctr"/>
+            <a:r>
+              <a:rPr lang="nl-BE" sz="1400" dirty="0" smtClean="0"/>
+              <a:t>EXTERNAL WORLD</a:t>
+            </a:r>
+            <a:endParaRPr lang="en-US" sz="1400" dirty="0"/>
+          </a:p>
+        </p:txBody>
+      </p:sp>
+      <p:sp>
+        <p:nvSpPr>
+          <p:cNvPr id="7" name="Rectangle 6"/>
+          <p:cNvSpPr/>
+          <p:nvPr/>
+        </p:nvSpPr>
+        <p:spPr>
+          <a:xfrm>
+            <a:off x="5248344" y="4795665"/>
+            <a:ext cx="1371600" cy="1443849"/>
+          </a:xfrm>
+          <a:prstGeom prst="rect">
+            <a:avLst/>
+          </a:prstGeom>
+        </p:spPr>
+        <p:style>
+          <a:lnRef idx="2">
+            <a:schemeClr val="accent2">
+              <a:shade val="50000"/>
+            </a:schemeClr>
+          </a:lnRef>
+          <a:fillRef idx="1">
+            <a:schemeClr val="accent2"/>
+          </a:fillRef>
+          <a:effectRef idx="0">
+            <a:schemeClr val="accent2"/>
+          </a:effectRef>
+          <a:fontRef idx="minor">
+            <a:schemeClr val="lt1"/>
+          </a:fontRef>
+        </p:style>
+        <p:txBody>
+          <a:bodyPr rtlCol="0" anchor="t" anchorCtr="0"/>
+          <a:lstStyle/>
+          <a:p>
+            <a:pPr algn="ctr"/>
+            <a:r>
+              <a:rPr lang="nl-BE" sz="1400" dirty="0" smtClean="0"/>
+              <a:t>CASH ACCOUNT</a:t>
+            </a:r>
+            <a:endParaRPr lang="en-US" sz="1400" dirty="0"/>
+          </a:p>
+        </p:txBody>
+      </p:sp>
+      <p:sp>
+        <p:nvSpPr>
+          <p:cNvPr id="8" name="Rectangle 7"/>
+          <p:cNvSpPr/>
+          <p:nvPr/>
+        </p:nvSpPr>
+        <p:spPr>
+          <a:xfrm>
+            <a:off x="8419140" y="4795665"/>
+            <a:ext cx="1371600" cy="1443849"/>
+          </a:xfrm>
+          <a:prstGeom prst="rect">
+            <a:avLst/>
+          </a:prstGeom>
+        </p:spPr>
+        <p:style>
+          <a:lnRef idx="2">
+            <a:schemeClr val="accent2">
+              <a:shade val="50000"/>
+            </a:schemeClr>
+          </a:lnRef>
+          <a:fillRef idx="1">
+            <a:schemeClr val="accent2"/>
+          </a:fillRef>
+          <a:effectRef idx="0">
+            <a:schemeClr val="accent2"/>
+          </a:effectRef>
+          <a:fontRef idx="minor">
+            <a:schemeClr val="lt1"/>
+          </a:fontRef>
+        </p:style>
+        <p:txBody>
+          <a:bodyPr rtlCol="0" anchor="t" anchorCtr="0"/>
+          <a:lstStyle/>
+          <a:p>
+            <a:pPr algn="ctr"/>
+            <a:r>
+              <a:rPr lang="nl-BE" sz="1400" dirty="0" smtClean="0"/>
+              <a:t>STOCKS ACCOUNT</a:t>
+            </a:r>
+            <a:endParaRPr lang="en-US" sz="1400" dirty="0"/>
+          </a:p>
+        </p:txBody>
+      </p:sp>
+      <p:sp>
+        <p:nvSpPr>
+          <p:cNvPr id="11" name="Right Arrow 10"/>
+          <p:cNvSpPr/>
+          <p:nvPr/>
+        </p:nvSpPr>
+        <p:spPr>
+          <a:xfrm>
+            <a:off x="3512875" y="1501165"/>
+            <a:ext cx="1572241" cy="623663"/>
+          </a:xfrm>
+          <a:prstGeom prst="rightArrow">
+            <a:avLst/>
+          </a:prstGeom>
+        </p:spPr>
+        <p:style>
+          <a:lnRef idx="2">
+            <a:schemeClr val="accent6">
+              <a:shade val="50000"/>
+            </a:schemeClr>
+          </a:lnRef>
+          <a:fillRef idx="1">
+            <a:schemeClr val="accent6"/>
+          </a:fillRef>
+          <a:effectRef idx="0">
+            <a:schemeClr val="accent6"/>
+          </a:effectRef>
+          <a:fontRef idx="minor">
+            <a:schemeClr val="lt1"/>
+          </a:fontRef>
+        </p:style>
+        <p:txBody>
+          <a:bodyPr rtlCol="0" anchor="ctr"/>
+          <a:lstStyle/>
+          <a:p>
+            <a:pPr algn="ctr"/>
+            <a:r>
+              <a:rPr lang="nl-BE" sz="1400" dirty="0" smtClean="0"/>
+              <a:t>cash_in</a:t>
+            </a:r>
+            <a:endParaRPr lang="en-US" sz="1400" dirty="0"/>
+          </a:p>
+        </p:txBody>
+      </p:sp>
+      <p:sp>
+        <p:nvSpPr>
+          <p:cNvPr id="12" name="Left Arrow 11"/>
+          <p:cNvSpPr/>
+          <p:nvPr/>
+        </p:nvSpPr>
+        <p:spPr>
+          <a:xfrm>
+            <a:off x="3473404" y="2131413"/>
+            <a:ext cx="1480144" cy="572322"/>
+          </a:xfrm>
+          <a:prstGeom prst="leftArrow">
+            <a:avLst/>
+          </a:prstGeom>
+        </p:spPr>
+        <p:style>
+          <a:lnRef idx="2">
+            <a:schemeClr val="accent6">
+              <a:shade val="50000"/>
+            </a:schemeClr>
+          </a:lnRef>
+          <a:fillRef idx="1">
+            <a:schemeClr val="accent6"/>
+          </a:fillRef>
+          <a:effectRef idx="0">
+            <a:schemeClr val="accent6"/>
+          </a:effectRef>
+          <a:fontRef idx="minor">
+            <a:schemeClr val="lt1"/>
+          </a:fontRef>
+        </p:style>
+        <p:txBody>
+          <a:bodyPr rtlCol="0" anchor="ctr"/>
+          <a:lstStyle/>
+          <a:p>
+            <a:pPr algn="ctr"/>
+            <a:r>
+              <a:rPr lang="nl-BE" sz="1400" dirty="0" smtClean="0"/>
+              <a:t>cash_out</a:t>
+            </a:r>
+            <a:endParaRPr lang="en-US" sz="1400" dirty="0"/>
+          </a:p>
+        </p:txBody>
+      </p:sp>
+      <p:sp>
+        <p:nvSpPr>
+          <p:cNvPr id="13" name="Right Arrow 12"/>
+          <p:cNvSpPr/>
+          <p:nvPr/>
+        </p:nvSpPr>
+        <p:spPr>
+          <a:xfrm>
+            <a:off x="6792215" y="1580110"/>
+            <a:ext cx="1572241" cy="623663"/>
+          </a:xfrm>
+          <a:prstGeom prst="rightArrow">
+            <a:avLst/>
+          </a:prstGeom>
+        </p:spPr>
+        <p:style>
+          <a:lnRef idx="2">
+            <a:schemeClr val="accent1">
+              <a:shade val="50000"/>
+            </a:schemeClr>
+          </a:lnRef>
+          <a:fillRef idx="1">
+            <a:schemeClr val="accent1"/>
+          </a:fillRef>
+          <a:effectRef idx="0">
+            <a:schemeClr val="accent1"/>
+          </a:effectRef>
+          <a:fontRef idx="minor">
+            <a:schemeClr val="lt1"/>
+          </a:fontRef>
+        </p:style>
+        <p:txBody>
+          <a:bodyPr rtlCol="0" anchor="ctr"/>
+          <a:lstStyle/>
+          <a:p>
+            <a:pPr algn="ctr"/>
+            <a:r>
+              <a:rPr lang="nl-BE" sz="1400" dirty="0" smtClean="0"/>
+              <a:t>buy</a:t>
+            </a:r>
+            <a:endParaRPr lang="en-US" sz="1400" dirty="0"/>
+          </a:p>
+        </p:txBody>
+      </p:sp>
+      <p:sp>
+        <p:nvSpPr>
+          <p:cNvPr id="14" name="Left Arrow 13"/>
+          <p:cNvSpPr/>
+          <p:nvPr/>
+        </p:nvSpPr>
+        <p:spPr>
+          <a:xfrm>
+            <a:off x="6752744" y="2210358"/>
+            <a:ext cx="1480144" cy="572322"/>
+          </a:xfrm>
+          <a:prstGeom prst="leftArrow">
+            <a:avLst/>
+          </a:prstGeom>
+        </p:spPr>
+        <p:style>
+          <a:lnRef idx="2">
+            <a:schemeClr val="accent1">
+              <a:shade val="50000"/>
+            </a:schemeClr>
+          </a:lnRef>
+          <a:fillRef idx="1">
+            <a:schemeClr val="accent1"/>
+          </a:fillRef>
+          <a:effectRef idx="0">
+            <a:schemeClr val="accent1"/>
+          </a:effectRef>
+          <a:fontRef idx="minor">
+            <a:schemeClr val="lt1"/>
+          </a:fontRef>
+        </p:style>
+        <p:txBody>
+          <a:bodyPr rtlCol="0" anchor="ctr"/>
+          <a:lstStyle/>
+          <a:p>
+            <a:pPr algn="ctr"/>
+            <a:r>
+              <a:rPr lang="nl-BE" sz="1400" dirty="0" smtClean="0"/>
+              <a:t>sell</a:t>
+            </a:r>
+            <a:endParaRPr lang="en-US" sz="1400" dirty="0"/>
+          </a:p>
+        </p:txBody>
+      </p:sp>
+      <p:sp>
+        <p:nvSpPr>
+          <p:cNvPr id="15" name="Right Arrow 14"/>
+          <p:cNvSpPr/>
+          <p:nvPr/>
+        </p:nvSpPr>
+        <p:spPr>
+          <a:xfrm>
+            <a:off x="3488619" y="4825155"/>
+            <a:ext cx="1572241" cy="623663"/>
+          </a:xfrm>
+          <a:prstGeom prst="rightArrow">
+            <a:avLst/>
+          </a:prstGeom>
+        </p:spPr>
+        <p:style>
+          <a:lnRef idx="2">
+            <a:schemeClr val="accent6">
+              <a:shade val="50000"/>
+            </a:schemeClr>
+          </a:lnRef>
+          <a:fillRef idx="1">
+            <a:schemeClr val="accent6"/>
+          </a:fillRef>
+          <a:effectRef idx="0">
+            <a:schemeClr val="accent6"/>
+          </a:effectRef>
+          <a:fontRef idx="minor">
+            <a:schemeClr val="lt1"/>
+          </a:fontRef>
+        </p:style>
+        <p:txBody>
+          <a:bodyPr rtlCol="0" anchor="ctr"/>
+          <a:lstStyle/>
+          <a:p>
+            <a:pPr algn="ctr"/>
+            <a:r>
+              <a:rPr lang="nl-BE" sz="1400" dirty="0" smtClean="0"/>
+              <a:t>cash_in</a:t>
+            </a:r>
+            <a:endParaRPr lang="en-US" sz="1400" dirty="0"/>
+          </a:p>
+        </p:txBody>
+      </p:sp>
+      <p:sp>
+        <p:nvSpPr>
+          <p:cNvPr id="16" name="Left Arrow 15"/>
+          <p:cNvSpPr/>
+          <p:nvPr/>
+        </p:nvSpPr>
+        <p:spPr>
+          <a:xfrm>
+            <a:off x="3449148" y="5679063"/>
+            <a:ext cx="1480144" cy="572322"/>
+          </a:xfrm>
+          <a:prstGeom prst="leftArrow">
+            <a:avLst/>
+          </a:prstGeom>
+        </p:spPr>
+        <p:style>
+          <a:lnRef idx="2">
+            <a:schemeClr val="accent6">
+              <a:shade val="50000"/>
+            </a:schemeClr>
+          </a:lnRef>
+          <a:fillRef idx="1">
+            <a:schemeClr val="accent6"/>
+          </a:fillRef>
+          <a:effectRef idx="0">
+            <a:schemeClr val="accent6"/>
+          </a:effectRef>
+          <a:fontRef idx="minor">
+            <a:schemeClr val="lt1"/>
+          </a:fontRef>
+        </p:style>
+        <p:txBody>
+          <a:bodyPr rtlCol="0" anchor="ctr"/>
+          <a:lstStyle/>
+          <a:p>
+            <a:pPr algn="ctr"/>
+            <a:r>
+              <a:rPr lang="nl-BE" sz="1400" dirty="0" smtClean="0"/>
+              <a:t>cash_out</a:t>
+            </a:r>
+            <a:endParaRPr lang="en-US" sz="1400" dirty="0"/>
+          </a:p>
+        </p:txBody>
+      </p:sp>
+      <p:sp>
+        <p:nvSpPr>
+          <p:cNvPr id="17" name="Right Arrow 16"/>
+          <p:cNvSpPr/>
+          <p:nvPr/>
+        </p:nvSpPr>
+        <p:spPr>
+          <a:xfrm>
+            <a:off x="6767959" y="4825155"/>
+            <a:ext cx="1572241" cy="623663"/>
+          </a:xfrm>
+          <a:prstGeom prst="rightArrow">
+            <a:avLst/>
+          </a:prstGeom>
+        </p:spPr>
+        <p:style>
+          <a:lnRef idx="2">
+            <a:schemeClr val="accent2">
+              <a:shade val="50000"/>
+            </a:schemeClr>
+          </a:lnRef>
+          <a:fillRef idx="1">
+            <a:schemeClr val="accent2"/>
+          </a:fillRef>
+          <a:effectRef idx="0">
+            <a:schemeClr val="accent2"/>
+          </a:effectRef>
+          <a:fontRef idx="minor">
+            <a:schemeClr val="lt1"/>
+          </a:fontRef>
+        </p:style>
+        <p:txBody>
+          <a:bodyPr rtlCol="0" anchor="ctr"/>
+          <a:lstStyle/>
+          <a:p>
+            <a:pPr algn="ctr"/>
+            <a:r>
+              <a:rPr lang="nl-BE" sz="1400" dirty="0" smtClean="0"/>
+              <a:t>buy</a:t>
+            </a:r>
+            <a:endParaRPr lang="en-US" sz="1400" dirty="0"/>
+          </a:p>
+        </p:txBody>
+      </p:sp>
+      <p:sp>
+        <p:nvSpPr>
+          <p:cNvPr id="18" name="Left Arrow 17"/>
+          <p:cNvSpPr/>
+          <p:nvPr/>
+        </p:nvSpPr>
+        <p:spPr>
+          <a:xfrm>
+            <a:off x="6728488" y="5679063"/>
+            <a:ext cx="1480144" cy="572322"/>
+          </a:xfrm>
+          <a:prstGeom prst="leftArrow">
+            <a:avLst/>
+          </a:prstGeom>
+        </p:spPr>
+        <p:style>
+          <a:lnRef idx="2">
+            <a:schemeClr val="accent2">
+              <a:shade val="50000"/>
+            </a:schemeClr>
+          </a:lnRef>
+          <a:fillRef idx="1">
+            <a:schemeClr val="accent2"/>
+          </a:fillRef>
+          <a:effectRef idx="0">
+            <a:schemeClr val="accent2"/>
+          </a:effectRef>
+          <a:fontRef idx="minor">
+            <a:schemeClr val="lt1"/>
+          </a:fontRef>
+        </p:style>
+        <p:txBody>
+          <a:bodyPr rtlCol="0" anchor="ctr"/>
+          <a:lstStyle/>
+          <a:p>
+            <a:pPr algn="ctr"/>
+            <a:r>
+              <a:rPr lang="nl-BE" sz="1400" dirty="0" smtClean="0"/>
+              <a:t>sell</a:t>
+            </a:r>
+            <a:endParaRPr lang="en-US" sz="1400" dirty="0"/>
+          </a:p>
+        </p:txBody>
+      </p:sp>
+      <p:sp>
+        <p:nvSpPr>
+          <p:cNvPr id="19" name="Right Arrow 18"/>
+          <p:cNvSpPr/>
+          <p:nvPr/>
+        </p:nvSpPr>
+        <p:spPr>
+          <a:xfrm rot="5400000">
+            <a:off x="8707645" y="3374437"/>
+            <a:ext cx="1384641" cy="623663"/>
+          </a:xfrm>
+          <a:prstGeom prst="rightArrow">
+            <a:avLst/>
+          </a:prstGeom>
+        </p:spPr>
+        <p:style>
+          <a:lnRef idx="2">
+            <a:schemeClr val="accent1">
+              <a:shade val="50000"/>
+            </a:schemeClr>
+          </a:lnRef>
+          <a:fillRef idx="1">
+            <a:schemeClr val="accent1"/>
+          </a:fillRef>
+          <a:effectRef idx="0">
+            <a:schemeClr val="accent1"/>
+          </a:effectRef>
+          <a:fontRef idx="minor">
+            <a:schemeClr val="lt1"/>
+          </a:fontRef>
+        </p:style>
+        <p:txBody>
+          <a:bodyPr rtlCol="0" anchor="ctr"/>
+          <a:lstStyle/>
+          <a:p>
+            <a:pPr algn="ctr"/>
+            <a:r>
+              <a:rPr lang="nl-BE" sz="1400" dirty="0" smtClean="0"/>
+              <a:t>transfer_out</a:t>
+            </a:r>
+            <a:endParaRPr lang="en-US" sz="1400" dirty="0"/>
+          </a:p>
+        </p:txBody>
+      </p:sp>
+      <p:sp>
+        <p:nvSpPr>
+          <p:cNvPr id="20" name="Left Arrow 19"/>
+          <p:cNvSpPr/>
+          <p:nvPr/>
+        </p:nvSpPr>
+        <p:spPr>
+          <a:xfrm rot="5400000">
+            <a:off x="8202781" y="3347795"/>
+            <a:ext cx="1303533" cy="572322"/>
+          </a:xfrm>
+          <a:prstGeom prst="leftArrow">
+            <a:avLst/>
+          </a:prstGeom>
+        </p:spPr>
+        <p:style>
+          <a:lnRef idx="2">
+            <a:schemeClr val="accent1">
+              <a:shade val="50000"/>
+            </a:schemeClr>
+          </a:lnRef>
+          <a:fillRef idx="1">
+            <a:schemeClr val="accent1"/>
+          </a:fillRef>
+          <a:effectRef idx="0">
+            <a:schemeClr val="accent1"/>
+          </a:effectRef>
+          <a:fontRef idx="minor">
+            <a:schemeClr val="lt1"/>
+          </a:fontRef>
+        </p:style>
+        <p:txBody>
+          <a:bodyPr rtlCol="0" anchor="ctr"/>
+          <a:lstStyle/>
+          <a:p>
+            <a:pPr algn="ctr"/>
+            <a:r>
+              <a:rPr lang="nl-BE" sz="1400" dirty="0" smtClean="0"/>
+              <a:t>transfer_in</a:t>
+            </a:r>
+            <a:endParaRPr lang="en-US" sz="1400" dirty="0"/>
+          </a:p>
+        </p:txBody>
+      </p:sp>
+      <p:sp>
+        <p:nvSpPr>
+          <p:cNvPr id="24" name="Oval 23"/>
+          <p:cNvSpPr/>
+          <p:nvPr/>
+        </p:nvSpPr>
+        <p:spPr>
+          <a:xfrm>
+            <a:off x="7249416" y="3519453"/>
+            <a:ext cx="197352" cy="190774"/>
+          </a:xfrm>
+          <a:prstGeom prst="ellipse">
+            <a:avLst/>
+          </a:prstGeom>
+        </p:spPr>
+        <p:style>
+          <a:lnRef idx="2">
+            <a:schemeClr val="accent1">
+              <a:shade val="50000"/>
+            </a:schemeClr>
+          </a:lnRef>
+          <a:fillRef idx="1">
+            <a:schemeClr val="accent1"/>
+          </a:fillRef>
+          <a:effectRef idx="0">
+            <a:schemeClr val="accent1"/>
+          </a:effectRef>
+          <a:fontRef idx="minor">
+            <a:schemeClr val="lt1"/>
+          </a:fontRef>
+        </p:style>
+        <p:txBody>
+          <a:bodyPr rtlCol="0" anchor="ctr"/>
+          <a:lstStyle/>
+          <a:p>
+            <a:pPr algn="ctr"/>
+            <a:endParaRPr lang="en-US"/>
+          </a:p>
+        </p:txBody>
+      </p:sp>
+      <p:cxnSp>
+        <p:nvCxnSpPr>
+          <p:cNvPr id="26" name="Straight Arrow Connector 25"/>
+          <p:cNvCxnSpPr/>
+          <p:nvPr/>
+        </p:nvCxnSpPr>
+        <p:spPr>
+          <a:xfrm flipV="1">
+            <a:off x="7453347" y="2901083"/>
+            <a:ext cx="965793" cy="618878"/>
+          </a:xfrm>
+          <a:prstGeom prst="straightConnector1">
+            <a:avLst/>
+          </a:prstGeom>
+          <a:ln>
+            <a:tailEnd type="triangle"/>
+          </a:ln>
+        </p:spPr>
+        <p:style>
+          <a:lnRef idx="1">
+            <a:schemeClr val="accent1"/>
+          </a:lnRef>
+          <a:fillRef idx="0">
+            <a:schemeClr val="accent1"/>
+          </a:fillRef>
+          <a:effectRef idx="0">
+            <a:schemeClr val="accent1"/>
+          </a:effectRef>
+          <a:fontRef idx="minor">
+            <a:schemeClr val="tx1"/>
+          </a:fontRef>
+        </p:style>
+      </p:cxnSp>
+      <p:cxnSp>
+        <p:nvCxnSpPr>
+          <p:cNvPr id="28" name="Straight Arrow Connector 27"/>
+          <p:cNvCxnSpPr>
+            <a:stCxn id="24" idx="1"/>
+          </p:cNvCxnSpPr>
+          <p:nvPr/>
+        </p:nvCxnSpPr>
+        <p:spPr>
+          <a:xfrm flipH="1" flipV="1">
+            <a:off x="6619944" y="2907668"/>
+            <a:ext cx="658374" cy="639723"/>
+          </a:xfrm>
+          <a:prstGeom prst="straightConnector1">
+            <a:avLst/>
+          </a:prstGeom>
+          <a:ln>
+            <a:tailEnd type="triangle"/>
+          </a:ln>
+        </p:spPr>
+        <p:style>
+          <a:lnRef idx="1">
+            <a:schemeClr val="accent1"/>
+          </a:lnRef>
+          <a:fillRef idx="0">
+            <a:schemeClr val="accent1"/>
+          </a:fillRef>
+          <a:effectRef idx="0">
+            <a:schemeClr val="accent1"/>
+          </a:effectRef>
+          <a:fontRef idx="minor">
+            <a:schemeClr val="tx1"/>
+          </a:fontRef>
+        </p:style>
+      </p:cxnSp>
+      <p:sp>
+        <p:nvSpPr>
+          <p:cNvPr id="29" name="TextBox 28"/>
+          <p:cNvSpPr txBox="1"/>
+          <p:nvPr/>
+        </p:nvSpPr>
+        <p:spPr>
+          <a:xfrm>
+            <a:off x="6306234" y="3153683"/>
+            <a:ext cx="794466" cy="307777"/>
+          </a:xfrm>
+          <a:prstGeom prst="rect">
+            <a:avLst/>
+          </a:prstGeom>
+          <a:noFill/>
+        </p:spPr>
+        <p:txBody>
+          <a:bodyPr wrap="square" rtlCol="0">
+            <a:spAutoFit/>
           </a:bodyPr>
           <a:lstStyle/>
           <a:p>
             <a:r>
-              <a:rPr lang="nl-BE" sz="2400" dirty="0" smtClean="0"/>
-              <a:t>rv$focus_stock</a:t>
-            </a:r>
-          </a:p>
-          <a:p>
-            <a:pPr lvl="1"/>
-            <a:r>
-              <a:rPr lang="nl-BE" sz="2000" dirty="0" smtClean="0"/>
-              <a:t>guarantees continuity between pages when selecting 1 stock</a:t>
-            </a:r>
-          </a:p>
-          <a:p>
-            <a:pPr lvl="1"/>
-            <a:r>
-              <a:rPr lang="nl-BE" sz="2000" dirty="0" smtClean="0"/>
-              <a:t>first lines sets the rv so that other selectinputs may update</a:t>
-            </a:r>
-          </a:p>
-          <a:p>
-            <a:pPr lvl="1"/>
-            <a:r>
-              <a:rPr lang="nl-BE" sz="2000" dirty="0" smtClean="0"/>
-              <a:t>second line updates this selectinput if somewhere else the rv was modified</a:t>
-            </a:r>
-          </a:p>
-          <a:p>
-            <a:endParaRPr lang="nl-BE" sz="2400" dirty="0"/>
-          </a:p>
-          <a:p>
-            <a:endParaRPr lang="nl-BE" sz="2400" dirty="0" smtClean="0"/>
-          </a:p>
-          <a:p>
-            <a:r>
-              <a:rPr lang="nl-BE" sz="2400" dirty="0" smtClean="0"/>
-              <a:t>rv$msgs</a:t>
-            </a:r>
-          </a:p>
-          <a:p>
-            <a:pPr lvl="1"/>
-            <a:r>
-              <a:rPr lang="nl-BE" sz="1800" dirty="0" smtClean="0"/>
-              <a:t>contains messages shown in notification corner as well as notification menu</a:t>
-            </a:r>
-          </a:p>
-        </p:txBody>
-      </p:sp>
-      <p:pic>
-        <p:nvPicPr>
-          <p:cNvPr id="3" name="Picture 2"/>
-          <p:cNvPicPr>
-            <a:picLocks noChangeAspect="1"/>
-          </p:cNvPicPr>
-          <p:nvPr/>
-        </p:nvPicPr>
-        <p:blipFill>
-          <a:blip r:embed="rId2"/>
-          <a:stretch>
-            <a:fillRect/>
-          </a:stretch>
-        </p:blipFill>
-        <p:spPr>
-          <a:xfrm>
-            <a:off x="1013383" y="2560887"/>
-            <a:ext cx="9324975" cy="323850"/>
+              <a:rPr lang="nl-BE" sz="1400" dirty="0" smtClean="0">
+                <a:solidFill>
+                  <a:schemeClr val="bg1"/>
+                </a:solidFill>
+              </a:rPr>
+              <a:t>div_dist</a:t>
+            </a:r>
+            <a:endParaRPr lang="en-US" sz="1400" dirty="0">
+              <a:solidFill>
+                <a:schemeClr val="bg1"/>
+              </a:solidFill>
+            </a:endParaRPr>
+          </a:p>
+        </p:txBody>
+      </p:sp>
+      <p:sp>
+        <p:nvSpPr>
+          <p:cNvPr id="30" name="TextBox 29"/>
+          <p:cNvSpPr txBox="1"/>
+          <p:nvPr/>
+        </p:nvSpPr>
+        <p:spPr>
+          <a:xfrm>
+            <a:off x="7777658" y="3153683"/>
+            <a:ext cx="889320" cy="307777"/>
           </a:xfrm>
           <a:prstGeom prst="rect">
             <a:avLst/>
           </a:prstGeom>
-        </p:spPr>
-      </p:pic>
+          <a:noFill/>
+        </p:spPr>
+        <p:txBody>
+          <a:bodyPr wrap="square" rtlCol="0">
+            <a:spAutoFit/>
+          </a:bodyPr>
+          <a:lstStyle/>
+          <a:p>
+            <a:r>
+              <a:rPr lang="nl-BE" sz="1400" dirty="0" smtClean="0">
+                <a:solidFill>
+                  <a:schemeClr val="bg1"/>
+                </a:solidFill>
+              </a:rPr>
+              <a:t>div_acc</a:t>
+            </a:r>
+            <a:endParaRPr lang="en-US" sz="1400" dirty="0">
+              <a:solidFill>
+                <a:schemeClr val="bg1"/>
+              </a:solidFill>
+            </a:endParaRPr>
+          </a:p>
+        </p:txBody>
+      </p:sp>
     </p:spTree>
     <p:extLst>
       <p:ext uri="{BB962C8B-B14F-4D97-AF65-F5344CB8AC3E}">
-        <p14:creationId xmlns:p14="http://schemas.microsoft.com/office/powerpoint/2010/main" val="994119531"/>
+        <p14:creationId xmlns:p14="http://schemas.microsoft.com/office/powerpoint/2010/main" val="3277567736"/>
       </p:ext>
     </p:extLst>
   </p:cSld>
@@ -3259,6 +4146,2307 @@
           <a:p>
             <a:r>
               <a:rPr lang="nl-BE" dirty="0" smtClean="0"/>
+              <a:t>import</a:t>
+            </a:r>
+            <a:r>
+              <a:rPr lang="en-BE" dirty="0" smtClean="0"/>
+              <a:t>ing new data</a:t>
+            </a:r>
+            <a:endParaRPr lang="en-US" dirty="0"/>
+          </a:p>
+        </p:txBody>
+      </p:sp>
+      <p:sp>
+        <p:nvSpPr>
+          <p:cNvPr id="5" name="Subtitle 4"/>
+          <p:cNvSpPr>
+            <a:spLocks noGrp="1"/>
+          </p:cNvSpPr>
+          <p:nvPr>
+            <p:ph type="subTitle" idx="1"/>
+          </p:nvPr>
+        </p:nvSpPr>
+        <p:spPr/>
+        <p:txBody>
+          <a:bodyPr/>
+          <a:lstStyle/>
+          <a:p>
+            <a:endParaRPr lang="en-US"/>
+          </a:p>
+        </p:txBody>
+      </p:sp>
+    </p:spTree>
+    <p:extLst>
+      <p:ext uri="{BB962C8B-B14F-4D97-AF65-F5344CB8AC3E}">
+        <p14:creationId xmlns:p14="http://schemas.microsoft.com/office/powerpoint/2010/main" val="1322926125"/>
+      </p:ext>
+    </p:extLst>
+  </p:cSld>
+  <p:clrMapOvr>
+    <a:overrideClrMapping bg1="lt1" tx1="dk1" bg2="lt2" tx2="dk2" accent1="accent1" accent2="accent2" accent3="accent3" accent4="accent4" accent5="accent5" accent6="accent6" hlink="hlink" folHlink="folHlink"/>
+  </p:clrMapOvr>
+  <p:timing>
+    <p:tnLst>
+      <p:par>
+        <p:cTn id="1" dur="indefinite" restart="never" nodeType="tmRoot"/>
+      </p:par>
+    </p:tnLst>
+  </p:timing>
+</p:sld>
+</file>
+
+<file path=ppt/slides/slide12.xml><?xml version="1.0" encoding="utf-8"?>
+<p:sld xmlns:a="http://schemas.openxmlformats.org/drawingml/2006/main" xmlns:r="http://schemas.openxmlformats.org/officeDocument/2006/relationships" xmlns:p="http://schemas.openxmlformats.org/presentationml/2006/main">
+  <p:cSld>
+    <p:spTree>
+      <p:nvGrpSpPr>
+        <p:cNvPr id="1" name=""/>
+        <p:cNvGrpSpPr/>
+        <p:nvPr/>
+      </p:nvGrpSpPr>
+      <p:grpSpPr>
+        <a:xfrm>
+          <a:off x="0" y="0"/>
+          <a:ext cx="0" cy="0"/>
+          <a:chOff x="0" y="0"/>
+          <a:chExt cx="0" cy="0"/>
+        </a:xfrm>
+      </p:grpSpPr>
+      <p:sp>
+        <p:nvSpPr>
+          <p:cNvPr id="2" name="Title 1"/>
+          <p:cNvSpPr>
+            <a:spLocks noGrp="1"/>
+          </p:cNvSpPr>
+          <p:nvPr>
+            <p:ph type="title"/>
+          </p:nvPr>
+        </p:nvSpPr>
+        <p:spPr>
+          <a:xfrm>
+            <a:off x="68525" y="-207198"/>
+            <a:ext cx="10515600" cy="1325563"/>
+          </a:xfrm>
+        </p:spPr>
+        <p:txBody>
+          <a:bodyPr/>
+          <a:lstStyle/>
+          <a:p>
+            <a:r>
+              <a:rPr lang="en-BE" dirty="0" smtClean="0"/>
+              <a:t>FX: import</a:t>
+            </a:r>
+            <a:endParaRPr lang="en-US" dirty="0"/>
+          </a:p>
+        </p:txBody>
+      </p:sp>
+      <p:sp>
+        <p:nvSpPr>
+          <p:cNvPr id="3" name="Content Placeholder 2"/>
+          <p:cNvSpPr>
+            <a:spLocks noGrp="1"/>
+          </p:cNvSpPr>
+          <p:nvPr>
+            <p:ph idx="1"/>
+          </p:nvPr>
+        </p:nvSpPr>
+        <p:spPr>
+          <a:xfrm>
+            <a:off x="203931" y="1052547"/>
+            <a:ext cx="11742475" cy="5499556"/>
+          </a:xfrm>
+        </p:spPr>
+        <p:txBody>
+          <a:bodyPr>
+            <a:normAutofit/>
+          </a:bodyPr>
+          <a:lstStyle/>
+          <a:p>
+            <a:r>
+              <a:rPr lang="en-BE" sz="1600" dirty="0" smtClean="0"/>
+              <a:t>manual update in the webapp</a:t>
+            </a:r>
+          </a:p>
+          <a:p>
+            <a:pPr lvl="1"/>
+            <a:r>
+              <a:rPr lang="en-BE" sz="1600" dirty="0" smtClean="0"/>
+              <a:t>uses </a:t>
+            </a:r>
+            <a:r>
+              <a:rPr lang="nl-BE" sz="1600" dirty="0" err="1" smtClean="0"/>
+              <a:t>oanda</a:t>
+            </a:r>
+            <a:r>
+              <a:rPr lang="en-BE" sz="1600" dirty="0"/>
+              <a:t> </a:t>
+            </a:r>
+            <a:r>
+              <a:rPr lang="en-BE" sz="1600" dirty="0" smtClean="0"/>
+              <a:t>API through the wrapper in the quantmod package</a:t>
+            </a:r>
+          </a:p>
+          <a:p>
+            <a:pPr lvl="1"/>
+            <a:r>
+              <a:rPr lang="en-BE" sz="1600" dirty="0" smtClean="0"/>
+              <a:t>only 6 months history</a:t>
+            </a:r>
+          </a:p>
+          <a:p>
+            <a:pPr marL="457200" lvl="1" indent="0">
+              <a:buNone/>
+            </a:pPr>
+            <a:endParaRPr lang="en-BE" sz="1600" dirty="0" smtClean="0"/>
+          </a:p>
+          <a:p>
+            <a:r>
+              <a:rPr lang="en-BE" sz="1600" dirty="0" smtClean="0"/>
+              <a:t>manual data ingest via scripts: excelrates</a:t>
+            </a:r>
+          </a:p>
+          <a:p>
+            <a:pPr lvl="1"/>
+            <a:r>
+              <a:rPr lang="nl-BE" sz="1200" dirty="0"/>
+              <a:t>scripts\</a:t>
+            </a:r>
+            <a:r>
+              <a:rPr lang="nl-BE" sz="1200" dirty="0" err="1"/>
+              <a:t>forex_data_import</a:t>
+            </a:r>
+            <a:r>
+              <a:rPr lang="nl-BE" sz="1200" dirty="0"/>
+              <a:t>\</a:t>
+            </a:r>
+            <a:r>
+              <a:rPr lang="nl-BE" sz="1200" dirty="0" err="1"/>
+              <a:t>excelrates</a:t>
+            </a:r>
+            <a:endParaRPr lang="en-BE" sz="1200" dirty="0" smtClean="0"/>
+          </a:p>
+          <a:p>
+            <a:pPr lvl="1"/>
+            <a:r>
+              <a:rPr lang="en-BE" sz="1600" dirty="0" smtClean="0"/>
+              <a:t>website seems to be no longer working</a:t>
+            </a:r>
+          </a:p>
+          <a:p>
+            <a:pPr marL="457200" lvl="1" indent="0">
+              <a:buNone/>
+            </a:pPr>
+            <a:endParaRPr lang="en-BE" sz="1600" dirty="0" smtClean="0"/>
+          </a:p>
+          <a:p>
+            <a:r>
+              <a:rPr lang="en-BE" sz="1600" dirty="0" smtClean="0"/>
+              <a:t>manual </a:t>
+            </a:r>
+            <a:r>
+              <a:rPr lang="en-BE" sz="1600" dirty="0"/>
+              <a:t>data ingest via scripts: forexsb</a:t>
+            </a:r>
+            <a:endParaRPr lang="en-BE" sz="1600" dirty="0" smtClean="0"/>
+          </a:p>
+          <a:p>
+            <a:pPr lvl="1"/>
+            <a:r>
+              <a:rPr lang="nl-BE" sz="1600" dirty="0"/>
+              <a:t>scripts\</a:t>
+            </a:r>
+            <a:r>
+              <a:rPr lang="nl-BE" sz="1600" dirty="0" err="1"/>
+              <a:t>forex_data_import</a:t>
+            </a:r>
+            <a:r>
+              <a:rPr lang="nl-BE" sz="1600" dirty="0"/>
+              <a:t>\</a:t>
+            </a:r>
+            <a:r>
+              <a:rPr lang="nl-BE" sz="1600" dirty="0" err="1"/>
+              <a:t>forexsb</a:t>
+            </a:r>
+            <a:endParaRPr lang="en-BE" sz="1600" dirty="0" smtClean="0"/>
+          </a:p>
+          <a:p>
+            <a:pPr lvl="1"/>
+            <a:r>
+              <a:rPr lang="en-BE" sz="1600" dirty="0" smtClean="0"/>
+              <a:t>parser for </a:t>
+            </a:r>
+            <a:r>
+              <a:rPr lang="nl-BE" sz="1200" dirty="0" smtClean="0"/>
+              <a:t>https</a:t>
+            </a:r>
+            <a:r>
+              <a:rPr lang="nl-BE" sz="1200" dirty="0"/>
+              <a:t>://forexsb.com/historical-forex-data</a:t>
+            </a:r>
+            <a:endParaRPr lang="nl-BE" sz="1200" dirty="0"/>
+          </a:p>
+        </p:txBody>
+      </p:sp>
+      <p:pic>
+        <p:nvPicPr>
+          <p:cNvPr id="6" name="Picture 5"/>
+          <p:cNvPicPr>
+            <a:picLocks noChangeAspect="1"/>
+          </p:cNvPicPr>
+          <p:nvPr/>
+        </p:nvPicPr>
+        <p:blipFill>
+          <a:blip r:embed="rId2"/>
+          <a:stretch>
+            <a:fillRect/>
+          </a:stretch>
+        </p:blipFill>
+        <p:spPr>
+          <a:xfrm>
+            <a:off x="7283670" y="252999"/>
+            <a:ext cx="4233844" cy="2631393"/>
+          </a:xfrm>
+          <a:prstGeom prst="rect">
+            <a:avLst/>
+          </a:prstGeom>
+        </p:spPr>
+      </p:pic>
+    </p:spTree>
+    <p:extLst>
+      <p:ext uri="{BB962C8B-B14F-4D97-AF65-F5344CB8AC3E}">
+        <p14:creationId xmlns:p14="http://schemas.microsoft.com/office/powerpoint/2010/main" val="2846798314"/>
+      </p:ext>
+    </p:extLst>
+  </p:cSld>
+  <p:clrMapOvr>
+    <a:masterClrMapping/>
+  </p:clrMapOvr>
+  <p:timing>
+    <p:tnLst>
+      <p:par>
+        <p:cTn id="1" dur="indefinite" restart="never" nodeType="tmRoot"/>
+      </p:par>
+    </p:tnLst>
+  </p:timing>
+</p:sld>
+</file>
+
+<file path=ppt/slides/slide13.xml><?xml version="1.0" encoding="utf-8"?>
+<p:sld xmlns:a="http://schemas.openxmlformats.org/drawingml/2006/main" xmlns:r="http://schemas.openxmlformats.org/officeDocument/2006/relationships" xmlns:p="http://schemas.openxmlformats.org/presentationml/2006/main">
+  <p:cSld>
+    <p:spTree>
+      <p:nvGrpSpPr>
+        <p:cNvPr id="1" name=""/>
+        <p:cNvGrpSpPr/>
+        <p:nvPr/>
+      </p:nvGrpSpPr>
+      <p:grpSpPr>
+        <a:xfrm>
+          <a:off x="0" y="0"/>
+          <a:ext cx="0" cy="0"/>
+          <a:chOff x="0" y="0"/>
+          <a:chExt cx="0" cy="0"/>
+        </a:xfrm>
+      </p:grpSpPr>
+      <p:sp>
+        <p:nvSpPr>
+          <p:cNvPr id="2" name="Title 1"/>
+          <p:cNvSpPr>
+            <a:spLocks noGrp="1"/>
+          </p:cNvSpPr>
+          <p:nvPr>
+            <p:ph type="title"/>
+          </p:nvPr>
+        </p:nvSpPr>
+        <p:spPr>
+          <a:xfrm>
+            <a:off x="68525" y="-207198"/>
+            <a:ext cx="10515600" cy="1325563"/>
+          </a:xfrm>
+        </p:spPr>
+        <p:txBody>
+          <a:bodyPr/>
+          <a:lstStyle/>
+          <a:p>
+            <a:r>
+              <a:rPr lang="nl-BE" dirty="0" smtClean="0"/>
+              <a:t>BOLERO import xlsx</a:t>
+            </a:r>
+            <a:endParaRPr lang="en-US" dirty="0"/>
+          </a:p>
+        </p:txBody>
+      </p:sp>
+      <p:sp>
+        <p:nvSpPr>
+          <p:cNvPr id="3" name="Content Placeholder 2"/>
+          <p:cNvSpPr>
+            <a:spLocks noGrp="1"/>
+          </p:cNvSpPr>
+          <p:nvPr>
+            <p:ph idx="1"/>
+          </p:nvPr>
+        </p:nvSpPr>
+        <p:spPr>
+          <a:xfrm>
+            <a:off x="203932" y="1052547"/>
+            <a:ext cx="4837626" cy="5499556"/>
+          </a:xfrm>
+        </p:spPr>
+        <p:txBody>
+          <a:bodyPr>
+            <a:normAutofit/>
+          </a:bodyPr>
+          <a:lstStyle/>
+          <a:p>
+            <a:r>
+              <a:rPr lang="nl-BE" sz="2400" dirty="0"/>
+              <a:t>log in op bolero</a:t>
+            </a:r>
+          </a:p>
+          <a:p>
+            <a:r>
+              <a:rPr lang="nl-BE" sz="2400" dirty="0"/>
+              <a:t>gaar naar portefeuille</a:t>
+            </a:r>
+          </a:p>
+          <a:p>
+            <a:r>
+              <a:rPr lang="nl-BE" sz="2400" dirty="0"/>
+              <a:t>dan naar historiek</a:t>
+            </a:r>
+          </a:p>
+          <a:p>
+            <a:r>
+              <a:rPr lang="nl-BE" sz="2400" dirty="0"/>
+              <a:t>selecteer data en plak het in </a:t>
+            </a:r>
+            <a:r>
+              <a:rPr lang="nl-BE" sz="2400" dirty="0" smtClean="0"/>
+              <a:t>excel (via notepad tussenstap wordt html formatting verwijderd)</a:t>
+            </a:r>
+            <a:endParaRPr lang="nl-BE" sz="2400" dirty="0"/>
+          </a:p>
+          <a:p>
+            <a:endParaRPr lang="nl-BE" sz="2400" dirty="0" smtClean="0"/>
+          </a:p>
+          <a:p>
+            <a:r>
+              <a:rPr lang="nl-BE" sz="2400" dirty="0"/>
+              <a:t>voeg een </a:t>
+            </a:r>
+            <a:r>
+              <a:rPr lang="nl-BE" sz="2400" i="1" dirty="0"/>
+              <a:t>symbol</a:t>
+            </a:r>
+            <a:r>
+              <a:rPr lang="nl-BE" sz="2400" dirty="0"/>
+              <a:t> kolom toe</a:t>
+            </a:r>
+          </a:p>
+          <a:p>
+            <a:r>
+              <a:rPr lang="nl-BE" sz="2400" dirty="0"/>
+              <a:t>vul het </a:t>
+            </a:r>
+            <a:r>
+              <a:rPr lang="nl-BE" sz="2400" dirty="0" smtClean="0"/>
+              <a:t>RIC als symbol in (minstens </a:t>
+            </a:r>
+            <a:r>
+              <a:rPr lang="nl-BE" sz="2400" dirty="0"/>
+              <a:t>1x per nieuwe </a:t>
+            </a:r>
+            <a:r>
+              <a:rPr lang="nl-BE" sz="2400" dirty="0" smtClean="0"/>
+              <a:t>stock)</a:t>
+            </a:r>
+            <a:endParaRPr lang="nl-BE" sz="2400" dirty="0"/>
+          </a:p>
+          <a:p>
+            <a:r>
+              <a:rPr lang="nl-BE" sz="2400" dirty="0"/>
+              <a:t>als er geen ‘nieuwe’ stocks zijn gekocht dan hoef je geen symbol in te vullen</a:t>
+            </a:r>
+            <a:endParaRPr lang="en-US" sz="2400" dirty="0"/>
+          </a:p>
+          <a:p>
+            <a:endParaRPr lang="en-US" sz="2400" dirty="0"/>
+          </a:p>
+          <a:p>
+            <a:endParaRPr lang="nl-BE" sz="2200" dirty="0" smtClean="0"/>
+          </a:p>
+        </p:txBody>
+      </p:sp>
+      <p:pic>
+        <p:nvPicPr>
+          <p:cNvPr id="4" name="Content Placeholder 5"/>
+          <p:cNvPicPr>
+            <a:picLocks noChangeAspect="1"/>
+          </p:cNvPicPr>
+          <p:nvPr/>
+        </p:nvPicPr>
+        <p:blipFill>
+          <a:blip r:embed="rId2"/>
+          <a:stretch>
+            <a:fillRect/>
+          </a:stretch>
+        </p:blipFill>
+        <p:spPr>
+          <a:xfrm>
+            <a:off x="5235555" y="213069"/>
+            <a:ext cx="6650373" cy="2956440"/>
+          </a:xfrm>
+          <a:prstGeom prst="rect">
+            <a:avLst/>
+          </a:prstGeom>
+        </p:spPr>
+      </p:pic>
+      <p:pic>
+        <p:nvPicPr>
+          <p:cNvPr id="5" name="Picture 4"/>
+          <p:cNvPicPr>
+            <a:picLocks noChangeAspect="1"/>
+          </p:cNvPicPr>
+          <p:nvPr/>
+        </p:nvPicPr>
+        <p:blipFill>
+          <a:blip r:embed="rId3"/>
+          <a:stretch>
+            <a:fillRect/>
+          </a:stretch>
+        </p:blipFill>
+        <p:spPr>
+          <a:xfrm>
+            <a:off x="5283034" y="4063365"/>
+            <a:ext cx="6555414" cy="1720215"/>
+          </a:xfrm>
+          <a:prstGeom prst="rect">
+            <a:avLst/>
+          </a:prstGeom>
+        </p:spPr>
+      </p:pic>
+    </p:spTree>
+    <p:extLst>
+      <p:ext uri="{BB962C8B-B14F-4D97-AF65-F5344CB8AC3E}">
+        <p14:creationId xmlns:p14="http://schemas.microsoft.com/office/powerpoint/2010/main" val="8355119"/>
+      </p:ext>
+    </p:extLst>
+  </p:cSld>
+  <p:clrMapOvr>
+    <a:masterClrMapping/>
+  </p:clrMapOvr>
+  <p:timing>
+    <p:tnLst>
+      <p:par>
+        <p:cTn id="1" dur="indefinite" restart="never" nodeType="tmRoot"/>
+      </p:par>
+    </p:tnLst>
+  </p:timing>
+</p:sld>
+</file>
+
+<file path=ppt/slides/slide14.xml><?xml version="1.0" encoding="utf-8"?>
+<p:sld xmlns:a="http://schemas.openxmlformats.org/drawingml/2006/main" xmlns:r="http://schemas.openxmlformats.org/officeDocument/2006/relationships" xmlns:p="http://schemas.openxmlformats.org/presentationml/2006/main">
+  <p:cSld>
+    <p:spTree>
+      <p:nvGrpSpPr>
+        <p:cNvPr id="1" name=""/>
+        <p:cNvGrpSpPr/>
+        <p:nvPr/>
+      </p:nvGrpSpPr>
+      <p:grpSpPr>
+        <a:xfrm>
+          <a:off x="0" y="0"/>
+          <a:ext cx="0" cy="0"/>
+          <a:chOff x="0" y="0"/>
+          <a:chExt cx="0" cy="0"/>
+        </a:xfrm>
+      </p:grpSpPr>
+      <p:sp>
+        <p:nvSpPr>
+          <p:cNvPr id="2" name="Title 1"/>
+          <p:cNvSpPr>
+            <a:spLocks noGrp="1"/>
+          </p:cNvSpPr>
+          <p:nvPr>
+            <p:ph type="title"/>
+          </p:nvPr>
+        </p:nvSpPr>
+        <p:spPr>
+          <a:xfrm>
+            <a:off x="68525" y="-207198"/>
+            <a:ext cx="10515600" cy="1325563"/>
+          </a:xfrm>
+        </p:spPr>
+        <p:txBody>
+          <a:bodyPr/>
+          <a:lstStyle/>
+          <a:p>
+            <a:r>
+              <a:rPr lang="nl-BE"/>
+              <a:t>SAXO import xlsx</a:t>
+            </a:r>
+            <a:endParaRPr lang="en-US" dirty="0"/>
+          </a:p>
+        </p:txBody>
+      </p:sp>
+      <p:sp>
+        <p:nvSpPr>
+          <p:cNvPr id="3" name="Content Placeholder 2"/>
+          <p:cNvSpPr>
+            <a:spLocks noGrp="1"/>
+          </p:cNvSpPr>
+          <p:nvPr>
+            <p:ph idx="1"/>
+          </p:nvPr>
+        </p:nvSpPr>
+        <p:spPr>
+          <a:xfrm>
+            <a:off x="203932" y="1052547"/>
+            <a:ext cx="4837626" cy="5499556"/>
+          </a:xfrm>
+        </p:spPr>
+        <p:txBody>
+          <a:bodyPr>
+            <a:normAutofit/>
+          </a:bodyPr>
+          <a:lstStyle/>
+          <a:p>
+            <a:r>
+              <a:rPr lang="nl-BE" sz="2400" dirty="0"/>
+              <a:t>log in </a:t>
+            </a:r>
+            <a:r>
+              <a:rPr lang="nl-BE" sz="2400"/>
+              <a:t>op </a:t>
+            </a:r>
+            <a:r>
+              <a:rPr lang="nl-BE" sz="2400" smtClean="0"/>
+              <a:t>Saxo Investor</a:t>
+            </a:r>
+            <a:endParaRPr lang="nl-BE" sz="2400" dirty="0"/>
+          </a:p>
+          <a:p>
+            <a:r>
+              <a:rPr lang="nl-BE" sz="2400" dirty="0"/>
+              <a:t>gaar naar </a:t>
+            </a:r>
+            <a:r>
+              <a:rPr lang="nl-BE" sz="2400" dirty="0" smtClean="0"/>
+              <a:t>transacties</a:t>
+            </a:r>
+            <a:endParaRPr lang="nl-BE" sz="2400" dirty="0"/>
+          </a:p>
+          <a:p>
+            <a:r>
+              <a:rPr lang="nl-BE" sz="2400" dirty="0" smtClean="0"/>
+              <a:t>plaats aangepaste periode</a:t>
+            </a:r>
+            <a:endParaRPr lang="nl-BE" sz="2400" dirty="0"/>
+          </a:p>
+          <a:p>
+            <a:r>
+              <a:rPr lang="nl-BE" sz="2400" dirty="0" smtClean="0"/>
+              <a:t>exporteer als excel</a:t>
+            </a:r>
+            <a:endParaRPr lang="nl-BE" sz="2400" dirty="0"/>
+          </a:p>
+          <a:p>
+            <a:endParaRPr lang="nl-BE" sz="2400" dirty="0" smtClean="0"/>
+          </a:p>
+          <a:p>
+            <a:r>
+              <a:rPr lang="nl-BE" sz="2400" dirty="0"/>
+              <a:t>voeg een </a:t>
+            </a:r>
+            <a:r>
+              <a:rPr lang="nl-BE" sz="2400" i="1" dirty="0"/>
+              <a:t>symbol</a:t>
+            </a:r>
+            <a:r>
+              <a:rPr lang="nl-BE" sz="2400" dirty="0"/>
+              <a:t> kolom toe</a:t>
+            </a:r>
+          </a:p>
+          <a:p>
+            <a:r>
+              <a:rPr lang="nl-BE" sz="2400" dirty="0"/>
+              <a:t>vul het </a:t>
+            </a:r>
+            <a:r>
+              <a:rPr lang="nl-BE" sz="2400" dirty="0" smtClean="0"/>
+              <a:t>RIC als symbol in (minstens </a:t>
+            </a:r>
+            <a:r>
+              <a:rPr lang="nl-BE" sz="2400" dirty="0"/>
+              <a:t>1x per nieuwe </a:t>
+            </a:r>
+            <a:r>
+              <a:rPr lang="nl-BE" sz="2400" dirty="0" smtClean="0"/>
+              <a:t>stock)</a:t>
+            </a:r>
+            <a:endParaRPr lang="nl-BE" sz="2400" dirty="0"/>
+          </a:p>
+          <a:p>
+            <a:r>
+              <a:rPr lang="nl-BE" sz="2400" dirty="0"/>
+              <a:t>als er geen ‘nieuwe’ stocks zijn gekocht dan hoef je geen symbol in te vullen</a:t>
+            </a:r>
+            <a:endParaRPr lang="en-US" sz="2400" dirty="0"/>
+          </a:p>
+          <a:p>
+            <a:endParaRPr lang="en-US" sz="2400" dirty="0"/>
+          </a:p>
+          <a:p>
+            <a:endParaRPr lang="nl-BE" sz="2200" dirty="0" smtClean="0"/>
+          </a:p>
+        </p:txBody>
+      </p:sp>
+      <p:pic>
+        <p:nvPicPr>
+          <p:cNvPr id="6" name="Picture 5"/>
+          <p:cNvPicPr>
+            <a:picLocks noChangeAspect="1"/>
+          </p:cNvPicPr>
+          <p:nvPr/>
+        </p:nvPicPr>
+        <p:blipFill>
+          <a:blip r:embed="rId2"/>
+          <a:stretch>
+            <a:fillRect/>
+          </a:stretch>
+        </p:blipFill>
+        <p:spPr>
+          <a:xfrm>
+            <a:off x="7737781" y="21292"/>
+            <a:ext cx="2400629" cy="4461714"/>
+          </a:xfrm>
+          <a:prstGeom prst="rect">
+            <a:avLst/>
+          </a:prstGeom>
+        </p:spPr>
+      </p:pic>
+      <p:pic>
+        <p:nvPicPr>
+          <p:cNvPr id="7" name="Picture 6"/>
+          <p:cNvPicPr>
+            <a:picLocks noChangeAspect="1"/>
+          </p:cNvPicPr>
+          <p:nvPr/>
+        </p:nvPicPr>
+        <p:blipFill>
+          <a:blip r:embed="rId3"/>
+          <a:stretch>
+            <a:fillRect/>
+          </a:stretch>
+        </p:blipFill>
+        <p:spPr>
+          <a:xfrm>
+            <a:off x="546833" y="5742751"/>
+            <a:ext cx="11473718" cy="829842"/>
+          </a:xfrm>
+          <a:prstGeom prst="rect">
+            <a:avLst/>
+          </a:prstGeom>
+        </p:spPr>
+      </p:pic>
+    </p:spTree>
+    <p:extLst>
+      <p:ext uri="{BB962C8B-B14F-4D97-AF65-F5344CB8AC3E}">
+        <p14:creationId xmlns:p14="http://schemas.microsoft.com/office/powerpoint/2010/main" val="703887595"/>
+      </p:ext>
+    </p:extLst>
+  </p:cSld>
+  <p:clrMapOvr>
+    <a:masterClrMapping/>
+  </p:clrMapOvr>
+  <p:timing>
+    <p:tnLst>
+      <p:par>
+        <p:cTn id="1" dur="indefinite" restart="never" nodeType="tmRoot"/>
+      </p:par>
+    </p:tnLst>
+  </p:timing>
+</p:sld>
+</file>
+
+<file path=ppt/slides/slide15.xml><?xml version="1.0" encoding="utf-8"?>
+<p:sld xmlns:a="http://schemas.openxmlformats.org/drawingml/2006/main" xmlns:r="http://schemas.openxmlformats.org/officeDocument/2006/relationships" xmlns:p="http://schemas.openxmlformats.org/presentationml/2006/main">
+  <p:cSld>
+    <p:bg>
+      <p:bgPr>
+        <a:solidFill>
+          <a:schemeClr val="accent6">
+            <a:lumMod val="20000"/>
+            <a:lumOff val="80000"/>
+          </a:schemeClr>
+        </a:solidFill>
+        <a:effectLst/>
+      </p:bgPr>
+    </p:bg>
+    <p:spTree>
+      <p:nvGrpSpPr>
+        <p:cNvPr id="1" name=""/>
+        <p:cNvGrpSpPr/>
+        <p:nvPr/>
+      </p:nvGrpSpPr>
+      <p:grpSpPr>
+        <a:xfrm>
+          <a:off x="0" y="0"/>
+          <a:ext cx="0" cy="0"/>
+          <a:chOff x="0" y="0"/>
+          <a:chExt cx="0" cy="0"/>
+        </a:xfrm>
+      </p:grpSpPr>
+      <p:sp>
+        <p:nvSpPr>
+          <p:cNvPr id="4" name="Title 3"/>
+          <p:cNvSpPr>
+            <a:spLocks noGrp="1"/>
+          </p:cNvSpPr>
+          <p:nvPr>
+            <p:ph type="ctrTitle"/>
+          </p:nvPr>
+        </p:nvSpPr>
+        <p:spPr/>
+        <p:txBody>
+          <a:bodyPr/>
+          <a:lstStyle/>
+          <a:p>
+            <a:r>
+              <a:rPr lang="nl-BE" dirty="0" smtClean="0"/>
+              <a:t>reactivity</a:t>
+            </a:r>
+            <a:endParaRPr lang="en-US" dirty="0"/>
+          </a:p>
+        </p:txBody>
+      </p:sp>
+      <p:sp>
+        <p:nvSpPr>
+          <p:cNvPr id="5" name="Subtitle 4"/>
+          <p:cNvSpPr>
+            <a:spLocks noGrp="1"/>
+          </p:cNvSpPr>
+          <p:nvPr>
+            <p:ph type="subTitle" idx="1"/>
+          </p:nvPr>
+        </p:nvSpPr>
+        <p:spPr/>
+        <p:txBody>
+          <a:bodyPr/>
+          <a:lstStyle/>
+          <a:p>
+            <a:endParaRPr lang="en-US"/>
+          </a:p>
+        </p:txBody>
+      </p:sp>
+    </p:spTree>
+    <p:extLst>
+      <p:ext uri="{BB962C8B-B14F-4D97-AF65-F5344CB8AC3E}">
+        <p14:creationId xmlns:p14="http://schemas.microsoft.com/office/powerpoint/2010/main" val="1106892015"/>
+      </p:ext>
+    </p:extLst>
+  </p:cSld>
+  <p:clrMapOvr>
+    <a:masterClrMapping/>
+  </p:clrMapOvr>
+</p:sld>
+</file>
+
+<file path=ppt/slides/slide16.xml><?xml version="1.0" encoding="utf-8"?>
+<p:sld xmlns:a="http://schemas.openxmlformats.org/drawingml/2006/main" xmlns:r="http://schemas.openxmlformats.org/officeDocument/2006/relationships" xmlns:p="http://schemas.openxmlformats.org/presentationml/2006/main">
+  <p:cSld>
+    <p:spTree>
+      <p:nvGrpSpPr>
+        <p:cNvPr id="1" name=""/>
+        <p:cNvGrpSpPr/>
+        <p:nvPr/>
+      </p:nvGrpSpPr>
+      <p:grpSpPr>
+        <a:xfrm>
+          <a:off x="0" y="0"/>
+          <a:ext cx="0" cy="0"/>
+          <a:chOff x="0" y="0"/>
+          <a:chExt cx="0" cy="0"/>
+        </a:xfrm>
+      </p:grpSpPr>
+      <p:sp>
+        <p:nvSpPr>
+          <p:cNvPr id="2" name="Title 1"/>
+          <p:cNvSpPr>
+            <a:spLocks noGrp="1"/>
+          </p:cNvSpPr>
+          <p:nvPr>
+            <p:ph type="title"/>
+          </p:nvPr>
+        </p:nvSpPr>
+        <p:spPr/>
+        <p:txBody>
+          <a:bodyPr/>
+          <a:lstStyle/>
+          <a:p>
+            <a:r>
+              <a:rPr lang="nl-BE" dirty="0" smtClean="0"/>
+              <a:t>reactives</a:t>
+            </a:r>
+            <a:endParaRPr lang="en-US" dirty="0"/>
+          </a:p>
+        </p:txBody>
+      </p:sp>
+      <p:sp>
+        <p:nvSpPr>
+          <p:cNvPr id="4" name="Flowchart: Magnetic Disk 3"/>
+          <p:cNvSpPr/>
+          <p:nvPr/>
+        </p:nvSpPr>
+        <p:spPr>
+          <a:xfrm>
+            <a:off x="988539" y="1890584"/>
+            <a:ext cx="840259" cy="729048"/>
+          </a:xfrm>
+          <a:prstGeom prst="flowChartMagneticDisk">
+            <a:avLst/>
+          </a:prstGeom>
+        </p:spPr>
+        <p:style>
+          <a:lnRef idx="2">
+            <a:schemeClr val="accent5">
+              <a:shade val="50000"/>
+            </a:schemeClr>
+          </a:lnRef>
+          <a:fillRef idx="1">
+            <a:schemeClr val="accent5"/>
+          </a:fillRef>
+          <a:effectRef idx="0">
+            <a:schemeClr val="accent5"/>
+          </a:effectRef>
+          <a:fontRef idx="minor">
+            <a:schemeClr val="lt1"/>
+          </a:fontRef>
+        </p:style>
+        <p:txBody>
+          <a:bodyPr rtlCol="0" anchor="ctr"/>
+          <a:lstStyle/>
+          <a:p>
+            <a:pPr algn="ctr"/>
+            <a:r>
+              <a:rPr lang="nl-BE" sz="900" dirty="0" smtClean="0"/>
+              <a:t>transactions</a:t>
+            </a:r>
+            <a:endParaRPr lang="en-US" sz="900" dirty="0"/>
+          </a:p>
+        </p:txBody>
+      </p:sp>
+      <p:sp>
+        <p:nvSpPr>
+          <p:cNvPr id="5" name="Flowchart: Magnetic Disk 4"/>
+          <p:cNvSpPr/>
+          <p:nvPr/>
+        </p:nvSpPr>
+        <p:spPr>
+          <a:xfrm>
+            <a:off x="988540" y="3095369"/>
+            <a:ext cx="840259" cy="729048"/>
+          </a:xfrm>
+          <a:prstGeom prst="flowChartMagneticDisk">
+            <a:avLst/>
+          </a:prstGeom>
+        </p:spPr>
+        <p:style>
+          <a:lnRef idx="2">
+            <a:schemeClr val="accent5">
+              <a:shade val="50000"/>
+            </a:schemeClr>
+          </a:lnRef>
+          <a:fillRef idx="1">
+            <a:schemeClr val="accent5"/>
+          </a:fillRef>
+          <a:effectRef idx="0">
+            <a:schemeClr val="accent5"/>
+          </a:effectRef>
+          <a:fontRef idx="minor">
+            <a:schemeClr val="lt1"/>
+          </a:fontRef>
+        </p:style>
+        <p:txBody>
+          <a:bodyPr rtlCol="0" anchor="ctr"/>
+          <a:lstStyle/>
+          <a:p>
+            <a:pPr algn="ctr"/>
+            <a:r>
+              <a:rPr lang="nl-BE" sz="900" dirty="0" smtClean="0"/>
+              <a:t>stock_ohlc</a:t>
+            </a:r>
+            <a:endParaRPr lang="en-US" sz="900" dirty="0"/>
+          </a:p>
+        </p:txBody>
+      </p:sp>
+      <p:sp>
+        <p:nvSpPr>
+          <p:cNvPr id="6" name="Flowchart: Magnetic Disk 5"/>
+          <p:cNvSpPr/>
+          <p:nvPr/>
+        </p:nvSpPr>
+        <p:spPr>
+          <a:xfrm>
+            <a:off x="988539" y="4436077"/>
+            <a:ext cx="840259" cy="729048"/>
+          </a:xfrm>
+          <a:prstGeom prst="flowChartMagneticDisk">
+            <a:avLst/>
+          </a:prstGeom>
+        </p:spPr>
+        <p:style>
+          <a:lnRef idx="2">
+            <a:schemeClr val="accent5">
+              <a:shade val="50000"/>
+            </a:schemeClr>
+          </a:lnRef>
+          <a:fillRef idx="1">
+            <a:schemeClr val="accent5"/>
+          </a:fillRef>
+          <a:effectRef idx="0">
+            <a:schemeClr val="accent5"/>
+          </a:effectRef>
+          <a:fontRef idx="minor">
+            <a:schemeClr val="lt1"/>
+          </a:fontRef>
+        </p:style>
+        <p:txBody>
+          <a:bodyPr rtlCol="0" anchor="ctr"/>
+          <a:lstStyle/>
+          <a:p>
+            <a:pPr algn="ctr"/>
+            <a:r>
+              <a:rPr lang="nl-BE" sz="900" dirty="0" smtClean="0"/>
+              <a:t>fx_rates</a:t>
+            </a:r>
+            <a:endParaRPr lang="en-US" sz="900" dirty="0"/>
+          </a:p>
+        </p:txBody>
+      </p:sp>
+      <p:sp>
+        <p:nvSpPr>
+          <p:cNvPr id="7" name="Chevron 6"/>
+          <p:cNvSpPr/>
+          <p:nvPr/>
+        </p:nvSpPr>
+        <p:spPr>
+          <a:xfrm>
+            <a:off x="2940910" y="1927654"/>
+            <a:ext cx="1402492" cy="654909"/>
+          </a:xfrm>
+          <a:prstGeom prst="chevron">
+            <a:avLst/>
+          </a:prstGeom>
+        </p:spPr>
+        <p:style>
+          <a:lnRef idx="2">
+            <a:schemeClr val="accent1">
+              <a:shade val="50000"/>
+            </a:schemeClr>
+          </a:lnRef>
+          <a:fillRef idx="1">
+            <a:schemeClr val="accent1"/>
+          </a:fillRef>
+          <a:effectRef idx="0">
+            <a:schemeClr val="accent1"/>
+          </a:effectRef>
+          <a:fontRef idx="minor">
+            <a:schemeClr val="lt1"/>
+          </a:fontRef>
+        </p:style>
+        <p:txBody>
+          <a:bodyPr rtlCol="0" anchor="ctr"/>
+          <a:lstStyle/>
+          <a:p>
+            <a:pPr algn="ctr"/>
+            <a:r>
+              <a:rPr lang="nl-BE" sz="900" dirty="0"/>
+              <a:t>tr()</a:t>
+            </a:r>
+            <a:endParaRPr lang="en-US" sz="900" dirty="0"/>
+          </a:p>
+        </p:txBody>
+      </p:sp>
+      <p:sp>
+        <p:nvSpPr>
+          <p:cNvPr id="8" name="Chevron 7"/>
+          <p:cNvSpPr/>
+          <p:nvPr/>
+        </p:nvSpPr>
+        <p:spPr>
+          <a:xfrm>
+            <a:off x="2940910" y="3132438"/>
+            <a:ext cx="1402492" cy="654909"/>
+          </a:xfrm>
+          <a:prstGeom prst="chevron">
+            <a:avLst/>
+          </a:prstGeom>
+        </p:spPr>
+        <p:style>
+          <a:lnRef idx="2">
+            <a:schemeClr val="accent1">
+              <a:shade val="50000"/>
+            </a:schemeClr>
+          </a:lnRef>
+          <a:fillRef idx="1">
+            <a:schemeClr val="accent1"/>
+          </a:fillRef>
+          <a:effectRef idx="0">
+            <a:schemeClr val="accent1"/>
+          </a:effectRef>
+          <a:fontRef idx="minor">
+            <a:schemeClr val="lt1"/>
+          </a:fontRef>
+        </p:style>
+        <p:txBody>
+          <a:bodyPr rtlCol="0" anchor="ctr"/>
+          <a:lstStyle/>
+          <a:p>
+            <a:pPr algn="ctr"/>
+            <a:r>
+              <a:rPr lang="nl-BE" sz="900" dirty="0" smtClean="0"/>
+              <a:t>ohlc()</a:t>
+            </a:r>
+            <a:endParaRPr lang="en-US" sz="900" dirty="0"/>
+          </a:p>
+        </p:txBody>
+      </p:sp>
+      <p:sp>
+        <p:nvSpPr>
+          <p:cNvPr id="9" name="Chevron 8"/>
+          <p:cNvSpPr/>
+          <p:nvPr/>
+        </p:nvSpPr>
+        <p:spPr>
+          <a:xfrm>
+            <a:off x="2940910" y="4473146"/>
+            <a:ext cx="1402492" cy="654909"/>
+          </a:xfrm>
+          <a:prstGeom prst="chevron">
+            <a:avLst/>
+          </a:prstGeom>
+        </p:spPr>
+        <p:style>
+          <a:lnRef idx="2">
+            <a:schemeClr val="accent1">
+              <a:shade val="50000"/>
+            </a:schemeClr>
+          </a:lnRef>
+          <a:fillRef idx="1">
+            <a:schemeClr val="accent1"/>
+          </a:fillRef>
+          <a:effectRef idx="0">
+            <a:schemeClr val="accent1"/>
+          </a:effectRef>
+          <a:fontRef idx="minor">
+            <a:schemeClr val="lt1"/>
+          </a:fontRef>
+        </p:style>
+        <p:txBody>
+          <a:bodyPr rtlCol="0" anchor="ctr"/>
+          <a:lstStyle/>
+          <a:p>
+            <a:pPr algn="ctr"/>
+            <a:r>
+              <a:rPr lang="nl-BE" sz="900" dirty="0" smtClean="0"/>
+              <a:t>fx()</a:t>
+            </a:r>
+            <a:endParaRPr lang="en-US" sz="900" dirty="0"/>
+          </a:p>
+        </p:txBody>
+      </p:sp>
+      <p:sp>
+        <p:nvSpPr>
+          <p:cNvPr id="10" name="Chevron 9"/>
+          <p:cNvSpPr/>
+          <p:nvPr/>
+        </p:nvSpPr>
+        <p:spPr>
+          <a:xfrm>
+            <a:off x="4744997" y="1927654"/>
+            <a:ext cx="1402492" cy="654909"/>
+          </a:xfrm>
+          <a:prstGeom prst="chevron">
+            <a:avLst/>
+          </a:prstGeom>
+        </p:spPr>
+        <p:style>
+          <a:lnRef idx="2">
+            <a:schemeClr val="accent1">
+              <a:shade val="50000"/>
+            </a:schemeClr>
+          </a:lnRef>
+          <a:fillRef idx="1">
+            <a:schemeClr val="accent1"/>
+          </a:fillRef>
+          <a:effectRef idx="0">
+            <a:schemeClr val="accent1"/>
+          </a:effectRef>
+          <a:fontRef idx="minor">
+            <a:schemeClr val="lt1"/>
+          </a:fontRef>
+        </p:style>
+        <p:txBody>
+          <a:bodyPr rtlCol="0" anchor="ctr"/>
+          <a:lstStyle/>
+          <a:p>
+            <a:pPr algn="ctr"/>
+            <a:r>
+              <a:rPr lang="nl-BE" sz="900" dirty="0" smtClean="0"/>
+              <a:t>tr_ext()</a:t>
+            </a:r>
+            <a:endParaRPr lang="en-US" sz="900" dirty="0"/>
+          </a:p>
+        </p:txBody>
+      </p:sp>
+      <p:sp>
+        <p:nvSpPr>
+          <p:cNvPr id="11" name="Chevron 10"/>
+          <p:cNvSpPr/>
+          <p:nvPr/>
+        </p:nvSpPr>
+        <p:spPr>
+          <a:xfrm>
+            <a:off x="6305038" y="774840"/>
+            <a:ext cx="1560040" cy="654909"/>
+          </a:xfrm>
+          <a:prstGeom prst="chevron">
+            <a:avLst/>
+          </a:prstGeom>
+        </p:spPr>
+        <p:style>
+          <a:lnRef idx="2">
+            <a:schemeClr val="accent1">
+              <a:shade val="50000"/>
+            </a:schemeClr>
+          </a:lnRef>
+          <a:fillRef idx="1">
+            <a:schemeClr val="accent1"/>
+          </a:fillRef>
+          <a:effectRef idx="0">
+            <a:schemeClr val="accent1"/>
+          </a:effectRef>
+          <a:fontRef idx="minor">
+            <a:schemeClr val="lt1"/>
+          </a:fontRef>
+        </p:style>
+        <p:txBody>
+          <a:bodyPr rtlCol="0" anchor="ctr"/>
+          <a:lstStyle/>
+          <a:p>
+            <a:pPr algn="ctr"/>
+            <a:r>
+              <a:rPr lang="nl-BE" sz="900" dirty="0"/>
+              <a:t>cash_b_evol()</a:t>
+            </a:r>
+            <a:endParaRPr lang="en-US" sz="900" dirty="0"/>
+          </a:p>
+        </p:txBody>
+      </p:sp>
+      <p:sp>
+        <p:nvSpPr>
+          <p:cNvPr id="12" name="Chevron 11"/>
+          <p:cNvSpPr/>
+          <p:nvPr/>
+        </p:nvSpPr>
+        <p:spPr>
+          <a:xfrm>
+            <a:off x="6462585" y="2686500"/>
+            <a:ext cx="1520829" cy="654909"/>
+          </a:xfrm>
+          <a:prstGeom prst="chevron">
+            <a:avLst/>
+          </a:prstGeom>
+        </p:spPr>
+        <p:style>
+          <a:lnRef idx="2">
+            <a:schemeClr val="accent1">
+              <a:shade val="50000"/>
+            </a:schemeClr>
+          </a:lnRef>
+          <a:fillRef idx="1">
+            <a:schemeClr val="accent1"/>
+          </a:fillRef>
+          <a:effectRef idx="0">
+            <a:schemeClr val="accent1"/>
+          </a:effectRef>
+          <a:fontRef idx="minor">
+            <a:schemeClr val="lt1"/>
+          </a:fontRef>
+        </p:style>
+        <p:txBody>
+          <a:bodyPr rtlCol="0" anchor="ctr"/>
+          <a:lstStyle/>
+          <a:p>
+            <a:pPr algn="ctr"/>
+            <a:r>
+              <a:rPr lang="nl-BE" sz="900" dirty="0"/>
+              <a:t>pos_sb_evol()</a:t>
+            </a:r>
+            <a:endParaRPr lang="en-US" sz="900" dirty="0"/>
+          </a:p>
+        </p:txBody>
+      </p:sp>
+      <p:sp>
+        <p:nvSpPr>
+          <p:cNvPr id="13" name="Chevron 12"/>
+          <p:cNvSpPr/>
+          <p:nvPr/>
+        </p:nvSpPr>
+        <p:spPr>
+          <a:xfrm>
+            <a:off x="8841262" y="2686499"/>
+            <a:ext cx="1402492" cy="654909"/>
+          </a:xfrm>
+          <a:prstGeom prst="chevron">
+            <a:avLst/>
+          </a:prstGeom>
+        </p:spPr>
+        <p:style>
+          <a:lnRef idx="2">
+            <a:schemeClr val="accent1">
+              <a:shade val="50000"/>
+            </a:schemeClr>
+          </a:lnRef>
+          <a:fillRef idx="1">
+            <a:schemeClr val="accent1"/>
+          </a:fillRef>
+          <a:effectRef idx="0">
+            <a:schemeClr val="accent1"/>
+          </a:effectRef>
+          <a:fontRef idx="minor">
+            <a:schemeClr val="lt1"/>
+          </a:fontRef>
+        </p:style>
+        <p:txBody>
+          <a:bodyPr rtlCol="0" anchor="ctr"/>
+          <a:lstStyle/>
+          <a:p>
+            <a:pPr algn="ctr"/>
+            <a:r>
+              <a:rPr lang="nl-BE" sz="900" dirty="0"/>
+              <a:t>pos_sb()</a:t>
+            </a:r>
+            <a:endParaRPr lang="en-US" sz="900" dirty="0"/>
+          </a:p>
+        </p:txBody>
+      </p:sp>
+      <p:cxnSp>
+        <p:nvCxnSpPr>
+          <p:cNvPr id="15" name="Straight Arrow Connector 14"/>
+          <p:cNvCxnSpPr>
+            <a:stCxn id="4" idx="4"/>
+            <a:endCxn id="7" idx="1"/>
+          </p:cNvCxnSpPr>
+          <p:nvPr/>
+        </p:nvCxnSpPr>
+        <p:spPr>
+          <a:xfrm>
+            <a:off x="1828798" y="2255108"/>
+            <a:ext cx="1439567" cy="1"/>
+          </a:xfrm>
+          <a:prstGeom prst="straightConnector1">
+            <a:avLst/>
+          </a:prstGeom>
+          <a:ln>
+            <a:tailEnd type="triangle"/>
+          </a:ln>
+        </p:spPr>
+        <p:style>
+          <a:lnRef idx="1">
+            <a:schemeClr val="dk1"/>
+          </a:lnRef>
+          <a:fillRef idx="0">
+            <a:schemeClr val="dk1"/>
+          </a:fillRef>
+          <a:effectRef idx="0">
+            <a:schemeClr val="dk1"/>
+          </a:effectRef>
+          <a:fontRef idx="minor">
+            <a:schemeClr val="tx1"/>
+          </a:fontRef>
+        </p:style>
+      </p:cxnSp>
+      <p:sp>
+        <p:nvSpPr>
+          <p:cNvPr id="17" name="TextBox 16"/>
+          <p:cNvSpPr txBox="1"/>
+          <p:nvPr/>
+        </p:nvSpPr>
+        <p:spPr>
+          <a:xfrm>
+            <a:off x="1831893" y="2021673"/>
+            <a:ext cx="704332" cy="230832"/>
+          </a:xfrm>
+          <a:prstGeom prst="rect">
+            <a:avLst/>
+          </a:prstGeom>
+          <a:noFill/>
+        </p:spPr>
+        <p:txBody>
+          <a:bodyPr wrap="square" rtlCol="0">
+            <a:spAutoFit/>
+          </a:bodyPr>
+          <a:lstStyle/>
+          <a:p>
+            <a:r>
+              <a:rPr lang="nl-BE" sz="900" dirty="0" smtClean="0"/>
+              <a:t>polling</a:t>
+            </a:r>
+            <a:endParaRPr lang="en-US" sz="900" dirty="0"/>
+          </a:p>
+        </p:txBody>
+      </p:sp>
+      <p:sp>
+        <p:nvSpPr>
+          <p:cNvPr id="18" name="Flowchart: Magnetic Disk 17"/>
+          <p:cNvSpPr/>
+          <p:nvPr/>
+        </p:nvSpPr>
+        <p:spPr>
+          <a:xfrm>
+            <a:off x="988539" y="5776785"/>
+            <a:ext cx="840259" cy="729048"/>
+          </a:xfrm>
+          <a:prstGeom prst="flowChartMagneticDisk">
+            <a:avLst/>
+          </a:prstGeom>
+        </p:spPr>
+        <p:style>
+          <a:lnRef idx="2">
+            <a:schemeClr val="accent5">
+              <a:shade val="50000"/>
+            </a:schemeClr>
+          </a:lnRef>
+          <a:fillRef idx="1">
+            <a:schemeClr val="accent5"/>
+          </a:fillRef>
+          <a:effectRef idx="0">
+            <a:schemeClr val="accent5"/>
+          </a:effectRef>
+          <a:fontRef idx="minor">
+            <a:schemeClr val="lt1"/>
+          </a:fontRef>
+        </p:style>
+        <p:txBody>
+          <a:bodyPr rtlCol="0" anchor="ctr"/>
+          <a:lstStyle/>
+          <a:p>
+            <a:pPr algn="ctr"/>
+            <a:r>
+              <a:rPr lang="nl-BE" sz="900" dirty="0" smtClean="0"/>
+              <a:t>stock_profiles</a:t>
+            </a:r>
+            <a:endParaRPr lang="en-US" sz="900" dirty="0"/>
+          </a:p>
+        </p:txBody>
+      </p:sp>
+      <p:sp>
+        <p:nvSpPr>
+          <p:cNvPr id="19" name="Chevron 18"/>
+          <p:cNvSpPr/>
+          <p:nvPr/>
+        </p:nvSpPr>
+        <p:spPr>
+          <a:xfrm>
+            <a:off x="2940910" y="5813854"/>
+            <a:ext cx="1402492" cy="654909"/>
+          </a:xfrm>
+          <a:prstGeom prst="chevron">
+            <a:avLst/>
+          </a:prstGeom>
+        </p:spPr>
+        <p:style>
+          <a:lnRef idx="2">
+            <a:schemeClr val="accent1">
+              <a:shade val="50000"/>
+            </a:schemeClr>
+          </a:lnRef>
+          <a:fillRef idx="1">
+            <a:schemeClr val="accent1"/>
+          </a:fillRef>
+          <a:effectRef idx="0">
+            <a:schemeClr val="accent1"/>
+          </a:effectRef>
+          <a:fontRef idx="minor">
+            <a:schemeClr val="lt1"/>
+          </a:fontRef>
+        </p:style>
+        <p:txBody>
+          <a:bodyPr rtlCol="0" anchor="ctr"/>
+          <a:lstStyle/>
+          <a:p>
+            <a:pPr algn="ctr"/>
+            <a:r>
+              <a:rPr lang="nl-BE" sz="900" dirty="0" smtClean="0"/>
+              <a:t>profiles()</a:t>
+            </a:r>
+            <a:endParaRPr lang="en-US" sz="900" dirty="0"/>
+          </a:p>
+        </p:txBody>
+      </p:sp>
+      <p:cxnSp>
+        <p:nvCxnSpPr>
+          <p:cNvPr id="21" name="Straight Arrow Connector 20"/>
+          <p:cNvCxnSpPr>
+            <a:stCxn id="5" idx="4"/>
+            <a:endCxn id="8" idx="1"/>
+          </p:cNvCxnSpPr>
+          <p:nvPr/>
+        </p:nvCxnSpPr>
+        <p:spPr>
+          <a:xfrm>
+            <a:off x="1828799" y="3459893"/>
+            <a:ext cx="1439566" cy="0"/>
+          </a:xfrm>
+          <a:prstGeom prst="straightConnector1">
+            <a:avLst/>
+          </a:prstGeom>
+          <a:ln>
+            <a:tailEnd type="triangle"/>
+          </a:ln>
+        </p:spPr>
+        <p:style>
+          <a:lnRef idx="1">
+            <a:schemeClr val="dk1"/>
+          </a:lnRef>
+          <a:fillRef idx="0">
+            <a:schemeClr val="dk1"/>
+          </a:fillRef>
+          <a:effectRef idx="0">
+            <a:schemeClr val="dk1"/>
+          </a:effectRef>
+          <a:fontRef idx="minor">
+            <a:schemeClr val="tx1"/>
+          </a:fontRef>
+        </p:style>
+      </p:cxnSp>
+      <p:cxnSp>
+        <p:nvCxnSpPr>
+          <p:cNvPr id="23" name="Straight Arrow Connector 22"/>
+          <p:cNvCxnSpPr>
+            <a:stCxn id="6" idx="4"/>
+            <a:endCxn id="9" idx="1"/>
+          </p:cNvCxnSpPr>
+          <p:nvPr/>
+        </p:nvCxnSpPr>
+        <p:spPr>
+          <a:xfrm>
+            <a:off x="1828798" y="4800601"/>
+            <a:ext cx="1439567" cy="0"/>
+          </a:xfrm>
+          <a:prstGeom prst="straightConnector1">
+            <a:avLst/>
+          </a:prstGeom>
+          <a:ln>
+            <a:tailEnd type="triangle"/>
+          </a:ln>
+        </p:spPr>
+        <p:style>
+          <a:lnRef idx="1">
+            <a:schemeClr val="dk1"/>
+          </a:lnRef>
+          <a:fillRef idx="0">
+            <a:schemeClr val="dk1"/>
+          </a:fillRef>
+          <a:effectRef idx="0">
+            <a:schemeClr val="dk1"/>
+          </a:effectRef>
+          <a:fontRef idx="minor">
+            <a:schemeClr val="tx1"/>
+          </a:fontRef>
+        </p:style>
+      </p:cxnSp>
+      <p:cxnSp>
+        <p:nvCxnSpPr>
+          <p:cNvPr id="25" name="Straight Arrow Connector 24"/>
+          <p:cNvCxnSpPr>
+            <a:stCxn id="18" idx="4"/>
+            <a:endCxn id="19" idx="1"/>
+          </p:cNvCxnSpPr>
+          <p:nvPr/>
+        </p:nvCxnSpPr>
+        <p:spPr>
+          <a:xfrm>
+            <a:off x="1828798" y="6141309"/>
+            <a:ext cx="1439567" cy="0"/>
+          </a:xfrm>
+          <a:prstGeom prst="straightConnector1">
+            <a:avLst/>
+          </a:prstGeom>
+          <a:ln>
+            <a:tailEnd type="triangle"/>
+          </a:ln>
+        </p:spPr>
+        <p:style>
+          <a:lnRef idx="1">
+            <a:schemeClr val="dk1"/>
+          </a:lnRef>
+          <a:fillRef idx="0">
+            <a:schemeClr val="dk1"/>
+          </a:fillRef>
+          <a:effectRef idx="0">
+            <a:schemeClr val="dk1"/>
+          </a:effectRef>
+          <a:fontRef idx="minor">
+            <a:schemeClr val="tx1"/>
+          </a:fontRef>
+        </p:style>
+      </p:cxnSp>
+      <p:sp>
+        <p:nvSpPr>
+          <p:cNvPr id="26" name="TextBox 25"/>
+          <p:cNvSpPr txBox="1"/>
+          <p:nvPr/>
+        </p:nvSpPr>
+        <p:spPr>
+          <a:xfrm>
+            <a:off x="1831893" y="3235282"/>
+            <a:ext cx="704332" cy="230832"/>
+          </a:xfrm>
+          <a:prstGeom prst="rect">
+            <a:avLst/>
+          </a:prstGeom>
+          <a:noFill/>
+        </p:spPr>
+        <p:txBody>
+          <a:bodyPr wrap="square" rtlCol="0">
+            <a:spAutoFit/>
+          </a:bodyPr>
+          <a:lstStyle/>
+          <a:p>
+            <a:r>
+              <a:rPr lang="nl-BE" sz="900" dirty="0" smtClean="0"/>
+              <a:t>polling</a:t>
+            </a:r>
+            <a:endParaRPr lang="en-US" sz="900" dirty="0"/>
+          </a:p>
+        </p:txBody>
+      </p:sp>
+      <p:sp>
+        <p:nvSpPr>
+          <p:cNvPr id="27" name="TextBox 26"/>
+          <p:cNvSpPr txBox="1"/>
+          <p:nvPr/>
+        </p:nvSpPr>
+        <p:spPr>
+          <a:xfrm>
+            <a:off x="1831893" y="4563176"/>
+            <a:ext cx="704332" cy="230832"/>
+          </a:xfrm>
+          <a:prstGeom prst="rect">
+            <a:avLst/>
+          </a:prstGeom>
+          <a:noFill/>
+        </p:spPr>
+        <p:txBody>
+          <a:bodyPr wrap="square" rtlCol="0">
+            <a:spAutoFit/>
+          </a:bodyPr>
+          <a:lstStyle/>
+          <a:p>
+            <a:r>
+              <a:rPr lang="nl-BE" sz="900" dirty="0" smtClean="0"/>
+              <a:t>polling</a:t>
+            </a:r>
+            <a:endParaRPr lang="en-US" sz="900" dirty="0"/>
+          </a:p>
+        </p:txBody>
+      </p:sp>
+      <p:sp>
+        <p:nvSpPr>
+          <p:cNvPr id="28" name="TextBox 27"/>
+          <p:cNvSpPr txBox="1"/>
+          <p:nvPr/>
+        </p:nvSpPr>
+        <p:spPr>
+          <a:xfrm>
+            <a:off x="1831893" y="5903884"/>
+            <a:ext cx="704332" cy="230832"/>
+          </a:xfrm>
+          <a:prstGeom prst="rect">
+            <a:avLst/>
+          </a:prstGeom>
+          <a:noFill/>
+        </p:spPr>
+        <p:txBody>
+          <a:bodyPr wrap="square" rtlCol="0">
+            <a:spAutoFit/>
+          </a:bodyPr>
+          <a:lstStyle/>
+          <a:p>
+            <a:r>
+              <a:rPr lang="nl-BE" sz="900" dirty="0" smtClean="0"/>
+              <a:t>polling</a:t>
+            </a:r>
+            <a:endParaRPr lang="en-US" sz="900" dirty="0"/>
+          </a:p>
+        </p:txBody>
+      </p:sp>
+      <p:sp>
+        <p:nvSpPr>
+          <p:cNvPr id="30" name="Chevron 29"/>
+          <p:cNvSpPr/>
+          <p:nvPr/>
+        </p:nvSpPr>
+        <p:spPr>
+          <a:xfrm>
+            <a:off x="4877829" y="3787347"/>
+            <a:ext cx="1402492" cy="654909"/>
+          </a:xfrm>
+          <a:prstGeom prst="chevron">
+            <a:avLst/>
+          </a:prstGeom>
+        </p:spPr>
+        <p:style>
+          <a:lnRef idx="2">
+            <a:schemeClr val="accent1">
+              <a:shade val="50000"/>
+            </a:schemeClr>
+          </a:lnRef>
+          <a:fillRef idx="1">
+            <a:schemeClr val="accent1"/>
+          </a:fillRef>
+          <a:effectRef idx="0">
+            <a:schemeClr val="accent1"/>
+          </a:effectRef>
+          <a:fontRef idx="minor">
+            <a:schemeClr val="lt1"/>
+          </a:fontRef>
+        </p:style>
+        <p:txBody>
+          <a:bodyPr rtlCol="0" anchor="ctr"/>
+          <a:lstStyle/>
+          <a:p>
+            <a:pPr algn="ctr"/>
+            <a:r>
+              <a:rPr lang="nl-BE" sz="900" dirty="0" smtClean="0"/>
+              <a:t>ohlc_euro()</a:t>
+            </a:r>
+            <a:endParaRPr lang="en-US" sz="900" dirty="0"/>
+          </a:p>
+        </p:txBody>
+      </p:sp>
+      <p:cxnSp>
+        <p:nvCxnSpPr>
+          <p:cNvPr id="32" name="Straight Arrow Connector 31"/>
+          <p:cNvCxnSpPr>
+            <a:stCxn id="8" idx="3"/>
+            <a:endCxn id="30" idx="1"/>
+          </p:cNvCxnSpPr>
+          <p:nvPr/>
+        </p:nvCxnSpPr>
+        <p:spPr>
+          <a:xfrm>
+            <a:off x="4343402" y="3459893"/>
+            <a:ext cx="861882" cy="654909"/>
+          </a:xfrm>
+          <a:prstGeom prst="straightConnector1">
+            <a:avLst/>
+          </a:prstGeom>
+          <a:ln>
+            <a:tailEnd type="triangle"/>
+          </a:ln>
+        </p:spPr>
+        <p:style>
+          <a:lnRef idx="1">
+            <a:schemeClr val="dk1"/>
+          </a:lnRef>
+          <a:fillRef idx="0">
+            <a:schemeClr val="dk1"/>
+          </a:fillRef>
+          <a:effectRef idx="0">
+            <a:schemeClr val="dk1"/>
+          </a:effectRef>
+          <a:fontRef idx="minor">
+            <a:schemeClr val="tx1"/>
+          </a:fontRef>
+        </p:style>
+      </p:cxnSp>
+      <p:cxnSp>
+        <p:nvCxnSpPr>
+          <p:cNvPr id="34" name="Straight Arrow Connector 33"/>
+          <p:cNvCxnSpPr>
+            <a:stCxn id="9" idx="3"/>
+            <a:endCxn id="30" idx="1"/>
+          </p:cNvCxnSpPr>
+          <p:nvPr/>
+        </p:nvCxnSpPr>
+        <p:spPr>
+          <a:xfrm flipV="1">
+            <a:off x="4343402" y="4114802"/>
+            <a:ext cx="861882" cy="685799"/>
+          </a:xfrm>
+          <a:prstGeom prst="straightConnector1">
+            <a:avLst/>
+          </a:prstGeom>
+          <a:ln>
+            <a:tailEnd type="triangle"/>
+          </a:ln>
+        </p:spPr>
+        <p:style>
+          <a:lnRef idx="1">
+            <a:schemeClr val="dk1"/>
+          </a:lnRef>
+          <a:fillRef idx="0">
+            <a:schemeClr val="dk1"/>
+          </a:fillRef>
+          <a:effectRef idx="0">
+            <a:schemeClr val="dk1"/>
+          </a:effectRef>
+          <a:fontRef idx="minor">
+            <a:schemeClr val="tx1"/>
+          </a:fontRef>
+        </p:style>
+      </p:cxnSp>
+      <p:cxnSp>
+        <p:nvCxnSpPr>
+          <p:cNvPr id="36" name="Straight Arrow Connector 35"/>
+          <p:cNvCxnSpPr>
+            <a:stCxn id="19" idx="3"/>
+            <a:endCxn id="30" idx="1"/>
+          </p:cNvCxnSpPr>
+          <p:nvPr/>
+        </p:nvCxnSpPr>
+        <p:spPr>
+          <a:xfrm flipV="1">
+            <a:off x="4343402" y="4114802"/>
+            <a:ext cx="861882" cy="2026507"/>
+          </a:xfrm>
+          <a:prstGeom prst="straightConnector1">
+            <a:avLst/>
+          </a:prstGeom>
+          <a:ln>
+            <a:tailEnd type="triangle"/>
+          </a:ln>
+        </p:spPr>
+        <p:style>
+          <a:lnRef idx="1">
+            <a:schemeClr val="dk1"/>
+          </a:lnRef>
+          <a:fillRef idx="0">
+            <a:schemeClr val="dk1"/>
+          </a:fillRef>
+          <a:effectRef idx="0">
+            <a:schemeClr val="dk1"/>
+          </a:effectRef>
+          <a:fontRef idx="minor">
+            <a:schemeClr val="tx1"/>
+          </a:fontRef>
+        </p:style>
+      </p:cxnSp>
+      <p:cxnSp>
+        <p:nvCxnSpPr>
+          <p:cNvPr id="38" name="Straight Arrow Connector 37"/>
+          <p:cNvCxnSpPr>
+            <a:stCxn id="7" idx="3"/>
+            <a:endCxn id="10" idx="1"/>
+          </p:cNvCxnSpPr>
+          <p:nvPr/>
+        </p:nvCxnSpPr>
+        <p:spPr>
+          <a:xfrm>
+            <a:off x="4343402" y="2255109"/>
+            <a:ext cx="729050" cy="0"/>
+          </a:xfrm>
+          <a:prstGeom prst="straightConnector1">
+            <a:avLst/>
+          </a:prstGeom>
+          <a:ln>
+            <a:tailEnd type="triangle"/>
+          </a:ln>
+        </p:spPr>
+        <p:style>
+          <a:lnRef idx="1">
+            <a:schemeClr val="dk1"/>
+          </a:lnRef>
+          <a:fillRef idx="0">
+            <a:schemeClr val="dk1"/>
+          </a:fillRef>
+          <a:effectRef idx="0">
+            <a:schemeClr val="dk1"/>
+          </a:effectRef>
+          <a:fontRef idx="minor">
+            <a:schemeClr val="tx1"/>
+          </a:fontRef>
+        </p:style>
+      </p:cxnSp>
+      <p:cxnSp>
+        <p:nvCxnSpPr>
+          <p:cNvPr id="42" name="Straight Arrow Connector 41"/>
+          <p:cNvCxnSpPr>
+            <a:stCxn id="10" idx="3"/>
+            <a:endCxn id="11" idx="1"/>
+          </p:cNvCxnSpPr>
+          <p:nvPr/>
+        </p:nvCxnSpPr>
+        <p:spPr>
+          <a:xfrm flipV="1">
+            <a:off x="6147489" y="1102295"/>
+            <a:ext cx="485004" cy="1152814"/>
+          </a:xfrm>
+          <a:prstGeom prst="straightConnector1">
+            <a:avLst/>
+          </a:prstGeom>
+          <a:ln>
+            <a:tailEnd type="triangle"/>
+          </a:ln>
+        </p:spPr>
+        <p:style>
+          <a:lnRef idx="1">
+            <a:schemeClr val="dk1"/>
+          </a:lnRef>
+          <a:fillRef idx="0">
+            <a:schemeClr val="dk1"/>
+          </a:fillRef>
+          <a:effectRef idx="0">
+            <a:schemeClr val="dk1"/>
+          </a:effectRef>
+          <a:fontRef idx="minor">
+            <a:schemeClr val="tx1"/>
+          </a:fontRef>
+        </p:style>
+      </p:cxnSp>
+      <p:cxnSp>
+        <p:nvCxnSpPr>
+          <p:cNvPr id="44" name="Straight Arrow Connector 43"/>
+          <p:cNvCxnSpPr>
+            <a:stCxn id="10" idx="3"/>
+            <a:endCxn id="12" idx="1"/>
+          </p:cNvCxnSpPr>
+          <p:nvPr/>
+        </p:nvCxnSpPr>
+        <p:spPr>
+          <a:xfrm>
+            <a:off x="6147489" y="2255109"/>
+            <a:ext cx="642551" cy="758846"/>
+          </a:xfrm>
+          <a:prstGeom prst="straightConnector1">
+            <a:avLst/>
+          </a:prstGeom>
+          <a:ln>
+            <a:tailEnd type="triangle"/>
+          </a:ln>
+        </p:spPr>
+        <p:style>
+          <a:lnRef idx="1">
+            <a:schemeClr val="dk1"/>
+          </a:lnRef>
+          <a:fillRef idx="0">
+            <a:schemeClr val="dk1"/>
+          </a:fillRef>
+          <a:effectRef idx="0">
+            <a:schemeClr val="dk1"/>
+          </a:effectRef>
+          <a:fontRef idx="minor">
+            <a:schemeClr val="tx1"/>
+          </a:fontRef>
+        </p:style>
+      </p:cxnSp>
+      <p:cxnSp>
+        <p:nvCxnSpPr>
+          <p:cNvPr id="46" name="Straight Arrow Connector 45"/>
+          <p:cNvCxnSpPr>
+            <a:stCxn id="30" idx="3"/>
+            <a:endCxn id="12" idx="1"/>
+          </p:cNvCxnSpPr>
+          <p:nvPr/>
+        </p:nvCxnSpPr>
+        <p:spPr>
+          <a:xfrm flipV="1">
+            <a:off x="6280321" y="3013955"/>
+            <a:ext cx="509719" cy="1100847"/>
+          </a:xfrm>
+          <a:prstGeom prst="straightConnector1">
+            <a:avLst/>
+          </a:prstGeom>
+          <a:ln>
+            <a:tailEnd type="triangle"/>
+          </a:ln>
+        </p:spPr>
+        <p:style>
+          <a:lnRef idx="1">
+            <a:schemeClr val="dk1"/>
+          </a:lnRef>
+          <a:fillRef idx="0">
+            <a:schemeClr val="dk1"/>
+          </a:fillRef>
+          <a:effectRef idx="0">
+            <a:schemeClr val="dk1"/>
+          </a:effectRef>
+          <a:fontRef idx="minor">
+            <a:schemeClr val="tx1"/>
+          </a:fontRef>
+        </p:style>
+      </p:cxnSp>
+      <p:cxnSp>
+        <p:nvCxnSpPr>
+          <p:cNvPr id="48" name="Straight Arrow Connector 47"/>
+          <p:cNvCxnSpPr>
+            <a:stCxn id="12" idx="3"/>
+            <a:endCxn id="13" idx="1"/>
+          </p:cNvCxnSpPr>
+          <p:nvPr/>
+        </p:nvCxnSpPr>
+        <p:spPr>
+          <a:xfrm flipV="1">
+            <a:off x="7983414" y="3013954"/>
+            <a:ext cx="1185303" cy="1"/>
+          </a:xfrm>
+          <a:prstGeom prst="straightConnector1">
+            <a:avLst/>
+          </a:prstGeom>
+          <a:ln>
+            <a:tailEnd type="triangle"/>
+          </a:ln>
+        </p:spPr>
+        <p:style>
+          <a:lnRef idx="1">
+            <a:schemeClr val="dk1"/>
+          </a:lnRef>
+          <a:fillRef idx="0">
+            <a:schemeClr val="dk1"/>
+          </a:fillRef>
+          <a:effectRef idx="0">
+            <a:schemeClr val="dk1"/>
+          </a:effectRef>
+          <a:fontRef idx="minor">
+            <a:schemeClr val="tx1"/>
+          </a:fontRef>
+        </p:style>
+      </p:cxnSp>
+      <p:sp>
+        <p:nvSpPr>
+          <p:cNvPr id="3" name="TextBox 2"/>
+          <p:cNvSpPr txBox="1"/>
+          <p:nvPr/>
+        </p:nvSpPr>
+        <p:spPr>
+          <a:xfrm>
+            <a:off x="7865078" y="183845"/>
+            <a:ext cx="4326922" cy="2308324"/>
+          </a:xfrm>
+          <a:prstGeom prst="rect">
+            <a:avLst/>
+          </a:prstGeom>
+          <a:noFill/>
+        </p:spPr>
+        <p:txBody>
+          <a:bodyPr wrap="square" rtlCol="0">
+            <a:spAutoFit/>
+          </a:bodyPr>
+          <a:lstStyle/>
+          <a:p>
+            <a:r>
+              <a:rPr lang="nl-BE" b="1" dirty="0"/>
+              <a:t>use reactive expressions for calculations</a:t>
+            </a:r>
+          </a:p>
+          <a:p>
+            <a:r>
+              <a:rPr lang="nl-BE" dirty="0" smtClean="0"/>
+              <a:t>- reactive expressions are recipes for how to calculate something, shiny will determine when it is required to execute</a:t>
+            </a:r>
+          </a:p>
+          <a:p>
+            <a:r>
+              <a:rPr lang="nl-BE" dirty="0" smtClean="0"/>
+              <a:t>- can accept reactive input and deliver reactive output</a:t>
+            </a:r>
+          </a:p>
+          <a:p>
+            <a:r>
+              <a:rPr lang="nl-BE" dirty="0" smtClean="0"/>
+              <a:t>- has a cached result</a:t>
+            </a:r>
+          </a:p>
+          <a:p>
+            <a:r>
+              <a:rPr lang="nl-BE" dirty="0" smtClean="0"/>
+              <a:t>- make maximum use of this feature in shiny</a:t>
+            </a:r>
+            <a:endParaRPr lang="en-US" dirty="0"/>
+          </a:p>
+        </p:txBody>
+      </p:sp>
+      <p:sp>
+        <p:nvSpPr>
+          <p:cNvPr id="35" name="TextBox 34"/>
+          <p:cNvSpPr txBox="1"/>
+          <p:nvPr/>
+        </p:nvSpPr>
+        <p:spPr>
+          <a:xfrm>
+            <a:off x="7293574" y="4613525"/>
+            <a:ext cx="4326922" cy="1200329"/>
+          </a:xfrm>
+          <a:prstGeom prst="rect">
+            <a:avLst/>
+          </a:prstGeom>
+          <a:noFill/>
+        </p:spPr>
+        <p:txBody>
+          <a:bodyPr wrap="square" rtlCol="0">
+            <a:spAutoFit/>
+          </a:bodyPr>
+          <a:lstStyle/>
+          <a:p>
+            <a:r>
+              <a:rPr lang="nl-BE" b="1" dirty="0" smtClean="0"/>
+              <a:t>use observers for side effects</a:t>
+            </a:r>
+          </a:p>
+          <a:p>
+            <a:pPr marL="285750" indent="-285750">
+              <a:buFontTx/>
+              <a:buChar char="-"/>
+            </a:pPr>
+            <a:r>
+              <a:rPr lang="nl-BE" dirty="0" smtClean="0"/>
+              <a:t>dealing with I/O (files / DB)</a:t>
+            </a:r>
+          </a:p>
+          <a:p>
+            <a:pPr marL="285750" indent="-285750">
+              <a:buFontTx/>
+              <a:buChar char="-"/>
+            </a:pPr>
+            <a:r>
+              <a:rPr lang="nl-BE" dirty="0" smtClean="0"/>
+              <a:t>setting reactive values!</a:t>
+            </a:r>
+          </a:p>
+          <a:p>
+            <a:pPr marL="285750" indent="-285750">
+              <a:buFontTx/>
+              <a:buChar char="-"/>
+            </a:pPr>
+            <a:r>
+              <a:rPr lang="nl-BE" dirty="0" smtClean="0"/>
+              <a:t>update input elements of the shiny app</a:t>
+            </a:r>
+            <a:endParaRPr lang="en-US" dirty="0"/>
+          </a:p>
+        </p:txBody>
+      </p:sp>
+    </p:spTree>
+    <p:extLst>
+      <p:ext uri="{BB962C8B-B14F-4D97-AF65-F5344CB8AC3E}">
+        <p14:creationId xmlns:p14="http://schemas.microsoft.com/office/powerpoint/2010/main" val="2314002344"/>
+      </p:ext>
+    </p:extLst>
+  </p:cSld>
+  <p:clrMapOvr>
+    <a:masterClrMapping/>
+  </p:clrMapOvr>
+</p:sld>
+</file>
+
+<file path=ppt/slides/slide17.xml><?xml version="1.0" encoding="utf-8"?>
+<p:sld xmlns:a="http://schemas.openxmlformats.org/drawingml/2006/main" xmlns:r="http://schemas.openxmlformats.org/officeDocument/2006/relationships" xmlns:p="http://schemas.openxmlformats.org/presentationml/2006/main">
+  <p:cSld>
+    <p:spTree>
+      <p:nvGrpSpPr>
+        <p:cNvPr id="1" name=""/>
+        <p:cNvGrpSpPr/>
+        <p:nvPr/>
+      </p:nvGrpSpPr>
+      <p:grpSpPr>
+        <a:xfrm>
+          <a:off x="0" y="0"/>
+          <a:ext cx="0" cy="0"/>
+          <a:chOff x="0" y="0"/>
+          <a:chExt cx="0" cy="0"/>
+        </a:xfrm>
+      </p:grpSpPr>
+      <p:sp>
+        <p:nvSpPr>
+          <p:cNvPr id="2" name="Title 1"/>
+          <p:cNvSpPr>
+            <a:spLocks noGrp="1"/>
+          </p:cNvSpPr>
+          <p:nvPr>
+            <p:ph type="title"/>
+          </p:nvPr>
+        </p:nvSpPr>
+        <p:spPr>
+          <a:xfrm>
+            <a:off x="109151" y="-203286"/>
+            <a:ext cx="10515600" cy="1325563"/>
+          </a:xfrm>
+        </p:spPr>
+        <p:txBody>
+          <a:bodyPr/>
+          <a:lstStyle/>
+          <a:p>
+            <a:r>
+              <a:rPr lang="nl-BE" dirty="0" smtClean="0"/>
+              <a:t>reactive values</a:t>
+            </a:r>
+            <a:endParaRPr lang="en-US" dirty="0"/>
+          </a:p>
+        </p:txBody>
+      </p:sp>
+      <p:sp>
+        <p:nvSpPr>
+          <p:cNvPr id="10" name="Content Placeholder 2"/>
+          <p:cNvSpPr>
+            <a:spLocks noGrp="1"/>
+          </p:cNvSpPr>
+          <p:nvPr>
+            <p:ph idx="1"/>
+          </p:nvPr>
+        </p:nvSpPr>
+        <p:spPr>
+          <a:xfrm>
+            <a:off x="203931" y="1052547"/>
+            <a:ext cx="11368171" cy="5499556"/>
+          </a:xfrm>
+        </p:spPr>
+        <p:txBody>
+          <a:bodyPr>
+            <a:normAutofit/>
+          </a:bodyPr>
+          <a:lstStyle/>
+          <a:p>
+            <a:r>
+              <a:rPr lang="nl-BE" sz="2400" dirty="0" smtClean="0"/>
+              <a:t>rv$focus_stock</a:t>
+            </a:r>
+          </a:p>
+          <a:p>
+            <a:pPr lvl="1"/>
+            <a:r>
+              <a:rPr lang="nl-BE" sz="2000" dirty="0" smtClean="0"/>
+              <a:t>guarantees continuity between pages when selecting 1 stock</a:t>
+            </a:r>
+          </a:p>
+          <a:p>
+            <a:pPr lvl="1"/>
+            <a:r>
+              <a:rPr lang="nl-BE" sz="2000" dirty="0" smtClean="0"/>
+              <a:t>first lines sets the rv so that other selectinputs may update</a:t>
+            </a:r>
+          </a:p>
+          <a:p>
+            <a:pPr lvl="1"/>
+            <a:r>
+              <a:rPr lang="nl-BE" sz="2000" dirty="0" smtClean="0"/>
+              <a:t>second line updates this selectinput if somewhere else the rv was modified</a:t>
+            </a:r>
+          </a:p>
+          <a:p>
+            <a:endParaRPr lang="nl-BE" sz="2400" dirty="0"/>
+          </a:p>
+          <a:p>
+            <a:endParaRPr lang="nl-BE" sz="2400" dirty="0" smtClean="0"/>
+          </a:p>
+          <a:p>
+            <a:r>
+              <a:rPr lang="nl-BE" sz="2400" dirty="0" smtClean="0"/>
+              <a:t>rv$msgs</a:t>
+            </a:r>
+          </a:p>
+          <a:p>
+            <a:pPr lvl="1"/>
+            <a:r>
+              <a:rPr lang="nl-BE" sz="1800" dirty="0" smtClean="0"/>
+              <a:t>contains messages shown in notification corner as well as notification menu</a:t>
+            </a:r>
+          </a:p>
+        </p:txBody>
+      </p:sp>
+      <p:pic>
+        <p:nvPicPr>
+          <p:cNvPr id="3" name="Picture 2"/>
+          <p:cNvPicPr>
+            <a:picLocks noChangeAspect="1"/>
+          </p:cNvPicPr>
+          <p:nvPr/>
+        </p:nvPicPr>
+        <p:blipFill>
+          <a:blip r:embed="rId2"/>
+          <a:stretch>
+            <a:fillRect/>
+          </a:stretch>
+        </p:blipFill>
+        <p:spPr>
+          <a:xfrm>
+            <a:off x="1013383" y="2560887"/>
+            <a:ext cx="9324975" cy="323850"/>
+          </a:xfrm>
+          <a:prstGeom prst="rect">
+            <a:avLst/>
+          </a:prstGeom>
+        </p:spPr>
+      </p:pic>
+    </p:spTree>
+    <p:extLst>
+      <p:ext uri="{BB962C8B-B14F-4D97-AF65-F5344CB8AC3E}">
+        <p14:creationId xmlns:p14="http://schemas.microsoft.com/office/powerpoint/2010/main" val="994119531"/>
+      </p:ext>
+    </p:extLst>
+  </p:cSld>
+  <p:clrMapOvr>
+    <a:masterClrMapping/>
+  </p:clrMapOvr>
+  <p:timing>
+    <p:tnLst>
+      <p:par>
+        <p:cTn id="1" dur="indefinite" restart="never" nodeType="tmRoot"/>
+      </p:par>
+    </p:tnLst>
+  </p:timing>
+</p:sld>
+</file>
+
+<file path=ppt/slides/slide18.xml><?xml version="1.0" encoding="utf-8"?>
+<p:sld xmlns:a="http://schemas.openxmlformats.org/drawingml/2006/main" xmlns:r="http://schemas.openxmlformats.org/officeDocument/2006/relationships" xmlns:p="http://schemas.openxmlformats.org/presentationml/2006/main">
+  <p:cSld>
+    <p:bg>
+      <p:bgPr>
+        <a:solidFill>
+          <a:schemeClr val="accent6">
+            <a:lumMod val="20000"/>
+            <a:lumOff val="80000"/>
+          </a:schemeClr>
+        </a:solidFill>
+        <a:effectLst/>
+      </p:bgPr>
+    </p:bg>
+    <p:spTree>
+      <p:nvGrpSpPr>
+        <p:cNvPr id="1" name=""/>
+        <p:cNvGrpSpPr/>
+        <p:nvPr/>
+      </p:nvGrpSpPr>
+      <p:grpSpPr>
+        <a:xfrm>
+          <a:off x="0" y="0"/>
+          <a:ext cx="0" cy="0"/>
+          <a:chOff x="0" y="0"/>
+          <a:chExt cx="0" cy="0"/>
+        </a:xfrm>
+      </p:grpSpPr>
+      <p:sp>
+        <p:nvSpPr>
+          <p:cNvPr id="4" name="Title 3"/>
+          <p:cNvSpPr>
+            <a:spLocks noGrp="1"/>
+          </p:cNvSpPr>
+          <p:nvPr>
+            <p:ph type="ctrTitle"/>
+          </p:nvPr>
+        </p:nvSpPr>
+        <p:spPr/>
+        <p:txBody>
+          <a:bodyPr/>
+          <a:lstStyle/>
+          <a:p>
+            <a:r>
+              <a:rPr lang="nl-BE" dirty="0" smtClean="0"/>
               <a:t>performance</a:t>
             </a:r>
             <a:endParaRPr lang="en-US" dirty="0"/>
@@ -3304,7 +6492,7 @@
 </p:sld>
 </file>
 
-<file path=ppt/slides/slide12.xml><?xml version="1.0" encoding="utf-8"?>
+<file path=ppt/slides/slide19.xml><?xml version="1.0" encoding="utf-8"?>
 <p:sld xmlns:a="http://schemas.openxmlformats.org/drawingml/2006/main" xmlns:r="http://schemas.openxmlformats.org/officeDocument/2006/relationships" xmlns:p="http://schemas.openxmlformats.org/presentationml/2006/main">
   <p:cSld>
     <p:spTree>
@@ -5007,7 +8195,97 @@
 </p:sld>
 </file>
 
-<file path=ppt/slides/slide13.xml><?xml version="1.0" encoding="utf-8"?>
+<file path=ppt/slides/slide2.xml><?xml version="1.0" encoding="utf-8"?>
+<p:sld xmlns:a="http://schemas.openxmlformats.org/drawingml/2006/main" xmlns:r="http://schemas.openxmlformats.org/officeDocument/2006/relationships" xmlns:p="http://schemas.openxmlformats.org/presentationml/2006/main">
+  <p:cSld>
+    <p:spTree>
+      <p:nvGrpSpPr>
+        <p:cNvPr id="1" name=""/>
+        <p:cNvGrpSpPr/>
+        <p:nvPr/>
+      </p:nvGrpSpPr>
+      <p:grpSpPr>
+        <a:xfrm>
+          <a:off x="0" y="0"/>
+          <a:ext cx="0" cy="0"/>
+          <a:chOff x="0" y="0"/>
+          <a:chExt cx="0" cy="0"/>
+        </a:xfrm>
+      </p:grpSpPr>
+      <p:sp>
+        <p:nvSpPr>
+          <p:cNvPr id="2" name="Title 1"/>
+          <p:cNvSpPr>
+            <a:spLocks noGrp="1"/>
+          </p:cNvSpPr>
+          <p:nvPr>
+            <p:ph type="title"/>
+          </p:nvPr>
+        </p:nvSpPr>
+        <p:spPr/>
+        <p:txBody>
+          <a:bodyPr/>
+          <a:lstStyle/>
+          <a:p>
+            <a:r>
+              <a:rPr lang="en-BE" dirty="0" smtClean="0"/>
+              <a:t>content</a:t>
+            </a:r>
+            <a:endParaRPr lang="nl-BE" dirty="0"/>
+          </a:p>
+        </p:txBody>
+      </p:sp>
+      <p:sp>
+        <p:nvSpPr>
+          <p:cNvPr id="3" name="Content Placeholder 2"/>
+          <p:cNvSpPr>
+            <a:spLocks noGrp="1"/>
+          </p:cNvSpPr>
+          <p:nvPr>
+            <p:ph idx="1"/>
+          </p:nvPr>
+        </p:nvSpPr>
+        <p:spPr/>
+        <p:txBody>
+          <a:bodyPr/>
+          <a:lstStyle/>
+          <a:p>
+            <a:r>
+              <a:rPr lang="en-BE" dirty="0" smtClean="0"/>
+              <a:t>terminology</a:t>
+            </a:r>
+          </a:p>
+          <a:p>
+            <a:r>
+              <a:rPr lang="en-BE" dirty="0" smtClean="0"/>
+              <a:t>data model</a:t>
+            </a:r>
+          </a:p>
+          <a:p>
+            <a:r>
+              <a:rPr lang="en-BE" dirty="0" smtClean="0"/>
+              <a:t>importing new data</a:t>
+            </a:r>
+          </a:p>
+          <a:p>
+            <a:endParaRPr lang="nl-BE" dirty="0"/>
+          </a:p>
+        </p:txBody>
+      </p:sp>
+    </p:spTree>
+    <p:extLst>
+      <p:ext uri="{BB962C8B-B14F-4D97-AF65-F5344CB8AC3E}">
+        <p14:creationId xmlns:p14="http://schemas.microsoft.com/office/powerpoint/2010/main" val="2359953564"/>
+      </p:ext>
+    </p:extLst>
+  </p:cSld>
+  <p:clrMapOvr>
+    <a:masterClrMapping/>
+  </p:clrMapOvr>
+</p:sld>
+</file>
+
+<file path=ppt/slides/slide20.xml><?xml version="1.0" encoding="utf-8"?>
 <p:sld xmlns:a="http://schemas.openxmlformats.org/drawingml/2006/main" xmlns:r="http://schemas.openxmlformats.org/officeDocument/2006/relationships" xmlns:p="http://schemas.openxmlformats.org/presentationml/2006/main">
   <p:cSld>
     <p:spTree>
@@ -5153,7 +8431,7 @@
 </p:sld>
 </file>
 
-<file path=ppt/slides/slide14.xml><?xml version="1.0" encoding="utf-8"?>
+<file path=ppt/slides/slide21.xml><?xml version="1.0" encoding="utf-8"?>
 <p:sld xmlns:a="http://schemas.openxmlformats.org/drawingml/2006/main" xmlns:r="http://schemas.openxmlformats.org/officeDocument/2006/relationships" xmlns:p="http://schemas.openxmlformats.org/presentationml/2006/main">
   <p:cSld>
     <p:bg>
@@ -5243,7 +8521,7 @@
 </p:sld>
 </file>
 
-<file path=ppt/slides/slide15.xml><?xml version="1.0" encoding="utf-8"?>
+<file path=ppt/slides/slide22.xml><?xml version="1.0" encoding="utf-8"?>
 <p:sld xmlns:a="http://schemas.openxmlformats.org/drawingml/2006/main" xmlns:r="http://schemas.openxmlformats.org/officeDocument/2006/relationships" xmlns:p="http://schemas.openxmlformats.org/presentationml/2006/main">
   <p:cSld>
     <p:spTree>
@@ -5503,7 +8781,7 @@
 </p:sld>
 </file>
 
-<file path=ppt/slides/slide16.xml><?xml version="1.0" encoding="utf-8"?>
+<file path=ppt/slides/slide23.xml><?xml version="1.0" encoding="utf-8"?>
 <p:sld xmlns:a="http://schemas.openxmlformats.org/drawingml/2006/main" xmlns:r="http://schemas.openxmlformats.org/officeDocument/2006/relationships" xmlns:p="http://schemas.openxmlformats.org/presentationml/2006/main">
   <p:cSld>
     <p:spTree>
@@ -5628,10 +8906,9 @@
           <a:p>
             <a:pPr lvl="1"/>
             <a:r>
-              <a:rPr lang="en-BE" smtClean="0"/>
+              <a:rPr lang="en-BE" dirty="0" smtClean="0"/>
               <a:t>Perform 3 &amp; 4.</a:t>
             </a:r>
-            <a:endParaRPr lang="en-BE" dirty="0" smtClean="0"/>
           </a:p>
         </p:txBody>
       </p:sp>
@@ -5672,7 +8949,98 @@
 </p:sld>
 </file>
 
-<file path=ppt/slides/slide17.xml><?xml version="1.0" encoding="utf-8"?>
+<file path=ppt/slides/slide3.xml><?xml version="1.0" encoding="utf-8"?>
+<p:sld xmlns:a="http://schemas.openxmlformats.org/drawingml/2006/main" xmlns:r="http://schemas.openxmlformats.org/officeDocument/2006/relationships" xmlns:p="http://schemas.openxmlformats.org/presentationml/2006/main">
+  <p:cSld>
+    <p:spTree>
+      <p:nvGrpSpPr>
+        <p:cNvPr id="1" name=""/>
+        <p:cNvGrpSpPr/>
+        <p:nvPr/>
+      </p:nvGrpSpPr>
+      <p:grpSpPr>
+        <a:xfrm>
+          <a:off x="0" y="0"/>
+          <a:ext cx="0" cy="0"/>
+          <a:chOff x="0" y="0"/>
+          <a:chExt cx="0" cy="0"/>
+        </a:xfrm>
+      </p:grpSpPr>
+      <p:sp>
+        <p:nvSpPr>
+          <p:cNvPr id="2" name="Title 1"/>
+          <p:cNvSpPr>
+            <a:spLocks noGrp="1"/>
+          </p:cNvSpPr>
+          <p:nvPr>
+            <p:ph type="title"/>
+          </p:nvPr>
+        </p:nvSpPr>
+        <p:spPr/>
+        <p:txBody>
+          <a:bodyPr/>
+          <a:lstStyle/>
+          <a:p>
+            <a:r>
+              <a:rPr lang="en-BE" dirty="0" smtClean="0"/>
+              <a:t>terminology</a:t>
+            </a:r>
+            <a:endParaRPr lang="nl-BE" dirty="0"/>
+          </a:p>
+        </p:txBody>
+      </p:sp>
+      <p:sp>
+        <p:nvSpPr>
+          <p:cNvPr id="3" name="Content Placeholder 2"/>
+          <p:cNvSpPr>
+            <a:spLocks noGrp="1"/>
+          </p:cNvSpPr>
+          <p:nvPr>
+            <p:ph idx="1"/>
+          </p:nvPr>
+        </p:nvSpPr>
+        <p:spPr/>
+        <p:txBody>
+          <a:bodyPr/>
+          <a:lstStyle/>
+          <a:p>
+            <a:r>
+              <a:rPr lang="en-BE" dirty="0"/>
+              <a:t>foreign exchange rates = forex = fx</a:t>
+            </a:r>
+            <a:endParaRPr lang="en-US" dirty="0"/>
+          </a:p>
+          <a:p>
+            <a:r>
+              <a:rPr lang="en-BE" dirty="0" smtClean="0"/>
+              <a:t>ohlc: open – high – low – close = daily values for stocks</a:t>
+            </a:r>
+          </a:p>
+          <a:p>
+            <a:pPr marL="0" indent="0">
+              <a:buNone/>
+            </a:pPr>
+            <a:endParaRPr lang="en-BE" dirty="0" smtClean="0"/>
+          </a:p>
+          <a:p>
+            <a:endParaRPr lang="nl-BE" dirty="0"/>
+          </a:p>
+        </p:txBody>
+      </p:sp>
+    </p:spTree>
+    <p:extLst>
+      <p:ext uri="{BB962C8B-B14F-4D97-AF65-F5344CB8AC3E}">
+        <p14:creationId xmlns:p14="http://schemas.microsoft.com/office/powerpoint/2010/main" val="2224524725"/>
+      </p:ext>
+    </p:extLst>
+  </p:cSld>
+  <p:clrMapOvr>
+    <a:masterClrMapping/>
+  </p:clrMapOvr>
+</p:sld>
+</file>
+
+<file path=ppt/slides/slide4.xml><?xml version="1.0" encoding="utf-8"?>
 <p:sld xmlns:a="http://schemas.openxmlformats.org/drawingml/2006/main" xmlns:r="http://schemas.openxmlformats.org/officeDocument/2006/relationships" xmlns:p="http://schemas.openxmlformats.org/presentationml/2006/main">
   <p:cSld>
     <p:bg>
@@ -5716,8 +9084,8 @@
           <a:lstStyle/>
           <a:p>
             <a:r>
-              <a:rPr lang="nl-BE" dirty="0" smtClean="0"/>
-              <a:t>theory</a:t>
+              <a:rPr lang="en-BE" dirty="0" smtClean="0"/>
+              <a:t>data model</a:t>
             </a:r>
             <a:endParaRPr lang="en-US" dirty="0"/>
           </a:p>
@@ -5745,7 +9113,7 @@
     </p:spTree>
     <p:extLst>
       <p:ext uri="{BB962C8B-B14F-4D97-AF65-F5344CB8AC3E}">
-        <p14:creationId xmlns:p14="http://schemas.microsoft.com/office/powerpoint/2010/main" val="3882685378"/>
+        <p14:creationId xmlns:p14="http://schemas.microsoft.com/office/powerpoint/2010/main" val="3187297014"/>
       </p:ext>
     </p:extLst>
   </p:cSld>
@@ -5755,7 +9123,7 @@
 </p:sld>
 </file>
 
-<file path=ppt/slides/slide18.xml><?xml version="1.0" encoding="utf-8"?>
+<file path=ppt/slides/slide5.xml><?xml version="1.0" encoding="utf-8"?>
 <p:sld xmlns:a="http://schemas.openxmlformats.org/drawingml/2006/main" xmlns:r="http://schemas.openxmlformats.org/officeDocument/2006/relationships" xmlns:p="http://schemas.openxmlformats.org/presentationml/2006/main">
   <p:cSld>
     <p:spTree>
@@ -5774,1089 +9142,6 @@
       </p:grpSpPr>
       <p:sp>
         <p:nvSpPr>
-          <p:cNvPr id="23" name="Rectangle 22"/>
-          <p:cNvSpPr/>
-          <p:nvPr/>
-        </p:nvSpPr>
-        <p:spPr>
-          <a:xfrm>
-            <a:off x="3401042" y="4471454"/>
-            <a:ext cx="6624465" cy="2034601"/>
-          </a:xfrm>
-          <a:prstGeom prst="rect">
-            <a:avLst/>
-          </a:prstGeom>
-          <a:solidFill>
-            <a:schemeClr val="accent2">
-              <a:alpha val="50000"/>
-            </a:schemeClr>
-          </a:solidFill>
-        </p:spPr>
-        <p:style>
-          <a:lnRef idx="2">
-            <a:schemeClr val="accent2">
-              <a:shade val="50000"/>
-            </a:schemeClr>
-          </a:lnRef>
-          <a:fillRef idx="1">
-            <a:schemeClr val="accent2"/>
-          </a:fillRef>
-          <a:effectRef idx="0">
-            <a:schemeClr val="accent2"/>
-          </a:effectRef>
-          <a:fontRef idx="minor">
-            <a:schemeClr val="lt1"/>
-          </a:fontRef>
-        </p:style>
-        <p:txBody>
-          <a:bodyPr rtlCol="0" anchor="t" anchorCtr="0"/>
-          <a:lstStyle/>
-          <a:p>
-            <a:pPr algn="ctr"/>
-            <a:r>
-              <a:rPr lang="nl-BE" sz="1400" dirty="0" smtClean="0"/>
-              <a:t>BROKER B</a:t>
-            </a:r>
-            <a:endParaRPr lang="en-US" sz="1400" dirty="0"/>
-          </a:p>
-        </p:txBody>
-      </p:sp>
-      <p:sp>
-        <p:nvSpPr>
-          <p:cNvPr id="22" name="Rectangle 21"/>
-          <p:cNvSpPr/>
-          <p:nvPr/>
-        </p:nvSpPr>
-        <p:spPr>
-          <a:xfrm>
-            <a:off x="3401042" y="1194646"/>
-            <a:ext cx="6624465" cy="3253371"/>
-          </a:xfrm>
-          <a:prstGeom prst="rect">
-            <a:avLst/>
-          </a:prstGeom>
-          <a:solidFill>
-            <a:schemeClr val="accent1">
-              <a:alpha val="50000"/>
-            </a:schemeClr>
-          </a:solidFill>
-        </p:spPr>
-        <p:style>
-          <a:lnRef idx="2">
-            <a:schemeClr val="accent1">
-              <a:shade val="50000"/>
-            </a:schemeClr>
-          </a:lnRef>
-          <a:fillRef idx="1">
-            <a:schemeClr val="accent1"/>
-          </a:fillRef>
-          <a:effectRef idx="0">
-            <a:schemeClr val="accent1"/>
-          </a:effectRef>
-          <a:fontRef idx="minor">
-            <a:schemeClr val="lt1"/>
-          </a:fontRef>
-        </p:style>
-        <p:txBody>
-          <a:bodyPr rtlCol="0" anchor="t" anchorCtr="0"/>
-          <a:lstStyle/>
-          <a:p>
-            <a:pPr algn="ctr"/>
-            <a:r>
-              <a:rPr lang="nl-BE" sz="1400" dirty="0" smtClean="0"/>
-              <a:t>BROKER A</a:t>
-            </a:r>
-            <a:endParaRPr lang="en-US" sz="1400" dirty="0"/>
-          </a:p>
-        </p:txBody>
-      </p:sp>
-      <p:sp>
-        <p:nvSpPr>
-          <p:cNvPr id="2" name="Title 1"/>
-          <p:cNvSpPr>
-            <a:spLocks noGrp="1"/>
-          </p:cNvSpPr>
-          <p:nvPr>
-            <p:ph type="title"/>
-          </p:nvPr>
-        </p:nvSpPr>
-        <p:spPr>
-          <a:xfrm>
-            <a:off x="57561" y="-218393"/>
-            <a:ext cx="10515600" cy="1325563"/>
-          </a:xfrm>
-        </p:spPr>
-        <p:txBody>
-          <a:bodyPr/>
-          <a:lstStyle/>
-          <a:p>
-            <a:r>
-              <a:rPr lang="nl-BE" dirty="0" smtClean="0"/>
-              <a:t>transactions visualised</a:t>
-            </a:r>
-            <a:endParaRPr lang="en-US" dirty="0"/>
-          </a:p>
-        </p:txBody>
-      </p:sp>
-      <p:sp>
-        <p:nvSpPr>
-          <p:cNvPr id="4" name="Rectangle 3"/>
-          <p:cNvSpPr/>
-          <p:nvPr/>
-        </p:nvSpPr>
-        <p:spPr>
-          <a:xfrm>
-            <a:off x="5248344" y="1501167"/>
-            <a:ext cx="1371600" cy="1399916"/>
-          </a:xfrm>
-          <a:prstGeom prst="rect">
-            <a:avLst/>
-          </a:prstGeom>
-        </p:spPr>
-        <p:style>
-          <a:lnRef idx="2">
-            <a:schemeClr val="accent1">
-              <a:shade val="50000"/>
-            </a:schemeClr>
-          </a:lnRef>
-          <a:fillRef idx="1">
-            <a:schemeClr val="accent1"/>
-          </a:fillRef>
-          <a:effectRef idx="0">
-            <a:schemeClr val="accent1"/>
-          </a:effectRef>
-          <a:fontRef idx="minor">
-            <a:schemeClr val="lt1"/>
-          </a:fontRef>
-        </p:style>
-        <p:txBody>
-          <a:bodyPr rtlCol="0" anchor="t" anchorCtr="0"/>
-          <a:lstStyle/>
-          <a:p>
-            <a:pPr algn="ctr"/>
-            <a:r>
-              <a:rPr lang="nl-BE" sz="1400" dirty="0" smtClean="0"/>
-              <a:t>CASH ACCOUNT</a:t>
-            </a:r>
-            <a:endParaRPr lang="en-US" sz="1400" dirty="0"/>
-          </a:p>
-        </p:txBody>
-      </p:sp>
-      <p:sp>
-        <p:nvSpPr>
-          <p:cNvPr id="5" name="Rectangle 4"/>
-          <p:cNvSpPr/>
-          <p:nvPr/>
-        </p:nvSpPr>
-        <p:spPr>
-          <a:xfrm>
-            <a:off x="8419140" y="1501167"/>
-            <a:ext cx="1371600" cy="1399916"/>
-          </a:xfrm>
-          <a:prstGeom prst="rect">
-            <a:avLst/>
-          </a:prstGeom>
-        </p:spPr>
-        <p:style>
-          <a:lnRef idx="2">
-            <a:schemeClr val="accent1">
-              <a:shade val="50000"/>
-            </a:schemeClr>
-          </a:lnRef>
-          <a:fillRef idx="1">
-            <a:schemeClr val="accent1"/>
-          </a:fillRef>
-          <a:effectRef idx="0">
-            <a:schemeClr val="accent1"/>
-          </a:effectRef>
-          <a:fontRef idx="minor">
-            <a:schemeClr val="lt1"/>
-          </a:fontRef>
-        </p:style>
-        <p:txBody>
-          <a:bodyPr rtlCol="0" anchor="t" anchorCtr="0"/>
-          <a:lstStyle/>
-          <a:p>
-            <a:pPr algn="ctr"/>
-            <a:r>
-              <a:rPr lang="nl-BE" sz="1400" dirty="0" smtClean="0"/>
-              <a:t>STOCKS ACCOUNT</a:t>
-            </a:r>
-            <a:endParaRPr lang="en-US" sz="1400" dirty="0"/>
-          </a:p>
-        </p:txBody>
-      </p:sp>
-      <p:sp>
-        <p:nvSpPr>
-          <p:cNvPr id="6" name="Rectangle 5"/>
-          <p:cNvSpPr/>
-          <p:nvPr/>
-        </p:nvSpPr>
-        <p:spPr>
-          <a:xfrm>
-            <a:off x="1893351" y="1194647"/>
-            <a:ext cx="1371600" cy="5311408"/>
-          </a:xfrm>
-          <a:prstGeom prst="rect">
-            <a:avLst/>
-          </a:prstGeom>
-        </p:spPr>
-        <p:style>
-          <a:lnRef idx="2">
-            <a:schemeClr val="accent6">
-              <a:shade val="50000"/>
-            </a:schemeClr>
-          </a:lnRef>
-          <a:fillRef idx="1">
-            <a:schemeClr val="accent6"/>
-          </a:fillRef>
-          <a:effectRef idx="0">
-            <a:schemeClr val="accent6"/>
-          </a:effectRef>
-          <a:fontRef idx="minor">
-            <a:schemeClr val="lt1"/>
-          </a:fontRef>
-        </p:style>
-        <p:txBody>
-          <a:bodyPr rtlCol="0" anchor="t" anchorCtr="0"/>
-          <a:lstStyle/>
-          <a:p>
-            <a:pPr algn="ctr"/>
-            <a:r>
-              <a:rPr lang="nl-BE" sz="1400" dirty="0" smtClean="0"/>
-              <a:t>EXTERNAL WORLD</a:t>
-            </a:r>
-            <a:endParaRPr lang="en-US" sz="1400" dirty="0"/>
-          </a:p>
-        </p:txBody>
-      </p:sp>
-      <p:sp>
-        <p:nvSpPr>
-          <p:cNvPr id="7" name="Rectangle 6"/>
-          <p:cNvSpPr/>
-          <p:nvPr/>
-        </p:nvSpPr>
-        <p:spPr>
-          <a:xfrm>
-            <a:off x="5248344" y="4795665"/>
-            <a:ext cx="1371600" cy="1443849"/>
-          </a:xfrm>
-          <a:prstGeom prst="rect">
-            <a:avLst/>
-          </a:prstGeom>
-        </p:spPr>
-        <p:style>
-          <a:lnRef idx="2">
-            <a:schemeClr val="accent2">
-              <a:shade val="50000"/>
-            </a:schemeClr>
-          </a:lnRef>
-          <a:fillRef idx="1">
-            <a:schemeClr val="accent2"/>
-          </a:fillRef>
-          <a:effectRef idx="0">
-            <a:schemeClr val="accent2"/>
-          </a:effectRef>
-          <a:fontRef idx="minor">
-            <a:schemeClr val="lt1"/>
-          </a:fontRef>
-        </p:style>
-        <p:txBody>
-          <a:bodyPr rtlCol="0" anchor="t" anchorCtr="0"/>
-          <a:lstStyle/>
-          <a:p>
-            <a:pPr algn="ctr"/>
-            <a:r>
-              <a:rPr lang="nl-BE" sz="1400" dirty="0" smtClean="0"/>
-              <a:t>CASH ACCOUNT</a:t>
-            </a:r>
-            <a:endParaRPr lang="en-US" sz="1400" dirty="0"/>
-          </a:p>
-        </p:txBody>
-      </p:sp>
-      <p:sp>
-        <p:nvSpPr>
-          <p:cNvPr id="8" name="Rectangle 7"/>
-          <p:cNvSpPr/>
-          <p:nvPr/>
-        </p:nvSpPr>
-        <p:spPr>
-          <a:xfrm>
-            <a:off x="8419140" y="4795665"/>
-            <a:ext cx="1371600" cy="1443849"/>
-          </a:xfrm>
-          <a:prstGeom prst="rect">
-            <a:avLst/>
-          </a:prstGeom>
-        </p:spPr>
-        <p:style>
-          <a:lnRef idx="2">
-            <a:schemeClr val="accent2">
-              <a:shade val="50000"/>
-            </a:schemeClr>
-          </a:lnRef>
-          <a:fillRef idx="1">
-            <a:schemeClr val="accent2"/>
-          </a:fillRef>
-          <a:effectRef idx="0">
-            <a:schemeClr val="accent2"/>
-          </a:effectRef>
-          <a:fontRef idx="minor">
-            <a:schemeClr val="lt1"/>
-          </a:fontRef>
-        </p:style>
-        <p:txBody>
-          <a:bodyPr rtlCol="0" anchor="t" anchorCtr="0"/>
-          <a:lstStyle/>
-          <a:p>
-            <a:pPr algn="ctr"/>
-            <a:r>
-              <a:rPr lang="nl-BE" sz="1400" dirty="0" smtClean="0"/>
-              <a:t>STOCKS ACCOUNT</a:t>
-            </a:r>
-            <a:endParaRPr lang="en-US" sz="1400" dirty="0"/>
-          </a:p>
-        </p:txBody>
-      </p:sp>
-      <p:sp>
-        <p:nvSpPr>
-          <p:cNvPr id="11" name="Right Arrow 10"/>
-          <p:cNvSpPr/>
-          <p:nvPr/>
-        </p:nvSpPr>
-        <p:spPr>
-          <a:xfrm>
-            <a:off x="3512875" y="1501165"/>
-            <a:ext cx="1572241" cy="623663"/>
-          </a:xfrm>
-          <a:prstGeom prst="rightArrow">
-            <a:avLst/>
-          </a:prstGeom>
-        </p:spPr>
-        <p:style>
-          <a:lnRef idx="2">
-            <a:schemeClr val="accent6">
-              <a:shade val="50000"/>
-            </a:schemeClr>
-          </a:lnRef>
-          <a:fillRef idx="1">
-            <a:schemeClr val="accent6"/>
-          </a:fillRef>
-          <a:effectRef idx="0">
-            <a:schemeClr val="accent6"/>
-          </a:effectRef>
-          <a:fontRef idx="minor">
-            <a:schemeClr val="lt1"/>
-          </a:fontRef>
-        </p:style>
-        <p:txBody>
-          <a:bodyPr rtlCol="0" anchor="ctr"/>
-          <a:lstStyle/>
-          <a:p>
-            <a:pPr algn="ctr"/>
-            <a:r>
-              <a:rPr lang="nl-BE" sz="1400" dirty="0" smtClean="0"/>
-              <a:t>cash_in</a:t>
-            </a:r>
-            <a:endParaRPr lang="en-US" sz="1400" dirty="0"/>
-          </a:p>
-        </p:txBody>
-      </p:sp>
-      <p:sp>
-        <p:nvSpPr>
-          <p:cNvPr id="12" name="Left Arrow 11"/>
-          <p:cNvSpPr/>
-          <p:nvPr/>
-        </p:nvSpPr>
-        <p:spPr>
-          <a:xfrm>
-            <a:off x="3473404" y="2131413"/>
-            <a:ext cx="1480144" cy="572322"/>
-          </a:xfrm>
-          <a:prstGeom prst="leftArrow">
-            <a:avLst/>
-          </a:prstGeom>
-        </p:spPr>
-        <p:style>
-          <a:lnRef idx="2">
-            <a:schemeClr val="accent6">
-              <a:shade val="50000"/>
-            </a:schemeClr>
-          </a:lnRef>
-          <a:fillRef idx="1">
-            <a:schemeClr val="accent6"/>
-          </a:fillRef>
-          <a:effectRef idx="0">
-            <a:schemeClr val="accent6"/>
-          </a:effectRef>
-          <a:fontRef idx="minor">
-            <a:schemeClr val="lt1"/>
-          </a:fontRef>
-        </p:style>
-        <p:txBody>
-          <a:bodyPr rtlCol="0" anchor="ctr"/>
-          <a:lstStyle/>
-          <a:p>
-            <a:pPr algn="ctr"/>
-            <a:r>
-              <a:rPr lang="nl-BE" sz="1400" dirty="0" smtClean="0"/>
-              <a:t>cash_out</a:t>
-            </a:r>
-            <a:endParaRPr lang="en-US" sz="1400" dirty="0"/>
-          </a:p>
-        </p:txBody>
-      </p:sp>
-      <p:sp>
-        <p:nvSpPr>
-          <p:cNvPr id="13" name="Right Arrow 12"/>
-          <p:cNvSpPr/>
-          <p:nvPr/>
-        </p:nvSpPr>
-        <p:spPr>
-          <a:xfrm>
-            <a:off x="6792215" y="1580110"/>
-            <a:ext cx="1572241" cy="623663"/>
-          </a:xfrm>
-          <a:prstGeom prst="rightArrow">
-            <a:avLst/>
-          </a:prstGeom>
-        </p:spPr>
-        <p:style>
-          <a:lnRef idx="2">
-            <a:schemeClr val="accent1">
-              <a:shade val="50000"/>
-            </a:schemeClr>
-          </a:lnRef>
-          <a:fillRef idx="1">
-            <a:schemeClr val="accent1"/>
-          </a:fillRef>
-          <a:effectRef idx="0">
-            <a:schemeClr val="accent1"/>
-          </a:effectRef>
-          <a:fontRef idx="minor">
-            <a:schemeClr val="lt1"/>
-          </a:fontRef>
-        </p:style>
-        <p:txBody>
-          <a:bodyPr rtlCol="0" anchor="ctr"/>
-          <a:lstStyle/>
-          <a:p>
-            <a:pPr algn="ctr"/>
-            <a:r>
-              <a:rPr lang="nl-BE" sz="1400" dirty="0" smtClean="0"/>
-              <a:t>buy</a:t>
-            </a:r>
-            <a:endParaRPr lang="en-US" sz="1400" dirty="0"/>
-          </a:p>
-        </p:txBody>
-      </p:sp>
-      <p:sp>
-        <p:nvSpPr>
-          <p:cNvPr id="14" name="Left Arrow 13"/>
-          <p:cNvSpPr/>
-          <p:nvPr/>
-        </p:nvSpPr>
-        <p:spPr>
-          <a:xfrm>
-            <a:off x="6752744" y="2210358"/>
-            <a:ext cx="1480144" cy="572322"/>
-          </a:xfrm>
-          <a:prstGeom prst="leftArrow">
-            <a:avLst/>
-          </a:prstGeom>
-        </p:spPr>
-        <p:style>
-          <a:lnRef idx="2">
-            <a:schemeClr val="accent1">
-              <a:shade val="50000"/>
-            </a:schemeClr>
-          </a:lnRef>
-          <a:fillRef idx="1">
-            <a:schemeClr val="accent1"/>
-          </a:fillRef>
-          <a:effectRef idx="0">
-            <a:schemeClr val="accent1"/>
-          </a:effectRef>
-          <a:fontRef idx="minor">
-            <a:schemeClr val="lt1"/>
-          </a:fontRef>
-        </p:style>
-        <p:txBody>
-          <a:bodyPr rtlCol="0" anchor="ctr"/>
-          <a:lstStyle/>
-          <a:p>
-            <a:pPr algn="ctr"/>
-            <a:r>
-              <a:rPr lang="nl-BE" sz="1400" dirty="0" smtClean="0"/>
-              <a:t>sell</a:t>
-            </a:r>
-            <a:endParaRPr lang="en-US" sz="1400" dirty="0"/>
-          </a:p>
-        </p:txBody>
-      </p:sp>
-      <p:sp>
-        <p:nvSpPr>
-          <p:cNvPr id="15" name="Right Arrow 14"/>
-          <p:cNvSpPr/>
-          <p:nvPr/>
-        </p:nvSpPr>
-        <p:spPr>
-          <a:xfrm>
-            <a:off x="3488619" y="4825155"/>
-            <a:ext cx="1572241" cy="623663"/>
-          </a:xfrm>
-          <a:prstGeom prst="rightArrow">
-            <a:avLst/>
-          </a:prstGeom>
-        </p:spPr>
-        <p:style>
-          <a:lnRef idx="2">
-            <a:schemeClr val="accent6">
-              <a:shade val="50000"/>
-            </a:schemeClr>
-          </a:lnRef>
-          <a:fillRef idx="1">
-            <a:schemeClr val="accent6"/>
-          </a:fillRef>
-          <a:effectRef idx="0">
-            <a:schemeClr val="accent6"/>
-          </a:effectRef>
-          <a:fontRef idx="minor">
-            <a:schemeClr val="lt1"/>
-          </a:fontRef>
-        </p:style>
-        <p:txBody>
-          <a:bodyPr rtlCol="0" anchor="ctr"/>
-          <a:lstStyle/>
-          <a:p>
-            <a:pPr algn="ctr"/>
-            <a:r>
-              <a:rPr lang="nl-BE" sz="1400" dirty="0" smtClean="0"/>
-              <a:t>cash_in</a:t>
-            </a:r>
-            <a:endParaRPr lang="en-US" sz="1400" dirty="0"/>
-          </a:p>
-        </p:txBody>
-      </p:sp>
-      <p:sp>
-        <p:nvSpPr>
-          <p:cNvPr id="16" name="Left Arrow 15"/>
-          <p:cNvSpPr/>
-          <p:nvPr/>
-        </p:nvSpPr>
-        <p:spPr>
-          <a:xfrm>
-            <a:off x="3449148" y="5679063"/>
-            <a:ext cx="1480144" cy="572322"/>
-          </a:xfrm>
-          <a:prstGeom prst="leftArrow">
-            <a:avLst/>
-          </a:prstGeom>
-        </p:spPr>
-        <p:style>
-          <a:lnRef idx="2">
-            <a:schemeClr val="accent6">
-              <a:shade val="50000"/>
-            </a:schemeClr>
-          </a:lnRef>
-          <a:fillRef idx="1">
-            <a:schemeClr val="accent6"/>
-          </a:fillRef>
-          <a:effectRef idx="0">
-            <a:schemeClr val="accent6"/>
-          </a:effectRef>
-          <a:fontRef idx="minor">
-            <a:schemeClr val="lt1"/>
-          </a:fontRef>
-        </p:style>
-        <p:txBody>
-          <a:bodyPr rtlCol="0" anchor="ctr"/>
-          <a:lstStyle/>
-          <a:p>
-            <a:pPr algn="ctr"/>
-            <a:r>
-              <a:rPr lang="nl-BE" sz="1400" dirty="0" smtClean="0"/>
-              <a:t>cash_out</a:t>
-            </a:r>
-            <a:endParaRPr lang="en-US" sz="1400" dirty="0"/>
-          </a:p>
-        </p:txBody>
-      </p:sp>
-      <p:sp>
-        <p:nvSpPr>
-          <p:cNvPr id="17" name="Right Arrow 16"/>
-          <p:cNvSpPr/>
-          <p:nvPr/>
-        </p:nvSpPr>
-        <p:spPr>
-          <a:xfrm>
-            <a:off x="6767959" y="4825155"/>
-            <a:ext cx="1572241" cy="623663"/>
-          </a:xfrm>
-          <a:prstGeom prst="rightArrow">
-            <a:avLst/>
-          </a:prstGeom>
-        </p:spPr>
-        <p:style>
-          <a:lnRef idx="2">
-            <a:schemeClr val="accent2">
-              <a:shade val="50000"/>
-            </a:schemeClr>
-          </a:lnRef>
-          <a:fillRef idx="1">
-            <a:schemeClr val="accent2"/>
-          </a:fillRef>
-          <a:effectRef idx="0">
-            <a:schemeClr val="accent2"/>
-          </a:effectRef>
-          <a:fontRef idx="minor">
-            <a:schemeClr val="lt1"/>
-          </a:fontRef>
-        </p:style>
-        <p:txBody>
-          <a:bodyPr rtlCol="0" anchor="ctr"/>
-          <a:lstStyle/>
-          <a:p>
-            <a:pPr algn="ctr"/>
-            <a:r>
-              <a:rPr lang="nl-BE" sz="1400" dirty="0" smtClean="0"/>
-              <a:t>buy</a:t>
-            </a:r>
-            <a:endParaRPr lang="en-US" sz="1400" dirty="0"/>
-          </a:p>
-        </p:txBody>
-      </p:sp>
-      <p:sp>
-        <p:nvSpPr>
-          <p:cNvPr id="18" name="Left Arrow 17"/>
-          <p:cNvSpPr/>
-          <p:nvPr/>
-        </p:nvSpPr>
-        <p:spPr>
-          <a:xfrm>
-            <a:off x="6728488" y="5679063"/>
-            <a:ext cx="1480144" cy="572322"/>
-          </a:xfrm>
-          <a:prstGeom prst="leftArrow">
-            <a:avLst/>
-          </a:prstGeom>
-        </p:spPr>
-        <p:style>
-          <a:lnRef idx="2">
-            <a:schemeClr val="accent2">
-              <a:shade val="50000"/>
-            </a:schemeClr>
-          </a:lnRef>
-          <a:fillRef idx="1">
-            <a:schemeClr val="accent2"/>
-          </a:fillRef>
-          <a:effectRef idx="0">
-            <a:schemeClr val="accent2"/>
-          </a:effectRef>
-          <a:fontRef idx="minor">
-            <a:schemeClr val="lt1"/>
-          </a:fontRef>
-        </p:style>
-        <p:txBody>
-          <a:bodyPr rtlCol="0" anchor="ctr"/>
-          <a:lstStyle/>
-          <a:p>
-            <a:pPr algn="ctr"/>
-            <a:r>
-              <a:rPr lang="nl-BE" sz="1400" dirty="0" smtClean="0"/>
-              <a:t>sell</a:t>
-            </a:r>
-            <a:endParaRPr lang="en-US" sz="1400" dirty="0"/>
-          </a:p>
-        </p:txBody>
-      </p:sp>
-      <p:sp>
-        <p:nvSpPr>
-          <p:cNvPr id="19" name="Right Arrow 18"/>
-          <p:cNvSpPr/>
-          <p:nvPr/>
-        </p:nvSpPr>
-        <p:spPr>
-          <a:xfrm rot="5400000">
-            <a:off x="8707645" y="3374437"/>
-            <a:ext cx="1384641" cy="623663"/>
-          </a:xfrm>
-          <a:prstGeom prst="rightArrow">
-            <a:avLst/>
-          </a:prstGeom>
-        </p:spPr>
-        <p:style>
-          <a:lnRef idx="2">
-            <a:schemeClr val="accent1">
-              <a:shade val="50000"/>
-            </a:schemeClr>
-          </a:lnRef>
-          <a:fillRef idx="1">
-            <a:schemeClr val="accent1"/>
-          </a:fillRef>
-          <a:effectRef idx="0">
-            <a:schemeClr val="accent1"/>
-          </a:effectRef>
-          <a:fontRef idx="minor">
-            <a:schemeClr val="lt1"/>
-          </a:fontRef>
-        </p:style>
-        <p:txBody>
-          <a:bodyPr rtlCol="0" anchor="ctr"/>
-          <a:lstStyle/>
-          <a:p>
-            <a:pPr algn="ctr"/>
-            <a:r>
-              <a:rPr lang="nl-BE" sz="1400" dirty="0" smtClean="0"/>
-              <a:t>transfer_out</a:t>
-            </a:r>
-            <a:endParaRPr lang="en-US" sz="1400" dirty="0"/>
-          </a:p>
-        </p:txBody>
-      </p:sp>
-      <p:sp>
-        <p:nvSpPr>
-          <p:cNvPr id="20" name="Left Arrow 19"/>
-          <p:cNvSpPr/>
-          <p:nvPr/>
-        </p:nvSpPr>
-        <p:spPr>
-          <a:xfrm rot="5400000">
-            <a:off x="8202781" y="3347795"/>
-            <a:ext cx="1303533" cy="572322"/>
-          </a:xfrm>
-          <a:prstGeom prst="leftArrow">
-            <a:avLst/>
-          </a:prstGeom>
-        </p:spPr>
-        <p:style>
-          <a:lnRef idx="2">
-            <a:schemeClr val="accent1">
-              <a:shade val="50000"/>
-            </a:schemeClr>
-          </a:lnRef>
-          <a:fillRef idx="1">
-            <a:schemeClr val="accent1"/>
-          </a:fillRef>
-          <a:effectRef idx="0">
-            <a:schemeClr val="accent1"/>
-          </a:effectRef>
-          <a:fontRef idx="minor">
-            <a:schemeClr val="lt1"/>
-          </a:fontRef>
-        </p:style>
-        <p:txBody>
-          <a:bodyPr rtlCol="0" anchor="ctr"/>
-          <a:lstStyle/>
-          <a:p>
-            <a:pPr algn="ctr"/>
-            <a:r>
-              <a:rPr lang="nl-BE" sz="1400" dirty="0" smtClean="0"/>
-              <a:t>transfer_in</a:t>
-            </a:r>
-            <a:endParaRPr lang="en-US" sz="1400" dirty="0"/>
-          </a:p>
-        </p:txBody>
-      </p:sp>
-      <p:sp>
-        <p:nvSpPr>
-          <p:cNvPr id="24" name="Oval 23"/>
-          <p:cNvSpPr/>
-          <p:nvPr/>
-        </p:nvSpPr>
-        <p:spPr>
-          <a:xfrm>
-            <a:off x="7249416" y="3519453"/>
-            <a:ext cx="197352" cy="190774"/>
-          </a:xfrm>
-          <a:prstGeom prst="ellipse">
-            <a:avLst/>
-          </a:prstGeom>
-        </p:spPr>
-        <p:style>
-          <a:lnRef idx="2">
-            <a:schemeClr val="accent1">
-              <a:shade val="50000"/>
-            </a:schemeClr>
-          </a:lnRef>
-          <a:fillRef idx="1">
-            <a:schemeClr val="accent1"/>
-          </a:fillRef>
-          <a:effectRef idx="0">
-            <a:schemeClr val="accent1"/>
-          </a:effectRef>
-          <a:fontRef idx="minor">
-            <a:schemeClr val="lt1"/>
-          </a:fontRef>
-        </p:style>
-        <p:txBody>
-          <a:bodyPr rtlCol="0" anchor="ctr"/>
-          <a:lstStyle/>
-          <a:p>
-            <a:pPr algn="ctr"/>
-            <a:endParaRPr lang="en-US"/>
-          </a:p>
-        </p:txBody>
-      </p:sp>
-      <p:cxnSp>
-        <p:nvCxnSpPr>
-          <p:cNvPr id="26" name="Straight Arrow Connector 25"/>
-          <p:cNvCxnSpPr/>
-          <p:nvPr/>
-        </p:nvCxnSpPr>
-        <p:spPr>
-          <a:xfrm flipV="1">
-            <a:off x="7453347" y="2901083"/>
-            <a:ext cx="965793" cy="618878"/>
-          </a:xfrm>
-          <a:prstGeom prst="straightConnector1">
-            <a:avLst/>
-          </a:prstGeom>
-          <a:ln>
-            <a:tailEnd type="triangle"/>
-          </a:ln>
-        </p:spPr>
-        <p:style>
-          <a:lnRef idx="1">
-            <a:schemeClr val="accent1"/>
-          </a:lnRef>
-          <a:fillRef idx="0">
-            <a:schemeClr val="accent1"/>
-          </a:fillRef>
-          <a:effectRef idx="0">
-            <a:schemeClr val="accent1"/>
-          </a:effectRef>
-          <a:fontRef idx="minor">
-            <a:schemeClr val="tx1"/>
-          </a:fontRef>
-        </p:style>
-      </p:cxnSp>
-      <p:cxnSp>
-        <p:nvCxnSpPr>
-          <p:cNvPr id="28" name="Straight Arrow Connector 27"/>
-          <p:cNvCxnSpPr>
-            <a:stCxn id="24" idx="1"/>
-          </p:cNvCxnSpPr>
-          <p:nvPr/>
-        </p:nvCxnSpPr>
-        <p:spPr>
-          <a:xfrm flipH="1" flipV="1">
-            <a:off x="6619944" y="2907668"/>
-            <a:ext cx="658374" cy="639723"/>
-          </a:xfrm>
-          <a:prstGeom prst="straightConnector1">
-            <a:avLst/>
-          </a:prstGeom>
-          <a:ln>
-            <a:tailEnd type="triangle"/>
-          </a:ln>
-        </p:spPr>
-        <p:style>
-          <a:lnRef idx="1">
-            <a:schemeClr val="accent1"/>
-          </a:lnRef>
-          <a:fillRef idx="0">
-            <a:schemeClr val="accent1"/>
-          </a:fillRef>
-          <a:effectRef idx="0">
-            <a:schemeClr val="accent1"/>
-          </a:effectRef>
-          <a:fontRef idx="minor">
-            <a:schemeClr val="tx1"/>
-          </a:fontRef>
-        </p:style>
-      </p:cxnSp>
-      <p:sp>
-        <p:nvSpPr>
-          <p:cNvPr id="29" name="TextBox 28"/>
-          <p:cNvSpPr txBox="1"/>
-          <p:nvPr/>
-        </p:nvSpPr>
-        <p:spPr>
-          <a:xfrm>
-            <a:off x="6306234" y="3153683"/>
-            <a:ext cx="794466" cy="307777"/>
-          </a:xfrm>
-          <a:prstGeom prst="rect">
-            <a:avLst/>
-          </a:prstGeom>
-          <a:noFill/>
-        </p:spPr>
-        <p:txBody>
-          <a:bodyPr wrap="square" rtlCol="0">
-            <a:spAutoFit/>
-          </a:bodyPr>
-          <a:lstStyle/>
-          <a:p>
-            <a:r>
-              <a:rPr lang="nl-BE" sz="1400" dirty="0" smtClean="0">
-                <a:solidFill>
-                  <a:schemeClr val="bg1"/>
-                </a:solidFill>
-              </a:rPr>
-              <a:t>div_dist</a:t>
-            </a:r>
-            <a:endParaRPr lang="en-US" sz="1400" dirty="0">
-              <a:solidFill>
-                <a:schemeClr val="bg1"/>
-              </a:solidFill>
-            </a:endParaRPr>
-          </a:p>
-        </p:txBody>
-      </p:sp>
-      <p:sp>
-        <p:nvSpPr>
-          <p:cNvPr id="30" name="TextBox 29"/>
-          <p:cNvSpPr txBox="1"/>
-          <p:nvPr/>
-        </p:nvSpPr>
-        <p:spPr>
-          <a:xfrm>
-            <a:off x="7777658" y="3153683"/>
-            <a:ext cx="889320" cy="307777"/>
-          </a:xfrm>
-          <a:prstGeom prst="rect">
-            <a:avLst/>
-          </a:prstGeom>
-          <a:noFill/>
-        </p:spPr>
-        <p:txBody>
-          <a:bodyPr wrap="square" rtlCol="0">
-            <a:spAutoFit/>
-          </a:bodyPr>
-          <a:lstStyle/>
-          <a:p>
-            <a:r>
-              <a:rPr lang="nl-BE" sz="1400" dirty="0" smtClean="0">
-                <a:solidFill>
-                  <a:schemeClr val="bg1"/>
-                </a:solidFill>
-              </a:rPr>
-              <a:t>div_acc</a:t>
-            </a:r>
-            <a:endParaRPr lang="en-US" sz="1400" dirty="0">
-              <a:solidFill>
-                <a:schemeClr val="bg1"/>
-              </a:solidFill>
-            </a:endParaRPr>
-          </a:p>
-        </p:txBody>
-      </p:sp>
-    </p:spTree>
-    <p:extLst>
-      <p:ext uri="{BB962C8B-B14F-4D97-AF65-F5344CB8AC3E}">
-        <p14:creationId xmlns:p14="http://schemas.microsoft.com/office/powerpoint/2010/main" val="3277567736"/>
-      </p:ext>
-    </p:extLst>
-  </p:cSld>
-  <p:clrMapOvr>
-    <a:masterClrMapping/>
-  </p:clrMapOvr>
-</p:sld>
-</file>
-
-<file path=ppt/slides/slide2.xml><?xml version="1.0" encoding="utf-8"?>
-<p:sld xmlns:a="http://schemas.openxmlformats.org/drawingml/2006/main" xmlns:r="http://schemas.openxmlformats.org/officeDocument/2006/relationships" xmlns:p="http://schemas.openxmlformats.org/presentationml/2006/main">
-  <p:cSld>
-    <p:bg>
-      <p:bgPr>
-        <a:solidFill>
-          <a:schemeClr val="accent6">
-            <a:lumMod val="20000"/>
-            <a:lumOff val="80000"/>
-          </a:schemeClr>
-        </a:solidFill>
-        <a:effectLst/>
-      </p:bgPr>
-    </p:bg>
-    <p:spTree>
-      <p:nvGrpSpPr>
-        <p:cNvPr id="1" name=""/>
-        <p:cNvGrpSpPr/>
-        <p:nvPr/>
-      </p:nvGrpSpPr>
-      <p:grpSpPr>
-        <a:xfrm>
-          <a:off x="0" y="0"/>
-          <a:ext cx="0" cy="0"/>
-          <a:chOff x="0" y="0"/>
-          <a:chExt cx="0" cy="0"/>
-        </a:xfrm>
-      </p:grpSpPr>
-      <p:sp>
-        <p:nvSpPr>
-          <p:cNvPr id="4" name="Title 3"/>
-          <p:cNvSpPr>
-            <a:spLocks noGrp="1"/>
-          </p:cNvSpPr>
-          <p:nvPr>
-            <p:ph type="ctrTitle"/>
-          </p:nvPr>
-        </p:nvSpPr>
-        <p:spPr/>
-        <p:txBody>
-          <a:bodyPr/>
-          <a:lstStyle/>
-          <a:p>
-            <a:r>
-              <a:rPr lang="nl-BE" dirty="0" smtClean="0"/>
-              <a:t>import</a:t>
-            </a:r>
-            <a:endParaRPr lang="en-US" dirty="0"/>
-          </a:p>
-        </p:txBody>
-      </p:sp>
-      <p:sp>
-        <p:nvSpPr>
-          <p:cNvPr id="5" name="Subtitle 4"/>
-          <p:cNvSpPr>
-            <a:spLocks noGrp="1"/>
-          </p:cNvSpPr>
-          <p:nvPr>
-            <p:ph type="subTitle" idx="1"/>
-          </p:nvPr>
-        </p:nvSpPr>
-        <p:spPr/>
-        <p:txBody>
-          <a:bodyPr/>
-          <a:lstStyle/>
-          <a:p>
-            <a:endParaRPr lang="en-US"/>
-          </a:p>
-        </p:txBody>
-      </p:sp>
-    </p:spTree>
-    <p:extLst>
-      <p:ext uri="{BB962C8B-B14F-4D97-AF65-F5344CB8AC3E}">
-        <p14:creationId xmlns:p14="http://schemas.microsoft.com/office/powerpoint/2010/main" val="1322926125"/>
-      </p:ext>
-    </p:extLst>
-  </p:cSld>
-  <p:clrMapOvr>
-    <a:overrideClrMapping bg1="lt1" tx1="dk1" bg2="lt2" tx2="dk2" accent1="accent1" accent2="accent2" accent3="accent3" accent4="accent4" accent5="accent5" accent6="accent6" hlink="hlink" folHlink="folHlink"/>
-  </p:clrMapOvr>
-</p:sld>
-</file>
-
-<file path=ppt/slides/slide3.xml><?xml version="1.0" encoding="utf-8"?>
-<p:sld xmlns:a="http://schemas.openxmlformats.org/drawingml/2006/main" xmlns:r="http://schemas.openxmlformats.org/officeDocument/2006/relationships" xmlns:p="http://schemas.openxmlformats.org/presentationml/2006/main">
-  <p:cSld>
-    <p:spTree>
-      <p:nvGrpSpPr>
-        <p:cNvPr id="1" name=""/>
-        <p:cNvGrpSpPr/>
-        <p:nvPr/>
-      </p:nvGrpSpPr>
-      <p:grpSpPr>
-        <a:xfrm>
-          <a:off x="0" y="0"/>
-          <a:ext cx="0" cy="0"/>
-          <a:chOff x="0" y="0"/>
-          <a:chExt cx="0" cy="0"/>
-        </a:xfrm>
-      </p:grpSpPr>
-      <p:sp>
-        <p:nvSpPr>
           <p:cNvPr id="2" name="Title 1"/>
           <p:cNvSpPr>
             <a:spLocks noGrp="1"/>
@@ -6877,116 +9162,15 @@
           <a:p>
             <a:r>
               <a:rPr lang="nl-BE" dirty="0" smtClean="0"/>
-              <a:t>BOLERO import xlsx</a:t>
+              <a:t>DB schema</a:t>
             </a:r>
             <a:endParaRPr lang="en-US" dirty="0"/>
-          </a:p>
-        </p:txBody>
-      </p:sp>
-      <p:sp>
-        <p:nvSpPr>
-          <p:cNvPr id="3" name="Content Placeholder 2"/>
-          <p:cNvSpPr>
-            <a:spLocks noGrp="1"/>
-          </p:cNvSpPr>
-          <p:nvPr>
-            <p:ph idx="1"/>
-          </p:nvPr>
-        </p:nvSpPr>
-        <p:spPr>
-          <a:xfrm>
-            <a:off x="203932" y="1052547"/>
-            <a:ext cx="4837626" cy="5499556"/>
-          </a:xfrm>
-        </p:spPr>
-        <p:txBody>
-          <a:bodyPr>
-            <a:normAutofit/>
-          </a:bodyPr>
-          <a:lstStyle/>
-          <a:p>
-            <a:r>
-              <a:rPr lang="nl-BE" sz="2400" dirty="0"/>
-              <a:t>log in op bolero</a:t>
-            </a:r>
-          </a:p>
-          <a:p>
-            <a:r>
-              <a:rPr lang="nl-BE" sz="2400" dirty="0"/>
-              <a:t>gaar naar portefeuille</a:t>
-            </a:r>
-          </a:p>
-          <a:p>
-            <a:r>
-              <a:rPr lang="nl-BE" sz="2400" dirty="0"/>
-              <a:t>dan naar historiek</a:t>
-            </a:r>
-          </a:p>
-          <a:p>
-            <a:r>
-              <a:rPr lang="nl-BE" sz="2400" dirty="0"/>
-              <a:t>selecteer data en plak het in </a:t>
-            </a:r>
-            <a:r>
-              <a:rPr lang="nl-BE" sz="2400" dirty="0" smtClean="0"/>
-              <a:t>excel (via notepad tussenstap wordt html formatting verwijderd)</a:t>
-            </a:r>
-            <a:endParaRPr lang="nl-BE" sz="2400" dirty="0"/>
-          </a:p>
-          <a:p>
-            <a:endParaRPr lang="nl-BE" sz="2400" dirty="0" smtClean="0"/>
-          </a:p>
-          <a:p>
-            <a:r>
-              <a:rPr lang="nl-BE" sz="2400" dirty="0"/>
-              <a:t>voeg een </a:t>
-            </a:r>
-            <a:r>
-              <a:rPr lang="nl-BE" sz="2400" i="1" dirty="0"/>
-              <a:t>symbol</a:t>
-            </a:r>
-            <a:r>
-              <a:rPr lang="nl-BE" sz="2400" dirty="0"/>
-              <a:t> kolom toe</a:t>
-            </a:r>
-          </a:p>
-          <a:p>
-            <a:r>
-              <a:rPr lang="nl-BE" sz="2400" dirty="0"/>
-              <a:t>vul het </a:t>
-            </a:r>
-            <a:r>
-              <a:rPr lang="nl-BE" sz="2400" dirty="0" smtClean="0"/>
-              <a:t>RIC als symbol in (minstens </a:t>
-            </a:r>
-            <a:r>
-              <a:rPr lang="nl-BE" sz="2400" dirty="0"/>
-              <a:t>1x per nieuwe </a:t>
-            </a:r>
-            <a:r>
-              <a:rPr lang="nl-BE" sz="2400" dirty="0" smtClean="0"/>
-              <a:t>stock)</a:t>
-            </a:r>
-            <a:endParaRPr lang="nl-BE" sz="2400" dirty="0"/>
-          </a:p>
-          <a:p>
-            <a:r>
-              <a:rPr lang="nl-BE" sz="2400" dirty="0"/>
-              <a:t>als er geen ‘nieuwe’ stocks zijn gekocht dan hoef je geen symbol in te vullen</a:t>
-            </a:r>
-            <a:endParaRPr lang="en-US" sz="2400" dirty="0"/>
-          </a:p>
-          <a:p>
-            <a:endParaRPr lang="en-US" sz="2400" dirty="0"/>
-          </a:p>
-          <a:p>
-            <a:endParaRPr lang="nl-BE" sz="2200" dirty="0" smtClean="0"/>
           </a:p>
         </p:txBody>
       </p:sp>
       <p:pic>
         <p:nvPicPr>
-          <p:cNvPr id="4" name="Content Placeholder 5"/>
+          <p:cNvPr id="6" name="Picture 5"/>
           <p:cNvPicPr>
             <a:picLocks noChangeAspect="1"/>
           </p:cNvPicPr>
@@ -7000,42 +9184,84 @@
         </p:blipFill>
         <p:spPr>
           <a:xfrm>
-            <a:off x="5235555" y="213069"/>
-            <a:ext cx="6650373" cy="2956440"/>
+            <a:off x="68525" y="928979"/>
+            <a:ext cx="12051846" cy="935187"/>
           </a:xfrm>
           <a:prstGeom prst="rect">
             <a:avLst/>
           </a:prstGeom>
         </p:spPr>
       </p:pic>
-      <p:pic>
-        <p:nvPicPr>
-          <p:cNvPr id="5" name="Picture 4"/>
-          <p:cNvPicPr>
-            <a:picLocks noChangeAspect="1"/>
-          </p:cNvPicPr>
-          <p:nvPr/>
-        </p:nvPicPr>
-        <p:blipFill>
-          <a:blip r:embed="rId3"/>
-          <a:stretch>
-            <a:fillRect/>
-          </a:stretch>
-        </p:blipFill>
-        <p:spPr>
-          <a:xfrm>
-            <a:off x="5283034" y="4063365"/>
-            <a:ext cx="6555414" cy="1720215"/>
-          </a:xfrm>
-          <a:prstGeom prst="rect">
-            <a:avLst/>
-          </a:prstGeom>
-        </p:spPr>
-      </p:pic>
+      <p:sp>
+        <p:nvSpPr>
+          <p:cNvPr id="7" name="Content Placeholder 2"/>
+          <p:cNvSpPr>
+            <a:spLocks noGrp="1"/>
+          </p:cNvSpPr>
+          <p:nvPr>
+            <p:ph idx="1"/>
+          </p:nvPr>
+        </p:nvSpPr>
+        <p:spPr>
+          <a:xfrm>
+            <a:off x="203931" y="2150075"/>
+            <a:ext cx="11368171" cy="4402027"/>
+          </a:xfrm>
+        </p:spPr>
+        <p:txBody>
+          <a:bodyPr>
+            <a:normAutofit/>
+          </a:bodyPr>
+          <a:lstStyle/>
+          <a:p>
+            <a:r>
+              <a:rPr lang="en-BE" sz="1600" dirty="0" smtClean="0"/>
+              <a:t>stock_profiles: contains profile information on each stock</a:t>
+            </a:r>
+          </a:p>
+          <a:p>
+            <a:r>
+              <a:rPr lang="en-BE" sz="1600" dirty="0" smtClean="0"/>
+              <a:t>stock_ohlc: contains OHLC data on each stock</a:t>
+            </a:r>
+          </a:p>
+          <a:p>
+            <a:r>
+              <a:rPr lang="en-BE" sz="1600" dirty="0" smtClean="0"/>
+              <a:t>fx_rates: contains foreign exchange rates</a:t>
+            </a:r>
+          </a:p>
+          <a:p>
+            <a:endParaRPr lang="en-BE" sz="1600" dirty="0" smtClean="0"/>
+          </a:p>
+          <a:p>
+            <a:r>
+              <a:rPr lang="en-BE" sz="1600" dirty="0"/>
+              <a:t>bolero_map = create a mapping between bolero identifier and yahoo RIC</a:t>
+            </a:r>
+          </a:p>
+          <a:p>
+            <a:r>
+              <a:rPr lang="en-BE" sz="1600" dirty="0"/>
+              <a:t>saxo_map = create a mapping between saxo identifier and yahoo RIC</a:t>
+            </a:r>
+          </a:p>
+          <a:p>
+            <a:endParaRPr lang="en-BE" sz="1600" dirty="0" smtClean="0"/>
+          </a:p>
+          <a:p>
+            <a:r>
+              <a:rPr lang="en-BE" sz="1600" dirty="0" smtClean="0"/>
+              <a:t>transactions: contains user transactions</a:t>
+            </a:r>
+            <a:endParaRPr lang="en-BE" sz="1600" dirty="0" smtClean="0"/>
+          </a:p>
+        </p:txBody>
+      </p:sp>
     </p:spTree>
     <p:extLst>
       <p:ext uri="{BB962C8B-B14F-4D97-AF65-F5344CB8AC3E}">
-        <p14:creationId xmlns:p14="http://schemas.microsoft.com/office/powerpoint/2010/main" val="8355119"/>
+        <p14:creationId xmlns:p14="http://schemas.microsoft.com/office/powerpoint/2010/main" val="1119302274"/>
       </p:ext>
     </p:extLst>
   </p:cSld>
@@ -7049,314 +9275,6 @@
       </p:par>
     </p:tnLst>
   </p:timing>
-</p:sld>
-</file>
-
-<file path=ppt/slides/slide4.xml><?xml version="1.0" encoding="utf-8"?>
-<p:sld xmlns:a="http://schemas.openxmlformats.org/drawingml/2006/main" xmlns:r="http://schemas.openxmlformats.org/officeDocument/2006/relationships" xmlns:p="http://schemas.openxmlformats.org/presentationml/2006/main">
-  <p:cSld>
-    <p:spTree>
-      <p:nvGrpSpPr>
-        <p:cNvPr id="1" name=""/>
-        <p:cNvGrpSpPr/>
-        <p:nvPr/>
-      </p:nvGrpSpPr>
-      <p:grpSpPr>
-        <a:xfrm>
-          <a:off x="0" y="0"/>
-          <a:ext cx="0" cy="0"/>
-          <a:chOff x="0" y="0"/>
-          <a:chExt cx="0" cy="0"/>
-        </a:xfrm>
-      </p:grpSpPr>
-      <p:sp>
-        <p:nvSpPr>
-          <p:cNvPr id="2" name="Title 1"/>
-          <p:cNvSpPr>
-            <a:spLocks noGrp="1"/>
-          </p:cNvSpPr>
-          <p:nvPr>
-            <p:ph type="title"/>
-          </p:nvPr>
-        </p:nvSpPr>
-        <p:spPr>
-          <a:xfrm>
-            <a:off x="68525" y="-207198"/>
-            <a:ext cx="10515600" cy="1325563"/>
-          </a:xfrm>
-        </p:spPr>
-        <p:txBody>
-          <a:bodyPr/>
-          <a:lstStyle/>
-          <a:p>
-            <a:r>
-              <a:rPr lang="nl-BE"/>
-              <a:t>SAXO import xlsx</a:t>
-            </a:r>
-            <a:endParaRPr lang="en-US" dirty="0"/>
-          </a:p>
-        </p:txBody>
-      </p:sp>
-      <p:sp>
-        <p:nvSpPr>
-          <p:cNvPr id="3" name="Content Placeholder 2"/>
-          <p:cNvSpPr>
-            <a:spLocks noGrp="1"/>
-          </p:cNvSpPr>
-          <p:nvPr>
-            <p:ph idx="1"/>
-          </p:nvPr>
-        </p:nvSpPr>
-        <p:spPr>
-          <a:xfrm>
-            <a:off x="203932" y="1052547"/>
-            <a:ext cx="4837626" cy="5499556"/>
-          </a:xfrm>
-        </p:spPr>
-        <p:txBody>
-          <a:bodyPr>
-            <a:normAutofit/>
-          </a:bodyPr>
-          <a:lstStyle/>
-          <a:p>
-            <a:r>
-              <a:rPr lang="nl-BE" sz="2400" dirty="0"/>
-              <a:t>log in </a:t>
-            </a:r>
-            <a:r>
-              <a:rPr lang="nl-BE" sz="2400"/>
-              <a:t>op </a:t>
-            </a:r>
-            <a:r>
-              <a:rPr lang="nl-BE" sz="2400" smtClean="0"/>
-              <a:t>Saxo Investor</a:t>
-            </a:r>
-            <a:endParaRPr lang="nl-BE" sz="2400" dirty="0"/>
-          </a:p>
-          <a:p>
-            <a:r>
-              <a:rPr lang="nl-BE" sz="2400" dirty="0"/>
-              <a:t>gaar naar </a:t>
-            </a:r>
-            <a:r>
-              <a:rPr lang="nl-BE" sz="2400" dirty="0" smtClean="0"/>
-              <a:t>transacties</a:t>
-            </a:r>
-            <a:endParaRPr lang="nl-BE" sz="2400" dirty="0"/>
-          </a:p>
-          <a:p>
-            <a:r>
-              <a:rPr lang="nl-BE" sz="2400" dirty="0" smtClean="0"/>
-              <a:t>plaats aangepaste periode</a:t>
-            </a:r>
-            <a:endParaRPr lang="nl-BE" sz="2400" dirty="0"/>
-          </a:p>
-          <a:p>
-            <a:r>
-              <a:rPr lang="nl-BE" sz="2400" dirty="0" smtClean="0"/>
-              <a:t>exporteer als excel</a:t>
-            </a:r>
-            <a:endParaRPr lang="nl-BE" sz="2400" dirty="0"/>
-          </a:p>
-          <a:p>
-            <a:endParaRPr lang="nl-BE" sz="2400" dirty="0" smtClean="0"/>
-          </a:p>
-          <a:p>
-            <a:r>
-              <a:rPr lang="nl-BE" sz="2400" dirty="0"/>
-              <a:t>voeg een </a:t>
-            </a:r>
-            <a:r>
-              <a:rPr lang="nl-BE" sz="2400" i="1" dirty="0"/>
-              <a:t>symbol</a:t>
-            </a:r>
-            <a:r>
-              <a:rPr lang="nl-BE" sz="2400" dirty="0"/>
-              <a:t> kolom toe</a:t>
-            </a:r>
-          </a:p>
-          <a:p>
-            <a:r>
-              <a:rPr lang="nl-BE" sz="2400" dirty="0"/>
-              <a:t>vul het </a:t>
-            </a:r>
-            <a:r>
-              <a:rPr lang="nl-BE" sz="2400" dirty="0" smtClean="0"/>
-              <a:t>RIC als symbol in (minstens </a:t>
-            </a:r>
-            <a:r>
-              <a:rPr lang="nl-BE" sz="2400" dirty="0"/>
-              <a:t>1x per nieuwe </a:t>
-            </a:r>
-            <a:r>
-              <a:rPr lang="nl-BE" sz="2400" dirty="0" smtClean="0"/>
-              <a:t>stock)</a:t>
-            </a:r>
-            <a:endParaRPr lang="nl-BE" sz="2400" dirty="0"/>
-          </a:p>
-          <a:p>
-            <a:r>
-              <a:rPr lang="nl-BE" sz="2400" dirty="0"/>
-              <a:t>als er geen ‘nieuwe’ stocks zijn gekocht dan hoef je geen symbol in te vullen</a:t>
-            </a:r>
-            <a:endParaRPr lang="en-US" sz="2400" dirty="0"/>
-          </a:p>
-          <a:p>
-            <a:endParaRPr lang="en-US" sz="2400" dirty="0"/>
-          </a:p>
-          <a:p>
-            <a:endParaRPr lang="nl-BE" sz="2200" dirty="0" smtClean="0"/>
-          </a:p>
-        </p:txBody>
-      </p:sp>
-      <p:pic>
-        <p:nvPicPr>
-          <p:cNvPr id="6" name="Picture 5"/>
-          <p:cNvPicPr>
-            <a:picLocks noChangeAspect="1"/>
-          </p:cNvPicPr>
-          <p:nvPr/>
-        </p:nvPicPr>
-        <p:blipFill>
-          <a:blip r:embed="rId2"/>
-          <a:stretch>
-            <a:fillRect/>
-          </a:stretch>
-        </p:blipFill>
-        <p:spPr>
-          <a:xfrm>
-            <a:off x="7737781" y="21292"/>
-            <a:ext cx="2400629" cy="4461714"/>
-          </a:xfrm>
-          <a:prstGeom prst="rect">
-            <a:avLst/>
-          </a:prstGeom>
-        </p:spPr>
-      </p:pic>
-      <p:pic>
-        <p:nvPicPr>
-          <p:cNvPr id="7" name="Picture 6"/>
-          <p:cNvPicPr>
-            <a:picLocks noChangeAspect="1"/>
-          </p:cNvPicPr>
-          <p:nvPr/>
-        </p:nvPicPr>
-        <p:blipFill>
-          <a:blip r:embed="rId3"/>
-          <a:stretch>
-            <a:fillRect/>
-          </a:stretch>
-        </p:blipFill>
-        <p:spPr>
-          <a:xfrm>
-            <a:off x="546833" y="5742751"/>
-            <a:ext cx="11473718" cy="829842"/>
-          </a:xfrm>
-          <a:prstGeom prst="rect">
-            <a:avLst/>
-          </a:prstGeom>
-        </p:spPr>
-      </p:pic>
-    </p:spTree>
-    <p:extLst>
-      <p:ext uri="{BB962C8B-B14F-4D97-AF65-F5344CB8AC3E}">
-        <p14:creationId xmlns:p14="http://schemas.microsoft.com/office/powerpoint/2010/main" val="703887595"/>
-      </p:ext>
-    </p:extLst>
-  </p:cSld>
-  <p:clrMapOvr>
-    <a:masterClrMapping/>
-  </p:clrMapOvr>
-  <p:timing>
-    <p:tnLst>
-      <p:par>
-        <p:cTn id="1" dur="indefinite" restart="never" nodeType="tmRoot"/>
-      </p:par>
-    </p:tnLst>
-  </p:timing>
-</p:sld>
-</file>
-
-<file path=ppt/slides/slide5.xml><?xml version="1.0" encoding="utf-8"?>
-<p:sld xmlns:a="http://schemas.openxmlformats.org/drawingml/2006/main" xmlns:r="http://schemas.openxmlformats.org/officeDocument/2006/relationships" xmlns:p="http://schemas.openxmlformats.org/presentationml/2006/main">
-  <p:cSld>
-    <p:bg>
-      <p:bgPr>
-        <a:solidFill>
-          <a:schemeClr val="accent6">
-            <a:lumMod val="20000"/>
-            <a:lumOff val="80000"/>
-          </a:schemeClr>
-        </a:solidFill>
-        <a:effectLst/>
-      </p:bgPr>
-    </p:bg>
-    <p:spTree>
-      <p:nvGrpSpPr>
-        <p:cNvPr id="1" name=""/>
-        <p:cNvGrpSpPr/>
-        <p:nvPr/>
-      </p:nvGrpSpPr>
-      <p:grpSpPr>
-        <a:xfrm>
-          <a:off x="0" y="0"/>
-          <a:ext cx="0" cy="0"/>
-          <a:chOff x="0" y="0"/>
-          <a:chExt cx="0" cy="0"/>
-        </a:xfrm>
-      </p:grpSpPr>
-      <p:sp>
-        <p:nvSpPr>
-          <p:cNvPr id="4" name="Title 3"/>
-          <p:cNvSpPr>
-            <a:spLocks noGrp="1"/>
-          </p:cNvSpPr>
-          <p:nvPr>
-            <p:ph type="ctrTitle"/>
-          </p:nvPr>
-        </p:nvSpPr>
-        <p:spPr/>
-        <p:txBody>
-          <a:bodyPr/>
-          <a:lstStyle/>
-          <a:p>
-            <a:r>
-              <a:rPr lang="nl-BE" dirty="0" smtClean="0"/>
-              <a:t>db</a:t>
-            </a:r>
-            <a:endParaRPr lang="en-US" dirty="0"/>
-          </a:p>
-        </p:txBody>
-      </p:sp>
-      <p:sp>
-        <p:nvSpPr>
-          <p:cNvPr id="5" name="Subtitle 4"/>
-          <p:cNvSpPr>
-            <a:spLocks noGrp="1"/>
-          </p:cNvSpPr>
-          <p:nvPr>
-            <p:ph type="subTitle" idx="1"/>
-          </p:nvPr>
-        </p:nvSpPr>
-        <p:spPr/>
-        <p:txBody>
-          <a:bodyPr/>
-          <a:lstStyle/>
-          <a:p>
-            <a:endParaRPr lang="en-US"/>
-          </a:p>
-        </p:txBody>
-      </p:sp>
-    </p:spTree>
-    <p:extLst>
-      <p:ext uri="{BB962C8B-B14F-4D97-AF65-F5344CB8AC3E}">
-        <p14:creationId xmlns:p14="http://schemas.microsoft.com/office/powerpoint/2010/main" val="3187297014"/>
-      </p:ext>
-    </p:extLst>
-  </p:cSld>
-  <p:clrMapOvr>
-    <a:overrideClrMapping bg1="lt1" tx1="dk1" bg2="lt2" tx2="dk2" accent1="accent1" accent2="accent2" accent3="accent3" accent4="accent4" accent5="accent5" accent6="accent6" hlink="hlink" folHlink="folHlink"/>
-  </p:clrMapOvr>
 </p:sld>
 </file>
 
@@ -7398,16 +9316,55 @@
           <a:lstStyle/>
           <a:p>
             <a:r>
+              <a:rPr lang="en-BE" dirty="0" smtClean="0"/>
+              <a:t>stock_profiles:</a:t>
+            </a:r>
+            <a:r>
               <a:rPr lang="nl-BE" dirty="0" smtClean="0"/>
-              <a:t>DB schema</a:t>
+              <a:t> </a:t>
+            </a:r>
+            <a:r>
+              <a:rPr lang="en-BE" dirty="0" smtClean="0"/>
+              <a:t>schema</a:t>
             </a:r>
             <a:endParaRPr lang="en-US" dirty="0"/>
+          </a:p>
+        </p:txBody>
+      </p:sp>
+      <p:sp>
+        <p:nvSpPr>
+          <p:cNvPr id="3" name="Content Placeholder 2"/>
+          <p:cNvSpPr>
+            <a:spLocks noGrp="1"/>
+          </p:cNvSpPr>
+          <p:nvPr>
+            <p:ph idx="1"/>
+          </p:nvPr>
+        </p:nvSpPr>
+        <p:spPr>
+          <a:xfrm>
+            <a:off x="203931" y="1052547"/>
+            <a:ext cx="11742475" cy="5499556"/>
+          </a:xfrm>
+        </p:spPr>
+        <p:txBody>
+          <a:bodyPr>
+            <a:normAutofit/>
+          </a:bodyPr>
+          <a:lstStyle/>
+          <a:p>
+            <a:pPr lvl="1"/>
+            <a:endParaRPr lang="nl-BE" sz="1800" dirty="0" smtClean="0"/>
+          </a:p>
+          <a:p>
+            <a:pPr lvl="1"/>
+            <a:endParaRPr lang="en-US" sz="1800" dirty="0"/>
           </a:p>
         </p:txBody>
       </p:sp>
       <p:pic>
         <p:nvPicPr>
-          <p:cNvPr id="6" name="Picture 5"/>
+          <p:cNvPr id="4" name="Picture 3"/>
           <p:cNvPicPr>
             <a:picLocks noChangeAspect="1"/>
           </p:cNvPicPr>
@@ -7421,54 +9378,42 @@
         </p:blipFill>
         <p:spPr>
           <a:xfrm>
-            <a:off x="68525" y="928979"/>
-            <a:ext cx="12051846" cy="935187"/>
+            <a:off x="3231931" y="1283903"/>
+            <a:ext cx="4692332" cy="2427837"/>
           </a:xfrm>
           <a:prstGeom prst="rect">
             <a:avLst/>
           </a:prstGeom>
         </p:spPr>
       </p:pic>
-      <p:sp>
-        <p:nvSpPr>
-          <p:cNvPr id="7" name="Content Placeholder 2"/>
-          <p:cNvSpPr>
-            <a:spLocks noGrp="1"/>
-          </p:cNvSpPr>
-          <p:nvPr>
-            <p:ph idx="1"/>
-          </p:nvPr>
-        </p:nvSpPr>
-        <p:spPr>
-          <a:xfrm>
-            <a:off x="203931" y="2150075"/>
-            <a:ext cx="11368171" cy="4402027"/>
-          </a:xfrm>
-        </p:spPr>
-        <p:txBody>
-          <a:bodyPr>
-            <a:normAutofit/>
-          </a:bodyPr>
-          <a:lstStyle/>
-          <a:p>
-            <a:r>
-              <a:rPr lang="nl-BE" sz="2400" dirty="0" smtClean="0"/>
-              <a:t>the 2 _map tables are related to imports where RIC codes are missing</a:t>
-            </a:r>
-          </a:p>
-          <a:p>
-            <a:r>
-              <a:rPr lang="nl-BE" sz="2400" dirty="0" smtClean="0"/>
-              <a:t>the other 4 tables are core data tables</a:t>
-            </a:r>
-            <a:endParaRPr lang="nl-BE" sz="1800" dirty="0" smtClean="0"/>
-          </a:p>
-        </p:txBody>
-      </p:sp>
+      <p:pic>
+        <p:nvPicPr>
+          <p:cNvPr id="5" name="Picture 4"/>
+          <p:cNvPicPr>
+            <a:picLocks noChangeAspect="1"/>
+          </p:cNvPicPr>
+          <p:nvPr/>
+        </p:nvPicPr>
+        <p:blipFill>
+          <a:blip r:embed="rId3"/>
+          <a:stretch>
+            <a:fillRect/>
+          </a:stretch>
+        </p:blipFill>
+        <p:spPr>
+          <a:xfrm>
+            <a:off x="788512" y="4143611"/>
+            <a:ext cx="9579170" cy="2133785"/>
+          </a:xfrm>
+          <a:prstGeom prst="rect">
+            <a:avLst/>
+          </a:prstGeom>
+        </p:spPr>
+      </p:pic>
     </p:spTree>
     <p:extLst>
       <p:ext uri="{BB962C8B-B14F-4D97-AF65-F5344CB8AC3E}">
-        <p14:creationId xmlns:p14="http://schemas.microsoft.com/office/powerpoint/2010/main" val="1119302274"/>
+        <p14:creationId xmlns:p14="http://schemas.microsoft.com/office/powerpoint/2010/main" val="1854203341"/>
       </p:ext>
     </p:extLst>
   </p:cSld>
@@ -7523,8 +9468,20 @@
           <a:lstStyle/>
           <a:p>
             <a:r>
+              <a:rPr lang="en-BE" dirty="0" smtClean="0"/>
+              <a:t>stock_ohlc</a:t>
+            </a:r>
+            <a:r>
+              <a:rPr lang="en-BE" dirty="0" smtClean="0"/>
+              <a:t>:</a:t>
+            </a:r>
+            <a:r>
               <a:rPr lang="nl-BE" dirty="0" smtClean="0"/>
-              <a:t>transactions description</a:t>
+              <a:t> </a:t>
+            </a:r>
+            <a:r>
+              <a:rPr lang="en-BE" dirty="0"/>
+              <a:t>schema</a:t>
             </a:r>
             <a:endParaRPr lang="en-US" dirty="0"/>
           </a:p>
@@ -7542,8 +9499,8 @@
         </p:nvSpPr>
         <p:spPr>
           <a:xfrm>
-            <a:off x="203931" y="1052547"/>
-            <a:ext cx="11742475" cy="5499556"/>
+            <a:off x="203932" y="1052547"/>
+            <a:ext cx="5629310" cy="5499556"/>
           </a:xfrm>
         </p:spPr>
         <p:txBody>
@@ -7553,96 +9510,152 @@
           <a:lstStyle/>
           <a:p>
             <a:r>
-              <a:rPr lang="nl-BE" sz="2000" dirty="0" smtClean="0"/>
-              <a:t>possible types of transactions:</a:t>
-            </a:r>
+              <a:rPr lang="en-US" sz="1600" dirty="0"/>
+              <a:t>The </a:t>
+            </a:r>
+            <a:r>
+              <a:rPr lang="en-US" sz="1600" i="1" dirty="0"/>
+              <a:t>close </a:t>
+            </a:r>
+            <a:r>
+              <a:rPr lang="en-US" sz="1600" dirty="0"/>
+              <a:t>(of the OHLC, open-high-low-close) is more or less straightforward: the closing price of a stock that was registered at the end of the period. And for end of day data, it’s the trading day. It’s a raw value, and it shows just how much raw cash a stock cost at the end of the day. It does just that: tells how much a stock cost at a given date.</a:t>
+            </a:r>
+            <a:endParaRPr lang="nl-BE" sz="1400" dirty="0" smtClean="0"/>
           </a:p>
           <a:p>
             <a:pPr lvl="1"/>
-            <a:r>
-              <a:rPr lang="nl-BE" sz="1800" dirty="0" smtClean="0"/>
-              <a:t>buy: buy N amount of shares at price P</a:t>
-            </a:r>
+            <a:endParaRPr lang="en-BE" sz="1100" dirty="0" smtClean="0"/>
           </a:p>
           <a:p>
             <a:pPr lvl="1"/>
-            <a:r>
-              <a:rPr lang="nl-BE" sz="1800" dirty="0" smtClean="0"/>
-              <a:t>sell: sell N amount of shares at price P</a:t>
-            </a:r>
-          </a:p>
-          <a:p>
-            <a:pPr lvl="1"/>
-            <a:r>
-              <a:rPr lang="nl-BE" sz="1800" dirty="0" smtClean="0"/>
-              <a:t>transfer_in: bring in N shares from another broker</a:t>
-            </a:r>
-          </a:p>
-          <a:p>
-            <a:pPr lvl="1"/>
-            <a:r>
-              <a:rPr lang="nl-BE" sz="1800" dirty="0" smtClean="0"/>
-              <a:t>transfer_out: transfer out N shares to another broker</a:t>
-            </a:r>
-          </a:p>
-          <a:p>
-            <a:pPr lvl="1"/>
-            <a:r>
-              <a:rPr lang="nl-BE" sz="1800" dirty="0" smtClean="0"/>
-              <a:t>cash_in: bring in M money in your broker’s cash account</a:t>
-            </a:r>
-          </a:p>
-          <a:p>
-            <a:pPr lvl="1"/>
-            <a:r>
-              <a:rPr lang="nl-BE" sz="1800" dirty="0" smtClean="0"/>
-              <a:t>cash_out: take out M money from your broker’s cash account</a:t>
-            </a:r>
-          </a:p>
-          <a:p>
-            <a:pPr lvl="1"/>
-            <a:r>
-              <a:rPr lang="nl-BE" sz="1800" dirty="0" smtClean="0"/>
-              <a:t>div: receive dividend</a:t>
-            </a:r>
-          </a:p>
-          <a:p>
-            <a:pPr lvl="1"/>
-            <a:endParaRPr lang="nl-BE" sz="1800" dirty="0" smtClean="0"/>
-          </a:p>
-          <a:p>
-            <a:pPr lvl="1"/>
-            <a:endParaRPr lang="en-US" sz="1800" dirty="0"/>
-          </a:p>
-        </p:txBody>
-      </p:sp>
+            <a:endParaRPr lang="en-BE" sz="1100" dirty="0"/>
+          </a:p>
+          <a:p>
+            <a:r>
+              <a:rPr lang="en-BE" sz="1600" dirty="0" smtClean="0"/>
+              <a:t>D</a:t>
+            </a:r>
+            <a:r>
+              <a:rPr lang="en-US" sz="1600" dirty="0" err="1" smtClean="0"/>
+              <a:t>uring</a:t>
+            </a:r>
+            <a:r>
+              <a:rPr lang="en-US" sz="1600" dirty="0" smtClean="0"/>
+              <a:t> </a:t>
+            </a:r>
+            <a:r>
+              <a:rPr lang="en-US" sz="1600" dirty="0"/>
+              <a:t>the lifetime, there most certainly have been corporate actions that affected the price of the stock. </a:t>
+            </a:r>
+            <a:r>
+              <a:rPr lang="en-US" sz="1600" dirty="0"/>
+              <a:t>Two primaries of those are splits and dividends. To compare stock prices during the stock’s lifetime, prices need to be adjusted to get the value of adjusted close – retroactively. </a:t>
+            </a:r>
+            <a:r>
+              <a:rPr lang="en-US" sz="1600" dirty="0"/>
+              <a:t>This means prices get adjusted back in time from the date when an affecting event occurred</a:t>
+            </a:r>
+            <a:r>
+              <a:rPr lang="en-US" sz="1600" dirty="0" smtClean="0"/>
+              <a:t>.</a:t>
+            </a:r>
+            <a:endParaRPr lang="en-BE" sz="1600" dirty="0" smtClean="0"/>
+          </a:p>
+          <a:p>
+            <a:endParaRPr lang="en-BE" sz="1600" dirty="0"/>
+          </a:p>
+          <a:p>
+            <a:r>
+              <a:rPr lang="en-US" sz="1600" dirty="0">
+                <a:hlinkClick r:id="rId2"/>
+              </a:rPr>
+              <a:t>https://eodhd.com/financial-academy/financial-faq/adjusted-close-and-close-whats-the-difference</a:t>
+            </a:r>
+            <a:r>
+              <a:rPr lang="en-US" sz="1600" dirty="0" smtClean="0">
+                <a:hlinkClick r:id="rId2"/>
+              </a:rPr>
+              <a:t>/</a:t>
+            </a:r>
+            <a:endParaRPr lang="en-BE" sz="1600" dirty="0" smtClean="0"/>
+          </a:p>
+          <a:p>
+            <a:endParaRPr lang="en-US" sz="1600" dirty="0"/>
+          </a:p>
+        </p:txBody>
+      </p:sp>
+      <p:pic>
+        <p:nvPicPr>
+          <p:cNvPr id="5" name="Picture 4"/>
+          <p:cNvPicPr>
+            <a:picLocks noChangeAspect="1"/>
+          </p:cNvPicPr>
+          <p:nvPr/>
+        </p:nvPicPr>
+        <p:blipFill>
+          <a:blip r:embed="rId3"/>
+          <a:stretch>
+            <a:fillRect/>
+          </a:stretch>
+        </p:blipFill>
+        <p:spPr>
+          <a:xfrm>
+            <a:off x="6204544" y="3609557"/>
+            <a:ext cx="5258256" cy="1623201"/>
+          </a:xfrm>
+          <a:prstGeom prst="rect">
+            <a:avLst/>
+          </a:prstGeom>
+        </p:spPr>
+      </p:pic>
+      <p:pic>
+        <p:nvPicPr>
+          <p:cNvPr id="6" name="Picture 5"/>
+          <p:cNvPicPr>
+            <a:picLocks noChangeAspect="1"/>
+          </p:cNvPicPr>
+          <p:nvPr/>
+        </p:nvPicPr>
+        <p:blipFill>
+          <a:blip r:embed="rId4"/>
+          <a:stretch>
+            <a:fillRect/>
+          </a:stretch>
+        </p:blipFill>
+        <p:spPr>
+          <a:xfrm>
+            <a:off x="6345527" y="1297553"/>
+            <a:ext cx="4976291" cy="1691787"/>
+          </a:xfrm>
+          <a:prstGeom prst="rect">
+            <a:avLst/>
+          </a:prstGeom>
+        </p:spPr>
+      </p:pic>
     </p:spTree>
     <p:extLst>
       <p:ext uri="{BB962C8B-B14F-4D97-AF65-F5344CB8AC3E}">
-        <p14:creationId xmlns:p14="http://schemas.microsoft.com/office/powerpoint/2010/main" val="1854203341"/>
+        <p14:creationId xmlns:p14="http://schemas.microsoft.com/office/powerpoint/2010/main" val="612455152"/>
       </p:ext>
     </p:extLst>
   </p:cSld>
   <p:clrMapOvr>
     <a:masterClrMapping/>
   </p:clrMapOvr>
+  <p:timing>
+    <p:tnLst>
+      <p:par>
+        <p:cTn id="1" dur="indefinite" restart="never" nodeType="tmRoot"/>
+      </p:par>
+    </p:tnLst>
+  </p:timing>
 </p:sld>
 </file>
 
 <file path=ppt/slides/slide8.xml><?xml version="1.0" encoding="utf-8"?>
 <p:sld xmlns:a="http://schemas.openxmlformats.org/drawingml/2006/main" xmlns:r="http://schemas.openxmlformats.org/officeDocument/2006/relationships" xmlns:p="http://schemas.openxmlformats.org/presentationml/2006/main">
   <p:cSld>
-    <p:bg>
-      <p:bgPr>
-        <a:solidFill>
-          <a:schemeClr val="accent6">
-            <a:lumMod val="20000"/>
-            <a:lumOff val="80000"/>
-          </a:schemeClr>
-        </a:solidFill>
-        <a:effectLst/>
-      </p:bgPr>
-    </p:bg>
     <p:spTree>
       <p:nvGrpSpPr>
         <p:cNvPr id="1" name=""/>
@@ -7659,22 +9672,39 @@
       </p:grpSpPr>
       <p:sp>
         <p:nvSpPr>
-          <p:cNvPr id="4" name="Title 3"/>
-          <p:cNvSpPr>
-            <a:spLocks noGrp="1"/>
-          </p:cNvSpPr>
-          <p:nvPr>
-            <p:ph type="ctrTitle"/>
-          </p:nvPr>
-        </p:nvSpPr>
-        <p:spPr/>
+          <p:cNvPr id="2" name="Title 1"/>
+          <p:cNvSpPr>
+            <a:spLocks noGrp="1"/>
+          </p:cNvSpPr>
+          <p:nvPr>
+            <p:ph type="title"/>
+          </p:nvPr>
+        </p:nvSpPr>
+        <p:spPr>
+          <a:xfrm>
+            <a:off x="68525" y="-207198"/>
+            <a:ext cx="10515600" cy="1325563"/>
+          </a:xfrm>
+        </p:spPr>
         <p:txBody>
           <a:bodyPr/>
           <a:lstStyle/>
           <a:p>
             <a:r>
+              <a:rPr lang="en-BE" dirty="0" smtClean="0"/>
+              <a:t>fx_rates</a:t>
+            </a:r>
+            <a:r>
+              <a:rPr lang="en-BE" dirty="0" smtClean="0"/>
+              <a:t>:</a:t>
+            </a:r>
+            <a:r>
               <a:rPr lang="nl-BE" dirty="0" smtClean="0"/>
-              <a:t>reactivity</a:t>
+              <a:t> </a:t>
+            </a:r>
+            <a:r>
+              <a:rPr lang="en-BE" dirty="0"/>
+              <a:t>schema</a:t>
             </a:r>
             <a:endParaRPr lang="en-US" dirty="0"/>
           </a:p>
@@ -7682,33 +9712,163 @@
       </p:sp>
       <p:sp>
         <p:nvSpPr>
-          <p:cNvPr id="5" name="Subtitle 4"/>
-          <p:cNvSpPr>
-            <a:spLocks noGrp="1"/>
-          </p:cNvSpPr>
-          <p:nvPr>
-            <p:ph type="subTitle" idx="1"/>
-          </p:nvPr>
-        </p:nvSpPr>
-        <p:spPr/>
-        <p:txBody>
-          <a:bodyPr/>
-          <a:lstStyle/>
-          <a:p>
-            <a:endParaRPr lang="en-US"/>
-          </a:p>
-        </p:txBody>
-      </p:sp>
+          <p:cNvPr id="3" name="Content Placeholder 2"/>
+          <p:cNvSpPr>
+            <a:spLocks noGrp="1"/>
+          </p:cNvSpPr>
+          <p:nvPr>
+            <p:ph idx="1"/>
+          </p:nvPr>
+        </p:nvSpPr>
+        <p:spPr>
+          <a:xfrm>
+            <a:off x="322174" y="965836"/>
+            <a:ext cx="5629310" cy="5499556"/>
+          </a:xfrm>
+        </p:spPr>
+        <p:txBody>
+          <a:bodyPr>
+            <a:normAutofit/>
+          </a:bodyPr>
+          <a:lstStyle/>
+          <a:p>
+            <a:r>
+              <a:rPr lang="en-BE" sz="1600" dirty="0" smtClean="0"/>
+              <a:t>fx_rates are stored with a daily interval</a:t>
+            </a:r>
+          </a:p>
+          <a:p>
+            <a:endParaRPr lang="en-BE" sz="1600" dirty="0" smtClean="0"/>
+          </a:p>
+          <a:p>
+            <a:r>
+              <a:rPr lang="en-BE" sz="1600" dirty="0" smtClean="0"/>
+              <a:t>how to interpret EUR/USD = 1,1</a:t>
+            </a:r>
+          </a:p>
+          <a:p>
+            <a:pPr lvl="1"/>
+            <a:r>
+              <a:rPr lang="en-BE" sz="1600" dirty="0" smtClean="0"/>
+              <a:t>wrong: </a:t>
+            </a:r>
+          </a:p>
+          <a:p>
+            <a:pPr lvl="2"/>
+            <a:r>
+              <a:rPr lang="en-BE" sz="1600" dirty="0" smtClean="0"/>
+              <a:t>do not interpret / as a division, e.g. DO NOT read “euro PER usd”</a:t>
+            </a:r>
+          </a:p>
+          <a:p>
+            <a:pPr lvl="1"/>
+            <a:r>
+              <a:rPr lang="en-BE" sz="1600" dirty="0" smtClean="0"/>
+              <a:t>correct: </a:t>
+            </a:r>
+          </a:p>
+          <a:p>
+            <a:pPr lvl="2"/>
+            <a:r>
+              <a:rPr lang="en-BE" sz="1600" dirty="0" smtClean="0"/>
+              <a:t>interpret / as ‘to’, e.g. read from EUR to USD you multiply with 1,1</a:t>
+            </a:r>
+            <a:endParaRPr lang="en-BE" sz="1600" dirty="0"/>
+          </a:p>
+          <a:p>
+            <a:pPr lvl="2"/>
+            <a:r>
+              <a:rPr lang="en-BE" sz="1600" dirty="0" smtClean="0"/>
+              <a:t>1 euro = 1,1 USD</a:t>
+            </a:r>
+          </a:p>
+          <a:p>
+            <a:pPr lvl="2"/>
+            <a:r>
+              <a:rPr lang="en-US" sz="1600" dirty="0"/>
+              <a:t>You can think of it not as an exchange rate between currencies but as a comparison of the "strength" of one currency to the other</a:t>
+            </a:r>
+            <a:r>
+              <a:rPr lang="en-US" sz="1600" dirty="0" smtClean="0"/>
+              <a:t>.</a:t>
+            </a:r>
+            <a:endParaRPr lang="en-BE" sz="1600" dirty="0" smtClean="0"/>
+          </a:p>
+          <a:p>
+            <a:pPr lvl="2"/>
+            <a:r>
+              <a:rPr lang="en-US" sz="1600" dirty="0"/>
+              <a:t>So EUR/USD = 1.2 says with one EUR you can buy 1.2 times the consumer goods basket than you can buy with 1 USD.</a:t>
+            </a:r>
+            <a:endParaRPr lang="en-BE" sz="1600" dirty="0"/>
+          </a:p>
+        </p:txBody>
+      </p:sp>
+      <p:pic>
+        <p:nvPicPr>
+          <p:cNvPr id="4" name="Picture 3"/>
+          <p:cNvPicPr>
+            <a:picLocks noChangeAspect="1"/>
+          </p:cNvPicPr>
+          <p:nvPr/>
+        </p:nvPicPr>
+        <p:blipFill>
+          <a:blip r:embed="rId2"/>
+          <a:stretch>
+            <a:fillRect/>
+          </a:stretch>
+        </p:blipFill>
+        <p:spPr>
+          <a:xfrm>
+            <a:off x="7749507" y="900832"/>
+            <a:ext cx="3787468" cy="815411"/>
+          </a:xfrm>
+          <a:prstGeom prst="rect">
+            <a:avLst/>
+          </a:prstGeom>
+        </p:spPr>
+      </p:pic>
+      <p:pic>
+        <p:nvPicPr>
+          <p:cNvPr id="7" name="Picture 6"/>
+          <p:cNvPicPr>
+            <a:picLocks noChangeAspect="1"/>
+          </p:cNvPicPr>
+          <p:nvPr/>
+        </p:nvPicPr>
+        <p:blipFill>
+          <a:blip r:embed="rId3"/>
+          <a:stretch>
+            <a:fillRect/>
+          </a:stretch>
+        </p:blipFill>
+        <p:spPr>
+          <a:xfrm>
+            <a:off x="7967603" y="2439887"/>
+            <a:ext cx="3635055" cy="2072820"/>
+          </a:xfrm>
+          <a:prstGeom prst="rect">
+            <a:avLst/>
+          </a:prstGeom>
+        </p:spPr>
+      </p:pic>
     </p:spTree>
     <p:extLst>
       <p:ext uri="{BB962C8B-B14F-4D97-AF65-F5344CB8AC3E}">
-        <p14:creationId xmlns:p14="http://schemas.microsoft.com/office/powerpoint/2010/main" val="1106892015"/>
+        <p14:creationId xmlns:p14="http://schemas.microsoft.com/office/powerpoint/2010/main" val="3970824759"/>
       </p:ext>
     </p:extLst>
   </p:cSld>
   <p:clrMapOvr>
     <a:masterClrMapping/>
   </p:clrMapOvr>
+  <p:timing>
+    <p:tnLst>
+      <p:par>
+        <p:cTn id="1" dur="indefinite" restart="never" nodeType="tmRoot"/>
+      </p:par>
+    </p:tnLst>
+  </p:timing>
 </p:sld>
 </file>
 
@@ -7739,14 +9899,31 @@
             <p:ph type="title"/>
           </p:nvPr>
         </p:nvSpPr>
-        <p:spPr/>
+        <p:spPr>
+          <a:xfrm>
+            <a:off x="68525" y="-207198"/>
+            <a:ext cx="10515600" cy="1325563"/>
+          </a:xfrm>
+        </p:spPr>
         <p:txBody>
           <a:bodyPr/>
           <a:lstStyle/>
           <a:p>
             <a:r>
               <a:rPr lang="nl-BE" dirty="0" smtClean="0"/>
-              <a:t>reactives</a:t>
+              <a:t>transactions</a:t>
+            </a:r>
+            <a:r>
+              <a:rPr lang="en-BE" dirty="0" smtClean="0"/>
+              <a:t>:</a:t>
+            </a:r>
+            <a:r>
+              <a:rPr lang="nl-BE" dirty="0" smtClean="0"/>
+              <a:t> </a:t>
+            </a:r>
+            <a:r>
+              <a:rPr lang="en-BE" dirty="0"/>
+              <a:t>schema</a:t>
             </a:r>
             <a:endParaRPr lang="en-US" dirty="0"/>
           </a:p>
@@ -7754,1252 +9931,155 @@
       </p:sp>
       <p:sp>
         <p:nvSpPr>
-          <p:cNvPr id="4" name="Flowchart: Magnetic Disk 3"/>
-          <p:cNvSpPr/>
-          <p:nvPr/>
-        </p:nvSpPr>
-        <p:spPr>
-          <a:xfrm>
-            <a:off x="988539" y="1890584"/>
-            <a:ext cx="840259" cy="729048"/>
-          </a:xfrm>
-          <a:prstGeom prst="flowChartMagneticDisk">
-            <a:avLst/>
-          </a:prstGeom>
-        </p:spPr>
-        <p:style>
-          <a:lnRef idx="2">
-            <a:schemeClr val="accent5">
-              <a:shade val="50000"/>
-            </a:schemeClr>
-          </a:lnRef>
-          <a:fillRef idx="1">
-            <a:schemeClr val="accent5"/>
-          </a:fillRef>
-          <a:effectRef idx="0">
-            <a:schemeClr val="accent5"/>
-          </a:effectRef>
-          <a:fontRef idx="minor">
-            <a:schemeClr val="lt1"/>
-          </a:fontRef>
-        </p:style>
-        <p:txBody>
-          <a:bodyPr rtlCol="0" anchor="ctr"/>
-          <a:lstStyle/>
-          <a:p>
-            <a:pPr algn="ctr"/>
-            <a:r>
-              <a:rPr lang="nl-BE" sz="900" dirty="0" smtClean="0"/>
-              <a:t>transactions</a:t>
-            </a:r>
-            <a:endParaRPr lang="en-US" sz="900" dirty="0"/>
-          </a:p>
-        </p:txBody>
-      </p:sp>
-      <p:sp>
-        <p:nvSpPr>
-          <p:cNvPr id="5" name="Flowchart: Magnetic Disk 4"/>
-          <p:cNvSpPr/>
-          <p:nvPr/>
-        </p:nvSpPr>
-        <p:spPr>
-          <a:xfrm>
-            <a:off x="988540" y="3095369"/>
-            <a:ext cx="840259" cy="729048"/>
-          </a:xfrm>
-          <a:prstGeom prst="flowChartMagneticDisk">
-            <a:avLst/>
-          </a:prstGeom>
-        </p:spPr>
-        <p:style>
-          <a:lnRef idx="2">
-            <a:schemeClr val="accent5">
-              <a:shade val="50000"/>
-            </a:schemeClr>
-          </a:lnRef>
-          <a:fillRef idx="1">
-            <a:schemeClr val="accent5"/>
-          </a:fillRef>
-          <a:effectRef idx="0">
-            <a:schemeClr val="accent5"/>
-          </a:effectRef>
-          <a:fontRef idx="minor">
-            <a:schemeClr val="lt1"/>
-          </a:fontRef>
-        </p:style>
-        <p:txBody>
-          <a:bodyPr rtlCol="0" anchor="ctr"/>
-          <a:lstStyle/>
-          <a:p>
-            <a:pPr algn="ctr"/>
-            <a:r>
-              <a:rPr lang="nl-BE" sz="900" dirty="0" smtClean="0"/>
-              <a:t>stock_ohlc</a:t>
-            </a:r>
-            <a:endParaRPr lang="en-US" sz="900" dirty="0"/>
-          </a:p>
-        </p:txBody>
-      </p:sp>
-      <p:sp>
-        <p:nvSpPr>
-          <p:cNvPr id="6" name="Flowchart: Magnetic Disk 5"/>
-          <p:cNvSpPr/>
-          <p:nvPr/>
-        </p:nvSpPr>
-        <p:spPr>
-          <a:xfrm>
-            <a:off x="988539" y="4436077"/>
-            <a:ext cx="840259" cy="729048"/>
-          </a:xfrm>
-          <a:prstGeom prst="flowChartMagneticDisk">
-            <a:avLst/>
-          </a:prstGeom>
-        </p:spPr>
-        <p:style>
-          <a:lnRef idx="2">
-            <a:schemeClr val="accent5">
-              <a:shade val="50000"/>
-            </a:schemeClr>
-          </a:lnRef>
-          <a:fillRef idx="1">
-            <a:schemeClr val="accent5"/>
-          </a:fillRef>
-          <a:effectRef idx="0">
-            <a:schemeClr val="accent5"/>
-          </a:effectRef>
-          <a:fontRef idx="minor">
-            <a:schemeClr val="lt1"/>
-          </a:fontRef>
-        </p:style>
-        <p:txBody>
-          <a:bodyPr rtlCol="0" anchor="ctr"/>
-          <a:lstStyle/>
-          <a:p>
-            <a:pPr algn="ctr"/>
-            <a:r>
-              <a:rPr lang="nl-BE" sz="900" dirty="0" smtClean="0"/>
-              <a:t>fx_rates</a:t>
-            </a:r>
-            <a:endParaRPr lang="en-US" sz="900" dirty="0"/>
-          </a:p>
-        </p:txBody>
-      </p:sp>
-      <p:sp>
-        <p:nvSpPr>
-          <p:cNvPr id="7" name="Chevron 6"/>
-          <p:cNvSpPr/>
-          <p:nvPr/>
-        </p:nvSpPr>
-        <p:spPr>
-          <a:xfrm>
-            <a:off x="2940910" y="1927654"/>
-            <a:ext cx="1402492" cy="654909"/>
-          </a:xfrm>
-          <a:prstGeom prst="chevron">
-            <a:avLst/>
-          </a:prstGeom>
-        </p:spPr>
-        <p:style>
-          <a:lnRef idx="2">
-            <a:schemeClr val="accent1">
-              <a:shade val="50000"/>
-            </a:schemeClr>
-          </a:lnRef>
-          <a:fillRef idx="1">
-            <a:schemeClr val="accent1"/>
-          </a:fillRef>
-          <a:effectRef idx="0">
-            <a:schemeClr val="accent1"/>
-          </a:effectRef>
-          <a:fontRef idx="minor">
-            <a:schemeClr val="lt1"/>
-          </a:fontRef>
-        </p:style>
-        <p:txBody>
-          <a:bodyPr rtlCol="0" anchor="ctr"/>
-          <a:lstStyle/>
-          <a:p>
-            <a:pPr algn="ctr"/>
-            <a:r>
-              <a:rPr lang="nl-BE" sz="900" dirty="0"/>
-              <a:t>tr()</a:t>
-            </a:r>
-            <a:endParaRPr lang="en-US" sz="900" dirty="0"/>
-          </a:p>
-        </p:txBody>
-      </p:sp>
-      <p:sp>
-        <p:nvSpPr>
-          <p:cNvPr id="8" name="Chevron 7"/>
-          <p:cNvSpPr/>
-          <p:nvPr/>
-        </p:nvSpPr>
-        <p:spPr>
-          <a:xfrm>
-            <a:off x="2940910" y="3132438"/>
-            <a:ext cx="1402492" cy="654909"/>
-          </a:xfrm>
-          <a:prstGeom prst="chevron">
-            <a:avLst/>
-          </a:prstGeom>
-        </p:spPr>
-        <p:style>
-          <a:lnRef idx="2">
-            <a:schemeClr val="accent1">
-              <a:shade val="50000"/>
-            </a:schemeClr>
-          </a:lnRef>
-          <a:fillRef idx="1">
-            <a:schemeClr val="accent1"/>
-          </a:fillRef>
-          <a:effectRef idx="0">
-            <a:schemeClr val="accent1"/>
-          </a:effectRef>
-          <a:fontRef idx="minor">
-            <a:schemeClr val="lt1"/>
-          </a:fontRef>
-        </p:style>
-        <p:txBody>
-          <a:bodyPr rtlCol="0" anchor="ctr"/>
-          <a:lstStyle/>
-          <a:p>
-            <a:pPr algn="ctr"/>
-            <a:r>
-              <a:rPr lang="nl-BE" sz="900" dirty="0" smtClean="0"/>
-              <a:t>ohlc()</a:t>
-            </a:r>
-            <a:endParaRPr lang="en-US" sz="900" dirty="0"/>
-          </a:p>
-        </p:txBody>
-      </p:sp>
-      <p:sp>
-        <p:nvSpPr>
-          <p:cNvPr id="9" name="Chevron 8"/>
-          <p:cNvSpPr/>
-          <p:nvPr/>
-        </p:nvSpPr>
-        <p:spPr>
-          <a:xfrm>
-            <a:off x="2940910" y="4473146"/>
-            <a:ext cx="1402492" cy="654909"/>
-          </a:xfrm>
-          <a:prstGeom prst="chevron">
-            <a:avLst/>
-          </a:prstGeom>
-        </p:spPr>
-        <p:style>
-          <a:lnRef idx="2">
-            <a:schemeClr val="accent1">
-              <a:shade val="50000"/>
-            </a:schemeClr>
-          </a:lnRef>
-          <a:fillRef idx="1">
-            <a:schemeClr val="accent1"/>
-          </a:fillRef>
-          <a:effectRef idx="0">
-            <a:schemeClr val="accent1"/>
-          </a:effectRef>
-          <a:fontRef idx="minor">
-            <a:schemeClr val="lt1"/>
-          </a:fontRef>
-        </p:style>
-        <p:txBody>
-          <a:bodyPr rtlCol="0" anchor="ctr"/>
-          <a:lstStyle/>
-          <a:p>
-            <a:pPr algn="ctr"/>
-            <a:r>
-              <a:rPr lang="nl-BE" sz="900" dirty="0" smtClean="0"/>
-              <a:t>fx()</a:t>
-            </a:r>
-            <a:endParaRPr lang="en-US" sz="900" dirty="0"/>
-          </a:p>
-        </p:txBody>
-      </p:sp>
-      <p:sp>
-        <p:nvSpPr>
-          <p:cNvPr id="10" name="Chevron 9"/>
-          <p:cNvSpPr/>
-          <p:nvPr/>
-        </p:nvSpPr>
-        <p:spPr>
-          <a:xfrm>
-            <a:off x="4744997" y="1927654"/>
-            <a:ext cx="1402492" cy="654909"/>
-          </a:xfrm>
-          <a:prstGeom prst="chevron">
-            <a:avLst/>
-          </a:prstGeom>
-        </p:spPr>
-        <p:style>
-          <a:lnRef idx="2">
-            <a:schemeClr val="accent1">
-              <a:shade val="50000"/>
-            </a:schemeClr>
-          </a:lnRef>
-          <a:fillRef idx="1">
-            <a:schemeClr val="accent1"/>
-          </a:fillRef>
-          <a:effectRef idx="0">
-            <a:schemeClr val="accent1"/>
-          </a:effectRef>
-          <a:fontRef idx="minor">
-            <a:schemeClr val="lt1"/>
-          </a:fontRef>
-        </p:style>
-        <p:txBody>
-          <a:bodyPr rtlCol="0" anchor="ctr"/>
-          <a:lstStyle/>
-          <a:p>
-            <a:pPr algn="ctr"/>
-            <a:r>
-              <a:rPr lang="nl-BE" sz="900" dirty="0" smtClean="0"/>
-              <a:t>tr_ext()</a:t>
-            </a:r>
-            <a:endParaRPr lang="en-US" sz="900" dirty="0"/>
-          </a:p>
-        </p:txBody>
-      </p:sp>
-      <p:sp>
-        <p:nvSpPr>
-          <p:cNvPr id="11" name="Chevron 10"/>
-          <p:cNvSpPr/>
-          <p:nvPr/>
-        </p:nvSpPr>
-        <p:spPr>
-          <a:xfrm>
-            <a:off x="6305038" y="774840"/>
-            <a:ext cx="1560040" cy="654909"/>
-          </a:xfrm>
-          <a:prstGeom prst="chevron">
-            <a:avLst/>
-          </a:prstGeom>
-        </p:spPr>
-        <p:style>
-          <a:lnRef idx="2">
-            <a:schemeClr val="accent1">
-              <a:shade val="50000"/>
-            </a:schemeClr>
-          </a:lnRef>
-          <a:fillRef idx="1">
-            <a:schemeClr val="accent1"/>
-          </a:fillRef>
-          <a:effectRef idx="0">
-            <a:schemeClr val="accent1"/>
-          </a:effectRef>
-          <a:fontRef idx="minor">
-            <a:schemeClr val="lt1"/>
-          </a:fontRef>
-        </p:style>
-        <p:txBody>
-          <a:bodyPr rtlCol="0" anchor="ctr"/>
-          <a:lstStyle/>
-          <a:p>
-            <a:pPr algn="ctr"/>
-            <a:r>
-              <a:rPr lang="nl-BE" sz="900" dirty="0"/>
-              <a:t>cash_b_evol()</a:t>
-            </a:r>
-            <a:endParaRPr lang="en-US" sz="900" dirty="0"/>
-          </a:p>
-        </p:txBody>
-      </p:sp>
-      <p:sp>
-        <p:nvSpPr>
-          <p:cNvPr id="12" name="Chevron 11"/>
-          <p:cNvSpPr/>
-          <p:nvPr/>
-        </p:nvSpPr>
-        <p:spPr>
-          <a:xfrm>
-            <a:off x="6462585" y="2686500"/>
-            <a:ext cx="1520829" cy="654909"/>
-          </a:xfrm>
-          <a:prstGeom prst="chevron">
-            <a:avLst/>
-          </a:prstGeom>
-        </p:spPr>
-        <p:style>
-          <a:lnRef idx="2">
-            <a:schemeClr val="accent1">
-              <a:shade val="50000"/>
-            </a:schemeClr>
-          </a:lnRef>
-          <a:fillRef idx="1">
-            <a:schemeClr val="accent1"/>
-          </a:fillRef>
-          <a:effectRef idx="0">
-            <a:schemeClr val="accent1"/>
-          </a:effectRef>
-          <a:fontRef idx="minor">
-            <a:schemeClr val="lt1"/>
-          </a:fontRef>
-        </p:style>
-        <p:txBody>
-          <a:bodyPr rtlCol="0" anchor="ctr"/>
-          <a:lstStyle/>
-          <a:p>
-            <a:pPr algn="ctr"/>
-            <a:r>
-              <a:rPr lang="nl-BE" sz="900" dirty="0"/>
-              <a:t>pos_sb_evol()</a:t>
-            </a:r>
-            <a:endParaRPr lang="en-US" sz="900" dirty="0"/>
-          </a:p>
-        </p:txBody>
-      </p:sp>
-      <p:sp>
-        <p:nvSpPr>
-          <p:cNvPr id="13" name="Chevron 12"/>
-          <p:cNvSpPr/>
-          <p:nvPr/>
-        </p:nvSpPr>
-        <p:spPr>
-          <a:xfrm>
-            <a:off x="8841262" y="2686499"/>
-            <a:ext cx="1402492" cy="654909"/>
-          </a:xfrm>
-          <a:prstGeom prst="chevron">
-            <a:avLst/>
-          </a:prstGeom>
-        </p:spPr>
-        <p:style>
-          <a:lnRef idx="2">
-            <a:schemeClr val="accent1">
-              <a:shade val="50000"/>
-            </a:schemeClr>
-          </a:lnRef>
-          <a:fillRef idx="1">
-            <a:schemeClr val="accent1"/>
-          </a:fillRef>
-          <a:effectRef idx="0">
-            <a:schemeClr val="accent1"/>
-          </a:effectRef>
-          <a:fontRef idx="minor">
-            <a:schemeClr val="lt1"/>
-          </a:fontRef>
-        </p:style>
-        <p:txBody>
-          <a:bodyPr rtlCol="0" anchor="ctr"/>
-          <a:lstStyle/>
-          <a:p>
-            <a:pPr algn="ctr"/>
-            <a:r>
-              <a:rPr lang="nl-BE" sz="900" dirty="0"/>
-              <a:t>pos_sb()</a:t>
-            </a:r>
-            <a:endParaRPr lang="en-US" sz="900" dirty="0"/>
-          </a:p>
-        </p:txBody>
-      </p:sp>
-      <p:cxnSp>
-        <p:nvCxnSpPr>
-          <p:cNvPr id="15" name="Straight Arrow Connector 14"/>
-          <p:cNvCxnSpPr>
-            <a:stCxn id="4" idx="4"/>
-            <a:endCxn id="7" idx="1"/>
-          </p:cNvCxnSpPr>
-          <p:nvPr/>
-        </p:nvCxnSpPr>
-        <p:spPr>
-          <a:xfrm>
-            <a:off x="1828798" y="2255108"/>
-            <a:ext cx="1439567" cy="1"/>
-          </a:xfrm>
-          <a:prstGeom prst="straightConnector1">
-            <a:avLst/>
-          </a:prstGeom>
-          <a:ln>
-            <a:tailEnd type="triangle"/>
-          </a:ln>
-        </p:spPr>
-        <p:style>
-          <a:lnRef idx="1">
-            <a:schemeClr val="dk1"/>
-          </a:lnRef>
-          <a:fillRef idx="0">
-            <a:schemeClr val="dk1"/>
-          </a:fillRef>
-          <a:effectRef idx="0">
-            <a:schemeClr val="dk1"/>
-          </a:effectRef>
-          <a:fontRef idx="minor">
-            <a:schemeClr val="tx1"/>
-          </a:fontRef>
-        </p:style>
-      </p:cxnSp>
-      <p:sp>
-        <p:nvSpPr>
-          <p:cNvPr id="17" name="TextBox 16"/>
-          <p:cNvSpPr txBox="1"/>
-          <p:nvPr/>
-        </p:nvSpPr>
-        <p:spPr>
-          <a:xfrm>
-            <a:off x="1831893" y="2021673"/>
-            <a:ext cx="704332" cy="230832"/>
+          <p:cNvPr id="3" name="Content Placeholder 2"/>
+          <p:cNvSpPr>
+            <a:spLocks noGrp="1"/>
+          </p:cNvSpPr>
+          <p:nvPr>
+            <p:ph idx="1"/>
+          </p:nvPr>
+        </p:nvSpPr>
+        <p:spPr>
+          <a:xfrm>
+            <a:off x="203931" y="1052547"/>
+            <a:ext cx="11742475" cy="5499556"/>
+          </a:xfrm>
+        </p:spPr>
+        <p:txBody>
+          <a:bodyPr>
+            <a:normAutofit/>
+          </a:bodyPr>
+          <a:lstStyle/>
+          <a:p>
+            <a:r>
+              <a:rPr lang="nl-BE" sz="1600" dirty="0" smtClean="0"/>
+              <a:t>possible types of transactions:</a:t>
+            </a:r>
+          </a:p>
+          <a:p>
+            <a:pPr lvl="1"/>
+            <a:r>
+              <a:rPr lang="nl-BE" sz="1600" dirty="0" smtClean="0"/>
+              <a:t>buy: buy N amount of shares at price P</a:t>
+            </a:r>
+          </a:p>
+          <a:p>
+            <a:pPr lvl="1"/>
+            <a:r>
+              <a:rPr lang="nl-BE" sz="1600" dirty="0" smtClean="0"/>
+              <a:t>sell: sell N amount of shares at price P</a:t>
+            </a:r>
+          </a:p>
+          <a:p>
+            <a:pPr lvl="1"/>
+            <a:r>
+              <a:rPr lang="nl-BE" sz="1600" dirty="0" smtClean="0"/>
+              <a:t>transfer_in: bring in N shares from another broker</a:t>
+            </a:r>
+          </a:p>
+          <a:p>
+            <a:pPr lvl="1"/>
+            <a:r>
+              <a:rPr lang="nl-BE" sz="1600" dirty="0" smtClean="0"/>
+              <a:t>transfer_out: transfer out N shares to another broker</a:t>
+            </a:r>
+          </a:p>
+          <a:p>
+            <a:pPr lvl="1"/>
+            <a:r>
+              <a:rPr lang="nl-BE" sz="1600" dirty="0" smtClean="0"/>
+              <a:t>cash_in: bring in M money in your broker’s cash account</a:t>
+            </a:r>
+          </a:p>
+          <a:p>
+            <a:pPr lvl="1"/>
+            <a:r>
+              <a:rPr lang="nl-BE" sz="1600" dirty="0" smtClean="0"/>
+              <a:t>cash_out: take out M money from your broker’s cash account</a:t>
+            </a:r>
+          </a:p>
+          <a:p>
+            <a:pPr lvl="1"/>
+            <a:r>
+              <a:rPr lang="nl-BE" sz="1600" dirty="0" smtClean="0"/>
+              <a:t>div: receive dividend</a:t>
+            </a:r>
+          </a:p>
+          <a:p>
+            <a:pPr lvl="1"/>
+            <a:endParaRPr lang="nl-BE" sz="1600" dirty="0" smtClean="0"/>
+          </a:p>
+          <a:p>
+            <a:pPr lvl="1"/>
+            <a:endParaRPr lang="en-US" sz="1600" dirty="0"/>
+          </a:p>
+        </p:txBody>
+      </p:sp>
+      <p:pic>
+        <p:nvPicPr>
+          <p:cNvPr id="4" name="Picture 3"/>
+          <p:cNvPicPr>
+            <a:picLocks noChangeAspect="1"/>
+          </p:cNvPicPr>
+          <p:nvPr/>
+        </p:nvPicPr>
+        <p:blipFill>
+          <a:blip r:embed="rId2"/>
+          <a:stretch>
+            <a:fillRect/>
+          </a:stretch>
+        </p:blipFill>
+        <p:spPr>
+          <a:xfrm>
+            <a:off x="7393239" y="3129455"/>
+            <a:ext cx="4328095" cy="2521004"/>
           </a:xfrm>
           <a:prstGeom prst="rect">
             <a:avLst/>
           </a:prstGeom>
-          <a:noFill/>
-        </p:spPr>
-        <p:txBody>
-          <a:bodyPr wrap="square" rtlCol="0">
-            <a:spAutoFit/>
-          </a:bodyPr>
-          <a:lstStyle/>
-          <a:p>
-            <a:r>
-              <a:rPr lang="nl-BE" sz="900" dirty="0" smtClean="0"/>
-              <a:t>polling</a:t>
-            </a:r>
-            <a:endParaRPr lang="en-US" sz="900" dirty="0"/>
-          </a:p>
-        </p:txBody>
-      </p:sp>
-      <p:sp>
-        <p:nvSpPr>
-          <p:cNvPr id="18" name="Flowchart: Magnetic Disk 17"/>
-          <p:cNvSpPr/>
-          <p:nvPr/>
-        </p:nvSpPr>
-        <p:spPr>
-          <a:xfrm>
-            <a:off x="988539" y="5776785"/>
-            <a:ext cx="840259" cy="729048"/>
-          </a:xfrm>
-          <a:prstGeom prst="flowChartMagneticDisk">
-            <a:avLst/>
-          </a:prstGeom>
-        </p:spPr>
-        <p:style>
-          <a:lnRef idx="2">
-            <a:schemeClr val="accent5">
-              <a:shade val="50000"/>
-            </a:schemeClr>
-          </a:lnRef>
-          <a:fillRef idx="1">
-            <a:schemeClr val="accent5"/>
-          </a:fillRef>
-          <a:effectRef idx="0">
-            <a:schemeClr val="accent5"/>
-          </a:effectRef>
-          <a:fontRef idx="minor">
-            <a:schemeClr val="lt1"/>
-          </a:fontRef>
-        </p:style>
-        <p:txBody>
-          <a:bodyPr rtlCol="0" anchor="ctr"/>
-          <a:lstStyle/>
-          <a:p>
-            <a:pPr algn="ctr"/>
-            <a:r>
-              <a:rPr lang="nl-BE" sz="900" dirty="0" smtClean="0"/>
-              <a:t>stock_profiles</a:t>
-            </a:r>
-            <a:endParaRPr lang="en-US" sz="900" dirty="0"/>
-          </a:p>
-        </p:txBody>
-      </p:sp>
-      <p:sp>
-        <p:nvSpPr>
-          <p:cNvPr id="19" name="Chevron 18"/>
-          <p:cNvSpPr/>
-          <p:nvPr/>
-        </p:nvSpPr>
-        <p:spPr>
-          <a:xfrm>
-            <a:off x="2940910" y="5813854"/>
-            <a:ext cx="1402492" cy="654909"/>
-          </a:xfrm>
-          <a:prstGeom prst="chevron">
-            <a:avLst/>
-          </a:prstGeom>
-        </p:spPr>
-        <p:style>
-          <a:lnRef idx="2">
-            <a:schemeClr val="accent1">
-              <a:shade val="50000"/>
-            </a:schemeClr>
-          </a:lnRef>
-          <a:fillRef idx="1">
-            <a:schemeClr val="accent1"/>
-          </a:fillRef>
-          <a:effectRef idx="0">
-            <a:schemeClr val="accent1"/>
-          </a:effectRef>
-          <a:fontRef idx="minor">
-            <a:schemeClr val="lt1"/>
-          </a:fontRef>
-        </p:style>
-        <p:txBody>
-          <a:bodyPr rtlCol="0" anchor="ctr"/>
-          <a:lstStyle/>
-          <a:p>
-            <a:pPr algn="ctr"/>
-            <a:r>
-              <a:rPr lang="nl-BE" sz="900" dirty="0" smtClean="0"/>
-              <a:t>profiles()</a:t>
-            </a:r>
-            <a:endParaRPr lang="en-US" sz="900" dirty="0"/>
-          </a:p>
-        </p:txBody>
-      </p:sp>
-      <p:cxnSp>
-        <p:nvCxnSpPr>
-          <p:cNvPr id="21" name="Straight Arrow Connector 20"/>
-          <p:cNvCxnSpPr>
-            <a:stCxn id="5" idx="4"/>
-            <a:endCxn id="8" idx="1"/>
-          </p:cNvCxnSpPr>
-          <p:nvPr/>
-        </p:nvCxnSpPr>
-        <p:spPr>
-          <a:xfrm>
-            <a:off x="1828799" y="3459893"/>
-            <a:ext cx="1439566" cy="0"/>
-          </a:xfrm>
-          <a:prstGeom prst="straightConnector1">
-            <a:avLst/>
-          </a:prstGeom>
-          <a:ln>
-            <a:tailEnd type="triangle"/>
-          </a:ln>
-        </p:spPr>
-        <p:style>
-          <a:lnRef idx="1">
-            <a:schemeClr val="dk1"/>
-          </a:lnRef>
-          <a:fillRef idx="0">
-            <a:schemeClr val="dk1"/>
-          </a:fillRef>
-          <a:effectRef idx="0">
-            <a:schemeClr val="dk1"/>
-          </a:effectRef>
-          <a:fontRef idx="minor">
-            <a:schemeClr val="tx1"/>
-          </a:fontRef>
-        </p:style>
-      </p:cxnSp>
-      <p:cxnSp>
-        <p:nvCxnSpPr>
-          <p:cNvPr id="23" name="Straight Arrow Connector 22"/>
-          <p:cNvCxnSpPr>
-            <a:stCxn id="6" idx="4"/>
-            <a:endCxn id="9" idx="1"/>
-          </p:cNvCxnSpPr>
-          <p:nvPr/>
-        </p:nvCxnSpPr>
-        <p:spPr>
-          <a:xfrm>
-            <a:off x="1828798" y="4800601"/>
-            <a:ext cx="1439567" cy="0"/>
-          </a:xfrm>
-          <a:prstGeom prst="straightConnector1">
-            <a:avLst/>
-          </a:prstGeom>
-          <a:ln>
-            <a:tailEnd type="triangle"/>
-          </a:ln>
-        </p:spPr>
-        <p:style>
-          <a:lnRef idx="1">
-            <a:schemeClr val="dk1"/>
-          </a:lnRef>
-          <a:fillRef idx="0">
-            <a:schemeClr val="dk1"/>
-          </a:fillRef>
-          <a:effectRef idx="0">
-            <a:schemeClr val="dk1"/>
-          </a:effectRef>
-          <a:fontRef idx="minor">
-            <a:schemeClr val="tx1"/>
-          </a:fontRef>
-        </p:style>
-      </p:cxnSp>
-      <p:cxnSp>
-        <p:nvCxnSpPr>
-          <p:cNvPr id="25" name="Straight Arrow Connector 24"/>
-          <p:cNvCxnSpPr>
-            <a:stCxn id="18" idx="4"/>
-            <a:endCxn id="19" idx="1"/>
-          </p:cNvCxnSpPr>
-          <p:nvPr/>
-        </p:nvCxnSpPr>
-        <p:spPr>
-          <a:xfrm>
-            <a:off x="1828798" y="6141309"/>
-            <a:ext cx="1439567" cy="0"/>
-          </a:xfrm>
-          <a:prstGeom prst="straightConnector1">
-            <a:avLst/>
-          </a:prstGeom>
-          <a:ln>
-            <a:tailEnd type="triangle"/>
-          </a:ln>
-        </p:spPr>
-        <p:style>
-          <a:lnRef idx="1">
-            <a:schemeClr val="dk1"/>
-          </a:lnRef>
-          <a:fillRef idx="0">
-            <a:schemeClr val="dk1"/>
-          </a:fillRef>
-          <a:effectRef idx="0">
-            <a:schemeClr val="dk1"/>
-          </a:effectRef>
-          <a:fontRef idx="minor">
-            <a:schemeClr val="tx1"/>
-          </a:fontRef>
-        </p:style>
-      </p:cxnSp>
-      <p:sp>
-        <p:nvSpPr>
-          <p:cNvPr id="26" name="TextBox 25"/>
-          <p:cNvSpPr txBox="1"/>
-          <p:nvPr/>
-        </p:nvSpPr>
-        <p:spPr>
-          <a:xfrm>
-            <a:off x="1831893" y="3235282"/>
-            <a:ext cx="704332" cy="230832"/>
+        </p:spPr>
+      </p:pic>
+      <p:pic>
+        <p:nvPicPr>
+          <p:cNvPr id="5" name="Picture 4"/>
+          <p:cNvPicPr>
+            <a:picLocks noChangeAspect="1"/>
+          </p:cNvPicPr>
+          <p:nvPr/>
+        </p:nvPicPr>
+        <p:blipFill>
+          <a:blip r:embed="rId3"/>
+          <a:stretch>
+            <a:fillRect/>
+          </a:stretch>
+        </p:blipFill>
+        <p:spPr>
+          <a:xfrm>
+            <a:off x="7393239" y="1189310"/>
+            <a:ext cx="4099915" cy="1394581"/>
           </a:xfrm>
           <a:prstGeom prst="rect">
             <a:avLst/>
           </a:prstGeom>
-          <a:noFill/>
-        </p:spPr>
-        <p:txBody>
-          <a:bodyPr wrap="square" rtlCol="0">
-            <a:spAutoFit/>
-          </a:bodyPr>
-          <a:lstStyle/>
-          <a:p>
-            <a:r>
-              <a:rPr lang="nl-BE" sz="900" dirty="0" smtClean="0"/>
-              <a:t>polling</a:t>
-            </a:r>
-            <a:endParaRPr lang="en-US" sz="900" dirty="0"/>
-          </a:p>
-        </p:txBody>
-      </p:sp>
-      <p:sp>
-        <p:nvSpPr>
-          <p:cNvPr id="27" name="TextBox 26"/>
-          <p:cNvSpPr txBox="1"/>
-          <p:nvPr/>
-        </p:nvSpPr>
-        <p:spPr>
-          <a:xfrm>
-            <a:off x="1831893" y="4563176"/>
-            <a:ext cx="704332" cy="230832"/>
-          </a:xfrm>
-          <a:prstGeom prst="rect">
-            <a:avLst/>
-          </a:prstGeom>
-          <a:noFill/>
-        </p:spPr>
-        <p:txBody>
-          <a:bodyPr wrap="square" rtlCol="0">
-            <a:spAutoFit/>
-          </a:bodyPr>
-          <a:lstStyle/>
-          <a:p>
-            <a:r>
-              <a:rPr lang="nl-BE" sz="900" dirty="0" smtClean="0"/>
-              <a:t>polling</a:t>
-            </a:r>
-            <a:endParaRPr lang="en-US" sz="900" dirty="0"/>
-          </a:p>
-        </p:txBody>
-      </p:sp>
-      <p:sp>
-        <p:nvSpPr>
-          <p:cNvPr id="28" name="TextBox 27"/>
-          <p:cNvSpPr txBox="1"/>
-          <p:nvPr/>
-        </p:nvSpPr>
-        <p:spPr>
-          <a:xfrm>
-            <a:off x="1831893" y="5903884"/>
-            <a:ext cx="704332" cy="230832"/>
-          </a:xfrm>
-          <a:prstGeom prst="rect">
-            <a:avLst/>
-          </a:prstGeom>
-          <a:noFill/>
-        </p:spPr>
-        <p:txBody>
-          <a:bodyPr wrap="square" rtlCol="0">
-            <a:spAutoFit/>
-          </a:bodyPr>
-          <a:lstStyle/>
-          <a:p>
-            <a:r>
-              <a:rPr lang="nl-BE" sz="900" dirty="0" smtClean="0"/>
-              <a:t>polling</a:t>
-            </a:r>
-            <a:endParaRPr lang="en-US" sz="900" dirty="0"/>
-          </a:p>
-        </p:txBody>
-      </p:sp>
-      <p:sp>
-        <p:nvSpPr>
-          <p:cNvPr id="30" name="Chevron 29"/>
-          <p:cNvSpPr/>
-          <p:nvPr/>
-        </p:nvSpPr>
-        <p:spPr>
-          <a:xfrm>
-            <a:off x="4877829" y="3787347"/>
-            <a:ext cx="1402492" cy="654909"/>
-          </a:xfrm>
-          <a:prstGeom prst="chevron">
-            <a:avLst/>
-          </a:prstGeom>
-        </p:spPr>
-        <p:style>
-          <a:lnRef idx="2">
-            <a:schemeClr val="accent1">
-              <a:shade val="50000"/>
-            </a:schemeClr>
-          </a:lnRef>
-          <a:fillRef idx="1">
-            <a:schemeClr val="accent1"/>
-          </a:fillRef>
-          <a:effectRef idx="0">
-            <a:schemeClr val="accent1"/>
-          </a:effectRef>
-          <a:fontRef idx="minor">
-            <a:schemeClr val="lt1"/>
-          </a:fontRef>
-        </p:style>
-        <p:txBody>
-          <a:bodyPr rtlCol="0" anchor="ctr"/>
-          <a:lstStyle/>
-          <a:p>
-            <a:pPr algn="ctr"/>
-            <a:r>
-              <a:rPr lang="nl-BE" sz="900" dirty="0" smtClean="0"/>
-              <a:t>ohlc_euro()</a:t>
-            </a:r>
-            <a:endParaRPr lang="en-US" sz="900" dirty="0"/>
-          </a:p>
-        </p:txBody>
-      </p:sp>
-      <p:cxnSp>
-        <p:nvCxnSpPr>
-          <p:cNvPr id="32" name="Straight Arrow Connector 31"/>
-          <p:cNvCxnSpPr>
-            <a:stCxn id="8" idx="3"/>
-            <a:endCxn id="30" idx="1"/>
-          </p:cNvCxnSpPr>
-          <p:nvPr/>
-        </p:nvCxnSpPr>
-        <p:spPr>
-          <a:xfrm>
-            <a:off x="4343402" y="3459893"/>
-            <a:ext cx="861882" cy="654909"/>
-          </a:xfrm>
-          <a:prstGeom prst="straightConnector1">
-            <a:avLst/>
-          </a:prstGeom>
-          <a:ln>
-            <a:tailEnd type="triangle"/>
-          </a:ln>
-        </p:spPr>
-        <p:style>
-          <a:lnRef idx="1">
-            <a:schemeClr val="dk1"/>
-          </a:lnRef>
-          <a:fillRef idx="0">
-            <a:schemeClr val="dk1"/>
-          </a:fillRef>
-          <a:effectRef idx="0">
-            <a:schemeClr val="dk1"/>
-          </a:effectRef>
-          <a:fontRef idx="minor">
-            <a:schemeClr val="tx1"/>
-          </a:fontRef>
-        </p:style>
-      </p:cxnSp>
-      <p:cxnSp>
-        <p:nvCxnSpPr>
-          <p:cNvPr id="34" name="Straight Arrow Connector 33"/>
-          <p:cNvCxnSpPr>
-            <a:stCxn id="9" idx="3"/>
-            <a:endCxn id="30" idx="1"/>
-          </p:cNvCxnSpPr>
-          <p:nvPr/>
-        </p:nvCxnSpPr>
-        <p:spPr>
-          <a:xfrm flipV="1">
-            <a:off x="4343402" y="4114802"/>
-            <a:ext cx="861882" cy="685799"/>
-          </a:xfrm>
-          <a:prstGeom prst="straightConnector1">
-            <a:avLst/>
-          </a:prstGeom>
-          <a:ln>
-            <a:tailEnd type="triangle"/>
-          </a:ln>
-        </p:spPr>
-        <p:style>
-          <a:lnRef idx="1">
-            <a:schemeClr val="dk1"/>
-          </a:lnRef>
-          <a:fillRef idx="0">
-            <a:schemeClr val="dk1"/>
-          </a:fillRef>
-          <a:effectRef idx="0">
-            <a:schemeClr val="dk1"/>
-          </a:effectRef>
-          <a:fontRef idx="minor">
-            <a:schemeClr val="tx1"/>
-          </a:fontRef>
-        </p:style>
-      </p:cxnSp>
-      <p:cxnSp>
-        <p:nvCxnSpPr>
-          <p:cNvPr id="36" name="Straight Arrow Connector 35"/>
-          <p:cNvCxnSpPr>
-            <a:stCxn id="19" idx="3"/>
-            <a:endCxn id="30" idx="1"/>
-          </p:cNvCxnSpPr>
-          <p:nvPr/>
-        </p:nvCxnSpPr>
-        <p:spPr>
-          <a:xfrm flipV="1">
-            <a:off x="4343402" y="4114802"/>
-            <a:ext cx="861882" cy="2026507"/>
-          </a:xfrm>
-          <a:prstGeom prst="straightConnector1">
-            <a:avLst/>
-          </a:prstGeom>
-          <a:ln>
-            <a:tailEnd type="triangle"/>
-          </a:ln>
-        </p:spPr>
-        <p:style>
-          <a:lnRef idx="1">
-            <a:schemeClr val="dk1"/>
-          </a:lnRef>
-          <a:fillRef idx="0">
-            <a:schemeClr val="dk1"/>
-          </a:fillRef>
-          <a:effectRef idx="0">
-            <a:schemeClr val="dk1"/>
-          </a:effectRef>
-          <a:fontRef idx="minor">
-            <a:schemeClr val="tx1"/>
-          </a:fontRef>
-        </p:style>
-      </p:cxnSp>
-      <p:cxnSp>
-        <p:nvCxnSpPr>
-          <p:cNvPr id="38" name="Straight Arrow Connector 37"/>
-          <p:cNvCxnSpPr>
-            <a:stCxn id="7" idx="3"/>
-            <a:endCxn id="10" idx="1"/>
-          </p:cNvCxnSpPr>
-          <p:nvPr/>
-        </p:nvCxnSpPr>
-        <p:spPr>
-          <a:xfrm>
-            <a:off x="4343402" y="2255109"/>
-            <a:ext cx="729050" cy="0"/>
-          </a:xfrm>
-          <a:prstGeom prst="straightConnector1">
-            <a:avLst/>
-          </a:prstGeom>
-          <a:ln>
-            <a:tailEnd type="triangle"/>
-          </a:ln>
-        </p:spPr>
-        <p:style>
-          <a:lnRef idx="1">
-            <a:schemeClr val="dk1"/>
-          </a:lnRef>
-          <a:fillRef idx="0">
-            <a:schemeClr val="dk1"/>
-          </a:fillRef>
-          <a:effectRef idx="0">
-            <a:schemeClr val="dk1"/>
-          </a:effectRef>
-          <a:fontRef idx="minor">
-            <a:schemeClr val="tx1"/>
-          </a:fontRef>
-        </p:style>
-      </p:cxnSp>
-      <p:cxnSp>
-        <p:nvCxnSpPr>
-          <p:cNvPr id="42" name="Straight Arrow Connector 41"/>
-          <p:cNvCxnSpPr>
-            <a:stCxn id="10" idx="3"/>
-            <a:endCxn id="11" idx="1"/>
-          </p:cNvCxnSpPr>
-          <p:nvPr/>
-        </p:nvCxnSpPr>
-        <p:spPr>
-          <a:xfrm flipV="1">
-            <a:off x="6147489" y="1102295"/>
-            <a:ext cx="485004" cy="1152814"/>
-          </a:xfrm>
-          <a:prstGeom prst="straightConnector1">
-            <a:avLst/>
-          </a:prstGeom>
-          <a:ln>
-            <a:tailEnd type="triangle"/>
-          </a:ln>
-        </p:spPr>
-        <p:style>
-          <a:lnRef idx="1">
-            <a:schemeClr val="dk1"/>
-          </a:lnRef>
-          <a:fillRef idx="0">
-            <a:schemeClr val="dk1"/>
-          </a:fillRef>
-          <a:effectRef idx="0">
-            <a:schemeClr val="dk1"/>
-          </a:effectRef>
-          <a:fontRef idx="minor">
-            <a:schemeClr val="tx1"/>
-          </a:fontRef>
-        </p:style>
-      </p:cxnSp>
-      <p:cxnSp>
-        <p:nvCxnSpPr>
-          <p:cNvPr id="44" name="Straight Arrow Connector 43"/>
-          <p:cNvCxnSpPr>
-            <a:stCxn id="10" idx="3"/>
-            <a:endCxn id="12" idx="1"/>
-          </p:cNvCxnSpPr>
-          <p:nvPr/>
-        </p:nvCxnSpPr>
-        <p:spPr>
-          <a:xfrm>
-            <a:off x="6147489" y="2255109"/>
-            <a:ext cx="642551" cy="758846"/>
-          </a:xfrm>
-          <a:prstGeom prst="straightConnector1">
-            <a:avLst/>
-          </a:prstGeom>
-          <a:ln>
-            <a:tailEnd type="triangle"/>
-          </a:ln>
-        </p:spPr>
-        <p:style>
-          <a:lnRef idx="1">
-            <a:schemeClr val="dk1"/>
-          </a:lnRef>
-          <a:fillRef idx="0">
-            <a:schemeClr val="dk1"/>
-          </a:fillRef>
-          <a:effectRef idx="0">
-            <a:schemeClr val="dk1"/>
-          </a:effectRef>
-          <a:fontRef idx="minor">
-            <a:schemeClr val="tx1"/>
-          </a:fontRef>
-        </p:style>
-      </p:cxnSp>
-      <p:cxnSp>
-        <p:nvCxnSpPr>
-          <p:cNvPr id="46" name="Straight Arrow Connector 45"/>
-          <p:cNvCxnSpPr>
-            <a:stCxn id="30" idx="3"/>
-            <a:endCxn id="12" idx="1"/>
-          </p:cNvCxnSpPr>
-          <p:nvPr/>
-        </p:nvCxnSpPr>
-        <p:spPr>
-          <a:xfrm flipV="1">
-            <a:off x="6280321" y="3013955"/>
-            <a:ext cx="509719" cy="1100847"/>
-          </a:xfrm>
-          <a:prstGeom prst="straightConnector1">
-            <a:avLst/>
-          </a:prstGeom>
-          <a:ln>
-            <a:tailEnd type="triangle"/>
-          </a:ln>
-        </p:spPr>
-        <p:style>
-          <a:lnRef idx="1">
-            <a:schemeClr val="dk1"/>
-          </a:lnRef>
-          <a:fillRef idx="0">
-            <a:schemeClr val="dk1"/>
-          </a:fillRef>
-          <a:effectRef idx="0">
-            <a:schemeClr val="dk1"/>
-          </a:effectRef>
-          <a:fontRef idx="minor">
-            <a:schemeClr val="tx1"/>
-          </a:fontRef>
-        </p:style>
-      </p:cxnSp>
-      <p:cxnSp>
-        <p:nvCxnSpPr>
-          <p:cNvPr id="48" name="Straight Arrow Connector 47"/>
-          <p:cNvCxnSpPr>
-            <a:stCxn id="12" idx="3"/>
-            <a:endCxn id="13" idx="1"/>
-          </p:cNvCxnSpPr>
-          <p:nvPr/>
-        </p:nvCxnSpPr>
-        <p:spPr>
-          <a:xfrm flipV="1">
-            <a:off x="7983414" y="3013954"/>
-            <a:ext cx="1185303" cy="1"/>
-          </a:xfrm>
-          <a:prstGeom prst="straightConnector1">
-            <a:avLst/>
-          </a:prstGeom>
-          <a:ln>
-            <a:tailEnd type="triangle"/>
-          </a:ln>
-        </p:spPr>
-        <p:style>
-          <a:lnRef idx="1">
-            <a:schemeClr val="dk1"/>
-          </a:lnRef>
-          <a:fillRef idx="0">
-            <a:schemeClr val="dk1"/>
-          </a:fillRef>
-          <a:effectRef idx="0">
-            <a:schemeClr val="dk1"/>
-          </a:effectRef>
-          <a:fontRef idx="minor">
-            <a:schemeClr val="tx1"/>
-          </a:fontRef>
-        </p:style>
-      </p:cxnSp>
-      <p:sp>
-        <p:nvSpPr>
-          <p:cNvPr id="3" name="TextBox 2"/>
-          <p:cNvSpPr txBox="1"/>
-          <p:nvPr/>
-        </p:nvSpPr>
-        <p:spPr>
-          <a:xfrm>
-            <a:off x="7865078" y="183845"/>
-            <a:ext cx="4326922" cy="2308324"/>
-          </a:xfrm>
-          <a:prstGeom prst="rect">
-            <a:avLst/>
-          </a:prstGeom>
-          <a:noFill/>
-        </p:spPr>
-        <p:txBody>
-          <a:bodyPr wrap="square" rtlCol="0">
-            <a:spAutoFit/>
-          </a:bodyPr>
-          <a:lstStyle/>
-          <a:p>
-            <a:r>
-              <a:rPr lang="nl-BE" b="1" dirty="0"/>
-              <a:t>use reactive expressions for calculations</a:t>
-            </a:r>
-          </a:p>
-          <a:p>
-            <a:r>
-              <a:rPr lang="nl-BE" dirty="0" smtClean="0"/>
-              <a:t>- reactive expressions are recipes for how to calculate something, shiny will determine when it is required to execute</a:t>
-            </a:r>
-          </a:p>
-          <a:p>
-            <a:r>
-              <a:rPr lang="nl-BE" dirty="0" smtClean="0"/>
-              <a:t>- can accept reactive input and deliver reactive output</a:t>
-            </a:r>
-          </a:p>
-          <a:p>
-            <a:r>
-              <a:rPr lang="nl-BE" dirty="0" smtClean="0"/>
-              <a:t>- has a cached result</a:t>
-            </a:r>
-          </a:p>
-          <a:p>
-            <a:r>
-              <a:rPr lang="nl-BE" dirty="0" smtClean="0"/>
-              <a:t>- make maximum use of this feature in shiny</a:t>
-            </a:r>
-            <a:endParaRPr lang="en-US" dirty="0"/>
-          </a:p>
-        </p:txBody>
-      </p:sp>
-      <p:sp>
-        <p:nvSpPr>
-          <p:cNvPr id="35" name="TextBox 34"/>
-          <p:cNvSpPr txBox="1"/>
-          <p:nvPr/>
-        </p:nvSpPr>
-        <p:spPr>
-          <a:xfrm>
-            <a:off x="7293574" y="4613525"/>
-            <a:ext cx="4326922" cy="1200329"/>
-          </a:xfrm>
-          <a:prstGeom prst="rect">
-            <a:avLst/>
-          </a:prstGeom>
-          <a:noFill/>
-        </p:spPr>
-        <p:txBody>
-          <a:bodyPr wrap="square" rtlCol="0">
-            <a:spAutoFit/>
-          </a:bodyPr>
-          <a:lstStyle/>
-          <a:p>
-            <a:r>
-              <a:rPr lang="nl-BE" b="1" dirty="0" smtClean="0"/>
-              <a:t>use observers for side effects</a:t>
-            </a:r>
-          </a:p>
-          <a:p>
-            <a:pPr marL="285750" indent="-285750">
-              <a:buFontTx/>
-              <a:buChar char="-"/>
-            </a:pPr>
-            <a:r>
-              <a:rPr lang="nl-BE" dirty="0" smtClean="0"/>
-              <a:t>dealing with I/O (files / DB)</a:t>
-            </a:r>
-          </a:p>
-          <a:p>
-            <a:pPr marL="285750" indent="-285750">
-              <a:buFontTx/>
-              <a:buChar char="-"/>
-            </a:pPr>
-            <a:r>
-              <a:rPr lang="nl-BE" dirty="0" smtClean="0"/>
-              <a:t>setting reactive values!</a:t>
-            </a:r>
-          </a:p>
-          <a:p>
-            <a:pPr marL="285750" indent="-285750">
-              <a:buFontTx/>
-              <a:buChar char="-"/>
-            </a:pPr>
-            <a:r>
-              <a:rPr lang="nl-BE" dirty="0" smtClean="0"/>
-              <a:t>update input elements of the shiny app</a:t>
-            </a:r>
-            <a:endParaRPr lang="en-US" dirty="0"/>
-          </a:p>
-        </p:txBody>
-      </p:sp>
+        </p:spPr>
+      </p:pic>
     </p:spTree>
     <p:extLst>
       <p:ext uri="{BB962C8B-B14F-4D97-AF65-F5344CB8AC3E}">
-        <p14:creationId xmlns:p14="http://schemas.microsoft.com/office/powerpoint/2010/main" val="2314002344"/>
+        <p14:creationId xmlns:p14="http://schemas.microsoft.com/office/powerpoint/2010/main" val="4146728882"/>
       </p:ext>
     </p:extLst>
   </p:cSld>
   <p:clrMapOvr>
     <a:masterClrMapping/>
   </p:clrMapOvr>
+  <p:timing>
+    <p:tnLst>
+      <p:par>
+        <p:cTn id="1" dur="indefinite" restart="never" nodeType="tmRoot"/>
+      </p:par>
+    </p:tnLst>
+  </p:timing>
 </p:sld>
 </file>
 
@@ -9434,47 +10514,4 @@
     </a:folHlink>
   </a:clrScheme>
 </a:themeOverride>
-</file>
-
-<file path=ppt/theme/themeOverride5.xml><?xml version="1.0" encoding="utf-8"?>
-<a:themeOverride xmlns:a="http://schemas.openxmlformats.org/drawingml/2006/main">
-  <a:clrScheme name="Office">
-    <a:dk1>
-      <a:sysClr val="windowText" lastClr="000000"/>
-    </a:dk1>
-    <a:lt1>
-      <a:sysClr val="window" lastClr="FFFFFF"/>
-    </a:lt1>
-    <a:dk2>
-      <a:srgbClr val="44546A"/>
-    </a:dk2>
-    <a:lt2>
-      <a:srgbClr val="E7E6E6"/>
-    </a:lt2>
-    <a:accent1>
-      <a:srgbClr val="5B9BD5"/>
-    </a:accent1>
-    <a:accent2>
-      <a:srgbClr val="ED7D31"/>
-    </a:accent2>
-    <a:accent3>
-      <a:srgbClr val="A5A5A5"/>
-    </a:accent3>
-    <a:accent4>
-      <a:srgbClr val="FFC000"/>
-    </a:accent4>
-    <a:accent5>
-      <a:srgbClr val="4472C4"/>
-    </a:accent5>
-    <a:accent6>
-      <a:srgbClr val="70AD47"/>
-    </a:accent6>
-    <a:hlink>
-      <a:srgbClr val="0563C1"/>
-    </a:hlink>
-    <a:folHlink>
-      <a:srgbClr val="954F72"/>
-    </a:folHlink>
-  </a:clrScheme>
-</a:themeOverride>
 </file>
--- a/doc/stock_dashboard_documentation.pptx
+++ b/doc/stock_dashboard_documentation.pptx
@@ -15,19 +15,20 @@
     <p:sldId id="283" r:id="rId9"/>
     <p:sldId id="280" r:id="rId10"/>
     <p:sldId id="258" r:id="rId11"/>
-    <p:sldId id="262" r:id="rId12"/>
-    <p:sldId id="284" r:id="rId13"/>
-    <p:sldId id="259" r:id="rId14"/>
-    <p:sldId id="260" r:id="rId15"/>
-    <p:sldId id="272" r:id="rId16"/>
-    <p:sldId id="265" r:id="rId17"/>
-    <p:sldId id="266" r:id="rId18"/>
-    <p:sldId id="268" r:id="rId19"/>
-    <p:sldId id="271" r:id="rId20"/>
-    <p:sldId id="274" r:id="rId21"/>
-    <p:sldId id="269" r:id="rId22"/>
-    <p:sldId id="275" r:id="rId23"/>
-    <p:sldId id="276" r:id="rId24"/>
+    <p:sldId id="287" r:id="rId12"/>
+    <p:sldId id="262" r:id="rId13"/>
+    <p:sldId id="284" r:id="rId14"/>
+    <p:sldId id="259" r:id="rId15"/>
+    <p:sldId id="260" r:id="rId16"/>
+    <p:sldId id="269" r:id="rId17"/>
+    <p:sldId id="286" r:id="rId18"/>
+    <p:sldId id="275" r:id="rId19"/>
+    <p:sldId id="272" r:id="rId20"/>
+    <p:sldId id="265" r:id="rId21"/>
+    <p:sldId id="266" r:id="rId22"/>
+    <p:sldId id="268" r:id="rId23"/>
+    <p:sldId id="271" r:id="rId24"/>
+    <p:sldId id="274" r:id="rId25"/>
   </p:sldIdLst>
   <p:sldSz cx="12192000" cy="6858000"/>
   <p:notesSz cx="6858000" cy="9144000"/>
@@ -3079,6 +3080,13 @@
   <p:clrMapOvr>
     <a:masterClrMapping/>
   </p:clrMapOvr>
+  <p:timing>
+    <p:tnLst>
+      <p:par>
+        <p:cTn id="1" dur="indefinite" restart="never" nodeType="tmRoot"/>
+      </p:par>
+    </p:tnLst>
+  </p:timing>
 </p:sld>
 </file>
 
@@ -4102,6 +4110,167 @@
 </file>
 
 <file path=ppt/slides/slide11.xml><?xml version="1.0" encoding="utf-8"?>
+<p:sld xmlns:a="http://schemas.openxmlformats.org/drawingml/2006/main" xmlns:r="http://schemas.openxmlformats.org/officeDocument/2006/relationships" xmlns:p="http://schemas.openxmlformats.org/presentationml/2006/main">
+  <p:cSld>
+    <p:spTree>
+      <p:nvGrpSpPr>
+        <p:cNvPr id="1" name=""/>
+        <p:cNvGrpSpPr/>
+        <p:nvPr/>
+      </p:nvGrpSpPr>
+      <p:grpSpPr>
+        <a:xfrm>
+          <a:off x="0" y="0"/>
+          <a:ext cx="0" cy="0"/>
+          <a:chOff x="0" y="0"/>
+          <a:chExt cx="0" cy="0"/>
+        </a:xfrm>
+      </p:grpSpPr>
+      <p:sp>
+        <p:nvSpPr>
+          <p:cNvPr id="2" name="Title 1"/>
+          <p:cNvSpPr>
+            <a:spLocks noGrp="1"/>
+          </p:cNvSpPr>
+          <p:nvPr>
+            <p:ph type="title"/>
+          </p:nvPr>
+        </p:nvSpPr>
+        <p:spPr>
+          <a:xfrm>
+            <a:off x="109151" y="-203286"/>
+            <a:ext cx="10515600" cy="1325563"/>
+          </a:xfrm>
+        </p:spPr>
+        <p:txBody>
+          <a:bodyPr/>
+          <a:lstStyle/>
+          <a:p>
+            <a:r>
+              <a:rPr lang="en-BE" dirty="0" smtClean="0"/>
+              <a:t>setup DB</a:t>
+            </a:r>
+            <a:endParaRPr lang="en-US" dirty="0"/>
+          </a:p>
+        </p:txBody>
+      </p:sp>
+      <p:sp>
+        <p:nvSpPr>
+          <p:cNvPr id="10" name="Content Placeholder 2"/>
+          <p:cNvSpPr>
+            <a:spLocks noGrp="1"/>
+          </p:cNvSpPr>
+          <p:nvPr>
+            <p:ph idx="1"/>
+          </p:nvPr>
+        </p:nvSpPr>
+        <p:spPr>
+          <a:xfrm>
+            <a:off x="203931" y="1052547"/>
+            <a:ext cx="11368171" cy="5499556"/>
+          </a:xfrm>
+        </p:spPr>
+        <p:txBody>
+          <a:bodyPr>
+            <a:normAutofit/>
+          </a:bodyPr>
+          <a:lstStyle/>
+          <a:p>
+            <a:r>
+              <a:rPr lang="en-BE" sz="1600" dirty="0" smtClean="0"/>
+              <a:t>Script to buil</a:t>
+            </a:r>
+            <a:r>
+              <a:rPr lang="en-BE" sz="1600" dirty="0" smtClean="0"/>
+              <a:t>d an empty db file available at</a:t>
+            </a:r>
+          </a:p>
+          <a:p>
+            <a:pPr marL="0" indent="0">
+              <a:buNone/>
+            </a:pPr>
+            <a:r>
+              <a:rPr lang="en-BE" sz="1600" dirty="0" smtClean="0"/>
+              <a:t>	</a:t>
+            </a:r>
+            <a:r>
+              <a:rPr lang="nl-BE" sz="1600" dirty="0" smtClean="0"/>
+              <a:t>scripts\</a:t>
+            </a:r>
+            <a:r>
+              <a:rPr lang="nl-BE" sz="1600" dirty="0" err="1" smtClean="0"/>
+              <a:t>setup_db.R</a:t>
+            </a:r>
+            <a:endParaRPr lang="en-BE" sz="1600" dirty="0"/>
+          </a:p>
+          <a:p>
+            <a:pPr marL="0" indent="0">
+              <a:buNone/>
+            </a:pPr>
+            <a:endParaRPr lang="en-BE" sz="1600" dirty="0"/>
+          </a:p>
+          <a:p>
+            <a:r>
+              <a:rPr lang="en-BE" sz="1600" dirty="0" smtClean="0"/>
+              <a:t>Make sure to uncomment the desired schema build calls before executing:</a:t>
+            </a:r>
+          </a:p>
+          <a:p>
+            <a:endParaRPr lang="en-BE" sz="1600" dirty="0" smtClean="0"/>
+          </a:p>
+          <a:p>
+            <a:pPr marL="0" indent="0">
+              <a:buNone/>
+            </a:pPr>
+            <a:endParaRPr lang="en-BE" sz="1600" dirty="0" smtClean="0"/>
+          </a:p>
+        </p:txBody>
+      </p:sp>
+      <p:pic>
+        <p:nvPicPr>
+          <p:cNvPr id="3" name="Picture 2"/>
+          <p:cNvPicPr>
+            <a:picLocks noChangeAspect="1"/>
+          </p:cNvPicPr>
+          <p:nvPr/>
+        </p:nvPicPr>
+        <p:blipFill>
+          <a:blip r:embed="rId2"/>
+          <a:stretch>
+            <a:fillRect/>
+          </a:stretch>
+        </p:blipFill>
+        <p:spPr>
+          <a:xfrm>
+            <a:off x="3926662" y="3081374"/>
+            <a:ext cx="3482642" cy="2446232"/>
+          </a:xfrm>
+          <a:prstGeom prst="rect">
+            <a:avLst/>
+          </a:prstGeom>
+        </p:spPr>
+      </p:pic>
+    </p:spTree>
+    <p:extLst>
+      <p:ext uri="{BB962C8B-B14F-4D97-AF65-F5344CB8AC3E}">
+        <p14:creationId xmlns:p14="http://schemas.microsoft.com/office/powerpoint/2010/main" val="1500446585"/>
+      </p:ext>
+    </p:extLst>
+  </p:cSld>
+  <p:clrMapOvr>
+    <a:masterClrMapping/>
+  </p:clrMapOvr>
+  <p:timing>
+    <p:tnLst>
+      <p:par>
+        <p:cTn id="1" dur="indefinite" restart="never" nodeType="tmRoot"/>
+      </p:par>
+    </p:tnLst>
+  </p:timing>
+</p:sld>
+</file>
+
+<file path=ppt/slides/slide12.xml><?xml version="1.0" encoding="utf-8"?>
 <p:sld xmlns:a="http://schemas.openxmlformats.org/drawingml/2006/main" xmlns:r="http://schemas.openxmlformats.org/officeDocument/2006/relationships" xmlns:p="http://schemas.openxmlformats.org/presentationml/2006/main">
   <p:cSld>
     <p:bg>
@@ -4184,242 +4353,6 @@
   </p:cSld>
   <p:clrMapOvr>
     <a:overrideClrMapping bg1="lt1" tx1="dk1" bg2="lt2" tx2="dk2" accent1="accent1" accent2="accent2" accent3="accent3" accent4="accent4" accent5="accent5" accent6="accent6" hlink="hlink" folHlink="folHlink"/>
-  </p:clrMapOvr>
-  <p:timing>
-    <p:tnLst>
-      <p:par>
-        <p:cTn id="1" dur="indefinite" restart="never" nodeType="tmRoot"/>
-      </p:par>
-    </p:tnLst>
-  </p:timing>
-</p:sld>
-</file>
-
-<file path=ppt/slides/slide12.xml><?xml version="1.0" encoding="utf-8"?>
-<p:sld xmlns:a="http://schemas.openxmlformats.org/drawingml/2006/main" xmlns:r="http://schemas.openxmlformats.org/officeDocument/2006/relationships" xmlns:p="http://schemas.openxmlformats.org/presentationml/2006/main">
-  <p:cSld>
-    <p:spTree>
-      <p:nvGrpSpPr>
-        <p:cNvPr id="1" name=""/>
-        <p:cNvGrpSpPr/>
-        <p:nvPr/>
-      </p:nvGrpSpPr>
-      <p:grpSpPr>
-        <a:xfrm>
-          <a:off x="0" y="0"/>
-          <a:ext cx="0" cy="0"/>
-          <a:chOff x="0" y="0"/>
-          <a:chExt cx="0" cy="0"/>
-        </a:xfrm>
-      </p:grpSpPr>
-      <p:sp>
-        <p:nvSpPr>
-          <p:cNvPr id="2" name="Title 1"/>
-          <p:cNvSpPr>
-            <a:spLocks noGrp="1"/>
-          </p:cNvSpPr>
-          <p:nvPr>
-            <p:ph type="title"/>
-          </p:nvPr>
-        </p:nvSpPr>
-        <p:spPr>
-          <a:xfrm>
-            <a:off x="68525" y="-207198"/>
-            <a:ext cx="10515600" cy="1325563"/>
-          </a:xfrm>
-        </p:spPr>
-        <p:txBody>
-          <a:bodyPr/>
-          <a:lstStyle/>
-          <a:p>
-            <a:r>
-              <a:rPr lang="en-BE" dirty="0" smtClean="0"/>
-              <a:t>FX: import</a:t>
-            </a:r>
-            <a:endParaRPr lang="en-US" dirty="0"/>
-          </a:p>
-        </p:txBody>
-      </p:sp>
-      <p:sp>
-        <p:nvSpPr>
-          <p:cNvPr id="3" name="Content Placeholder 2"/>
-          <p:cNvSpPr>
-            <a:spLocks noGrp="1"/>
-          </p:cNvSpPr>
-          <p:nvPr>
-            <p:ph idx="1"/>
-          </p:nvPr>
-        </p:nvSpPr>
-        <p:spPr>
-          <a:xfrm>
-            <a:off x="203931" y="1052547"/>
-            <a:ext cx="11742475" cy="5499556"/>
-          </a:xfrm>
-        </p:spPr>
-        <p:txBody>
-          <a:bodyPr>
-            <a:normAutofit/>
-          </a:bodyPr>
-          <a:lstStyle/>
-          <a:p>
-            <a:r>
-              <a:rPr lang="en-BE" sz="1600" dirty="0" smtClean="0"/>
-              <a:t>manual update in the webapp</a:t>
-            </a:r>
-          </a:p>
-          <a:p>
-            <a:pPr lvl="1"/>
-            <a:r>
-              <a:rPr lang="en-BE" sz="1600" dirty="0" smtClean="0"/>
-              <a:t>uses </a:t>
-            </a:r>
-            <a:r>
-              <a:rPr lang="nl-BE" sz="1600" dirty="0" err="1" smtClean="0"/>
-              <a:t>oanda</a:t>
-            </a:r>
-            <a:r>
-              <a:rPr lang="en-BE" sz="1600" dirty="0"/>
-              <a:t> </a:t>
-            </a:r>
-            <a:r>
-              <a:rPr lang="en-BE" sz="1600" dirty="0" smtClean="0"/>
-              <a:t>API through the wrapper in the quantmod package</a:t>
-            </a:r>
-          </a:p>
-          <a:p>
-            <a:pPr lvl="1"/>
-            <a:r>
-              <a:rPr lang="en-BE" sz="1600" dirty="0" smtClean="0"/>
-              <a:t>only 6 months history</a:t>
-            </a:r>
-          </a:p>
-          <a:p>
-            <a:pPr marL="457200" lvl="1" indent="0">
-              <a:buNone/>
-            </a:pPr>
-            <a:endParaRPr lang="en-BE" sz="1600" dirty="0" smtClean="0"/>
-          </a:p>
-          <a:p>
-            <a:r>
-              <a:rPr lang="en-BE" sz="1600" dirty="0" smtClean="0"/>
-              <a:t>manual data ingest via scripts: excelrates</a:t>
-            </a:r>
-          </a:p>
-          <a:p>
-            <a:pPr lvl="1"/>
-            <a:r>
-              <a:rPr lang="nl-BE" sz="1200" dirty="0"/>
-              <a:t>scripts\</a:t>
-            </a:r>
-            <a:r>
-              <a:rPr lang="nl-BE" sz="1200" dirty="0" err="1"/>
-              <a:t>forex_data_import</a:t>
-            </a:r>
-            <a:r>
-              <a:rPr lang="nl-BE" sz="1200" dirty="0"/>
-              <a:t>\</a:t>
-            </a:r>
-            <a:r>
-              <a:rPr lang="nl-BE" sz="1200" dirty="0" err="1"/>
-              <a:t>excelrates</a:t>
-            </a:r>
-            <a:endParaRPr lang="en-BE" sz="1200" dirty="0" smtClean="0"/>
-          </a:p>
-          <a:p>
-            <a:pPr lvl="1"/>
-            <a:r>
-              <a:rPr lang="en-BE" sz="1600" dirty="0" smtClean="0"/>
-              <a:t>website seems to be no longer working</a:t>
-            </a:r>
-          </a:p>
-          <a:p>
-            <a:pPr marL="457200" lvl="1" indent="0">
-              <a:buNone/>
-            </a:pPr>
-            <a:endParaRPr lang="en-BE" sz="1600" dirty="0" smtClean="0"/>
-          </a:p>
-          <a:p>
-            <a:r>
-              <a:rPr lang="en-BE" sz="1600" dirty="0" smtClean="0"/>
-              <a:t>manual </a:t>
-            </a:r>
-            <a:r>
-              <a:rPr lang="en-BE" sz="1600" dirty="0"/>
-              <a:t>data ingest via scripts: forexsb</a:t>
-            </a:r>
-            <a:endParaRPr lang="en-BE" sz="1600" dirty="0" smtClean="0"/>
-          </a:p>
-          <a:p>
-            <a:pPr lvl="1"/>
-            <a:r>
-              <a:rPr lang="nl-BE" sz="1600" dirty="0"/>
-              <a:t>scripts\</a:t>
-            </a:r>
-            <a:r>
-              <a:rPr lang="nl-BE" sz="1600" dirty="0" err="1"/>
-              <a:t>forex_data_import</a:t>
-            </a:r>
-            <a:r>
-              <a:rPr lang="nl-BE" sz="1600" dirty="0"/>
-              <a:t>\</a:t>
-            </a:r>
-            <a:r>
-              <a:rPr lang="nl-BE" sz="1600" dirty="0" err="1"/>
-              <a:t>forexsb</a:t>
-            </a:r>
-            <a:endParaRPr lang="en-BE" sz="1600" dirty="0" smtClean="0"/>
-          </a:p>
-          <a:p>
-            <a:pPr lvl="1"/>
-            <a:r>
-              <a:rPr lang="en-BE" sz="1600" dirty="0" smtClean="0"/>
-              <a:t>parser for </a:t>
-            </a:r>
-            <a:r>
-              <a:rPr lang="nl-BE" sz="1200" dirty="0" smtClean="0"/>
-              <a:t>https</a:t>
-            </a:r>
-            <a:r>
-              <a:rPr lang="nl-BE" sz="1200" dirty="0"/>
-              <a:t>://forexsb.com/historical-forex-data</a:t>
-            </a:r>
-            <a:endParaRPr lang="nl-BE" sz="1200" dirty="0"/>
-          </a:p>
-        </p:txBody>
-      </p:sp>
-      <p:pic>
-        <p:nvPicPr>
-          <p:cNvPr id="6" name="Picture 5"/>
-          <p:cNvPicPr>
-            <a:picLocks noChangeAspect="1"/>
-          </p:cNvPicPr>
-          <p:nvPr/>
-        </p:nvPicPr>
-        <p:blipFill>
-          <a:blip r:embed="rId2"/>
-          <a:stretch>
-            <a:fillRect/>
-          </a:stretch>
-        </p:blipFill>
-        <p:spPr>
-          <a:xfrm>
-            <a:off x="7283670" y="252999"/>
-            <a:ext cx="4233844" cy="2631393"/>
-          </a:xfrm>
-          <a:prstGeom prst="rect">
-            <a:avLst/>
-          </a:prstGeom>
-        </p:spPr>
-      </p:pic>
-    </p:spTree>
-    <p:extLst>
-      <p:ext uri="{BB962C8B-B14F-4D97-AF65-F5344CB8AC3E}">
-        <p14:creationId xmlns:p14="http://schemas.microsoft.com/office/powerpoint/2010/main" val="2846798314"/>
-      </p:ext>
-    </p:extLst>
-  </p:cSld>
-  <p:clrMapOvr>
-    <a:masterClrMapping/>
   </p:clrMapOvr>
   <p:timing>
     <p:tnLst>
@@ -4469,8 +4402,8 @@
           <a:lstStyle/>
           <a:p>
             <a:r>
-              <a:rPr lang="nl-BE" dirty="0" smtClean="0"/>
-              <a:t>BOLERO import xlsx</a:t>
+              <a:rPr lang="en-BE" dirty="0" smtClean="0"/>
+              <a:t>FX: import</a:t>
             </a:r>
             <a:endParaRPr lang="en-US" dirty="0"/>
           </a:p>
@@ -4488,8 +4421,8 @@
         </p:nvSpPr>
         <p:spPr>
           <a:xfrm>
-            <a:off x="203932" y="1052547"/>
-            <a:ext cx="4837626" cy="5499556"/>
+            <a:off x="203931" y="1052547"/>
+            <a:ext cx="11742475" cy="5499556"/>
           </a:xfrm>
         </p:spPr>
         <p:txBody>
@@ -4499,87 +4432,133 @@
           <a:lstStyle/>
           <a:p>
             <a:r>
-              <a:rPr lang="nl-BE" sz="2400" dirty="0"/>
-              <a:t>log in op bolero</a:t>
-            </a:r>
-          </a:p>
-          <a:p>
-            <a:r>
-              <a:rPr lang="nl-BE" sz="2400" dirty="0"/>
-              <a:t>gaar naar portefeuille</a:t>
-            </a:r>
-          </a:p>
-          <a:p>
-            <a:r>
-              <a:rPr lang="nl-BE" sz="2400" dirty="0"/>
-              <a:t>dan naar historiek</a:t>
-            </a:r>
-          </a:p>
-          <a:p>
-            <a:r>
-              <a:rPr lang="nl-BE" sz="2400" dirty="0"/>
-              <a:t>selecteer data en plak het in </a:t>
-            </a:r>
-            <a:r>
-              <a:rPr lang="nl-BE" sz="2400" dirty="0" smtClean="0"/>
-              <a:t>excel (via notepad tussenstap wordt html formatting verwijderd)</a:t>
-            </a:r>
-            <a:endParaRPr lang="nl-BE" sz="2400" dirty="0"/>
-          </a:p>
-          <a:p>
-            <a:endParaRPr lang="nl-BE" sz="2400" dirty="0" smtClean="0"/>
-          </a:p>
-          <a:p>
-            <a:r>
-              <a:rPr lang="nl-BE" sz="2400" dirty="0"/>
-              <a:t>voeg een </a:t>
-            </a:r>
-            <a:r>
-              <a:rPr lang="nl-BE" sz="2400" i="1" dirty="0"/>
-              <a:t>symbol</a:t>
-            </a:r>
-            <a:r>
-              <a:rPr lang="nl-BE" sz="2400" dirty="0"/>
-              <a:t> kolom toe</a:t>
-            </a:r>
-          </a:p>
-          <a:p>
-            <a:r>
-              <a:rPr lang="nl-BE" sz="2400" dirty="0"/>
-              <a:t>vul het </a:t>
-            </a:r>
-            <a:r>
-              <a:rPr lang="nl-BE" sz="2400" dirty="0" smtClean="0"/>
-              <a:t>RIC als symbol in (minstens </a:t>
-            </a:r>
-            <a:r>
-              <a:rPr lang="nl-BE" sz="2400" dirty="0"/>
-              <a:t>1x per nieuwe </a:t>
-            </a:r>
-            <a:r>
-              <a:rPr lang="nl-BE" sz="2400" dirty="0" smtClean="0"/>
-              <a:t>stock)</a:t>
-            </a:r>
-            <a:endParaRPr lang="nl-BE" sz="2400" dirty="0"/>
-          </a:p>
-          <a:p>
-            <a:r>
-              <a:rPr lang="nl-BE" sz="2400" dirty="0"/>
-              <a:t>als er geen ‘nieuwe’ stocks zijn gekocht dan hoef je geen symbol in te vullen</a:t>
-            </a:r>
-            <a:endParaRPr lang="en-US" sz="2400" dirty="0"/>
-          </a:p>
-          <a:p>
-            <a:endParaRPr lang="en-US" sz="2400" dirty="0"/>
-          </a:p>
-          <a:p>
-            <a:endParaRPr lang="nl-BE" sz="2200" dirty="0" smtClean="0"/>
+              <a:rPr lang="en-BE" sz="1600" dirty="0" smtClean="0"/>
+              <a:t>manual update in the webapp</a:t>
+            </a:r>
+          </a:p>
+          <a:p>
+            <a:pPr lvl="1"/>
+            <a:r>
+              <a:rPr lang="en-BE" sz="1600" dirty="0" smtClean="0"/>
+              <a:t>uses </a:t>
+            </a:r>
+            <a:r>
+              <a:rPr lang="nl-BE" sz="1600" dirty="0" err="1" smtClean="0"/>
+              <a:t>oanda</a:t>
+            </a:r>
+            <a:r>
+              <a:rPr lang="en-BE" sz="1600" dirty="0"/>
+              <a:t> </a:t>
+            </a:r>
+            <a:r>
+              <a:rPr lang="en-BE" sz="1600" dirty="0" smtClean="0"/>
+              <a:t>API through the wrapper in the quantmod package</a:t>
+            </a:r>
+          </a:p>
+          <a:p>
+            <a:pPr lvl="1"/>
+            <a:r>
+              <a:rPr lang="en-BE" sz="1600" dirty="0" smtClean="0"/>
+              <a:t>only 6 months history</a:t>
+            </a:r>
+          </a:p>
+          <a:p>
+            <a:pPr marL="457200" lvl="1" indent="0">
+              <a:buNone/>
+            </a:pPr>
+            <a:endParaRPr lang="en-BE" sz="1600" dirty="0" smtClean="0"/>
+          </a:p>
+          <a:p>
+            <a:r>
+              <a:rPr lang="en-BE" sz="1600" dirty="0" smtClean="0"/>
+              <a:t>manual data ingest via scripts: excelrates</a:t>
+            </a:r>
+          </a:p>
+          <a:p>
+            <a:pPr lvl="1"/>
+            <a:r>
+              <a:rPr lang="nl-BE" sz="1200" dirty="0"/>
+              <a:t>scripts\</a:t>
+            </a:r>
+            <a:r>
+              <a:rPr lang="nl-BE" sz="1200" dirty="0" err="1"/>
+              <a:t>forex_data_import</a:t>
+            </a:r>
+            <a:r>
+              <a:rPr lang="nl-BE" sz="1200" dirty="0"/>
+              <a:t>\</a:t>
+            </a:r>
+            <a:r>
+              <a:rPr lang="nl-BE" sz="1200" dirty="0" err="1"/>
+              <a:t>excelrates</a:t>
+            </a:r>
+            <a:endParaRPr lang="en-BE" sz="1200" dirty="0" smtClean="0"/>
+          </a:p>
+          <a:p>
+            <a:pPr lvl="1"/>
+            <a:r>
+              <a:rPr lang="en-BE" sz="1600" dirty="0" smtClean="0"/>
+              <a:t>website seems to be no longer working</a:t>
+            </a:r>
+          </a:p>
+          <a:p>
+            <a:pPr marL="457200" lvl="1" indent="0">
+              <a:buNone/>
+            </a:pPr>
+            <a:endParaRPr lang="en-BE" sz="1600" dirty="0" smtClean="0"/>
+          </a:p>
+          <a:p>
+            <a:r>
+              <a:rPr lang="en-BE" sz="1600" dirty="0" smtClean="0"/>
+              <a:t>manual </a:t>
+            </a:r>
+            <a:r>
+              <a:rPr lang="en-BE" sz="1600" dirty="0"/>
+              <a:t>data ingest via scripts: forexsb</a:t>
+            </a:r>
+            <a:endParaRPr lang="en-BE" sz="1600" dirty="0" smtClean="0"/>
+          </a:p>
+          <a:p>
+            <a:pPr lvl="1"/>
+            <a:r>
+              <a:rPr lang="nl-BE" sz="1600" dirty="0"/>
+              <a:t>scripts\</a:t>
+            </a:r>
+            <a:r>
+              <a:rPr lang="nl-BE" sz="1600" dirty="0" err="1"/>
+              <a:t>forex_data_import</a:t>
+            </a:r>
+            <a:r>
+              <a:rPr lang="nl-BE" sz="1600" dirty="0"/>
+              <a:t>\</a:t>
+            </a:r>
+            <a:r>
+              <a:rPr lang="nl-BE" sz="1600" dirty="0" err="1"/>
+              <a:t>forexsb</a:t>
+            </a:r>
+            <a:endParaRPr lang="en-BE" sz="1600" dirty="0" smtClean="0"/>
+          </a:p>
+          <a:p>
+            <a:pPr lvl="1"/>
+            <a:r>
+              <a:rPr lang="en-BE" sz="1600" dirty="0" smtClean="0"/>
+              <a:t>parser for </a:t>
+            </a:r>
+            <a:r>
+              <a:rPr lang="nl-BE" sz="1200" dirty="0" smtClean="0"/>
+              <a:t>https</a:t>
+            </a:r>
+            <a:r>
+              <a:rPr lang="nl-BE" sz="1200" dirty="0"/>
+              <a:t>://forexsb.com/historical-forex-data</a:t>
+            </a:r>
+            <a:endParaRPr lang="nl-BE" sz="1200" dirty="0"/>
           </a:p>
         </p:txBody>
       </p:sp>
       <p:pic>
         <p:nvPicPr>
-          <p:cNvPr id="4" name="Content Placeholder 5"/>
+          <p:cNvPr id="6" name="Picture 5"/>
           <p:cNvPicPr>
             <a:picLocks noChangeAspect="1"/>
           </p:cNvPicPr>
@@ -4593,32 +4572,8 @@
         </p:blipFill>
         <p:spPr>
           <a:xfrm>
-            <a:off x="5235555" y="213069"/>
-            <a:ext cx="6650373" cy="2956440"/>
-          </a:xfrm>
-          <a:prstGeom prst="rect">
-            <a:avLst/>
-          </a:prstGeom>
-        </p:spPr>
-      </p:pic>
-      <p:pic>
-        <p:nvPicPr>
-          <p:cNvPr id="5" name="Picture 4"/>
-          <p:cNvPicPr>
-            <a:picLocks noChangeAspect="1"/>
-          </p:cNvPicPr>
-          <p:nvPr/>
-        </p:nvPicPr>
-        <p:blipFill>
-          <a:blip r:embed="rId3"/>
-          <a:stretch>
-            <a:fillRect/>
-          </a:stretch>
-        </p:blipFill>
-        <p:spPr>
-          <a:xfrm>
-            <a:off x="5283034" y="4063365"/>
-            <a:ext cx="6555414" cy="1720215"/>
+            <a:off x="7283670" y="252999"/>
+            <a:ext cx="4233844" cy="2631393"/>
           </a:xfrm>
           <a:prstGeom prst="rect">
             <a:avLst/>
@@ -4628,7 +4583,7 @@
     </p:spTree>
     <p:extLst>
       <p:ext uri="{BB962C8B-B14F-4D97-AF65-F5344CB8AC3E}">
-        <p14:creationId xmlns:p14="http://schemas.microsoft.com/office/powerpoint/2010/main" val="8355119"/>
+        <p14:creationId xmlns:p14="http://schemas.microsoft.com/office/powerpoint/2010/main" val="2846798314"/>
       </p:ext>
     </p:extLst>
   </p:cSld>
@@ -4683,6 +4638,220 @@
           <a:lstStyle/>
           <a:p>
             <a:r>
+              <a:rPr lang="nl-BE" dirty="0" smtClean="0"/>
+              <a:t>BOLERO import xlsx</a:t>
+            </a:r>
+            <a:endParaRPr lang="en-US" dirty="0"/>
+          </a:p>
+        </p:txBody>
+      </p:sp>
+      <p:sp>
+        <p:nvSpPr>
+          <p:cNvPr id="3" name="Content Placeholder 2"/>
+          <p:cNvSpPr>
+            <a:spLocks noGrp="1"/>
+          </p:cNvSpPr>
+          <p:nvPr>
+            <p:ph idx="1"/>
+          </p:nvPr>
+        </p:nvSpPr>
+        <p:spPr>
+          <a:xfrm>
+            <a:off x="203932" y="1052547"/>
+            <a:ext cx="4837626" cy="5499556"/>
+          </a:xfrm>
+        </p:spPr>
+        <p:txBody>
+          <a:bodyPr>
+            <a:normAutofit/>
+          </a:bodyPr>
+          <a:lstStyle/>
+          <a:p>
+            <a:r>
+              <a:rPr lang="nl-BE" sz="2400" dirty="0"/>
+              <a:t>log in op bolero</a:t>
+            </a:r>
+          </a:p>
+          <a:p>
+            <a:r>
+              <a:rPr lang="nl-BE" sz="2400" dirty="0"/>
+              <a:t>gaar naar portefeuille</a:t>
+            </a:r>
+          </a:p>
+          <a:p>
+            <a:r>
+              <a:rPr lang="nl-BE" sz="2400" dirty="0"/>
+              <a:t>dan naar historiek</a:t>
+            </a:r>
+          </a:p>
+          <a:p>
+            <a:r>
+              <a:rPr lang="nl-BE" sz="2400" dirty="0"/>
+              <a:t>selecteer data en plak het in </a:t>
+            </a:r>
+            <a:r>
+              <a:rPr lang="nl-BE" sz="2400" dirty="0" smtClean="0"/>
+              <a:t>excel (via notepad tussenstap wordt html formatting verwijderd)</a:t>
+            </a:r>
+            <a:endParaRPr lang="nl-BE" sz="2400" dirty="0"/>
+          </a:p>
+          <a:p>
+            <a:endParaRPr lang="nl-BE" sz="2400" dirty="0" smtClean="0"/>
+          </a:p>
+          <a:p>
+            <a:r>
+              <a:rPr lang="nl-BE" sz="2400" dirty="0"/>
+              <a:t>voeg een </a:t>
+            </a:r>
+            <a:r>
+              <a:rPr lang="nl-BE" sz="2400" i="1" dirty="0"/>
+              <a:t>symbol</a:t>
+            </a:r>
+            <a:r>
+              <a:rPr lang="nl-BE" sz="2400" dirty="0"/>
+              <a:t> kolom toe</a:t>
+            </a:r>
+          </a:p>
+          <a:p>
+            <a:r>
+              <a:rPr lang="nl-BE" sz="2400" dirty="0"/>
+              <a:t>vul het </a:t>
+            </a:r>
+            <a:r>
+              <a:rPr lang="nl-BE" sz="2400" dirty="0" smtClean="0"/>
+              <a:t>RIC als symbol in (minstens </a:t>
+            </a:r>
+            <a:r>
+              <a:rPr lang="nl-BE" sz="2400" dirty="0"/>
+              <a:t>1x per nieuwe </a:t>
+            </a:r>
+            <a:r>
+              <a:rPr lang="nl-BE" sz="2400" dirty="0" smtClean="0"/>
+              <a:t>stock)</a:t>
+            </a:r>
+            <a:endParaRPr lang="nl-BE" sz="2400" dirty="0"/>
+          </a:p>
+          <a:p>
+            <a:r>
+              <a:rPr lang="nl-BE" sz="2400" dirty="0"/>
+              <a:t>als er geen ‘nieuwe’ stocks zijn gekocht dan hoef je geen symbol in te vullen</a:t>
+            </a:r>
+            <a:endParaRPr lang="en-US" sz="2400" dirty="0"/>
+          </a:p>
+          <a:p>
+            <a:endParaRPr lang="en-US" sz="2400" dirty="0"/>
+          </a:p>
+          <a:p>
+            <a:endParaRPr lang="nl-BE" sz="2200" dirty="0" smtClean="0"/>
+          </a:p>
+        </p:txBody>
+      </p:sp>
+      <p:pic>
+        <p:nvPicPr>
+          <p:cNvPr id="4" name="Content Placeholder 5"/>
+          <p:cNvPicPr>
+            <a:picLocks noChangeAspect="1"/>
+          </p:cNvPicPr>
+          <p:nvPr/>
+        </p:nvPicPr>
+        <p:blipFill>
+          <a:blip r:embed="rId2"/>
+          <a:stretch>
+            <a:fillRect/>
+          </a:stretch>
+        </p:blipFill>
+        <p:spPr>
+          <a:xfrm>
+            <a:off x="5235555" y="213069"/>
+            <a:ext cx="6650373" cy="2956440"/>
+          </a:xfrm>
+          <a:prstGeom prst="rect">
+            <a:avLst/>
+          </a:prstGeom>
+        </p:spPr>
+      </p:pic>
+      <p:pic>
+        <p:nvPicPr>
+          <p:cNvPr id="5" name="Picture 4"/>
+          <p:cNvPicPr>
+            <a:picLocks noChangeAspect="1"/>
+          </p:cNvPicPr>
+          <p:nvPr/>
+        </p:nvPicPr>
+        <p:blipFill>
+          <a:blip r:embed="rId3"/>
+          <a:stretch>
+            <a:fillRect/>
+          </a:stretch>
+        </p:blipFill>
+        <p:spPr>
+          <a:xfrm>
+            <a:off x="5283034" y="4063365"/>
+            <a:ext cx="6555414" cy="1720215"/>
+          </a:xfrm>
+          <a:prstGeom prst="rect">
+            <a:avLst/>
+          </a:prstGeom>
+        </p:spPr>
+      </p:pic>
+    </p:spTree>
+    <p:extLst>
+      <p:ext uri="{BB962C8B-B14F-4D97-AF65-F5344CB8AC3E}">
+        <p14:creationId xmlns:p14="http://schemas.microsoft.com/office/powerpoint/2010/main" val="8355119"/>
+      </p:ext>
+    </p:extLst>
+  </p:cSld>
+  <p:clrMapOvr>
+    <a:masterClrMapping/>
+  </p:clrMapOvr>
+  <p:timing>
+    <p:tnLst>
+      <p:par>
+        <p:cTn id="1" dur="indefinite" restart="never" nodeType="tmRoot"/>
+      </p:par>
+    </p:tnLst>
+  </p:timing>
+</p:sld>
+</file>
+
+<file path=ppt/slides/slide15.xml><?xml version="1.0" encoding="utf-8"?>
+<p:sld xmlns:a="http://schemas.openxmlformats.org/drawingml/2006/main" xmlns:r="http://schemas.openxmlformats.org/officeDocument/2006/relationships" xmlns:p="http://schemas.openxmlformats.org/presentationml/2006/main">
+  <p:cSld>
+    <p:spTree>
+      <p:nvGrpSpPr>
+        <p:cNvPr id="1" name=""/>
+        <p:cNvGrpSpPr/>
+        <p:nvPr/>
+      </p:nvGrpSpPr>
+      <p:grpSpPr>
+        <a:xfrm>
+          <a:off x="0" y="0"/>
+          <a:ext cx="0" cy="0"/>
+          <a:chOff x="0" y="0"/>
+          <a:chExt cx="0" cy="0"/>
+        </a:xfrm>
+      </p:grpSpPr>
+      <p:sp>
+        <p:nvSpPr>
+          <p:cNvPr id="2" name="Title 1"/>
+          <p:cNvSpPr>
+            <a:spLocks noGrp="1"/>
+          </p:cNvSpPr>
+          <p:nvPr>
+            <p:ph type="title"/>
+          </p:nvPr>
+        </p:nvSpPr>
+        <p:spPr>
+          <a:xfrm>
+            <a:off x="68525" y="-207198"/>
+            <a:ext cx="10515600" cy="1325563"/>
+          </a:xfrm>
+        </p:spPr>
+        <p:txBody>
+          <a:bodyPr/>
+          <a:lstStyle/>
+          <a:p>
+            <a:r>
               <a:rPr lang="nl-BE"/>
               <a:t>SAXO import xlsx</a:t>
             </a:r>
@@ -4870,7 +5039,7 @@
 </p:sld>
 </file>
 
-<file path=ppt/slides/slide15.xml><?xml version="1.0" encoding="utf-8"?>
+<file path=ppt/slides/slide16.xml><?xml version="1.0" encoding="utf-8"?>
 <p:sld xmlns:a="http://schemas.openxmlformats.org/drawingml/2006/main" xmlns:r="http://schemas.openxmlformats.org/officeDocument/2006/relationships" xmlns:p="http://schemas.openxmlformats.org/presentationml/2006/main">
   <p:cSld>
     <p:bg>
@@ -4914,8 +5083,8 @@
           <a:lstStyle/>
           <a:p>
             <a:r>
-              <a:rPr lang="nl-BE" dirty="0" smtClean="0"/>
-              <a:t>reactivity</a:t>
+              <a:rPr lang="en-BE" dirty="0" smtClean="0"/>
+              <a:t>how to run and use the app</a:t>
             </a:r>
             <a:endParaRPr lang="en-US" dirty="0"/>
           </a:p>
@@ -4943,1304 +5112,20 @@
     </p:spTree>
     <p:extLst>
       <p:ext uri="{BB962C8B-B14F-4D97-AF65-F5344CB8AC3E}">
-        <p14:creationId xmlns:p14="http://schemas.microsoft.com/office/powerpoint/2010/main" val="1106892015"/>
+        <p14:creationId xmlns:p14="http://schemas.microsoft.com/office/powerpoint/2010/main" val="3712414989"/>
       </p:ext>
     </p:extLst>
   </p:cSld>
   <p:clrMapOvr>
-    <a:masterClrMapping/>
+    <a:overrideClrMapping bg1="lt1" tx1="dk1" bg2="lt2" tx2="dk2" accent1="accent1" accent2="accent2" accent3="accent3" accent4="accent4" accent5="accent5" accent6="accent6" hlink="hlink" folHlink="folHlink"/>
   </p:clrMapOvr>
-</p:sld>
-</file>
-
-<file path=ppt/slides/slide16.xml><?xml version="1.0" encoding="utf-8"?>
-<p:sld xmlns:a="http://schemas.openxmlformats.org/drawingml/2006/main" xmlns:r="http://schemas.openxmlformats.org/officeDocument/2006/relationships" xmlns:p="http://schemas.openxmlformats.org/presentationml/2006/main">
-  <p:cSld>
-    <p:spTree>
-      <p:nvGrpSpPr>
-        <p:cNvPr id="1" name=""/>
-        <p:cNvGrpSpPr/>
-        <p:nvPr/>
-      </p:nvGrpSpPr>
-      <p:grpSpPr>
-        <a:xfrm>
-          <a:off x="0" y="0"/>
-          <a:ext cx="0" cy="0"/>
-          <a:chOff x="0" y="0"/>
-          <a:chExt cx="0" cy="0"/>
-        </a:xfrm>
-      </p:grpSpPr>
-      <p:sp>
-        <p:nvSpPr>
-          <p:cNvPr id="2" name="Title 1"/>
-          <p:cNvSpPr>
-            <a:spLocks noGrp="1"/>
-          </p:cNvSpPr>
-          <p:nvPr>
-            <p:ph type="title"/>
-          </p:nvPr>
-        </p:nvSpPr>
-        <p:spPr/>
-        <p:txBody>
-          <a:bodyPr/>
-          <a:lstStyle/>
-          <a:p>
-            <a:r>
-              <a:rPr lang="nl-BE" dirty="0" smtClean="0"/>
-              <a:t>reactives</a:t>
-            </a:r>
-            <a:endParaRPr lang="en-US" dirty="0"/>
-          </a:p>
-        </p:txBody>
-      </p:sp>
-      <p:sp>
-        <p:nvSpPr>
-          <p:cNvPr id="4" name="Flowchart: Magnetic Disk 3"/>
-          <p:cNvSpPr/>
-          <p:nvPr/>
-        </p:nvSpPr>
-        <p:spPr>
-          <a:xfrm>
-            <a:off x="988539" y="1890584"/>
-            <a:ext cx="840259" cy="729048"/>
-          </a:xfrm>
-          <a:prstGeom prst="flowChartMagneticDisk">
-            <a:avLst/>
-          </a:prstGeom>
-        </p:spPr>
-        <p:style>
-          <a:lnRef idx="2">
-            <a:schemeClr val="accent5">
-              <a:shade val="50000"/>
-            </a:schemeClr>
-          </a:lnRef>
-          <a:fillRef idx="1">
-            <a:schemeClr val="accent5"/>
-          </a:fillRef>
-          <a:effectRef idx="0">
-            <a:schemeClr val="accent5"/>
-          </a:effectRef>
-          <a:fontRef idx="minor">
-            <a:schemeClr val="lt1"/>
-          </a:fontRef>
-        </p:style>
-        <p:txBody>
-          <a:bodyPr rtlCol="0" anchor="ctr"/>
-          <a:lstStyle/>
-          <a:p>
-            <a:pPr algn="ctr"/>
-            <a:r>
-              <a:rPr lang="nl-BE" sz="900" dirty="0" smtClean="0"/>
-              <a:t>transactions</a:t>
-            </a:r>
-            <a:endParaRPr lang="en-US" sz="900" dirty="0"/>
-          </a:p>
-        </p:txBody>
-      </p:sp>
-      <p:sp>
-        <p:nvSpPr>
-          <p:cNvPr id="5" name="Flowchart: Magnetic Disk 4"/>
-          <p:cNvSpPr/>
-          <p:nvPr/>
-        </p:nvSpPr>
-        <p:spPr>
-          <a:xfrm>
-            <a:off x="988540" y="3095369"/>
-            <a:ext cx="840259" cy="729048"/>
-          </a:xfrm>
-          <a:prstGeom prst="flowChartMagneticDisk">
-            <a:avLst/>
-          </a:prstGeom>
-        </p:spPr>
-        <p:style>
-          <a:lnRef idx="2">
-            <a:schemeClr val="accent5">
-              <a:shade val="50000"/>
-            </a:schemeClr>
-          </a:lnRef>
-          <a:fillRef idx="1">
-            <a:schemeClr val="accent5"/>
-          </a:fillRef>
-          <a:effectRef idx="0">
-            <a:schemeClr val="accent5"/>
-          </a:effectRef>
-          <a:fontRef idx="minor">
-            <a:schemeClr val="lt1"/>
-          </a:fontRef>
-        </p:style>
-        <p:txBody>
-          <a:bodyPr rtlCol="0" anchor="ctr"/>
-          <a:lstStyle/>
-          <a:p>
-            <a:pPr algn="ctr"/>
-            <a:r>
-              <a:rPr lang="nl-BE" sz="900" dirty="0" smtClean="0"/>
-              <a:t>stock_ohlc</a:t>
-            </a:r>
-            <a:endParaRPr lang="en-US" sz="900" dirty="0"/>
-          </a:p>
-        </p:txBody>
-      </p:sp>
-      <p:sp>
-        <p:nvSpPr>
-          <p:cNvPr id="6" name="Flowchart: Magnetic Disk 5"/>
-          <p:cNvSpPr/>
-          <p:nvPr/>
-        </p:nvSpPr>
-        <p:spPr>
-          <a:xfrm>
-            <a:off x="988539" y="4436077"/>
-            <a:ext cx="840259" cy="729048"/>
-          </a:xfrm>
-          <a:prstGeom prst="flowChartMagneticDisk">
-            <a:avLst/>
-          </a:prstGeom>
-        </p:spPr>
-        <p:style>
-          <a:lnRef idx="2">
-            <a:schemeClr val="accent5">
-              <a:shade val="50000"/>
-            </a:schemeClr>
-          </a:lnRef>
-          <a:fillRef idx="1">
-            <a:schemeClr val="accent5"/>
-          </a:fillRef>
-          <a:effectRef idx="0">
-            <a:schemeClr val="accent5"/>
-          </a:effectRef>
-          <a:fontRef idx="minor">
-            <a:schemeClr val="lt1"/>
-          </a:fontRef>
-        </p:style>
-        <p:txBody>
-          <a:bodyPr rtlCol="0" anchor="ctr"/>
-          <a:lstStyle/>
-          <a:p>
-            <a:pPr algn="ctr"/>
-            <a:r>
-              <a:rPr lang="nl-BE" sz="900" dirty="0" smtClean="0"/>
-              <a:t>fx_rates</a:t>
-            </a:r>
-            <a:endParaRPr lang="en-US" sz="900" dirty="0"/>
-          </a:p>
-        </p:txBody>
-      </p:sp>
-      <p:sp>
-        <p:nvSpPr>
-          <p:cNvPr id="7" name="Chevron 6"/>
-          <p:cNvSpPr/>
-          <p:nvPr/>
-        </p:nvSpPr>
-        <p:spPr>
-          <a:xfrm>
-            <a:off x="2940910" y="1927654"/>
-            <a:ext cx="1402492" cy="654909"/>
-          </a:xfrm>
-          <a:prstGeom prst="chevron">
-            <a:avLst/>
-          </a:prstGeom>
-        </p:spPr>
-        <p:style>
-          <a:lnRef idx="2">
-            <a:schemeClr val="accent1">
-              <a:shade val="50000"/>
-            </a:schemeClr>
-          </a:lnRef>
-          <a:fillRef idx="1">
-            <a:schemeClr val="accent1"/>
-          </a:fillRef>
-          <a:effectRef idx="0">
-            <a:schemeClr val="accent1"/>
-          </a:effectRef>
-          <a:fontRef idx="minor">
-            <a:schemeClr val="lt1"/>
-          </a:fontRef>
-        </p:style>
-        <p:txBody>
-          <a:bodyPr rtlCol="0" anchor="ctr"/>
-          <a:lstStyle/>
-          <a:p>
-            <a:pPr algn="ctr"/>
-            <a:r>
-              <a:rPr lang="nl-BE" sz="900" dirty="0"/>
-              <a:t>tr()</a:t>
-            </a:r>
-            <a:endParaRPr lang="en-US" sz="900" dirty="0"/>
-          </a:p>
-        </p:txBody>
-      </p:sp>
-      <p:sp>
-        <p:nvSpPr>
-          <p:cNvPr id="8" name="Chevron 7"/>
-          <p:cNvSpPr/>
-          <p:nvPr/>
-        </p:nvSpPr>
-        <p:spPr>
-          <a:xfrm>
-            <a:off x="2940910" y="3132438"/>
-            <a:ext cx="1402492" cy="654909"/>
-          </a:xfrm>
-          <a:prstGeom prst="chevron">
-            <a:avLst/>
-          </a:prstGeom>
-        </p:spPr>
-        <p:style>
-          <a:lnRef idx="2">
-            <a:schemeClr val="accent1">
-              <a:shade val="50000"/>
-            </a:schemeClr>
-          </a:lnRef>
-          <a:fillRef idx="1">
-            <a:schemeClr val="accent1"/>
-          </a:fillRef>
-          <a:effectRef idx="0">
-            <a:schemeClr val="accent1"/>
-          </a:effectRef>
-          <a:fontRef idx="minor">
-            <a:schemeClr val="lt1"/>
-          </a:fontRef>
-        </p:style>
-        <p:txBody>
-          <a:bodyPr rtlCol="0" anchor="ctr"/>
-          <a:lstStyle/>
-          <a:p>
-            <a:pPr algn="ctr"/>
-            <a:r>
-              <a:rPr lang="nl-BE" sz="900" dirty="0" smtClean="0"/>
-              <a:t>ohlc()</a:t>
-            </a:r>
-            <a:endParaRPr lang="en-US" sz="900" dirty="0"/>
-          </a:p>
-        </p:txBody>
-      </p:sp>
-      <p:sp>
-        <p:nvSpPr>
-          <p:cNvPr id="9" name="Chevron 8"/>
-          <p:cNvSpPr/>
-          <p:nvPr/>
-        </p:nvSpPr>
-        <p:spPr>
-          <a:xfrm>
-            <a:off x="2940910" y="4473146"/>
-            <a:ext cx="1402492" cy="654909"/>
-          </a:xfrm>
-          <a:prstGeom prst="chevron">
-            <a:avLst/>
-          </a:prstGeom>
-        </p:spPr>
-        <p:style>
-          <a:lnRef idx="2">
-            <a:schemeClr val="accent1">
-              <a:shade val="50000"/>
-            </a:schemeClr>
-          </a:lnRef>
-          <a:fillRef idx="1">
-            <a:schemeClr val="accent1"/>
-          </a:fillRef>
-          <a:effectRef idx="0">
-            <a:schemeClr val="accent1"/>
-          </a:effectRef>
-          <a:fontRef idx="minor">
-            <a:schemeClr val="lt1"/>
-          </a:fontRef>
-        </p:style>
-        <p:txBody>
-          <a:bodyPr rtlCol="0" anchor="ctr"/>
-          <a:lstStyle/>
-          <a:p>
-            <a:pPr algn="ctr"/>
-            <a:r>
-              <a:rPr lang="nl-BE" sz="900" dirty="0" smtClean="0"/>
-              <a:t>fx()</a:t>
-            </a:r>
-            <a:endParaRPr lang="en-US" sz="900" dirty="0"/>
-          </a:p>
-        </p:txBody>
-      </p:sp>
-      <p:sp>
-        <p:nvSpPr>
-          <p:cNvPr id="10" name="Chevron 9"/>
-          <p:cNvSpPr/>
-          <p:nvPr/>
-        </p:nvSpPr>
-        <p:spPr>
-          <a:xfrm>
-            <a:off x="4744997" y="1927654"/>
-            <a:ext cx="1402492" cy="654909"/>
-          </a:xfrm>
-          <a:prstGeom prst="chevron">
-            <a:avLst/>
-          </a:prstGeom>
-        </p:spPr>
-        <p:style>
-          <a:lnRef idx="2">
-            <a:schemeClr val="accent1">
-              <a:shade val="50000"/>
-            </a:schemeClr>
-          </a:lnRef>
-          <a:fillRef idx="1">
-            <a:schemeClr val="accent1"/>
-          </a:fillRef>
-          <a:effectRef idx="0">
-            <a:schemeClr val="accent1"/>
-          </a:effectRef>
-          <a:fontRef idx="minor">
-            <a:schemeClr val="lt1"/>
-          </a:fontRef>
-        </p:style>
-        <p:txBody>
-          <a:bodyPr rtlCol="0" anchor="ctr"/>
-          <a:lstStyle/>
-          <a:p>
-            <a:pPr algn="ctr"/>
-            <a:r>
-              <a:rPr lang="nl-BE" sz="900" dirty="0" smtClean="0"/>
-              <a:t>tr_ext()</a:t>
-            </a:r>
-            <a:endParaRPr lang="en-US" sz="900" dirty="0"/>
-          </a:p>
-        </p:txBody>
-      </p:sp>
-      <p:sp>
-        <p:nvSpPr>
-          <p:cNvPr id="11" name="Chevron 10"/>
-          <p:cNvSpPr/>
-          <p:nvPr/>
-        </p:nvSpPr>
-        <p:spPr>
-          <a:xfrm>
-            <a:off x="6305038" y="774840"/>
-            <a:ext cx="1560040" cy="654909"/>
-          </a:xfrm>
-          <a:prstGeom prst="chevron">
-            <a:avLst/>
-          </a:prstGeom>
-        </p:spPr>
-        <p:style>
-          <a:lnRef idx="2">
-            <a:schemeClr val="accent1">
-              <a:shade val="50000"/>
-            </a:schemeClr>
-          </a:lnRef>
-          <a:fillRef idx="1">
-            <a:schemeClr val="accent1"/>
-          </a:fillRef>
-          <a:effectRef idx="0">
-            <a:schemeClr val="accent1"/>
-          </a:effectRef>
-          <a:fontRef idx="minor">
-            <a:schemeClr val="lt1"/>
-          </a:fontRef>
-        </p:style>
-        <p:txBody>
-          <a:bodyPr rtlCol="0" anchor="ctr"/>
-          <a:lstStyle/>
-          <a:p>
-            <a:pPr algn="ctr"/>
-            <a:r>
-              <a:rPr lang="nl-BE" sz="900" dirty="0"/>
-              <a:t>cash_b_evol()</a:t>
-            </a:r>
-            <a:endParaRPr lang="en-US" sz="900" dirty="0"/>
-          </a:p>
-        </p:txBody>
-      </p:sp>
-      <p:sp>
-        <p:nvSpPr>
-          <p:cNvPr id="12" name="Chevron 11"/>
-          <p:cNvSpPr/>
-          <p:nvPr/>
-        </p:nvSpPr>
-        <p:spPr>
-          <a:xfrm>
-            <a:off x="6462585" y="2686500"/>
-            <a:ext cx="1520829" cy="654909"/>
-          </a:xfrm>
-          <a:prstGeom prst="chevron">
-            <a:avLst/>
-          </a:prstGeom>
-        </p:spPr>
-        <p:style>
-          <a:lnRef idx="2">
-            <a:schemeClr val="accent1">
-              <a:shade val="50000"/>
-            </a:schemeClr>
-          </a:lnRef>
-          <a:fillRef idx="1">
-            <a:schemeClr val="accent1"/>
-          </a:fillRef>
-          <a:effectRef idx="0">
-            <a:schemeClr val="accent1"/>
-          </a:effectRef>
-          <a:fontRef idx="minor">
-            <a:schemeClr val="lt1"/>
-          </a:fontRef>
-        </p:style>
-        <p:txBody>
-          <a:bodyPr rtlCol="0" anchor="ctr"/>
-          <a:lstStyle/>
-          <a:p>
-            <a:pPr algn="ctr"/>
-            <a:r>
-              <a:rPr lang="nl-BE" sz="900" dirty="0"/>
-              <a:t>pos_sb_evol()</a:t>
-            </a:r>
-            <a:endParaRPr lang="en-US" sz="900" dirty="0"/>
-          </a:p>
-        </p:txBody>
-      </p:sp>
-      <p:sp>
-        <p:nvSpPr>
-          <p:cNvPr id="13" name="Chevron 12"/>
-          <p:cNvSpPr/>
-          <p:nvPr/>
-        </p:nvSpPr>
-        <p:spPr>
-          <a:xfrm>
-            <a:off x="8841262" y="2686499"/>
-            <a:ext cx="1402492" cy="654909"/>
-          </a:xfrm>
-          <a:prstGeom prst="chevron">
-            <a:avLst/>
-          </a:prstGeom>
-        </p:spPr>
-        <p:style>
-          <a:lnRef idx="2">
-            <a:schemeClr val="accent1">
-              <a:shade val="50000"/>
-            </a:schemeClr>
-          </a:lnRef>
-          <a:fillRef idx="1">
-            <a:schemeClr val="accent1"/>
-          </a:fillRef>
-          <a:effectRef idx="0">
-            <a:schemeClr val="accent1"/>
-          </a:effectRef>
-          <a:fontRef idx="minor">
-            <a:schemeClr val="lt1"/>
-          </a:fontRef>
-        </p:style>
-        <p:txBody>
-          <a:bodyPr rtlCol="0" anchor="ctr"/>
-          <a:lstStyle/>
-          <a:p>
-            <a:pPr algn="ctr"/>
-            <a:r>
-              <a:rPr lang="nl-BE" sz="900" dirty="0"/>
-              <a:t>pos_sb()</a:t>
-            </a:r>
-            <a:endParaRPr lang="en-US" sz="900" dirty="0"/>
-          </a:p>
-        </p:txBody>
-      </p:sp>
-      <p:cxnSp>
-        <p:nvCxnSpPr>
-          <p:cNvPr id="15" name="Straight Arrow Connector 14"/>
-          <p:cNvCxnSpPr>
-            <a:stCxn id="4" idx="4"/>
-            <a:endCxn id="7" idx="1"/>
-          </p:cNvCxnSpPr>
-          <p:nvPr/>
-        </p:nvCxnSpPr>
-        <p:spPr>
-          <a:xfrm>
-            <a:off x="1828798" y="2255108"/>
-            <a:ext cx="1439567" cy="1"/>
-          </a:xfrm>
-          <a:prstGeom prst="straightConnector1">
-            <a:avLst/>
-          </a:prstGeom>
-          <a:ln>
-            <a:tailEnd type="triangle"/>
-          </a:ln>
-        </p:spPr>
-        <p:style>
-          <a:lnRef idx="1">
-            <a:schemeClr val="dk1"/>
-          </a:lnRef>
-          <a:fillRef idx="0">
-            <a:schemeClr val="dk1"/>
-          </a:fillRef>
-          <a:effectRef idx="0">
-            <a:schemeClr val="dk1"/>
-          </a:effectRef>
-          <a:fontRef idx="minor">
-            <a:schemeClr val="tx1"/>
-          </a:fontRef>
-        </p:style>
-      </p:cxnSp>
-      <p:sp>
-        <p:nvSpPr>
-          <p:cNvPr id="17" name="TextBox 16"/>
-          <p:cNvSpPr txBox="1"/>
-          <p:nvPr/>
-        </p:nvSpPr>
-        <p:spPr>
-          <a:xfrm>
-            <a:off x="1831893" y="2021673"/>
-            <a:ext cx="704332" cy="230832"/>
-          </a:xfrm>
-          <a:prstGeom prst="rect">
-            <a:avLst/>
-          </a:prstGeom>
-          <a:noFill/>
-        </p:spPr>
-        <p:txBody>
-          <a:bodyPr wrap="square" rtlCol="0">
-            <a:spAutoFit/>
-          </a:bodyPr>
-          <a:lstStyle/>
-          <a:p>
-            <a:r>
-              <a:rPr lang="nl-BE" sz="900" dirty="0" smtClean="0"/>
-              <a:t>polling</a:t>
-            </a:r>
-            <a:endParaRPr lang="en-US" sz="900" dirty="0"/>
-          </a:p>
-        </p:txBody>
-      </p:sp>
-      <p:sp>
-        <p:nvSpPr>
-          <p:cNvPr id="18" name="Flowchart: Magnetic Disk 17"/>
-          <p:cNvSpPr/>
-          <p:nvPr/>
-        </p:nvSpPr>
-        <p:spPr>
-          <a:xfrm>
-            <a:off x="988539" y="5776785"/>
-            <a:ext cx="840259" cy="729048"/>
-          </a:xfrm>
-          <a:prstGeom prst="flowChartMagneticDisk">
-            <a:avLst/>
-          </a:prstGeom>
-        </p:spPr>
-        <p:style>
-          <a:lnRef idx="2">
-            <a:schemeClr val="accent5">
-              <a:shade val="50000"/>
-            </a:schemeClr>
-          </a:lnRef>
-          <a:fillRef idx="1">
-            <a:schemeClr val="accent5"/>
-          </a:fillRef>
-          <a:effectRef idx="0">
-            <a:schemeClr val="accent5"/>
-          </a:effectRef>
-          <a:fontRef idx="minor">
-            <a:schemeClr val="lt1"/>
-          </a:fontRef>
-        </p:style>
-        <p:txBody>
-          <a:bodyPr rtlCol="0" anchor="ctr"/>
-          <a:lstStyle/>
-          <a:p>
-            <a:pPr algn="ctr"/>
-            <a:r>
-              <a:rPr lang="nl-BE" sz="900" dirty="0" smtClean="0"/>
-              <a:t>stock_profiles</a:t>
-            </a:r>
-            <a:endParaRPr lang="en-US" sz="900" dirty="0"/>
-          </a:p>
-        </p:txBody>
-      </p:sp>
-      <p:sp>
-        <p:nvSpPr>
-          <p:cNvPr id="19" name="Chevron 18"/>
-          <p:cNvSpPr/>
-          <p:nvPr/>
-        </p:nvSpPr>
-        <p:spPr>
-          <a:xfrm>
-            <a:off x="2940910" y="5813854"/>
-            <a:ext cx="1402492" cy="654909"/>
-          </a:xfrm>
-          <a:prstGeom prst="chevron">
-            <a:avLst/>
-          </a:prstGeom>
-        </p:spPr>
-        <p:style>
-          <a:lnRef idx="2">
-            <a:schemeClr val="accent1">
-              <a:shade val="50000"/>
-            </a:schemeClr>
-          </a:lnRef>
-          <a:fillRef idx="1">
-            <a:schemeClr val="accent1"/>
-          </a:fillRef>
-          <a:effectRef idx="0">
-            <a:schemeClr val="accent1"/>
-          </a:effectRef>
-          <a:fontRef idx="minor">
-            <a:schemeClr val="lt1"/>
-          </a:fontRef>
-        </p:style>
-        <p:txBody>
-          <a:bodyPr rtlCol="0" anchor="ctr"/>
-          <a:lstStyle/>
-          <a:p>
-            <a:pPr algn="ctr"/>
-            <a:r>
-              <a:rPr lang="nl-BE" sz="900" dirty="0" smtClean="0"/>
-              <a:t>profiles()</a:t>
-            </a:r>
-            <a:endParaRPr lang="en-US" sz="900" dirty="0"/>
-          </a:p>
-        </p:txBody>
-      </p:sp>
-      <p:cxnSp>
-        <p:nvCxnSpPr>
-          <p:cNvPr id="21" name="Straight Arrow Connector 20"/>
-          <p:cNvCxnSpPr>
-            <a:stCxn id="5" idx="4"/>
-            <a:endCxn id="8" idx="1"/>
-          </p:cNvCxnSpPr>
-          <p:nvPr/>
-        </p:nvCxnSpPr>
-        <p:spPr>
-          <a:xfrm>
-            <a:off x="1828799" y="3459893"/>
-            <a:ext cx="1439566" cy="0"/>
-          </a:xfrm>
-          <a:prstGeom prst="straightConnector1">
-            <a:avLst/>
-          </a:prstGeom>
-          <a:ln>
-            <a:tailEnd type="triangle"/>
-          </a:ln>
-        </p:spPr>
-        <p:style>
-          <a:lnRef idx="1">
-            <a:schemeClr val="dk1"/>
-          </a:lnRef>
-          <a:fillRef idx="0">
-            <a:schemeClr val="dk1"/>
-          </a:fillRef>
-          <a:effectRef idx="0">
-            <a:schemeClr val="dk1"/>
-          </a:effectRef>
-          <a:fontRef idx="minor">
-            <a:schemeClr val="tx1"/>
-          </a:fontRef>
-        </p:style>
-      </p:cxnSp>
-      <p:cxnSp>
-        <p:nvCxnSpPr>
-          <p:cNvPr id="23" name="Straight Arrow Connector 22"/>
-          <p:cNvCxnSpPr>
-            <a:stCxn id="6" idx="4"/>
-            <a:endCxn id="9" idx="1"/>
-          </p:cNvCxnSpPr>
-          <p:nvPr/>
-        </p:nvCxnSpPr>
-        <p:spPr>
-          <a:xfrm>
-            <a:off x="1828798" y="4800601"/>
-            <a:ext cx="1439567" cy="0"/>
-          </a:xfrm>
-          <a:prstGeom prst="straightConnector1">
-            <a:avLst/>
-          </a:prstGeom>
-          <a:ln>
-            <a:tailEnd type="triangle"/>
-          </a:ln>
-        </p:spPr>
-        <p:style>
-          <a:lnRef idx="1">
-            <a:schemeClr val="dk1"/>
-          </a:lnRef>
-          <a:fillRef idx="0">
-            <a:schemeClr val="dk1"/>
-          </a:fillRef>
-          <a:effectRef idx="0">
-            <a:schemeClr val="dk1"/>
-          </a:effectRef>
-          <a:fontRef idx="minor">
-            <a:schemeClr val="tx1"/>
-          </a:fontRef>
-        </p:style>
-      </p:cxnSp>
-      <p:cxnSp>
-        <p:nvCxnSpPr>
-          <p:cNvPr id="25" name="Straight Arrow Connector 24"/>
-          <p:cNvCxnSpPr>
-            <a:stCxn id="18" idx="4"/>
-            <a:endCxn id="19" idx="1"/>
-          </p:cNvCxnSpPr>
-          <p:nvPr/>
-        </p:nvCxnSpPr>
-        <p:spPr>
-          <a:xfrm>
-            <a:off x="1828798" y="6141309"/>
-            <a:ext cx="1439567" cy="0"/>
-          </a:xfrm>
-          <a:prstGeom prst="straightConnector1">
-            <a:avLst/>
-          </a:prstGeom>
-          <a:ln>
-            <a:tailEnd type="triangle"/>
-          </a:ln>
-        </p:spPr>
-        <p:style>
-          <a:lnRef idx="1">
-            <a:schemeClr val="dk1"/>
-          </a:lnRef>
-          <a:fillRef idx="0">
-            <a:schemeClr val="dk1"/>
-          </a:fillRef>
-          <a:effectRef idx="0">
-            <a:schemeClr val="dk1"/>
-          </a:effectRef>
-          <a:fontRef idx="minor">
-            <a:schemeClr val="tx1"/>
-          </a:fontRef>
-        </p:style>
-      </p:cxnSp>
-      <p:sp>
-        <p:nvSpPr>
-          <p:cNvPr id="26" name="TextBox 25"/>
-          <p:cNvSpPr txBox="1"/>
-          <p:nvPr/>
-        </p:nvSpPr>
-        <p:spPr>
-          <a:xfrm>
-            <a:off x="1831893" y="3235282"/>
-            <a:ext cx="704332" cy="230832"/>
-          </a:xfrm>
-          <a:prstGeom prst="rect">
-            <a:avLst/>
-          </a:prstGeom>
-          <a:noFill/>
-        </p:spPr>
-        <p:txBody>
-          <a:bodyPr wrap="square" rtlCol="0">
-            <a:spAutoFit/>
-          </a:bodyPr>
-          <a:lstStyle/>
-          <a:p>
-            <a:r>
-              <a:rPr lang="nl-BE" sz="900" dirty="0" smtClean="0"/>
-              <a:t>polling</a:t>
-            </a:r>
-            <a:endParaRPr lang="en-US" sz="900" dirty="0"/>
-          </a:p>
-        </p:txBody>
-      </p:sp>
-      <p:sp>
-        <p:nvSpPr>
-          <p:cNvPr id="27" name="TextBox 26"/>
-          <p:cNvSpPr txBox="1"/>
-          <p:nvPr/>
-        </p:nvSpPr>
-        <p:spPr>
-          <a:xfrm>
-            <a:off x="1831893" y="4563176"/>
-            <a:ext cx="704332" cy="230832"/>
-          </a:xfrm>
-          <a:prstGeom prst="rect">
-            <a:avLst/>
-          </a:prstGeom>
-          <a:noFill/>
-        </p:spPr>
-        <p:txBody>
-          <a:bodyPr wrap="square" rtlCol="0">
-            <a:spAutoFit/>
-          </a:bodyPr>
-          <a:lstStyle/>
-          <a:p>
-            <a:r>
-              <a:rPr lang="nl-BE" sz="900" dirty="0" smtClean="0"/>
-              <a:t>polling</a:t>
-            </a:r>
-            <a:endParaRPr lang="en-US" sz="900" dirty="0"/>
-          </a:p>
-        </p:txBody>
-      </p:sp>
-      <p:sp>
-        <p:nvSpPr>
-          <p:cNvPr id="28" name="TextBox 27"/>
-          <p:cNvSpPr txBox="1"/>
-          <p:nvPr/>
-        </p:nvSpPr>
-        <p:spPr>
-          <a:xfrm>
-            <a:off x="1831893" y="5903884"/>
-            <a:ext cx="704332" cy="230832"/>
-          </a:xfrm>
-          <a:prstGeom prst="rect">
-            <a:avLst/>
-          </a:prstGeom>
-          <a:noFill/>
-        </p:spPr>
-        <p:txBody>
-          <a:bodyPr wrap="square" rtlCol="0">
-            <a:spAutoFit/>
-          </a:bodyPr>
-          <a:lstStyle/>
-          <a:p>
-            <a:r>
-              <a:rPr lang="nl-BE" sz="900" dirty="0" smtClean="0"/>
-              <a:t>polling</a:t>
-            </a:r>
-            <a:endParaRPr lang="en-US" sz="900" dirty="0"/>
-          </a:p>
-        </p:txBody>
-      </p:sp>
-      <p:sp>
-        <p:nvSpPr>
-          <p:cNvPr id="30" name="Chevron 29"/>
-          <p:cNvSpPr/>
-          <p:nvPr/>
-        </p:nvSpPr>
-        <p:spPr>
-          <a:xfrm>
-            <a:off x="4877829" y="3787347"/>
-            <a:ext cx="1402492" cy="654909"/>
-          </a:xfrm>
-          <a:prstGeom prst="chevron">
-            <a:avLst/>
-          </a:prstGeom>
-        </p:spPr>
-        <p:style>
-          <a:lnRef idx="2">
-            <a:schemeClr val="accent1">
-              <a:shade val="50000"/>
-            </a:schemeClr>
-          </a:lnRef>
-          <a:fillRef idx="1">
-            <a:schemeClr val="accent1"/>
-          </a:fillRef>
-          <a:effectRef idx="0">
-            <a:schemeClr val="accent1"/>
-          </a:effectRef>
-          <a:fontRef idx="minor">
-            <a:schemeClr val="lt1"/>
-          </a:fontRef>
-        </p:style>
-        <p:txBody>
-          <a:bodyPr rtlCol="0" anchor="ctr"/>
-          <a:lstStyle/>
-          <a:p>
-            <a:pPr algn="ctr"/>
-            <a:r>
-              <a:rPr lang="nl-BE" sz="900" dirty="0" smtClean="0"/>
-              <a:t>ohlc_euro()</a:t>
-            </a:r>
-            <a:endParaRPr lang="en-US" sz="900" dirty="0"/>
-          </a:p>
-        </p:txBody>
-      </p:sp>
-      <p:cxnSp>
-        <p:nvCxnSpPr>
-          <p:cNvPr id="32" name="Straight Arrow Connector 31"/>
-          <p:cNvCxnSpPr>
-            <a:stCxn id="8" idx="3"/>
-            <a:endCxn id="30" idx="1"/>
-          </p:cNvCxnSpPr>
-          <p:nvPr/>
-        </p:nvCxnSpPr>
-        <p:spPr>
-          <a:xfrm>
-            <a:off x="4343402" y="3459893"/>
-            <a:ext cx="861882" cy="654909"/>
-          </a:xfrm>
-          <a:prstGeom prst="straightConnector1">
-            <a:avLst/>
-          </a:prstGeom>
-          <a:ln>
-            <a:tailEnd type="triangle"/>
-          </a:ln>
-        </p:spPr>
-        <p:style>
-          <a:lnRef idx="1">
-            <a:schemeClr val="dk1"/>
-          </a:lnRef>
-          <a:fillRef idx="0">
-            <a:schemeClr val="dk1"/>
-          </a:fillRef>
-          <a:effectRef idx="0">
-            <a:schemeClr val="dk1"/>
-          </a:effectRef>
-          <a:fontRef idx="minor">
-            <a:schemeClr val="tx1"/>
-          </a:fontRef>
-        </p:style>
-      </p:cxnSp>
-      <p:cxnSp>
-        <p:nvCxnSpPr>
-          <p:cNvPr id="34" name="Straight Arrow Connector 33"/>
-          <p:cNvCxnSpPr>
-            <a:stCxn id="9" idx="3"/>
-            <a:endCxn id="30" idx="1"/>
-          </p:cNvCxnSpPr>
-          <p:nvPr/>
-        </p:nvCxnSpPr>
-        <p:spPr>
-          <a:xfrm flipV="1">
-            <a:off x="4343402" y="4114802"/>
-            <a:ext cx="861882" cy="685799"/>
-          </a:xfrm>
-          <a:prstGeom prst="straightConnector1">
-            <a:avLst/>
-          </a:prstGeom>
-          <a:ln>
-            <a:tailEnd type="triangle"/>
-          </a:ln>
-        </p:spPr>
-        <p:style>
-          <a:lnRef idx="1">
-            <a:schemeClr val="dk1"/>
-          </a:lnRef>
-          <a:fillRef idx="0">
-            <a:schemeClr val="dk1"/>
-          </a:fillRef>
-          <a:effectRef idx="0">
-            <a:schemeClr val="dk1"/>
-          </a:effectRef>
-          <a:fontRef idx="minor">
-            <a:schemeClr val="tx1"/>
-          </a:fontRef>
-        </p:style>
-      </p:cxnSp>
-      <p:cxnSp>
-        <p:nvCxnSpPr>
-          <p:cNvPr id="36" name="Straight Arrow Connector 35"/>
-          <p:cNvCxnSpPr>
-            <a:stCxn id="19" idx="3"/>
-            <a:endCxn id="30" idx="1"/>
-          </p:cNvCxnSpPr>
-          <p:nvPr/>
-        </p:nvCxnSpPr>
-        <p:spPr>
-          <a:xfrm flipV="1">
-            <a:off x="4343402" y="4114802"/>
-            <a:ext cx="861882" cy="2026507"/>
-          </a:xfrm>
-          <a:prstGeom prst="straightConnector1">
-            <a:avLst/>
-          </a:prstGeom>
-          <a:ln>
-            <a:tailEnd type="triangle"/>
-          </a:ln>
-        </p:spPr>
-        <p:style>
-          <a:lnRef idx="1">
-            <a:schemeClr val="dk1"/>
-          </a:lnRef>
-          <a:fillRef idx="0">
-            <a:schemeClr val="dk1"/>
-          </a:fillRef>
-          <a:effectRef idx="0">
-            <a:schemeClr val="dk1"/>
-          </a:effectRef>
-          <a:fontRef idx="minor">
-            <a:schemeClr val="tx1"/>
-          </a:fontRef>
-        </p:style>
-      </p:cxnSp>
-      <p:cxnSp>
-        <p:nvCxnSpPr>
-          <p:cNvPr id="38" name="Straight Arrow Connector 37"/>
-          <p:cNvCxnSpPr>
-            <a:stCxn id="7" idx="3"/>
-            <a:endCxn id="10" idx="1"/>
-          </p:cNvCxnSpPr>
-          <p:nvPr/>
-        </p:nvCxnSpPr>
-        <p:spPr>
-          <a:xfrm>
-            <a:off x="4343402" y="2255109"/>
-            <a:ext cx="729050" cy="0"/>
-          </a:xfrm>
-          <a:prstGeom prst="straightConnector1">
-            <a:avLst/>
-          </a:prstGeom>
-          <a:ln>
-            <a:tailEnd type="triangle"/>
-          </a:ln>
-        </p:spPr>
-        <p:style>
-          <a:lnRef idx="1">
-            <a:schemeClr val="dk1"/>
-          </a:lnRef>
-          <a:fillRef idx="0">
-            <a:schemeClr val="dk1"/>
-          </a:fillRef>
-          <a:effectRef idx="0">
-            <a:schemeClr val="dk1"/>
-          </a:effectRef>
-          <a:fontRef idx="minor">
-            <a:schemeClr val="tx1"/>
-          </a:fontRef>
-        </p:style>
-      </p:cxnSp>
-      <p:cxnSp>
-        <p:nvCxnSpPr>
-          <p:cNvPr id="42" name="Straight Arrow Connector 41"/>
-          <p:cNvCxnSpPr>
-            <a:stCxn id="10" idx="3"/>
-            <a:endCxn id="11" idx="1"/>
-          </p:cNvCxnSpPr>
-          <p:nvPr/>
-        </p:nvCxnSpPr>
-        <p:spPr>
-          <a:xfrm flipV="1">
-            <a:off x="6147489" y="1102295"/>
-            <a:ext cx="485004" cy="1152814"/>
-          </a:xfrm>
-          <a:prstGeom prst="straightConnector1">
-            <a:avLst/>
-          </a:prstGeom>
-          <a:ln>
-            <a:tailEnd type="triangle"/>
-          </a:ln>
-        </p:spPr>
-        <p:style>
-          <a:lnRef idx="1">
-            <a:schemeClr val="dk1"/>
-          </a:lnRef>
-          <a:fillRef idx="0">
-            <a:schemeClr val="dk1"/>
-          </a:fillRef>
-          <a:effectRef idx="0">
-            <a:schemeClr val="dk1"/>
-          </a:effectRef>
-          <a:fontRef idx="minor">
-            <a:schemeClr val="tx1"/>
-          </a:fontRef>
-        </p:style>
-      </p:cxnSp>
-      <p:cxnSp>
-        <p:nvCxnSpPr>
-          <p:cNvPr id="44" name="Straight Arrow Connector 43"/>
-          <p:cNvCxnSpPr>
-            <a:stCxn id="10" idx="3"/>
-            <a:endCxn id="12" idx="1"/>
-          </p:cNvCxnSpPr>
-          <p:nvPr/>
-        </p:nvCxnSpPr>
-        <p:spPr>
-          <a:xfrm>
-            <a:off x="6147489" y="2255109"/>
-            <a:ext cx="642551" cy="758846"/>
-          </a:xfrm>
-          <a:prstGeom prst="straightConnector1">
-            <a:avLst/>
-          </a:prstGeom>
-          <a:ln>
-            <a:tailEnd type="triangle"/>
-          </a:ln>
-        </p:spPr>
-        <p:style>
-          <a:lnRef idx="1">
-            <a:schemeClr val="dk1"/>
-          </a:lnRef>
-          <a:fillRef idx="0">
-            <a:schemeClr val="dk1"/>
-          </a:fillRef>
-          <a:effectRef idx="0">
-            <a:schemeClr val="dk1"/>
-          </a:effectRef>
-          <a:fontRef idx="minor">
-            <a:schemeClr val="tx1"/>
-          </a:fontRef>
-        </p:style>
-      </p:cxnSp>
-      <p:cxnSp>
-        <p:nvCxnSpPr>
-          <p:cNvPr id="46" name="Straight Arrow Connector 45"/>
-          <p:cNvCxnSpPr>
-            <a:stCxn id="30" idx="3"/>
-            <a:endCxn id="12" idx="1"/>
-          </p:cNvCxnSpPr>
-          <p:nvPr/>
-        </p:nvCxnSpPr>
-        <p:spPr>
-          <a:xfrm flipV="1">
-            <a:off x="6280321" y="3013955"/>
-            <a:ext cx="509719" cy="1100847"/>
-          </a:xfrm>
-          <a:prstGeom prst="straightConnector1">
-            <a:avLst/>
-          </a:prstGeom>
-          <a:ln>
-            <a:tailEnd type="triangle"/>
-          </a:ln>
-        </p:spPr>
-        <p:style>
-          <a:lnRef idx="1">
-            <a:schemeClr val="dk1"/>
-          </a:lnRef>
-          <a:fillRef idx="0">
-            <a:schemeClr val="dk1"/>
-          </a:fillRef>
-          <a:effectRef idx="0">
-            <a:schemeClr val="dk1"/>
-          </a:effectRef>
-          <a:fontRef idx="minor">
-            <a:schemeClr val="tx1"/>
-          </a:fontRef>
-        </p:style>
-      </p:cxnSp>
-      <p:cxnSp>
-        <p:nvCxnSpPr>
-          <p:cNvPr id="48" name="Straight Arrow Connector 47"/>
-          <p:cNvCxnSpPr>
-            <a:stCxn id="12" idx="3"/>
-            <a:endCxn id="13" idx="1"/>
-          </p:cNvCxnSpPr>
-          <p:nvPr/>
-        </p:nvCxnSpPr>
-        <p:spPr>
-          <a:xfrm flipV="1">
-            <a:off x="7983414" y="3013954"/>
-            <a:ext cx="1185303" cy="1"/>
-          </a:xfrm>
-          <a:prstGeom prst="straightConnector1">
-            <a:avLst/>
-          </a:prstGeom>
-          <a:ln>
-            <a:tailEnd type="triangle"/>
-          </a:ln>
-        </p:spPr>
-        <p:style>
-          <a:lnRef idx="1">
-            <a:schemeClr val="dk1"/>
-          </a:lnRef>
-          <a:fillRef idx="0">
-            <a:schemeClr val="dk1"/>
-          </a:fillRef>
-          <a:effectRef idx="0">
-            <a:schemeClr val="dk1"/>
-          </a:effectRef>
-          <a:fontRef idx="minor">
-            <a:schemeClr val="tx1"/>
-          </a:fontRef>
-        </p:style>
-      </p:cxnSp>
-      <p:sp>
-        <p:nvSpPr>
-          <p:cNvPr id="3" name="TextBox 2"/>
-          <p:cNvSpPr txBox="1"/>
-          <p:nvPr/>
-        </p:nvSpPr>
-        <p:spPr>
-          <a:xfrm>
-            <a:off x="7865078" y="183845"/>
-            <a:ext cx="4326922" cy="2308324"/>
-          </a:xfrm>
-          <a:prstGeom prst="rect">
-            <a:avLst/>
-          </a:prstGeom>
-          <a:noFill/>
-        </p:spPr>
-        <p:txBody>
-          <a:bodyPr wrap="square" rtlCol="0">
-            <a:spAutoFit/>
-          </a:bodyPr>
-          <a:lstStyle/>
-          <a:p>
-            <a:r>
-              <a:rPr lang="nl-BE" b="1" dirty="0"/>
-              <a:t>use reactive expressions for calculations</a:t>
-            </a:r>
-          </a:p>
-          <a:p>
-            <a:r>
-              <a:rPr lang="nl-BE" dirty="0" smtClean="0"/>
-              <a:t>- reactive expressions are recipes for how to calculate something, shiny will determine when it is required to execute</a:t>
-            </a:r>
-          </a:p>
-          <a:p>
-            <a:r>
-              <a:rPr lang="nl-BE" dirty="0" smtClean="0"/>
-              <a:t>- can accept reactive input and deliver reactive output</a:t>
-            </a:r>
-          </a:p>
-          <a:p>
-            <a:r>
-              <a:rPr lang="nl-BE" dirty="0" smtClean="0"/>
-              <a:t>- has a cached result</a:t>
-            </a:r>
-          </a:p>
-          <a:p>
-            <a:r>
-              <a:rPr lang="nl-BE" dirty="0" smtClean="0"/>
-              <a:t>- make maximum use of this feature in shiny</a:t>
-            </a:r>
-            <a:endParaRPr lang="en-US" dirty="0"/>
-          </a:p>
-        </p:txBody>
-      </p:sp>
-      <p:sp>
-        <p:nvSpPr>
-          <p:cNvPr id="35" name="TextBox 34"/>
-          <p:cNvSpPr txBox="1"/>
-          <p:nvPr/>
-        </p:nvSpPr>
-        <p:spPr>
-          <a:xfrm>
-            <a:off x="7293574" y="4613525"/>
-            <a:ext cx="4326922" cy="1200329"/>
-          </a:xfrm>
-          <a:prstGeom prst="rect">
-            <a:avLst/>
-          </a:prstGeom>
-          <a:noFill/>
-        </p:spPr>
-        <p:txBody>
-          <a:bodyPr wrap="square" rtlCol="0">
-            <a:spAutoFit/>
-          </a:bodyPr>
-          <a:lstStyle/>
-          <a:p>
-            <a:r>
-              <a:rPr lang="nl-BE" b="1" dirty="0" smtClean="0"/>
-              <a:t>use observers for side effects</a:t>
-            </a:r>
-          </a:p>
-          <a:p>
-            <a:pPr marL="285750" indent="-285750">
-              <a:buFontTx/>
-              <a:buChar char="-"/>
-            </a:pPr>
-            <a:r>
-              <a:rPr lang="nl-BE" dirty="0" smtClean="0"/>
-              <a:t>dealing with I/O (files / DB)</a:t>
-            </a:r>
-          </a:p>
-          <a:p>
-            <a:pPr marL="285750" indent="-285750">
-              <a:buFontTx/>
-              <a:buChar char="-"/>
-            </a:pPr>
-            <a:r>
-              <a:rPr lang="nl-BE" dirty="0" smtClean="0"/>
-              <a:t>setting reactive values!</a:t>
-            </a:r>
-          </a:p>
-          <a:p>
-            <a:pPr marL="285750" indent="-285750">
-              <a:buFontTx/>
-              <a:buChar char="-"/>
-            </a:pPr>
-            <a:r>
-              <a:rPr lang="nl-BE" dirty="0" smtClean="0"/>
-              <a:t>update input elements of the shiny app</a:t>
-            </a:r>
-            <a:endParaRPr lang="en-US" dirty="0"/>
-          </a:p>
-        </p:txBody>
-      </p:sp>
-    </p:spTree>
-    <p:extLst>
-      <p:ext uri="{BB962C8B-B14F-4D97-AF65-F5344CB8AC3E}">
-        <p14:creationId xmlns:p14="http://schemas.microsoft.com/office/powerpoint/2010/main" val="2314002344"/>
-      </p:ext>
-    </p:extLst>
-  </p:cSld>
-  <p:clrMapOvr>
-    <a:masterClrMapping/>
-  </p:clrMapOvr>
+  <p:timing>
+    <p:tnLst>
+      <p:par>
+        <p:cTn id="1" dur="indefinite" restart="never" nodeType="tmRoot"/>
+      </p:par>
+    </p:tnLst>
+  </p:timing>
 </p:sld>
 </file>
 
@@ -6282,8 +5167,8 @@
           <a:lstStyle/>
           <a:p>
             <a:r>
-              <a:rPr lang="nl-BE" dirty="0" smtClean="0"/>
-              <a:t>reactive values</a:t>
+              <a:rPr lang="en-BE" dirty="0" smtClean="0"/>
+              <a:t>Initial setup</a:t>
             </a:r>
             <a:endParaRPr lang="en-US" dirty="0"/>
           </a:p>
@@ -6311,81 +5196,117 @@
           </a:bodyPr>
           <a:lstStyle/>
           <a:p>
-            <a:r>
-              <a:rPr lang="nl-BE" sz="2400" dirty="0" smtClean="0"/>
-              <a:t>rv$focus_stock</a:t>
-            </a:r>
-          </a:p>
-          <a:p>
-            <a:pPr lvl="1"/>
-            <a:r>
-              <a:rPr lang="nl-BE" sz="2000" dirty="0" smtClean="0"/>
-              <a:t>guarantees continuity between pages when selecting 1 stock</a:t>
-            </a:r>
-          </a:p>
-          <a:p>
-            <a:pPr lvl="1"/>
-            <a:r>
-              <a:rPr lang="nl-BE" sz="2000" dirty="0" smtClean="0"/>
-              <a:t>first lines sets the rv so that other selectinputs may update</a:t>
-            </a:r>
-          </a:p>
-          <a:p>
-            <a:pPr lvl="1"/>
-            <a:r>
-              <a:rPr lang="nl-BE" sz="2000" dirty="0" smtClean="0"/>
-              <a:t>second line updates this selectinput if somewhere else the rv was modified</a:t>
-            </a:r>
-          </a:p>
-          <a:p>
-            <a:endParaRPr lang="nl-BE" sz="2400" dirty="0"/>
-          </a:p>
-          <a:p>
-            <a:endParaRPr lang="nl-BE" sz="2400" dirty="0" smtClean="0"/>
-          </a:p>
-          <a:p>
-            <a:r>
-              <a:rPr lang="nl-BE" sz="2400" dirty="0" smtClean="0"/>
-              <a:t>rv$msgs</a:t>
-            </a:r>
-          </a:p>
-          <a:p>
-            <a:pPr lvl="1"/>
-            <a:r>
-              <a:rPr lang="nl-BE" sz="1800" dirty="0" smtClean="0"/>
-              <a:t>contains messages shown in notification corner as well as notification menu</a:t>
-            </a:r>
-          </a:p>
-        </p:txBody>
-      </p:sp>
-      <p:pic>
-        <p:nvPicPr>
-          <p:cNvPr id="3" name="Picture 2"/>
-          <p:cNvPicPr>
-            <a:picLocks noChangeAspect="1"/>
-          </p:cNvPicPr>
-          <p:nvPr/>
-        </p:nvPicPr>
-        <p:blipFill>
-          <a:blip r:embed="rId2"/>
-          <a:stretch>
-            <a:fillRect/>
-          </a:stretch>
-        </p:blipFill>
-        <p:spPr>
-          <a:xfrm>
-            <a:off x="1013383" y="2560887"/>
-            <a:ext cx="9324975" cy="323850"/>
-          </a:xfrm>
-          <a:prstGeom prst="rect">
-            <a:avLst/>
-          </a:prstGeom>
-        </p:spPr>
-      </p:pic>
+            <a:pPr marL="457200" indent="-457200">
+              <a:buFont typeface="+mj-lt"/>
+              <a:buAutoNum type="arabicPeriod"/>
+            </a:pPr>
+            <a:r>
+              <a:rPr lang="en-BE" sz="1600" dirty="0" smtClean="0"/>
+              <a:t>Clone the repo: </a:t>
+            </a:r>
+            <a:r>
+              <a:rPr lang="nl-BE" sz="1600" dirty="0">
+                <a:hlinkClick r:id="rId2"/>
+              </a:rPr>
+              <a:t>https://</a:t>
+            </a:r>
+            <a:r>
+              <a:rPr lang="nl-BE" sz="1600" dirty="0" smtClean="0">
+                <a:hlinkClick r:id="rId2"/>
+              </a:rPr>
+              <a:t>github.com/jorritvm/stocks_dashboard</a:t>
+            </a:r>
+            <a:endParaRPr lang="en-BE" sz="1600" dirty="0" smtClean="0"/>
+          </a:p>
+          <a:p>
+            <a:pPr marL="457200" indent="-457200">
+              <a:buFont typeface="+mj-lt"/>
+              <a:buAutoNum type="arabicPeriod"/>
+            </a:pPr>
+            <a:r>
+              <a:rPr lang="en-BE" sz="1600" dirty="0" smtClean="0"/>
+              <a:t>Restore the RENV: renv::restore()</a:t>
+            </a:r>
+          </a:p>
+          <a:p>
+            <a:pPr marL="457200" indent="-457200">
+              <a:buFont typeface="+mj-lt"/>
+              <a:buAutoNum type="arabicPeriod"/>
+            </a:pPr>
+            <a:r>
+              <a:rPr lang="en-BE" sz="1600" dirty="0" smtClean="0"/>
+              <a:t>Build an empty db file: </a:t>
+            </a:r>
+            <a:r>
+              <a:rPr lang="nl-BE" sz="1600" dirty="0" smtClean="0"/>
+              <a:t>scripts\</a:t>
+            </a:r>
+            <a:r>
+              <a:rPr lang="nl-BE" sz="1600" dirty="0" err="1" smtClean="0"/>
+              <a:t>setup_db.R</a:t>
+            </a:r>
+            <a:r>
+              <a:rPr lang="en-BE" sz="1600" dirty="0" smtClean="0"/>
+              <a:t> (</a:t>
+            </a:r>
+            <a:r>
+              <a:rPr lang="en-BE" sz="1600" dirty="0" smtClean="0">
+                <a:hlinkClick r:id="rId3" action="ppaction://hlinksldjump"/>
+              </a:rPr>
+              <a:t>link</a:t>
+            </a:r>
+            <a:r>
+              <a:rPr lang="en-BE" sz="1600" dirty="0" smtClean="0"/>
+              <a:t>)</a:t>
+            </a:r>
+          </a:p>
+          <a:p>
+            <a:pPr marL="457200" indent="-457200">
+              <a:buFont typeface="+mj-lt"/>
+              <a:buAutoNum type="arabicPeriod"/>
+            </a:pPr>
+            <a:r>
+              <a:rPr lang="en-BE" sz="1600" dirty="0" smtClean="0"/>
+              <a:t>Setup authentication: scripts\setup_credentials.R (</a:t>
+            </a:r>
+            <a:r>
+              <a:rPr lang="en-BE" sz="1600" dirty="0" smtClean="0">
+                <a:hlinkClick r:id="rId4" action="ppaction://hlinksldjump"/>
+              </a:rPr>
+              <a:t>link</a:t>
+            </a:r>
+            <a:r>
+              <a:rPr lang="en-BE" sz="1600" dirty="0" smtClean="0"/>
+              <a:t>)</a:t>
+            </a:r>
+          </a:p>
+          <a:p>
+            <a:pPr marL="457200" indent="-457200">
+              <a:buFont typeface="+mj-lt"/>
+              <a:buAutoNum type="arabicPeriod"/>
+            </a:pPr>
+            <a:r>
+              <a:rPr lang="en-BE" sz="1600" dirty="0" smtClean="0"/>
+              <a:t>Create config.env (using config_template.env) and set up desired host &amp; port</a:t>
+            </a:r>
+          </a:p>
+          <a:p>
+            <a:pPr marL="457200" indent="-457200">
+              <a:buFont typeface="+mj-lt"/>
+              <a:buAutoNum type="arabicPeriod"/>
+            </a:pPr>
+            <a:r>
+              <a:rPr lang="en-BE" sz="1600" dirty="0" smtClean="0"/>
+              <a:t>Run app.R</a:t>
+            </a:r>
+            <a:endParaRPr lang="en-BE" sz="1600" dirty="0" smtClean="0"/>
+          </a:p>
+        </p:txBody>
+      </p:sp>
     </p:spTree>
     <p:extLst>
       <p:ext uri="{BB962C8B-B14F-4D97-AF65-F5344CB8AC3E}">
-        <p14:creationId xmlns:p14="http://schemas.microsoft.com/office/powerpoint/2010/main" val="994119531"/>
+        <p14:creationId xmlns:p14="http://schemas.microsoft.com/office/powerpoint/2010/main" val="53382254"/>
       </p:ext>
     </p:extLst>
   </p:cSld>
@@ -6403,6 +5324,366 @@
 </file>
 
 <file path=ppt/slides/slide18.xml><?xml version="1.0" encoding="utf-8"?>
+<p:sld xmlns:a="http://schemas.openxmlformats.org/drawingml/2006/main" xmlns:r="http://schemas.openxmlformats.org/officeDocument/2006/relationships" xmlns:p="http://schemas.openxmlformats.org/presentationml/2006/main">
+  <p:cSld>
+    <p:spTree>
+      <p:nvGrpSpPr>
+        <p:cNvPr id="1" name=""/>
+        <p:cNvGrpSpPr/>
+        <p:nvPr/>
+      </p:nvGrpSpPr>
+      <p:grpSpPr>
+        <a:xfrm>
+          <a:off x="0" y="0"/>
+          <a:ext cx="0" cy="0"/>
+          <a:chOff x="0" y="0"/>
+          <a:chExt cx="0" cy="0"/>
+        </a:xfrm>
+      </p:grpSpPr>
+      <p:sp>
+        <p:nvSpPr>
+          <p:cNvPr id="2" name="Title 1"/>
+          <p:cNvSpPr>
+            <a:spLocks noGrp="1"/>
+          </p:cNvSpPr>
+          <p:nvPr>
+            <p:ph type="title"/>
+          </p:nvPr>
+        </p:nvSpPr>
+        <p:spPr>
+          <a:xfrm>
+            <a:off x="0" y="-162949"/>
+            <a:ext cx="12294141" cy="1325563"/>
+          </a:xfrm>
+        </p:spPr>
+        <p:txBody>
+          <a:bodyPr/>
+          <a:lstStyle/>
+          <a:p>
+            <a:r>
+              <a:rPr lang="en-BE" dirty="0" smtClean="0"/>
+              <a:t>Shinymanager: authentication &amp; site monitoring (i)</a:t>
+            </a:r>
+            <a:endParaRPr lang="en-US" dirty="0"/>
+          </a:p>
+        </p:txBody>
+      </p:sp>
+      <p:sp>
+        <p:nvSpPr>
+          <p:cNvPr id="3" name="Content Placeholder 2"/>
+          <p:cNvSpPr>
+            <a:spLocks noGrp="1"/>
+          </p:cNvSpPr>
+          <p:nvPr>
+            <p:ph idx="1"/>
+          </p:nvPr>
+        </p:nvSpPr>
+        <p:spPr>
+          <a:xfrm>
+            <a:off x="136188" y="933855"/>
+            <a:ext cx="11653736" cy="5778230"/>
+          </a:xfrm>
+        </p:spPr>
+        <p:txBody>
+          <a:bodyPr>
+            <a:normAutofit/>
+          </a:bodyPr>
+          <a:lstStyle/>
+          <a:p>
+            <a:r>
+              <a:rPr lang="en-BE" sz="1600" dirty="0" smtClean="0"/>
+              <a:t>Auth is</a:t>
+            </a:r>
+            <a:r>
+              <a:rPr lang="en-BE" sz="1600" dirty="0" smtClean="0"/>
+              <a:t> done using shinymanager</a:t>
+            </a:r>
+          </a:p>
+          <a:p>
+            <a:pPr lvl="1"/>
+            <a:r>
+              <a:rPr lang="en-US" sz="1600" dirty="0">
+                <a:hlinkClick r:id="rId2"/>
+              </a:rPr>
+              <a:t>https://datastorm-open.github.io/shinymanager</a:t>
+            </a:r>
+            <a:r>
+              <a:rPr lang="en-US" sz="1600" dirty="0" smtClean="0">
+                <a:hlinkClick r:id="rId2"/>
+              </a:rPr>
+              <a:t>/</a:t>
+            </a:r>
+            <a:endParaRPr lang="en-BE" sz="1600" dirty="0" smtClean="0"/>
+          </a:p>
+          <a:p>
+            <a:r>
+              <a:rPr lang="en-BE" sz="1600" dirty="0" smtClean="0"/>
+              <a:t>Shinymanager can store credentials </a:t>
+            </a:r>
+            <a:r>
+              <a:rPr lang="en-BE" sz="1600" dirty="0"/>
+              <a:t>are stored in </a:t>
+            </a:r>
+            <a:r>
+              <a:rPr lang="en-BE" sz="1600" dirty="0" smtClean="0"/>
+              <a:t>sqlite</a:t>
+            </a:r>
+            <a:r>
+              <a:rPr lang="en-US" sz="1600" dirty="0" smtClean="0"/>
+              <a:t> database</a:t>
+            </a:r>
+            <a:endParaRPr lang="en-BE" sz="1600" dirty="0"/>
+          </a:p>
+          <a:p>
+            <a:r>
+              <a:rPr lang="en-BE" sz="1600" dirty="0" smtClean="0"/>
+              <a:t>Shinymanager </a:t>
+            </a:r>
+            <a:r>
+              <a:rPr lang="en-BE" sz="1600" dirty="0"/>
+              <a:t>provides an admin console with an overview of the site </a:t>
+            </a:r>
+            <a:r>
+              <a:rPr lang="en-BE" sz="1600" dirty="0" smtClean="0"/>
+              <a:t>usage, but only if you use the sqlite backend option.</a:t>
+            </a:r>
+          </a:p>
+          <a:p>
+            <a:endParaRPr lang="en-BE" sz="1600" dirty="0" smtClean="0"/>
+          </a:p>
+          <a:p>
+            <a:r>
+              <a:rPr lang="en-BE" sz="1600" dirty="0" smtClean="0"/>
+              <a:t>The sqlite DB is </a:t>
+            </a:r>
+            <a:r>
+              <a:rPr lang="en-US" sz="1600" dirty="0" smtClean="0"/>
+              <a:t>protected </a:t>
+            </a:r>
+            <a:r>
+              <a:rPr lang="en-US" sz="1600" dirty="0"/>
+              <a:t>with a symmetric AES encryption</a:t>
+            </a:r>
+            <a:r>
+              <a:rPr lang="en-BE" sz="1600" dirty="0"/>
+              <a:t>. To store the keys for this encryption it uses </a:t>
+            </a:r>
+            <a:r>
+              <a:rPr lang="en-BE" sz="1600" dirty="0" smtClean="0"/>
+              <a:t>the keyring package. This makes use of the OS credential store: w</a:t>
+            </a:r>
+            <a:r>
+              <a:rPr lang="en-US" sz="1600" dirty="0" smtClean="0"/>
+              <a:t>hen </a:t>
+            </a:r>
+            <a:r>
+              <a:rPr lang="en-US" sz="1600" dirty="0"/>
+              <a:t>you set a key using </a:t>
+            </a:r>
+            <a:r>
+              <a:rPr lang="en-US" sz="1600" dirty="0" err="1"/>
+              <a:t>key_set</a:t>
+            </a:r>
+            <a:r>
+              <a:rPr lang="en-US" sz="1600" dirty="0"/>
+              <a:t> </a:t>
+            </a:r>
+            <a:r>
+              <a:rPr lang="en-US" sz="1600" dirty="0" smtClean="0"/>
+              <a:t>it </a:t>
+            </a:r>
+            <a:r>
+              <a:rPr lang="en-US" sz="1600" dirty="0"/>
+              <a:t>is stored securely on the </a:t>
+            </a:r>
+            <a:r>
+              <a:rPr lang="en-BE" sz="1600" dirty="0" smtClean="0"/>
+              <a:t>local </a:t>
+            </a:r>
+            <a:r>
+              <a:rPr lang="en-US" sz="1600" dirty="0" smtClean="0"/>
+              <a:t>machine </a:t>
+            </a:r>
+            <a:endParaRPr lang="en-BE" sz="1600" dirty="0" smtClean="0"/>
+          </a:p>
+          <a:p>
+            <a:pPr lvl="1"/>
+            <a:r>
+              <a:rPr lang="en-US" sz="1600" b="1" dirty="0" smtClean="0"/>
+              <a:t>Windows</a:t>
+            </a:r>
+            <a:r>
+              <a:rPr lang="en-US" sz="1600" dirty="0"/>
+              <a:t>: It </a:t>
+            </a:r>
+            <a:r>
+              <a:rPr lang="en-US" sz="1600" dirty="0" smtClean="0"/>
+              <a:t>use</a:t>
+            </a:r>
+            <a:r>
+              <a:rPr lang="en-BE" sz="1600" dirty="0" smtClean="0"/>
+              <a:t>s</a:t>
+            </a:r>
+            <a:r>
+              <a:rPr lang="en-US" sz="1600" dirty="0" smtClean="0"/>
+              <a:t> </a:t>
+            </a:r>
+            <a:r>
+              <a:rPr lang="en-US" sz="1600" dirty="0"/>
+              <a:t>the Windows Credential Manager</a:t>
+            </a:r>
+            <a:r>
+              <a:rPr lang="en-US" sz="1600" dirty="0" smtClean="0"/>
+              <a:t>.</a:t>
+            </a:r>
+            <a:endParaRPr lang="en-BE" sz="1600" dirty="0" smtClean="0"/>
+          </a:p>
+          <a:p>
+            <a:pPr lvl="1"/>
+            <a:r>
+              <a:rPr lang="en-US" sz="1600" b="1" dirty="0"/>
+              <a:t>Linux</a:t>
+            </a:r>
+            <a:r>
+              <a:rPr lang="en-US" sz="1600" dirty="0"/>
+              <a:t>: It may use the Linux keyring or other secure storage mechanisms</a:t>
+            </a:r>
+            <a:r>
+              <a:rPr lang="en-US" sz="1600" dirty="0" smtClean="0"/>
+              <a:t>.</a:t>
+            </a:r>
+            <a:endParaRPr lang="en-BE" sz="1600" dirty="0" smtClean="0"/>
+          </a:p>
+          <a:p>
+            <a:pPr lvl="1"/>
+            <a:endParaRPr lang="en-BE" sz="1600" dirty="0"/>
+          </a:p>
+          <a:p>
+            <a:r>
+              <a:rPr lang="en-BE" sz="1600" dirty="0"/>
+              <a:t>How to set it up locally:</a:t>
+            </a:r>
+          </a:p>
+          <a:p>
+            <a:pPr marL="914400" lvl="1" indent="-457200">
+              <a:buFont typeface="+mj-lt"/>
+              <a:buAutoNum type="arabicPeriod"/>
+            </a:pPr>
+            <a:r>
+              <a:rPr lang="en-BE" sz="1600" dirty="0"/>
+              <a:t>Copy scripts/credentials_template.env to scripts/credentials.env </a:t>
+            </a:r>
+          </a:p>
+          <a:p>
+            <a:pPr marL="914400" lvl="1" indent="-457200">
+              <a:buFont typeface="+mj-lt"/>
+              <a:buAutoNum type="arabicPeriod"/>
+            </a:pPr>
+            <a:r>
+              <a:rPr lang="en-BE" sz="1600" dirty="0"/>
+              <a:t>Modify credentials.env: configure shiny app username and password as well as sqlite encryption password</a:t>
+            </a:r>
+          </a:p>
+          <a:p>
+            <a:pPr marL="914400" lvl="1" indent="-457200">
+              <a:buFont typeface="+mj-lt"/>
+              <a:buAutoNum type="arabicPeriod"/>
+            </a:pPr>
+            <a:r>
+              <a:rPr lang="en-BE" sz="1600" dirty="0"/>
+              <a:t>Run setup_credentials.R</a:t>
+            </a:r>
+          </a:p>
+          <a:p>
+            <a:pPr marL="914400" lvl="1" indent="-457200">
+              <a:buFont typeface="+mj-lt"/>
+              <a:buAutoNum type="arabicPeriod"/>
+            </a:pPr>
+            <a:r>
+              <a:rPr lang="en-BE" sz="1600" dirty="0"/>
+              <a:t>Verify that db/credentials.db has been created</a:t>
+            </a:r>
+          </a:p>
+          <a:p>
+            <a:pPr marL="914400" lvl="1" indent="-457200">
+              <a:buFont typeface="+mj-lt"/>
+              <a:buAutoNum type="arabicPeriod"/>
+            </a:pPr>
+            <a:endParaRPr lang="en-BE" sz="1600" dirty="0"/>
+          </a:p>
+          <a:p>
+            <a:r>
+              <a:rPr lang="en-BE" sz="1600" dirty="0"/>
+              <a:t>How to set it up in a docker image</a:t>
+            </a:r>
+          </a:p>
+          <a:p>
+            <a:pPr lvl="1"/>
+            <a:r>
+              <a:rPr lang="en-BE" sz="1600" dirty="0"/>
+              <a:t>Replace steps 1 &amp; 2 above by setting up the environment variables through docker</a:t>
+            </a:r>
+          </a:p>
+          <a:p>
+            <a:pPr lvl="1"/>
+            <a:r>
+              <a:rPr lang="en-BE" sz="1600" dirty="0"/>
+              <a:t>Perform 3 &amp; 4.</a:t>
+            </a:r>
+          </a:p>
+          <a:p>
+            <a:pPr marL="457200" lvl="1" indent="0">
+              <a:buNone/>
+            </a:pPr>
+            <a:endParaRPr lang="en-BE" sz="1600" dirty="0" smtClean="0"/>
+          </a:p>
+        </p:txBody>
+      </p:sp>
+      <p:pic>
+        <p:nvPicPr>
+          <p:cNvPr id="4" name="Picture 3"/>
+          <p:cNvPicPr>
+            <a:picLocks noChangeAspect="1"/>
+          </p:cNvPicPr>
+          <p:nvPr/>
+        </p:nvPicPr>
+        <p:blipFill>
+          <a:blip r:embed="rId3"/>
+          <a:stretch>
+            <a:fillRect/>
+          </a:stretch>
+        </p:blipFill>
+        <p:spPr>
+          <a:xfrm>
+            <a:off x="10834144" y="933855"/>
+            <a:ext cx="1181202" cy="1615580"/>
+          </a:xfrm>
+          <a:prstGeom prst="rect">
+            <a:avLst/>
+          </a:prstGeom>
+        </p:spPr>
+      </p:pic>
+    </p:spTree>
+    <p:extLst>
+      <p:ext uri="{BB962C8B-B14F-4D97-AF65-F5344CB8AC3E}">
+        <p14:creationId xmlns:p14="http://schemas.microsoft.com/office/powerpoint/2010/main" val="2515541860"/>
+      </p:ext>
+    </p:extLst>
+  </p:cSld>
+  <p:clrMapOvr>
+    <a:masterClrMapping/>
+  </p:clrMapOvr>
+  <p:timing>
+    <p:tnLst>
+      <p:par>
+        <p:cTn id="1" dur="indefinite" restart="never" nodeType="tmRoot"/>
+      </p:par>
+    </p:tnLst>
+  </p:timing>
+</p:sld>
+</file>
+
+<file path=ppt/slides/slide19.xml><?xml version="1.0" encoding="utf-8"?>
 <p:sld xmlns:a="http://schemas.openxmlformats.org/drawingml/2006/main" xmlns:r="http://schemas.openxmlformats.org/officeDocument/2006/relationships" xmlns:p="http://schemas.openxmlformats.org/presentationml/2006/main">
   <p:cSld>
     <p:bg>
@@ -6447,6 +5728,1651 @@
           <a:p>
             <a:r>
               <a:rPr lang="nl-BE" dirty="0" smtClean="0"/>
+              <a:t>reactivity</a:t>
+            </a:r>
+            <a:endParaRPr lang="en-US" dirty="0"/>
+          </a:p>
+        </p:txBody>
+      </p:sp>
+      <p:sp>
+        <p:nvSpPr>
+          <p:cNvPr id="5" name="Subtitle 4"/>
+          <p:cNvSpPr>
+            <a:spLocks noGrp="1"/>
+          </p:cNvSpPr>
+          <p:nvPr>
+            <p:ph type="subTitle" idx="1"/>
+          </p:nvPr>
+        </p:nvSpPr>
+        <p:spPr/>
+        <p:txBody>
+          <a:bodyPr/>
+          <a:lstStyle/>
+          <a:p>
+            <a:endParaRPr lang="en-US"/>
+          </a:p>
+        </p:txBody>
+      </p:sp>
+    </p:spTree>
+    <p:extLst>
+      <p:ext uri="{BB962C8B-B14F-4D97-AF65-F5344CB8AC3E}">
+        <p14:creationId xmlns:p14="http://schemas.microsoft.com/office/powerpoint/2010/main" val="1106892015"/>
+      </p:ext>
+    </p:extLst>
+  </p:cSld>
+  <p:clrMapOvr>
+    <a:masterClrMapping/>
+  </p:clrMapOvr>
+  <p:timing>
+    <p:tnLst>
+      <p:par>
+        <p:cTn id="1" dur="indefinite" restart="never" nodeType="tmRoot"/>
+      </p:par>
+    </p:tnLst>
+  </p:timing>
+</p:sld>
+</file>
+
+<file path=ppt/slides/slide2.xml><?xml version="1.0" encoding="utf-8"?>
+<p:sld xmlns:a="http://schemas.openxmlformats.org/drawingml/2006/main" xmlns:r="http://schemas.openxmlformats.org/officeDocument/2006/relationships" xmlns:p="http://schemas.openxmlformats.org/presentationml/2006/main">
+  <p:cSld>
+    <p:spTree>
+      <p:nvGrpSpPr>
+        <p:cNvPr id="1" name=""/>
+        <p:cNvGrpSpPr/>
+        <p:nvPr/>
+      </p:nvGrpSpPr>
+      <p:grpSpPr>
+        <a:xfrm>
+          <a:off x="0" y="0"/>
+          <a:ext cx="0" cy="0"/>
+          <a:chOff x="0" y="0"/>
+          <a:chExt cx="0" cy="0"/>
+        </a:xfrm>
+      </p:grpSpPr>
+      <p:sp>
+        <p:nvSpPr>
+          <p:cNvPr id="2" name="Title 1"/>
+          <p:cNvSpPr>
+            <a:spLocks noGrp="1"/>
+          </p:cNvSpPr>
+          <p:nvPr>
+            <p:ph type="title"/>
+          </p:nvPr>
+        </p:nvSpPr>
+        <p:spPr/>
+        <p:txBody>
+          <a:bodyPr/>
+          <a:lstStyle/>
+          <a:p>
+            <a:r>
+              <a:rPr lang="en-BE" dirty="0" smtClean="0"/>
+              <a:t>content</a:t>
+            </a:r>
+            <a:endParaRPr lang="nl-BE" dirty="0"/>
+          </a:p>
+        </p:txBody>
+      </p:sp>
+      <p:sp>
+        <p:nvSpPr>
+          <p:cNvPr id="3" name="Content Placeholder 2"/>
+          <p:cNvSpPr>
+            <a:spLocks noGrp="1"/>
+          </p:cNvSpPr>
+          <p:nvPr>
+            <p:ph idx="1"/>
+          </p:nvPr>
+        </p:nvSpPr>
+        <p:spPr/>
+        <p:txBody>
+          <a:bodyPr>
+            <a:normAutofit/>
+          </a:bodyPr>
+          <a:lstStyle/>
+          <a:p>
+            <a:r>
+              <a:rPr lang="en-BE" sz="1600" dirty="0" smtClean="0"/>
+              <a:t>terminology</a:t>
+            </a:r>
+          </a:p>
+          <a:p>
+            <a:r>
+              <a:rPr lang="en-BE" sz="1600" dirty="0" smtClean="0"/>
+              <a:t>data model</a:t>
+            </a:r>
+          </a:p>
+          <a:p>
+            <a:r>
+              <a:rPr lang="en-BE" sz="1600" dirty="0" smtClean="0"/>
+              <a:t>importing new data</a:t>
+            </a:r>
+          </a:p>
+          <a:p>
+            <a:endParaRPr lang="nl-BE" sz="1600" dirty="0"/>
+          </a:p>
+        </p:txBody>
+      </p:sp>
+    </p:spTree>
+    <p:extLst>
+      <p:ext uri="{BB962C8B-B14F-4D97-AF65-F5344CB8AC3E}">
+        <p14:creationId xmlns:p14="http://schemas.microsoft.com/office/powerpoint/2010/main" val="2359953564"/>
+      </p:ext>
+    </p:extLst>
+  </p:cSld>
+  <p:clrMapOvr>
+    <a:masterClrMapping/>
+  </p:clrMapOvr>
+  <p:timing>
+    <p:tnLst>
+      <p:par>
+        <p:cTn id="1" dur="indefinite" restart="never" nodeType="tmRoot"/>
+      </p:par>
+    </p:tnLst>
+  </p:timing>
+</p:sld>
+</file>
+
+<file path=ppt/slides/slide20.xml><?xml version="1.0" encoding="utf-8"?>
+<p:sld xmlns:a="http://schemas.openxmlformats.org/drawingml/2006/main" xmlns:r="http://schemas.openxmlformats.org/officeDocument/2006/relationships" xmlns:p="http://schemas.openxmlformats.org/presentationml/2006/main">
+  <p:cSld>
+    <p:spTree>
+      <p:nvGrpSpPr>
+        <p:cNvPr id="1" name=""/>
+        <p:cNvGrpSpPr/>
+        <p:nvPr/>
+      </p:nvGrpSpPr>
+      <p:grpSpPr>
+        <a:xfrm>
+          <a:off x="0" y="0"/>
+          <a:ext cx="0" cy="0"/>
+          <a:chOff x="0" y="0"/>
+          <a:chExt cx="0" cy="0"/>
+        </a:xfrm>
+      </p:grpSpPr>
+      <p:sp>
+        <p:nvSpPr>
+          <p:cNvPr id="2" name="Title 1"/>
+          <p:cNvSpPr>
+            <a:spLocks noGrp="1"/>
+          </p:cNvSpPr>
+          <p:nvPr>
+            <p:ph type="title"/>
+          </p:nvPr>
+        </p:nvSpPr>
+        <p:spPr/>
+        <p:txBody>
+          <a:bodyPr/>
+          <a:lstStyle/>
+          <a:p>
+            <a:r>
+              <a:rPr lang="nl-BE" dirty="0" smtClean="0"/>
+              <a:t>reactives</a:t>
+            </a:r>
+            <a:endParaRPr lang="en-US" dirty="0"/>
+          </a:p>
+        </p:txBody>
+      </p:sp>
+      <p:sp>
+        <p:nvSpPr>
+          <p:cNvPr id="4" name="Flowchart: Magnetic Disk 3"/>
+          <p:cNvSpPr/>
+          <p:nvPr/>
+        </p:nvSpPr>
+        <p:spPr>
+          <a:xfrm>
+            <a:off x="988539" y="1890584"/>
+            <a:ext cx="840259" cy="729048"/>
+          </a:xfrm>
+          <a:prstGeom prst="flowChartMagneticDisk">
+            <a:avLst/>
+          </a:prstGeom>
+        </p:spPr>
+        <p:style>
+          <a:lnRef idx="2">
+            <a:schemeClr val="accent5">
+              <a:shade val="50000"/>
+            </a:schemeClr>
+          </a:lnRef>
+          <a:fillRef idx="1">
+            <a:schemeClr val="accent5"/>
+          </a:fillRef>
+          <a:effectRef idx="0">
+            <a:schemeClr val="accent5"/>
+          </a:effectRef>
+          <a:fontRef idx="minor">
+            <a:schemeClr val="lt1"/>
+          </a:fontRef>
+        </p:style>
+        <p:txBody>
+          <a:bodyPr rtlCol="0" anchor="ctr"/>
+          <a:lstStyle/>
+          <a:p>
+            <a:pPr algn="ctr"/>
+            <a:r>
+              <a:rPr lang="nl-BE" sz="900" dirty="0" smtClean="0"/>
+              <a:t>transactions</a:t>
+            </a:r>
+            <a:endParaRPr lang="en-US" sz="900" dirty="0"/>
+          </a:p>
+        </p:txBody>
+      </p:sp>
+      <p:sp>
+        <p:nvSpPr>
+          <p:cNvPr id="5" name="Flowchart: Magnetic Disk 4"/>
+          <p:cNvSpPr/>
+          <p:nvPr/>
+        </p:nvSpPr>
+        <p:spPr>
+          <a:xfrm>
+            <a:off x="988540" y="3095369"/>
+            <a:ext cx="840259" cy="729048"/>
+          </a:xfrm>
+          <a:prstGeom prst="flowChartMagneticDisk">
+            <a:avLst/>
+          </a:prstGeom>
+        </p:spPr>
+        <p:style>
+          <a:lnRef idx="2">
+            <a:schemeClr val="accent5">
+              <a:shade val="50000"/>
+            </a:schemeClr>
+          </a:lnRef>
+          <a:fillRef idx="1">
+            <a:schemeClr val="accent5"/>
+          </a:fillRef>
+          <a:effectRef idx="0">
+            <a:schemeClr val="accent5"/>
+          </a:effectRef>
+          <a:fontRef idx="minor">
+            <a:schemeClr val="lt1"/>
+          </a:fontRef>
+        </p:style>
+        <p:txBody>
+          <a:bodyPr rtlCol="0" anchor="ctr"/>
+          <a:lstStyle/>
+          <a:p>
+            <a:pPr algn="ctr"/>
+            <a:r>
+              <a:rPr lang="nl-BE" sz="900" dirty="0" smtClean="0"/>
+              <a:t>stock_ohlc</a:t>
+            </a:r>
+            <a:endParaRPr lang="en-US" sz="900" dirty="0"/>
+          </a:p>
+        </p:txBody>
+      </p:sp>
+      <p:sp>
+        <p:nvSpPr>
+          <p:cNvPr id="6" name="Flowchart: Magnetic Disk 5"/>
+          <p:cNvSpPr/>
+          <p:nvPr/>
+        </p:nvSpPr>
+        <p:spPr>
+          <a:xfrm>
+            <a:off x="988539" y="4436077"/>
+            <a:ext cx="840259" cy="729048"/>
+          </a:xfrm>
+          <a:prstGeom prst="flowChartMagneticDisk">
+            <a:avLst/>
+          </a:prstGeom>
+        </p:spPr>
+        <p:style>
+          <a:lnRef idx="2">
+            <a:schemeClr val="accent5">
+              <a:shade val="50000"/>
+            </a:schemeClr>
+          </a:lnRef>
+          <a:fillRef idx="1">
+            <a:schemeClr val="accent5"/>
+          </a:fillRef>
+          <a:effectRef idx="0">
+            <a:schemeClr val="accent5"/>
+          </a:effectRef>
+          <a:fontRef idx="minor">
+            <a:schemeClr val="lt1"/>
+          </a:fontRef>
+        </p:style>
+        <p:txBody>
+          <a:bodyPr rtlCol="0" anchor="ctr"/>
+          <a:lstStyle/>
+          <a:p>
+            <a:pPr algn="ctr"/>
+            <a:r>
+              <a:rPr lang="nl-BE" sz="900" dirty="0" smtClean="0"/>
+              <a:t>fx_rates</a:t>
+            </a:r>
+            <a:endParaRPr lang="en-US" sz="900" dirty="0"/>
+          </a:p>
+        </p:txBody>
+      </p:sp>
+      <p:sp>
+        <p:nvSpPr>
+          <p:cNvPr id="7" name="Chevron 6"/>
+          <p:cNvSpPr/>
+          <p:nvPr/>
+        </p:nvSpPr>
+        <p:spPr>
+          <a:xfrm>
+            <a:off x="2940910" y="1927654"/>
+            <a:ext cx="1402492" cy="654909"/>
+          </a:xfrm>
+          <a:prstGeom prst="chevron">
+            <a:avLst/>
+          </a:prstGeom>
+        </p:spPr>
+        <p:style>
+          <a:lnRef idx="2">
+            <a:schemeClr val="accent1">
+              <a:shade val="50000"/>
+            </a:schemeClr>
+          </a:lnRef>
+          <a:fillRef idx="1">
+            <a:schemeClr val="accent1"/>
+          </a:fillRef>
+          <a:effectRef idx="0">
+            <a:schemeClr val="accent1"/>
+          </a:effectRef>
+          <a:fontRef idx="minor">
+            <a:schemeClr val="lt1"/>
+          </a:fontRef>
+        </p:style>
+        <p:txBody>
+          <a:bodyPr rtlCol="0" anchor="ctr"/>
+          <a:lstStyle/>
+          <a:p>
+            <a:pPr algn="ctr"/>
+            <a:r>
+              <a:rPr lang="nl-BE" sz="900" dirty="0"/>
+              <a:t>tr()</a:t>
+            </a:r>
+            <a:endParaRPr lang="en-US" sz="900" dirty="0"/>
+          </a:p>
+        </p:txBody>
+      </p:sp>
+      <p:sp>
+        <p:nvSpPr>
+          <p:cNvPr id="8" name="Chevron 7"/>
+          <p:cNvSpPr/>
+          <p:nvPr/>
+        </p:nvSpPr>
+        <p:spPr>
+          <a:xfrm>
+            <a:off x="2940910" y="3132438"/>
+            <a:ext cx="1402492" cy="654909"/>
+          </a:xfrm>
+          <a:prstGeom prst="chevron">
+            <a:avLst/>
+          </a:prstGeom>
+        </p:spPr>
+        <p:style>
+          <a:lnRef idx="2">
+            <a:schemeClr val="accent1">
+              <a:shade val="50000"/>
+            </a:schemeClr>
+          </a:lnRef>
+          <a:fillRef idx="1">
+            <a:schemeClr val="accent1"/>
+          </a:fillRef>
+          <a:effectRef idx="0">
+            <a:schemeClr val="accent1"/>
+          </a:effectRef>
+          <a:fontRef idx="minor">
+            <a:schemeClr val="lt1"/>
+          </a:fontRef>
+        </p:style>
+        <p:txBody>
+          <a:bodyPr rtlCol="0" anchor="ctr"/>
+          <a:lstStyle/>
+          <a:p>
+            <a:pPr algn="ctr"/>
+            <a:r>
+              <a:rPr lang="nl-BE" sz="900" dirty="0" smtClean="0"/>
+              <a:t>ohlc()</a:t>
+            </a:r>
+            <a:endParaRPr lang="en-US" sz="900" dirty="0"/>
+          </a:p>
+        </p:txBody>
+      </p:sp>
+      <p:sp>
+        <p:nvSpPr>
+          <p:cNvPr id="9" name="Chevron 8"/>
+          <p:cNvSpPr/>
+          <p:nvPr/>
+        </p:nvSpPr>
+        <p:spPr>
+          <a:xfrm>
+            <a:off x="2940910" y="4473146"/>
+            <a:ext cx="1402492" cy="654909"/>
+          </a:xfrm>
+          <a:prstGeom prst="chevron">
+            <a:avLst/>
+          </a:prstGeom>
+        </p:spPr>
+        <p:style>
+          <a:lnRef idx="2">
+            <a:schemeClr val="accent1">
+              <a:shade val="50000"/>
+            </a:schemeClr>
+          </a:lnRef>
+          <a:fillRef idx="1">
+            <a:schemeClr val="accent1"/>
+          </a:fillRef>
+          <a:effectRef idx="0">
+            <a:schemeClr val="accent1"/>
+          </a:effectRef>
+          <a:fontRef idx="minor">
+            <a:schemeClr val="lt1"/>
+          </a:fontRef>
+        </p:style>
+        <p:txBody>
+          <a:bodyPr rtlCol="0" anchor="ctr"/>
+          <a:lstStyle/>
+          <a:p>
+            <a:pPr algn="ctr"/>
+            <a:r>
+              <a:rPr lang="nl-BE" sz="900" dirty="0" smtClean="0"/>
+              <a:t>fx()</a:t>
+            </a:r>
+            <a:endParaRPr lang="en-US" sz="900" dirty="0"/>
+          </a:p>
+        </p:txBody>
+      </p:sp>
+      <p:sp>
+        <p:nvSpPr>
+          <p:cNvPr id="10" name="Chevron 9"/>
+          <p:cNvSpPr/>
+          <p:nvPr/>
+        </p:nvSpPr>
+        <p:spPr>
+          <a:xfrm>
+            <a:off x="4744997" y="1927654"/>
+            <a:ext cx="1402492" cy="654909"/>
+          </a:xfrm>
+          <a:prstGeom prst="chevron">
+            <a:avLst/>
+          </a:prstGeom>
+        </p:spPr>
+        <p:style>
+          <a:lnRef idx="2">
+            <a:schemeClr val="accent1">
+              <a:shade val="50000"/>
+            </a:schemeClr>
+          </a:lnRef>
+          <a:fillRef idx="1">
+            <a:schemeClr val="accent1"/>
+          </a:fillRef>
+          <a:effectRef idx="0">
+            <a:schemeClr val="accent1"/>
+          </a:effectRef>
+          <a:fontRef idx="minor">
+            <a:schemeClr val="lt1"/>
+          </a:fontRef>
+        </p:style>
+        <p:txBody>
+          <a:bodyPr rtlCol="0" anchor="ctr"/>
+          <a:lstStyle/>
+          <a:p>
+            <a:pPr algn="ctr"/>
+            <a:r>
+              <a:rPr lang="nl-BE" sz="900" dirty="0" smtClean="0"/>
+              <a:t>tr_ext()</a:t>
+            </a:r>
+            <a:endParaRPr lang="en-US" sz="900" dirty="0"/>
+          </a:p>
+        </p:txBody>
+      </p:sp>
+      <p:sp>
+        <p:nvSpPr>
+          <p:cNvPr id="11" name="Chevron 10"/>
+          <p:cNvSpPr/>
+          <p:nvPr/>
+        </p:nvSpPr>
+        <p:spPr>
+          <a:xfrm>
+            <a:off x="6305038" y="774840"/>
+            <a:ext cx="1560040" cy="654909"/>
+          </a:xfrm>
+          <a:prstGeom prst="chevron">
+            <a:avLst/>
+          </a:prstGeom>
+        </p:spPr>
+        <p:style>
+          <a:lnRef idx="2">
+            <a:schemeClr val="accent1">
+              <a:shade val="50000"/>
+            </a:schemeClr>
+          </a:lnRef>
+          <a:fillRef idx="1">
+            <a:schemeClr val="accent1"/>
+          </a:fillRef>
+          <a:effectRef idx="0">
+            <a:schemeClr val="accent1"/>
+          </a:effectRef>
+          <a:fontRef idx="minor">
+            <a:schemeClr val="lt1"/>
+          </a:fontRef>
+        </p:style>
+        <p:txBody>
+          <a:bodyPr rtlCol="0" anchor="ctr"/>
+          <a:lstStyle/>
+          <a:p>
+            <a:pPr algn="ctr"/>
+            <a:r>
+              <a:rPr lang="nl-BE" sz="900" dirty="0"/>
+              <a:t>cash_b_evol()</a:t>
+            </a:r>
+            <a:endParaRPr lang="en-US" sz="900" dirty="0"/>
+          </a:p>
+        </p:txBody>
+      </p:sp>
+      <p:sp>
+        <p:nvSpPr>
+          <p:cNvPr id="12" name="Chevron 11"/>
+          <p:cNvSpPr/>
+          <p:nvPr/>
+        </p:nvSpPr>
+        <p:spPr>
+          <a:xfrm>
+            <a:off x="6462585" y="2686500"/>
+            <a:ext cx="1520829" cy="654909"/>
+          </a:xfrm>
+          <a:prstGeom prst="chevron">
+            <a:avLst/>
+          </a:prstGeom>
+        </p:spPr>
+        <p:style>
+          <a:lnRef idx="2">
+            <a:schemeClr val="accent1">
+              <a:shade val="50000"/>
+            </a:schemeClr>
+          </a:lnRef>
+          <a:fillRef idx="1">
+            <a:schemeClr val="accent1"/>
+          </a:fillRef>
+          <a:effectRef idx="0">
+            <a:schemeClr val="accent1"/>
+          </a:effectRef>
+          <a:fontRef idx="minor">
+            <a:schemeClr val="lt1"/>
+          </a:fontRef>
+        </p:style>
+        <p:txBody>
+          <a:bodyPr rtlCol="0" anchor="ctr"/>
+          <a:lstStyle/>
+          <a:p>
+            <a:pPr algn="ctr"/>
+            <a:r>
+              <a:rPr lang="nl-BE" sz="900" dirty="0"/>
+              <a:t>pos_sb_evol()</a:t>
+            </a:r>
+            <a:endParaRPr lang="en-US" sz="900" dirty="0"/>
+          </a:p>
+        </p:txBody>
+      </p:sp>
+      <p:sp>
+        <p:nvSpPr>
+          <p:cNvPr id="13" name="Chevron 12"/>
+          <p:cNvSpPr/>
+          <p:nvPr/>
+        </p:nvSpPr>
+        <p:spPr>
+          <a:xfrm>
+            <a:off x="8841262" y="2686499"/>
+            <a:ext cx="1402492" cy="654909"/>
+          </a:xfrm>
+          <a:prstGeom prst="chevron">
+            <a:avLst/>
+          </a:prstGeom>
+        </p:spPr>
+        <p:style>
+          <a:lnRef idx="2">
+            <a:schemeClr val="accent1">
+              <a:shade val="50000"/>
+            </a:schemeClr>
+          </a:lnRef>
+          <a:fillRef idx="1">
+            <a:schemeClr val="accent1"/>
+          </a:fillRef>
+          <a:effectRef idx="0">
+            <a:schemeClr val="accent1"/>
+          </a:effectRef>
+          <a:fontRef idx="minor">
+            <a:schemeClr val="lt1"/>
+          </a:fontRef>
+        </p:style>
+        <p:txBody>
+          <a:bodyPr rtlCol="0" anchor="ctr"/>
+          <a:lstStyle/>
+          <a:p>
+            <a:pPr algn="ctr"/>
+            <a:r>
+              <a:rPr lang="nl-BE" sz="900" dirty="0"/>
+              <a:t>pos_sb()</a:t>
+            </a:r>
+            <a:endParaRPr lang="en-US" sz="900" dirty="0"/>
+          </a:p>
+        </p:txBody>
+      </p:sp>
+      <p:cxnSp>
+        <p:nvCxnSpPr>
+          <p:cNvPr id="15" name="Straight Arrow Connector 14"/>
+          <p:cNvCxnSpPr>
+            <a:stCxn id="4" idx="4"/>
+            <a:endCxn id="7" idx="1"/>
+          </p:cNvCxnSpPr>
+          <p:nvPr/>
+        </p:nvCxnSpPr>
+        <p:spPr>
+          <a:xfrm>
+            <a:off x="1828798" y="2255108"/>
+            <a:ext cx="1439567" cy="1"/>
+          </a:xfrm>
+          <a:prstGeom prst="straightConnector1">
+            <a:avLst/>
+          </a:prstGeom>
+          <a:ln>
+            <a:tailEnd type="triangle"/>
+          </a:ln>
+        </p:spPr>
+        <p:style>
+          <a:lnRef idx="1">
+            <a:schemeClr val="dk1"/>
+          </a:lnRef>
+          <a:fillRef idx="0">
+            <a:schemeClr val="dk1"/>
+          </a:fillRef>
+          <a:effectRef idx="0">
+            <a:schemeClr val="dk1"/>
+          </a:effectRef>
+          <a:fontRef idx="minor">
+            <a:schemeClr val="tx1"/>
+          </a:fontRef>
+        </p:style>
+      </p:cxnSp>
+      <p:sp>
+        <p:nvSpPr>
+          <p:cNvPr id="17" name="TextBox 16"/>
+          <p:cNvSpPr txBox="1"/>
+          <p:nvPr/>
+        </p:nvSpPr>
+        <p:spPr>
+          <a:xfrm>
+            <a:off x="1831893" y="2021673"/>
+            <a:ext cx="704332" cy="230832"/>
+          </a:xfrm>
+          <a:prstGeom prst="rect">
+            <a:avLst/>
+          </a:prstGeom>
+          <a:noFill/>
+        </p:spPr>
+        <p:txBody>
+          <a:bodyPr wrap="square" rtlCol="0">
+            <a:spAutoFit/>
+          </a:bodyPr>
+          <a:lstStyle/>
+          <a:p>
+            <a:r>
+              <a:rPr lang="nl-BE" sz="900" dirty="0" smtClean="0"/>
+              <a:t>polling</a:t>
+            </a:r>
+            <a:endParaRPr lang="en-US" sz="900" dirty="0"/>
+          </a:p>
+        </p:txBody>
+      </p:sp>
+      <p:sp>
+        <p:nvSpPr>
+          <p:cNvPr id="18" name="Flowchart: Magnetic Disk 17"/>
+          <p:cNvSpPr/>
+          <p:nvPr/>
+        </p:nvSpPr>
+        <p:spPr>
+          <a:xfrm>
+            <a:off x="988539" y="5776785"/>
+            <a:ext cx="840259" cy="729048"/>
+          </a:xfrm>
+          <a:prstGeom prst="flowChartMagneticDisk">
+            <a:avLst/>
+          </a:prstGeom>
+        </p:spPr>
+        <p:style>
+          <a:lnRef idx="2">
+            <a:schemeClr val="accent5">
+              <a:shade val="50000"/>
+            </a:schemeClr>
+          </a:lnRef>
+          <a:fillRef idx="1">
+            <a:schemeClr val="accent5"/>
+          </a:fillRef>
+          <a:effectRef idx="0">
+            <a:schemeClr val="accent5"/>
+          </a:effectRef>
+          <a:fontRef idx="minor">
+            <a:schemeClr val="lt1"/>
+          </a:fontRef>
+        </p:style>
+        <p:txBody>
+          <a:bodyPr rtlCol="0" anchor="ctr"/>
+          <a:lstStyle/>
+          <a:p>
+            <a:pPr algn="ctr"/>
+            <a:r>
+              <a:rPr lang="nl-BE" sz="900" dirty="0" smtClean="0"/>
+              <a:t>stock_profiles</a:t>
+            </a:r>
+            <a:endParaRPr lang="en-US" sz="900" dirty="0"/>
+          </a:p>
+        </p:txBody>
+      </p:sp>
+      <p:sp>
+        <p:nvSpPr>
+          <p:cNvPr id="19" name="Chevron 18"/>
+          <p:cNvSpPr/>
+          <p:nvPr/>
+        </p:nvSpPr>
+        <p:spPr>
+          <a:xfrm>
+            <a:off x="2940910" y="5813854"/>
+            <a:ext cx="1402492" cy="654909"/>
+          </a:xfrm>
+          <a:prstGeom prst="chevron">
+            <a:avLst/>
+          </a:prstGeom>
+        </p:spPr>
+        <p:style>
+          <a:lnRef idx="2">
+            <a:schemeClr val="accent1">
+              <a:shade val="50000"/>
+            </a:schemeClr>
+          </a:lnRef>
+          <a:fillRef idx="1">
+            <a:schemeClr val="accent1"/>
+          </a:fillRef>
+          <a:effectRef idx="0">
+            <a:schemeClr val="accent1"/>
+          </a:effectRef>
+          <a:fontRef idx="minor">
+            <a:schemeClr val="lt1"/>
+          </a:fontRef>
+        </p:style>
+        <p:txBody>
+          <a:bodyPr rtlCol="0" anchor="ctr"/>
+          <a:lstStyle/>
+          <a:p>
+            <a:pPr algn="ctr"/>
+            <a:r>
+              <a:rPr lang="nl-BE" sz="900" dirty="0" smtClean="0"/>
+              <a:t>profiles()</a:t>
+            </a:r>
+            <a:endParaRPr lang="en-US" sz="900" dirty="0"/>
+          </a:p>
+        </p:txBody>
+      </p:sp>
+      <p:cxnSp>
+        <p:nvCxnSpPr>
+          <p:cNvPr id="21" name="Straight Arrow Connector 20"/>
+          <p:cNvCxnSpPr>
+            <a:stCxn id="5" idx="4"/>
+            <a:endCxn id="8" idx="1"/>
+          </p:cNvCxnSpPr>
+          <p:nvPr/>
+        </p:nvCxnSpPr>
+        <p:spPr>
+          <a:xfrm>
+            <a:off x="1828799" y="3459893"/>
+            <a:ext cx="1439566" cy="0"/>
+          </a:xfrm>
+          <a:prstGeom prst="straightConnector1">
+            <a:avLst/>
+          </a:prstGeom>
+          <a:ln>
+            <a:tailEnd type="triangle"/>
+          </a:ln>
+        </p:spPr>
+        <p:style>
+          <a:lnRef idx="1">
+            <a:schemeClr val="dk1"/>
+          </a:lnRef>
+          <a:fillRef idx="0">
+            <a:schemeClr val="dk1"/>
+          </a:fillRef>
+          <a:effectRef idx="0">
+            <a:schemeClr val="dk1"/>
+          </a:effectRef>
+          <a:fontRef idx="minor">
+            <a:schemeClr val="tx1"/>
+          </a:fontRef>
+        </p:style>
+      </p:cxnSp>
+      <p:cxnSp>
+        <p:nvCxnSpPr>
+          <p:cNvPr id="23" name="Straight Arrow Connector 22"/>
+          <p:cNvCxnSpPr>
+            <a:stCxn id="6" idx="4"/>
+            <a:endCxn id="9" idx="1"/>
+          </p:cNvCxnSpPr>
+          <p:nvPr/>
+        </p:nvCxnSpPr>
+        <p:spPr>
+          <a:xfrm>
+            <a:off x="1828798" y="4800601"/>
+            <a:ext cx="1439567" cy="0"/>
+          </a:xfrm>
+          <a:prstGeom prst="straightConnector1">
+            <a:avLst/>
+          </a:prstGeom>
+          <a:ln>
+            <a:tailEnd type="triangle"/>
+          </a:ln>
+        </p:spPr>
+        <p:style>
+          <a:lnRef idx="1">
+            <a:schemeClr val="dk1"/>
+          </a:lnRef>
+          <a:fillRef idx="0">
+            <a:schemeClr val="dk1"/>
+          </a:fillRef>
+          <a:effectRef idx="0">
+            <a:schemeClr val="dk1"/>
+          </a:effectRef>
+          <a:fontRef idx="minor">
+            <a:schemeClr val="tx1"/>
+          </a:fontRef>
+        </p:style>
+      </p:cxnSp>
+      <p:cxnSp>
+        <p:nvCxnSpPr>
+          <p:cNvPr id="25" name="Straight Arrow Connector 24"/>
+          <p:cNvCxnSpPr>
+            <a:stCxn id="18" idx="4"/>
+            <a:endCxn id="19" idx="1"/>
+          </p:cNvCxnSpPr>
+          <p:nvPr/>
+        </p:nvCxnSpPr>
+        <p:spPr>
+          <a:xfrm>
+            <a:off x="1828798" y="6141309"/>
+            <a:ext cx="1439567" cy="0"/>
+          </a:xfrm>
+          <a:prstGeom prst="straightConnector1">
+            <a:avLst/>
+          </a:prstGeom>
+          <a:ln>
+            <a:tailEnd type="triangle"/>
+          </a:ln>
+        </p:spPr>
+        <p:style>
+          <a:lnRef idx="1">
+            <a:schemeClr val="dk1"/>
+          </a:lnRef>
+          <a:fillRef idx="0">
+            <a:schemeClr val="dk1"/>
+          </a:fillRef>
+          <a:effectRef idx="0">
+            <a:schemeClr val="dk1"/>
+          </a:effectRef>
+          <a:fontRef idx="minor">
+            <a:schemeClr val="tx1"/>
+          </a:fontRef>
+        </p:style>
+      </p:cxnSp>
+      <p:sp>
+        <p:nvSpPr>
+          <p:cNvPr id="26" name="TextBox 25"/>
+          <p:cNvSpPr txBox="1"/>
+          <p:nvPr/>
+        </p:nvSpPr>
+        <p:spPr>
+          <a:xfrm>
+            <a:off x="1831893" y="3235282"/>
+            <a:ext cx="704332" cy="230832"/>
+          </a:xfrm>
+          <a:prstGeom prst="rect">
+            <a:avLst/>
+          </a:prstGeom>
+          <a:noFill/>
+        </p:spPr>
+        <p:txBody>
+          <a:bodyPr wrap="square" rtlCol="0">
+            <a:spAutoFit/>
+          </a:bodyPr>
+          <a:lstStyle/>
+          <a:p>
+            <a:r>
+              <a:rPr lang="nl-BE" sz="900" dirty="0" smtClean="0"/>
+              <a:t>polling</a:t>
+            </a:r>
+            <a:endParaRPr lang="en-US" sz="900" dirty="0"/>
+          </a:p>
+        </p:txBody>
+      </p:sp>
+      <p:sp>
+        <p:nvSpPr>
+          <p:cNvPr id="27" name="TextBox 26"/>
+          <p:cNvSpPr txBox="1"/>
+          <p:nvPr/>
+        </p:nvSpPr>
+        <p:spPr>
+          <a:xfrm>
+            <a:off x="1831893" y="4563176"/>
+            <a:ext cx="704332" cy="230832"/>
+          </a:xfrm>
+          <a:prstGeom prst="rect">
+            <a:avLst/>
+          </a:prstGeom>
+          <a:noFill/>
+        </p:spPr>
+        <p:txBody>
+          <a:bodyPr wrap="square" rtlCol="0">
+            <a:spAutoFit/>
+          </a:bodyPr>
+          <a:lstStyle/>
+          <a:p>
+            <a:r>
+              <a:rPr lang="nl-BE" sz="900" dirty="0" smtClean="0"/>
+              <a:t>polling</a:t>
+            </a:r>
+            <a:endParaRPr lang="en-US" sz="900" dirty="0"/>
+          </a:p>
+        </p:txBody>
+      </p:sp>
+      <p:sp>
+        <p:nvSpPr>
+          <p:cNvPr id="28" name="TextBox 27"/>
+          <p:cNvSpPr txBox="1"/>
+          <p:nvPr/>
+        </p:nvSpPr>
+        <p:spPr>
+          <a:xfrm>
+            <a:off x="1831893" y="5903884"/>
+            <a:ext cx="704332" cy="230832"/>
+          </a:xfrm>
+          <a:prstGeom prst="rect">
+            <a:avLst/>
+          </a:prstGeom>
+          <a:noFill/>
+        </p:spPr>
+        <p:txBody>
+          <a:bodyPr wrap="square" rtlCol="0">
+            <a:spAutoFit/>
+          </a:bodyPr>
+          <a:lstStyle/>
+          <a:p>
+            <a:r>
+              <a:rPr lang="nl-BE" sz="900" dirty="0" smtClean="0"/>
+              <a:t>polling</a:t>
+            </a:r>
+            <a:endParaRPr lang="en-US" sz="900" dirty="0"/>
+          </a:p>
+        </p:txBody>
+      </p:sp>
+      <p:sp>
+        <p:nvSpPr>
+          <p:cNvPr id="30" name="Chevron 29"/>
+          <p:cNvSpPr/>
+          <p:nvPr/>
+        </p:nvSpPr>
+        <p:spPr>
+          <a:xfrm>
+            <a:off x="4877829" y="3787347"/>
+            <a:ext cx="1402492" cy="654909"/>
+          </a:xfrm>
+          <a:prstGeom prst="chevron">
+            <a:avLst/>
+          </a:prstGeom>
+        </p:spPr>
+        <p:style>
+          <a:lnRef idx="2">
+            <a:schemeClr val="accent1">
+              <a:shade val="50000"/>
+            </a:schemeClr>
+          </a:lnRef>
+          <a:fillRef idx="1">
+            <a:schemeClr val="accent1"/>
+          </a:fillRef>
+          <a:effectRef idx="0">
+            <a:schemeClr val="accent1"/>
+          </a:effectRef>
+          <a:fontRef idx="minor">
+            <a:schemeClr val="lt1"/>
+          </a:fontRef>
+        </p:style>
+        <p:txBody>
+          <a:bodyPr rtlCol="0" anchor="ctr"/>
+          <a:lstStyle/>
+          <a:p>
+            <a:pPr algn="ctr"/>
+            <a:r>
+              <a:rPr lang="nl-BE" sz="900" dirty="0" smtClean="0"/>
+              <a:t>ohlc_euro()</a:t>
+            </a:r>
+            <a:endParaRPr lang="en-US" sz="900" dirty="0"/>
+          </a:p>
+        </p:txBody>
+      </p:sp>
+      <p:cxnSp>
+        <p:nvCxnSpPr>
+          <p:cNvPr id="32" name="Straight Arrow Connector 31"/>
+          <p:cNvCxnSpPr>
+            <a:stCxn id="8" idx="3"/>
+            <a:endCxn id="30" idx="1"/>
+          </p:cNvCxnSpPr>
+          <p:nvPr/>
+        </p:nvCxnSpPr>
+        <p:spPr>
+          <a:xfrm>
+            <a:off x="4343402" y="3459893"/>
+            <a:ext cx="861882" cy="654909"/>
+          </a:xfrm>
+          <a:prstGeom prst="straightConnector1">
+            <a:avLst/>
+          </a:prstGeom>
+          <a:ln>
+            <a:tailEnd type="triangle"/>
+          </a:ln>
+        </p:spPr>
+        <p:style>
+          <a:lnRef idx="1">
+            <a:schemeClr val="dk1"/>
+          </a:lnRef>
+          <a:fillRef idx="0">
+            <a:schemeClr val="dk1"/>
+          </a:fillRef>
+          <a:effectRef idx="0">
+            <a:schemeClr val="dk1"/>
+          </a:effectRef>
+          <a:fontRef idx="minor">
+            <a:schemeClr val="tx1"/>
+          </a:fontRef>
+        </p:style>
+      </p:cxnSp>
+      <p:cxnSp>
+        <p:nvCxnSpPr>
+          <p:cNvPr id="34" name="Straight Arrow Connector 33"/>
+          <p:cNvCxnSpPr>
+            <a:stCxn id="9" idx="3"/>
+            <a:endCxn id="30" idx="1"/>
+          </p:cNvCxnSpPr>
+          <p:nvPr/>
+        </p:nvCxnSpPr>
+        <p:spPr>
+          <a:xfrm flipV="1">
+            <a:off x="4343402" y="4114802"/>
+            <a:ext cx="861882" cy="685799"/>
+          </a:xfrm>
+          <a:prstGeom prst="straightConnector1">
+            <a:avLst/>
+          </a:prstGeom>
+          <a:ln>
+            <a:tailEnd type="triangle"/>
+          </a:ln>
+        </p:spPr>
+        <p:style>
+          <a:lnRef idx="1">
+            <a:schemeClr val="dk1"/>
+          </a:lnRef>
+          <a:fillRef idx="0">
+            <a:schemeClr val="dk1"/>
+          </a:fillRef>
+          <a:effectRef idx="0">
+            <a:schemeClr val="dk1"/>
+          </a:effectRef>
+          <a:fontRef idx="minor">
+            <a:schemeClr val="tx1"/>
+          </a:fontRef>
+        </p:style>
+      </p:cxnSp>
+      <p:cxnSp>
+        <p:nvCxnSpPr>
+          <p:cNvPr id="36" name="Straight Arrow Connector 35"/>
+          <p:cNvCxnSpPr>
+            <a:stCxn id="19" idx="3"/>
+            <a:endCxn id="30" idx="1"/>
+          </p:cNvCxnSpPr>
+          <p:nvPr/>
+        </p:nvCxnSpPr>
+        <p:spPr>
+          <a:xfrm flipV="1">
+            <a:off x="4343402" y="4114802"/>
+            <a:ext cx="861882" cy="2026507"/>
+          </a:xfrm>
+          <a:prstGeom prst="straightConnector1">
+            <a:avLst/>
+          </a:prstGeom>
+          <a:ln>
+            <a:tailEnd type="triangle"/>
+          </a:ln>
+        </p:spPr>
+        <p:style>
+          <a:lnRef idx="1">
+            <a:schemeClr val="dk1"/>
+          </a:lnRef>
+          <a:fillRef idx="0">
+            <a:schemeClr val="dk1"/>
+          </a:fillRef>
+          <a:effectRef idx="0">
+            <a:schemeClr val="dk1"/>
+          </a:effectRef>
+          <a:fontRef idx="minor">
+            <a:schemeClr val="tx1"/>
+          </a:fontRef>
+        </p:style>
+      </p:cxnSp>
+      <p:cxnSp>
+        <p:nvCxnSpPr>
+          <p:cNvPr id="38" name="Straight Arrow Connector 37"/>
+          <p:cNvCxnSpPr>
+            <a:stCxn id="7" idx="3"/>
+            <a:endCxn id="10" idx="1"/>
+          </p:cNvCxnSpPr>
+          <p:nvPr/>
+        </p:nvCxnSpPr>
+        <p:spPr>
+          <a:xfrm>
+            <a:off x="4343402" y="2255109"/>
+            <a:ext cx="729050" cy="0"/>
+          </a:xfrm>
+          <a:prstGeom prst="straightConnector1">
+            <a:avLst/>
+          </a:prstGeom>
+          <a:ln>
+            <a:tailEnd type="triangle"/>
+          </a:ln>
+        </p:spPr>
+        <p:style>
+          <a:lnRef idx="1">
+            <a:schemeClr val="dk1"/>
+          </a:lnRef>
+          <a:fillRef idx="0">
+            <a:schemeClr val="dk1"/>
+          </a:fillRef>
+          <a:effectRef idx="0">
+            <a:schemeClr val="dk1"/>
+          </a:effectRef>
+          <a:fontRef idx="minor">
+            <a:schemeClr val="tx1"/>
+          </a:fontRef>
+        </p:style>
+      </p:cxnSp>
+      <p:cxnSp>
+        <p:nvCxnSpPr>
+          <p:cNvPr id="42" name="Straight Arrow Connector 41"/>
+          <p:cNvCxnSpPr>
+            <a:stCxn id="10" idx="3"/>
+            <a:endCxn id="11" idx="1"/>
+          </p:cNvCxnSpPr>
+          <p:nvPr/>
+        </p:nvCxnSpPr>
+        <p:spPr>
+          <a:xfrm flipV="1">
+            <a:off x="6147489" y="1102295"/>
+            <a:ext cx="485004" cy="1152814"/>
+          </a:xfrm>
+          <a:prstGeom prst="straightConnector1">
+            <a:avLst/>
+          </a:prstGeom>
+          <a:ln>
+            <a:tailEnd type="triangle"/>
+          </a:ln>
+        </p:spPr>
+        <p:style>
+          <a:lnRef idx="1">
+            <a:schemeClr val="dk1"/>
+          </a:lnRef>
+          <a:fillRef idx="0">
+            <a:schemeClr val="dk1"/>
+          </a:fillRef>
+          <a:effectRef idx="0">
+            <a:schemeClr val="dk1"/>
+          </a:effectRef>
+          <a:fontRef idx="minor">
+            <a:schemeClr val="tx1"/>
+          </a:fontRef>
+        </p:style>
+      </p:cxnSp>
+      <p:cxnSp>
+        <p:nvCxnSpPr>
+          <p:cNvPr id="44" name="Straight Arrow Connector 43"/>
+          <p:cNvCxnSpPr>
+            <a:stCxn id="10" idx="3"/>
+            <a:endCxn id="12" idx="1"/>
+          </p:cNvCxnSpPr>
+          <p:nvPr/>
+        </p:nvCxnSpPr>
+        <p:spPr>
+          <a:xfrm>
+            <a:off x="6147489" y="2255109"/>
+            <a:ext cx="642551" cy="758846"/>
+          </a:xfrm>
+          <a:prstGeom prst="straightConnector1">
+            <a:avLst/>
+          </a:prstGeom>
+          <a:ln>
+            <a:tailEnd type="triangle"/>
+          </a:ln>
+        </p:spPr>
+        <p:style>
+          <a:lnRef idx="1">
+            <a:schemeClr val="dk1"/>
+          </a:lnRef>
+          <a:fillRef idx="0">
+            <a:schemeClr val="dk1"/>
+          </a:fillRef>
+          <a:effectRef idx="0">
+            <a:schemeClr val="dk1"/>
+          </a:effectRef>
+          <a:fontRef idx="minor">
+            <a:schemeClr val="tx1"/>
+          </a:fontRef>
+        </p:style>
+      </p:cxnSp>
+      <p:cxnSp>
+        <p:nvCxnSpPr>
+          <p:cNvPr id="46" name="Straight Arrow Connector 45"/>
+          <p:cNvCxnSpPr>
+            <a:stCxn id="30" idx="3"/>
+            <a:endCxn id="12" idx="1"/>
+          </p:cNvCxnSpPr>
+          <p:nvPr/>
+        </p:nvCxnSpPr>
+        <p:spPr>
+          <a:xfrm flipV="1">
+            <a:off x="6280321" y="3013955"/>
+            <a:ext cx="509719" cy="1100847"/>
+          </a:xfrm>
+          <a:prstGeom prst="straightConnector1">
+            <a:avLst/>
+          </a:prstGeom>
+          <a:ln>
+            <a:tailEnd type="triangle"/>
+          </a:ln>
+        </p:spPr>
+        <p:style>
+          <a:lnRef idx="1">
+            <a:schemeClr val="dk1"/>
+          </a:lnRef>
+          <a:fillRef idx="0">
+            <a:schemeClr val="dk1"/>
+          </a:fillRef>
+          <a:effectRef idx="0">
+            <a:schemeClr val="dk1"/>
+          </a:effectRef>
+          <a:fontRef idx="minor">
+            <a:schemeClr val="tx1"/>
+          </a:fontRef>
+        </p:style>
+      </p:cxnSp>
+      <p:cxnSp>
+        <p:nvCxnSpPr>
+          <p:cNvPr id="48" name="Straight Arrow Connector 47"/>
+          <p:cNvCxnSpPr>
+            <a:stCxn id="12" idx="3"/>
+            <a:endCxn id="13" idx="1"/>
+          </p:cNvCxnSpPr>
+          <p:nvPr/>
+        </p:nvCxnSpPr>
+        <p:spPr>
+          <a:xfrm flipV="1">
+            <a:off x="7983414" y="3013954"/>
+            <a:ext cx="1185303" cy="1"/>
+          </a:xfrm>
+          <a:prstGeom prst="straightConnector1">
+            <a:avLst/>
+          </a:prstGeom>
+          <a:ln>
+            <a:tailEnd type="triangle"/>
+          </a:ln>
+        </p:spPr>
+        <p:style>
+          <a:lnRef idx="1">
+            <a:schemeClr val="dk1"/>
+          </a:lnRef>
+          <a:fillRef idx="0">
+            <a:schemeClr val="dk1"/>
+          </a:fillRef>
+          <a:effectRef idx="0">
+            <a:schemeClr val="dk1"/>
+          </a:effectRef>
+          <a:fontRef idx="minor">
+            <a:schemeClr val="tx1"/>
+          </a:fontRef>
+        </p:style>
+      </p:cxnSp>
+      <p:sp>
+        <p:nvSpPr>
+          <p:cNvPr id="3" name="TextBox 2"/>
+          <p:cNvSpPr txBox="1"/>
+          <p:nvPr/>
+        </p:nvSpPr>
+        <p:spPr>
+          <a:xfrm>
+            <a:off x="7865078" y="183845"/>
+            <a:ext cx="4326922" cy="2308324"/>
+          </a:xfrm>
+          <a:prstGeom prst="rect">
+            <a:avLst/>
+          </a:prstGeom>
+          <a:noFill/>
+        </p:spPr>
+        <p:txBody>
+          <a:bodyPr wrap="square" rtlCol="0">
+            <a:spAutoFit/>
+          </a:bodyPr>
+          <a:lstStyle/>
+          <a:p>
+            <a:r>
+              <a:rPr lang="nl-BE" b="1" dirty="0"/>
+              <a:t>use reactive expressions for calculations</a:t>
+            </a:r>
+          </a:p>
+          <a:p>
+            <a:r>
+              <a:rPr lang="nl-BE" dirty="0" smtClean="0"/>
+              <a:t>- reactive expressions are recipes for how to calculate something, shiny will determine when it is required to execute</a:t>
+            </a:r>
+          </a:p>
+          <a:p>
+            <a:r>
+              <a:rPr lang="nl-BE" dirty="0" smtClean="0"/>
+              <a:t>- can accept reactive input and deliver reactive output</a:t>
+            </a:r>
+          </a:p>
+          <a:p>
+            <a:r>
+              <a:rPr lang="nl-BE" dirty="0" smtClean="0"/>
+              <a:t>- has a cached result</a:t>
+            </a:r>
+          </a:p>
+          <a:p>
+            <a:r>
+              <a:rPr lang="nl-BE" dirty="0" smtClean="0"/>
+              <a:t>- make maximum use of this feature in shiny</a:t>
+            </a:r>
+            <a:endParaRPr lang="en-US" dirty="0"/>
+          </a:p>
+        </p:txBody>
+      </p:sp>
+      <p:sp>
+        <p:nvSpPr>
+          <p:cNvPr id="35" name="TextBox 34"/>
+          <p:cNvSpPr txBox="1"/>
+          <p:nvPr/>
+        </p:nvSpPr>
+        <p:spPr>
+          <a:xfrm>
+            <a:off x="7293574" y="4613525"/>
+            <a:ext cx="4326922" cy="1200329"/>
+          </a:xfrm>
+          <a:prstGeom prst="rect">
+            <a:avLst/>
+          </a:prstGeom>
+          <a:noFill/>
+        </p:spPr>
+        <p:txBody>
+          <a:bodyPr wrap="square" rtlCol="0">
+            <a:spAutoFit/>
+          </a:bodyPr>
+          <a:lstStyle/>
+          <a:p>
+            <a:r>
+              <a:rPr lang="nl-BE" b="1" dirty="0" smtClean="0"/>
+              <a:t>use observers for side effects</a:t>
+            </a:r>
+          </a:p>
+          <a:p>
+            <a:pPr marL="285750" indent="-285750">
+              <a:buFontTx/>
+              <a:buChar char="-"/>
+            </a:pPr>
+            <a:r>
+              <a:rPr lang="nl-BE" dirty="0" smtClean="0"/>
+              <a:t>dealing with I/O (files / DB)</a:t>
+            </a:r>
+          </a:p>
+          <a:p>
+            <a:pPr marL="285750" indent="-285750">
+              <a:buFontTx/>
+              <a:buChar char="-"/>
+            </a:pPr>
+            <a:r>
+              <a:rPr lang="nl-BE" dirty="0" smtClean="0"/>
+              <a:t>setting reactive values!</a:t>
+            </a:r>
+          </a:p>
+          <a:p>
+            <a:pPr marL="285750" indent="-285750">
+              <a:buFontTx/>
+              <a:buChar char="-"/>
+            </a:pPr>
+            <a:r>
+              <a:rPr lang="nl-BE" dirty="0" smtClean="0"/>
+              <a:t>update input elements of the shiny app</a:t>
+            </a:r>
+            <a:endParaRPr lang="en-US" dirty="0"/>
+          </a:p>
+        </p:txBody>
+      </p:sp>
+    </p:spTree>
+    <p:extLst>
+      <p:ext uri="{BB962C8B-B14F-4D97-AF65-F5344CB8AC3E}">
+        <p14:creationId xmlns:p14="http://schemas.microsoft.com/office/powerpoint/2010/main" val="2314002344"/>
+      </p:ext>
+    </p:extLst>
+  </p:cSld>
+  <p:clrMapOvr>
+    <a:masterClrMapping/>
+  </p:clrMapOvr>
+  <p:timing>
+    <p:tnLst>
+      <p:par>
+        <p:cTn id="1" dur="indefinite" restart="never" nodeType="tmRoot"/>
+      </p:par>
+    </p:tnLst>
+  </p:timing>
+</p:sld>
+</file>
+
+<file path=ppt/slides/slide21.xml><?xml version="1.0" encoding="utf-8"?>
+<p:sld xmlns:a="http://schemas.openxmlformats.org/drawingml/2006/main" xmlns:r="http://schemas.openxmlformats.org/officeDocument/2006/relationships" xmlns:p="http://schemas.openxmlformats.org/presentationml/2006/main">
+  <p:cSld>
+    <p:spTree>
+      <p:nvGrpSpPr>
+        <p:cNvPr id="1" name=""/>
+        <p:cNvGrpSpPr/>
+        <p:nvPr/>
+      </p:nvGrpSpPr>
+      <p:grpSpPr>
+        <a:xfrm>
+          <a:off x="0" y="0"/>
+          <a:ext cx="0" cy="0"/>
+          <a:chOff x="0" y="0"/>
+          <a:chExt cx="0" cy="0"/>
+        </a:xfrm>
+      </p:grpSpPr>
+      <p:sp>
+        <p:nvSpPr>
+          <p:cNvPr id="2" name="Title 1"/>
+          <p:cNvSpPr>
+            <a:spLocks noGrp="1"/>
+          </p:cNvSpPr>
+          <p:nvPr>
+            <p:ph type="title"/>
+          </p:nvPr>
+        </p:nvSpPr>
+        <p:spPr>
+          <a:xfrm>
+            <a:off x="109151" y="-203286"/>
+            <a:ext cx="10515600" cy="1325563"/>
+          </a:xfrm>
+        </p:spPr>
+        <p:txBody>
+          <a:bodyPr/>
+          <a:lstStyle/>
+          <a:p>
+            <a:r>
+              <a:rPr lang="nl-BE" dirty="0" smtClean="0"/>
+              <a:t>reactive values</a:t>
+            </a:r>
+            <a:endParaRPr lang="en-US" dirty="0"/>
+          </a:p>
+        </p:txBody>
+      </p:sp>
+      <p:sp>
+        <p:nvSpPr>
+          <p:cNvPr id="10" name="Content Placeholder 2"/>
+          <p:cNvSpPr>
+            <a:spLocks noGrp="1"/>
+          </p:cNvSpPr>
+          <p:nvPr>
+            <p:ph idx="1"/>
+          </p:nvPr>
+        </p:nvSpPr>
+        <p:spPr>
+          <a:xfrm>
+            <a:off x="203931" y="1052547"/>
+            <a:ext cx="11368171" cy="5499556"/>
+          </a:xfrm>
+        </p:spPr>
+        <p:txBody>
+          <a:bodyPr>
+            <a:normAutofit/>
+          </a:bodyPr>
+          <a:lstStyle/>
+          <a:p>
+            <a:r>
+              <a:rPr lang="nl-BE" sz="2400" dirty="0" smtClean="0"/>
+              <a:t>rv$focus_stock</a:t>
+            </a:r>
+          </a:p>
+          <a:p>
+            <a:pPr lvl="1"/>
+            <a:r>
+              <a:rPr lang="nl-BE" sz="2000" dirty="0" smtClean="0"/>
+              <a:t>guarantees continuity between pages when selecting 1 stock</a:t>
+            </a:r>
+          </a:p>
+          <a:p>
+            <a:pPr lvl="1"/>
+            <a:r>
+              <a:rPr lang="nl-BE" sz="2000" dirty="0" smtClean="0"/>
+              <a:t>first lines sets the rv so that other selectinputs may update</a:t>
+            </a:r>
+          </a:p>
+          <a:p>
+            <a:pPr lvl="1"/>
+            <a:r>
+              <a:rPr lang="nl-BE" sz="2000" dirty="0" smtClean="0"/>
+              <a:t>second line updates this selectinput if somewhere else the rv was modified</a:t>
+            </a:r>
+          </a:p>
+          <a:p>
+            <a:endParaRPr lang="nl-BE" sz="2400" dirty="0"/>
+          </a:p>
+          <a:p>
+            <a:endParaRPr lang="nl-BE" sz="2400" dirty="0" smtClean="0"/>
+          </a:p>
+          <a:p>
+            <a:r>
+              <a:rPr lang="nl-BE" sz="2400" dirty="0" smtClean="0"/>
+              <a:t>rv$msgs</a:t>
+            </a:r>
+          </a:p>
+          <a:p>
+            <a:pPr lvl="1"/>
+            <a:r>
+              <a:rPr lang="nl-BE" sz="1800" dirty="0" smtClean="0"/>
+              <a:t>contains messages shown in notification corner as well as notification menu</a:t>
+            </a:r>
+          </a:p>
+        </p:txBody>
+      </p:sp>
+      <p:pic>
+        <p:nvPicPr>
+          <p:cNvPr id="3" name="Picture 2"/>
+          <p:cNvPicPr>
+            <a:picLocks noChangeAspect="1"/>
+          </p:cNvPicPr>
+          <p:nvPr/>
+        </p:nvPicPr>
+        <p:blipFill>
+          <a:blip r:embed="rId2"/>
+          <a:stretch>
+            <a:fillRect/>
+          </a:stretch>
+        </p:blipFill>
+        <p:spPr>
+          <a:xfrm>
+            <a:off x="1013383" y="2560887"/>
+            <a:ext cx="9324975" cy="323850"/>
+          </a:xfrm>
+          <a:prstGeom prst="rect">
+            <a:avLst/>
+          </a:prstGeom>
+        </p:spPr>
+      </p:pic>
+    </p:spTree>
+    <p:extLst>
+      <p:ext uri="{BB962C8B-B14F-4D97-AF65-F5344CB8AC3E}">
+        <p14:creationId xmlns:p14="http://schemas.microsoft.com/office/powerpoint/2010/main" val="994119531"/>
+      </p:ext>
+    </p:extLst>
+  </p:cSld>
+  <p:clrMapOvr>
+    <a:masterClrMapping/>
+  </p:clrMapOvr>
+  <p:timing>
+    <p:tnLst>
+      <p:par>
+        <p:cTn id="1" dur="indefinite" restart="never" nodeType="tmRoot"/>
+      </p:par>
+    </p:tnLst>
+  </p:timing>
+</p:sld>
+</file>
+
+<file path=ppt/slides/slide22.xml><?xml version="1.0" encoding="utf-8"?>
+<p:sld xmlns:a="http://schemas.openxmlformats.org/drawingml/2006/main" xmlns:r="http://schemas.openxmlformats.org/officeDocument/2006/relationships" xmlns:p="http://schemas.openxmlformats.org/presentationml/2006/main">
+  <p:cSld>
+    <p:bg>
+      <p:bgPr>
+        <a:solidFill>
+          <a:schemeClr val="accent6">
+            <a:lumMod val="20000"/>
+            <a:lumOff val="80000"/>
+          </a:schemeClr>
+        </a:solidFill>
+        <a:effectLst/>
+      </p:bgPr>
+    </p:bg>
+    <p:spTree>
+      <p:nvGrpSpPr>
+        <p:cNvPr id="1" name=""/>
+        <p:cNvGrpSpPr/>
+        <p:nvPr/>
+      </p:nvGrpSpPr>
+      <p:grpSpPr>
+        <a:xfrm>
+          <a:off x="0" y="0"/>
+          <a:ext cx="0" cy="0"/>
+          <a:chOff x="0" y="0"/>
+          <a:chExt cx="0" cy="0"/>
+        </a:xfrm>
+      </p:grpSpPr>
+      <p:sp>
+        <p:nvSpPr>
+          <p:cNvPr id="4" name="Title 3"/>
+          <p:cNvSpPr>
+            <a:spLocks noGrp="1"/>
+          </p:cNvSpPr>
+          <p:nvPr>
+            <p:ph type="ctrTitle"/>
+          </p:nvPr>
+        </p:nvSpPr>
+        <p:spPr/>
+        <p:txBody>
+          <a:bodyPr/>
+          <a:lstStyle/>
+          <a:p>
+            <a:r>
+              <a:rPr lang="nl-BE" dirty="0" smtClean="0"/>
               <a:t>performance</a:t>
             </a:r>
             <a:endParaRPr lang="en-US" dirty="0"/>
@@ -6492,7 +7418,7 @@
 </p:sld>
 </file>
 
-<file path=ppt/slides/slide19.xml><?xml version="1.0" encoding="utf-8"?>
+<file path=ppt/slides/slide23.xml><?xml version="1.0" encoding="utf-8"?>
 <p:sld xmlns:a="http://schemas.openxmlformats.org/drawingml/2006/main" xmlns:r="http://schemas.openxmlformats.org/officeDocument/2006/relationships" xmlns:p="http://schemas.openxmlformats.org/presentationml/2006/main">
   <p:cSld>
     <p:spTree>
@@ -8195,97 +9121,7 @@
 </p:sld>
 </file>
 
-<file path=ppt/slides/slide2.xml><?xml version="1.0" encoding="utf-8"?>
-<p:sld xmlns:a="http://schemas.openxmlformats.org/drawingml/2006/main" xmlns:r="http://schemas.openxmlformats.org/officeDocument/2006/relationships" xmlns:p="http://schemas.openxmlformats.org/presentationml/2006/main">
-  <p:cSld>
-    <p:spTree>
-      <p:nvGrpSpPr>
-        <p:cNvPr id="1" name=""/>
-        <p:cNvGrpSpPr/>
-        <p:nvPr/>
-      </p:nvGrpSpPr>
-      <p:grpSpPr>
-        <a:xfrm>
-          <a:off x="0" y="0"/>
-          <a:ext cx="0" cy="0"/>
-          <a:chOff x="0" y="0"/>
-          <a:chExt cx="0" cy="0"/>
-        </a:xfrm>
-      </p:grpSpPr>
-      <p:sp>
-        <p:nvSpPr>
-          <p:cNvPr id="2" name="Title 1"/>
-          <p:cNvSpPr>
-            <a:spLocks noGrp="1"/>
-          </p:cNvSpPr>
-          <p:nvPr>
-            <p:ph type="title"/>
-          </p:nvPr>
-        </p:nvSpPr>
-        <p:spPr/>
-        <p:txBody>
-          <a:bodyPr/>
-          <a:lstStyle/>
-          <a:p>
-            <a:r>
-              <a:rPr lang="en-BE" dirty="0" smtClean="0"/>
-              <a:t>content</a:t>
-            </a:r>
-            <a:endParaRPr lang="nl-BE" dirty="0"/>
-          </a:p>
-        </p:txBody>
-      </p:sp>
-      <p:sp>
-        <p:nvSpPr>
-          <p:cNvPr id="3" name="Content Placeholder 2"/>
-          <p:cNvSpPr>
-            <a:spLocks noGrp="1"/>
-          </p:cNvSpPr>
-          <p:nvPr>
-            <p:ph idx="1"/>
-          </p:nvPr>
-        </p:nvSpPr>
-        <p:spPr/>
-        <p:txBody>
-          <a:bodyPr/>
-          <a:lstStyle/>
-          <a:p>
-            <a:r>
-              <a:rPr lang="en-BE" dirty="0" smtClean="0"/>
-              <a:t>terminology</a:t>
-            </a:r>
-          </a:p>
-          <a:p>
-            <a:r>
-              <a:rPr lang="en-BE" dirty="0" smtClean="0"/>
-              <a:t>data model</a:t>
-            </a:r>
-          </a:p>
-          <a:p>
-            <a:r>
-              <a:rPr lang="en-BE" dirty="0" smtClean="0"/>
-              <a:t>importing new data</a:t>
-            </a:r>
-          </a:p>
-          <a:p>
-            <a:endParaRPr lang="nl-BE" dirty="0"/>
-          </a:p>
-        </p:txBody>
-      </p:sp>
-    </p:spTree>
-    <p:extLst>
-      <p:ext uri="{BB962C8B-B14F-4D97-AF65-F5344CB8AC3E}">
-        <p14:creationId xmlns:p14="http://schemas.microsoft.com/office/powerpoint/2010/main" val="2359953564"/>
-      </p:ext>
-    </p:extLst>
-  </p:cSld>
-  <p:clrMapOvr>
-    <a:masterClrMapping/>
-  </p:clrMapOvr>
-</p:sld>
-</file>
-
-<file path=ppt/slides/slide20.xml><?xml version="1.0" encoding="utf-8"?>
+<file path=ppt/slides/slide24.xml><?xml version="1.0" encoding="utf-8"?>
 <p:sld xmlns:a="http://schemas.openxmlformats.org/drawingml/2006/main" xmlns:r="http://schemas.openxmlformats.org/officeDocument/2006/relationships" xmlns:p="http://schemas.openxmlformats.org/presentationml/2006/main">
   <p:cSld>
     <p:spTree>
@@ -8431,524 +9267,6 @@
 </p:sld>
 </file>
 
-<file path=ppt/slides/slide21.xml><?xml version="1.0" encoding="utf-8"?>
-<p:sld xmlns:a="http://schemas.openxmlformats.org/drawingml/2006/main" xmlns:r="http://schemas.openxmlformats.org/officeDocument/2006/relationships" xmlns:p="http://schemas.openxmlformats.org/presentationml/2006/main">
-  <p:cSld>
-    <p:bg>
-      <p:bgPr>
-        <a:solidFill>
-          <a:schemeClr val="accent6">
-            <a:lumMod val="20000"/>
-            <a:lumOff val="80000"/>
-          </a:schemeClr>
-        </a:solidFill>
-        <a:effectLst/>
-      </p:bgPr>
-    </p:bg>
-    <p:spTree>
-      <p:nvGrpSpPr>
-        <p:cNvPr id="1" name=""/>
-        <p:cNvGrpSpPr/>
-        <p:nvPr/>
-      </p:nvGrpSpPr>
-      <p:grpSpPr>
-        <a:xfrm>
-          <a:off x="0" y="0"/>
-          <a:ext cx="0" cy="0"/>
-          <a:chOff x="0" y="0"/>
-          <a:chExt cx="0" cy="0"/>
-        </a:xfrm>
-      </p:grpSpPr>
-      <p:sp>
-        <p:nvSpPr>
-          <p:cNvPr id="4" name="Title 3"/>
-          <p:cNvSpPr>
-            <a:spLocks noGrp="1"/>
-          </p:cNvSpPr>
-          <p:nvPr>
-            <p:ph type="ctrTitle"/>
-          </p:nvPr>
-        </p:nvSpPr>
-        <p:spPr/>
-        <p:txBody>
-          <a:bodyPr/>
-          <a:lstStyle/>
-          <a:p>
-            <a:r>
-              <a:rPr lang="en-BE" dirty="0" smtClean="0"/>
-              <a:t>app</a:t>
-            </a:r>
-            <a:endParaRPr lang="en-US" dirty="0"/>
-          </a:p>
-        </p:txBody>
-      </p:sp>
-      <p:sp>
-        <p:nvSpPr>
-          <p:cNvPr id="5" name="Subtitle 4"/>
-          <p:cNvSpPr>
-            <a:spLocks noGrp="1"/>
-          </p:cNvSpPr>
-          <p:nvPr>
-            <p:ph type="subTitle" idx="1"/>
-          </p:nvPr>
-        </p:nvSpPr>
-        <p:spPr/>
-        <p:txBody>
-          <a:bodyPr/>
-          <a:lstStyle/>
-          <a:p>
-            <a:endParaRPr lang="en-US"/>
-          </a:p>
-        </p:txBody>
-      </p:sp>
-    </p:spTree>
-    <p:extLst>
-      <p:ext uri="{BB962C8B-B14F-4D97-AF65-F5344CB8AC3E}">
-        <p14:creationId xmlns:p14="http://schemas.microsoft.com/office/powerpoint/2010/main" val="3712414989"/>
-      </p:ext>
-    </p:extLst>
-  </p:cSld>
-  <p:clrMapOvr>
-    <a:overrideClrMapping bg1="lt1" tx1="dk1" bg2="lt2" tx2="dk2" accent1="accent1" accent2="accent2" accent3="accent3" accent4="accent4" accent5="accent5" accent6="accent6" hlink="hlink" folHlink="folHlink"/>
-  </p:clrMapOvr>
-  <p:timing>
-    <p:tnLst>
-      <p:par>
-        <p:cTn id="1" dur="indefinite" restart="never" nodeType="tmRoot"/>
-      </p:par>
-    </p:tnLst>
-  </p:timing>
-</p:sld>
-</file>
-
-<file path=ppt/slides/slide22.xml><?xml version="1.0" encoding="utf-8"?>
-<p:sld xmlns:a="http://schemas.openxmlformats.org/drawingml/2006/main" xmlns:r="http://schemas.openxmlformats.org/officeDocument/2006/relationships" xmlns:p="http://schemas.openxmlformats.org/presentationml/2006/main">
-  <p:cSld>
-    <p:spTree>
-      <p:nvGrpSpPr>
-        <p:cNvPr id="1" name=""/>
-        <p:cNvGrpSpPr/>
-        <p:nvPr/>
-      </p:nvGrpSpPr>
-      <p:grpSpPr>
-        <a:xfrm>
-          <a:off x="0" y="0"/>
-          <a:ext cx="0" cy="0"/>
-          <a:chOff x="0" y="0"/>
-          <a:chExt cx="0" cy="0"/>
-        </a:xfrm>
-      </p:grpSpPr>
-      <p:sp>
-        <p:nvSpPr>
-          <p:cNvPr id="2" name="Title 1"/>
-          <p:cNvSpPr>
-            <a:spLocks noGrp="1"/>
-          </p:cNvSpPr>
-          <p:nvPr>
-            <p:ph type="title"/>
-          </p:nvPr>
-        </p:nvSpPr>
-        <p:spPr/>
-        <p:txBody>
-          <a:bodyPr/>
-          <a:lstStyle/>
-          <a:p>
-            <a:r>
-              <a:rPr lang="en-BE" dirty="0" smtClean="0"/>
-              <a:t>Shinymanager: authentication &amp; site monitoring</a:t>
-            </a:r>
-            <a:endParaRPr lang="en-US" dirty="0"/>
-          </a:p>
-        </p:txBody>
-      </p:sp>
-      <p:sp>
-        <p:nvSpPr>
-          <p:cNvPr id="3" name="Content Placeholder 2"/>
-          <p:cNvSpPr>
-            <a:spLocks noGrp="1"/>
-          </p:cNvSpPr>
-          <p:nvPr>
-            <p:ph idx="1"/>
-          </p:nvPr>
-        </p:nvSpPr>
-        <p:spPr/>
-        <p:txBody>
-          <a:bodyPr>
-            <a:normAutofit fontScale="92500" lnSpcReduction="20000"/>
-          </a:bodyPr>
-          <a:lstStyle/>
-          <a:p>
-            <a:r>
-              <a:rPr lang="en-BE" dirty="0" smtClean="0"/>
-              <a:t>Auth is</a:t>
-            </a:r>
-            <a:r>
-              <a:rPr lang="en-BE" dirty="0" smtClean="0"/>
-              <a:t> done using shinymanager</a:t>
-            </a:r>
-          </a:p>
-          <a:p>
-            <a:pPr lvl="1"/>
-            <a:r>
-              <a:rPr lang="en-US" dirty="0">
-                <a:hlinkClick r:id="rId2"/>
-              </a:rPr>
-              <a:t>https://datastorm-open.github.io/shinymanager</a:t>
-            </a:r>
-            <a:r>
-              <a:rPr lang="en-US" dirty="0" smtClean="0">
-                <a:hlinkClick r:id="rId2"/>
-              </a:rPr>
-              <a:t>/</a:t>
-            </a:r>
-            <a:endParaRPr lang="en-BE" dirty="0" smtClean="0"/>
-          </a:p>
-          <a:p>
-            <a:r>
-              <a:rPr lang="en-BE" dirty="0" smtClean="0"/>
-              <a:t>Shinymanager can store credentials </a:t>
-            </a:r>
-            <a:r>
-              <a:rPr lang="en-BE" dirty="0"/>
-              <a:t>are stored in </a:t>
-            </a:r>
-            <a:r>
-              <a:rPr lang="en-BE" dirty="0" smtClean="0"/>
-              <a:t>sqlite</a:t>
-            </a:r>
-            <a:r>
-              <a:rPr lang="en-US" dirty="0" smtClean="0"/>
-              <a:t> database</a:t>
-            </a:r>
-            <a:endParaRPr lang="en-BE" dirty="0"/>
-          </a:p>
-          <a:p>
-            <a:r>
-              <a:rPr lang="en-BE" dirty="0" smtClean="0"/>
-              <a:t>Shinymanager </a:t>
-            </a:r>
-            <a:r>
-              <a:rPr lang="en-BE" dirty="0"/>
-              <a:t>provides an admin console with an overview of the site </a:t>
-            </a:r>
-            <a:r>
-              <a:rPr lang="en-BE" dirty="0" smtClean="0"/>
-              <a:t>usage, but only if you use the sqlite backend option.</a:t>
-            </a:r>
-          </a:p>
-          <a:p>
-            <a:endParaRPr lang="en-BE" dirty="0" smtClean="0"/>
-          </a:p>
-          <a:p>
-            <a:r>
-              <a:rPr lang="en-BE" dirty="0" smtClean="0"/>
-              <a:t>The sqlite DB is </a:t>
-            </a:r>
-            <a:r>
-              <a:rPr lang="en-US" dirty="0" smtClean="0"/>
-              <a:t>protected </a:t>
-            </a:r>
-            <a:r>
-              <a:rPr lang="en-US" dirty="0"/>
-              <a:t>with a symmetric AES encryption</a:t>
-            </a:r>
-            <a:r>
-              <a:rPr lang="en-BE" dirty="0"/>
-              <a:t>. To store the keys for this encryption it uses </a:t>
-            </a:r>
-            <a:r>
-              <a:rPr lang="en-BE" dirty="0" smtClean="0"/>
-              <a:t>the keyring package. This makes use of the OS credential store: w</a:t>
-            </a:r>
-            <a:r>
-              <a:rPr lang="en-US" dirty="0" smtClean="0"/>
-              <a:t>hen </a:t>
-            </a:r>
-            <a:r>
-              <a:rPr lang="en-US" dirty="0"/>
-              <a:t>you set a key using </a:t>
-            </a:r>
-            <a:r>
-              <a:rPr lang="en-US" dirty="0" err="1"/>
-              <a:t>key_set</a:t>
-            </a:r>
-            <a:r>
-              <a:rPr lang="en-US" dirty="0"/>
-              <a:t> </a:t>
-            </a:r>
-            <a:r>
-              <a:rPr lang="en-US" dirty="0" smtClean="0"/>
-              <a:t>it </a:t>
-            </a:r>
-            <a:r>
-              <a:rPr lang="en-US" dirty="0"/>
-              <a:t>is stored securely on the </a:t>
-            </a:r>
-            <a:r>
-              <a:rPr lang="en-BE" dirty="0" smtClean="0"/>
-              <a:t>local </a:t>
-            </a:r>
-            <a:r>
-              <a:rPr lang="en-US" dirty="0" smtClean="0"/>
-              <a:t>machine </a:t>
-            </a:r>
-            <a:endParaRPr lang="en-BE" dirty="0" smtClean="0"/>
-          </a:p>
-          <a:p>
-            <a:pPr lvl="1"/>
-            <a:r>
-              <a:rPr lang="en-US" b="1" dirty="0" smtClean="0"/>
-              <a:t>Windows</a:t>
-            </a:r>
-            <a:r>
-              <a:rPr lang="en-US" dirty="0"/>
-              <a:t>: It </a:t>
-            </a:r>
-            <a:r>
-              <a:rPr lang="en-US" dirty="0" smtClean="0"/>
-              <a:t>use</a:t>
-            </a:r>
-            <a:r>
-              <a:rPr lang="en-BE" dirty="0" smtClean="0"/>
-              <a:t>s</a:t>
-            </a:r>
-            <a:r>
-              <a:rPr lang="en-US" dirty="0" smtClean="0"/>
-              <a:t> </a:t>
-            </a:r>
-            <a:r>
-              <a:rPr lang="en-US" dirty="0"/>
-              <a:t>the Windows Credential Manager</a:t>
-            </a:r>
-            <a:r>
-              <a:rPr lang="en-US" dirty="0" smtClean="0"/>
-              <a:t>.</a:t>
-            </a:r>
-            <a:endParaRPr lang="en-BE" dirty="0" smtClean="0"/>
-          </a:p>
-          <a:p>
-            <a:pPr lvl="1"/>
-            <a:r>
-              <a:rPr lang="en-US" b="1" dirty="0"/>
-              <a:t>Linux</a:t>
-            </a:r>
-            <a:r>
-              <a:rPr lang="en-US" dirty="0"/>
-              <a:t>: It may use the Linux keyring or other secure storage mechanisms</a:t>
-            </a:r>
-            <a:r>
-              <a:rPr lang="en-US" dirty="0" smtClean="0"/>
-              <a:t>.</a:t>
-            </a:r>
-            <a:endParaRPr lang="en-BE" dirty="0" smtClean="0"/>
-          </a:p>
-        </p:txBody>
-      </p:sp>
-      <p:pic>
-        <p:nvPicPr>
-          <p:cNvPr id="4" name="Picture 3"/>
-          <p:cNvPicPr>
-            <a:picLocks noChangeAspect="1"/>
-          </p:cNvPicPr>
-          <p:nvPr/>
-        </p:nvPicPr>
-        <p:blipFill>
-          <a:blip r:embed="rId3"/>
-          <a:stretch>
-            <a:fillRect/>
-          </a:stretch>
-        </p:blipFill>
-        <p:spPr>
-          <a:xfrm>
-            <a:off x="10834144" y="1383618"/>
-            <a:ext cx="1181202" cy="1615580"/>
-          </a:xfrm>
-          <a:prstGeom prst="rect">
-            <a:avLst/>
-          </a:prstGeom>
-        </p:spPr>
-      </p:pic>
-    </p:spTree>
-    <p:extLst>
-      <p:ext uri="{BB962C8B-B14F-4D97-AF65-F5344CB8AC3E}">
-        <p14:creationId xmlns:p14="http://schemas.microsoft.com/office/powerpoint/2010/main" val="2515541860"/>
-      </p:ext>
-    </p:extLst>
-  </p:cSld>
-  <p:clrMapOvr>
-    <a:masterClrMapping/>
-  </p:clrMapOvr>
-</p:sld>
-</file>
-
-<file path=ppt/slides/slide23.xml><?xml version="1.0" encoding="utf-8"?>
-<p:sld xmlns:a="http://schemas.openxmlformats.org/drawingml/2006/main" xmlns:r="http://schemas.openxmlformats.org/officeDocument/2006/relationships" xmlns:p="http://schemas.openxmlformats.org/presentationml/2006/main">
-  <p:cSld>
-    <p:spTree>
-      <p:nvGrpSpPr>
-        <p:cNvPr id="1" name=""/>
-        <p:cNvGrpSpPr/>
-        <p:nvPr/>
-      </p:nvGrpSpPr>
-      <p:grpSpPr>
-        <a:xfrm>
-          <a:off x="0" y="0"/>
-          <a:ext cx="0" cy="0"/>
-          <a:chOff x="0" y="0"/>
-          <a:chExt cx="0" cy="0"/>
-        </a:xfrm>
-      </p:grpSpPr>
-      <p:sp>
-        <p:nvSpPr>
-          <p:cNvPr id="2" name="Title 1"/>
-          <p:cNvSpPr>
-            <a:spLocks noGrp="1"/>
-          </p:cNvSpPr>
-          <p:nvPr>
-            <p:ph type="title"/>
-          </p:nvPr>
-        </p:nvSpPr>
-        <p:spPr/>
-        <p:txBody>
-          <a:bodyPr/>
-          <a:lstStyle/>
-          <a:p>
-            <a:r>
-              <a:rPr lang="en-BE" dirty="0" smtClean="0"/>
-              <a:t>Shinymanager: authentication &amp; site monitoring</a:t>
-            </a:r>
-            <a:endParaRPr lang="en-US" dirty="0"/>
-          </a:p>
-        </p:txBody>
-      </p:sp>
-      <p:sp>
-        <p:nvSpPr>
-          <p:cNvPr id="3" name="Content Placeholder 2"/>
-          <p:cNvSpPr>
-            <a:spLocks noGrp="1"/>
-          </p:cNvSpPr>
-          <p:nvPr>
-            <p:ph idx="1"/>
-          </p:nvPr>
-        </p:nvSpPr>
-        <p:spPr/>
-        <p:txBody>
-          <a:bodyPr>
-            <a:normAutofit lnSpcReduction="10000"/>
-          </a:bodyPr>
-          <a:lstStyle/>
-          <a:p>
-            <a:r>
-              <a:rPr lang="en-BE" dirty="0" smtClean="0"/>
-              <a:t>How to set it up locally:</a:t>
-            </a:r>
-          </a:p>
-          <a:p>
-            <a:pPr marL="914400" lvl="1" indent="-457200">
-              <a:buFont typeface="+mj-lt"/>
-              <a:buAutoNum type="arabicPeriod"/>
-            </a:pPr>
-            <a:r>
-              <a:rPr lang="en-BE" dirty="0" smtClean="0"/>
-              <a:t>Copy scripts/credentials_template.env to scripts/credentials.env </a:t>
-            </a:r>
-          </a:p>
-          <a:p>
-            <a:pPr marL="914400" lvl="1" indent="-457200">
-              <a:buFont typeface="+mj-lt"/>
-              <a:buAutoNum type="arabicPeriod"/>
-            </a:pPr>
-            <a:r>
-              <a:rPr lang="en-BE" dirty="0" smtClean="0"/>
-              <a:t>Modify credentials.env: configure shiny app username and password as well as sqlite encryption password</a:t>
-            </a:r>
-          </a:p>
-          <a:p>
-            <a:pPr marL="914400" lvl="1" indent="-457200">
-              <a:buFont typeface="+mj-lt"/>
-              <a:buAutoNum type="arabicPeriod"/>
-            </a:pPr>
-            <a:r>
-              <a:rPr lang="en-BE" dirty="0" smtClean="0"/>
-              <a:t>Run setup_credentials.R</a:t>
-            </a:r>
-          </a:p>
-          <a:p>
-            <a:pPr marL="914400" lvl="1" indent="-457200">
-              <a:buFont typeface="+mj-lt"/>
-              <a:buAutoNum type="arabicPeriod"/>
-            </a:pPr>
-            <a:r>
-              <a:rPr lang="en-BE" dirty="0" smtClean="0"/>
-              <a:t>Verify that db/credentials.db has been created</a:t>
-            </a:r>
-          </a:p>
-          <a:p>
-            <a:pPr marL="914400" lvl="1" indent="-457200">
-              <a:buFont typeface="+mj-lt"/>
-              <a:buAutoNum type="arabicPeriod"/>
-            </a:pPr>
-            <a:endParaRPr lang="en-BE" dirty="0"/>
-          </a:p>
-          <a:p>
-            <a:r>
-              <a:rPr lang="en-BE" dirty="0" smtClean="0"/>
-              <a:t>How to set it up in a docker image</a:t>
-            </a:r>
-          </a:p>
-          <a:p>
-            <a:pPr lvl="1"/>
-            <a:r>
-              <a:rPr lang="en-BE" dirty="0" smtClean="0"/>
-              <a:t>Replace steps 1 &amp; 2 above by setting up the environment variables through docker</a:t>
-            </a:r>
-          </a:p>
-          <a:p>
-            <a:pPr lvl="1"/>
-            <a:r>
-              <a:rPr lang="en-BE" dirty="0" smtClean="0"/>
-              <a:t>Perform 3 &amp; 4.</a:t>
-            </a:r>
-          </a:p>
-        </p:txBody>
-      </p:sp>
-      <p:pic>
-        <p:nvPicPr>
-          <p:cNvPr id="4" name="Picture 3"/>
-          <p:cNvPicPr>
-            <a:picLocks noChangeAspect="1"/>
-          </p:cNvPicPr>
-          <p:nvPr/>
-        </p:nvPicPr>
-        <p:blipFill>
-          <a:blip r:embed="rId2"/>
-          <a:stretch>
-            <a:fillRect/>
-          </a:stretch>
-        </p:blipFill>
-        <p:spPr>
-          <a:xfrm>
-            <a:off x="10834144" y="1383618"/>
-            <a:ext cx="1181202" cy="1615580"/>
-          </a:xfrm>
-          <a:prstGeom prst="rect">
-            <a:avLst/>
-          </a:prstGeom>
-        </p:spPr>
-      </p:pic>
-    </p:spTree>
-    <p:extLst>
-      <p:ext uri="{BB962C8B-B14F-4D97-AF65-F5344CB8AC3E}">
-        <p14:creationId xmlns:p14="http://schemas.microsoft.com/office/powerpoint/2010/main" val="1061525508"/>
-      </p:ext>
-    </p:extLst>
-  </p:cSld>
-  <p:clrMapOvr>
-    <a:masterClrMapping/>
-  </p:clrMapOvr>
-</p:sld>
-</file>
-
 <file path=ppt/slides/slide3.xml><?xml version="1.0" encoding="utf-8"?>
 <p:sld xmlns:a="http://schemas.openxmlformats.org/drawingml/2006/main" xmlns:r="http://schemas.openxmlformats.org/officeDocument/2006/relationships" xmlns:p="http://schemas.openxmlformats.org/presentationml/2006/main">
   <p:cSld>
@@ -9001,18 +9319,20 @@
         </p:nvSpPr>
         <p:spPr/>
         <p:txBody>
-          <a:bodyPr/>
-          <a:lstStyle/>
-          <a:p>
-            <a:r>
-              <a:rPr lang="en-BE" dirty="0"/>
+          <a:bodyPr>
+            <a:normAutofit/>
+          </a:bodyPr>
+          <a:lstStyle/>
+          <a:p>
+            <a:r>
+              <a:rPr lang="en-BE" sz="1600" dirty="0"/>
               <a:t>foreign exchange rates = forex = fx</a:t>
             </a:r>
-            <a:endParaRPr lang="en-US" dirty="0"/>
-          </a:p>
-          <a:p>
-            <a:r>
-              <a:rPr lang="en-BE" dirty="0" smtClean="0"/>
+            <a:endParaRPr lang="en-US" sz="1600" dirty="0"/>
+          </a:p>
+          <a:p>
+            <a:r>
+              <a:rPr lang="en-BE" sz="1600" dirty="0" smtClean="0"/>
               <a:t>ohlc: open – high – low – close = daily values for stocks</a:t>
             </a:r>
           </a:p>
@@ -9020,10 +9340,10 @@
             <a:pPr marL="0" indent="0">
               <a:buNone/>
             </a:pPr>
-            <a:endParaRPr lang="en-BE" dirty="0" smtClean="0"/>
-          </a:p>
-          <a:p>
-            <a:endParaRPr lang="nl-BE" dirty="0"/>
+            <a:endParaRPr lang="en-BE" sz="1600" dirty="0" smtClean="0"/>
+          </a:p>
+          <a:p>
+            <a:endParaRPr lang="nl-BE" sz="1600" dirty="0"/>
           </a:p>
         </p:txBody>
       </p:sp>
@@ -9037,6 +9357,13 @@
   <p:clrMapOvr>
     <a:masterClrMapping/>
   </p:clrMapOvr>
+  <p:timing>
+    <p:tnLst>
+      <p:par>
+        <p:cTn id="1" dur="indefinite" restart="never" nodeType="tmRoot"/>
+      </p:par>
+    </p:tnLst>
+  </p:timing>
 </p:sld>
 </file>
 
@@ -9120,6 +9447,13 @@
   <p:clrMapOvr>
     <a:overrideClrMapping bg1="lt1" tx1="dk1" bg2="lt2" tx2="dk2" accent1="accent1" accent2="accent2" accent3="accent3" accent4="accent4" accent5="accent5" accent6="accent6" hlink="hlink" folHlink="folHlink"/>
   </p:clrMapOvr>
+  <p:timing>
+    <p:tnLst>
+      <p:par>
+        <p:cTn id="1" dur="indefinite" restart="never" nodeType="tmRoot"/>
+      </p:par>
+    </p:tnLst>
+  </p:timing>
 </p:sld>
 </file>
 

--- a/doc/stock_dashboard_documentation.pptx
+++ b/doc/stock_dashboard_documentation.pptx
@@ -8,21 +8,21 @@
     <p:sldId id="256" r:id="rId2"/>
     <p:sldId id="279" r:id="rId3"/>
     <p:sldId id="285" r:id="rId4"/>
-    <p:sldId id="263" r:id="rId5"/>
-    <p:sldId id="264" r:id="rId6"/>
-    <p:sldId id="257" r:id="rId7"/>
-    <p:sldId id="281" r:id="rId8"/>
-    <p:sldId id="283" r:id="rId9"/>
-    <p:sldId id="280" r:id="rId10"/>
-    <p:sldId id="258" r:id="rId11"/>
-    <p:sldId id="287" r:id="rId12"/>
-    <p:sldId id="262" r:id="rId13"/>
-    <p:sldId id="284" r:id="rId14"/>
-    <p:sldId id="259" r:id="rId15"/>
-    <p:sldId id="260" r:id="rId16"/>
-    <p:sldId id="269" r:id="rId17"/>
-    <p:sldId id="286" r:id="rId18"/>
-    <p:sldId id="275" r:id="rId19"/>
+    <p:sldId id="269" r:id="rId5"/>
+    <p:sldId id="286" r:id="rId6"/>
+    <p:sldId id="275" r:id="rId7"/>
+    <p:sldId id="263" r:id="rId8"/>
+    <p:sldId id="264" r:id="rId9"/>
+    <p:sldId id="257" r:id="rId10"/>
+    <p:sldId id="281" r:id="rId11"/>
+    <p:sldId id="283" r:id="rId12"/>
+    <p:sldId id="280" r:id="rId13"/>
+    <p:sldId id="258" r:id="rId14"/>
+    <p:sldId id="287" r:id="rId15"/>
+    <p:sldId id="262" r:id="rId16"/>
+    <p:sldId id="284" r:id="rId17"/>
+    <p:sldId id="259" r:id="rId18"/>
+    <p:sldId id="260" r:id="rId19"/>
     <p:sldId id="272" r:id="rId20"/>
     <p:sldId id="265" r:id="rId21"/>
     <p:sldId id="266" r:id="rId22"/>
@@ -3109,104 +3109,6 @@
       </p:grpSpPr>
       <p:sp>
         <p:nvSpPr>
-          <p:cNvPr id="23" name="Rectangle 22"/>
-          <p:cNvSpPr/>
-          <p:nvPr/>
-        </p:nvSpPr>
-        <p:spPr>
-          <a:xfrm>
-            <a:off x="3401042" y="4471454"/>
-            <a:ext cx="6624465" cy="2034601"/>
-          </a:xfrm>
-          <a:prstGeom prst="rect">
-            <a:avLst/>
-          </a:prstGeom>
-          <a:solidFill>
-            <a:schemeClr val="accent2">
-              <a:alpha val="50000"/>
-            </a:schemeClr>
-          </a:solidFill>
-        </p:spPr>
-        <p:style>
-          <a:lnRef idx="2">
-            <a:schemeClr val="accent2">
-              <a:shade val="50000"/>
-            </a:schemeClr>
-          </a:lnRef>
-          <a:fillRef idx="1">
-            <a:schemeClr val="accent2"/>
-          </a:fillRef>
-          <a:effectRef idx="0">
-            <a:schemeClr val="accent2"/>
-          </a:effectRef>
-          <a:fontRef idx="minor">
-            <a:schemeClr val="lt1"/>
-          </a:fontRef>
-        </p:style>
-        <p:txBody>
-          <a:bodyPr rtlCol="0" anchor="t" anchorCtr="0"/>
-          <a:lstStyle/>
-          <a:p>
-            <a:pPr algn="ctr"/>
-            <a:r>
-              <a:rPr lang="nl-BE" sz="1400" dirty="0" smtClean="0"/>
-              <a:t>BROKER B</a:t>
-            </a:r>
-            <a:endParaRPr lang="en-US" sz="1400" dirty="0"/>
-          </a:p>
-        </p:txBody>
-      </p:sp>
-      <p:sp>
-        <p:nvSpPr>
-          <p:cNvPr id="22" name="Rectangle 21"/>
-          <p:cNvSpPr/>
-          <p:nvPr/>
-        </p:nvSpPr>
-        <p:spPr>
-          <a:xfrm>
-            <a:off x="3401042" y="1194646"/>
-            <a:ext cx="6624465" cy="3253371"/>
-          </a:xfrm>
-          <a:prstGeom prst="rect">
-            <a:avLst/>
-          </a:prstGeom>
-          <a:solidFill>
-            <a:schemeClr val="accent1">
-              <a:alpha val="50000"/>
-            </a:schemeClr>
-          </a:solidFill>
-        </p:spPr>
-        <p:style>
-          <a:lnRef idx="2">
-            <a:schemeClr val="accent1">
-              <a:shade val="50000"/>
-            </a:schemeClr>
-          </a:lnRef>
-          <a:fillRef idx="1">
-            <a:schemeClr val="accent1"/>
-          </a:fillRef>
-          <a:effectRef idx="0">
-            <a:schemeClr val="accent1"/>
-          </a:effectRef>
-          <a:fontRef idx="minor">
-            <a:schemeClr val="lt1"/>
-          </a:fontRef>
-        </p:style>
-        <p:txBody>
-          <a:bodyPr rtlCol="0" anchor="t" anchorCtr="0"/>
-          <a:lstStyle/>
-          <a:p>
-            <a:pPr algn="ctr"/>
-            <a:r>
-              <a:rPr lang="nl-BE" sz="1400" dirty="0" smtClean="0"/>
-              <a:t>BROKER A</a:t>
-            </a:r>
-            <a:endParaRPr lang="en-US" sz="1400" dirty="0"/>
-          </a:p>
-        </p:txBody>
-      </p:sp>
-      <p:sp>
-        <p:nvSpPr>
           <p:cNvPr id="2" name="Title 1"/>
           <p:cNvSpPr>
             <a:spLocks noGrp="1"/>
@@ -3217,7 +3119,7 @@
         </p:nvSpPr>
         <p:spPr>
           <a:xfrm>
-            <a:off x="57561" y="-218393"/>
+            <a:off x="68525" y="-207198"/>
             <a:ext cx="10515600" cy="1325563"/>
           </a:xfrm>
         </p:spPr>
@@ -3226,20 +3128,20 @@
           <a:lstStyle/>
           <a:p>
             <a:r>
-              <a:rPr lang="nl-BE" dirty="0" smtClean="0"/>
-              <a:t>transactions</a:t>
-            </a:r>
-            <a:r>
               <a:rPr lang="en-BE" dirty="0" smtClean="0"/>
-              <a:t>: flows</a:t>
+              <a:t>stock_ohlc</a:t>
+            </a:r>
+            <a:r>
+              <a:rPr lang="en-BE" dirty="0" smtClean="0"/>
+              <a:t>:</a:t>
             </a:r>
             <a:r>
               <a:rPr lang="nl-BE" dirty="0" smtClean="0"/>
               <a:t> </a:t>
             </a:r>
             <a:r>
-              <a:rPr lang="nl-BE" dirty="0" smtClean="0"/>
-              <a:t>visualised</a:t>
+              <a:rPr lang="en-BE" dirty="0"/>
+              <a:t>schema</a:t>
             </a:r>
             <a:endParaRPr lang="en-US" dirty="0"/>
           </a:p>
@@ -3247,852 +3149,154 @@
       </p:sp>
       <p:sp>
         <p:nvSpPr>
-          <p:cNvPr id="4" name="Rectangle 3"/>
-          <p:cNvSpPr/>
-          <p:nvPr/>
-        </p:nvSpPr>
-        <p:spPr>
-          <a:xfrm>
-            <a:off x="5248344" y="1501167"/>
-            <a:ext cx="1371600" cy="1399916"/>
+          <p:cNvPr id="3" name="Content Placeholder 2"/>
+          <p:cNvSpPr>
+            <a:spLocks noGrp="1"/>
+          </p:cNvSpPr>
+          <p:nvPr>
+            <p:ph idx="1"/>
+          </p:nvPr>
+        </p:nvSpPr>
+        <p:spPr>
+          <a:xfrm>
+            <a:off x="203932" y="1052547"/>
+            <a:ext cx="5629310" cy="5499556"/>
+          </a:xfrm>
+        </p:spPr>
+        <p:txBody>
+          <a:bodyPr>
+            <a:normAutofit/>
+          </a:bodyPr>
+          <a:lstStyle/>
+          <a:p>
+            <a:r>
+              <a:rPr lang="en-US" sz="1600" dirty="0"/>
+              <a:t>The </a:t>
+            </a:r>
+            <a:r>
+              <a:rPr lang="en-US" sz="1600" i="1" dirty="0"/>
+              <a:t>close </a:t>
+            </a:r>
+            <a:r>
+              <a:rPr lang="en-US" sz="1600" dirty="0"/>
+              <a:t>(of the OHLC, open-high-low-close) is more or less straightforward: the closing price of a stock that was registered at the end of the period. And for end of day data, it’s the trading day. It’s a raw value, and it shows just how much raw cash a stock cost at the end of the day. It does just that: tells how much a stock cost at a given date.</a:t>
+            </a:r>
+            <a:endParaRPr lang="nl-BE" sz="1400" dirty="0" smtClean="0"/>
+          </a:p>
+          <a:p>
+            <a:pPr lvl="1"/>
+            <a:endParaRPr lang="en-BE" sz="1100" dirty="0" smtClean="0"/>
+          </a:p>
+          <a:p>
+            <a:pPr lvl="1"/>
+            <a:endParaRPr lang="en-BE" sz="1100" dirty="0"/>
+          </a:p>
+          <a:p>
+            <a:r>
+              <a:rPr lang="en-BE" sz="1600" dirty="0" smtClean="0"/>
+              <a:t>D</a:t>
+            </a:r>
+            <a:r>
+              <a:rPr lang="en-US" sz="1600" dirty="0" err="1" smtClean="0"/>
+              <a:t>uring</a:t>
+            </a:r>
+            <a:r>
+              <a:rPr lang="en-US" sz="1600" dirty="0" smtClean="0"/>
+              <a:t> </a:t>
+            </a:r>
+            <a:r>
+              <a:rPr lang="en-US" sz="1600" dirty="0"/>
+              <a:t>the lifetime, there most certainly have been corporate actions that affected the price of the stock. </a:t>
+            </a:r>
+            <a:r>
+              <a:rPr lang="en-US" sz="1600" dirty="0"/>
+              <a:t>Two primaries of those are splits and dividends. To compare stock prices during the stock’s lifetime, prices need to be adjusted to get the value of adjusted close – retroactively. </a:t>
+            </a:r>
+            <a:r>
+              <a:rPr lang="en-US" sz="1600" dirty="0"/>
+              <a:t>This means prices get adjusted back in time from the date when an affecting event occurred</a:t>
+            </a:r>
+            <a:r>
+              <a:rPr lang="en-US" sz="1600" dirty="0" smtClean="0"/>
+              <a:t>.</a:t>
+            </a:r>
+            <a:endParaRPr lang="en-BE" sz="1600" dirty="0" smtClean="0"/>
+          </a:p>
+          <a:p>
+            <a:endParaRPr lang="en-BE" sz="1600" dirty="0"/>
+          </a:p>
+          <a:p>
+            <a:r>
+              <a:rPr lang="en-US" sz="1600" dirty="0">
+                <a:hlinkClick r:id="rId2"/>
+              </a:rPr>
+              <a:t>https://eodhd.com/financial-academy/financial-faq/adjusted-close-and-close-whats-the-difference</a:t>
+            </a:r>
+            <a:r>
+              <a:rPr lang="en-US" sz="1600" dirty="0" smtClean="0">
+                <a:hlinkClick r:id="rId2"/>
+              </a:rPr>
+              <a:t>/</a:t>
+            </a:r>
+            <a:endParaRPr lang="en-BE" sz="1600" dirty="0" smtClean="0"/>
+          </a:p>
+          <a:p>
+            <a:endParaRPr lang="en-US" sz="1600" dirty="0"/>
+          </a:p>
+        </p:txBody>
+      </p:sp>
+      <p:pic>
+        <p:nvPicPr>
+          <p:cNvPr id="5" name="Picture 4"/>
+          <p:cNvPicPr>
+            <a:picLocks noChangeAspect="1"/>
+          </p:cNvPicPr>
+          <p:nvPr/>
+        </p:nvPicPr>
+        <p:blipFill>
+          <a:blip r:embed="rId3"/>
+          <a:stretch>
+            <a:fillRect/>
+          </a:stretch>
+        </p:blipFill>
+        <p:spPr>
+          <a:xfrm>
+            <a:off x="6204544" y="3609557"/>
+            <a:ext cx="5258256" cy="1623201"/>
           </a:xfrm>
           <a:prstGeom prst="rect">
             <a:avLst/>
           </a:prstGeom>
         </p:spPr>
-        <p:style>
-          <a:lnRef idx="2">
-            <a:schemeClr val="accent1">
-              <a:shade val="50000"/>
-            </a:schemeClr>
-          </a:lnRef>
-          <a:fillRef idx="1">
-            <a:schemeClr val="accent1"/>
-          </a:fillRef>
-          <a:effectRef idx="0">
-            <a:schemeClr val="accent1"/>
-          </a:effectRef>
-          <a:fontRef idx="minor">
-            <a:schemeClr val="lt1"/>
-          </a:fontRef>
-        </p:style>
-        <p:txBody>
-          <a:bodyPr rtlCol="0" anchor="t" anchorCtr="0"/>
-          <a:lstStyle/>
-          <a:p>
-            <a:pPr algn="ctr"/>
-            <a:r>
-              <a:rPr lang="nl-BE" sz="1400" dirty="0" smtClean="0"/>
-              <a:t>CASH ACCOUNT</a:t>
-            </a:r>
-            <a:endParaRPr lang="en-US" sz="1400" dirty="0"/>
-          </a:p>
-        </p:txBody>
-      </p:sp>
-      <p:sp>
-        <p:nvSpPr>
-          <p:cNvPr id="5" name="Rectangle 4"/>
-          <p:cNvSpPr/>
-          <p:nvPr/>
-        </p:nvSpPr>
-        <p:spPr>
-          <a:xfrm>
-            <a:off x="8419140" y="1501167"/>
-            <a:ext cx="1371600" cy="1399916"/>
+      </p:pic>
+      <p:pic>
+        <p:nvPicPr>
+          <p:cNvPr id="6" name="Picture 5"/>
+          <p:cNvPicPr>
+            <a:picLocks noChangeAspect="1"/>
+          </p:cNvPicPr>
+          <p:nvPr/>
+        </p:nvPicPr>
+        <p:blipFill>
+          <a:blip r:embed="rId4"/>
+          <a:stretch>
+            <a:fillRect/>
+          </a:stretch>
+        </p:blipFill>
+        <p:spPr>
+          <a:xfrm>
+            <a:off x="6345527" y="1297553"/>
+            <a:ext cx="4976291" cy="1691787"/>
           </a:xfrm>
           <a:prstGeom prst="rect">
             <a:avLst/>
           </a:prstGeom>
         </p:spPr>
-        <p:style>
-          <a:lnRef idx="2">
-            <a:schemeClr val="accent1">
-              <a:shade val="50000"/>
-            </a:schemeClr>
-          </a:lnRef>
-          <a:fillRef idx="1">
-            <a:schemeClr val="accent1"/>
-          </a:fillRef>
-          <a:effectRef idx="0">
-            <a:schemeClr val="accent1"/>
-          </a:effectRef>
-          <a:fontRef idx="minor">
-            <a:schemeClr val="lt1"/>
-          </a:fontRef>
-        </p:style>
-        <p:txBody>
-          <a:bodyPr rtlCol="0" anchor="t" anchorCtr="0"/>
-          <a:lstStyle/>
-          <a:p>
-            <a:pPr algn="ctr"/>
-            <a:r>
-              <a:rPr lang="nl-BE" sz="1400" dirty="0" smtClean="0"/>
-              <a:t>STOCKS ACCOUNT</a:t>
-            </a:r>
-            <a:endParaRPr lang="en-US" sz="1400" dirty="0"/>
-          </a:p>
-        </p:txBody>
-      </p:sp>
-      <p:sp>
-        <p:nvSpPr>
-          <p:cNvPr id="6" name="Rectangle 5"/>
-          <p:cNvSpPr/>
-          <p:nvPr/>
-        </p:nvSpPr>
-        <p:spPr>
-          <a:xfrm>
-            <a:off x="1893351" y="1194647"/>
-            <a:ext cx="1371600" cy="5311408"/>
-          </a:xfrm>
-          <a:prstGeom prst="rect">
-            <a:avLst/>
-          </a:prstGeom>
-        </p:spPr>
-        <p:style>
-          <a:lnRef idx="2">
-            <a:schemeClr val="accent6">
-              <a:shade val="50000"/>
-            </a:schemeClr>
-          </a:lnRef>
-          <a:fillRef idx="1">
-            <a:schemeClr val="accent6"/>
-          </a:fillRef>
-          <a:effectRef idx="0">
-            <a:schemeClr val="accent6"/>
-          </a:effectRef>
-          <a:fontRef idx="minor">
-            <a:schemeClr val="lt1"/>
-          </a:fontRef>
-        </p:style>
-        <p:txBody>
-          <a:bodyPr rtlCol="0" anchor="t" anchorCtr="0"/>
-          <a:lstStyle/>
-          <a:p>
-            <a:pPr algn="ctr"/>
-            <a:r>
-              <a:rPr lang="nl-BE" sz="1400" dirty="0" smtClean="0"/>
-              <a:t>EXTERNAL WORLD</a:t>
-            </a:r>
-            <a:endParaRPr lang="en-US" sz="1400" dirty="0"/>
-          </a:p>
-        </p:txBody>
-      </p:sp>
-      <p:sp>
-        <p:nvSpPr>
-          <p:cNvPr id="7" name="Rectangle 6"/>
-          <p:cNvSpPr/>
-          <p:nvPr/>
-        </p:nvSpPr>
-        <p:spPr>
-          <a:xfrm>
-            <a:off x="5248344" y="4795665"/>
-            <a:ext cx="1371600" cy="1443849"/>
-          </a:xfrm>
-          <a:prstGeom prst="rect">
-            <a:avLst/>
-          </a:prstGeom>
-        </p:spPr>
-        <p:style>
-          <a:lnRef idx="2">
-            <a:schemeClr val="accent2">
-              <a:shade val="50000"/>
-            </a:schemeClr>
-          </a:lnRef>
-          <a:fillRef idx="1">
-            <a:schemeClr val="accent2"/>
-          </a:fillRef>
-          <a:effectRef idx="0">
-            <a:schemeClr val="accent2"/>
-          </a:effectRef>
-          <a:fontRef idx="minor">
-            <a:schemeClr val="lt1"/>
-          </a:fontRef>
-        </p:style>
-        <p:txBody>
-          <a:bodyPr rtlCol="0" anchor="t" anchorCtr="0"/>
-          <a:lstStyle/>
-          <a:p>
-            <a:pPr algn="ctr"/>
-            <a:r>
-              <a:rPr lang="nl-BE" sz="1400" dirty="0" smtClean="0"/>
-              <a:t>CASH ACCOUNT</a:t>
-            </a:r>
-            <a:endParaRPr lang="en-US" sz="1400" dirty="0"/>
-          </a:p>
-        </p:txBody>
-      </p:sp>
-      <p:sp>
-        <p:nvSpPr>
-          <p:cNvPr id="8" name="Rectangle 7"/>
-          <p:cNvSpPr/>
-          <p:nvPr/>
-        </p:nvSpPr>
-        <p:spPr>
-          <a:xfrm>
-            <a:off x="8419140" y="4795665"/>
-            <a:ext cx="1371600" cy="1443849"/>
-          </a:xfrm>
-          <a:prstGeom prst="rect">
-            <a:avLst/>
-          </a:prstGeom>
-        </p:spPr>
-        <p:style>
-          <a:lnRef idx="2">
-            <a:schemeClr val="accent2">
-              <a:shade val="50000"/>
-            </a:schemeClr>
-          </a:lnRef>
-          <a:fillRef idx="1">
-            <a:schemeClr val="accent2"/>
-          </a:fillRef>
-          <a:effectRef idx="0">
-            <a:schemeClr val="accent2"/>
-          </a:effectRef>
-          <a:fontRef idx="minor">
-            <a:schemeClr val="lt1"/>
-          </a:fontRef>
-        </p:style>
-        <p:txBody>
-          <a:bodyPr rtlCol="0" anchor="t" anchorCtr="0"/>
-          <a:lstStyle/>
-          <a:p>
-            <a:pPr algn="ctr"/>
-            <a:r>
-              <a:rPr lang="nl-BE" sz="1400" dirty="0" smtClean="0"/>
-              <a:t>STOCKS ACCOUNT</a:t>
-            </a:r>
-            <a:endParaRPr lang="en-US" sz="1400" dirty="0"/>
-          </a:p>
-        </p:txBody>
-      </p:sp>
-      <p:sp>
-        <p:nvSpPr>
-          <p:cNvPr id="11" name="Right Arrow 10"/>
-          <p:cNvSpPr/>
-          <p:nvPr/>
-        </p:nvSpPr>
-        <p:spPr>
-          <a:xfrm>
-            <a:off x="3512875" y="1501165"/>
-            <a:ext cx="1572241" cy="623663"/>
-          </a:xfrm>
-          <a:prstGeom prst="rightArrow">
-            <a:avLst/>
-          </a:prstGeom>
-        </p:spPr>
-        <p:style>
-          <a:lnRef idx="2">
-            <a:schemeClr val="accent6">
-              <a:shade val="50000"/>
-            </a:schemeClr>
-          </a:lnRef>
-          <a:fillRef idx="1">
-            <a:schemeClr val="accent6"/>
-          </a:fillRef>
-          <a:effectRef idx="0">
-            <a:schemeClr val="accent6"/>
-          </a:effectRef>
-          <a:fontRef idx="minor">
-            <a:schemeClr val="lt1"/>
-          </a:fontRef>
-        </p:style>
-        <p:txBody>
-          <a:bodyPr rtlCol="0" anchor="ctr"/>
-          <a:lstStyle/>
-          <a:p>
-            <a:pPr algn="ctr"/>
-            <a:r>
-              <a:rPr lang="nl-BE" sz="1400" dirty="0" smtClean="0"/>
-              <a:t>cash_in</a:t>
-            </a:r>
-            <a:endParaRPr lang="en-US" sz="1400" dirty="0"/>
-          </a:p>
-        </p:txBody>
-      </p:sp>
-      <p:sp>
-        <p:nvSpPr>
-          <p:cNvPr id="12" name="Left Arrow 11"/>
-          <p:cNvSpPr/>
-          <p:nvPr/>
-        </p:nvSpPr>
-        <p:spPr>
-          <a:xfrm>
-            <a:off x="3473404" y="2131413"/>
-            <a:ext cx="1480144" cy="572322"/>
-          </a:xfrm>
-          <a:prstGeom prst="leftArrow">
-            <a:avLst/>
-          </a:prstGeom>
-        </p:spPr>
-        <p:style>
-          <a:lnRef idx="2">
-            <a:schemeClr val="accent6">
-              <a:shade val="50000"/>
-            </a:schemeClr>
-          </a:lnRef>
-          <a:fillRef idx="1">
-            <a:schemeClr val="accent6"/>
-          </a:fillRef>
-          <a:effectRef idx="0">
-            <a:schemeClr val="accent6"/>
-          </a:effectRef>
-          <a:fontRef idx="minor">
-            <a:schemeClr val="lt1"/>
-          </a:fontRef>
-        </p:style>
-        <p:txBody>
-          <a:bodyPr rtlCol="0" anchor="ctr"/>
-          <a:lstStyle/>
-          <a:p>
-            <a:pPr algn="ctr"/>
-            <a:r>
-              <a:rPr lang="nl-BE" sz="1400" dirty="0" smtClean="0"/>
-              <a:t>cash_out</a:t>
-            </a:r>
-            <a:endParaRPr lang="en-US" sz="1400" dirty="0"/>
-          </a:p>
-        </p:txBody>
-      </p:sp>
-      <p:sp>
-        <p:nvSpPr>
-          <p:cNvPr id="13" name="Right Arrow 12"/>
-          <p:cNvSpPr/>
-          <p:nvPr/>
-        </p:nvSpPr>
-        <p:spPr>
-          <a:xfrm>
-            <a:off x="6792215" y="1580110"/>
-            <a:ext cx="1572241" cy="623663"/>
-          </a:xfrm>
-          <a:prstGeom prst="rightArrow">
-            <a:avLst/>
-          </a:prstGeom>
-        </p:spPr>
-        <p:style>
-          <a:lnRef idx="2">
-            <a:schemeClr val="accent1">
-              <a:shade val="50000"/>
-            </a:schemeClr>
-          </a:lnRef>
-          <a:fillRef idx="1">
-            <a:schemeClr val="accent1"/>
-          </a:fillRef>
-          <a:effectRef idx="0">
-            <a:schemeClr val="accent1"/>
-          </a:effectRef>
-          <a:fontRef idx="minor">
-            <a:schemeClr val="lt1"/>
-          </a:fontRef>
-        </p:style>
-        <p:txBody>
-          <a:bodyPr rtlCol="0" anchor="ctr"/>
-          <a:lstStyle/>
-          <a:p>
-            <a:pPr algn="ctr"/>
-            <a:r>
-              <a:rPr lang="nl-BE" sz="1400" dirty="0" smtClean="0"/>
-              <a:t>buy</a:t>
-            </a:r>
-            <a:endParaRPr lang="en-US" sz="1400" dirty="0"/>
-          </a:p>
-        </p:txBody>
-      </p:sp>
-      <p:sp>
-        <p:nvSpPr>
-          <p:cNvPr id="14" name="Left Arrow 13"/>
-          <p:cNvSpPr/>
-          <p:nvPr/>
-        </p:nvSpPr>
-        <p:spPr>
-          <a:xfrm>
-            <a:off x="6752744" y="2210358"/>
-            <a:ext cx="1480144" cy="572322"/>
-          </a:xfrm>
-          <a:prstGeom prst="leftArrow">
-            <a:avLst/>
-          </a:prstGeom>
-        </p:spPr>
-        <p:style>
-          <a:lnRef idx="2">
-            <a:schemeClr val="accent1">
-              <a:shade val="50000"/>
-            </a:schemeClr>
-          </a:lnRef>
-          <a:fillRef idx="1">
-            <a:schemeClr val="accent1"/>
-          </a:fillRef>
-          <a:effectRef idx="0">
-            <a:schemeClr val="accent1"/>
-          </a:effectRef>
-          <a:fontRef idx="minor">
-            <a:schemeClr val="lt1"/>
-          </a:fontRef>
-        </p:style>
-        <p:txBody>
-          <a:bodyPr rtlCol="0" anchor="ctr"/>
-          <a:lstStyle/>
-          <a:p>
-            <a:pPr algn="ctr"/>
-            <a:r>
-              <a:rPr lang="nl-BE" sz="1400" dirty="0" smtClean="0"/>
-              <a:t>sell</a:t>
-            </a:r>
-            <a:endParaRPr lang="en-US" sz="1400" dirty="0"/>
-          </a:p>
-        </p:txBody>
-      </p:sp>
-      <p:sp>
-        <p:nvSpPr>
-          <p:cNvPr id="15" name="Right Arrow 14"/>
-          <p:cNvSpPr/>
-          <p:nvPr/>
-        </p:nvSpPr>
-        <p:spPr>
-          <a:xfrm>
-            <a:off x="3488619" y="4825155"/>
-            <a:ext cx="1572241" cy="623663"/>
-          </a:xfrm>
-          <a:prstGeom prst="rightArrow">
-            <a:avLst/>
-          </a:prstGeom>
-        </p:spPr>
-        <p:style>
-          <a:lnRef idx="2">
-            <a:schemeClr val="accent6">
-              <a:shade val="50000"/>
-            </a:schemeClr>
-          </a:lnRef>
-          <a:fillRef idx="1">
-            <a:schemeClr val="accent6"/>
-          </a:fillRef>
-          <a:effectRef idx="0">
-            <a:schemeClr val="accent6"/>
-          </a:effectRef>
-          <a:fontRef idx="minor">
-            <a:schemeClr val="lt1"/>
-          </a:fontRef>
-        </p:style>
-        <p:txBody>
-          <a:bodyPr rtlCol="0" anchor="ctr"/>
-          <a:lstStyle/>
-          <a:p>
-            <a:pPr algn="ctr"/>
-            <a:r>
-              <a:rPr lang="nl-BE" sz="1400" dirty="0" smtClean="0"/>
-              <a:t>cash_in</a:t>
-            </a:r>
-            <a:endParaRPr lang="en-US" sz="1400" dirty="0"/>
-          </a:p>
-        </p:txBody>
-      </p:sp>
-      <p:sp>
-        <p:nvSpPr>
-          <p:cNvPr id="16" name="Left Arrow 15"/>
-          <p:cNvSpPr/>
-          <p:nvPr/>
-        </p:nvSpPr>
-        <p:spPr>
-          <a:xfrm>
-            <a:off x="3449148" y="5679063"/>
-            <a:ext cx="1480144" cy="572322"/>
-          </a:xfrm>
-          <a:prstGeom prst="leftArrow">
-            <a:avLst/>
-          </a:prstGeom>
-        </p:spPr>
-        <p:style>
-          <a:lnRef idx="2">
-            <a:schemeClr val="accent6">
-              <a:shade val="50000"/>
-            </a:schemeClr>
-          </a:lnRef>
-          <a:fillRef idx="1">
-            <a:schemeClr val="accent6"/>
-          </a:fillRef>
-          <a:effectRef idx="0">
-            <a:schemeClr val="accent6"/>
-          </a:effectRef>
-          <a:fontRef idx="minor">
-            <a:schemeClr val="lt1"/>
-          </a:fontRef>
-        </p:style>
-        <p:txBody>
-          <a:bodyPr rtlCol="0" anchor="ctr"/>
-          <a:lstStyle/>
-          <a:p>
-            <a:pPr algn="ctr"/>
-            <a:r>
-              <a:rPr lang="nl-BE" sz="1400" dirty="0" smtClean="0"/>
-              <a:t>cash_out</a:t>
-            </a:r>
-            <a:endParaRPr lang="en-US" sz="1400" dirty="0"/>
-          </a:p>
-        </p:txBody>
-      </p:sp>
-      <p:sp>
-        <p:nvSpPr>
-          <p:cNvPr id="17" name="Right Arrow 16"/>
-          <p:cNvSpPr/>
-          <p:nvPr/>
-        </p:nvSpPr>
-        <p:spPr>
-          <a:xfrm>
-            <a:off x="6767959" y="4825155"/>
-            <a:ext cx="1572241" cy="623663"/>
-          </a:xfrm>
-          <a:prstGeom prst="rightArrow">
-            <a:avLst/>
-          </a:prstGeom>
-        </p:spPr>
-        <p:style>
-          <a:lnRef idx="2">
-            <a:schemeClr val="accent2">
-              <a:shade val="50000"/>
-            </a:schemeClr>
-          </a:lnRef>
-          <a:fillRef idx="1">
-            <a:schemeClr val="accent2"/>
-          </a:fillRef>
-          <a:effectRef idx="0">
-            <a:schemeClr val="accent2"/>
-          </a:effectRef>
-          <a:fontRef idx="minor">
-            <a:schemeClr val="lt1"/>
-          </a:fontRef>
-        </p:style>
-        <p:txBody>
-          <a:bodyPr rtlCol="0" anchor="ctr"/>
-          <a:lstStyle/>
-          <a:p>
-            <a:pPr algn="ctr"/>
-            <a:r>
-              <a:rPr lang="nl-BE" sz="1400" dirty="0" smtClean="0"/>
-              <a:t>buy</a:t>
-            </a:r>
-            <a:endParaRPr lang="en-US" sz="1400" dirty="0"/>
-          </a:p>
-        </p:txBody>
-      </p:sp>
-      <p:sp>
-        <p:nvSpPr>
-          <p:cNvPr id="18" name="Left Arrow 17"/>
-          <p:cNvSpPr/>
-          <p:nvPr/>
-        </p:nvSpPr>
-        <p:spPr>
-          <a:xfrm>
-            <a:off x="6728488" y="5679063"/>
-            <a:ext cx="1480144" cy="572322"/>
-          </a:xfrm>
-          <a:prstGeom prst="leftArrow">
-            <a:avLst/>
-          </a:prstGeom>
-        </p:spPr>
-        <p:style>
-          <a:lnRef idx="2">
-            <a:schemeClr val="accent2">
-              <a:shade val="50000"/>
-            </a:schemeClr>
-          </a:lnRef>
-          <a:fillRef idx="1">
-            <a:schemeClr val="accent2"/>
-          </a:fillRef>
-          <a:effectRef idx="0">
-            <a:schemeClr val="accent2"/>
-          </a:effectRef>
-          <a:fontRef idx="minor">
-            <a:schemeClr val="lt1"/>
-          </a:fontRef>
-        </p:style>
-        <p:txBody>
-          <a:bodyPr rtlCol="0" anchor="ctr"/>
-          <a:lstStyle/>
-          <a:p>
-            <a:pPr algn="ctr"/>
-            <a:r>
-              <a:rPr lang="nl-BE" sz="1400" dirty="0" smtClean="0"/>
-              <a:t>sell</a:t>
-            </a:r>
-            <a:endParaRPr lang="en-US" sz="1400" dirty="0"/>
-          </a:p>
-        </p:txBody>
-      </p:sp>
-      <p:sp>
-        <p:nvSpPr>
-          <p:cNvPr id="19" name="Right Arrow 18"/>
-          <p:cNvSpPr/>
-          <p:nvPr/>
-        </p:nvSpPr>
-        <p:spPr>
-          <a:xfrm rot="5400000">
-            <a:off x="8707645" y="3374437"/>
-            <a:ext cx="1384641" cy="623663"/>
-          </a:xfrm>
-          <a:prstGeom prst="rightArrow">
-            <a:avLst/>
-          </a:prstGeom>
-        </p:spPr>
-        <p:style>
-          <a:lnRef idx="2">
-            <a:schemeClr val="accent1">
-              <a:shade val="50000"/>
-            </a:schemeClr>
-          </a:lnRef>
-          <a:fillRef idx="1">
-            <a:schemeClr val="accent1"/>
-          </a:fillRef>
-          <a:effectRef idx="0">
-            <a:schemeClr val="accent1"/>
-          </a:effectRef>
-          <a:fontRef idx="minor">
-            <a:schemeClr val="lt1"/>
-          </a:fontRef>
-        </p:style>
-        <p:txBody>
-          <a:bodyPr rtlCol="0" anchor="ctr"/>
-          <a:lstStyle/>
-          <a:p>
-            <a:pPr algn="ctr"/>
-            <a:r>
-              <a:rPr lang="nl-BE" sz="1400" dirty="0" smtClean="0"/>
-              <a:t>transfer_out</a:t>
-            </a:r>
-            <a:endParaRPr lang="en-US" sz="1400" dirty="0"/>
-          </a:p>
-        </p:txBody>
-      </p:sp>
-      <p:sp>
-        <p:nvSpPr>
-          <p:cNvPr id="20" name="Left Arrow 19"/>
-          <p:cNvSpPr/>
-          <p:nvPr/>
-        </p:nvSpPr>
-        <p:spPr>
-          <a:xfrm rot="5400000">
-            <a:off x="8202781" y="3347795"/>
-            <a:ext cx="1303533" cy="572322"/>
-          </a:xfrm>
-          <a:prstGeom prst="leftArrow">
-            <a:avLst/>
-          </a:prstGeom>
-        </p:spPr>
-        <p:style>
-          <a:lnRef idx="2">
-            <a:schemeClr val="accent1">
-              <a:shade val="50000"/>
-            </a:schemeClr>
-          </a:lnRef>
-          <a:fillRef idx="1">
-            <a:schemeClr val="accent1"/>
-          </a:fillRef>
-          <a:effectRef idx="0">
-            <a:schemeClr val="accent1"/>
-          </a:effectRef>
-          <a:fontRef idx="minor">
-            <a:schemeClr val="lt1"/>
-          </a:fontRef>
-        </p:style>
-        <p:txBody>
-          <a:bodyPr rtlCol="0" anchor="ctr"/>
-          <a:lstStyle/>
-          <a:p>
-            <a:pPr algn="ctr"/>
-            <a:r>
-              <a:rPr lang="nl-BE" sz="1400" dirty="0" smtClean="0"/>
-              <a:t>transfer_in</a:t>
-            </a:r>
-            <a:endParaRPr lang="en-US" sz="1400" dirty="0"/>
-          </a:p>
-        </p:txBody>
-      </p:sp>
-      <p:sp>
-        <p:nvSpPr>
-          <p:cNvPr id="24" name="Oval 23"/>
-          <p:cNvSpPr/>
-          <p:nvPr/>
-        </p:nvSpPr>
-        <p:spPr>
-          <a:xfrm>
-            <a:off x="7249416" y="3519453"/>
-            <a:ext cx="197352" cy="190774"/>
-          </a:xfrm>
-          <a:prstGeom prst="ellipse">
-            <a:avLst/>
-          </a:prstGeom>
-        </p:spPr>
-        <p:style>
-          <a:lnRef idx="2">
-            <a:schemeClr val="accent1">
-              <a:shade val="50000"/>
-            </a:schemeClr>
-          </a:lnRef>
-          <a:fillRef idx="1">
-            <a:schemeClr val="accent1"/>
-          </a:fillRef>
-          <a:effectRef idx="0">
-            <a:schemeClr val="accent1"/>
-          </a:effectRef>
-          <a:fontRef idx="minor">
-            <a:schemeClr val="lt1"/>
-          </a:fontRef>
-        </p:style>
-        <p:txBody>
-          <a:bodyPr rtlCol="0" anchor="ctr"/>
-          <a:lstStyle/>
-          <a:p>
-            <a:pPr algn="ctr"/>
-            <a:endParaRPr lang="en-US"/>
-          </a:p>
-        </p:txBody>
-      </p:sp>
-      <p:cxnSp>
-        <p:nvCxnSpPr>
-          <p:cNvPr id="26" name="Straight Arrow Connector 25"/>
-          <p:cNvCxnSpPr/>
-          <p:nvPr/>
-        </p:nvCxnSpPr>
-        <p:spPr>
-          <a:xfrm flipV="1">
-            <a:off x="7453347" y="2901083"/>
-            <a:ext cx="965793" cy="618878"/>
-          </a:xfrm>
-          <a:prstGeom prst="straightConnector1">
-            <a:avLst/>
-          </a:prstGeom>
-          <a:ln>
-            <a:tailEnd type="triangle"/>
-          </a:ln>
-        </p:spPr>
-        <p:style>
-          <a:lnRef idx="1">
-            <a:schemeClr val="accent1"/>
-          </a:lnRef>
-          <a:fillRef idx="0">
-            <a:schemeClr val="accent1"/>
-          </a:fillRef>
-          <a:effectRef idx="0">
-            <a:schemeClr val="accent1"/>
-          </a:effectRef>
-          <a:fontRef idx="minor">
-            <a:schemeClr val="tx1"/>
-          </a:fontRef>
-        </p:style>
-      </p:cxnSp>
-      <p:cxnSp>
-        <p:nvCxnSpPr>
-          <p:cNvPr id="28" name="Straight Arrow Connector 27"/>
-          <p:cNvCxnSpPr>
-            <a:stCxn id="24" idx="1"/>
-          </p:cNvCxnSpPr>
-          <p:nvPr/>
-        </p:nvCxnSpPr>
-        <p:spPr>
-          <a:xfrm flipH="1" flipV="1">
-            <a:off x="6619944" y="2907668"/>
-            <a:ext cx="658374" cy="639723"/>
-          </a:xfrm>
-          <a:prstGeom prst="straightConnector1">
-            <a:avLst/>
-          </a:prstGeom>
-          <a:ln>
-            <a:tailEnd type="triangle"/>
-          </a:ln>
-        </p:spPr>
-        <p:style>
-          <a:lnRef idx="1">
-            <a:schemeClr val="accent1"/>
-          </a:lnRef>
-          <a:fillRef idx="0">
-            <a:schemeClr val="accent1"/>
-          </a:fillRef>
-          <a:effectRef idx="0">
-            <a:schemeClr val="accent1"/>
-          </a:effectRef>
-          <a:fontRef idx="minor">
-            <a:schemeClr val="tx1"/>
-          </a:fontRef>
-        </p:style>
-      </p:cxnSp>
-      <p:sp>
-        <p:nvSpPr>
-          <p:cNvPr id="29" name="TextBox 28"/>
-          <p:cNvSpPr txBox="1"/>
-          <p:nvPr/>
-        </p:nvSpPr>
-        <p:spPr>
-          <a:xfrm>
-            <a:off x="6306234" y="3153683"/>
-            <a:ext cx="794466" cy="307777"/>
-          </a:xfrm>
-          <a:prstGeom prst="rect">
-            <a:avLst/>
-          </a:prstGeom>
-          <a:noFill/>
-        </p:spPr>
-        <p:txBody>
-          <a:bodyPr wrap="square" rtlCol="0">
-            <a:spAutoFit/>
-          </a:bodyPr>
-          <a:lstStyle/>
-          <a:p>
-            <a:r>
-              <a:rPr lang="nl-BE" sz="1400" dirty="0" smtClean="0">
-                <a:solidFill>
-                  <a:schemeClr val="bg1"/>
-                </a:solidFill>
-              </a:rPr>
-              <a:t>div_dist</a:t>
-            </a:r>
-            <a:endParaRPr lang="en-US" sz="1400" dirty="0">
-              <a:solidFill>
-                <a:schemeClr val="bg1"/>
-              </a:solidFill>
-            </a:endParaRPr>
-          </a:p>
-        </p:txBody>
-      </p:sp>
-      <p:sp>
-        <p:nvSpPr>
-          <p:cNvPr id="30" name="TextBox 29"/>
-          <p:cNvSpPr txBox="1"/>
-          <p:nvPr/>
-        </p:nvSpPr>
-        <p:spPr>
-          <a:xfrm>
-            <a:off x="7777658" y="3153683"/>
-            <a:ext cx="889320" cy="307777"/>
-          </a:xfrm>
-          <a:prstGeom prst="rect">
-            <a:avLst/>
-          </a:prstGeom>
-          <a:noFill/>
-        </p:spPr>
-        <p:txBody>
-          <a:bodyPr wrap="square" rtlCol="0">
-            <a:spAutoFit/>
-          </a:bodyPr>
-          <a:lstStyle/>
-          <a:p>
-            <a:r>
-              <a:rPr lang="nl-BE" sz="1400" dirty="0" smtClean="0">
-                <a:solidFill>
-                  <a:schemeClr val="bg1"/>
-                </a:solidFill>
-              </a:rPr>
-              <a:t>div_acc</a:t>
-            </a:r>
-            <a:endParaRPr lang="en-US" sz="1400" dirty="0">
-              <a:solidFill>
-                <a:schemeClr val="bg1"/>
-              </a:solidFill>
-            </a:endParaRPr>
-          </a:p>
-        </p:txBody>
-      </p:sp>
+      </p:pic>
     </p:spTree>
     <p:extLst>
       <p:ext uri="{BB962C8B-B14F-4D97-AF65-F5344CB8AC3E}">
-        <p14:creationId xmlns:p14="http://schemas.microsoft.com/office/powerpoint/2010/main" val="3277567736"/>
+        <p14:creationId xmlns:p14="http://schemas.microsoft.com/office/powerpoint/2010/main" val="612455152"/>
       </p:ext>
     </p:extLst>
   </p:cSld>
@@ -4138,7 +3342,7 @@
         </p:nvSpPr>
         <p:spPr>
           <a:xfrm>
-            <a:off x="109151" y="-203286"/>
+            <a:off x="68525" y="-207198"/>
             <a:ext cx="10515600" cy="1325563"/>
           </a:xfrm>
         </p:spPr>
@@ -4148,7 +3352,19 @@
           <a:p>
             <a:r>
               <a:rPr lang="en-BE" dirty="0" smtClean="0"/>
-              <a:t>setup DB</a:t>
+              <a:t>fx_rates</a:t>
+            </a:r>
+            <a:r>
+              <a:rPr lang="en-BE" dirty="0" smtClean="0"/>
+              <a:t>:</a:t>
+            </a:r>
+            <a:r>
+              <a:rPr lang="nl-BE" dirty="0" smtClean="0"/>
+              <a:t> </a:t>
+            </a:r>
+            <a:r>
+              <a:rPr lang="en-BE" dirty="0"/>
+              <a:t>schema</a:t>
             </a:r>
             <a:endParaRPr lang="en-US" dirty="0"/>
           </a:p>
@@ -4156,7 +3372,7 @@
       </p:sp>
       <p:sp>
         <p:nvSpPr>
-          <p:cNvPr id="10" name="Content Placeholder 2"/>
+          <p:cNvPr id="3" name="Content Placeholder 2"/>
           <p:cNvSpPr>
             <a:spLocks noGrp="1"/>
           </p:cNvSpPr>
@@ -4166,8 +3382,8 @@
         </p:nvSpPr>
         <p:spPr>
           <a:xfrm>
-            <a:off x="203931" y="1052547"/>
-            <a:ext cx="11368171" cy="5499556"/>
+            <a:off x="322174" y="965836"/>
+            <a:ext cx="5629310" cy="5499556"/>
           </a:xfrm>
         </p:spPr>
         <p:txBody>
@@ -4178,57 +3394,79 @@
           <a:p>
             <a:r>
               <a:rPr lang="en-BE" sz="1600" dirty="0" smtClean="0"/>
-              <a:t>Script to buil</a:t>
-            </a:r>
+              <a:t>fx_rates are stored with a daily interval</a:t>
+            </a:r>
+          </a:p>
+          <a:p>
+            <a:endParaRPr lang="en-BE" sz="1600" dirty="0" smtClean="0"/>
+          </a:p>
+          <a:p>
             <a:r>
               <a:rPr lang="en-BE" sz="1600" dirty="0" smtClean="0"/>
-              <a:t>d an empty db file available at</a:t>
-            </a:r>
-          </a:p>
-          <a:p>
-            <a:pPr marL="0" indent="0">
-              <a:buNone/>
-            </a:pPr>
+              <a:t>how to interpret EUR/USD = 1,1</a:t>
+            </a:r>
+          </a:p>
+          <a:p>
+            <a:pPr lvl="1"/>
             <a:r>
               <a:rPr lang="en-BE" sz="1600" dirty="0" smtClean="0"/>
-              <a:t>	</a:t>
-            </a:r>
-            <a:r>
-              <a:rPr lang="nl-BE" sz="1600" dirty="0" smtClean="0"/>
-              <a:t>scripts\</a:t>
-            </a:r>
-            <a:r>
-              <a:rPr lang="nl-BE" sz="1600" dirty="0" err="1" smtClean="0"/>
-              <a:t>setup_db.R</a:t>
+              <a:t>wrong: </a:t>
+            </a:r>
+          </a:p>
+          <a:p>
+            <a:pPr lvl="2"/>
+            <a:r>
+              <a:rPr lang="en-BE" sz="1600" dirty="0" smtClean="0"/>
+              <a:t>do not interpret / as a division, e.g. DO NOT read “euro PER usd”</a:t>
+            </a:r>
+          </a:p>
+          <a:p>
+            <a:pPr lvl="1"/>
+            <a:r>
+              <a:rPr lang="en-BE" sz="1600" dirty="0" smtClean="0"/>
+              <a:t>correct: </a:t>
+            </a:r>
+          </a:p>
+          <a:p>
+            <a:pPr lvl="2"/>
+            <a:r>
+              <a:rPr lang="en-BE" sz="1600" dirty="0" smtClean="0"/>
+              <a:t>interpret / as ‘to’, e.g. read from EUR to USD you multiply with 1,1</a:t>
             </a:r>
             <a:endParaRPr lang="en-BE" sz="1600" dirty="0"/>
           </a:p>
           <a:p>
-            <a:pPr marL="0" indent="0">
-              <a:buNone/>
-            </a:pPr>
+            <a:pPr lvl="2"/>
+            <a:r>
+              <a:rPr lang="en-BE" sz="1600" dirty="0" smtClean="0"/>
+              <a:t>1 euro = 1,1 USD</a:t>
+            </a:r>
+          </a:p>
+          <a:p>
+            <a:pPr lvl="2"/>
+            <a:r>
+              <a:rPr lang="en-US" sz="1600" dirty="0"/>
+              <a:t>You can think of it not as an exchange rate between currencies but as a comparison of the "strength" of one currency to the other</a:t>
+            </a:r>
+            <a:r>
+              <a:rPr lang="en-US" sz="1600" dirty="0" smtClean="0"/>
+              <a:t>.</a:t>
+            </a:r>
+            <a:endParaRPr lang="en-BE" sz="1600" dirty="0" smtClean="0"/>
+          </a:p>
+          <a:p>
+            <a:pPr lvl="2"/>
+            <a:r>
+              <a:rPr lang="en-US" sz="1600" dirty="0"/>
+              <a:t>So EUR/USD = 1.2 says with one EUR you can buy 1.2 times the consumer goods basket than you can buy with 1 USD.</a:t>
+            </a:r>
             <a:endParaRPr lang="en-BE" sz="1600" dirty="0"/>
-          </a:p>
-          <a:p>
-            <a:r>
-              <a:rPr lang="en-BE" sz="1600" dirty="0" smtClean="0"/>
-              <a:t>Make sure to uncomment the desired schema build calls before executing:</a:t>
-            </a:r>
-          </a:p>
-          <a:p>
-            <a:endParaRPr lang="en-BE" sz="1600" dirty="0" smtClean="0"/>
-          </a:p>
-          <a:p>
-            <a:pPr marL="0" indent="0">
-              <a:buNone/>
-            </a:pPr>
-            <a:endParaRPr lang="en-BE" sz="1600" dirty="0" smtClean="0"/>
           </a:p>
         </p:txBody>
       </p:sp>
       <p:pic>
         <p:nvPicPr>
-          <p:cNvPr id="3" name="Picture 2"/>
+          <p:cNvPr id="4" name="Picture 3"/>
           <p:cNvPicPr>
             <a:picLocks noChangeAspect="1"/>
           </p:cNvPicPr>
@@ -4242,8 +3480,32 @@
         </p:blipFill>
         <p:spPr>
           <a:xfrm>
-            <a:off x="3926662" y="3081374"/>
-            <a:ext cx="3482642" cy="2446232"/>
+            <a:off x="7749507" y="900832"/>
+            <a:ext cx="3787468" cy="815411"/>
+          </a:xfrm>
+          <a:prstGeom prst="rect">
+            <a:avLst/>
+          </a:prstGeom>
+        </p:spPr>
+      </p:pic>
+      <p:pic>
+        <p:nvPicPr>
+          <p:cNvPr id="7" name="Picture 6"/>
+          <p:cNvPicPr>
+            <a:picLocks noChangeAspect="1"/>
+          </p:cNvPicPr>
+          <p:nvPr/>
+        </p:nvPicPr>
+        <p:blipFill>
+          <a:blip r:embed="rId3"/>
+          <a:stretch>
+            <a:fillRect/>
+          </a:stretch>
+        </p:blipFill>
+        <p:spPr>
+          <a:xfrm>
+            <a:off x="7967603" y="2439887"/>
+            <a:ext cx="3635055" cy="2072820"/>
           </a:xfrm>
           <a:prstGeom prst="rect">
             <a:avLst/>
@@ -4253,7 +3515,7 @@
     </p:spTree>
     <p:extLst>
       <p:ext uri="{BB962C8B-B14F-4D97-AF65-F5344CB8AC3E}">
-        <p14:creationId xmlns:p14="http://schemas.microsoft.com/office/powerpoint/2010/main" val="1500446585"/>
+        <p14:creationId xmlns:p14="http://schemas.microsoft.com/office/powerpoint/2010/main" val="3970824759"/>
       </p:ext>
     </p:extLst>
   </p:cSld>
@@ -4273,17 +3535,6 @@
 <file path=ppt/slides/slide12.xml><?xml version="1.0" encoding="utf-8"?>
 <p:sld xmlns:a="http://schemas.openxmlformats.org/drawingml/2006/main" xmlns:r="http://schemas.openxmlformats.org/officeDocument/2006/relationships" xmlns:p="http://schemas.openxmlformats.org/presentationml/2006/main">
   <p:cSld>
-    <p:bg>
-      <p:bgPr>
-        <a:solidFill>
-          <a:schemeClr val="accent6">
-            <a:lumMod val="20000"/>
-            <a:lumOff val="80000"/>
-          </a:schemeClr>
-        </a:solidFill>
-        <a:effectLst/>
-      </p:bgPr>
-    </p:bg>
     <p:spTree>
       <p:nvGrpSpPr>
         <p:cNvPr id="1" name=""/>
@@ -4300,26 +3551,39 @@
       </p:grpSpPr>
       <p:sp>
         <p:nvSpPr>
-          <p:cNvPr id="4" name="Title 3"/>
+          <p:cNvPr id="2" name="Title 1"/>
           <p:cNvSpPr>
             <a:spLocks noGrp="1"/>
           </p:cNvSpPr>
           <p:nvPr>
-            <p:ph type="ctrTitle"/>
+            <p:ph type="title"/>
           </p:nvPr>
         </p:nvSpPr>
-        <p:spPr/>
+        <p:spPr>
+          <a:xfrm>
+            <a:off x="68525" y="-207198"/>
+            <a:ext cx="10515600" cy="1325563"/>
+          </a:xfrm>
+        </p:spPr>
         <p:txBody>
           <a:bodyPr/>
           <a:lstStyle/>
           <a:p>
             <a:r>
               <a:rPr lang="nl-BE" dirty="0" smtClean="0"/>
-              <a:t>import</a:t>
+              <a:t>transactions</a:t>
             </a:r>
             <a:r>
               <a:rPr lang="en-BE" dirty="0" smtClean="0"/>
-              <a:t>ing new data</a:t>
+              <a:t>:</a:t>
+            </a:r>
+            <a:r>
+              <a:rPr lang="nl-BE" dirty="0" smtClean="0"/>
+              <a:t> </a:t>
+            </a:r>
+            <a:r>
+              <a:rPr lang="en-BE" dirty="0"/>
+              <a:t>schema</a:t>
             </a:r>
             <a:endParaRPr lang="en-US" dirty="0"/>
           </a:p>
@@ -4327,32 +3591,147 @@
       </p:sp>
       <p:sp>
         <p:nvSpPr>
-          <p:cNvPr id="5" name="Subtitle 4"/>
+          <p:cNvPr id="3" name="Content Placeholder 2"/>
           <p:cNvSpPr>
             <a:spLocks noGrp="1"/>
           </p:cNvSpPr>
           <p:nvPr>
-            <p:ph type="subTitle" idx="1"/>
+            <p:ph idx="1"/>
           </p:nvPr>
         </p:nvSpPr>
-        <p:spPr/>
-        <p:txBody>
-          <a:bodyPr/>
-          <a:lstStyle/>
-          <a:p>
-            <a:endParaRPr lang="en-US"/>
-          </a:p>
-        </p:txBody>
-      </p:sp>
+        <p:spPr>
+          <a:xfrm>
+            <a:off x="203931" y="1052547"/>
+            <a:ext cx="11742475" cy="5499556"/>
+          </a:xfrm>
+        </p:spPr>
+        <p:txBody>
+          <a:bodyPr>
+            <a:normAutofit/>
+          </a:bodyPr>
+          <a:lstStyle/>
+          <a:p>
+            <a:r>
+              <a:rPr lang="nl-BE" sz="1600" dirty="0" smtClean="0"/>
+              <a:t>possible types of transactions:</a:t>
+            </a:r>
+          </a:p>
+          <a:p>
+            <a:pPr lvl="1"/>
+            <a:r>
+              <a:rPr lang="nl-BE" sz="1600" dirty="0" smtClean="0"/>
+              <a:t>buy: buy N amount of shares at price P</a:t>
+            </a:r>
+          </a:p>
+          <a:p>
+            <a:pPr lvl="1"/>
+            <a:r>
+              <a:rPr lang="nl-BE" sz="1600" dirty="0" smtClean="0"/>
+              <a:t>sell: sell N amount of shares at price P</a:t>
+            </a:r>
+          </a:p>
+          <a:p>
+            <a:pPr lvl="1"/>
+            <a:r>
+              <a:rPr lang="nl-BE" sz="1600" dirty="0" smtClean="0"/>
+              <a:t>transfer_in: bring in N shares from another broker</a:t>
+            </a:r>
+          </a:p>
+          <a:p>
+            <a:pPr lvl="1"/>
+            <a:r>
+              <a:rPr lang="nl-BE" sz="1600" dirty="0" smtClean="0"/>
+              <a:t>transfer_out: transfer out N shares to another broker</a:t>
+            </a:r>
+          </a:p>
+          <a:p>
+            <a:pPr lvl="1"/>
+            <a:r>
+              <a:rPr lang="nl-BE" sz="1600" dirty="0" smtClean="0"/>
+              <a:t>cash_in: bring in M money in your broker’s cash account</a:t>
+            </a:r>
+          </a:p>
+          <a:p>
+            <a:pPr lvl="1"/>
+            <a:r>
+              <a:rPr lang="nl-BE" sz="1600" dirty="0" smtClean="0"/>
+              <a:t>cash_out: take out M money from your broker’s cash account</a:t>
+            </a:r>
+          </a:p>
+          <a:p>
+            <a:pPr lvl="1"/>
+            <a:r>
+              <a:rPr lang="nl-BE" sz="1600" dirty="0" smtClean="0"/>
+              <a:t>div: receive dividend</a:t>
+            </a:r>
+          </a:p>
+          <a:p>
+            <a:pPr lvl="1"/>
+            <a:endParaRPr lang="nl-BE" sz="1600" dirty="0" smtClean="0"/>
+          </a:p>
+          <a:p>
+            <a:pPr lvl="1"/>
+            <a:endParaRPr lang="en-US" sz="1600" dirty="0"/>
+          </a:p>
+        </p:txBody>
+      </p:sp>
+      <p:pic>
+        <p:nvPicPr>
+          <p:cNvPr id="4" name="Picture 3"/>
+          <p:cNvPicPr>
+            <a:picLocks noChangeAspect="1"/>
+          </p:cNvPicPr>
+          <p:nvPr/>
+        </p:nvPicPr>
+        <p:blipFill>
+          <a:blip r:embed="rId2"/>
+          <a:stretch>
+            <a:fillRect/>
+          </a:stretch>
+        </p:blipFill>
+        <p:spPr>
+          <a:xfrm>
+            <a:off x="7393239" y="3129455"/>
+            <a:ext cx="4328095" cy="2521004"/>
+          </a:xfrm>
+          <a:prstGeom prst="rect">
+            <a:avLst/>
+          </a:prstGeom>
+        </p:spPr>
+      </p:pic>
+      <p:pic>
+        <p:nvPicPr>
+          <p:cNvPr id="5" name="Picture 4"/>
+          <p:cNvPicPr>
+            <a:picLocks noChangeAspect="1"/>
+          </p:cNvPicPr>
+          <p:nvPr/>
+        </p:nvPicPr>
+        <p:blipFill>
+          <a:blip r:embed="rId3"/>
+          <a:stretch>
+            <a:fillRect/>
+          </a:stretch>
+        </p:blipFill>
+        <p:spPr>
+          <a:xfrm>
+            <a:off x="7393239" y="1189310"/>
+            <a:ext cx="4099915" cy="1394581"/>
+          </a:xfrm>
+          <a:prstGeom prst="rect">
+            <a:avLst/>
+          </a:prstGeom>
+        </p:spPr>
+      </p:pic>
     </p:spTree>
     <p:extLst>
       <p:ext uri="{BB962C8B-B14F-4D97-AF65-F5344CB8AC3E}">
-        <p14:creationId xmlns:p14="http://schemas.microsoft.com/office/powerpoint/2010/main" val="1322926125"/>
+        <p14:creationId xmlns:p14="http://schemas.microsoft.com/office/powerpoint/2010/main" val="4146728882"/>
       </p:ext>
     </p:extLst>
   </p:cSld>
   <p:clrMapOvr>
-    <a:overrideClrMapping bg1="lt1" tx1="dk1" bg2="lt2" tx2="dk2" accent1="accent1" accent2="accent2" accent3="accent3" accent4="accent4" accent5="accent5" accent6="accent6" hlink="hlink" folHlink="folHlink"/>
+    <a:masterClrMapping/>
   </p:clrMapOvr>
   <p:timing>
     <p:tnLst>
@@ -4383,6 +3762,104 @@
       </p:grpSpPr>
       <p:sp>
         <p:nvSpPr>
+          <p:cNvPr id="23" name="Rectangle 22"/>
+          <p:cNvSpPr/>
+          <p:nvPr/>
+        </p:nvSpPr>
+        <p:spPr>
+          <a:xfrm>
+            <a:off x="3401042" y="4471454"/>
+            <a:ext cx="6624465" cy="2034601"/>
+          </a:xfrm>
+          <a:prstGeom prst="rect">
+            <a:avLst/>
+          </a:prstGeom>
+          <a:solidFill>
+            <a:schemeClr val="accent2">
+              <a:alpha val="50000"/>
+            </a:schemeClr>
+          </a:solidFill>
+        </p:spPr>
+        <p:style>
+          <a:lnRef idx="2">
+            <a:schemeClr val="accent2">
+              <a:shade val="50000"/>
+            </a:schemeClr>
+          </a:lnRef>
+          <a:fillRef idx="1">
+            <a:schemeClr val="accent2"/>
+          </a:fillRef>
+          <a:effectRef idx="0">
+            <a:schemeClr val="accent2"/>
+          </a:effectRef>
+          <a:fontRef idx="minor">
+            <a:schemeClr val="lt1"/>
+          </a:fontRef>
+        </p:style>
+        <p:txBody>
+          <a:bodyPr rtlCol="0" anchor="t" anchorCtr="0"/>
+          <a:lstStyle/>
+          <a:p>
+            <a:pPr algn="ctr"/>
+            <a:r>
+              <a:rPr lang="nl-BE" sz="1400" dirty="0" smtClean="0"/>
+              <a:t>BROKER B</a:t>
+            </a:r>
+            <a:endParaRPr lang="en-US" sz="1400" dirty="0"/>
+          </a:p>
+        </p:txBody>
+      </p:sp>
+      <p:sp>
+        <p:nvSpPr>
+          <p:cNvPr id="22" name="Rectangle 21"/>
+          <p:cNvSpPr/>
+          <p:nvPr/>
+        </p:nvSpPr>
+        <p:spPr>
+          <a:xfrm>
+            <a:off x="3401042" y="1194646"/>
+            <a:ext cx="6624465" cy="3253371"/>
+          </a:xfrm>
+          <a:prstGeom prst="rect">
+            <a:avLst/>
+          </a:prstGeom>
+          <a:solidFill>
+            <a:schemeClr val="accent1">
+              <a:alpha val="50000"/>
+            </a:schemeClr>
+          </a:solidFill>
+        </p:spPr>
+        <p:style>
+          <a:lnRef idx="2">
+            <a:schemeClr val="accent1">
+              <a:shade val="50000"/>
+            </a:schemeClr>
+          </a:lnRef>
+          <a:fillRef idx="1">
+            <a:schemeClr val="accent1"/>
+          </a:fillRef>
+          <a:effectRef idx="0">
+            <a:schemeClr val="accent1"/>
+          </a:effectRef>
+          <a:fontRef idx="minor">
+            <a:schemeClr val="lt1"/>
+          </a:fontRef>
+        </p:style>
+        <p:txBody>
+          <a:bodyPr rtlCol="0" anchor="t" anchorCtr="0"/>
+          <a:lstStyle/>
+          <a:p>
+            <a:pPr algn="ctr"/>
+            <a:r>
+              <a:rPr lang="nl-BE" sz="1400" dirty="0" smtClean="0"/>
+              <a:t>BROKER A</a:t>
+            </a:r>
+            <a:endParaRPr lang="en-US" sz="1400" dirty="0"/>
+          </a:p>
+        </p:txBody>
+      </p:sp>
+      <p:sp>
+        <p:nvSpPr>
           <p:cNvPr id="2" name="Title 1"/>
           <p:cNvSpPr>
             <a:spLocks noGrp="1"/>
@@ -4393,7 +3870,7 @@
         </p:nvSpPr>
         <p:spPr>
           <a:xfrm>
-            <a:off x="68525" y="-207198"/>
+            <a:off x="57561" y="-218393"/>
             <a:ext cx="10515600" cy="1325563"/>
           </a:xfrm>
         </p:spPr>
@@ -4402,8 +3879,20 @@
           <a:lstStyle/>
           <a:p>
             <a:r>
+              <a:rPr lang="nl-BE" dirty="0" smtClean="0"/>
+              <a:t>transactions</a:t>
+            </a:r>
+            <a:r>
               <a:rPr lang="en-BE" dirty="0" smtClean="0"/>
-              <a:t>FX: import</a:t>
+              <a:t>: flows</a:t>
+            </a:r>
+            <a:r>
+              <a:rPr lang="nl-BE" dirty="0" smtClean="0"/>
+              <a:t> </a:t>
+            </a:r>
+            <a:r>
+              <a:rPr lang="nl-BE" dirty="0" smtClean="0"/>
+              <a:t>visualised</a:t>
             </a:r>
             <a:endParaRPr lang="en-US" dirty="0"/>
           </a:p>
@@ -4411,179 +3900,852 @@
       </p:sp>
       <p:sp>
         <p:nvSpPr>
-          <p:cNvPr id="3" name="Content Placeholder 2"/>
-          <p:cNvSpPr>
-            <a:spLocks noGrp="1"/>
-          </p:cNvSpPr>
-          <p:nvPr>
-            <p:ph idx="1"/>
-          </p:nvPr>
-        </p:nvSpPr>
-        <p:spPr>
-          <a:xfrm>
-            <a:off x="203931" y="1052547"/>
-            <a:ext cx="11742475" cy="5499556"/>
-          </a:xfrm>
-        </p:spPr>
-        <p:txBody>
-          <a:bodyPr>
-            <a:normAutofit/>
+          <p:cNvPr id="4" name="Rectangle 3"/>
+          <p:cNvSpPr/>
+          <p:nvPr/>
+        </p:nvSpPr>
+        <p:spPr>
+          <a:xfrm>
+            <a:off x="5248344" y="1501167"/>
+            <a:ext cx="1371600" cy="1399916"/>
+          </a:xfrm>
+          <a:prstGeom prst="rect">
+            <a:avLst/>
+          </a:prstGeom>
+        </p:spPr>
+        <p:style>
+          <a:lnRef idx="2">
+            <a:schemeClr val="accent1">
+              <a:shade val="50000"/>
+            </a:schemeClr>
+          </a:lnRef>
+          <a:fillRef idx="1">
+            <a:schemeClr val="accent1"/>
+          </a:fillRef>
+          <a:effectRef idx="0">
+            <a:schemeClr val="accent1"/>
+          </a:effectRef>
+          <a:fontRef idx="minor">
+            <a:schemeClr val="lt1"/>
+          </a:fontRef>
+        </p:style>
+        <p:txBody>
+          <a:bodyPr rtlCol="0" anchor="t" anchorCtr="0"/>
+          <a:lstStyle/>
+          <a:p>
+            <a:pPr algn="ctr"/>
+            <a:r>
+              <a:rPr lang="nl-BE" sz="1400" dirty="0" smtClean="0"/>
+              <a:t>CASH ACCOUNT</a:t>
+            </a:r>
+            <a:endParaRPr lang="en-US" sz="1400" dirty="0"/>
+          </a:p>
+        </p:txBody>
+      </p:sp>
+      <p:sp>
+        <p:nvSpPr>
+          <p:cNvPr id="5" name="Rectangle 4"/>
+          <p:cNvSpPr/>
+          <p:nvPr/>
+        </p:nvSpPr>
+        <p:spPr>
+          <a:xfrm>
+            <a:off x="8419140" y="1501167"/>
+            <a:ext cx="1371600" cy="1399916"/>
+          </a:xfrm>
+          <a:prstGeom prst="rect">
+            <a:avLst/>
+          </a:prstGeom>
+        </p:spPr>
+        <p:style>
+          <a:lnRef idx="2">
+            <a:schemeClr val="accent1">
+              <a:shade val="50000"/>
+            </a:schemeClr>
+          </a:lnRef>
+          <a:fillRef idx="1">
+            <a:schemeClr val="accent1"/>
+          </a:fillRef>
+          <a:effectRef idx="0">
+            <a:schemeClr val="accent1"/>
+          </a:effectRef>
+          <a:fontRef idx="minor">
+            <a:schemeClr val="lt1"/>
+          </a:fontRef>
+        </p:style>
+        <p:txBody>
+          <a:bodyPr rtlCol="0" anchor="t" anchorCtr="0"/>
+          <a:lstStyle/>
+          <a:p>
+            <a:pPr algn="ctr"/>
+            <a:r>
+              <a:rPr lang="nl-BE" sz="1400" dirty="0" smtClean="0"/>
+              <a:t>STOCKS ACCOUNT</a:t>
+            </a:r>
+            <a:endParaRPr lang="en-US" sz="1400" dirty="0"/>
+          </a:p>
+        </p:txBody>
+      </p:sp>
+      <p:sp>
+        <p:nvSpPr>
+          <p:cNvPr id="6" name="Rectangle 5"/>
+          <p:cNvSpPr/>
+          <p:nvPr/>
+        </p:nvSpPr>
+        <p:spPr>
+          <a:xfrm>
+            <a:off x="1893351" y="1194647"/>
+            <a:ext cx="1371600" cy="5311408"/>
+          </a:xfrm>
+          <a:prstGeom prst="rect">
+            <a:avLst/>
+          </a:prstGeom>
+        </p:spPr>
+        <p:style>
+          <a:lnRef idx="2">
+            <a:schemeClr val="accent6">
+              <a:shade val="50000"/>
+            </a:schemeClr>
+          </a:lnRef>
+          <a:fillRef idx="1">
+            <a:schemeClr val="accent6"/>
+          </a:fillRef>
+          <a:effectRef idx="0">
+            <a:schemeClr val="accent6"/>
+          </a:effectRef>
+          <a:fontRef idx="minor">
+            <a:schemeClr val="lt1"/>
+          </a:fontRef>
+        </p:style>
+        <p:txBody>
+          <a:bodyPr rtlCol="0" anchor="t" anchorCtr="0"/>
+          <a:lstStyle/>
+          <a:p>
+            <a:pPr algn="ctr"/>
+            <a:r>
+              <a:rPr lang="nl-BE" sz="1400" dirty="0" smtClean="0"/>
+              <a:t>EXTERNAL WORLD</a:t>
+            </a:r>
+            <a:endParaRPr lang="en-US" sz="1400" dirty="0"/>
+          </a:p>
+        </p:txBody>
+      </p:sp>
+      <p:sp>
+        <p:nvSpPr>
+          <p:cNvPr id="7" name="Rectangle 6"/>
+          <p:cNvSpPr/>
+          <p:nvPr/>
+        </p:nvSpPr>
+        <p:spPr>
+          <a:xfrm>
+            <a:off x="5248344" y="4795665"/>
+            <a:ext cx="1371600" cy="1443849"/>
+          </a:xfrm>
+          <a:prstGeom prst="rect">
+            <a:avLst/>
+          </a:prstGeom>
+        </p:spPr>
+        <p:style>
+          <a:lnRef idx="2">
+            <a:schemeClr val="accent2">
+              <a:shade val="50000"/>
+            </a:schemeClr>
+          </a:lnRef>
+          <a:fillRef idx="1">
+            <a:schemeClr val="accent2"/>
+          </a:fillRef>
+          <a:effectRef idx="0">
+            <a:schemeClr val="accent2"/>
+          </a:effectRef>
+          <a:fontRef idx="minor">
+            <a:schemeClr val="lt1"/>
+          </a:fontRef>
+        </p:style>
+        <p:txBody>
+          <a:bodyPr rtlCol="0" anchor="t" anchorCtr="0"/>
+          <a:lstStyle/>
+          <a:p>
+            <a:pPr algn="ctr"/>
+            <a:r>
+              <a:rPr lang="nl-BE" sz="1400" dirty="0" smtClean="0"/>
+              <a:t>CASH ACCOUNT</a:t>
+            </a:r>
+            <a:endParaRPr lang="en-US" sz="1400" dirty="0"/>
+          </a:p>
+        </p:txBody>
+      </p:sp>
+      <p:sp>
+        <p:nvSpPr>
+          <p:cNvPr id="8" name="Rectangle 7"/>
+          <p:cNvSpPr/>
+          <p:nvPr/>
+        </p:nvSpPr>
+        <p:spPr>
+          <a:xfrm>
+            <a:off x="8419140" y="4795665"/>
+            <a:ext cx="1371600" cy="1443849"/>
+          </a:xfrm>
+          <a:prstGeom prst="rect">
+            <a:avLst/>
+          </a:prstGeom>
+        </p:spPr>
+        <p:style>
+          <a:lnRef idx="2">
+            <a:schemeClr val="accent2">
+              <a:shade val="50000"/>
+            </a:schemeClr>
+          </a:lnRef>
+          <a:fillRef idx="1">
+            <a:schemeClr val="accent2"/>
+          </a:fillRef>
+          <a:effectRef idx="0">
+            <a:schemeClr val="accent2"/>
+          </a:effectRef>
+          <a:fontRef idx="minor">
+            <a:schemeClr val="lt1"/>
+          </a:fontRef>
+        </p:style>
+        <p:txBody>
+          <a:bodyPr rtlCol="0" anchor="t" anchorCtr="0"/>
+          <a:lstStyle/>
+          <a:p>
+            <a:pPr algn="ctr"/>
+            <a:r>
+              <a:rPr lang="nl-BE" sz="1400" dirty="0" smtClean="0"/>
+              <a:t>STOCKS ACCOUNT</a:t>
+            </a:r>
+            <a:endParaRPr lang="en-US" sz="1400" dirty="0"/>
+          </a:p>
+        </p:txBody>
+      </p:sp>
+      <p:sp>
+        <p:nvSpPr>
+          <p:cNvPr id="11" name="Right Arrow 10"/>
+          <p:cNvSpPr/>
+          <p:nvPr/>
+        </p:nvSpPr>
+        <p:spPr>
+          <a:xfrm>
+            <a:off x="3512875" y="1501165"/>
+            <a:ext cx="1572241" cy="623663"/>
+          </a:xfrm>
+          <a:prstGeom prst="rightArrow">
+            <a:avLst/>
+          </a:prstGeom>
+        </p:spPr>
+        <p:style>
+          <a:lnRef idx="2">
+            <a:schemeClr val="accent6">
+              <a:shade val="50000"/>
+            </a:schemeClr>
+          </a:lnRef>
+          <a:fillRef idx="1">
+            <a:schemeClr val="accent6"/>
+          </a:fillRef>
+          <a:effectRef idx="0">
+            <a:schemeClr val="accent6"/>
+          </a:effectRef>
+          <a:fontRef idx="minor">
+            <a:schemeClr val="lt1"/>
+          </a:fontRef>
+        </p:style>
+        <p:txBody>
+          <a:bodyPr rtlCol="0" anchor="ctr"/>
+          <a:lstStyle/>
+          <a:p>
+            <a:pPr algn="ctr"/>
+            <a:r>
+              <a:rPr lang="nl-BE" sz="1400" dirty="0" smtClean="0"/>
+              <a:t>cash_in</a:t>
+            </a:r>
+            <a:endParaRPr lang="en-US" sz="1400" dirty="0"/>
+          </a:p>
+        </p:txBody>
+      </p:sp>
+      <p:sp>
+        <p:nvSpPr>
+          <p:cNvPr id="12" name="Left Arrow 11"/>
+          <p:cNvSpPr/>
+          <p:nvPr/>
+        </p:nvSpPr>
+        <p:spPr>
+          <a:xfrm>
+            <a:off x="3473404" y="2131413"/>
+            <a:ext cx="1480144" cy="572322"/>
+          </a:xfrm>
+          <a:prstGeom prst="leftArrow">
+            <a:avLst/>
+          </a:prstGeom>
+        </p:spPr>
+        <p:style>
+          <a:lnRef idx="2">
+            <a:schemeClr val="accent6">
+              <a:shade val="50000"/>
+            </a:schemeClr>
+          </a:lnRef>
+          <a:fillRef idx="1">
+            <a:schemeClr val="accent6"/>
+          </a:fillRef>
+          <a:effectRef idx="0">
+            <a:schemeClr val="accent6"/>
+          </a:effectRef>
+          <a:fontRef idx="minor">
+            <a:schemeClr val="lt1"/>
+          </a:fontRef>
+        </p:style>
+        <p:txBody>
+          <a:bodyPr rtlCol="0" anchor="ctr"/>
+          <a:lstStyle/>
+          <a:p>
+            <a:pPr algn="ctr"/>
+            <a:r>
+              <a:rPr lang="nl-BE" sz="1400" dirty="0" smtClean="0"/>
+              <a:t>cash_out</a:t>
+            </a:r>
+            <a:endParaRPr lang="en-US" sz="1400" dirty="0"/>
+          </a:p>
+        </p:txBody>
+      </p:sp>
+      <p:sp>
+        <p:nvSpPr>
+          <p:cNvPr id="13" name="Right Arrow 12"/>
+          <p:cNvSpPr/>
+          <p:nvPr/>
+        </p:nvSpPr>
+        <p:spPr>
+          <a:xfrm>
+            <a:off x="6792215" y="1580110"/>
+            <a:ext cx="1572241" cy="623663"/>
+          </a:xfrm>
+          <a:prstGeom prst="rightArrow">
+            <a:avLst/>
+          </a:prstGeom>
+        </p:spPr>
+        <p:style>
+          <a:lnRef idx="2">
+            <a:schemeClr val="accent1">
+              <a:shade val="50000"/>
+            </a:schemeClr>
+          </a:lnRef>
+          <a:fillRef idx="1">
+            <a:schemeClr val="accent1"/>
+          </a:fillRef>
+          <a:effectRef idx="0">
+            <a:schemeClr val="accent1"/>
+          </a:effectRef>
+          <a:fontRef idx="minor">
+            <a:schemeClr val="lt1"/>
+          </a:fontRef>
+        </p:style>
+        <p:txBody>
+          <a:bodyPr rtlCol="0" anchor="ctr"/>
+          <a:lstStyle/>
+          <a:p>
+            <a:pPr algn="ctr"/>
+            <a:r>
+              <a:rPr lang="nl-BE" sz="1400" dirty="0" smtClean="0"/>
+              <a:t>buy</a:t>
+            </a:r>
+            <a:endParaRPr lang="en-US" sz="1400" dirty="0"/>
+          </a:p>
+        </p:txBody>
+      </p:sp>
+      <p:sp>
+        <p:nvSpPr>
+          <p:cNvPr id="14" name="Left Arrow 13"/>
+          <p:cNvSpPr/>
+          <p:nvPr/>
+        </p:nvSpPr>
+        <p:spPr>
+          <a:xfrm>
+            <a:off x="6752744" y="2210358"/>
+            <a:ext cx="1480144" cy="572322"/>
+          </a:xfrm>
+          <a:prstGeom prst="leftArrow">
+            <a:avLst/>
+          </a:prstGeom>
+        </p:spPr>
+        <p:style>
+          <a:lnRef idx="2">
+            <a:schemeClr val="accent1">
+              <a:shade val="50000"/>
+            </a:schemeClr>
+          </a:lnRef>
+          <a:fillRef idx="1">
+            <a:schemeClr val="accent1"/>
+          </a:fillRef>
+          <a:effectRef idx="0">
+            <a:schemeClr val="accent1"/>
+          </a:effectRef>
+          <a:fontRef idx="minor">
+            <a:schemeClr val="lt1"/>
+          </a:fontRef>
+        </p:style>
+        <p:txBody>
+          <a:bodyPr rtlCol="0" anchor="ctr"/>
+          <a:lstStyle/>
+          <a:p>
+            <a:pPr algn="ctr"/>
+            <a:r>
+              <a:rPr lang="nl-BE" sz="1400" dirty="0" smtClean="0"/>
+              <a:t>sell</a:t>
+            </a:r>
+            <a:endParaRPr lang="en-US" sz="1400" dirty="0"/>
+          </a:p>
+        </p:txBody>
+      </p:sp>
+      <p:sp>
+        <p:nvSpPr>
+          <p:cNvPr id="15" name="Right Arrow 14"/>
+          <p:cNvSpPr/>
+          <p:nvPr/>
+        </p:nvSpPr>
+        <p:spPr>
+          <a:xfrm>
+            <a:off x="3488619" y="4825155"/>
+            <a:ext cx="1572241" cy="623663"/>
+          </a:xfrm>
+          <a:prstGeom prst="rightArrow">
+            <a:avLst/>
+          </a:prstGeom>
+        </p:spPr>
+        <p:style>
+          <a:lnRef idx="2">
+            <a:schemeClr val="accent6">
+              <a:shade val="50000"/>
+            </a:schemeClr>
+          </a:lnRef>
+          <a:fillRef idx="1">
+            <a:schemeClr val="accent6"/>
+          </a:fillRef>
+          <a:effectRef idx="0">
+            <a:schemeClr val="accent6"/>
+          </a:effectRef>
+          <a:fontRef idx="minor">
+            <a:schemeClr val="lt1"/>
+          </a:fontRef>
+        </p:style>
+        <p:txBody>
+          <a:bodyPr rtlCol="0" anchor="ctr"/>
+          <a:lstStyle/>
+          <a:p>
+            <a:pPr algn="ctr"/>
+            <a:r>
+              <a:rPr lang="nl-BE" sz="1400" dirty="0" smtClean="0"/>
+              <a:t>cash_in</a:t>
+            </a:r>
+            <a:endParaRPr lang="en-US" sz="1400" dirty="0"/>
+          </a:p>
+        </p:txBody>
+      </p:sp>
+      <p:sp>
+        <p:nvSpPr>
+          <p:cNvPr id="16" name="Left Arrow 15"/>
+          <p:cNvSpPr/>
+          <p:nvPr/>
+        </p:nvSpPr>
+        <p:spPr>
+          <a:xfrm>
+            <a:off x="3449148" y="5679063"/>
+            <a:ext cx="1480144" cy="572322"/>
+          </a:xfrm>
+          <a:prstGeom prst="leftArrow">
+            <a:avLst/>
+          </a:prstGeom>
+        </p:spPr>
+        <p:style>
+          <a:lnRef idx="2">
+            <a:schemeClr val="accent6">
+              <a:shade val="50000"/>
+            </a:schemeClr>
+          </a:lnRef>
+          <a:fillRef idx="1">
+            <a:schemeClr val="accent6"/>
+          </a:fillRef>
+          <a:effectRef idx="0">
+            <a:schemeClr val="accent6"/>
+          </a:effectRef>
+          <a:fontRef idx="minor">
+            <a:schemeClr val="lt1"/>
+          </a:fontRef>
+        </p:style>
+        <p:txBody>
+          <a:bodyPr rtlCol="0" anchor="ctr"/>
+          <a:lstStyle/>
+          <a:p>
+            <a:pPr algn="ctr"/>
+            <a:r>
+              <a:rPr lang="nl-BE" sz="1400" dirty="0" smtClean="0"/>
+              <a:t>cash_out</a:t>
+            </a:r>
+            <a:endParaRPr lang="en-US" sz="1400" dirty="0"/>
+          </a:p>
+        </p:txBody>
+      </p:sp>
+      <p:sp>
+        <p:nvSpPr>
+          <p:cNvPr id="17" name="Right Arrow 16"/>
+          <p:cNvSpPr/>
+          <p:nvPr/>
+        </p:nvSpPr>
+        <p:spPr>
+          <a:xfrm>
+            <a:off x="6767959" y="4825155"/>
+            <a:ext cx="1572241" cy="623663"/>
+          </a:xfrm>
+          <a:prstGeom prst="rightArrow">
+            <a:avLst/>
+          </a:prstGeom>
+        </p:spPr>
+        <p:style>
+          <a:lnRef idx="2">
+            <a:schemeClr val="accent2">
+              <a:shade val="50000"/>
+            </a:schemeClr>
+          </a:lnRef>
+          <a:fillRef idx="1">
+            <a:schemeClr val="accent2"/>
+          </a:fillRef>
+          <a:effectRef idx="0">
+            <a:schemeClr val="accent2"/>
+          </a:effectRef>
+          <a:fontRef idx="minor">
+            <a:schemeClr val="lt1"/>
+          </a:fontRef>
+        </p:style>
+        <p:txBody>
+          <a:bodyPr rtlCol="0" anchor="ctr"/>
+          <a:lstStyle/>
+          <a:p>
+            <a:pPr algn="ctr"/>
+            <a:r>
+              <a:rPr lang="nl-BE" sz="1400" dirty="0" smtClean="0"/>
+              <a:t>buy</a:t>
+            </a:r>
+            <a:endParaRPr lang="en-US" sz="1400" dirty="0"/>
+          </a:p>
+        </p:txBody>
+      </p:sp>
+      <p:sp>
+        <p:nvSpPr>
+          <p:cNvPr id="18" name="Left Arrow 17"/>
+          <p:cNvSpPr/>
+          <p:nvPr/>
+        </p:nvSpPr>
+        <p:spPr>
+          <a:xfrm>
+            <a:off x="6728488" y="5679063"/>
+            <a:ext cx="1480144" cy="572322"/>
+          </a:xfrm>
+          <a:prstGeom prst="leftArrow">
+            <a:avLst/>
+          </a:prstGeom>
+        </p:spPr>
+        <p:style>
+          <a:lnRef idx="2">
+            <a:schemeClr val="accent2">
+              <a:shade val="50000"/>
+            </a:schemeClr>
+          </a:lnRef>
+          <a:fillRef idx="1">
+            <a:schemeClr val="accent2"/>
+          </a:fillRef>
+          <a:effectRef idx="0">
+            <a:schemeClr val="accent2"/>
+          </a:effectRef>
+          <a:fontRef idx="minor">
+            <a:schemeClr val="lt1"/>
+          </a:fontRef>
+        </p:style>
+        <p:txBody>
+          <a:bodyPr rtlCol="0" anchor="ctr"/>
+          <a:lstStyle/>
+          <a:p>
+            <a:pPr algn="ctr"/>
+            <a:r>
+              <a:rPr lang="nl-BE" sz="1400" dirty="0" smtClean="0"/>
+              <a:t>sell</a:t>
+            </a:r>
+            <a:endParaRPr lang="en-US" sz="1400" dirty="0"/>
+          </a:p>
+        </p:txBody>
+      </p:sp>
+      <p:sp>
+        <p:nvSpPr>
+          <p:cNvPr id="19" name="Right Arrow 18"/>
+          <p:cNvSpPr/>
+          <p:nvPr/>
+        </p:nvSpPr>
+        <p:spPr>
+          <a:xfrm rot="5400000">
+            <a:off x="8707645" y="3374437"/>
+            <a:ext cx="1384641" cy="623663"/>
+          </a:xfrm>
+          <a:prstGeom prst="rightArrow">
+            <a:avLst/>
+          </a:prstGeom>
+        </p:spPr>
+        <p:style>
+          <a:lnRef idx="2">
+            <a:schemeClr val="accent1">
+              <a:shade val="50000"/>
+            </a:schemeClr>
+          </a:lnRef>
+          <a:fillRef idx="1">
+            <a:schemeClr val="accent1"/>
+          </a:fillRef>
+          <a:effectRef idx="0">
+            <a:schemeClr val="accent1"/>
+          </a:effectRef>
+          <a:fontRef idx="minor">
+            <a:schemeClr val="lt1"/>
+          </a:fontRef>
+        </p:style>
+        <p:txBody>
+          <a:bodyPr rtlCol="0" anchor="ctr"/>
+          <a:lstStyle/>
+          <a:p>
+            <a:pPr algn="ctr"/>
+            <a:r>
+              <a:rPr lang="nl-BE" sz="1400" dirty="0" smtClean="0"/>
+              <a:t>transfer_out</a:t>
+            </a:r>
+            <a:endParaRPr lang="en-US" sz="1400" dirty="0"/>
+          </a:p>
+        </p:txBody>
+      </p:sp>
+      <p:sp>
+        <p:nvSpPr>
+          <p:cNvPr id="20" name="Left Arrow 19"/>
+          <p:cNvSpPr/>
+          <p:nvPr/>
+        </p:nvSpPr>
+        <p:spPr>
+          <a:xfrm rot="5400000">
+            <a:off x="8202781" y="3347795"/>
+            <a:ext cx="1303533" cy="572322"/>
+          </a:xfrm>
+          <a:prstGeom prst="leftArrow">
+            <a:avLst/>
+          </a:prstGeom>
+        </p:spPr>
+        <p:style>
+          <a:lnRef idx="2">
+            <a:schemeClr val="accent1">
+              <a:shade val="50000"/>
+            </a:schemeClr>
+          </a:lnRef>
+          <a:fillRef idx="1">
+            <a:schemeClr val="accent1"/>
+          </a:fillRef>
+          <a:effectRef idx="0">
+            <a:schemeClr val="accent1"/>
+          </a:effectRef>
+          <a:fontRef idx="minor">
+            <a:schemeClr val="lt1"/>
+          </a:fontRef>
+        </p:style>
+        <p:txBody>
+          <a:bodyPr rtlCol="0" anchor="ctr"/>
+          <a:lstStyle/>
+          <a:p>
+            <a:pPr algn="ctr"/>
+            <a:r>
+              <a:rPr lang="nl-BE" sz="1400" dirty="0" smtClean="0"/>
+              <a:t>transfer_in</a:t>
+            </a:r>
+            <a:endParaRPr lang="en-US" sz="1400" dirty="0"/>
+          </a:p>
+        </p:txBody>
+      </p:sp>
+      <p:sp>
+        <p:nvSpPr>
+          <p:cNvPr id="24" name="Oval 23"/>
+          <p:cNvSpPr/>
+          <p:nvPr/>
+        </p:nvSpPr>
+        <p:spPr>
+          <a:xfrm>
+            <a:off x="7249416" y="3519453"/>
+            <a:ext cx="197352" cy="190774"/>
+          </a:xfrm>
+          <a:prstGeom prst="ellipse">
+            <a:avLst/>
+          </a:prstGeom>
+        </p:spPr>
+        <p:style>
+          <a:lnRef idx="2">
+            <a:schemeClr val="accent1">
+              <a:shade val="50000"/>
+            </a:schemeClr>
+          </a:lnRef>
+          <a:fillRef idx="1">
+            <a:schemeClr val="accent1"/>
+          </a:fillRef>
+          <a:effectRef idx="0">
+            <a:schemeClr val="accent1"/>
+          </a:effectRef>
+          <a:fontRef idx="minor">
+            <a:schemeClr val="lt1"/>
+          </a:fontRef>
+        </p:style>
+        <p:txBody>
+          <a:bodyPr rtlCol="0" anchor="ctr"/>
+          <a:lstStyle/>
+          <a:p>
+            <a:pPr algn="ctr"/>
+            <a:endParaRPr lang="en-US"/>
+          </a:p>
+        </p:txBody>
+      </p:sp>
+      <p:cxnSp>
+        <p:nvCxnSpPr>
+          <p:cNvPr id="26" name="Straight Arrow Connector 25"/>
+          <p:cNvCxnSpPr/>
+          <p:nvPr/>
+        </p:nvCxnSpPr>
+        <p:spPr>
+          <a:xfrm flipV="1">
+            <a:off x="7453347" y="2901083"/>
+            <a:ext cx="965793" cy="618878"/>
+          </a:xfrm>
+          <a:prstGeom prst="straightConnector1">
+            <a:avLst/>
+          </a:prstGeom>
+          <a:ln>
+            <a:tailEnd type="triangle"/>
+          </a:ln>
+        </p:spPr>
+        <p:style>
+          <a:lnRef idx="1">
+            <a:schemeClr val="accent1"/>
+          </a:lnRef>
+          <a:fillRef idx="0">
+            <a:schemeClr val="accent1"/>
+          </a:fillRef>
+          <a:effectRef idx="0">
+            <a:schemeClr val="accent1"/>
+          </a:effectRef>
+          <a:fontRef idx="minor">
+            <a:schemeClr val="tx1"/>
+          </a:fontRef>
+        </p:style>
+      </p:cxnSp>
+      <p:cxnSp>
+        <p:nvCxnSpPr>
+          <p:cNvPr id="28" name="Straight Arrow Connector 27"/>
+          <p:cNvCxnSpPr>
+            <a:stCxn id="24" idx="1"/>
+          </p:cNvCxnSpPr>
+          <p:nvPr/>
+        </p:nvCxnSpPr>
+        <p:spPr>
+          <a:xfrm flipH="1" flipV="1">
+            <a:off x="6619944" y="2907668"/>
+            <a:ext cx="658374" cy="639723"/>
+          </a:xfrm>
+          <a:prstGeom prst="straightConnector1">
+            <a:avLst/>
+          </a:prstGeom>
+          <a:ln>
+            <a:tailEnd type="triangle"/>
+          </a:ln>
+        </p:spPr>
+        <p:style>
+          <a:lnRef idx="1">
+            <a:schemeClr val="accent1"/>
+          </a:lnRef>
+          <a:fillRef idx="0">
+            <a:schemeClr val="accent1"/>
+          </a:fillRef>
+          <a:effectRef idx="0">
+            <a:schemeClr val="accent1"/>
+          </a:effectRef>
+          <a:fontRef idx="minor">
+            <a:schemeClr val="tx1"/>
+          </a:fontRef>
+        </p:style>
+      </p:cxnSp>
+      <p:sp>
+        <p:nvSpPr>
+          <p:cNvPr id="29" name="TextBox 28"/>
+          <p:cNvSpPr txBox="1"/>
+          <p:nvPr/>
+        </p:nvSpPr>
+        <p:spPr>
+          <a:xfrm>
+            <a:off x="6306234" y="3153683"/>
+            <a:ext cx="794466" cy="307777"/>
+          </a:xfrm>
+          <a:prstGeom prst="rect">
+            <a:avLst/>
+          </a:prstGeom>
+          <a:noFill/>
+        </p:spPr>
+        <p:txBody>
+          <a:bodyPr wrap="square" rtlCol="0">
+            <a:spAutoFit/>
           </a:bodyPr>
           <a:lstStyle/>
           <a:p>
             <a:r>
-              <a:rPr lang="en-BE" sz="1600" dirty="0" smtClean="0"/>
-              <a:t>manual update in the webapp</a:t>
-            </a:r>
-          </a:p>
-          <a:p>
-            <a:pPr lvl="1"/>
-            <a:r>
-              <a:rPr lang="en-BE" sz="1600" dirty="0" smtClean="0"/>
-              <a:t>uses </a:t>
-            </a:r>
-            <a:r>
-              <a:rPr lang="nl-BE" sz="1600" dirty="0" err="1" smtClean="0"/>
-              <a:t>oanda</a:t>
-            </a:r>
-            <a:r>
-              <a:rPr lang="en-BE" sz="1600" dirty="0"/>
-              <a:t> </a:t>
-            </a:r>
-            <a:r>
-              <a:rPr lang="en-BE" sz="1600" dirty="0" smtClean="0"/>
-              <a:t>API through the wrapper in the quantmod package</a:t>
-            </a:r>
-          </a:p>
-          <a:p>
-            <a:pPr lvl="1"/>
-            <a:r>
-              <a:rPr lang="en-BE" sz="1600" dirty="0" smtClean="0"/>
-              <a:t>only 6 months history</a:t>
-            </a:r>
-          </a:p>
-          <a:p>
-            <a:pPr marL="457200" lvl="1" indent="0">
-              <a:buNone/>
-            </a:pPr>
-            <a:endParaRPr lang="en-BE" sz="1600" dirty="0" smtClean="0"/>
-          </a:p>
-          <a:p>
-            <a:r>
-              <a:rPr lang="en-BE" sz="1600" dirty="0" smtClean="0"/>
-              <a:t>manual data ingest via scripts: excelrates</a:t>
-            </a:r>
-          </a:p>
-          <a:p>
-            <a:pPr lvl="1"/>
-            <a:r>
-              <a:rPr lang="nl-BE" sz="1200" dirty="0"/>
-              <a:t>scripts\</a:t>
-            </a:r>
-            <a:r>
-              <a:rPr lang="nl-BE" sz="1200" dirty="0" err="1"/>
-              <a:t>forex_data_import</a:t>
-            </a:r>
-            <a:r>
-              <a:rPr lang="nl-BE" sz="1200" dirty="0"/>
-              <a:t>\</a:t>
-            </a:r>
-            <a:r>
-              <a:rPr lang="nl-BE" sz="1200" dirty="0" err="1"/>
-              <a:t>excelrates</a:t>
-            </a:r>
-            <a:endParaRPr lang="en-BE" sz="1200" dirty="0" smtClean="0"/>
-          </a:p>
-          <a:p>
-            <a:pPr lvl="1"/>
-            <a:r>
-              <a:rPr lang="en-BE" sz="1600" dirty="0" smtClean="0"/>
-              <a:t>website seems to be no longer working</a:t>
-            </a:r>
-          </a:p>
-          <a:p>
-            <a:pPr marL="457200" lvl="1" indent="0">
-              <a:buNone/>
-            </a:pPr>
-            <a:endParaRPr lang="en-BE" sz="1600" dirty="0" smtClean="0"/>
-          </a:p>
-          <a:p>
-            <a:r>
-              <a:rPr lang="en-BE" sz="1600" dirty="0" smtClean="0"/>
-              <a:t>manual </a:t>
-            </a:r>
-            <a:r>
-              <a:rPr lang="en-BE" sz="1600" dirty="0"/>
-              <a:t>data ingest via scripts: forexsb</a:t>
-            </a:r>
-            <a:endParaRPr lang="en-BE" sz="1600" dirty="0" smtClean="0"/>
-          </a:p>
-          <a:p>
-            <a:pPr lvl="1"/>
-            <a:r>
-              <a:rPr lang="nl-BE" sz="1600" dirty="0"/>
-              <a:t>scripts\</a:t>
-            </a:r>
-            <a:r>
-              <a:rPr lang="nl-BE" sz="1600" dirty="0" err="1"/>
-              <a:t>forex_data_import</a:t>
-            </a:r>
-            <a:r>
-              <a:rPr lang="nl-BE" sz="1600" dirty="0"/>
-              <a:t>\</a:t>
-            </a:r>
-            <a:r>
-              <a:rPr lang="nl-BE" sz="1600" dirty="0" err="1"/>
-              <a:t>forexsb</a:t>
-            </a:r>
-            <a:endParaRPr lang="en-BE" sz="1600" dirty="0" smtClean="0"/>
-          </a:p>
-          <a:p>
-            <a:pPr lvl="1"/>
-            <a:r>
-              <a:rPr lang="en-BE" sz="1600" dirty="0" smtClean="0"/>
-              <a:t>parser for </a:t>
-            </a:r>
-            <a:r>
-              <a:rPr lang="nl-BE" sz="1200" dirty="0" smtClean="0"/>
-              <a:t>https</a:t>
-            </a:r>
-            <a:r>
-              <a:rPr lang="nl-BE" sz="1200" dirty="0"/>
-              <a:t>://forexsb.com/historical-forex-data</a:t>
-            </a:r>
-            <a:endParaRPr lang="nl-BE" sz="1200" dirty="0"/>
-          </a:p>
-        </p:txBody>
-      </p:sp>
-      <p:pic>
-        <p:nvPicPr>
-          <p:cNvPr id="6" name="Picture 5"/>
-          <p:cNvPicPr>
-            <a:picLocks noChangeAspect="1"/>
-          </p:cNvPicPr>
-          <p:nvPr/>
-        </p:nvPicPr>
-        <p:blipFill>
-          <a:blip r:embed="rId2"/>
-          <a:stretch>
-            <a:fillRect/>
-          </a:stretch>
-        </p:blipFill>
-        <p:spPr>
-          <a:xfrm>
-            <a:off x="7283670" y="252999"/>
-            <a:ext cx="4233844" cy="2631393"/>
+              <a:rPr lang="nl-BE" sz="1400" dirty="0" smtClean="0">
+                <a:solidFill>
+                  <a:schemeClr val="bg1"/>
+                </a:solidFill>
+              </a:rPr>
+              <a:t>div_dist</a:t>
+            </a:r>
+            <a:endParaRPr lang="en-US" sz="1400" dirty="0">
+              <a:solidFill>
+                <a:schemeClr val="bg1"/>
+              </a:solidFill>
+            </a:endParaRPr>
+          </a:p>
+        </p:txBody>
+      </p:sp>
+      <p:sp>
+        <p:nvSpPr>
+          <p:cNvPr id="30" name="TextBox 29"/>
+          <p:cNvSpPr txBox="1"/>
+          <p:nvPr/>
+        </p:nvSpPr>
+        <p:spPr>
+          <a:xfrm>
+            <a:off x="7777658" y="3153683"/>
+            <a:ext cx="889320" cy="307777"/>
           </a:xfrm>
           <a:prstGeom prst="rect">
             <a:avLst/>
           </a:prstGeom>
-        </p:spPr>
-      </p:pic>
+          <a:noFill/>
+        </p:spPr>
+        <p:txBody>
+          <a:bodyPr wrap="square" rtlCol="0">
+            <a:spAutoFit/>
+          </a:bodyPr>
+          <a:lstStyle/>
+          <a:p>
+            <a:r>
+              <a:rPr lang="nl-BE" sz="1400" dirty="0" smtClean="0">
+                <a:solidFill>
+                  <a:schemeClr val="bg1"/>
+                </a:solidFill>
+              </a:rPr>
+              <a:t>div_acc</a:t>
+            </a:r>
+            <a:endParaRPr lang="en-US" sz="1400" dirty="0">
+              <a:solidFill>
+                <a:schemeClr val="bg1"/>
+              </a:solidFill>
+            </a:endParaRPr>
+          </a:p>
+        </p:txBody>
+      </p:sp>
     </p:spTree>
     <p:extLst>
       <p:ext uri="{BB962C8B-B14F-4D97-AF65-F5344CB8AC3E}">
-        <p14:creationId xmlns:p14="http://schemas.microsoft.com/office/powerpoint/2010/main" val="2846798314"/>
+        <p14:creationId xmlns:p14="http://schemas.microsoft.com/office/powerpoint/2010/main" val="3277567736"/>
       </p:ext>
     </p:extLst>
   </p:cSld>
@@ -4629,7 +4791,7 @@
         </p:nvSpPr>
         <p:spPr>
           <a:xfrm>
-            <a:off x="68525" y="-207198"/>
+            <a:off x="109151" y="-203286"/>
             <a:ext cx="10515600" cy="1325563"/>
           </a:xfrm>
         </p:spPr>
@@ -4638,8 +4800,8 @@
           <a:lstStyle/>
           <a:p>
             <a:r>
-              <a:rPr lang="nl-BE" dirty="0" smtClean="0"/>
-              <a:t>BOLERO import xlsx</a:t>
+              <a:rPr lang="en-BE" dirty="0" smtClean="0"/>
+              <a:t>setup DB</a:t>
             </a:r>
             <a:endParaRPr lang="en-US" dirty="0"/>
           </a:p>
@@ -4647,7 +4809,7 @@
       </p:sp>
       <p:sp>
         <p:nvSpPr>
-          <p:cNvPr id="3" name="Content Placeholder 2"/>
+          <p:cNvPr id="10" name="Content Placeholder 2"/>
           <p:cNvSpPr>
             <a:spLocks noGrp="1"/>
           </p:cNvSpPr>
@@ -4657,8 +4819,8 @@
         </p:nvSpPr>
         <p:spPr>
           <a:xfrm>
-            <a:off x="203932" y="1052547"/>
-            <a:ext cx="4837626" cy="5499556"/>
+            <a:off x="203931" y="1052547"/>
+            <a:ext cx="11368171" cy="5499556"/>
           </a:xfrm>
         </p:spPr>
         <p:txBody>
@@ -4668,87 +4830,58 @@
           <a:lstStyle/>
           <a:p>
             <a:r>
-              <a:rPr lang="nl-BE" sz="2400" dirty="0"/>
-              <a:t>log in op bolero</a:t>
-            </a:r>
-          </a:p>
-          <a:p>
-            <a:r>
-              <a:rPr lang="nl-BE" sz="2400" dirty="0"/>
-              <a:t>gaar naar portefeuille</a:t>
-            </a:r>
-          </a:p>
-          <a:p>
-            <a:r>
-              <a:rPr lang="nl-BE" sz="2400" dirty="0"/>
-              <a:t>dan naar historiek</a:t>
-            </a:r>
-          </a:p>
-          <a:p>
-            <a:r>
-              <a:rPr lang="nl-BE" sz="2400" dirty="0"/>
-              <a:t>selecteer data en plak het in </a:t>
-            </a:r>
-            <a:r>
-              <a:rPr lang="nl-BE" sz="2400" dirty="0" smtClean="0"/>
-              <a:t>excel (via notepad tussenstap wordt html formatting verwijderd)</a:t>
-            </a:r>
-            <a:endParaRPr lang="nl-BE" sz="2400" dirty="0"/>
-          </a:p>
-          <a:p>
-            <a:endParaRPr lang="nl-BE" sz="2400" dirty="0" smtClean="0"/>
-          </a:p>
-          <a:p>
-            <a:r>
-              <a:rPr lang="nl-BE" sz="2400" dirty="0"/>
-              <a:t>voeg een </a:t>
-            </a:r>
-            <a:r>
-              <a:rPr lang="nl-BE" sz="2400" i="1" dirty="0"/>
-              <a:t>symbol</a:t>
-            </a:r>
-            <a:r>
-              <a:rPr lang="nl-BE" sz="2400" dirty="0"/>
-              <a:t> kolom toe</a:t>
-            </a:r>
-          </a:p>
-          <a:p>
-            <a:r>
-              <a:rPr lang="nl-BE" sz="2400" dirty="0"/>
-              <a:t>vul het </a:t>
-            </a:r>
-            <a:r>
-              <a:rPr lang="nl-BE" sz="2400" dirty="0" smtClean="0"/>
-              <a:t>RIC als symbol in (minstens </a:t>
-            </a:r>
-            <a:r>
-              <a:rPr lang="nl-BE" sz="2400" dirty="0"/>
-              <a:t>1x per nieuwe </a:t>
-            </a:r>
-            <a:r>
-              <a:rPr lang="nl-BE" sz="2400" dirty="0" smtClean="0"/>
-              <a:t>stock)</a:t>
-            </a:r>
-            <a:endParaRPr lang="nl-BE" sz="2400" dirty="0"/>
-          </a:p>
-          <a:p>
-            <a:r>
-              <a:rPr lang="nl-BE" sz="2400" dirty="0"/>
-              <a:t>als er geen ‘nieuwe’ stocks zijn gekocht dan hoef je geen symbol in te vullen</a:t>
-            </a:r>
-            <a:endParaRPr lang="en-US" sz="2400" dirty="0"/>
-          </a:p>
-          <a:p>
-            <a:endParaRPr lang="en-US" sz="2400" dirty="0"/>
-          </a:p>
-          <a:p>
-            <a:endParaRPr lang="nl-BE" sz="2200" dirty="0" smtClean="0"/>
+              <a:rPr lang="en-BE" sz="1600" dirty="0" smtClean="0"/>
+              <a:t>Script to buil</a:t>
+            </a:r>
+            <a:r>
+              <a:rPr lang="en-BE" sz="1600" dirty="0" smtClean="0"/>
+              <a:t>d an empty db file available at</a:t>
+            </a:r>
+          </a:p>
+          <a:p>
+            <a:pPr marL="0" indent="0">
+              <a:buNone/>
+            </a:pPr>
+            <a:r>
+              <a:rPr lang="en-BE" sz="1600" dirty="0" smtClean="0"/>
+              <a:t>	</a:t>
+            </a:r>
+            <a:r>
+              <a:rPr lang="nl-BE" sz="1600" dirty="0" smtClean="0"/>
+              <a:t>scripts\</a:t>
+            </a:r>
+            <a:r>
+              <a:rPr lang="nl-BE" sz="1600" dirty="0" err="1" smtClean="0"/>
+              <a:t>setup_db.R</a:t>
+            </a:r>
+            <a:endParaRPr lang="en-BE" sz="1600" dirty="0"/>
+          </a:p>
+          <a:p>
+            <a:pPr marL="0" indent="0">
+              <a:buNone/>
+            </a:pPr>
+            <a:endParaRPr lang="en-BE" sz="1600" dirty="0"/>
+          </a:p>
+          <a:p>
+            <a:r>
+              <a:rPr lang="en-BE" sz="1600" dirty="0" smtClean="0"/>
+              <a:t>Make sure to uncomment the desired schema build calls before executing:</a:t>
+            </a:r>
+          </a:p>
+          <a:p>
+            <a:endParaRPr lang="en-BE" sz="1600" dirty="0" smtClean="0"/>
+          </a:p>
+          <a:p>
+            <a:pPr marL="0" indent="0">
+              <a:buNone/>
+            </a:pPr>
+            <a:endParaRPr lang="en-BE" sz="1600" dirty="0" smtClean="0"/>
           </a:p>
         </p:txBody>
       </p:sp>
       <p:pic>
         <p:nvPicPr>
-          <p:cNvPr id="4" name="Content Placeholder 5"/>
+          <p:cNvPr id="3" name="Picture 2"/>
           <p:cNvPicPr>
             <a:picLocks noChangeAspect="1"/>
           </p:cNvPicPr>
@@ -4762,32 +4895,8 @@
         </p:blipFill>
         <p:spPr>
           <a:xfrm>
-            <a:off x="5235555" y="213069"/>
-            <a:ext cx="6650373" cy="2956440"/>
-          </a:xfrm>
-          <a:prstGeom prst="rect">
-            <a:avLst/>
-          </a:prstGeom>
-        </p:spPr>
-      </p:pic>
-      <p:pic>
-        <p:nvPicPr>
-          <p:cNvPr id="5" name="Picture 4"/>
-          <p:cNvPicPr>
-            <a:picLocks noChangeAspect="1"/>
-          </p:cNvPicPr>
-          <p:nvPr/>
-        </p:nvPicPr>
-        <p:blipFill>
-          <a:blip r:embed="rId3"/>
-          <a:stretch>
-            <a:fillRect/>
-          </a:stretch>
-        </p:blipFill>
-        <p:spPr>
-          <a:xfrm>
-            <a:off x="5283034" y="4063365"/>
-            <a:ext cx="6555414" cy="1720215"/>
+            <a:off x="3926662" y="3081374"/>
+            <a:ext cx="3482642" cy="2446232"/>
           </a:xfrm>
           <a:prstGeom prst="rect">
             <a:avLst/>
@@ -4797,7 +4906,7 @@
     </p:spTree>
     <p:extLst>
       <p:ext uri="{BB962C8B-B14F-4D97-AF65-F5344CB8AC3E}">
-        <p14:creationId xmlns:p14="http://schemas.microsoft.com/office/powerpoint/2010/main" val="8355119"/>
+        <p14:creationId xmlns:p14="http://schemas.microsoft.com/office/powerpoint/2010/main" val="1500446585"/>
       </p:ext>
     </p:extLst>
   </p:cSld>
@@ -4815,231 +4924,6 @@
 </file>
 
 <file path=ppt/slides/slide15.xml><?xml version="1.0" encoding="utf-8"?>
-<p:sld xmlns:a="http://schemas.openxmlformats.org/drawingml/2006/main" xmlns:r="http://schemas.openxmlformats.org/officeDocument/2006/relationships" xmlns:p="http://schemas.openxmlformats.org/presentationml/2006/main">
-  <p:cSld>
-    <p:spTree>
-      <p:nvGrpSpPr>
-        <p:cNvPr id="1" name=""/>
-        <p:cNvGrpSpPr/>
-        <p:nvPr/>
-      </p:nvGrpSpPr>
-      <p:grpSpPr>
-        <a:xfrm>
-          <a:off x="0" y="0"/>
-          <a:ext cx="0" cy="0"/>
-          <a:chOff x="0" y="0"/>
-          <a:chExt cx="0" cy="0"/>
-        </a:xfrm>
-      </p:grpSpPr>
-      <p:sp>
-        <p:nvSpPr>
-          <p:cNvPr id="2" name="Title 1"/>
-          <p:cNvSpPr>
-            <a:spLocks noGrp="1"/>
-          </p:cNvSpPr>
-          <p:nvPr>
-            <p:ph type="title"/>
-          </p:nvPr>
-        </p:nvSpPr>
-        <p:spPr>
-          <a:xfrm>
-            <a:off x="68525" y="-207198"/>
-            <a:ext cx="10515600" cy="1325563"/>
-          </a:xfrm>
-        </p:spPr>
-        <p:txBody>
-          <a:bodyPr/>
-          <a:lstStyle/>
-          <a:p>
-            <a:r>
-              <a:rPr lang="nl-BE"/>
-              <a:t>SAXO import xlsx</a:t>
-            </a:r>
-            <a:endParaRPr lang="en-US" dirty="0"/>
-          </a:p>
-        </p:txBody>
-      </p:sp>
-      <p:sp>
-        <p:nvSpPr>
-          <p:cNvPr id="3" name="Content Placeholder 2"/>
-          <p:cNvSpPr>
-            <a:spLocks noGrp="1"/>
-          </p:cNvSpPr>
-          <p:nvPr>
-            <p:ph idx="1"/>
-          </p:nvPr>
-        </p:nvSpPr>
-        <p:spPr>
-          <a:xfrm>
-            <a:off x="203932" y="1052547"/>
-            <a:ext cx="4837626" cy="5499556"/>
-          </a:xfrm>
-        </p:spPr>
-        <p:txBody>
-          <a:bodyPr>
-            <a:normAutofit/>
-          </a:bodyPr>
-          <a:lstStyle/>
-          <a:p>
-            <a:r>
-              <a:rPr lang="nl-BE" sz="2400" dirty="0"/>
-              <a:t>log in </a:t>
-            </a:r>
-            <a:r>
-              <a:rPr lang="nl-BE" sz="2400"/>
-              <a:t>op </a:t>
-            </a:r>
-            <a:r>
-              <a:rPr lang="nl-BE" sz="2400" smtClean="0"/>
-              <a:t>Saxo Investor</a:t>
-            </a:r>
-            <a:endParaRPr lang="nl-BE" sz="2400" dirty="0"/>
-          </a:p>
-          <a:p>
-            <a:r>
-              <a:rPr lang="nl-BE" sz="2400" dirty="0"/>
-              <a:t>gaar naar </a:t>
-            </a:r>
-            <a:r>
-              <a:rPr lang="nl-BE" sz="2400" dirty="0" smtClean="0"/>
-              <a:t>transacties</a:t>
-            </a:r>
-            <a:endParaRPr lang="nl-BE" sz="2400" dirty="0"/>
-          </a:p>
-          <a:p>
-            <a:r>
-              <a:rPr lang="nl-BE" sz="2400" dirty="0" smtClean="0"/>
-              <a:t>plaats aangepaste periode</a:t>
-            </a:r>
-            <a:endParaRPr lang="nl-BE" sz="2400" dirty="0"/>
-          </a:p>
-          <a:p>
-            <a:r>
-              <a:rPr lang="nl-BE" sz="2400" dirty="0" smtClean="0"/>
-              <a:t>exporteer als excel</a:t>
-            </a:r>
-            <a:endParaRPr lang="nl-BE" sz="2400" dirty="0"/>
-          </a:p>
-          <a:p>
-            <a:endParaRPr lang="nl-BE" sz="2400" dirty="0" smtClean="0"/>
-          </a:p>
-          <a:p>
-            <a:r>
-              <a:rPr lang="nl-BE" sz="2400" dirty="0"/>
-              <a:t>voeg een </a:t>
-            </a:r>
-            <a:r>
-              <a:rPr lang="nl-BE" sz="2400" i="1" dirty="0"/>
-              <a:t>symbol</a:t>
-            </a:r>
-            <a:r>
-              <a:rPr lang="nl-BE" sz="2400" dirty="0"/>
-              <a:t> kolom toe</a:t>
-            </a:r>
-          </a:p>
-          <a:p>
-            <a:r>
-              <a:rPr lang="nl-BE" sz="2400" dirty="0"/>
-              <a:t>vul het </a:t>
-            </a:r>
-            <a:r>
-              <a:rPr lang="nl-BE" sz="2400" dirty="0" smtClean="0"/>
-              <a:t>RIC als symbol in (minstens </a:t>
-            </a:r>
-            <a:r>
-              <a:rPr lang="nl-BE" sz="2400" dirty="0"/>
-              <a:t>1x per nieuwe </a:t>
-            </a:r>
-            <a:r>
-              <a:rPr lang="nl-BE" sz="2400" dirty="0" smtClean="0"/>
-              <a:t>stock)</a:t>
-            </a:r>
-            <a:endParaRPr lang="nl-BE" sz="2400" dirty="0"/>
-          </a:p>
-          <a:p>
-            <a:r>
-              <a:rPr lang="nl-BE" sz="2400" dirty="0"/>
-              <a:t>als er geen ‘nieuwe’ stocks zijn gekocht dan hoef je geen symbol in te vullen</a:t>
-            </a:r>
-            <a:endParaRPr lang="en-US" sz="2400" dirty="0"/>
-          </a:p>
-          <a:p>
-            <a:endParaRPr lang="en-US" sz="2400" dirty="0"/>
-          </a:p>
-          <a:p>
-            <a:endParaRPr lang="nl-BE" sz="2200" dirty="0" smtClean="0"/>
-          </a:p>
-        </p:txBody>
-      </p:sp>
-      <p:pic>
-        <p:nvPicPr>
-          <p:cNvPr id="6" name="Picture 5"/>
-          <p:cNvPicPr>
-            <a:picLocks noChangeAspect="1"/>
-          </p:cNvPicPr>
-          <p:nvPr/>
-        </p:nvPicPr>
-        <p:blipFill>
-          <a:blip r:embed="rId2"/>
-          <a:stretch>
-            <a:fillRect/>
-          </a:stretch>
-        </p:blipFill>
-        <p:spPr>
-          <a:xfrm>
-            <a:off x="7737781" y="21292"/>
-            <a:ext cx="2400629" cy="4461714"/>
-          </a:xfrm>
-          <a:prstGeom prst="rect">
-            <a:avLst/>
-          </a:prstGeom>
-        </p:spPr>
-      </p:pic>
-      <p:pic>
-        <p:nvPicPr>
-          <p:cNvPr id="7" name="Picture 6"/>
-          <p:cNvPicPr>
-            <a:picLocks noChangeAspect="1"/>
-          </p:cNvPicPr>
-          <p:nvPr/>
-        </p:nvPicPr>
-        <p:blipFill>
-          <a:blip r:embed="rId3"/>
-          <a:stretch>
-            <a:fillRect/>
-          </a:stretch>
-        </p:blipFill>
-        <p:spPr>
-          <a:xfrm>
-            <a:off x="546833" y="5742751"/>
-            <a:ext cx="11473718" cy="829842"/>
-          </a:xfrm>
-          <a:prstGeom prst="rect">
-            <a:avLst/>
-          </a:prstGeom>
-        </p:spPr>
-      </p:pic>
-    </p:spTree>
-    <p:extLst>
-      <p:ext uri="{BB962C8B-B14F-4D97-AF65-F5344CB8AC3E}">
-        <p14:creationId xmlns:p14="http://schemas.microsoft.com/office/powerpoint/2010/main" val="703887595"/>
-      </p:ext>
-    </p:extLst>
-  </p:cSld>
-  <p:clrMapOvr>
-    <a:masterClrMapping/>
-  </p:clrMapOvr>
-  <p:timing>
-    <p:tnLst>
-      <p:par>
-        <p:cTn id="1" dur="indefinite" restart="never" nodeType="tmRoot"/>
-      </p:par>
-    </p:tnLst>
-  </p:timing>
-</p:sld>
-</file>
-
-<file path=ppt/slides/slide16.xml><?xml version="1.0" encoding="utf-8"?>
 <p:sld xmlns:a="http://schemas.openxmlformats.org/drawingml/2006/main" xmlns:r="http://schemas.openxmlformats.org/officeDocument/2006/relationships" xmlns:p="http://schemas.openxmlformats.org/presentationml/2006/main">
   <p:cSld>
     <p:bg>
@@ -5083,8 +4967,12 @@
           <a:lstStyle/>
           <a:p>
             <a:r>
+              <a:rPr lang="nl-BE" dirty="0" smtClean="0"/>
+              <a:t>import</a:t>
+            </a:r>
+            <a:r>
               <a:rPr lang="en-BE" dirty="0" smtClean="0"/>
-              <a:t>how to run and use the app</a:t>
+              <a:t>ing new data</a:t>
             </a:r>
             <a:endParaRPr lang="en-US" dirty="0"/>
           </a:p>
@@ -5112,12 +5000,248 @@
     </p:spTree>
     <p:extLst>
       <p:ext uri="{BB962C8B-B14F-4D97-AF65-F5344CB8AC3E}">
-        <p14:creationId xmlns:p14="http://schemas.microsoft.com/office/powerpoint/2010/main" val="3712414989"/>
+        <p14:creationId xmlns:p14="http://schemas.microsoft.com/office/powerpoint/2010/main" val="1322926125"/>
       </p:ext>
     </p:extLst>
   </p:cSld>
   <p:clrMapOvr>
     <a:overrideClrMapping bg1="lt1" tx1="dk1" bg2="lt2" tx2="dk2" accent1="accent1" accent2="accent2" accent3="accent3" accent4="accent4" accent5="accent5" accent6="accent6" hlink="hlink" folHlink="folHlink"/>
+  </p:clrMapOvr>
+  <p:timing>
+    <p:tnLst>
+      <p:par>
+        <p:cTn id="1" dur="indefinite" restart="never" nodeType="tmRoot"/>
+      </p:par>
+    </p:tnLst>
+  </p:timing>
+</p:sld>
+</file>
+
+<file path=ppt/slides/slide16.xml><?xml version="1.0" encoding="utf-8"?>
+<p:sld xmlns:a="http://schemas.openxmlformats.org/drawingml/2006/main" xmlns:r="http://schemas.openxmlformats.org/officeDocument/2006/relationships" xmlns:p="http://schemas.openxmlformats.org/presentationml/2006/main">
+  <p:cSld>
+    <p:spTree>
+      <p:nvGrpSpPr>
+        <p:cNvPr id="1" name=""/>
+        <p:cNvGrpSpPr/>
+        <p:nvPr/>
+      </p:nvGrpSpPr>
+      <p:grpSpPr>
+        <a:xfrm>
+          <a:off x="0" y="0"/>
+          <a:ext cx="0" cy="0"/>
+          <a:chOff x="0" y="0"/>
+          <a:chExt cx="0" cy="0"/>
+        </a:xfrm>
+      </p:grpSpPr>
+      <p:sp>
+        <p:nvSpPr>
+          <p:cNvPr id="2" name="Title 1"/>
+          <p:cNvSpPr>
+            <a:spLocks noGrp="1"/>
+          </p:cNvSpPr>
+          <p:nvPr>
+            <p:ph type="title"/>
+          </p:nvPr>
+        </p:nvSpPr>
+        <p:spPr>
+          <a:xfrm>
+            <a:off x="68525" y="-207198"/>
+            <a:ext cx="10515600" cy="1325563"/>
+          </a:xfrm>
+        </p:spPr>
+        <p:txBody>
+          <a:bodyPr/>
+          <a:lstStyle/>
+          <a:p>
+            <a:r>
+              <a:rPr lang="en-BE" dirty="0" smtClean="0"/>
+              <a:t>FX: import</a:t>
+            </a:r>
+            <a:endParaRPr lang="en-US" dirty="0"/>
+          </a:p>
+        </p:txBody>
+      </p:sp>
+      <p:sp>
+        <p:nvSpPr>
+          <p:cNvPr id="3" name="Content Placeholder 2"/>
+          <p:cNvSpPr>
+            <a:spLocks noGrp="1"/>
+          </p:cNvSpPr>
+          <p:nvPr>
+            <p:ph idx="1"/>
+          </p:nvPr>
+        </p:nvSpPr>
+        <p:spPr>
+          <a:xfrm>
+            <a:off x="203931" y="1052547"/>
+            <a:ext cx="11742475" cy="5499556"/>
+          </a:xfrm>
+        </p:spPr>
+        <p:txBody>
+          <a:bodyPr>
+            <a:normAutofit/>
+          </a:bodyPr>
+          <a:lstStyle/>
+          <a:p>
+            <a:r>
+              <a:rPr lang="en-BE" sz="1600" dirty="0" smtClean="0"/>
+              <a:t>manual update in the webapp</a:t>
+            </a:r>
+          </a:p>
+          <a:p>
+            <a:pPr lvl="1"/>
+            <a:r>
+              <a:rPr lang="en-BE" sz="1600" dirty="0" smtClean="0"/>
+              <a:t>uses </a:t>
+            </a:r>
+            <a:r>
+              <a:rPr lang="nl-BE" sz="1600" dirty="0" err="1" smtClean="0"/>
+              <a:t>oanda</a:t>
+            </a:r>
+            <a:r>
+              <a:rPr lang="en-BE" sz="1600" dirty="0"/>
+              <a:t> </a:t>
+            </a:r>
+            <a:r>
+              <a:rPr lang="en-BE" sz="1600" dirty="0" smtClean="0"/>
+              <a:t>API through the wrapper in the quantmod package</a:t>
+            </a:r>
+          </a:p>
+          <a:p>
+            <a:pPr lvl="1"/>
+            <a:r>
+              <a:rPr lang="en-BE" sz="1600" dirty="0" smtClean="0"/>
+              <a:t>only 6 months history</a:t>
+            </a:r>
+          </a:p>
+          <a:p>
+            <a:pPr marL="457200" lvl="1" indent="0">
+              <a:buNone/>
+            </a:pPr>
+            <a:endParaRPr lang="en-BE" sz="1600" dirty="0" smtClean="0"/>
+          </a:p>
+          <a:p>
+            <a:r>
+              <a:rPr lang="en-BE" sz="1600" dirty="0" smtClean="0"/>
+              <a:t>manual data ingest via scripts: excelrates</a:t>
+            </a:r>
+          </a:p>
+          <a:p>
+            <a:pPr lvl="1"/>
+            <a:r>
+              <a:rPr lang="nl-BE" sz="1200" dirty="0"/>
+              <a:t>scripts\</a:t>
+            </a:r>
+            <a:r>
+              <a:rPr lang="nl-BE" sz="1200" dirty="0" err="1"/>
+              <a:t>forex_data_import</a:t>
+            </a:r>
+            <a:r>
+              <a:rPr lang="nl-BE" sz="1200" dirty="0"/>
+              <a:t>\</a:t>
+            </a:r>
+            <a:r>
+              <a:rPr lang="nl-BE" sz="1200" dirty="0" err="1"/>
+              <a:t>excelrates</a:t>
+            </a:r>
+            <a:endParaRPr lang="en-BE" sz="1200" dirty="0" smtClean="0"/>
+          </a:p>
+          <a:p>
+            <a:pPr lvl="1"/>
+            <a:r>
+              <a:rPr lang="en-BE" sz="1600" dirty="0" smtClean="0"/>
+              <a:t>website seems to be no longer working</a:t>
+            </a:r>
+          </a:p>
+          <a:p>
+            <a:pPr marL="457200" lvl="1" indent="0">
+              <a:buNone/>
+            </a:pPr>
+            <a:endParaRPr lang="en-BE" sz="1600" dirty="0" smtClean="0"/>
+          </a:p>
+          <a:p>
+            <a:r>
+              <a:rPr lang="en-BE" sz="1600" dirty="0" smtClean="0"/>
+              <a:t>manual </a:t>
+            </a:r>
+            <a:r>
+              <a:rPr lang="en-BE" sz="1600" dirty="0"/>
+              <a:t>data ingest via scripts: forexsb</a:t>
+            </a:r>
+            <a:endParaRPr lang="en-BE" sz="1600" dirty="0" smtClean="0"/>
+          </a:p>
+          <a:p>
+            <a:pPr lvl="1"/>
+            <a:r>
+              <a:rPr lang="nl-BE" sz="1600" dirty="0"/>
+              <a:t>scripts\</a:t>
+            </a:r>
+            <a:r>
+              <a:rPr lang="nl-BE" sz="1600" dirty="0" err="1"/>
+              <a:t>forex_data_import</a:t>
+            </a:r>
+            <a:r>
+              <a:rPr lang="nl-BE" sz="1600" dirty="0"/>
+              <a:t>\</a:t>
+            </a:r>
+            <a:r>
+              <a:rPr lang="nl-BE" sz="1600" dirty="0" err="1"/>
+              <a:t>forexsb</a:t>
+            </a:r>
+            <a:endParaRPr lang="en-BE" sz="1600" dirty="0" smtClean="0"/>
+          </a:p>
+          <a:p>
+            <a:pPr lvl="1"/>
+            <a:r>
+              <a:rPr lang="en-BE" sz="1600" dirty="0" smtClean="0"/>
+              <a:t>parser for </a:t>
+            </a:r>
+            <a:r>
+              <a:rPr lang="nl-BE" sz="1200" dirty="0" smtClean="0"/>
+              <a:t>https</a:t>
+            </a:r>
+            <a:r>
+              <a:rPr lang="nl-BE" sz="1200" dirty="0"/>
+              <a:t>://forexsb.com/historical-forex-data</a:t>
+            </a:r>
+            <a:endParaRPr lang="nl-BE" sz="1200" dirty="0"/>
+          </a:p>
+        </p:txBody>
+      </p:sp>
+      <p:pic>
+        <p:nvPicPr>
+          <p:cNvPr id="6" name="Picture 5"/>
+          <p:cNvPicPr>
+            <a:picLocks noChangeAspect="1"/>
+          </p:cNvPicPr>
+          <p:nvPr/>
+        </p:nvPicPr>
+        <p:blipFill>
+          <a:blip r:embed="rId2"/>
+          <a:stretch>
+            <a:fillRect/>
+          </a:stretch>
+        </p:blipFill>
+        <p:spPr>
+          <a:xfrm>
+            <a:off x="7283670" y="252999"/>
+            <a:ext cx="4233844" cy="2631393"/>
+          </a:xfrm>
+          <a:prstGeom prst="rect">
+            <a:avLst/>
+          </a:prstGeom>
+        </p:spPr>
+      </p:pic>
+    </p:spTree>
+    <p:extLst>
+      <p:ext uri="{BB962C8B-B14F-4D97-AF65-F5344CB8AC3E}">
+        <p14:creationId xmlns:p14="http://schemas.microsoft.com/office/powerpoint/2010/main" val="2846798314"/>
+      </p:ext>
+    </p:extLst>
+  </p:cSld>
+  <p:clrMapOvr>
+    <a:masterClrMapping/>
   </p:clrMapOvr>
   <p:timing>
     <p:tnLst>
@@ -5158,7 +5282,7 @@
         </p:nvSpPr>
         <p:spPr>
           <a:xfrm>
-            <a:off x="109151" y="-203286"/>
+            <a:off x="68525" y="-207198"/>
             <a:ext cx="10515600" cy="1325563"/>
           </a:xfrm>
         </p:spPr>
@@ -5167,8 +5291,8 @@
           <a:lstStyle/>
           <a:p>
             <a:r>
-              <a:rPr lang="en-BE" dirty="0" smtClean="0"/>
-              <a:t>Initial setup</a:t>
+              <a:rPr lang="nl-BE" dirty="0" smtClean="0"/>
+              <a:t>BOLERO import xlsx</a:t>
             </a:r>
             <a:endParaRPr lang="en-US" dirty="0"/>
           </a:p>
@@ -5176,7 +5300,7 @@
       </p:sp>
       <p:sp>
         <p:nvSpPr>
-          <p:cNvPr id="10" name="Content Placeholder 2"/>
+          <p:cNvPr id="3" name="Content Placeholder 2"/>
           <p:cNvSpPr>
             <a:spLocks noGrp="1"/>
           </p:cNvSpPr>
@@ -5186,8 +5310,8 @@
         </p:nvSpPr>
         <p:spPr>
           <a:xfrm>
-            <a:off x="203931" y="1052547"/>
-            <a:ext cx="11368171" cy="5499556"/>
+            <a:off x="203932" y="1052547"/>
+            <a:ext cx="4837626" cy="5499556"/>
           </a:xfrm>
         </p:spPr>
         <p:txBody>
@@ -5196,117 +5320,137 @@
           </a:bodyPr>
           <a:lstStyle/>
           <a:p>
-            <a:pPr marL="457200" indent="-457200">
-              <a:buFont typeface="+mj-lt"/>
-              <a:buAutoNum type="arabicPeriod"/>
-            </a:pPr>
-            <a:r>
-              <a:rPr lang="en-BE" sz="1600" dirty="0" smtClean="0"/>
-              <a:t>Clone the repo: </a:t>
-            </a:r>
-            <a:r>
-              <a:rPr lang="nl-BE" sz="1600" dirty="0">
-                <a:hlinkClick r:id="rId2"/>
-              </a:rPr>
-              <a:t>https://</a:t>
-            </a:r>
-            <a:r>
-              <a:rPr lang="nl-BE" sz="1600" dirty="0" smtClean="0">
-                <a:hlinkClick r:id="rId2"/>
-              </a:rPr>
-              <a:t>github.com/jorritvm/stocks_dashboard</a:t>
-            </a:r>
-            <a:endParaRPr lang="en-BE" sz="1600" dirty="0" smtClean="0"/>
-          </a:p>
-          <a:p>
-            <a:pPr marL="457200" indent="-457200">
-              <a:buFont typeface="+mj-lt"/>
-              <a:buAutoNum type="arabicPeriod"/>
-            </a:pPr>
-            <a:r>
-              <a:rPr lang="en-BE" sz="1600" dirty="0" smtClean="0"/>
-              <a:t>Restore the RENV: renv::restore()</a:t>
-            </a:r>
-          </a:p>
-          <a:p>
-            <a:pPr marL="457200" indent="-457200">
-              <a:buFont typeface="+mj-lt"/>
-              <a:buAutoNum type="arabicPeriod"/>
-            </a:pPr>
-            <a:r>
-              <a:rPr lang="en-BE" sz="1600" dirty="0" smtClean="0"/>
-              <a:t>Build an empty db file: </a:t>
-            </a:r>
-            <a:r>
-              <a:rPr lang="nl-BE" sz="1600" dirty="0" smtClean="0"/>
-              <a:t>scripts\</a:t>
-            </a:r>
-            <a:r>
-              <a:rPr lang="nl-BE" sz="1600" dirty="0" err="1" smtClean="0"/>
-              <a:t>setup_db.R</a:t>
-            </a:r>
-            <a:r>
-              <a:rPr lang="en-BE" sz="1600" dirty="0" smtClean="0"/>
-              <a:t> (</a:t>
-            </a:r>
-            <a:r>
-              <a:rPr lang="en-BE" sz="1600" dirty="0" smtClean="0">
-                <a:hlinkClick r:id="rId3" action="ppaction://hlinksldjump"/>
-              </a:rPr>
-              <a:t>link</a:t>
-            </a:r>
-            <a:r>
-              <a:rPr lang="en-BE" sz="1600" dirty="0" smtClean="0"/>
-              <a:t>)</a:t>
-            </a:r>
-          </a:p>
-          <a:p>
-            <a:pPr marL="457200" indent="-457200">
-              <a:buFont typeface="+mj-lt"/>
-              <a:buAutoNum type="arabicPeriod"/>
-            </a:pPr>
-            <a:r>
-              <a:rPr lang="en-BE" sz="1600" dirty="0" smtClean="0"/>
-              <a:t>Setup authentication: scripts\setup_credentials.R (</a:t>
-            </a:r>
-            <a:r>
-              <a:rPr lang="en-BE" sz="1600" dirty="0" smtClean="0">
-                <a:hlinkClick r:id="rId4" action="ppaction://hlinksldjump"/>
-              </a:rPr>
-              <a:t>link</a:t>
-            </a:r>
-            <a:r>
-              <a:rPr lang="en-BE" sz="1600" dirty="0" smtClean="0"/>
-              <a:t>)</a:t>
-            </a:r>
-          </a:p>
-          <a:p>
-            <a:pPr marL="457200" indent="-457200">
-              <a:buFont typeface="+mj-lt"/>
-              <a:buAutoNum type="arabicPeriod"/>
-            </a:pPr>
-            <a:r>
-              <a:rPr lang="en-BE" sz="1600" dirty="0" smtClean="0"/>
-              <a:t>Create config.env (using config_template.env) and set up desired host &amp; port</a:t>
-            </a:r>
-          </a:p>
-          <a:p>
-            <a:pPr marL="457200" indent="-457200">
-              <a:buFont typeface="+mj-lt"/>
-              <a:buAutoNum type="arabicPeriod"/>
-            </a:pPr>
-            <a:r>
-              <a:rPr lang="en-BE" sz="1600" dirty="0" smtClean="0"/>
-              <a:t>Run app.R</a:t>
-            </a:r>
-            <a:endParaRPr lang="en-BE" sz="1600" dirty="0" smtClean="0"/>
-          </a:p>
-        </p:txBody>
-      </p:sp>
+            <a:r>
+              <a:rPr lang="nl-BE" sz="2400" dirty="0"/>
+              <a:t>log in op bolero</a:t>
+            </a:r>
+          </a:p>
+          <a:p>
+            <a:r>
+              <a:rPr lang="nl-BE" sz="2400" dirty="0"/>
+              <a:t>gaar naar portefeuille</a:t>
+            </a:r>
+          </a:p>
+          <a:p>
+            <a:r>
+              <a:rPr lang="nl-BE" sz="2400" dirty="0"/>
+              <a:t>dan naar historiek</a:t>
+            </a:r>
+          </a:p>
+          <a:p>
+            <a:r>
+              <a:rPr lang="nl-BE" sz="2400" dirty="0"/>
+              <a:t>selecteer data en plak het in </a:t>
+            </a:r>
+            <a:r>
+              <a:rPr lang="nl-BE" sz="2400" dirty="0" smtClean="0"/>
+              <a:t>excel (via notepad tussenstap wordt html formatting verwijderd)</a:t>
+            </a:r>
+            <a:endParaRPr lang="nl-BE" sz="2400" dirty="0"/>
+          </a:p>
+          <a:p>
+            <a:endParaRPr lang="nl-BE" sz="2400" dirty="0" smtClean="0"/>
+          </a:p>
+          <a:p>
+            <a:r>
+              <a:rPr lang="nl-BE" sz="2400" dirty="0"/>
+              <a:t>voeg een </a:t>
+            </a:r>
+            <a:r>
+              <a:rPr lang="nl-BE" sz="2400" i="1" dirty="0"/>
+              <a:t>symbol</a:t>
+            </a:r>
+            <a:r>
+              <a:rPr lang="nl-BE" sz="2400" dirty="0"/>
+              <a:t> kolom toe</a:t>
+            </a:r>
+          </a:p>
+          <a:p>
+            <a:r>
+              <a:rPr lang="nl-BE" sz="2400" dirty="0"/>
+              <a:t>vul het </a:t>
+            </a:r>
+            <a:r>
+              <a:rPr lang="nl-BE" sz="2400" dirty="0" smtClean="0"/>
+              <a:t>RIC als symbol in (minstens </a:t>
+            </a:r>
+            <a:r>
+              <a:rPr lang="nl-BE" sz="2400" dirty="0"/>
+              <a:t>1x per nieuwe </a:t>
+            </a:r>
+            <a:r>
+              <a:rPr lang="nl-BE" sz="2400" dirty="0" smtClean="0"/>
+              <a:t>stock)</a:t>
+            </a:r>
+            <a:endParaRPr lang="nl-BE" sz="2400" dirty="0"/>
+          </a:p>
+          <a:p>
+            <a:r>
+              <a:rPr lang="nl-BE" sz="2400" dirty="0"/>
+              <a:t>als er geen ‘nieuwe’ stocks zijn gekocht dan hoef je geen symbol in te vullen</a:t>
+            </a:r>
+            <a:endParaRPr lang="en-US" sz="2400" dirty="0"/>
+          </a:p>
+          <a:p>
+            <a:endParaRPr lang="en-US" sz="2400" dirty="0"/>
+          </a:p>
+          <a:p>
+            <a:endParaRPr lang="nl-BE" sz="2200" dirty="0" smtClean="0"/>
+          </a:p>
+        </p:txBody>
+      </p:sp>
+      <p:pic>
+        <p:nvPicPr>
+          <p:cNvPr id="4" name="Content Placeholder 5"/>
+          <p:cNvPicPr>
+            <a:picLocks noChangeAspect="1"/>
+          </p:cNvPicPr>
+          <p:nvPr/>
+        </p:nvPicPr>
+        <p:blipFill>
+          <a:blip r:embed="rId2"/>
+          <a:stretch>
+            <a:fillRect/>
+          </a:stretch>
+        </p:blipFill>
+        <p:spPr>
+          <a:xfrm>
+            <a:off x="5235555" y="213069"/>
+            <a:ext cx="6650373" cy="2956440"/>
+          </a:xfrm>
+          <a:prstGeom prst="rect">
+            <a:avLst/>
+          </a:prstGeom>
+        </p:spPr>
+      </p:pic>
+      <p:pic>
+        <p:nvPicPr>
+          <p:cNvPr id="5" name="Picture 4"/>
+          <p:cNvPicPr>
+            <a:picLocks noChangeAspect="1"/>
+          </p:cNvPicPr>
+          <p:nvPr/>
+        </p:nvPicPr>
+        <p:blipFill>
+          <a:blip r:embed="rId3"/>
+          <a:stretch>
+            <a:fillRect/>
+          </a:stretch>
+        </p:blipFill>
+        <p:spPr>
+          <a:xfrm>
+            <a:off x="5283034" y="4063365"/>
+            <a:ext cx="6555414" cy="1720215"/>
+          </a:xfrm>
+          <a:prstGeom prst="rect">
+            <a:avLst/>
+          </a:prstGeom>
+        </p:spPr>
+      </p:pic>
     </p:spTree>
     <p:extLst>
       <p:ext uri="{BB962C8B-B14F-4D97-AF65-F5344CB8AC3E}">
-        <p14:creationId xmlns:p14="http://schemas.microsoft.com/office/powerpoint/2010/main" val="53382254"/>
+        <p14:creationId xmlns:p14="http://schemas.microsoft.com/office/powerpoint/2010/main" val="8355119"/>
       </p:ext>
     </p:extLst>
   </p:cSld>
@@ -5352,8 +5496,8 @@
         </p:nvSpPr>
         <p:spPr>
           <a:xfrm>
-            <a:off x="0" y="-162949"/>
-            <a:ext cx="12294141" cy="1325563"/>
+            <a:off x="68525" y="-207198"/>
+            <a:ext cx="10515600" cy="1325563"/>
           </a:xfrm>
         </p:spPr>
         <p:txBody>
@@ -5361,8 +5505,8 @@
           <a:lstStyle/>
           <a:p>
             <a:r>
-              <a:rPr lang="en-BE" dirty="0" smtClean="0"/>
-              <a:t>Shinymanager: authentication &amp; site monitoring (i)</a:t>
+              <a:rPr lang="nl-BE"/>
+              <a:t>SAXO import xlsx</a:t>
             </a:r>
             <a:endParaRPr lang="en-US" dirty="0"/>
           </a:p>
@@ -5380,8 +5524,8 @@
         </p:nvSpPr>
         <p:spPr>
           <a:xfrm>
-            <a:off x="136188" y="933855"/>
-            <a:ext cx="11653736" cy="5778230"/>
+            <a:off x="203932" y="1052547"/>
+            <a:ext cx="4837626" cy="5499556"/>
           </a:xfrm>
         </p:spPr>
         <p:txBody>
@@ -5391,257 +5535,122 @@
           <a:lstStyle/>
           <a:p>
             <a:r>
-              <a:rPr lang="en-BE" sz="1600" dirty="0" smtClean="0"/>
-              <a:t>Auth is</a:t>
-            </a:r>
-            <a:r>
-              <a:rPr lang="en-BE" sz="1600" dirty="0" smtClean="0"/>
-              <a:t> done using shinymanager</a:t>
-            </a:r>
-          </a:p>
-          <a:p>
-            <a:pPr lvl="1"/>
-            <a:r>
-              <a:rPr lang="en-US" sz="1600" dirty="0">
-                <a:hlinkClick r:id="rId2"/>
-              </a:rPr>
-              <a:t>https://datastorm-open.github.io/shinymanager</a:t>
-            </a:r>
-            <a:r>
-              <a:rPr lang="en-US" sz="1600" dirty="0" smtClean="0">
-                <a:hlinkClick r:id="rId2"/>
-              </a:rPr>
-              <a:t>/</a:t>
-            </a:r>
-            <a:endParaRPr lang="en-BE" sz="1600" dirty="0" smtClean="0"/>
-          </a:p>
-          <a:p>
-            <a:r>
-              <a:rPr lang="en-BE" sz="1600" dirty="0" smtClean="0"/>
-              <a:t>Shinymanager can store credentials </a:t>
-            </a:r>
-            <a:r>
-              <a:rPr lang="en-BE" sz="1600" dirty="0"/>
-              <a:t>are stored in </a:t>
-            </a:r>
-            <a:r>
-              <a:rPr lang="en-BE" sz="1600" dirty="0" smtClean="0"/>
-              <a:t>sqlite</a:t>
-            </a:r>
-            <a:r>
-              <a:rPr lang="en-US" sz="1600" dirty="0" smtClean="0"/>
-              <a:t> database</a:t>
-            </a:r>
-            <a:endParaRPr lang="en-BE" sz="1600" dirty="0"/>
-          </a:p>
-          <a:p>
-            <a:r>
-              <a:rPr lang="en-BE" sz="1600" dirty="0" smtClean="0"/>
-              <a:t>Shinymanager </a:t>
-            </a:r>
-            <a:r>
-              <a:rPr lang="en-BE" sz="1600" dirty="0"/>
-              <a:t>provides an admin console with an overview of the site </a:t>
-            </a:r>
-            <a:r>
-              <a:rPr lang="en-BE" sz="1600" dirty="0" smtClean="0"/>
-              <a:t>usage, but only if you use the sqlite backend option.</a:t>
-            </a:r>
-          </a:p>
-          <a:p>
-            <a:endParaRPr lang="en-BE" sz="1600" dirty="0" smtClean="0"/>
-          </a:p>
-          <a:p>
-            <a:r>
-              <a:rPr lang="en-BE" sz="1600" dirty="0" smtClean="0"/>
-              <a:t>The sqlite DB is </a:t>
-            </a:r>
-            <a:r>
-              <a:rPr lang="en-US" sz="1600" dirty="0" smtClean="0"/>
-              <a:t>protected </a:t>
-            </a:r>
-            <a:r>
-              <a:rPr lang="en-US" sz="1600" dirty="0"/>
-              <a:t>with a symmetric AES encryption</a:t>
-            </a:r>
-            <a:r>
-              <a:rPr lang="en-BE" sz="1600" dirty="0"/>
-              <a:t>. To store the keys for this encryption it uses </a:t>
-            </a:r>
-            <a:r>
-              <a:rPr lang="en-BE" sz="1600" dirty="0" smtClean="0"/>
-              <a:t>the keyring package. This makes use of the OS credential store: w</a:t>
-            </a:r>
-            <a:r>
-              <a:rPr lang="en-US" sz="1600" dirty="0" smtClean="0"/>
-              <a:t>hen </a:t>
-            </a:r>
-            <a:r>
-              <a:rPr lang="en-US" sz="1600" dirty="0"/>
-              <a:t>you set a key using </a:t>
-            </a:r>
-            <a:r>
-              <a:rPr lang="en-US" sz="1600" dirty="0" err="1"/>
-              <a:t>key_set</a:t>
-            </a:r>
-            <a:r>
-              <a:rPr lang="en-US" sz="1600" dirty="0"/>
-              <a:t> </a:t>
-            </a:r>
-            <a:r>
-              <a:rPr lang="en-US" sz="1600" dirty="0" smtClean="0"/>
-              <a:t>it </a:t>
-            </a:r>
-            <a:r>
-              <a:rPr lang="en-US" sz="1600" dirty="0"/>
-              <a:t>is stored securely on the </a:t>
-            </a:r>
-            <a:r>
-              <a:rPr lang="en-BE" sz="1600" dirty="0" smtClean="0"/>
-              <a:t>local </a:t>
-            </a:r>
-            <a:r>
-              <a:rPr lang="en-US" sz="1600" dirty="0" smtClean="0"/>
-              <a:t>machine </a:t>
-            </a:r>
-            <a:endParaRPr lang="en-BE" sz="1600" dirty="0" smtClean="0"/>
-          </a:p>
-          <a:p>
-            <a:pPr lvl="1"/>
-            <a:r>
-              <a:rPr lang="en-US" sz="1600" b="1" dirty="0" smtClean="0"/>
-              <a:t>Windows</a:t>
-            </a:r>
-            <a:r>
-              <a:rPr lang="en-US" sz="1600" dirty="0"/>
-              <a:t>: It </a:t>
-            </a:r>
-            <a:r>
-              <a:rPr lang="en-US" sz="1600" dirty="0" smtClean="0"/>
-              <a:t>use</a:t>
-            </a:r>
-            <a:r>
-              <a:rPr lang="en-BE" sz="1600" dirty="0" smtClean="0"/>
-              <a:t>s</a:t>
-            </a:r>
-            <a:r>
-              <a:rPr lang="en-US" sz="1600" dirty="0" smtClean="0"/>
-              <a:t> </a:t>
-            </a:r>
-            <a:r>
-              <a:rPr lang="en-US" sz="1600" dirty="0"/>
-              <a:t>the Windows Credential Manager</a:t>
-            </a:r>
-            <a:r>
-              <a:rPr lang="en-US" sz="1600" dirty="0" smtClean="0"/>
-              <a:t>.</a:t>
-            </a:r>
-            <a:endParaRPr lang="en-BE" sz="1600" dirty="0" smtClean="0"/>
-          </a:p>
-          <a:p>
-            <a:pPr lvl="1"/>
-            <a:r>
-              <a:rPr lang="en-US" sz="1600" b="1" dirty="0"/>
-              <a:t>Linux</a:t>
-            </a:r>
-            <a:r>
-              <a:rPr lang="en-US" sz="1600" dirty="0"/>
-              <a:t>: It may use the Linux keyring or other secure storage mechanisms</a:t>
-            </a:r>
-            <a:r>
-              <a:rPr lang="en-US" sz="1600" dirty="0" smtClean="0"/>
-              <a:t>.</a:t>
-            </a:r>
-            <a:endParaRPr lang="en-BE" sz="1600" dirty="0" smtClean="0"/>
-          </a:p>
-          <a:p>
-            <a:pPr lvl="1"/>
-            <a:endParaRPr lang="en-BE" sz="1600" dirty="0"/>
-          </a:p>
-          <a:p>
-            <a:r>
-              <a:rPr lang="en-BE" sz="1600" dirty="0"/>
-              <a:t>How to set it up locally:</a:t>
-            </a:r>
-          </a:p>
-          <a:p>
-            <a:pPr marL="914400" lvl="1" indent="-457200">
-              <a:buFont typeface="+mj-lt"/>
-              <a:buAutoNum type="arabicPeriod"/>
-            </a:pPr>
-            <a:r>
-              <a:rPr lang="en-BE" sz="1600" dirty="0"/>
-              <a:t>Copy scripts/credentials_template.env to scripts/credentials.env </a:t>
-            </a:r>
-          </a:p>
-          <a:p>
-            <a:pPr marL="914400" lvl="1" indent="-457200">
-              <a:buFont typeface="+mj-lt"/>
-              <a:buAutoNum type="arabicPeriod"/>
-            </a:pPr>
-            <a:r>
-              <a:rPr lang="en-BE" sz="1600" dirty="0"/>
-              <a:t>Modify credentials.env: configure shiny app username and password as well as sqlite encryption password</a:t>
-            </a:r>
-          </a:p>
-          <a:p>
-            <a:pPr marL="914400" lvl="1" indent="-457200">
-              <a:buFont typeface="+mj-lt"/>
-              <a:buAutoNum type="arabicPeriod"/>
-            </a:pPr>
-            <a:r>
-              <a:rPr lang="en-BE" sz="1600" dirty="0"/>
-              <a:t>Run setup_credentials.R</a:t>
-            </a:r>
-          </a:p>
-          <a:p>
-            <a:pPr marL="914400" lvl="1" indent="-457200">
-              <a:buFont typeface="+mj-lt"/>
-              <a:buAutoNum type="arabicPeriod"/>
-            </a:pPr>
-            <a:r>
-              <a:rPr lang="en-BE" sz="1600" dirty="0"/>
-              <a:t>Verify that db/credentials.db has been created</a:t>
-            </a:r>
-          </a:p>
-          <a:p>
-            <a:pPr marL="914400" lvl="1" indent="-457200">
-              <a:buFont typeface="+mj-lt"/>
-              <a:buAutoNum type="arabicPeriod"/>
-            </a:pPr>
-            <a:endParaRPr lang="en-BE" sz="1600" dirty="0"/>
-          </a:p>
-          <a:p>
-            <a:r>
-              <a:rPr lang="en-BE" sz="1600" dirty="0"/>
-              <a:t>How to set it up in a docker image</a:t>
-            </a:r>
-          </a:p>
-          <a:p>
-            <a:pPr lvl="1"/>
-            <a:r>
-              <a:rPr lang="en-BE" sz="1600" dirty="0"/>
-              <a:t>Replace steps 1 &amp; 2 above by setting up the environment variables through docker</a:t>
-            </a:r>
-          </a:p>
-          <a:p>
-            <a:pPr lvl="1"/>
-            <a:r>
-              <a:rPr lang="en-BE" sz="1600" dirty="0"/>
-              <a:t>Perform 3 &amp; 4.</a:t>
-            </a:r>
-          </a:p>
-          <a:p>
-            <a:pPr marL="457200" lvl="1" indent="0">
-              <a:buNone/>
-            </a:pPr>
-            <a:endParaRPr lang="en-BE" sz="1600" dirty="0" smtClean="0"/>
+              <a:rPr lang="nl-BE" sz="2400" dirty="0"/>
+              <a:t>log in </a:t>
+            </a:r>
+            <a:r>
+              <a:rPr lang="nl-BE" sz="2400"/>
+              <a:t>op </a:t>
+            </a:r>
+            <a:r>
+              <a:rPr lang="nl-BE" sz="2400" smtClean="0"/>
+              <a:t>Saxo Investor</a:t>
+            </a:r>
+            <a:endParaRPr lang="nl-BE" sz="2400" dirty="0"/>
+          </a:p>
+          <a:p>
+            <a:r>
+              <a:rPr lang="nl-BE" sz="2400" dirty="0"/>
+              <a:t>gaar naar </a:t>
+            </a:r>
+            <a:r>
+              <a:rPr lang="nl-BE" sz="2400" dirty="0" smtClean="0"/>
+              <a:t>transacties</a:t>
+            </a:r>
+            <a:endParaRPr lang="nl-BE" sz="2400" dirty="0"/>
+          </a:p>
+          <a:p>
+            <a:r>
+              <a:rPr lang="nl-BE" sz="2400" dirty="0" smtClean="0"/>
+              <a:t>plaats aangepaste periode</a:t>
+            </a:r>
+            <a:endParaRPr lang="nl-BE" sz="2400" dirty="0"/>
+          </a:p>
+          <a:p>
+            <a:r>
+              <a:rPr lang="nl-BE" sz="2400" dirty="0" smtClean="0"/>
+              <a:t>exporteer als excel</a:t>
+            </a:r>
+            <a:endParaRPr lang="nl-BE" sz="2400" dirty="0"/>
+          </a:p>
+          <a:p>
+            <a:endParaRPr lang="nl-BE" sz="2400" dirty="0" smtClean="0"/>
+          </a:p>
+          <a:p>
+            <a:r>
+              <a:rPr lang="nl-BE" sz="2400" dirty="0"/>
+              <a:t>voeg een </a:t>
+            </a:r>
+            <a:r>
+              <a:rPr lang="nl-BE" sz="2400" i="1" dirty="0"/>
+              <a:t>symbol</a:t>
+            </a:r>
+            <a:r>
+              <a:rPr lang="nl-BE" sz="2400" dirty="0"/>
+              <a:t> kolom toe</a:t>
+            </a:r>
+          </a:p>
+          <a:p>
+            <a:r>
+              <a:rPr lang="nl-BE" sz="2400" dirty="0"/>
+              <a:t>vul het </a:t>
+            </a:r>
+            <a:r>
+              <a:rPr lang="nl-BE" sz="2400" dirty="0" smtClean="0"/>
+              <a:t>RIC als symbol in (minstens </a:t>
+            </a:r>
+            <a:r>
+              <a:rPr lang="nl-BE" sz="2400" dirty="0"/>
+              <a:t>1x per nieuwe </a:t>
+            </a:r>
+            <a:r>
+              <a:rPr lang="nl-BE" sz="2400" dirty="0" smtClean="0"/>
+              <a:t>stock)</a:t>
+            </a:r>
+            <a:endParaRPr lang="nl-BE" sz="2400" dirty="0"/>
+          </a:p>
+          <a:p>
+            <a:r>
+              <a:rPr lang="nl-BE" sz="2400" dirty="0"/>
+              <a:t>als er geen ‘nieuwe’ stocks zijn gekocht dan hoef je geen symbol in te vullen</a:t>
+            </a:r>
+            <a:endParaRPr lang="en-US" sz="2400" dirty="0"/>
+          </a:p>
+          <a:p>
+            <a:endParaRPr lang="en-US" sz="2400" dirty="0"/>
+          </a:p>
+          <a:p>
+            <a:endParaRPr lang="nl-BE" sz="2200" dirty="0" smtClean="0"/>
           </a:p>
         </p:txBody>
       </p:sp>
       <p:pic>
         <p:nvPicPr>
-          <p:cNvPr id="4" name="Picture 3"/>
+          <p:cNvPr id="6" name="Picture 5"/>
+          <p:cNvPicPr>
+            <a:picLocks noChangeAspect="1"/>
+          </p:cNvPicPr>
+          <p:nvPr/>
+        </p:nvPicPr>
+        <p:blipFill>
+          <a:blip r:embed="rId2"/>
+          <a:stretch>
+            <a:fillRect/>
+          </a:stretch>
+        </p:blipFill>
+        <p:spPr>
+          <a:xfrm>
+            <a:off x="7737781" y="21292"/>
+            <a:ext cx="2400629" cy="4461714"/>
+          </a:xfrm>
+          <a:prstGeom prst="rect">
+            <a:avLst/>
+          </a:prstGeom>
+        </p:spPr>
+      </p:pic>
+      <p:pic>
+        <p:nvPicPr>
+          <p:cNvPr id="7" name="Picture 6"/>
           <p:cNvPicPr>
             <a:picLocks noChangeAspect="1"/>
           </p:cNvPicPr>
@@ -5655,8 +5664,8 @@
         </p:blipFill>
         <p:spPr>
           <a:xfrm>
-            <a:off x="10834144" y="933855"/>
-            <a:ext cx="1181202" cy="1615580"/>
+            <a:off x="546833" y="5742751"/>
+            <a:ext cx="11473718" cy="829842"/>
           </a:xfrm>
           <a:prstGeom prst="rect">
             <a:avLst/>
@@ -5666,7 +5675,7 @@
     </p:spTree>
     <p:extLst>
       <p:ext uri="{BB962C8B-B14F-4D97-AF65-F5344CB8AC3E}">
-        <p14:creationId xmlns:p14="http://schemas.microsoft.com/office/powerpoint/2010/main" val="2515541860"/>
+        <p14:creationId xmlns:p14="http://schemas.microsoft.com/office/powerpoint/2010/main" val="703887595"/>
       </p:ext>
     </p:extLst>
   </p:cSld>
@@ -5834,6 +5843,13 @@
               <a:rPr lang="en-BE" sz="1600" dirty="0" smtClean="0"/>
               <a:t>terminology</a:t>
             </a:r>
+          </a:p>
+          <a:p>
+            <a:r>
+              <a:rPr lang="en-BE" sz="1600" dirty="0"/>
+              <a:t>how to run and use the app</a:t>
+            </a:r>
+            <a:endParaRPr lang="en-BE" sz="1600" dirty="0" smtClean="0"/>
           </a:p>
           <a:p>
             <a:r>
@@ -9412,7 +9428,7 @@
           <a:p>
             <a:r>
               <a:rPr lang="en-BE" dirty="0" smtClean="0"/>
-              <a:t>data model</a:t>
+              <a:t>how to run and use the app</a:t>
             </a:r>
             <a:endParaRPr lang="en-US" dirty="0"/>
           </a:p>
@@ -9440,7 +9456,7 @@
     </p:spTree>
     <p:extLst>
       <p:ext uri="{BB962C8B-B14F-4D97-AF65-F5344CB8AC3E}">
-        <p14:creationId xmlns:p14="http://schemas.microsoft.com/office/powerpoint/2010/main" val="3187297014"/>
+        <p14:creationId xmlns:p14="http://schemas.microsoft.com/office/powerpoint/2010/main" val="3712414989"/>
       </p:ext>
     </p:extLst>
   </p:cSld>
@@ -9486,7 +9502,7 @@
         </p:nvSpPr>
         <p:spPr>
           <a:xfrm>
-            <a:off x="68525" y="-207198"/>
+            <a:off x="109151" y="-203286"/>
             <a:ext cx="10515600" cy="1325563"/>
           </a:xfrm>
         </p:spPr>
@@ -9495,40 +9511,16 @@
           <a:lstStyle/>
           <a:p>
             <a:r>
-              <a:rPr lang="nl-BE" dirty="0" smtClean="0"/>
-              <a:t>DB schema</a:t>
+              <a:rPr lang="en-BE" dirty="0" smtClean="0"/>
+              <a:t>Initial setup</a:t>
             </a:r>
             <a:endParaRPr lang="en-US" dirty="0"/>
           </a:p>
         </p:txBody>
       </p:sp>
-      <p:pic>
-        <p:nvPicPr>
-          <p:cNvPr id="6" name="Picture 5"/>
-          <p:cNvPicPr>
-            <a:picLocks noChangeAspect="1"/>
-          </p:cNvPicPr>
-          <p:nvPr/>
-        </p:nvPicPr>
-        <p:blipFill>
-          <a:blip r:embed="rId2"/>
-          <a:stretch>
-            <a:fillRect/>
-          </a:stretch>
-        </p:blipFill>
-        <p:spPr>
-          <a:xfrm>
-            <a:off x="68525" y="928979"/>
-            <a:ext cx="12051846" cy="935187"/>
-          </a:xfrm>
-          <a:prstGeom prst="rect">
-            <a:avLst/>
-          </a:prstGeom>
-        </p:spPr>
-      </p:pic>
-      <p:sp>
-        <p:nvSpPr>
-          <p:cNvPr id="7" name="Content Placeholder 2"/>
+      <p:sp>
+        <p:nvSpPr>
+          <p:cNvPr id="10" name="Content Placeholder 2"/>
           <p:cNvSpPr>
             <a:spLocks noGrp="1"/>
           </p:cNvSpPr>
@@ -9538,8 +9530,8 @@
         </p:nvSpPr>
         <p:spPr>
           <a:xfrm>
-            <a:off x="203931" y="2150075"/>
-            <a:ext cx="11368171" cy="4402027"/>
+            <a:off x="203931" y="1052547"/>
+            <a:ext cx="11368171" cy="5499556"/>
           </a:xfrm>
         </p:spPr>
         <p:txBody>
@@ -9548,45 +9540,108 @@
           </a:bodyPr>
           <a:lstStyle/>
           <a:p>
+            <a:pPr marL="457200" indent="-457200">
+              <a:buFont typeface="+mj-lt"/>
+              <a:buAutoNum type="arabicPeriod"/>
+            </a:pPr>
             <a:r>
               <a:rPr lang="en-BE" sz="1600" dirty="0" smtClean="0"/>
-              <a:t>stock_profiles: contains profile information on each stock</a:t>
-            </a:r>
-          </a:p>
-          <a:p>
+              <a:t>Clone the repo: </a:t>
+            </a:r>
+            <a:r>
+              <a:rPr lang="nl-BE" sz="1600" dirty="0">
+                <a:hlinkClick r:id="rId2"/>
+              </a:rPr>
+              <a:t>https://</a:t>
+            </a:r>
+            <a:r>
+              <a:rPr lang="nl-BE" sz="1600" dirty="0" smtClean="0">
+                <a:hlinkClick r:id="rId2"/>
+              </a:rPr>
+              <a:t>github.com/jorritvm/stocks_dashboard</a:t>
+            </a:r>
+            <a:endParaRPr lang="en-BE" sz="1600" dirty="0" smtClean="0"/>
+          </a:p>
+          <a:p>
+            <a:pPr marL="457200" indent="-457200">
+              <a:buFont typeface="+mj-lt"/>
+              <a:buAutoNum type="arabicPeriod"/>
+            </a:pPr>
             <a:r>
               <a:rPr lang="en-BE" sz="1600" dirty="0" smtClean="0"/>
-              <a:t>stock_ohlc: contains OHLC data on each stock</a:t>
-            </a:r>
-          </a:p>
-          <a:p>
+              <a:t>Restore the RENV: renv::restore()</a:t>
+            </a:r>
+          </a:p>
+          <a:p>
+            <a:pPr marL="457200" indent="-457200">
+              <a:buFont typeface="+mj-lt"/>
+              <a:buAutoNum type="arabicPeriod"/>
+            </a:pPr>
             <a:r>
               <a:rPr lang="en-BE" sz="1600" dirty="0" smtClean="0"/>
-              <a:t>fx_rates: contains foreign exchange rates</a:t>
-            </a:r>
-          </a:p>
-          <a:p>
-            <a:endParaRPr lang="en-BE" sz="1600" dirty="0" smtClean="0"/>
-          </a:p>
-          <a:p>
-            <a:r>
-              <a:rPr lang="en-BE" sz="1600" dirty="0"/>
-              <a:t>bolero_map = create a mapping between bolero identifier and yahoo RIC</a:t>
-            </a:r>
-          </a:p>
-          <a:p>
-            <a:r>
-              <a:rPr lang="en-BE" sz="1600" dirty="0"/>
-              <a:t>saxo_map = create a mapping between saxo identifier and yahoo RIC</a:t>
-            </a:r>
-          </a:p>
-          <a:p>
-            <a:endParaRPr lang="en-BE" sz="1600" dirty="0" smtClean="0"/>
-          </a:p>
-          <a:p>
+              <a:t>Build an empty db file: </a:t>
+            </a:r>
+            <a:r>
+              <a:rPr lang="nl-BE" sz="1600" dirty="0" smtClean="0"/>
+              <a:t>scripts\</a:t>
+            </a:r>
+            <a:r>
+              <a:rPr lang="nl-BE" sz="1600" dirty="0" err="1" smtClean="0"/>
+              <a:t>setup_db.R</a:t>
+            </a:r>
             <a:r>
               <a:rPr lang="en-BE" sz="1600" dirty="0" smtClean="0"/>
-              <a:t>transactions: contains user transactions</a:t>
+              <a:t> (</a:t>
+            </a:r>
+            <a:r>
+              <a:rPr lang="en-BE" sz="1600" dirty="0" smtClean="0">
+                <a:hlinkClick r:id="rId3" action="ppaction://hlinksldjump"/>
+              </a:rPr>
+              <a:t>link</a:t>
+            </a:r>
+            <a:r>
+              <a:rPr lang="en-BE" sz="1600" dirty="0" smtClean="0"/>
+              <a:t>)</a:t>
+            </a:r>
+          </a:p>
+          <a:p>
+            <a:pPr marL="457200" indent="-457200">
+              <a:buFont typeface="+mj-lt"/>
+              <a:buAutoNum type="arabicPeriod"/>
+            </a:pPr>
+            <a:r>
+              <a:rPr lang="en-BE" sz="1600" dirty="0" smtClean="0"/>
+              <a:t>Setup authentication: scripts\setup_credentials.R (</a:t>
+            </a:r>
+            <a:r>
+              <a:rPr lang="en-BE" sz="1600" dirty="0" smtClean="0">
+                <a:hlinkClick r:id="rId4" action="ppaction://hlinksldjump"/>
+              </a:rPr>
+              <a:t>link</a:t>
+            </a:r>
+            <a:r>
+              <a:rPr lang="en-BE" sz="1600" dirty="0" smtClean="0"/>
+              <a:t>)</a:t>
+            </a:r>
+          </a:p>
+          <a:p>
+            <a:pPr marL="457200" indent="-457200">
+              <a:buFont typeface="+mj-lt"/>
+              <a:buAutoNum type="arabicPeriod"/>
+            </a:pPr>
+            <a:r>
+              <a:rPr lang="en-BE" sz="1600" dirty="0" smtClean="0"/>
+              <a:t>Create config.env (using config_template.env) and set up desired host &amp; port</a:t>
+            </a:r>
+          </a:p>
+          <a:p>
+            <a:pPr marL="457200" indent="-457200">
+              <a:buFont typeface="+mj-lt"/>
+              <a:buAutoNum type="arabicPeriod"/>
+            </a:pPr>
+            <a:r>
+              <a:rPr lang="en-BE" sz="1600" dirty="0" smtClean="0"/>
+              <a:t>Run app.R</a:t>
             </a:r>
             <a:endParaRPr lang="en-BE" sz="1600" dirty="0" smtClean="0"/>
           </a:p>
@@ -9595,7 +9650,7 @@
     </p:spTree>
     <p:extLst>
       <p:ext uri="{BB962C8B-B14F-4D97-AF65-F5344CB8AC3E}">
-        <p14:creationId xmlns:p14="http://schemas.microsoft.com/office/powerpoint/2010/main" val="1119302274"/>
+        <p14:creationId xmlns:p14="http://schemas.microsoft.com/office/powerpoint/2010/main" val="53382254"/>
       </p:ext>
     </p:extLst>
   </p:cSld>
@@ -9641,8 +9696,8 @@
         </p:nvSpPr>
         <p:spPr>
           <a:xfrm>
-            <a:off x="68525" y="-207198"/>
-            <a:ext cx="10515600" cy="1325563"/>
+            <a:off x="0" y="-162949"/>
+            <a:ext cx="12294141" cy="1325563"/>
           </a:xfrm>
         </p:spPr>
         <p:txBody>
@@ -9651,15 +9706,7 @@
           <a:p>
             <a:r>
               <a:rPr lang="en-BE" dirty="0" smtClean="0"/>
-              <a:t>stock_profiles:</a:t>
-            </a:r>
-            <a:r>
-              <a:rPr lang="nl-BE" dirty="0" smtClean="0"/>
-              <a:t> </a:t>
-            </a:r>
-            <a:r>
-              <a:rPr lang="en-BE" dirty="0" smtClean="0"/>
-              <a:t>schema</a:t>
+              <a:t>Shinymanager: authentication &amp; site monitoring</a:t>
             </a:r>
             <a:endParaRPr lang="en-US" dirty="0"/>
           </a:p>
@@ -9677,8 +9724,8 @@
         </p:nvSpPr>
         <p:spPr>
           <a:xfrm>
-            <a:off x="203931" y="1052547"/>
-            <a:ext cx="11742475" cy="5499556"/>
+            <a:off x="136188" y="933855"/>
+            <a:ext cx="11653736" cy="5778230"/>
           </a:xfrm>
         </p:spPr>
         <p:txBody>
@@ -9687,42 +9734,258 @@
           </a:bodyPr>
           <a:lstStyle/>
           <a:p>
+            <a:r>
+              <a:rPr lang="en-BE" sz="1600" dirty="0" smtClean="0"/>
+              <a:t>Auth is</a:t>
+            </a:r>
+            <a:r>
+              <a:rPr lang="en-BE" sz="1600" dirty="0" smtClean="0"/>
+              <a:t> done using shinymanager</a:t>
+            </a:r>
+          </a:p>
+          <a:p>
             <a:pPr lvl="1"/>
-            <a:endParaRPr lang="nl-BE" sz="1800" dirty="0" smtClean="0"/>
+            <a:r>
+              <a:rPr lang="en-US" sz="1600" dirty="0">
+                <a:hlinkClick r:id="rId2"/>
+              </a:rPr>
+              <a:t>https://datastorm-open.github.io/shinymanager</a:t>
+            </a:r>
+            <a:r>
+              <a:rPr lang="en-US" sz="1600" dirty="0" smtClean="0">
+                <a:hlinkClick r:id="rId2"/>
+              </a:rPr>
+              <a:t>/</a:t>
+            </a:r>
+            <a:endParaRPr lang="en-BE" sz="1600" dirty="0" smtClean="0"/>
+          </a:p>
+          <a:p>
+            <a:r>
+              <a:rPr lang="en-BE" sz="1600" dirty="0" smtClean="0"/>
+              <a:t>Shinymanager can store credentials </a:t>
+            </a:r>
+            <a:r>
+              <a:rPr lang="en-BE" sz="1600" dirty="0"/>
+              <a:t>are stored in </a:t>
+            </a:r>
+            <a:r>
+              <a:rPr lang="en-BE" sz="1600" dirty="0" smtClean="0"/>
+              <a:t>sqlite</a:t>
+            </a:r>
+            <a:r>
+              <a:rPr lang="en-US" sz="1600" dirty="0" smtClean="0"/>
+              <a:t> database</a:t>
+            </a:r>
+            <a:endParaRPr lang="en-BE" sz="1600" dirty="0"/>
+          </a:p>
+          <a:p>
+            <a:r>
+              <a:rPr lang="en-BE" sz="1600" dirty="0" smtClean="0"/>
+              <a:t>Shinymanager </a:t>
+            </a:r>
+            <a:r>
+              <a:rPr lang="en-BE" sz="1600" dirty="0"/>
+              <a:t>provides an admin console with an overview of the site </a:t>
+            </a:r>
+            <a:r>
+              <a:rPr lang="en-BE" sz="1600" dirty="0" smtClean="0"/>
+              <a:t>usage, but only if you use the sqlite backend option.</a:t>
+            </a:r>
+          </a:p>
+          <a:p>
+            <a:endParaRPr lang="en-BE" sz="1600" dirty="0" smtClean="0"/>
+          </a:p>
+          <a:p>
+            <a:r>
+              <a:rPr lang="en-BE" sz="1600" dirty="0" smtClean="0"/>
+              <a:t>The sqlite DB is </a:t>
+            </a:r>
+            <a:r>
+              <a:rPr lang="en-US" sz="1600" dirty="0" smtClean="0"/>
+              <a:t>protected </a:t>
+            </a:r>
+            <a:r>
+              <a:rPr lang="en-US" sz="1600" dirty="0"/>
+              <a:t>with a symmetric AES encryption</a:t>
+            </a:r>
+            <a:r>
+              <a:rPr lang="en-BE" sz="1600" dirty="0"/>
+              <a:t>. To store the keys for this encryption it uses </a:t>
+            </a:r>
+            <a:r>
+              <a:rPr lang="en-BE" sz="1600" dirty="0" smtClean="0"/>
+              <a:t>the keyring package. This makes use of the OS credential store: w</a:t>
+            </a:r>
+            <a:r>
+              <a:rPr lang="en-US" sz="1600" dirty="0" smtClean="0"/>
+              <a:t>hen </a:t>
+            </a:r>
+            <a:r>
+              <a:rPr lang="en-US" sz="1600" dirty="0"/>
+              <a:t>you set a key using </a:t>
+            </a:r>
+            <a:r>
+              <a:rPr lang="en-US" sz="1600" dirty="0" err="1"/>
+              <a:t>key_set</a:t>
+            </a:r>
+            <a:r>
+              <a:rPr lang="en-US" sz="1600" dirty="0"/>
+              <a:t> </a:t>
+            </a:r>
+            <a:r>
+              <a:rPr lang="en-US" sz="1600" dirty="0" smtClean="0"/>
+              <a:t>it </a:t>
+            </a:r>
+            <a:r>
+              <a:rPr lang="en-US" sz="1600" dirty="0"/>
+              <a:t>is stored securely on the </a:t>
+            </a:r>
+            <a:r>
+              <a:rPr lang="en-BE" sz="1600" dirty="0" smtClean="0"/>
+              <a:t>local </a:t>
+            </a:r>
+            <a:r>
+              <a:rPr lang="en-US" sz="1600" dirty="0" smtClean="0"/>
+              <a:t>machine </a:t>
+            </a:r>
+            <a:endParaRPr lang="en-BE" sz="1600" dirty="0" smtClean="0"/>
           </a:p>
           <a:p>
             <a:pPr lvl="1"/>
-            <a:endParaRPr lang="en-US" sz="1800" dirty="0"/>
+            <a:r>
+              <a:rPr lang="en-US" sz="1600" b="1" dirty="0" smtClean="0"/>
+              <a:t>Windows</a:t>
+            </a:r>
+            <a:r>
+              <a:rPr lang="en-US" sz="1600" dirty="0"/>
+              <a:t>: It </a:t>
+            </a:r>
+            <a:r>
+              <a:rPr lang="en-US" sz="1600" dirty="0" smtClean="0"/>
+              <a:t>use</a:t>
+            </a:r>
+            <a:r>
+              <a:rPr lang="en-BE" sz="1600" dirty="0" smtClean="0"/>
+              <a:t>s</a:t>
+            </a:r>
+            <a:r>
+              <a:rPr lang="en-US" sz="1600" dirty="0" smtClean="0"/>
+              <a:t> </a:t>
+            </a:r>
+            <a:r>
+              <a:rPr lang="en-US" sz="1600" dirty="0"/>
+              <a:t>the Windows Credential Manager</a:t>
+            </a:r>
+            <a:r>
+              <a:rPr lang="en-US" sz="1600" dirty="0" smtClean="0"/>
+              <a:t>.</a:t>
+            </a:r>
+            <a:endParaRPr lang="en-BE" sz="1600" dirty="0" smtClean="0"/>
+          </a:p>
+          <a:p>
+            <a:pPr lvl="1"/>
+            <a:r>
+              <a:rPr lang="en-US" sz="1600" b="1" dirty="0"/>
+              <a:t>Linux</a:t>
+            </a:r>
+            <a:r>
+              <a:rPr lang="en-US" sz="1600" dirty="0"/>
+              <a:t>: It may use the Linux keyring or other secure storage mechanisms</a:t>
+            </a:r>
+            <a:r>
+              <a:rPr lang="en-US" sz="1600" dirty="0" smtClean="0"/>
+              <a:t>.</a:t>
+            </a:r>
+            <a:endParaRPr lang="en-BE" sz="1600" dirty="0" smtClean="0"/>
+          </a:p>
+          <a:p>
+            <a:pPr lvl="1"/>
+            <a:endParaRPr lang="en-BE" sz="1600" dirty="0"/>
+          </a:p>
+          <a:p>
+            <a:r>
+              <a:rPr lang="en-BE" sz="1600" dirty="0"/>
+              <a:t>How to set it up locally:</a:t>
+            </a:r>
+          </a:p>
+          <a:p>
+            <a:pPr marL="914400" lvl="1" indent="-457200">
+              <a:buFont typeface="+mj-lt"/>
+              <a:buAutoNum type="arabicPeriod"/>
+            </a:pPr>
+            <a:r>
+              <a:rPr lang="en-BE" sz="1600" dirty="0"/>
+              <a:t>Copy scripts/credentials_template.env to scripts/credentials.env </a:t>
+            </a:r>
+          </a:p>
+          <a:p>
+            <a:pPr marL="914400" lvl="1" indent="-457200">
+              <a:buFont typeface="+mj-lt"/>
+              <a:buAutoNum type="arabicPeriod"/>
+            </a:pPr>
+            <a:r>
+              <a:rPr lang="en-BE" sz="1600" dirty="0"/>
+              <a:t>Modify credentials.env: configure shiny app username and password as well as sqlite encryption password</a:t>
+            </a:r>
+          </a:p>
+          <a:p>
+            <a:pPr marL="914400" lvl="1" indent="-457200">
+              <a:buFont typeface="+mj-lt"/>
+              <a:buAutoNum type="arabicPeriod"/>
+            </a:pPr>
+            <a:r>
+              <a:rPr lang="en-BE" sz="1600" dirty="0"/>
+              <a:t>Run setup_credentials.R</a:t>
+            </a:r>
+          </a:p>
+          <a:p>
+            <a:pPr marL="914400" lvl="1" indent="-457200">
+              <a:buFont typeface="+mj-lt"/>
+              <a:buAutoNum type="arabicPeriod"/>
+            </a:pPr>
+            <a:r>
+              <a:rPr lang="en-BE" sz="1600" dirty="0"/>
+              <a:t>Verify that db/credentials.db has been created</a:t>
+            </a:r>
+          </a:p>
+          <a:p>
+            <a:pPr marL="914400" lvl="1" indent="-457200">
+              <a:buFont typeface="+mj-lt"/>
+              <a:buAutoNum type="arabicPeriod"/>
+            </a:pPr>
+            <a:endParaRPr lang="en-BE" sz="1600" dirty="0"/>
+          </a:p>
+          <a:p>
+            <a:r>
+              <a:rPr lang="en-BE" sz="1600" dirty="0"/>
+              <a:t>How to set it up in a docker image</a:t>
+            </a:r>
+          </a:p>
+          <a:p>
+            <a:pPr lvl="1"/>
+            <a:r>
+              <a:rPr lang="en-BE" sz="1600" dirty="0"/>
+              <a:t>Replace steps 1 &amp; 2 above by setting up the environment variables through docker</a:t>
+            </a:r>
+          </a:p>
+          <a:p>
+            <a:pPr lvl="1"/>
+            <a:r>
+              <a:rPr lang="en-BE" sz="1600" dirty="0"/>
+              <a:t>Perform 3 &amp; 4.</a:t>
+            </a:r>
+          </a:p>
+          <a:p>
+            <a:pPr marL="457200" lvl="1" indent="0">
+              <a:buNone/>
+            </a:pPr>
+            <a:endParaRPr lang="en-BE" sz="1600" dirty="0" smtClean="0"/>
           </a:p>
         </p:txBody>
       </p:sp>
       <p:pic>
         <p:nvPicPr>
           <p:cNvPr id="4" name="Picture 3"/>
-          <p:cNvPicPr>
-            <a:picLocks noChangeAspect="1"/>
-          </p:cNvPicPr>
-          <p:nvPr/>
-        </p:nvPicPr>
-        <p:blipFill>
-          <a:blip r:embed="rId2"/>
-          <a:stretch>
-            <a:fillRect/>
-          </a:stretch>
-        </p:blipFill>
-        <p:spPr>
-          <a:xfrm>
-            <a:off x="3231931" y="1283903"/>
-            <a:ext cx="4692332" cy="2427837"/>
-          </a:xfrm>
-          <a:prstGeom prst="rect">
-            <a:avLst/>
-          </a:prstGeom>
-        </p:spPr>
-      </p:pic>
-      <p:pic>
-        <p:nvPicPr>
-          <p:cNvPr id="5" name="Picture 4"/>
           <p:cNvPicPr>
             <a:picLocks noChangeAspect="1"/>
           </p:cNvPicPr>
@@ -9736,8 +9999,8 @@
         </p:blipFill>
         <p:spPr>
           <a:xfrm>
-            <a:off x="788512" y="4143611"/>
-            <a:ext cx="9579170" cy="2133785"/>
+            <a:off x="10834144" y="933855"/>
+            <a:ext cx="1181202" cy="1615580"/>
           </a:xfrm>
           <a:prstGeom prst="rect">
             <a:avLst/>
@@ -9747,7 +10010,7 @@
     </p:spTree>
     <p:extLst>
       <p:ext uri="{BB962C8B-B14F-4D97-AF65-F5344CB8AC3E}">
-        <p14:creationId xmlns:p14="http://schemas.microsoft.com/office/powerpoint/2010/main" val="1854203341"/>
+        <p14:creationId xmlns:p14="http://schemas.microsoft.com/office/powerpoint/2010/main" val="2515541860"/>
       </p:ext>
     </p:extLst>
   </p:cSld>
@@ -9767,6 +10030,17 @@
 <file path=ppt/slides/slide7.xml><?xml version="1.0" encoding="utf-8"?>
 <p:sld xmlns:a="http://schemas.openxmlformats.org/drawingml/2006/main" xmlns:r="http://schemas.openxmlformats.org/officeDocument/2006/relationships" xmlns:p="http://schemas.openxmlformats.org/presentationml/2006/main">
   <p:cSld>
+    <p:bg>
+      <p:bgPr>
+        <a:solidFill>
+          <a:schemeClr val="accent6">
+            <a:lumMod val="20000"/>
+            <a:lumOff val="80000"/>
+          </a:schemeClr>
+        </a:solidFill>
+        <a:effectLst/>
+      </p:bgPr>
+    </p:bg>
     <p:spTree>
       <p:nvGrpSpPr>
         <p:cNvPr id="1" name=""/>
@@ -9783,39 +10057,22 @@
       </p:grpSpPr>
       <p:sp>
         <p:nvSpPr>
-          <p:cNvPr id="2" name="Title 1"/>
+          <p:cNvPr id="4" name="Title 3"/>
           <p:cNvSpPr>
             <a:spLocks noGrp="1"/>
           </p:cNvSpPr>
           <p:nvPr>
-            <p:ph type="title"/>
+            <p:ph type="ctrTitle"/>
           </p:nvPr>
         </p:nvSpPr>
-        <p:spPr>
-          <a:xfrm>
-            <a:off x="68525" y="-207198"/>
-            <a:ext cx="10515600" cy="1325563"/>
-          </a:xfrm>
-        </p:spPr>
+        <p:spPr/>
         <p:txBody>
           <a:bodyPr/>
           <a:lstStyle/>
           <a:p>
             <a:r>
               <a:rPr lang="en-BE" dirty="0" smtClean="0"/>
-              <a:t>stock_ohlc</a:t>
-            </a:r>
-            <a:r>
-              <a:rPr lang="en-BE" dirty="0" smtClean="0"/>
-              <a:t>:</a:t>
-            </a:r>
-            <a:r>
-              <a:rPr lang="nl-BE" dirty="0" smtClean="0"/>
-              <a:t> </a:t>
-            </a:r>
-            <a:r>
-              <a:rPr lang="en-BE" dirty="0"/>
-              <a:t>schema</a:t>
+              <a:t>data model</a:t>
             </a:r>
             <a:endParaRPr lang="en-US" dirty="0"/>
           </a:p>
@@ -9823,159 +10080,32 @@
       </p:sp>
       <p:sp>
         <p:nvSpPr>
-          <p:cNvPr id="3" name="Content Placeholder 2"/>
+          <p:cNvPr id="5" name="Subtitle 4"/>
           <p:cNvSpPr>
             <a:spLocks noGrp="1"/>
           </p:cNvSpPr>
           <p:nvPr>
-            <p:ph idx="1"/>
+            <p:ph type="subTitle" idx="1"/>
           </p:nvPr>
         </p:nvSpPr>
-        <p:spPr>
-          <a:xfrm>
-            <a:off x="203932" y="1052547"/>
-            <a:ext cx="5629310" cy="5499556"/>
-          </a:xfrm>
-        </p:spPr>
-        <p:txBody>
-          <a:bodyPr>
-            <a:normAutofit/>
-          </a:bodyPr>
-          <a:lstStyle/>
-          <a:p>
-            <a:r>
-              <a:rPr lang="en-US" sz="1600" dirty="0"/>
-              <a:t>The </a:t>
-            </a:r>
-            <a:r>
-              <a:rPr lang="en-US" sz="1600" i="1" dirty="0"/>
-              <a:t>close </a:t>
-            </a:r>
-            <a:r>
-              <a:rPr lang="en-US" sz="1600" dirty="0"/>
-              <a:t>(of the OHLC, open-high-low-close) is more or less straightforward: the closing price of a stock that was registered at the end of the period. And for end of day data, it’s the trading day. It’s a raw value, and it shows just how much raw cash a stock cost at the end of the day. It does just that: tells how much a stock cost at a given date.</a:t>
-            </a:r>
-            <a:endParaRPr lang="nl-BE" sz="1400" dirty="0" smtClean="0"/>
-          </a:p>
-          <a:p>
-            <a:pPr lvl="1"/>
-            <a:endParaRPr lang="en-BE" sz="1100" dirty="0" smtClean="0"/>
-          </a:p>
-          <a:p>
-            <a:pPr lvl="1"/>
-            <a:endParaRPr lang="en-BE" sz="1100" dirty="0"/>
-          </a:p>
-          <a:p>
-            <a:r>
-              <a:rPr lang="en-BE" sz="1600" dirty="0" smtClean="0"/>
-              <a:t>D</a:t>
-            </a:r>
-            <a:r>
-              <a:rPr lang="en-US" sz="1600" dirty="0" err="1" smtClean="0"/>
-              <a:t>uring</a:t>
-            </a:r>
-            <a:r>
-              <a:rPr lang="en-US" sz="1600" dirty="0" smtClean="0"/>
-              <a:t> </a:t>
-            </a:r>
-            <a:r>
-              <a:rPr lang="en-US" sz="1600" dirty="0"/>
-              <a:t>the lifetime, there most certainly have been corporate actions that affected the price of the stock. </a:t>
-            </a:r>
-            <a:r>
-              <a:rPr lang="en-US" sz="1600" dirty="0"/>
-              <a:t>Two primaries of those are splits and dividends. To compare stock prices during the stock’s lifetime, prices need to be adjusted to get the value of adjusted close – retroactively. </a:t>
-            </a:r>
-            <a:r>
-              <a:rPr lang="en-US" sz="1600" dirty="0"/>
-              <a:t>This means prices get adjusted back in time from the date when an affecting event occurred</a:t>
-            </a:r>
-            <a:r>
-              <a:rPr lang="en-US" sz="1600" dirty="0" smtClean="0"/>
-              <a:t>.</a:t>
-            </a:r>
-            <a:endParaRPr lang="en-BE" sz="1600" dirty="0" smtClean="0"/>
-          </a:p>
-          <a:p>
-            <a:endParaRPr lang="en-BE" sz="1600" dirty="0"/>
-          </a:p>
-          <a:p>
-            <a:r>
-              <a:rPr lang="en-US" sz="1600" dirty="0">
-                <a:hlinkClick r:id="rId2"/>
-              </a:rPr>
-              <a:t>https://eodhd.com/financial-academy/financial-faq/adjusted-close-and-close-whats-the-difference</a:t>
-            </a:r>
-            <a:r>
-              <a:rPr lang="en-US" sz="1600" dirty="0" smtClean="0">
-                <a:hlinkClick r:id="rId2"/>
-              </a:rPr>
-              <a:t>/</a:t>
-            </a:r>
-            <a:endParaRPr lang="en-BE" sz="1600" dirty="0" smtClean="0"/>
-          </a:p>
-          <a:p>
-            <a:endParaRPr lang="en-US" sz="1600" dirty="0"/>
-          </a:p>
-        </p:txBody>
-      </p:sp>
-      <p:pic>
-        <p:nvPicPr>
-          <p:cNvPr id="5" name="Picture 4"/>
-          <p:cNvPicPr>
-            <a:picLocks noChangeAspect="1"/>
-          </p:cNvPicPr>
-          <p:nvPr/>
-        </p:nvPicPr>
-        <p:blipFill>
-          <a:blip r:embed="rId3"/>
-          <a:stretch>
-            <a:fillRect/>
-          </a:stretch>
-        </p:blipFill>
-        <p:spPr>
-          <a:xfrm>
-            <a:off x="6204544" y="3609557"/>
-            <a:ext cx="5258256" cy="1623201"/>
-          </a:xfrm>
-          <a:prstGeom prst="rect">
-            <a:avLst/>
-          </a:prstGeom>
-        </p:spPr>
-      </p:pic>
-      <p:pic>
-        <p:nvPicPr>
-          <p:cNvPr id="6" name="Picture 5"/>
-          <p:cNvPicPr>
-            <a:picLocks noChangeAspect="1"/>
-          </p:cNvPicPr>
-          <p:nvPr/>
-        </p:nvPicPr>
-        <p:blipFill>
-          <a:blip r:embed="rId4"/>
-          <a:stretch>
-            <a:fillRect/>
-          </a:stretch>
-        </p:blipFill>
-        <p:spPr>
-          <a:xfrm>
-            <a:off x="6345527" y="1297553"/>
-            <a:ext cx="4976291" cy="1691787"/>
-          </a:xfrm>
-          <a:prstGeom prst="rect">
-            <a:avLst/>
-          </a:prstGeom>
-        </p:spPr>
-      </p:pic>
+        <p:spPr/>
+        <p:txBody>
+          <a:bodyPr/>
+          <a:lstStyle/>
+          <a:p>
+            <a:endParaRPr lang="en-US"/>
+          </a:p>
+        </p:txBody>
+      </p:sp>
     </p:spTree>
     <p:extLst>
       <p:ext uri="{BB962C8B-B14F-4D97-AF65-F5344CB8AC3E}">
-        <p14:creationId xmlns:p14="http://schemas.microsoft.com/office/powerpoint/2010/main" val="612455152"/>
+        <p14:creationId xmlns:p14="http://schemas.microsoft.com/office/powerpoint/2010/main" val="3187297014"/>
       </p:ext>
     </p:extLst>
   </p:cSld>
   <p:clrMapOvr>
-    <a:masterClrMapping/>
+    <a:overrideClrMapping bg1="lt1" tx1="dk1" bg2="lt2" tx2="dk2" accent1="accent1" accent2="accent2" accent3="accent3" accent4="accent4" accent5="accent5" accent6="accent6" hlink="hlink" folHlink="folHlink"/>
   </p:clrMapOvr>
   <p:timing>
     <p:tnLst>
@@ -10025,122 +10155,16 @@
           <a:lstStyle/>
           <a:p>
             <a:r>
-              <a:rPr lang="en-BE" dirty="0" smtClean="0"/>
-              <a:t>fx_rates</a:t>
-            </a:r>
-            <a:r>
-              <a:rPr lang="en-BE" dirty="0" smtClean="0"/>
-              <a:t>:</a:t>
-            </a:r>
-            <a:r>
               <a:rPr lang="nl-BE" dirty="0" smtClean="0"/>
-              <a:t> </a:t>
-            </a:r>
-            <a:r>
-              <a:rPr lang="en-BE" dirty="0"/>
-              <a:t>schema</a:t>
+              <a:t>DB schema</a:t>
             </a:r>
             <a:endParaRPr lang="en-US" dirty="0"/>
-          </a:p>
-        </p:txBody>
-      </p:sp>
-      <p:sp>
-        <p:nvSpPr>
-          <p:cNvPr id="3" name="Content Placeholder 2"/>
-          <p:cNvSpPr>
-            <a:spLocks noGrp="1"/>
-          </p:cNvSpPr>
-          <p:nvPr>
-            <p:ph idx="1"/>
-          </p:nvPr>
-        </p:nvSpPr>
-        <p:spPr>
-          <a:xfrm>
-            <a:off x="322174" y="965836"/>
-            <a:ext cx="5629310" cy="5499556"/>
-          </a:xfrm>
-        </p:spPr>
-        <p:txBody>
-          <a:bodyPr>
-            <a:normAutofit/>
-          </a:bodyPr>
-          <a:lstStyle/>
-          <a:p>
-            <a:r>
-              <a:rPr lang="en-BE" sz="1600" dirty="0" smtClean="0"/>
-              <a:t>fx_rates are stored with a daily interval</a:t>
-            </a:r>
-          </a:p>
-          <a:p>
-            <a:endParaRPr lang="en-BE" sz="1600" dirty="0" smtClean="0"/>
-          </a:p>
-          <a:p>
-            <a:r>
-              <a:rPr lang="en-BE" sz="1600" dirty="0" smtClean="0"/>
-              <a:t>how to interpret EUR/USD = 1,1</a:t>
-            </a:r>
-          </a:p>
-          <a:p>
-            <a:pPr lvl="1"/>
-            <a:r>
-              <a:rPr lang="en-BE" sz="1600" dirty="0" smtClean="0"/>
-              <a:t>wrong: </a:t>
-            </a:r>
-          </a:p>
-          <a:p>
-            <a:pPr lvl="2"/>
-            <a:r>
-              <a:rPr lang="en-BE" sz="1600" dirty="0" smtClean="0"/>
-              <a:t>do not interpret / as a division, e.g. DO NOT read “euro PER usd”</a:t>
-            </a:r>
-          </a:p>
-          <a:p>
-            <a:pPr lvl="1"/>
-            <a:r>
-              <a:rPr lang="en-BE" sz="1600" dirty="0" smtClean="0"/>
-              <a:t>correct: </a:t>
-            </a:r>
-          </a:p>
-          <a:p>
-            <a:pPr lvl="2"/>
-            <a:r>
-              <a:rPr lang="en-BE" sz="1600" dirty="0" smtClean="0"/>
-              <a:t>interpret / as ‘to’, e.g. read from EUR to USD you multiply with 1,1</a:t>
-            </a:r>
-            <a:endParaRPr lang="en-BE" sz="1600" dirty="0"/>
-          </a:p>
-          <a:p>
-            <a:pPr lvl="2"/>
-            <a:r>
-              <a:rPr lang="en-BE" sz="1600" dirty="0" smtClean="0"/>
-              <a:t>1 euro = 1,1 USD</a:t>
-            </a:r>
-          </a:p>
-          <a:p>
-            <a:pPr lvl="2"/>
-            <a:r>
-              <a:rPr lang="en-US" sz="1600" dirty="0"/>
-              <a:t>You can think of it not as an exchange rate between currencies but as a comparison of the "strength" of one currency to the other</a:t>
-            </a:r>
-            <a:r>
-              <a:rPr lang="en-US" sz="1600" dirty="0" smtClean="0"/>
-              <a:t>.</a:t>
-            </a:r>
-            <a:endParaRPr lang="en-BE" sz="1600" dirty="0" smtClean="0"/>
-          </a:p>
-          <a:p>
-            <a:pPr lvl="2"/>
-            <a:r>
-              <a:rPr lang="en-US" sz="1600" dirty="0"/>
-              <a:t>So EUR/USD = 1.2 says with one EUR you can buy 1.2 times the consumer goods basket than you can buy with 1 USD.</a:t>
-            </a:r>
-            <a:endParaRPr lang="en-BE" sz="1600" dirty="0"/>
           </a:p>
         </p:txBody>
       </p:sp>
       <p:pic>
         <p:nvPicPr>
-          <p:cNvPr id="4" name="Picture 3"/>
+          <p:cNvPr id="6" name="Picture 5"/>
           <p:cNvPicPr>
             <a:picLocks noChangeAspect="1"/>
           </p:cNvPicPr>
@@ -10154,42 +10178,84 @@
         </p:blipFill>
         <p:spPr>
           <a:xfrm>
-            <a:off x="7749507" y="900832"/>
-            <a:ext cx="3787468" cy="815411"/>
+            <a:off x="68525" y="928979"/>
+            <a:ext cx="12051846" cy="935187"/>
           </a:xfrm>
           <a:prstGeom prst="rect">
             <a:avLst/>
           </a:prstGeom>
         </p:spPr>
       </p:pic>
-      <p:pic>
-        <p:nvPicPr>
-          <p:cNvPr id="7" name="Picture 6"/>
-          <p:cNvPicPr>
-            <a:picLocks noChangeAspect="1"/>
-          </p:cNvPicPr>
-          <p:nvPr/>
-        </p:nvPicPr>
-        <p:blipFill>
-          <a:blip r:embed="rId3"/>
-          <a:stretch>
-            <a:fillRect/>
-          </a:stretch>
-        </p:blipFill>
-        <p:spPr>
-          <a:xfrm>
-            <a:off x="7967603" y="2439887"/>
-            <a:ext cx="3635055" cy="2072820"/>
-          </a:xfrm>
-          <a:prstGeom prst="rect">
-            <a:avLst/>
-          </a:prstGeom>
-        </p:spPr>
-      </p:pic>
+      <p:sp>
+        <p:nvSpPr>
+          <p:cNvPr id="7" name="Content Placeholder 2"/>
+          <p:cNvSpPr>
+            <a:spLocks noGrp="1"/>
+          </p:cNvSpPr>
+          <p:nvPr>
+            <p:ph idx="1"/>
+          </p:nvPr>
+        </p:nvSpPr>
+        <p:spPr>
+          <a:xfrm>
+            <a:off x="203931" y="2150075"/>
+            <a:ext cx="11368171" cy="4402027"/>
+          </a:xfrm>
+        </p:spPr>
+        <p:txBody>
+          <a:bodyPr>
+            <a:normAutofit/>
+          </a:bodyPr>
+          <a:lstStyle/>
+          <a:p>
+            <a:r>
+              <a:rPr lang="en-BE" sz="1600" dirty="0" smtClean="0"/>
+              <a:t>stock_profiles: contains profile information on each stock</a:t>
+            </a:r>
+          </a:p>
+          <a:p>
+            <a:r>
+              <a:rPr lang="en-BE" sz="1600" dirty="0" smtClean="0"/>
+              <a:t>stock_ohlc: contains OHLC data on each stock</a:t>
+            </a:r>
+          </a:p>
+          <a:p>
+            <a:r>
+              <a:rPr lang="en-BE" sz="1600" dirty="0" smtClean="0"/>
+              <a:t>fx_rates: contains foreign exchange rates</a:t>
+            </a:r>
+          </a:p>
+          <a:p>
+            <a:endParaRPr lang="en-BE" sz="1600" dirty="0" smtClean="0"/>
+          </a:p>
+          <a:p>
+            <a:r>
+              <a:rPr lang="en-BE" sz="1600" dirty="0"/>
+              <a:t>bolero_map = create a mapping between bolero identifier and yahoo RIC</a:t>
+            </a:r>
+          </a:p>
+          <a:p>
+            <a:r>
+              <a:rPr lang="en-BE" sz="1600" dirty="0"/>
+              <a:t>saxo_map = create a mapping between saxo identifier and yahoo RIC</a:t>
+            </a:r>
+          </a:p>
+          <a:p>
+            <a:endParaRPr lang="en-BE" sz="1600" dirty="0" smtClean="0"/>
+          </a:p>
+          <a:p>
+            <a:r>
+              <a:rPr lang="en-BE" sz="1600" dirty="0" smtClean="0"/>
+              <a:t>transactions: contains user transactions</a:t>
+            </a:r>
+            <a:endParaRPr lang="en-BE" sz="1600" dirty="0" smtClean="0"/>
+          </a:p>
+        </p:txBody>
+      </p:sp>
     </p:spTree>
     <p:extLst>
       <p:ext uri="{BB962C8B-B14F-4D97-AF65-F5344CB8AC3E}">
-        <p14:creationId xmlns:p14="http://schemas.microsoft.com/office/powerpoint/2010/main" val="3970824759"/>
+        <p14:creationId xmlns:p14="http://schemas.microsoft.com/office/powerpoint/2010/main" val="1119302274"/>
       </p:ext>
     </p:extLst>
   </p:cSld>
@@ -10244,19 +10310,15 @@
           <a:lstStyle/>
           <a:p>
             <a:r>
-              <a:rPr lang="nl-BE" dirty="0" smtClean="0"/>
-              <a:t>transactions</a:t>
-            </a:r>
-            <a:r>
               <a:rPr lang="en-BE" dirty="0" smtClean="0"/>
-              <a:t>:</a:t>
+              <a:t>stock_profiles:</a:t>
             </a:r>
             <a:r>
               <a:rPr lang="nl-BE" dirty="0" smtClean="0"/>
               <a:t> </a:t>
             </a:r>
             <a:r>
-              <a:rPr lang="en-BE" dirty="0"/>
+              <a:rPr lang="en-BE" dirty="0" smtClean="0"/>
               <a:t>schema</a:t>
             </a:r>
             <a:endParaRPr lang="en-US" dirty="0"/>
@@ -10285,67 +10347,12 @@
           </a:bodyPr>
           <a:lstStyle/>
           <a:p>
-            <a:r>
-              <a:rPr lang="nl-BE" sz="1600" dirty="0" smtClean="0"/>
-              <a:t>possible types of transactions:</a:t>
-            </a:r>
-          </a:p>
-          <a:p>
             <a:pPr lvl="1"/>
-            <a:r>
-              <a:rPr lang="nl-BE" sz="1600" dirty="0" smtClean="0"/>
-              <a:t>buy: buy N amount of shares at price P</a:t>
-            </a:r>
+            <a:endParaRPr lang="nl-BE" sz="1800" dirty="0" smtClean="0"/>
           </a:p>
           <a:p>
             <a:pPr lvl="1"/>
-            <a:r>
-              <a:rPr lang="nl-BE" sz="1600" dirty="0" smtClean="0"/>
-              <a:t>sell: sell N amount of shares at price P</a:t>
-            </a:r>
-          </a:p>
-          <a:p>
-            <a:pPr lvl="1"/>
-            <a:r>
-              <a:rPr lang="nl-BE" sz="1600" dirty="0" smtClean="0"/>
-              <a:t>transfer_in: bring in N shares from another broker</a:t>
-            </a:r>
-          </a:p>
-          <a:p>
-            <a:pPr lvl="1"/>
-            <a:r>
-              <a:rPr lang="nl-BE" sz="1600" dirty="0" smtClean="0"/>
-              <a:t>transfer_out: transfer out N shares to another broker</a:t>
-            </a:r>
-          </a:p>
-          <a:p>
-            <a:pPr lvl="1"/>
-            <a:r>
-              <a:rPr lang="nl-BE" sz="1600" dirty="0" smtClean="0"/>
-              <a:t>cash_in: bring in M money in your broker’s cash account</a:t>
-            </a:r>
-          </a:p>
-          <a:p>
-            <a:pPr lvl="1"/>
-            <a:r>
-              <a:rPr lang="nl-BE" sz="1600" dirty="0" smtClean="0"/>
-              <a:t>cash_out: take out M money from your broker’s cash account</a:t>
-            </a:r>
-          </a:p>
-          <a:p>
-            <a:pPr lvl="1"/>
-            <a:r>
-              <a:rPr lang="nl-BE" sz="1600" dirty="0" smtClean="0"/>
-              <a:t>div: receive dividend</a:t>
-            </a:r>
-          </a:p>
-          <a:p>
-            <a:pPr lvl="1"/>
-            <a:endParaRPr lang="nl-BE" sz="1600" dirty="0" smtClean="0"/>
-          </a:p>
-          <a:p>
-            <a:pPr lvl="1"/>
-            <a:endParaRPr lang="en-US" sz="1600" dirty="0"/>
+            <a:endParaRPr lang="en-US" sz="1800" dirty="0"/>
           </a:p>
         </p:txBody>
       </p:sp>
@@ -10365,8 +10372,8 @@
         </p:blipFill>
         <p:spPr>
           <a:xfrm>
-            <a:off x="7393239" y="3129455"/>
-            <a:ext cx="4328095" cy="2521004"/>
+            <a:off x="3231931" y="1283903"/>
+            <a:ext cx="4692332" cy="2427837"/>
           </a:xfrm>
           <a:prstGeom prst="rect">
             <a:avLst/>
@@ -10389,8 +10396,8 @@
         </p:blipFill>
         <p:spPr>
           <a:xfrm>
-            <a:off x="7393239" y="1189310"/>
-            <a:ext cx="4099915" cy="1394581"/>
+            <a:off x="788512" y="4143611"/>
+            <a:ext cx="9579170" cy="2133785"/>
           </a:xfrm>
           <a:prstGeom prst="rect">
             <a:avLst/>
@@ -10400,7 +10407,7 @@
     </p:spTree>
     <p:extLst>
       <p:ext uri="{BB962C8B-B14F-4D97-AF65-F5344CB8AC3E}">
-        <p14:creationId xmlns:p14="http://schemas.microsoft.com/office/powerpoint/2010/main" val="4146728882"/>
+        <p14:creationId xmlns:p14="http://schemas.microsoft.com/office/powerpoint/2010/main" val="1854203341"/>
       </p:ext>
     </p:extLst>
   </p:cSld>

--- a/doc/stock_dashboard_documentation.pptx
+++ b/doc/stock_dashboard_documentation.pptx
@@ -21,14 +21,17 @@
     <p:sldId id="287" r:id="rId15"/>
     <p:sldId id="262" r:id="rId16"/>
     <p:sldId id="284" r:id="rId17"/>
-    <p:sldId id="259" r:id="rId18"/>
-    <p:sldId id="260" r:id="rId19"/>
-    <p:sldId id="272" r:id="rId20"/>
-    <p:sldId id="265" r:id="rId21"/>
-    <p:sldId id="266" r:id="rId22"/>
-    <p:sldId id="268" r:id="rId23"/>
-    <p:sldId id="271" r:id="rId24"/>
-    <p:sldId id="274" r:id="rId25"/>
+    <p:sldId id="290" r:id="rId18"/>
+    <p:sldId id="289" r:id="rId19"/>
+    <p:sldId id="259" r:id="rId20"/>
+    <p:sldId id="260" r:id="rId21"/>
+    <p:sldId id="272" r:id="rId22"/>
+    <p:sldId id="266" r:id="rId23"/>
+    <p:sldId id="265" r:id="rId24"/>
+    <p:sldId id="288" r:id="rId25"/>
+    <p:sldId id="268" r:id="rId26"/>
+    <p:sldId id="271" r:id="rId27"/>
+    <p:sldId id="274" r:id="rId28"/>
   </p:sldIdLst>
   <p:sldSz cx="12192000" cy="6858000"/>
   <p:notesSz cx="6858000" cy="9144000"/>
@@ -3170,35 +3173,37 @@
           <a:lstStyle/>
           <a:p>
             <a:r>
+              <a:rPr lang="en-BE" sz="1600" dirty="0" smtClean="0"/>
+              <a:t>quantmod </a:t>
+            </a:r>
+            <a:r>
+              <a:rPr lang="nl-BE" sz="1600" dirty="0" err="1" smtClean="0"/>
+              <a:t>getSymbols</a:t>
+            </a:r>
+            <a:r>
+              <a:rPr lang="nl-BE" sz="1600" dirty="0"/>
+              <a:t> </a:t>
+            </a:r>
+            <a:r>
+              <a:rPr lang="en-BE" sz="1600" dirty="0" smtClean="0"/>
+              <a:t>uses the yahoo API. This dataset already corrects for splits in the close price:</a:t>
+            </a:r>
+          </a:p>
+          <a:p>
+            <a:endParaRPr lang="en-BE" sz="1600" dirty="0"/>
+          </a:p>
+          <a:p>
+            <a:r>
               <a:rPr lang="en-US" sz="1600" dirty="0"/>
-              <a:t>The </a:t>
-            </a:r>
-            <a:r>
-              <a:rPr lang="en-US" sz="1600" i="1" dirty="0"/>
-              <a:t>close </a:t>
-            </a:r>
-            <a:r>
-              <a:rPr lang="en-US" sz="1600" dirty="0"/>
-              <a:t>(of the OHLC, open-high-low-close) is more or less straightforward: the closing price of a stock that was registered at the end of the period. And for end of day data, it’s the trading day. It’s a raw value, and it shows just how much raw cash a stock cost at the end of the day. It does just that: tells how much a stock cost at a given date.</a:t>
-            </a:r>
-            <a:endParaRPr lang="nl-BE" sz="1400" dirty="0" smtClean="0"/>
-          </a:p>
-          <a:p>
-            <a:pPr lvl="1"/>
-            <a:endParaRPr lang="en-BE" sz="1100" dirty="0" smtClean="0"/>
-          </a:p>
-          <a:p>
-            <a:pPr lvl="1"/>
-            <a:endParaRPr lang="en-BE" sz="1100" dirty="0"/>
-          </a:p>
-          <a:p>
+              <a:t>*Close </a:t>
+            </a:r>
+            <a:r>
+              <a:rPr lang="en-US" sz="1600" dirty="0" smtClean="0"/>
+              <a:t>price</a:t>
+            </a:r>
             <a:r>
               <a:rPr lang="en-BE" sz="1600" dirty="0" smtClean="0"/>
-              <a:t>D</a:t>
-            </a:r>
-            <a:r>
-              <a:rPr lang="en-US" sz="1600" dirty="0" err="1" smtClean="0"/>
-              <a:t>uring</a:t>
+              <a:t>:</a:t>
             </a:r>
             <a:r>
               <a:rPr lang="en-US" sz="1600" dirty="0" smtClean="0"/>
@@ -3206,19 +3211,41 @@
             </a:r>
             <a:r>
               <a:rPr lang="en-US" sz="1600" dirty="0"/>
-              <a:t>the lifetime, there most certainly have been corporate actions that affected the price of the stock. </a:t>
-            </a:r>
-            <a:r>
-              <a:rPr lang="en-US" sz="1600" dirty="0"/>
-              <a:t>Two primaries of those are splits and dividends. To compare stock prices during the stock’s lifetime, prices need to be adjusted to get the value of adjusted close – retroactively. </a:t>
-            </a:r>
-            <a:r>
-              <a:rPr lang="en-US" sz="1600" dirty="0"/>
-              <a:t>This means prices get adjusted back in time from the date when an affecting event occurred</a:t>
+              <a:t>adjusted for splits</a:t>
             </a:r>
             <a:r>
               <a:rPr lang="en-US" sz="1600" dirty="0" smtClean="0"/>
               <a:t>.</a:t>
+            </a:r>
+            <a:endParaRPr lang="en-BE" sz="1600" dirty="0" smtClean="0"/>
+          </a:p>
+          <a:p>
+            <a:endParaRPr lang="en-BE" sz="1600" dirty="0"/>
+          </a:p>
+          <a:p>
+            <a:r>
+              <a:rPr lang="en-US" sz="1600" dirty="0" smtClean="0"/>
+              <a:t>**</a:t>
+            </a:r>
+            <a:r>
+              <a:rPr lang="en-US" sz="1600" dirty="0"/>
+              <a:t>Adjusted close </a:t>
+            </a:r>
+            <a:r>
+              <a:rPr lang="en-US" sz="1600" dirty="0" smtClean="0"/>
+              <a:t>price</a:t>
+            </a:r>
+            <a:r>
+              <a:rPr lang="en-BE" sz="1600" dirty="0" smtClean="0"/>
+              <a:t>:</a:t>
+            </a:r>
+            <a:r>
+              <a:rPr lang="en-US" sz="1600" dirty="0" smtClean="0"/>
+              <a:t> </a:t>
+            </a:r>
+            <a:r>
+              <a:rPr lang="en-US" sz="1600" dirty="0"/>
+              <a:t>adjusted for splits and dividend and/or capital gain distributions</a:t>
             </a:r>
             <a:endParaRPr lang="en-BE" sz="1600" dirty="0" smtClean="0"/>
           </a:p>
@@ -3241,7 +3268,40 @@
             <a:endParaRPr lang="en-BE" sz="1600" dirty="0" smtClean="0"/>
           </a:p>
           <a:p>
-            <a:endParaRPr lang="en-US" sz="1600" dirty="0"/>
+            <a:endParaRPr lang="en-BE" sz="1600" dirty="0"/>
+          </a:p>
+          <a:p>
+            <a:r>
+              <a:rPr lang="nl-BE" sz="1600" dirty="0">
+                <a:hlinkClick r:id="rId3"/>
+              </a:rPr>
+              <a:t>https://</a:t>
+            </a:r>
+            <a:r>
+              <a:rPr lang="nl-BE" sz="1600" dirty="0" smtClean="0">
+                <a:hlinkClick r:id="rId3"/>
+              </a:rPr>
+              <a:t>finance.yahoo.com/quote/MT/history?period1=1493596800&amp;period2=1496275200&amp;interval=1d&amp;filter=history&amp;frequency=1d&amp;includeAdjustedClose=true</a:t>
+            </a:r>
+            <a:endParaRPr lang="en-BE" sz="1600" dirty="0" smtClean="0"/>
+          </a:p>
+          <a:p>
+            <a:endParaRPr lang="en-BE" sz="1600" dirty="0" smtClean="0"/>
+          </a:p>
+          <a:p>
+            <a:r>
+              <a:rPr lang="en-BE" sz="1600" b="1" dirty="0" smtClean="0">
+                <a:solidFill>
+                  <a:srgbClr val="FF0000"/>
+                </a:solidFill>
+              </a:rPr>
+              <a:t>our transactions do have historical volumes based on historical prices, so once in a while we must manually modify the prices for stock splits!!!</a:t>
+            </a:r>
+            <a:endParaRPr lang="en-US" sz="1600" b="1" dirty="0">
+              <a:solidFill>
+                <a:srgbClr val="FF0000"/>
+              </a:solidFill>
+            </a:endParaRPr>
           </a:p>
         </p:txBody>
       </p:sp>
@@ -3254,14 +3314,14 @@
           <p:nvPr/>
         </p:nvPicPr>
         <p:blipFill>
-          <a:blip r:embed="rId3"/>
+          <a:blip r:embed="rId4"/>
           <a:stretch>
             <a:fillRect/>
           </a:stretch>
         </p:blipFill>
         <p:spPr>
           <a:xfrm>
-            <a:off x="6204544" y="3609557"/>
+            <a:off x="6204543" y="2179124"/>
             <a:ext cx="5258256" cy="1623201"/>
           </a:xfrm>
           <a:prstGeom prst="rect">
@@ -3278,14 +3338,14 @@
           <p:nvPr/>
         </p:nvPicPr>
         <p:blipFill>
-          <a:blip r:embed="rId4"/>
+          <a:blip r:embed="rId5"/>
           <a:stretch>
             <a:fillRect/>
           </a:stretch>
         </p:blipFill>
         <p:spPr>
           <a:xfrm>
-            <a:off x="6345527" y="1297553"/>
+            <a:off x="6345526" y="206653"/>
             <a:ext cx="4976291" cy="1691787"/>
           </a:xfrm>
           <a:prstGeom prst="rect">
@@ -3293,6 +3353,141 @@
           </a:prstGeom>
         </p:spPr>
       </p:pic>
+      <p:sp>
+        <p:nvSpPr>
+          <p:cNvPr id="7" name="TextBox 6"/>
+          <p:cNvSpPr txBox="1"/>
+          <p:nvPr/>
+        </p:nvSpPr>
+        <p:spPr>
+          <a:xfrm>
+            <a:off x="6945549" y="4035170"/>
+            <a:ext cx="4376268" cy="2800767"/>
+          </a:xfrm>
+          <a:prstGeom prst="rect">
+            <a:avLst/>
+          </a:prstGeom>
+          <a:noFill/>
+        </p:spPr>
+        <p:txBody>
+          <a:bodyPr wrap="square" rtlCol="0">
+            <a:spAutoFit/>
+          </a:bodyPr>
+          <a:lstStyle/>
+          <a:p>
+            <a:r>
+              <a:rPr lang="en-BE" sz="1600" dirty="0" smtClean="0"/>
+              <a:t>e.g. arcelor mittal reverse stock split 1:3</a:t>
+            </a:r>
+          </a:p>
+          <a:p>
+            <a:r>
+              <a:rPr lang="en-US" sz="1600" dirty="0"/>
+              <a:t>UPDATE </a:t>
+            </a:r>
+            <a:r>
+              <a:rPr lang="en-US" sz="1600" dirty="0" err="1"/>
+              <a:t>stock_ohlc</a:t>
+            </a:r>
+            <a:endParaRPr lang="en-US" sz="1600" dirty="0"/>
+          </a:p>
+          <a:p>
+            <a:r>
+              <a:rPr lang="en-US" sz="1600" dirty="0"/>
+              <a:t>SET</a:t>
+            </a:r>
+          </a:p>
+          <a:p>
+            <a:r>
+              <a:rPr lang="en-US" sz="1600" dirty="0"/>
+              <a:t>    open = open / 3,</a:t>
+            </a:r>
+          </a:p>
+          <a:p>
+            <a:r>
+              <a:rPr lang="en-US" sz="1600" dirty="0"/>
+              <a:t>    high = high / 3,</a:t>
+            </a:r>
+          </a:p>
+          <a:p>
+            <a:r>
+              <a:rPr lang="en-US" sz="1600" dirty="0"/>
+              <a:t>    low = low / 3,</a:t>
+            </a:r>
+          </a:p>
+          <a:p>
+            <a:r>
+              <a:rPr lang="en-US" sz="1600" dirty="0"/>
+              <a:t>    close = close / 3,</a:t>
+            </a:r>
+          </a:p>
+          <a:p>
+            <a:r>
+              <a:rPr lang="en-US" sz="1600" dirty="0"/>
+              <a:t>    volume = volume * 3</a:t>
+            </a:r>
+          </a:p>
+          <a:p>
+            <a:r>
+              <a:rPr lang="en-US" sz="1600" dirty="0"/>
+              <a:t>WHERE</a:t>
+            </a:r>
+          </a:p>
+          <a:p>
+            <a:r>
+              <a:rPr lang="en-US" sz="1600" dirty="0"/>
+              <a:t>    symbol = 'MT.AS'</a:t>
+            </a:r>
+          </a:p>
+          <a:p>
+            <a:r>
+              <a:rPr lang="en-US" sz="1600" dirty="0"/>
+              <a:t>    AND date &lt; '2017-05-22';</a:t>
+            </a:r>
+            <a:endParaRPr lang="nl-BE" sz="1600" dirty="0"/>
+          </a:p>
+        </p:txBody>
+      </p:sp>
+      <p:sp>
+        <p:nvSpPr>
+          <p:cNvPr id="8" name="Right Arrow 7"/>
+          <p:cNvSpPr/>
+          <p:nvPr/>
+        </p:nvSpPr>
+        <p:spPr>
+          <a:xfrm>
+            <a:off x="5933872" y="5435553"/>
+            <a:ext cx="1011677" cy="955519"/>
+          </a:xfrm>
+          <a:prstGeom prst="rightArrow">
+            <a:avLst/>
+          </a:prstGeom>
+        </p:spPr>
+        <p:style>
+          <a:lnRef idx="2">
+            <a:schemeClr val="accent1">
+              <a:shade val="50000"/>
+            </a:schemeClr>
+          </a:lnRef>
+          <a:fillRef idx="1">
+            <a:schemeClr val="accent1"/>
+          </a:fillRef>
+          <a:effectRef idx="0">
+            <a:schemeClr val="accent1"/>
+          </a:effectRef>
+          <a:fontRef idx="minor">
+            <a:schemeClr val="lt1"/>
+          </a:fontRef>
+        </p:style>
+        <p:txBody>
+          <a:bodyPr rtlCol="0" anchor="ctr"/>
+          <a:lstStyle/>
+          <a:p>
+            <a:pPr algn="ctr"/>
+            <a:endParaRPr lang="nl-BE"/>
+          </a:p>
+        </p:txBody>
+      </p:sp>
     </p:spTree>
     <p:extLst>
       <p:ext uri="{BB962C8B-B14F-4D97-AF65-F5344CB8AC3E}">
@@ -3601,13 +3796,13 @@
         </p:nvSpPr>
         <p:spPr>
           <a:xfrm>
-            <a:off x="203931" y="1052547"/>
-            <a:ext cx="11742475" cy="5499556"/>
+            <a:off x="203931" y="814039"/>
+            <a:ext cx="11742475" cy="5738064"/>
           </a:xfrm>
         </p:spPr>
         <p:txBody>
           <a:bodyPr>
-            <a:normAutofit/>
+            <a:noAutofit/>
           </a:bodyPr>
           <a:lstStyle/>
           <a:p>
@@ -3662,8 +3857,104 @@
             <a:pPr lvl="1"/>
             <a:r>
               <a:rPr lang="nl-BE" sz="1600" dirty="0" smtClean="0"/>
-              <a:t>div: receive dividend</a:t>
-            </a:r>
+              <a:t>div: </a:t>
+            </a:r>
+            <a:r>
+              <a:rPr lang="nl-BE" sz="1600" dirty="0" err="1" smtClean="0"/>
+              <a:t>receive</a:t>
+            </a:r>
+            <a:r>
+              <a:rPr lang="nl-BE" sz="1600" dirty="0" smtClean="0"/>
+              <a:t> </a:t>
+            </a:r>
+            <a:r>
+              <a:rPr lang="nl-BE" sz="1600" dirty="0" smtClean="0"/>
+              <a:t>dividend</a:t>
+            </a:r>
+            <a:endParaRPr lang="en-BE" sz="1600" dirty="0" smtClean="0"/>
+          </a:p>
+          <a:p>
+            <a:pPr lvl="1"/>
+            <a:endParaRPr lang="en-BE" sz="1600" dirty="0"/>
+          </a:p>
+          <a:p>
+            <a:r>
+              <a:rPr lang="en-BE" sz="1600" dirty="0" smtClean="0"/>
+              <a:t>NULL values in records</a:t>
+            </a:r>
+          </a:p>
+          <a:p>
+            <a:pPr lvl="1"/>
+            <a:r>
+              <a:rPr lang="en-BE" sz="1600" dirty="0" smtClean="0"/>
+              <a:t>for buy &amp; sell: all fields mandatory</a:t>
+            </a:r>
+          </a:p>
+          <a:p>
+            <a:pPr lvl="1"/>
+            <a:r>
+              <a:rPr lang="en-BE" sz="1600" dirty="0" smtClean="0"/>
+              <a:t>for cash_in and cash_out: symbol &amp; amount = NULL</a:t>
+            </a:r>
+          </a:p>
+          <a:p>
+            <a:pPr lvl="1"/>
+            <a:r>
+              <a:rPr lang="en-BE" sz="1600" dirty="0" smtClean="0"/>
+              <a:t>for transfer_in and transfer_out: money=NULL</a:t>
+            </a:r>
+          </a:p>
+          <a:p>
+            <a:pPr lvl="1"/>
+            <a:r>
+              <a:rPr lang="en-BE" sz="1600" dirty="0" smtClean="0"/>
+              <a:t>for div: amount could be NULL</a:t>
+            </a:r>
+          </a:p>
+          <a:p>
+            <a:pPr lvl="1"/>
+            <a:endParaRPr lang="en-BE" sz="1600" dirty="0" smtClean="0"/>
+          </a:p>
+          <a:p>
+            <a:r>
+              <a:rPr lang="en-BE" sz="1600" dirty="0" smtClean="0"/>
+              <a:t>sign convention</a:t>
+            </a:r>
+          </a:p>
+          <a:p>
+            <a:pPr lvl="1"/>
+            <a:r>
+              <a:rPr lang="en-BE" sz="1600" dirty="0" smtClean="0"/>
+              <a:t>all values are positive (so both cash_in and cash_out are positive)</a:t>
+            </a:r>
+          </a:p>
+          <a:p>
+            <a:pPr lvl="1"/>
+            <a:endParaRPr lang="en-BE" sz="1600" dirty="0"/>
+          </a:p>
+          <a:p>
+            <a:r>
+              <a:rPr lang="en-BE" sz="1600" dirty="0" smtClean="0"/>
+              <a:t>currency convention</a:t>
+            </a:r>
+          </a:p>
+          <a:p>
+            <a:pPr lvl="1"/>
+            <a:r>
+              <a:rPr lang="en-BE" sz="1600" dirty="0" smtClean="0"/>
+              <a:t>all ‘money’ amounts are in the stock’s native currency as listed in stock_profiles</a:t>
+            </a:r>
+            <a:endParaRPr lang="en-BE" sz="1600" dirty="0"/>
+          </a:p>
+          <a:p>
+            <a:pPr marL="457200" lvl="1" indent="0">
+              <a:buNone/>
+            </a:pPr>
+            <a:r>
+              <a:rPr lang="en-BE" sz="1600" dirty="0" smtClean="0"/>
+              <a:t>	</a:t>
+            </a:r>
+            <a:endParaRPr lang="nl-BE" sz="1600" dirty="0" smtClean="0"/>
           </a:p>
           <a:p>
             <a:pPr lvl="1"/>
@@ -3701,7 +3992,7 @@
       </p:pic>
       <p:pic>
         <p:nvPicPr>
-          <p:cNvPr id="5" name="Picture 4"/>
+          <p:cNvPr id="6" name="Picture 5"/>
           <p:cNvPicPr>
             <a:picLocks noChangeAspect="1"/>
           </p:cNvPicPr>
@@ -3715,8 +4006,8 @@
         </p:blipFill>
         <p:spPr>
           <a:xfrm>
-            <a:off x="7393239" y="1189310"/>
-            <a:ext cx="4099915" cy="1394581"/>
+            <a:off x="7030060" y="1118365"/>
+            <a:ext cx="4610500" cy="1333616"/>
           </a:xfrm>
           <a:prstGeom prst="rect">
             <a:avLst/>
@@ -5291,8 +5582,12 @@
           <a:lstStyle/>
           <a:p>
             <a:r>
-              <a:rPr lang="nl-BE" dirty="0" smtClean="0"/>
-              <a:t>BOLERO import xlsx</a:t>
+              <a:rPr lang="en-BE" dirty="0" smtClean="0"/>
+              <a:t>transactions</a:t>
+            </a:r>
+            <a:r>
+              <a:rPr lang="en-BE" dirty="0" smtClean="0"/>
+              <a:t>: import</a:t>
             </a:r>
             <a:endParaRPr lang="en-US" dirty="0"/>
           </a:p>
@@ -5310,8 +5605,8 @@
         </p:nvSpPr>
         <p:spPr>
           <a:xfrm>
-            <a:off x="203932" y="1052547"/>
-            <a:ext cx="4837626" cy="5499556"/>
+            <a:off x="203931" y="1052547"/>
+            <a:ext cx="11742475" cy="5499556"/>
           </a:xfrm>
         </p:spPr>
         <p:txBody>
@@ -5321,136 +5616,50 @@
           <a:lstStyle/>
           <a:p>
             <a:r>
-              <a:rPr lang="nl-BE" sz="2400" dirty="0"/>
-              <a:t>log in op bolero</a:t>
-            </a:r>
-          </a:p>
-          <a:p>
-            <a:r>
-              <a:rPr lang="nl-BE" sz="2400" dirty="0"/>
-              <a:t>gaar naar portefeuille</a:t>
-            </a:r>
-          </a:p>
-          <a:p>
-            <a:r>
-              <a:rPr lang="nl-BE" sz="2400" dirty="0"/>
-              <a:t>dan naar historiek</a:t>
-            </a:r>
-          </a:p>
-          <a:p>
-            <a:r>
-              <a:rPr lang="nl-BE" sz="2400" dirty="0"/>
-              <a:t>selecteer data en plak het in </a:t>
-            </a:r>
-            <a:r>
-              <a:rPr lang="nl-BE" sz="2400" dirty="0" smtClean="0"/>
-              <a:t>excel (via notepad tussenstap wordt html formatting verwijderd)</a:t>
-            </a:r>
-            <a:endParaRPr lang="nl-BE" sz="2400" dirty="0"/>
-          </a:p>
-          <a:p>
-            <a:endParaRPr lang="nl-BE" sz="2400" dirty="0" smtClean="0"/>
-          </a:p>
-          <a:p>
-            <a:r>
-              <a:rPr lang="nl-BE" sz="2400" dirty="0"/>
-              <a:t>voeg een </a:t>
-            </a:r>
-            <a:r>
-              <a:rPr lang="nl-BE" sz="2400" i="1" dirty="0"/>
-              <a:t>symbol</a:t>
-            </a:r>
-            <a:r>
-              <a:rPr lang="nl-BE" sz="2400" dirty="0"/>
-              <a:t> kolom toe</a:t>
-            </a:r>
-          </a:p>
-          <a:p>
-            <a:r>
-              <a:rPr lang="nl-BE" sz="2400" dirty="0"/>
-              <a:t>vul het </a:t>
-            </a:r>
-            <a:r>
-              <a:rPr lang="nl-BE" sz="2400" dirty="0" smtClean="0"/>
-              <a:t>RIC als symbol in (minstens </a:t>
-            </a:r>
-            <a:r>
-              <a:rPr lang="nl-BE" sz="2400" dirty="0"/>
-              <a:t>1x per nieuwe </a:t>
-            </a:r>
-            <a:r>
-              <a:rPr lang="nl-BE" sz="2400" dirty="0" smtClean="0"/>
-              <a:t>stock)</a:t>
-            </a:r>
-            <a:endParaRPr lang="nl-BE" sz="2400" dirty="0"/>
-          </a:p>
-          <a:p>
-            <a:r>
-              <a:rPr lang="nl-BE" sz="2400" dirty="0"/>
-              <a:t>als er geen ‘nieuwe’ stocks zijn gekocht dan hoef je geen symbol in te vullen</a:t>
-            </a:r>
-            <a:endParaRPr lang="en-US" sz="2400" dirty="0"/>
-          </a:p>
-          <a:p>
-            <a:endParaRPr lang="en-US" sz="2400" dirty="0"/>
-          </a:p>
-          <a:p>
-            <a:endParaRPr lang="nl-BE" sz="2200" dirty="0" smtClean="0"/>
-          </a:p>
-        </p:txBody>
-      </p:sp>
-      <p:pic>
-        <p:nvPicPr>
-          <p:cNvPr id="4" name="Content Placeholder 5"/>
-          <p:cNvPicPr>
-            <a:picLocks noChangeAspect="1"/>
-          </p:cNvPicPr>
-          <p:nvPr/>
-        </p:nvPicPr>
-        <p:blipFill>
-          <a:blip r:embed="rId2"/>
-          <a:stretch>
-            <a:fillRect/>
-          </a:stretch>
-        </p:blipFill>
-        <p:spPr>
-          <a:xfrm>
-            <a:off x="5235555" y="213069"/>
-            <a:ext cx="6650373" cy="2956440"/>
-          </a:xfrm>
-          <a:prstGeom prst="rect">
-            <a:avLst/>
-          </a:prstGeom>
-        </p:spPr>
-      </p:pic>
-      <p:pic>
-        <p:nvPicPr>
-          <p:cNvPr id="5" name="Picture 4"/>
-          <p:cNvPicPr>
-            <a:picLocks noChangeAspect="1"/>
-          </p:cNvPicPr>
-          <p:nvPr/>
-        </p:nvPicPr>
-        <p:blipFill>
-          <a:blip r:embed="rId3"/>
-          <a:stretch>
-            <a:fillRect/>
-          </a:stretch>
-        </p:blipFill>
-        <p:spPr>
-          <a:xfrm>
-            <a:off x="5283034" y="4063365"/>
-            <a:ext cx="6555414" cy="1720215"/>
-          </a:xfrm>
-          <a:prstGeom prst="rect">
-            <a:avLst/>
-          </a:prstGeom>
-        </p:spPr>
-      </p:pic>
+              <a:rPr lang="en-BE" sz="1600" dirty="0" smtClean="0"/>
+              <a:t>multiple ways</a:t>
+            </a:r>
+          </a:p>
+          <a:p>
+            <a:pPr lvl="1"/>
+            <a:r>
+              <a:rPr lang="en-BE" sz="1600" dirty="0" smtClean="0"/>
+              <a:t>manual upload in the webapp</a:t>
+            </a:r>
+          </a:p>
+          <a:p>
+            <a:pPr lvl="2"/>
+            <a:r>
+              <a:rPr lang="en-BE" sz="1600" dirty="0" smtClean="0"/>
+              <a:t>parsers are available for saxo &amp; bolero output (see next slides)</a:t>
+            </a:r>
+          </a:p>
+          <a:p>
+            <a:pPr lvl="1"/>
+            <a:r>
+              <a:rPr lang="en-BE" sz="1600" dirty="0" smtClean="0"/>
+              <a:t>manual work in excel to write sql statements in excel</a:t>
+            </a:r>
+          </a:p>
+          <a:p>
+            <a:pPr lvl="1"/>
+            <a:r>
+              <a:rPr lang="en-BE" sz="1600" dirty="0" smtClean="0"/>
+              <a:t>write batch parsers from excel to db</a:t>
+            </a:r>
+          </a:p>
+          <a:p>
+            <a:pPr marL="457200" lvl="1" indent="0">
+              <a:buNone/>
+            </a:pPr>
+            <a:endParaRPr lang="en-BE" sz="1600" dirty="0" smtClean="0"/>
+          </a:p>
+        </p:txBody>
+      </p:sp>
     </p:spTree>
     <p:extLst>
       <p:ext uri="{BB962C8B-B14F-4D97-AF65-F5344CB8AC3E}">
-        <p14:creationId xmlns:p14="http://schemas.microsoft.com/office/powerpoint/2010/main" val="8355119"/>
+        <p14:creationId xmlns:p14="http://schemas.microsoft.com/office/powerpoint/2010/main" val="3454571537"/>
       </p:ext>
     </p:extLst>
   </p:cSld>
@@ -5484,149 +5693,9 @@
           <a:chExt cx="0" cy="0"/>
         </a:xfrm>
       </p:grpSpPr>
-      <p:sp>
-        <p:nvSpPr>
-          <p:cNvPr id="2" name="Title 1"/>
-          <p:cNvSpPr>
-            <a:spLocks noGrp="1"/>
-          </p:cNvSpPr>
-          <p:nvPr>
-            <p:ph type="title"/>
-          </p:nvPr>
-        </p:nvSpPr>
-        <p:spPr>
-          <a:xfrm>
-            <a:off x="68525" y="-207198"/>
-            <a:ext cx="10515600" cy="1325563"/>
-          </a:xfrm>
-        </p:spPr>
-        <p:txBody>
-          <a:bodyPr/>
-          <a:lstStyle/>
-          <a:p>
-            <a:r>
-              <a:rPr lang="nl-BE"/>
-              <a:t>SAXO import xlsx</a:t>
-            </a:r>
-            <a:endParaRPr lang="en-US" dirty="0"/>
-          </a:p>
-        </p:txBody>
-      </p:sp>
-      <p:sp>
-        <p:nvSpPr>
-          <p:cNvPr id="3" name="Content Placeholder 2"/>
-          <p:cNvSpPr>
-            <a:spLocks noGrp="1"/>
-          </p:cNvSpPr>
-          <p:nvPr>
-            <p:ph idx="1"/>
-          </p:nvPr>
-        </p:nvSpPr>
-        <p:spPr>
-          <a:xfrm>
-            <a:off x="203932" y="1052547"/>
-            <a:ext cx="4837626" cy="5499556"/>
-          </a:xfrm>
-        </p:spPr>
-        <p:txBody>
-          <a:bodyPr>
-            <a:normAutofit/>
-          </a:bodyPr>
-          <a:lstStyle/>
-          <a:p>
-            <a:r>
-              <a:rPr lang="nl-BE" sz="2400" dirty="0"/>
-              <a:t>log in </a:t>
-            </a:r>
-            <a:r>
-              <a:rPr lang="nl-BE" sz="2400"/>
-              <a:t>op </a:t>
-            </a:r>
-            <a:r>
-              <a:rPr lang="nl-BE" sz="2400" smtClean="0"/>
-              <a:t>Saxo Investor</a:t>
-            </a:r>
-            <a:endParaRPr lang="nl-BE" sz="2400" dirty="0"/>
-          </a:p>
-          <a:p>
-            <a:r>
-              <a:rPr lang="nl-BE" sz="2400" dirty="0"/>
-              <a:t>gaar naar </a:t>
-            </a:r>
-            <a:r>
-              <a:rPr lang="nl-BE" sz="2400" dirty="0" smtClean="0"/>
-              <a:t>transacties</a:t>
-            </a:r>
-            <a:endParaRPr lang="nl-BE" sz="2400" dirty="0"/>
-          </a:p>
-          <a:p>
-            <a:r>
-              <a:rPr lang="nl-BE" sz="2400" dirty="0" smtClean="0"/>
-              <a:t>plaats aangepaste periode</a:t>
-            </a:r>
-            <a:endParaRPr lang="nl-BE" sz="2400" dirty="0"/>
-          </a:p>
-          <a:p>
-            <a:r>
-              <a:rPr lang="nl-BE" sz="2400" dirty="0" smtClean="0"/>
-              <a:t>exporteer als excel</a:t>
-            </a:r>
-            <a:endParaRPr lang="nl-BE" sz="2400" dirty="0"/>
-          </a:p>
-          <a:p>
-            <a:endParaRPr lang="nl-BE" sz="2400" dirty="0" smtClean="0"/>
-          </a:p>
-          <a:p>
-            <a:r>
-              <a:rPr lang="nl-BE" sz="2400" dirty="0"/>
-              <a:t>voeg een </a:t>
-            </a:r>
-            <a:r>
-              <a:rPr lang="nl-BE" sz="2400" i="1" dirty="0"/>
-              <a:t>symbol</a:t>
-            </a:r>
-            <a:r>
-              <a:rPr lang="nl-BE" sz="2400" dirty="0"/>
-              <a:t> kolom toe</a:t>
-            </a:r>
-          </a:p>
-          <a:p>
-            <a:r>
-              <a:rPr lang="nl-BE" sz="2400" dirty="0"/>
-              <a:t>vul het </a:t>
-            </a:r>
-            <a:r>
-              <a:rPr lang="nl-BE" sz="2400" dirty="0" smtClean="0"/>
-              <a:t>RIC als symbol in (minstens </a:t>
-            </a:r>
-            <a:r>
-              <a:rPr lang="nl-BE" sz="2400" dirty="0"/>
-              <a:t>1x per nieuwe </a:t>
-            </a:r>
-            <a:r>
-              <a:rPr lang="nl-BE" sz="2400" dirty="0" smtClean="0"/>
-              <a:t>stock)</a:t>
-            </a:r>
-            <a:endParaRPr lang="nl-BE" sz="2400" dirty="0"/>
-          </a:p>
-          <a:p>
-            <a:r>
-              <a:rPr lang="nl-BE" sz="2400" dirty="0"/>
-              <a:t>als er geen ‘nieuwe’ stocks zijn gekocht dan hoef je geen symbol in te vullen</a:t>
-            </a:r>
-            <a:endParaRPr lang="en-US" sz="2400" dirty="0"/>
-          </a:p>
-          <a:p>
-            <a:endParaRPr lang="en-US" sz="2400" dirty="0"/>
-          </a:p>
-          <a:p>
-            <a:endParaRPr lang="nl-BE" sz="2200" dirty="0" smtClean="0"/>
-          </a:p>
-        </p:txBody>
-      </p:sp>
       <p:pic>
         <p:nvPicPr>
-          <p:cNvPr id="6" name="Picture 5"/>
+          <p:cNvPr id="4" name="Picture 3"/>
           <p:cNvPicPr>
             <a:picLocks noChangeAspect="1"/>
           </p:cNvPicPr>
@@ -5640,8 +5709,8 @@
         </p:blipFill>
         <p:spPr>
           <a:xfrm>
-            <a:off x="7737781" y="21292"/>
-            <a:ext cx="2400629" cy="4461714"/>
+            <a:off x="2999678" y="2330605"/>
+            <a:ext cx="6690940" cy="3795089"/>
           </a:xfrm>
           <a:prstGeom prst="rect">
             <a:avLst/>
@@ -5650,22 +5719,22 @@
       </p:pic>
       <p:pic>
         <p:nvPicPr>
-          <p:cNvPr id="7" name="Picture 6"/>
+          <p:cNvPr id="5" name="Picture 4"/>
           <p:cNvPicPr>
             <a:picLocks noChangeAspect="1"/>
           </p:cNvPicPr>
           <p:nvPr/>
         </p:nvPicPr>
         <p:blipFill>
-          <a:blip r:embed="rId3"/>
+          <a:blip r:embed="rId2"/>
           <a:stretch>
             <a:fillRect/>
           </a:stretch>
         </p:blipFill>
         <p:spPr>
           <a:xfrm>
-            <a:off x="546833" y="5742751"/>
-            <a:ext cx="11473718" cy="829842"/>
+            <a:off x="1460809" y="1594624"/>
+            <a:ext cx="6690940" cy="3795089"/>
           </a:xfrm>
           <a:prstGeom prst="rect">
             <a:avLst/>
@@ -5675,7 +5744,7 @@
     </p:spTree>
     <p:extLst>
       <p:ext uri="{BB962C8B-B14F-4D97-AF65-F5344CB8AC3E}">
-        <p14:creationId xmlns:p14="http://schemas.microsoft.com/office/powerpoint/2010/main" val="703887595"/>
+        <p14:creationId xmlns:p14="http://schemas.microsoft.com/office/powerpoint/2010/main" val="1632147480"/>
       </p:ext>
     </p:extLst>
   </p:cSld>
@@ -5695,17 +5764,6 @@
 <file path=ppt/slides/slide19.xml><?xml version="1.0" encoding="utf-8"?>
 <p:sld xmlns:a="http://schemas.openxmlformats.org/drawingml/2006/main" xmlns:r="http://schemas.openxmlformats.org/officeDocument/2006/relationships" xmlns:p="http://schemas.openxmlformats.org/presentationml/2006/main">
   <p:cSld>
-    <p:bg>
-      <p:bgPr>
-        <a:solidFill>
-          <a:schemeClr val="accent6">
-            <a:lumMod val="20000"/>
-            <a:lumOff val="80000"/>
-          </a:schemeClr>
-        </a:solidFill>
-        <a:effectLst/>
-      </p:bgPr>
-    </p:bg>
     <p:spTree>
       <p:nvGrpSpPr>
         <p:cNvPr id="1" name=""/>
@@ -5722,22 +5780,27 @@
       </p:grpSpPr>
       <p:sp>
         <p:nvSpPr>
-          <p:cNvPr id="4" name="Title 3"/>
+          <p:cNvPr id="2" name="Title 1"/>
           <p:cNvSpPr>
             <a:spLocks noGrp="1"/>
           </p:cNvSpPr>
           <p:nvPr>
-            <p:ph type="ctrTitle"/>
+            <p:ph type="title"/>
           </p:nvPr>
         </p:nvSpPr>
-        <p:spPr/>
+        <p:spPr>
+          <a:xfrm>
+            <a:off x="68525" y="-207198"/>
+            <a:ext cx="10515600" cy="1325563"/>
+          </a:xfrm>
+        </p:spPr>
         <p:txBody>
           <a:bodyPr/>
           <a:lstStyle/>
           <a:p>
             <a:r>
               <a:rPr lang="nl-BE" dirty="0" smtClean="0"/>
-              <a:t>reactivity</a:t>
+              <a:t>BOLERO import xlsx</a:t>
             </a:r>
             <a:endParaRPr lang="en-US" dirty="0"/>
           </a:p>
@@ -5745,27 +5808,157 @@
       </p:sp>
       <p:sp>
         <p:nvSpPr>
-          <p:cNvPr id="5" name="Subtitle 4"/>
+          <p:cNvPr id="3" name="Content Placeholder 2"/>
           <p:cNvSpPr>
             <a:spLocks noGrp="1"/>
           </p:cNvSpPr>
           <p:nvPr>
-            <p:ph type="subTitle" idx="1"/>
+            <p:ph idx="1"/>
           </p:nvPr>
         </p:nvSpPr>
-        <p:spPr/>
-        <p:txBody>
-          <a:bodyPr/>
-          <a:lstStyle/>
-          <a:p>
-            <a:endParaRPr lang="en-US"/>
-          </a:p>
-        </p:txBody>
-      </p:sp>
+        <p:spPr>
+          <a:xfrm>
+            <a:off x="203932" y="1052547"/>
+            <a:ext cx="4837626" cy="5499556"/>
+          </a:xfrm>
+        </p:spPr>
+        <p:txBody>
+          <a:bodyPr>
+            <a:normAutofit/>
+          </a:bodyPr>
+          <a:lstStyle/>
+          <a:p>
+            <a:r>
+              <a:rPr lang="nl-BE" sz="2400" dirty="0"/>
+              <a:t>log in op bolero</a:t>
+            </a:r>
+          </a:p>
+          <a:p>
+            <a:r>
+              <a:rPr lang="nl-BE" sz="2400" dirty="0"/>
+              <a:t>gaar naar portefeuille</a:t>
+            </a:r>
+          </a:p>
+          <a:p>
+            <a:r>
+              <a:rPr lang="nl-BE" sz="2400" dirty="0"/>
+              <a:t>dan naar historiek</a:t>
+            </a:r>
+          </a:p>
+          <a:p>
+            <a:r>
+              <a:rPr lang="nl-BE" sz="2400" dirty="0"/>
+              <a:t>selecteer data en plak het in </a:t>
+            </a:r>
+            <a:r>
+              <a:rPr lang="nl-BE" sz="2400" dirty="0" smtClean="0"/>
+              <a:t>excel (via notepad tussenstap wordt html formatting verwijderd)</a:t>
+            </a:r>
+            <a:endParaRPr lang="nl-BE" sz="2400" dirty="0"/>
+          </a:p>
+          <a:p>
+            <a:endParaRPr lang="nl-BE" sz="2400" dirty="0" smtClean="0"/>
+          </a:p>
+          <a:p>
+            <a:r>
+              <a:rPr lang="nl-BE" sz="2400" dirty="0"/>
+              <a:t>voeg een </a:t>
+            </a:r>
+            <a:r>
+              <a:rPr lang="nl-BE" sz="2400" i="1" dirty="0"/>
+              <a:t>symbol</a:t>
+            </a:r>
+            <a:r>
+              <a:rPr lang="nl-BE" sz="2400" dirty="0"/>
+              <a:t> kolom toe</a:t>
+            </a:r>
+          </a:p>
+          <a:p>
+            <a:r>
+              <a:rPr lang="nl-BE" sz="2400" dirty="0"/>
+              <a:t>vul het </a:t>
+            </a:r>
+            <a:r>
+              <a:rPr lang="nl-BE" sz="2400" dirty="0" smtClean="0"/>
+              <a:t>RIC als symbol in (minstens </a:t>
+            </a:r>
+            <a:r>
+              <a:rPr lang="nl-BE" sz="2400" dirty="0"/>
+              <a:t>1x per nieuwe </a:t>
+            </a:r>
+            <a:r>
+              <a:rPr lang="nl-BE" sz="2400" dirty="0" smtClean="0"/>
+              <a:t>stock)</a:t>
+            </a:r>
+            <a:endParaRPr lang="nl-BE" sz="2400" dirty="0"/>
+          </a:p>
+          <a:p>
+            <a:r>
+              <a:rPr lang="nl-BE" sz="2400" dirty="0"/>
+              <a:t>als er geen ‘nieuwe’ stocks zijn gekocht dan hoef je geen symbol in te vullen</a:t>
+            </a:r>
+            <a:endParaRPr lang="en-US" sz="2400" dirty="0"/>
+          </a:p>
+          <a:p>
+            <a:endParaRPr lang="en-US" sz="2400" dirty="0"/>
+          </a:p>
+          <a:p>
+            <a:endParaRPr lang="nl-BE" sz="2200" dirty="0" smtClean="0"/>
+          </a:p>
+        </p:txBody>
+      </p:sp>
+      <p:pic>
+        <p:nvPicPr>
+          <p:cNvPr id="4" name="Content Placeholder 5"/>
+          <p:cNvPicPr>
+            <a:picLocks noChangeAspect="1"/>
+          </p:cNvPicPr>
+          <p:nvPr/>
+        </p:nvPicPr>
+        <p:blipFill>
+          <a:blip r:embed="rId2"/>
+          <a:stretch>
+            <a:fillRect/>
+          </a:stretch>
+        </p:blipFill>
+        <p:spPr>
+          <a:xfrm>
+            <a:off x="5235555" y="213069"/>
+            <a:ext cx="6650373" cy="2956440"/>
+          </a:xfrm>
+          <a:prstGeom prst="rect">
+            <a:avLst/>
+          </a:prstGeom>
+        </p:spPr>
+      </p:pic>
+      <p:pic>
+        <p:nvPicPr>
+          <p:cNvPr id="5" name="Picture 4"/>
+          <p:cNvPicPr>
+            <a:picLocks noChangeAspect="1"/>
+          </p:cNvPicPr>
+          <p:nvPr/>
+        </p:nvPicPr>
+        <p:blipFill>
+          <a:blip r:embed="rId3"/>
+          <a:stretch>
+            <a:fillRect/>
+          </a:stretch>
+        </p:blipFill>
+        <p:spPr>
+          <a:xfrm>
+            <a:off x="5283034" y="4063365"/>
+            <a:ext cx="6555414" cy="1720215"/>
+          </a:xfrm>
+          <a:prstGeom prst="rect">
+            <a:avLst/>
+          </a:prstGeom>
+        </p:spPr>
+      </p:pic>
     </p:spTree>
     <p:extLst>
       <p:ext uri="{BB962C8B-B14F-4D97-AF65-F5344CB8AC3E}">
-        <p14:creationId xmlns:p14="http://schemas.microsoft.com/office/powerpoint/2010/main" val="1106892015"/>
+        <p14:creationId xmlns:p14="http://schemas.microsoft.com/office/powerpoint/2010/main" val="8355119"/>
       </p:ext>
     </p:extLst>
   </p:cSld>
@@ -5915,14 +6108,19 @@
             <p:ph type="title"/>
           </p:nvPr>
         </p:nvSpPr>
-        <p:spPr/>
+        <p:spPr>
+          <a:xfrm>
+            <a:off x="68525" y="-207198"/>
+            <a:ext cx="10515600" cy="1325563"/>
+          </a:xfrm>
+        </p:spPr>
         <p:txBody>
           <a:bodyPr/>
           <a:lstStyle/>
           <a:p>
             <a:r>
-              <a:rPr lang="nl-BE" dirty="0" smtClean="0"/>
-              <a:t>reactives</a:t>
+              <a:rPr lang="nl-BE"/>
+              <a:t>SAXO import xlsx</a:t>
             </a:r>
             <a:endParaRPr lang="en-US" dirty="0"/>
           </a:p>
@@ -5930,1246 +6128,168 @@
       </p:sp>
       <p:sp>
         <p:nvSpPr>
-          <p:cNvPr id="4" name="Flowchart: Magnetic Disk 3"/>
-          <p:cNvSpPr/>
-          <p:nvPr/>
-        </p:nvSpPr>
-        <p:spPr>
-          <a:xfrm>
-            <a:off x="988539" y="1890584"/>
-            <a:ext cx="840259" cy="729048"/>
-          </a:xfrm>
-          <a:prstGeom prst="flowChartMagneticDisk">
-            <a:avLst/>
-          </a:prstGeom>
-        </p:spPr>
-        <p:style>
-          <a:lnRef idx="2">
-            <a:schemeClr val="accent5">
-              <a:shade val="50000"/>
-            </a:schemeClr>
-          </a:lnRef>
-          <a:fillRef idx="1">
-            <a:schemeClr val="accent5"/>
-          </a:fillRef>
-          <a:effectRef idx="0">
-            <a:schemeClr val="accent5"/>
-          </a:effectRef>
-          <a:fontRef idx="minor">
-            <a:schemeClr val="lt1"/>
-          </a:fontRef>
-        </p:style>
-        <p:txBody>
-          <a:bodyPr rtlCol="0" anchor="ctr"/>
-          <a:lstStyle/>
-          <a:p>
-            <a:pPr algn="ctr"/>
-            <a:r>
-              <a:rPr lang="nl-BE" sz="900" dirty="0" smtClean="0"/>
-              <a:t>transactions</a:t>
-            </a:r>
-            <a:endParaRPr lang="en-US" sz="900" dirty="0"/>
-          </a:p>
-        </p:txBody>
-      </p:sp>
-      <p:sp>
-        <p:nvSpPr>
-          <p:cNvPr id="5" name="Flowchart: Magnetic Disk 4"/>
-          <p:cNvSpPr/>
-          <p:nvPr/>
-        </p:nvSpPr>
-        <p:spPr>
-          <a:xfrm>
-            <a:off x="988540" y="3095369"/>
-            <a:ext cx="840259" cy="729048"/>
-          </a:xfrm>
-          <a:prstGeom prst="flowChartMagneticDisk">
-            <a:avLst/>
-          </a:prstGeom>
-        </p:spPr>
-        <p:style>
-          <a:lnRef idx="2">
-            <a:schemeClr val="accent5">
-              <a:shade val="50000"/>
-            </a:schemeClr>
-          </a:lnRef>
-          <a:fillRef idx="1">
-            <a:schemeClr val="accent5"/>
-          </a:fillRef>
-          <a:effectRef idx="0">
-            <a:schemeClr val="accent5"/>
-          </a:effectRef>
-          <a:fontRef idx="minor">
-            <a:schemeClr val="lt1"/>
-          </a:fontRef>
-        </p:style>
-        <p:txBody>
-          <a:bodyPr rtlCol="0" anchor="ctr"/>
-          <a:lstStyle/>
-          <a:p>
-            <a:pPr algn="ctr"/>
-            <a:r>
-              <a:rPr lang="nl-BE" sz="900" dirty="0" smtClean="0"/>
-              <a:t>stock_ohlc</a:t>
-            </a:r>
-            <a:endParaRPr lang="en-US" sz="900" dirty="0"/>
-          </a:p>
-        </p:txBody>
-      </p:sp>
-      <p:sp>
-        <p:nvSpPr>
-          <p:cNvPr id="6" name="Flowchart: Magnetic Disk 5"/>
-          <p:cNvSpPr/>
-          <p:nvPr/>
-        </p:nvSpPr>
-        <p:spPr>
-          <a:xfrm>
-            <a:off x="988539" y="4436077"/>
-            <a:ext cx="840259" cy="729048"/>
-          </a:xfrm>
-          <a:prstGeom prst="flowChartMagneticDisk">
-            <a:avLst/>
-          </a:prstGeom>
-        </p:spPr>
-        <p:style>
-          <a:lnRef idx="2">
-            <a:schemeClr val="accent5">
-              <a:shade val="50000"/>
-            </a:schemeClr>
-          </a:lnRef>
-          <a:fillRef idx="1">
-            <a:schemeClr val="accent5"/>
-          </a:fillRef>
-          <a:effectRef idx="0">
-            <a:schemeClr val="accent5"/>
-          </a:effectRef>
-          <a:fontRef idx="minor">
-            <a:schemeClr val="lt1"/>
-          </a:fontRef>
-        </p:style>
-        <p:txBody>
-          <a:bodyPr rtlCol="0" anchor="ctr"/>
-          <a:lstStyle/>
-          <a:p>
-            <a:pPr algn="ctr"/>
-            <a:r>
-              <a:rPr lang="nl-BE" sz="900" dirty="0" smtClean="0"/>
-              <a:t>fx_rates</a:t>
-            </a:r>
-            <a:endParaRPr lang="en-US" sz="900" dirty="0"/>
-          </a:p>
-        </p:txBody>
-      </p:sp>
-      <p:sp>
-        <p:nvSpPr>
-          <p:cNvPr id="7" name="Chevron 6"/>
-          <p:cNvSpPr/>
-          <p:nvPr/>
-        </p:nvSpPr>
-        <p:spPr>
-          <a:xfrm>
-            <a:off x="2940910" y="1927654"/>
-            <a:ext cx="1402492" cy="654909"/>
-          </a:xfrm>
-          <a:prstGeom prst="chevron">
-            <a:avLst/>
-          </a:prstGeom>
-        </p:spPr>
-        <p:style>
-          <a:lnRef idx="2">
-            <a:schemeClr val="accent1">
-              <a:shade val="50000"/>
-            </a:schemeClr>
-          </a:lnRef>
-          <a:fillRef idx="1">
-            <a:schemeClr val="accent1"/>
-          </a:fillRef>
-          <a:effectRef idx="0">
-            <a:schemeClr val="accent1"/>
-          </a:effectRef>
-          <a:fontRef idx="minor">
-            <a:schemeClr val="lt1"/>
-          </a:fontRef>
-        </p:style>
-        <p:txBody>
-          <a:bodyPr rtlCol="0" anchor="ctr"/>
-          <a:lstStyle/>
-          <a:p>
-            <a:pPr algn="ctr"/>
-            <a:r>
-              <a:rPr lang="nl-BE" sz="900" dirty="0"/>
-              <a:t>tr()</a:t>
-            </a:r>
-            <a:endParaRPr lang="en-US" sz="900" dirty="0"/>
-          </a:p>
-        </p:txBody>
-      </p:sp>
-      <p:sp>
-        <p:nvSpPr>
-          <p:cNvPr id="8" name="Chevron 7"/>
-          <p:cNvSpPr/>
-          <p:nvPr/>
-        </p:nvSpPr>
-        <p:spPr>
-          <a:xfrm>
-            <a:off x="2940910" y="3132438"/>
-            <a:ext cx="1402492" cy="654909"/>
-          </a:xfrm>
-          <a:prstGeom prst="chevron">
-            <a:avLst/>
-          </a:prstGeom>
-        </p:spPr>
-        <p:style>
-          <a:lnRef idx="2">
-            <a:schemeClr val="accent1">
-              <a:shade val="50000"/>
-            </a:schemeClr>
-          </a:lnRef>
-          <a:fillRef idx="1">
-            <a:schemeClr val="accent1"/>
-          </a:fillRef>
-          <a:effectRef idx="0">
-            <a:schemeClr val="accent1"/>
-          </a:effectRef>
-          <a:fontRef idx="minor">
-            <a:schemeClr val="lt1"/>
-          </a:fontRef>
-        </p:style>
-        <p:txBody>
-          <a:bodyPr rtlCol="0" anchor="ctr"/>
-          <a:lstStyle/>
-          <a:p>
-            <a:pPr algn="ctr"/>
-            <a:r>
-              <a:rPr lang="nl-BE" sz="900" dirty="0" smtClean="0"/>
-              <a:t>ohlc()</a:t>
-            </a:r>
-            <a:endParaRPr lang="en-US" sz="900" dirty="0"/>
-          </a:p>
-        </p:txBody>
-      </p:sp>
-      <p:sp>
-        <p:nvSpPr>
-          <p:cNvPr id="9" name="Chevron 8"/>
-          <p:cNvSpPr/>
-          <p:nvPr/>
-        </p:nvSpPr>
-        <p:spPr>
-          <a:xfrm>
-            <a:off x="2940910" y="4473146"/>
-            <a:ext cx="1402492" cy="654909"/>
-          </a:xfrm>
-          <a:prstGeom prst="chevron">
-            <a:avLst/>
-          </a:prstGeom>
-        </p:spPr>
-        <p:style>
-          <a:lnRef idx="2">
-            <a:schemeClr val="accent1">
-              <a:shade val="50000"/>
-            </a:schemeClr>
-          </a:lnRef>
-          <a:fillRef idx="1">
-            <a:schemeClr val="accent1"/>
-          </a:fillRef>
-          <a:effectRef idx="0">
-            <a:schemeClr val="accent1"/>
-          </a:effectRef>
-          <a:fontRef idx="minor">
-            <a:schemeClr val="lt1"/>
-          </a:fontRef>
-        </p:style>
-        <p:txBody>
-          <a:bodyPr rtlCol="0" anchor="ctr"/>
-          <a:lstStyle/>
-          <a:p>
-            <a:pPr algn="ctr"/>
-            <a:r>
-              <a:rPr lang="nl-BE" sz="900" dirty="0" smtClean="0"/>
-              <a:t>fx()</a:t>
-            </a:r>
-            <a:endParaRPr lang="en-US" sz="900" dirty="0"/>
-          </a:p>
-        </p:txBody>
-      </p:sp>
-      <p:sp>
-        <p:nvSpPr>
-          <p:cNvPr id="10" name="Chevron 9"/>
-          <p:cNvSpPr/>
-          <p:nvPr/>
-        </p:nvSpPr>
-        <p:spPr>
-          <a:xfrm>
-            <a:off x="4744997" y="1927654"/>
-            <a:ext cx="1402492" cy="654909"/>
-          </a:xfrm>
-          <a:prstGeom prst="chevron">
-            <a:avLst/>
-          </a:prstGeom>
-        </p:spPr>
-        <p:style>
-          <a:lnRef idx="2">
-            <a:schemeClr val="accent1">
-              <a:shade val="50000"/>
-            </a:schemeClr>
-          </a:lnRef>
-          <a:fillRef idx="1">
-            <a:schemeClr val="accent1"/>
-          </a:fillRef>
-          <a:effectRef idx="0">
-            <a:schemeClr val="accent1"/>
-          </a:effectRef>
-          <a:fontRef idx="minor">
-            <a:schemeClr val="lt1"/>
-          </a:fontRef>
-        </p:style>
-        <p:txBody>
-          <a:bodyPr rtlCol="0" anchor="ctr"/>
-          <a:lstStyle/>
-          <a:p>
-            <a:pPr algn="ctr"/>
-            <a:r>
-              <a:rPr lang="nl-BE" sz="900" dirty="0" smtClean="0"/>
-              <a:t>tr_ext()</a:t>
-            </a:r>
-            <a:endParaRPr lang="en-US" sz="900" dirty="0"/>
-          </a:p>
-        </p:txBody>
-      </p:sp>
-      <p:sp>
-        <p:nvSpPr>
-          <p:cNvPr id="11" name="Chevron 10"/>
-          <p:cNvSpPr/>
-          <p:nvPr/>
-        </p:nvSpPr>
-        <p:spPr>
-          <a:xfrm>
-            <a:off x="6305038" y="774840"/>
-            <a:ext cx="1560040" cy="654909"/>
-          </a:xfrm>
-          <a:prstGeom prst="chevron">
-            <a:avLst/>
-          </a:prstGeom>
-        </p:spPr>
-        <p:style>
-          <a:lnRef idx="2">
-            <a:schemeClr val="accent1">
-              <a:shade val="50000"/>
-            </a:schemeClr>
-          </a:lnRef>
-          <a:fillRef idx="1">
-            <a:schemeClr val="accent1"/>
-          </a:fillRef>
-          <a:effectRef idx="0">
-            <a:schemeClr val="accent1"/>
-          </a:effectRef>
-          <a:fontRef idx="minor">
-            <a:schemeClr val="lt1"/>
-          </a:fontRef>
-        </p:style>
-        <p:txBody>
-          <a:bodyPr rtlCol="0" anchor="ctr"/>
-          <a:lstStyle/>
-          <a:p>
-            <a:pPr algn="ctr"/>
-            <a:r>
-              <a:rPr lang="nl-BE" sz="900" dirty="0"/>
-              <a:t>cash_b_evol()</a:t>
-            </a:r>
-            <a:endParaRPr lang="en-US" sz="900" dirty="0"/>
-          </a:p>
-        </p:txBody>
-      </p:sp>
-      <p:sp>
-        <p:nvSpPr>
-          <p:cNvPr id="12" name="Chevron 11"/>
-          <p:cNvSpPr/>
-          <p:nvPr/>
-        </p:nvSpPr>
-        <p:spPr>
-          <a:xfrm>
-            <a:off x="6462585" y="2686500"/>
-            <a:ext cx="1520829" cy="654909"/>
-          </a:xfrm>
-          <a:prstGeom prst="chevron">
-            <a:avLst/>
-          </a:prstGeom>
-        </p:spPr>
-        <p:style>
-          <a:lnRef idx="2">
-            <a:schemeClr val="accent1">
-              <a:shade val="50000"/>
-            </a:schemeClr>
-          </a:lnRef>
-          <a:fillRef idx="1">
-            <a:schemeClr val="accent1"/>
-          </a:fillRef>
-          <a:effectRef idx="0">
-            <a:schemeClr val="accent1"/>
-          </a:effectRef>
-          <a:fontRef idx="minor">
-            <a:schemeClr val="lt1"/>
-          </a:fontRef>
-        </p:style>
-        <p:txBody>
-          <a:bodyPr rtlCol="0" anchor="ctr"/>
-          <a:lstStyle/>
-          <a:p>
-            <a:pPr algn="ctr"/>
-            <a:r>
-              <a:rPr lang="nl-BE" sz="900" dirty="0"/>
-              <a:t>pos_sb_evol()</a:t>
-            </a:r>
-            <a:endParaRPr lang="en-US" sz="900" dirty="0"/>
-          </a:p>
-        </p:txBody>
-      </p:sp>
-      <p:sp>
-        <p:nvSpPr>
-          <p:cNvPr id="13" name="Chevron 12"/>
-          <p:cNvSpPr/>
-          <p:nvPr/>
-        </p:nvSpPr>
-        <p:spPr>
-          <a:xfrm>
-            <a:off x="8841262" y="2686499"/>
-            <a:ext cx="1402492" cy="654909"/>
-          </a:xfrm>
-          <a:prstGeom prst="chevron">
-            <a:avLst/>
-          </a:prstGeom>
-        </p:spPr>
-        <p:style>
-          <a:lnRef idx="2">
-            <a:schemeClr val="accent1">
-              <a:shade val="50000"/>
-            </a:schemeClr>
-          </a:lnRef>
-          <a:fillRef idx="1">
-            <a:schemeClr val="accent1"/>
-          </a:fillRef>
-          <a:effectRef idx="0">
-            <a:schemeClr val="accent1"/>
-          </a:effectRef>
-          <a:fontRef idx="minor">
-            <a:schemeClr val="lt1"/>
-          </a:fontRef>
-        </p:style>
-        <p:txBody>
-          <a:bodyPr rtlCol="0" anchor="ctr"/>
-          <a:lstStyle/>
-          <a:p>
-            <a:pPr algn="ctr"/>
-            <a:r>
-              <a:rPr lang="nl-BE" sz="900" dirty="0"/>
-              <a:t>pos_sb()</a:t>
-            </a:r>
-            <a:endParaRPr lang="en-US" sz="900" dirty="0"/>
-          </a:p>
-        </p:txBody>
-      </p:sp>
-      <p:cxnSp>
-        <p:nvCxnSpPr>
-          <p:cNvPr id="15" name="Straight Arrow Connector 14"/>
-          <p:cNvCxnSpPr>
-            <a:stCxn id="4" idx="4"/>
-            <a:endCxn id="7" idx="1"/>
-          </p:cNvCxnSpPr>
-          <p:nvPr/>
-        </p:nvCxnSpPr>
-        <p:spPr>
-          <a:xfrm>
-            <a:off x="1828798" y="2255108"/>
-            <a:ext cx="1439567" cy="1"/>
-          </a:xfrm>
-          <a:prstGeom prst="straightConnector1">
-            <a:avLst/>
-          </a:prstGeom>
-          <a:ln>
-            <a:tailEnd type="triangle"/>
-          </a:ln>
-        </p:spPr>
-        <p:style>
-          <a:lnRef idx="1">
-            <a:schemeClr val="dk1"/>
-          </a:lnRef>
-          <a:fillRef idx="0">
-            <a:schemeClr val="dk1"/>
-          </a:fillRef>
-          <a:effectRef idx="0">
-            <a:schemeClr val="dk1"/>
-          </a:effectRef>
-          <a:fontRef idx="minor">
-            <a:schemeClr val="tx1"/>
-          </a:fontRef>
-        </p:style>
-      </p:cxnSp>
-      <p:sp>
-        <p:nvSpPr>
-          <p:cNvPr id="17" name="TextBox 16"/>
-          <p:cNvSpPr txBox="1"/>
-          <p:nvPr/>
-        </p:nvSpPr>
-        <p:spPr>
-          <a:xfrm>
-            <a:off x="1831893" y="2021673"/>
-            <a:ext cx="704332" cy="230832"/>
+          <p:cNvPr id="3" name="Content Placeholder 2"/>
+          <p:cNvSpPr>
+            <a:spLocks noGrp="1"/>
+          </p:cNvSpPr>
+          <p:nvPr>
+            <p:ph idx="1"/>
+          </p:nvPr>
+        </p:nvSpPr>
+        <p:spPr>
+          <a:xfrm>
+            <a:off x="203932" y="1052547"/>
+            <a:ext cx="4837626" cy="5499556"/>
+          </a:xfrm>
+        </p:spPr>
+        <p:txBody>
+          <a:bodyPr>
+            <a:normAutofit/>
+          </a:bodyPr>
+          <a:lstStyle/>
+          <a:p>
+            <a:r>
+              <a:rPr lang="nl-BE" sz="2400" dirty="0"/>
+              <a:t>log in </a:t>
+            </a:r>
+            <a:r>
+              <a:rPr lang="nl-BE" sz="2400"/>
+              <a:t>op </a:t>
+            </a:r>
+            <a:r>
+              <a:rPr lang="nl-BE" sz="2400" smtClean="0"/>
+              <a:t>Saxo Investor</a:t>
+            </a:r>
+            <a:endParaRPr lang="nl-BE" sz="2400" dirty="0"/>
+          </a:p>
+          <a:p>
+            <a:r>
+              <a:rPr lang="nl-BE" sz="2400" dirty="0"/>
+              <a:t>gaar naar </a:t>
+            </a:r>
+            <a:r>
+              <a:rPr lang="nl-BE" sz="2400" dirty="0" smtClean="0"/>
+              <a:t>transacties</a:t>
+            </a:r>
+            <a:endParaRPr lang="nl-BE" sz="2400" dirty="0"/>
+          </a:p>
+          <a:p>
+            <a:r>
+              <a:rPr lang="nl-BE" sz="2400" dirty="0" smtClean="0"/>
+              <a:t>plaats aangepaste periode</a:t>
+            </a:r>
+            <a:endParaRPr lang="nl-BE" sz="2400" dirty="0"/>
+          </a:p>
+          <a:p>
+            <a:r>
+              <a:rPr lang="nl-BE" sz="2400" dirty="0" smtClean="0"/>
+              <a:t>exporteer als excel</a:t>
+            </a:r>
+            <a:endParaRPr lang="nl-BE" sz="2400" dirty="0"/>
+          </a:p>
+          <a:p>
+            <a:endParaRPr lang="nl-BE" sz="2400" dirty="0" smtClean="0"/>
+          </a:p>
+          <a:p>
+            <a:r>
+              <a:rPr lang="nl-BE" sz="2400" dirty="0"/>
+              <a:t>voeg een </a:t>
+            </a:r>
+            <a:r>
+              <a:rPr lang="nl-BE" sz="2400" i="1" dirty="0"/>
+              <a:t>symbol</a:t>
+            </a:r>
+            <a:r>
+              <a:rPr lang="nl-BE" sz="2400" dirty="0"/>
+              <a:t> kolom toe</a:t>
+            </a:r>
+          </a:p>
+          <a:p>
+            <a:r>
+              <a:rPr lang="nl-BE" sz="2400" dirty="0"/>
+              <a:t>vul het </a:t>
+            </a:r>
+            <a:r>
+              <a:rPr lang="nl-BE" sz="2400" dirty="0" smtClean="0"/>
+              <a:t>RIC als symbol in (minstens </a:t>
+            </a:r>
+            <a:r>
+              <a:rPr lang="nl-BE" sz="2400" dirty="0"/>
+              <a:t>1x per nieuwe </a:t>
+            </a:r>
+            <a:r>
+              <a:rPr lang="nl-BE" sz="2400" dirty="0" smtClean="0"/>
+              <a:t>stock)</a:t>
+            </a:r>
+            <a:endParaRPr lang="nl-BE" sz="2400" dirty="0"/>
+          </a:p>
+          <a:p>
+            <a:r>
+              <a:rPr lang="nl-BE" sz="2400" dirty="0"/>
+              <a:t>als er geen ‘nieuwe’ stocks zijn gekocht dan hoef je geen symbol in te vullen</a:t>
+            </a:r>
+            <a:endParaRPr lang="en-US" sz="2400" dirty="0"/>
+          </a:p>
+          <a:p>
+            <a:endParaRPr lang="en-US" sz="2400" dirty="0"/>
+          </a:p>
+          <a:p>
+            <a:endParaRPr lang="nl-BE" sz="2200" dirty="0" smtClean="0"/>
+          </a:p>
+        </p:txBody>
+      </p:sp>
+      <p:pic>
+        <p:nvPicPr>
+          <p:cNvPr id="6" name="Picture 5"/>
+          <p:cNvPicPr>
+            <a:picLocks noChangeAspect="1"/>
+          </p:cNvPicPr>
+          <p:nvPr/>
+        </p:nvPicPr>
+        <p:blipFill>
+          <a:blip r:embed="rId2"/>
+          <a:stretch>
+            <a:fillRect/>
+          </a:stretch>
+        </p:blipFill>
+        <p:spPr>
+          <a:xfrm>
+            <a:off x="7737781" y="21292"/>
+            <a:ext cx="2400629" cy="4461714"/>
           </a:xfrm>
           <a:prstGeom prst="rect">
             <a:avLst/>
           </a:prstGeom>
-          <a:noFill/>
-        </p:spPr>
-        <p:txBody>
-          <a:bodyPr wrap="square" rtlCol="0">
-            <a:spAutoFit/>
-          </a:bodyPr>
-          <a:lstStyle/>
-          <a:p>
-            <a:r>
-              <a:rPr lang="nl-BE" sz="900" dirty="0" smtClean="0"/>
-              <a:t>polling</a:t>
-            </a:r>
-            <a:endParaRPr lang="en-US" sz="900" dirty="0"/>
-          </a:p>
-        </p:txBody>
-      </p:sp>
-      <p:sp>
-        <p:nvSpPr>
-          <p:cNvPr id="18" name="Flowchart: Magnetic Disk 17"/>
-          <p:cNvSpPr/>
-          <p:nvPr/>
-        </p:nvSpPr>
-        <p:spPr>
-          <a:xfrm>
-            <a:off x="988539" y="5776785"/>
-            <a:ext cx="840259" cy="729048"/>
-          </a:xfrm>
-          <a:prstGeom prst="flowChartMagneticDisk">
-            <a:avLst/>
-          </a:prstGeom>
-        </p:spPr>
-        <p:style>
-          <a:lnRef idx="2">
-            <a:schemeClr val="accent5">
-              <a:shade val="50000"/>
-            </a:schemeClr>
-          </a:lnRef>
-          <a:fillRef idx="1">
-            <a:schemeClr val="accent5"/>
-          </a:fillRef>
-          <a:effectRef idx="0">
-            <a:schemeClr val="accent5"/>
-          </a:effectRef>
-          <a:fontRef idx="minor">
-            <a:schemeClr val="lt1"/>
-          </a:fontRef>
-        </p:style>
-        <p:txBody>
-          <a:bodyPr rtlCol="0" anchor="ctr"/>
-          <a:lstStyle/>
-          <a:p>
-            <a:pPr algn="ctr"/>
-            <a:r>
-              <a:rPr lang="nl-BE" sz="900" dirty="0" smtClean="0"/>
-              <a:t>stock_profiles</a:t>
-            </a:r>
-            <a:endParaRPr lang="en-US" sz="900" dirty="0"/>
-          </a:p>
-        </p:txBody>
-      </p:sp>
-      <p:sp>
-        <p:nvSpPr>
-          <p:cNvPr id="19" name="Chevron 18"/>
-          <p:cNvSpPr/>
-          <p:nvPr/>
-        </p:nvSpPr>
-        <p:spPr>
-          <a:xfrm>
-            <a:off x="2940910" y="5813854"/>
-            <a:ext cx="1402492" cy="654909"/>
-          </a:xfrm>
-          <a:prstGeom prst="chevron">
-            <a:avLst/>
-          </a:prstGeom>
-        </p:spPr>
-        <p:style>
-          <a:lnRef idx="2">
-            <a:schemeClr val="accent1">
-              <a:shade val="50000"/>
-            </a:schemeClr>
-          </a:lnRef>
-          <a:fillRef idx="1">
-            <a:schemeClr val="accent1"/>
-          </a:fillRef>
-          <a:effectRef idx="0">
-            <a:schemeClr val="accent1"/>
-          </a:effectRef>
-          <a:fontRef idx="minor">
-            <a:schemeClr val="lt1"/>
-          </a:fontRef>
-        </p:style>
-        <p:txBody>
-          <a:bodyPr rtlCol="0" anchor="ctr"/>
-          <a:lstStyle/>
-          <a:p>
-            <a:pPr algn="ctr"/>
-            <a:r>
-              <a:rPr lang="nl-BE" sz="900" dirty="0" smtClean="0"/>
-              <a:t>profiles()</a:t>
-            </a:r>
-            <a:endParaRPr lang="en-US" sz="900" dirty="0"/>
-          </a:p>
-        </p:txBody>
-      </p:sp>
-      <p:cxnSp>
-        <p:nvCxnSpPr>
-          <p:cNvPr id="21" name="Straight Arrow Connector 20"/>
-          <p:cNvCxnSpPr>
-            <a:stCxn id="5" idx="4"/>
-            <a:endCxn id="8" idx="1"/>
-          </p:cNvCxnSpPr>
-          <p:nvPr/>
-        </p:nvCxnSpPr>
-        <p:spPr>
-          <a:xfrm>
-            <a:off x="1828799" y="3459893"/>
-            <a:ext cx="1439566" cy="0"/>
-          </a:xfrm>
-          <a:prstGeom prst="straightConnector1">
-            <a:avLst/>
-          </a:prstGeom>
-          <a:ln>
-            <a:tailEnd type="triangle"/>
-          </a:ln>
-        </p:spPr>
-        <p:style>
-          <a:lnRef idx="1">
-            <a:schemeClr val="dk1"/>
-          </a:lnRef>
-          <a:fillRef idx="0">
-            <a:schemeClr val="dk1"/>
-          </a:fillRef>
-          <a:effectRef idx="0">
-            <a:schemeClr val="dk1"/>
-          </a:effectRef>
-          <a:fontRef idx="minor">
-            <a:schemeClr val="tx1"/>
-          </a:fontRef>
-        </p:style>
-      </p:cxnSp>
-      <p:cxnSp>
-        <p:nvCxnSpPr>
-          <p:cNvPr id="23" name="Straight Arrow Connector 22"/>
-          <p:cNvCxnSpPr>
-            <a:stCxn id="6" idx="4"/>
-            <a:endCxn id="9" idx="1"/>
-          </p:cNvCxnSpPr>
-          <p:nvPr/>
-        </p:nvCxnSpPr>
-        <p:spPr>
-          <a:xfrm>
-            <a:off x="1828798" y="4800601"/>
-            <a:ext cx="1439567" cy="0"/>
-          </a:xfrm>
-          <a:prstGeom prst="straightConnector1">
-            <a:avLst/>
-          </a:prstGeom>
-          <a:ln>
-            <a:tailEnd type="triangle"/>
-          </a:ln>
-        </p:spPr>
-        <p:style>
-          <a:lnRef idx="1">
-            <a:schemeClr val="dk1"/>
-          </a:lnRef>
-          <a:fillRef idx="0">
-            <a:schemeClr val="dk1"/>
-          </a:fillRef>
-          <a:effectRef idx="0">
-            <a:schemeClr val="dk1"/>
-          </a:effectRef>
-          <a:fontRef idx="minor">
-            <a:schemeClr val="tx1"/>
-          </a:fontRef>
-        </p:style>
-      </p:cxnSp>
-      <p:cxnSp>
-        <p:nvCxnSpPr>
-          <p:cNvPr id="25" name="Straight Arrow Connector 24"/>
-          <p:cNvCxnSpPr>
-            <a:stCxn id="18" idx="4"/>
-            <a:endCxn id="19" idx="1"/>
-          </p:cNvCxnSpPr>
-          <p:nvPr/>
-        </p:nvCxnSpPr>
-        <p:spPr>
-          <a:xfrm>
-            <a:off x="1828798" y="6141309"/>
-            <a:ext cx="1439567" cy="0"/>
-          </a:xfrm>
-          <a:prstGeom prst="straightConnector1">
-            <a:avLst/>
-          </a:prstGeom>
-          <a:ln>
-            <a:tailEnd type="triangle"/>
-          </a:ln>
-        </p:spPr>
-        <p:style>
-          <a:lnRef idx="1">
-            <a:schemeClr val="dk1"/>
-          </a:lnRef>
-          <a:fillRef idx="0">
-            <a:schemeClr val="dk1"/>
-          </a:fillRef>
-          <a:effectRef idx="0">
-            <a:schemeClr val="dk1"/>
-          </a:effectRef>
-          <a:fontRef idx="minor">
-            <a:schemeClr val="tx1"/>
-          </a:fontRef>
-        </p:style>
-      </p:cxnSp>
-      <p:sp>
-        <p:nvSpPr>
-          <p:cNvPr id="26" name="TextBox 25"/>
-          <p:cNvSpPr txBox="1"/>
-          <p:nvPr/>
-        </p:nvSpPr>
-        <p:spPr>
-          <a:xfrm>
-            <a:off x="1831893" y="3235282"/>
-            <a:ext cx="704332" cy="230832"/>
+        </p:spPr>
+      </p:pic>
+      <p:pic>
+        <p:nvPicPr>
+          <p:cNvPr id="7" name="Picture 6"/>
+          <p:cNvPicPr>
+            <a:picLocks noChangeAspect="1"/>
+          </p:cNvPicPr>
+          <p:nvPr/>
+        </p:nvPicPr>
+        <p:blipFill>
+          <a:blip r:embed="rId3"/>
+          <a:stretch>
+            <a:fillRect/>
+          </a:stretch>
+        </p:blipFill>
+        <p:spPr>
+          <a:xfrm>
+            <a:off x="546833" y="5742751"/>
+            <a:ext cx="11473718" cy="829842"/>
           </a:xfrm>
           <a:prstGeom prst="rect">
             <a:avLst/>
           </a:prstGeom>
-          <a:noFill/>
-        </p:spPr>
-        <p:txBody>
-          <a:bodyPr wrap="square" rtlCol="0">
-            <a:spAutoFit/>
-          </a:bodyPr>
-          <a:lstStyle/>
-          <a:p>
-            <a:r>
-              <a:rPr lang="nl-BE" sz="900" dirty="0" smtClean="0"/>
-              <a:t>polling</a:t>
-            </a:r>
-            <a:endParaRPr lang="en-US" sz="900" dirty="0"/>
-          </a:p>
-        </p:txBody>
-      </p:sp>
-      <p:sp>
-        <p:nvSpPr>
-          <p:cNvPr id="27" name="TextBox 26"/>
-          <p:cNvSpPr txBox="1"/>
-          <p:nvPr/>
-        </p:nvSpPr>
-        <p:spPr>
-          <a:xfrm>
-            <a:off x="1831893" y="4563176"/>
-            <a:ext cx="704332" cy="230832"/>
-          </a:xfrm>
-          <a:prstGeom prst="rect">
-            <a:avLst/>
-          </a:prstGeom>
-          <a:noFill/>
-        </p:spPr>
-        <p:txBody>
-          <a:bodyPr wrap="square" rtlCol="0">
-            <a:spAutoFit/>
-          </a:bodyPr>
-          <a:lstStyle/>
-          <a:p>
-            <a:r>
-              <a:rPr lang="nl-BE" sz="900" dirty="0" smtClean="0"/>
-              <a:t>polling</a:t>
-            </a:r>
-            <a:endParaRPr lang="en-US" sz="900" dirty="0"/>
-          </a:p>
-        </p:txBody>
-      </p:sp>
-      <p:sp>
-        <p:nvSpPr>
-          <p:cNvPr id="28" name="TextBox 27"/>
-          <p:cNvSpPr txBox="1"/>
-          <p:nvPr/>
-        </p:nvSpPr>
-        <p:spPr>
-          <a:xfrm>
-            <a:off x="1831893" y="5903884"/>
-            <a:ext cx="704332" cy="230832"/>
-          </a:xfrm>
-          <a:prstGeom prst="rect">
-            <a:avLst/>
-          </a:prstGeom>
-          <a:noFill/>
-        </p:spPr>
-        <p:txBody>
-          <a:bodyPr wrap="square" rtlCol="0">
-            <a:spAutoFit/>
-          </a:bodyPr>
-          <a:lstStyle/>
-          <a:p>
-            <a:r>
-              <a:rPr lang="nl-BE" sz="900" dirty="0" smtClean="0"/>
-              <a:t>polling</a:t>
-            </a:r>
-            <a:endParaRPr lang="en-US" sz="900" dirty="0"/>
-          </a:p>
-        </p:txBody>
-      </p:sp>
-      <p:sp>
-        <p:nvSpPr>
-          <p:cNvPr id="30" name="Chevron 29"/>
-          <p:cNvSpPr/>
-          <p:nvPr/>
-        </p:nvSpPr>
-        <p:spPr>
-          <a:xfrm>
-            <a:off x="4877829" y="3787347"/>
-            <a:ext cx="1402492" cy="654909"/>
-          </a:xfrm>
-          <a:prstGeom prst="chevron">
-            <a:avLst/>
-          </a:prstGeom>
-        </p:spPr>
-        <p:style>
-          <a:lnRef idx="2">
-            <a:schemeClr val="accent1">
-              <a:shade val="50000"/>
-            </a:schemeClr>
-          </a:lnRef>
-          <a:fillRef idx="1">
-            <a:schemeClr val="accent1"/>
-          </a:fillRef>
-          <a:effectRef idx="0">
-            <a:schemeClr val="accent1"/>
-          </a:effectRef>
-          <a:fontRef idx="minor">
-            <a:schemeClr val="lt1"/>
-          </a:fontRef>
-        </p:style>
-        <p:txBody>
-          <a:bodyPr rtlCol="0" anchor="ctr"/>
-          <a:lstStyle/>
-          <a:p>
-            <a:pPr algn="ctr"/>
-            <a:r>
-              <a:rPr lang="nl-BE" sz="900" dirty="0" smtClean="0"/>
-              <a:t>ohlc_euro()</a:t>
-            </a:r>
-            <a:endParaRPr lang="en-US" sz="900" dirty="0"/>
-          </a:p>
-        </p:txBody>
-      </p:sp>
-      <p:cxnSp>
-        <p:nvCxnSpPr>
-          <p:cNvPr id="32" name="Straight Arrow Connector 31"/>
-          <p:cNvCxnSpPr>
-            <a:stCxn id="8" idx="3"/>
-            <a:endCxn id="30" idx="1"/>
-          </p:cNvCxnSpPr>
-          <p:nvPr/>
-        </p:nvCxnSpPr>
-        <p:spPr>
-          <a:xfrm>
-            <a:off x="4343402" y="3459893"/>
-            <a:ext cx="861882" cy="654909"/>
-          </a:xfrm>
-          <a:prstGeom prst="straightConnector1">
-            <a:avLst/>
-          </a:prstGeom>
-          <a:ln>
-            <a:tailEnd type="triangle"/>
-          </a:ln>
-        </p:spPr>
-        <p:style>
-          <a:lnRef idx="1">
-            <a:schemeClr val="dk1"/>
-          </a:lnRef>
-          <a:fillRef idx="0">
-            <a:schemeClr val="dk1"/>
-          </a:fillRef>
-          <a:effectRef idx="0">
-            <a:schemeClr val="dk1"/>
-          </a:effectRef>
-          <a:fontRef idx="minor">
-            <a:schemeClr val="tx1"/>
-          </a:fontRef>
-        </p:style>
-      </p:cxnSp>
-      <p:cxnSp>
-        <p:nvCxnSpPr>
-          <p:cNvPr id="34" name="Straight Arrow Connector 33"/>
-          <p:cNvCxnSpPr>
-            <a:stCxn id="9" idx="3"/>
-            <a:endCxn id="30" idx="1"/>
-          </p:cNvCxnSpPr>
-          <p:nvPr/>
-        </p:nvCxnSpPr>
-        <p:spPr>
-          <a:xfrm flipV="1">
-            <a:off x="4343402" y="4114802"/>
-            <a:ext cx="861882" cy="685799"/>
-          </a:xfrm>
-          <a:prstGeom prst="straightConnector1">
-            <a:avLst/>
-          </a:prstGeom>
-          <a:ln>
-            <a:tailEnd type="triangle"/>
-          </a:ln>
-        </p:spPr>
-        <p:style>
-          <a:lnRef idx="1">
-            <a:schemeClr val="dk1"/>
-          </a:lnRef>
-          <a:fillRef idx="0">
-            <a:schemeClr val="dk1"/>
-          </a:fillRef>
-          <a:effectRef idx="0">
-            <a:schemeClr val="dk1"/>
-          </a:effectRef>
-          <a:fontRef idx="minor">
-            <a:schemeClr val="tx1"/>
-          </a:fontRef>
-        </p:style>
-      </p:cxnSp>
-      <p:cxnSp>
-        <p:nvCxnSpPr>
-          <p:cNvPr id="36" name="Straight Arrow Connector 35"/>
-          <p:cNvCxnSpPr>
-            <a:stCxn id="19" idx="3"/>
-            <a:endCxn id="30" idx="1"/>
-          </p:cNvCxnSpPr>
-          <p:nvPr/>
-        </p:nvCxnSpPr>
-        <p:spPr>
-          <a:xfrm flipV="1">
-            <a:off x="4343402" y="4114802"/>
-            <a:ext cx="861882" cy="2026507"/>
-          </a:xfrm>
-          <a:prstGeom prst="straightConnector1">
-            <a:avLst/>
-          </a:prstGeom>
-          <a:ln>
-            <a:tailEnd type="triangle"/>
-          </a:ln>
-        </p:spPr>
-        <p:style>
-          <a:lnRef idx="1">
-            <a:schemeClr val="dk1"/>
-          </a:lnRef>
-          <a:fillRef idx="0">
-            <a:schemeClr val="dk1"/>
-          </a:fillRef>
-          <a:effectRef idx="0">
-            <a:schemeClr val="dk1"/>
-          </a:effectRef>
-          <a:fontRef idx="minor">
-            <a:schemeClr val="tx1"/>
-          </a:fontRef>
-        </p:style>
-      </p:cxnSp>
-      <p:cxnSp>
-        <p:nvCxnSpPr>
-          <p:cNvPr id="38" name="Straight Arrow Connector 37"/>
-          <p:cNvCxnSpPr>
-            <a:stCxn id="7" idx="3"/>
-            <a:endCxn id="10" idx="1"/>
-          </p:cNvCxnSpPr>
-          <p:nvPr/>
-        </p:nvCxnSpPr>
-        <p:spPr>
-          <a:xfrm>
-            <a:off x="4343402" y="2255109"/>
-            <a:ext cx="729050" cy="0"/>
-          </a:xfrm>
-          <a:prstGeom prst="straightConnector1">
-            <a:avLst/>
-          </a:prstGeom>
-          <a:ln>
-            <a:tailEnd type="triangle"/>
-          </a:ln>
-        </p:spPr>
-        <p:style>
-          <a:lnRef idx="1">
-            <a:schemeClr val="dk1"/>
-          </a:lnRef>
-          <a:fillRef idx="0">
-            <a:schemeClr val="dk1"/>
-          </a:fillRef>
-          <a:effectRef idx="0">
-            <a:schemeClr val="dk1"/>
-          </a:effectRef>
-          <a:fontRef idx="minor">
-            <a:schemeClr val="tx1"/>
-          </a:fontRef>
-        </p:style>
-      </p:cxnSp>
-      <p:cxnSp>
-        <p:nvCxnSpPr>
-          <p:cNvPr id="42" name="Straight Arrow Connector 41"/>
-          <p:cNvCxnSpPr>
-            <a:stCxn id="10" idx="3"/>
-            <a:endCxn id="11" idx="1"/>
-          </p:cNvCxnSpPr>
-          <p:nvPr/>
-        </p:nvCxnSpPr>
-        <p:spPr>
-          <a:xfrm flipV="1">
-            <a:off x="6147489" y="1102295"/>
-            <a:ext cx="485004" cy="1152814"/>
-          </a:xfrm>
-          <a:prstGeom prst="straightConnector1">
-            <a:avLst/>
-          </a:prstGeom>
-          <a:ln>
-            <a:tailEnd type="triangle"/>
-          </a:ln>
-        </p:spPr>
-        <p:style>
-          <a:lnRef idx="1">
-            <a:schemeClr val="dk1"/>
-          </a:lnRef>
-          <a:fillRef idx="0">
-            <a:schemeClr val="dk1"/>
-          </a:fillRef>
-          <a:effectRef idx="0">
-            <a:schemeClr val="dk1"/>
-          </a:effectRef>
-          <a:fontRef idx="minor">
-            <a:schemeClr val="tx1"/>
-          </a:fontRef>
-        </p:style>
-      </p:cxnSp>
-      <p:cxnSp>
-        <p:nvCxnSpPr>
-          <p:cNvPr id="44" name="Straight Arrow Connector 43"/>
-          <p:cNvCxnSpPr>
-            <a:stCxn id="10" idx="3"/>
-            <a:endCxn id="12" idx="1"/>
-          </p:cNvCxnSpPr>
-          <p:nvPr/>
-        </p:nvCxnSpPr>
-        <p:spPr>
-          <a:xfrm>
-            <a:off x="6147489" y="2255109"/>
-            <a:ext cx="642551" cy="758846"/>
-          </a:xfrm>
-          <a:prstGeom prst="straightConnector1">
-            <a:avLst/>
-          </a:prstGeom>
-          <a:ln>
-            <a:tailEnd type="triangle"/>
-          </a:ln>
-        </p:spPr>
-        <p:style>
-          <a:lnRef idx="1">
-            <a:schemeClr val="dk1"/>
-          </a:lnRef>
-          <a:fillRef idx="0">
-            <a:schemeClr val="dk1"/>
-          </a:fillRef>
-          <a:effectRef idx="0">
-            <a:schemeClr val="dk1"/>
-          </a:effectRef>
-          <a:fontRef idx="minor">
-            <a:schemeClr val="tx1"/>
-          </a:fontRef>
-        </p:style>
-      </p:cxnSp>
-      <p:cxnSp>
-        <p:nvCxnSpPr>
-          <p:cNvPr id="46" name="Straight Arrow Connector 45"/>
-          <p:cNvCxnSpPr>
-            <a:stCxn id="30" idx="3"/>
-            <a:endCxn id="12" idx="1"/>
-          </p:cNvCxnSpPr>
-          <p:nvPr/>
-        </p:nvCxnSpPr>
-        <p:spPr>
-          <a:xfrm flipV="1">
-            <a:off x="6280321" y="3013955"/>
-            <a:ext cx="509719" cy="1100847"/>
-          </a:xfrm>
-          <a:prstGeom prst="straightConnector1">
-            <a:avLst/>
-          </a:prstGeom>
-          <a:ln>
-            <a:tailEnd type="triangle"/>
-          </a:ln>
-        </p:spPr>
-        <p:style>
-          <a:lnRef idx="1">
-            <a:schemeClr val="dk1"/>
-          </a:lnRef>
-          <a:fillRef idx="0">
-            <a:schemeClr val="dk1"/>
-          </a:fillRef>
-          <a:effectRef idx="0">
-            <a:schemeClr val="dk1"/>
-          </a:effectRef>
-          <a:fontRef idx="minor">
-            <a:schemeClr val="tx1"/>
-          </a:fontRef>
-        </p:style>
-      </p:cxnSp>
-      <p:cxnSp>
-        <p:nvCxnSpPr>
-          <p:cNvPr id="48" name="Straight Arrow Connector 47"/>
-          <p:cNvCxnSpPr>
-            <a:stCxn id="12" idx="3"/>
-            <a:endCxn id="13" idx="1"/>
-          </p:cNvCxnSpPr>
-          <p:nvPr/>
-        </p:nvCxnSpPr>
-        <p:spPr>
-          <a:xfrm flipV="1">
-            <a:off x="7983414" y="3013954"/>
-            <a:ext cx="1185303" cy="1"/>
-          </a:xfrm>
-          <a:prstGeom prst="straightConnector1">
-            <a:avLst/>
-          </a:prstGeom>
-          <a:ln>
-            <a:tailEnd type="triangle"/>
-          </a:ln>
-        </p:spPr>
-        <p:style>
-          <a:lnRef idx="1">
-            <a:schemeClr val="dk1"/>
-          </a:lnRef>
-          <a:fillRef idx="0">
-            <a:schemeClr val="dk1"/>
-          </a:fillRef>
-          <a:effectRef idx="0">
-            <a:schemeClr val="dk1"/>
-          </a:effectRef>
-          <a:fontRef idx="minor">
-            <a:schemeClr val="tx1"/>
-          </a:fontRef>
-        </p:style>
-      </p:cxnSp>
-      <p:sp>
-        <p:nvSpPr>
-          <p:cNvPr id="3" name="TextBox 2"/>
-          <p:cNvSpPr txBox="1"/>
-          <p:nvPr/>
-        </p:nvSpPr>
-        <p:spPr>
-          <a:xfrm>
-            <a:off x="7865078" y="183845"/>
-            <a:ext cx="4326922" cy="2308324"/>
-          </a:xfrm>
-          <a:prstGeom prst="rect">
-            <a:avLst/>
-          </a:prstGeom>
-          <a:noFill/>
-        </p:spPr>
-        <p:txBody>
-          <a:bodyPr wrap="square" rtlCol="0">
-            <a:spAutoFit/>
-          </a:bodyPr>
-          <a:lstStyle/>
-          <a:p>
-            <a:r>
-              <a:rPr lang="nl-BE" b="1" dirty="0"/>
-              <a:t>use reactive expressions for calculations</a:t>
-            </a:r>
-          </a:p>
-          <a:p>
-            <a:r>
-              <a:rPr lang="nl-BE" dirty="0" smtClean="0"/>
-              <a:t>- reactive expressions are recipes for how to calculate something, shiny will determine when it is required to execute</a:t>
-            </a:r>
-          </a:p>
-          <a:p>
-            <a:r>
-              <a:rPr lang="nl-BE" dirty="0" smtClean="0"/>
-              <a:t>- can accept reactive input and deliver reactive output</a:t>
-            </a:r>
-          </a:p>
-          <a:p>
-            <a:r>
-              <a:rPr lang="nl-BE" dirty="0" smtClean="0"/>
-              <a:t>- has a cached result</a:t>
-            </a:r>
-          </a:p>
-          <a:p>
-            <a:r>
-              <a:rPr lang="nl-BE" dirty="0" smtClean="0"/>
-              <a:t>- make maximum use of this feature in shiny</a:t>
-            </a:r>
-            <a:endParaRPr lang="en-US" dirty="0"/>
-          </a:p>
-        </p:txBody>
-      </p:sp>
-      <p:sp>
-        <p:nvSpPr>
-          <p:cNvPr id="35" name="TextBox 34"/>
-          <p:cNvSpPr txBox="1"/>
-          <p:nvPr/>
-        </p:nvSpPr>
-        <p:spPr>
-          <a:xfrm>
-            <a:off x="7293574" y="4613525"/>
-            <a:ext cx="4326922" cy="1200329"/>
-          </a:xfrm>
-          <a:prstGeom prst="rect">
-            <a:avLst/>
-          </a:prstGeom>
-          <a:noFill/>
-        </p:spPr>
-        <p:txBody>
-          <a:bodyPr wrap="square" rtlCol="0">
-            <a:spAutoFit/>
-          </a:bodyPr>
-          <a:lstStyle/>
-          <a:p>
-            <a:r>
-              <a:rPr lang="nl-BE" b="1" dirty="0" smtClean="0"/>
-              <a:t>use observers for side effects</a:t>
-            </a:r>
-          </a:p>
-          <a:p>
-            <a:pPr marL="285750" indent="-285750">
-              <a:buFontTx/>
-              <a:buChar char="-"/>
-            </a:pPr>
-            <a:r>
-              <a:rPr lang="nl-BE" dirty="0" smtClean="0"/>
-              <a:t>dealing with I/O (files / DB)</a:t>
-            </a:r>
-          </a:p>
-          <a:p>
-            <a:pPr marL="285750" indent="-285750">
-              <a:buFontTx/>
-              <a:buChar char="-"/>
-            </a:pPr>
-            <a:r>
-              <a:rPr lang="nl-BE" dirty="0" smtClean="0"/>
-              <a:t>setting reactive values!</a:t>
-            </a:r>
-          </a:p>
-          <a:p>
-            <a:pPr marL="285750" indent="-285750">
-              <a:buFontTx/>
-              <a:buChar char="-"/>
-            </a:pPr>
-            <a:r>
-              <a:rPr lang="nl-BE" dirty="0" smtClean="0"/>
-              <a:t>update input elements of the shiny app</a:t>
-            </a:r>
-            <a:endParaRPr lang="en-US" dirty="0"/>
-          </a:p>
-        </p:txBody>
-      </p:sp>
+        </p:spPr>
+      </p:pic>
     </p:spTree>
     <p:extLst>
       <p:ext uri="{BB962C8B-B14F-4D97-AF65-F5344CB8AC3E}">
-        <p14:creationId xmlns:p14="http://schemas.microsoft.com/office/powerpoint/2010/main" val="2314002344"/>
+        <p14:creationId xmlns:p14="http://schemas.microsoft.com/office/powerpoint/2010/main" val="703887595"/>
       </p:ext>
     </p:extLst>
   </p:cSld>
@@ -7187,164 +6307,6 @@
 </file>
 
 <file path=ppt/slides/slide21.xml><?xml version="1.0" encoding="utf-8"?>
-<p:sld xmlns:a="http://schemas.openxmlformats.org/drawingml/2006/main" xmlns:r="http://schemas.openxmlformats.org/officeDocument/2006/relationships" xmlns:p="http://schemas.openxmlformats.org/presentationml/2006/main">
-  <p:cSld>
-    <p:spTree>
-      <p:nvGrpSpPr>
-        <p:cNvPr id="1" name=""/>
-        <p:cNvGrpSpPr/>
-        <p:nvPr/>
-      </p:nvGrpSpPr>
-      <p:grpSpPr>
-        <a:xfrm>
-          <a:off x="0" y="0"/>
-          <a:ext cx="0" cy="0"/>
-          <a:chOff x="0" y="0"/>
-          <a:chExt cx="0" cy="0"/>
-        </a:xfrm>
-      </p:grpSpPr>
-      <p:sp>
-        <p:nvSpPr>
-          <p:cNvPr id="2" name="Title 1"/>
-          <p:cNvSpPr>
-            <a:spLocks noGrp="1"/>
-          </p:cNvSpPr>
-          <p:nvPr>
-            <p:ph type="title"/>
-          </p:nvPr>
-        </p:nvSpPr>
-        <p:spPr>
-          <a:xfrm>
-            <a:off x="109151" y="-203286"/>
-            <a:ext cx="10515600" cy="1325563"/>
-          </a:xfrm>
-        </p:spPr>
-        <p:txBody>
-          <a:bodyPr/>
-          <a:lstStyle/>
-          <a:p>
-            <a:r>
-              <a:rPr lang="nl-BE" dirty="0" smtClean="0"/>
-              <a:t>reactive values</a:t>
-            </a:r>
-            <a:endParaRPr lang="en-US" dirty="0"/>
-          </a:p>
-        </p:txBody>
-      </p:sp>
-      <p:sp>
-        <p:nvSpPr>
-          <p:cNvPr id="10" name="Content Placeholder 2"/>
-          <p:cNvSpPr>
-            <a:spLocks noGrp="1"/>
-          </p:cNvSpPr>
-          <p:nvPr>
-            <p:ph idx="1"/>
-          </p:nvPr>
-        </p:nvSpPr>
-        <p:spPr>
-          <a:xfrm>
-            <a:off x="203931" y="1052547"/>
-            <a:ext cx="11368171" cy="5499556"/>
-          </a:xfrm>
-        </p:spPr>
-        <p:txBody>
-          <a:bodyPr>
-            <a:normAutofit/>
-          </a:bodyPr>
-          <a:lstStyle/>
-          <a:p>
-            <a:r>
-              <a:rPr lang="nl-BE" sz="2400" dirty="0" smtClean="0"/>
-              <a:t>rv$focus_stock</a:t>
-            </a:r>
-          </a:p>
-          <a:p>
-            <a:pPr lvl="1"/>
-            <a:r>
-              <a:rPr lang="nl-BE" sz="2000" dirty="0" smtClean="0"/>
-              <a:t>guarantees continuity between pages when selecting 1 stock</a:t>
-            </a:r>
-          </a:p>
-          <a:p>
-            <a:pPr lvl="1"/>
-            <a:r>
-              <a:rPr lang="nl-BE" sz="2000" dirty="0" smtClean="0"/>
-              <a:t>first lines sets the rv so that other selectinputs may update</a:t>
-            </a:r>
-          </a:p>
-          <a:p>
-            <a:pPr lvl="1"/>
-            <a:r>
-              <a:rPr lang="nl-BE" sz="2000" dirty="0" smtClean="0"/>
-              <a:t>second line updates this selectinput if somewhere else the rv was modified</a:t>
-            </a:r>
-          </a:p>
-          <a:p>
-            <a:endParaRPr lang="nl-BE" sz="2400" dirty="0"/>
-          </a:p>
-          <a:p>
-            <a:endParaRPr lang="nl-BE" sz="2400" dirty="0" smtClean="0"/>
-          </a:p>
-          <a:p>
-            <a:r>
-              <a:rPr lang="nl-BE" sz="2400" dirty="0" smtClean="0"/>
-              <a:t>rv$msgs</a:t>
-            </a:r>
-          </a:p>
-          <a:p>
-            <a:pPr lvl="1"/>
-            <a:r>
-              <a:rPr lang="nl-BE" sz="1800" dirty="0" smtClean="0"/>
-              <a:t>contains messages shown in notification corner as well as notification menu</a:t>
-            </a:r>
-          </a:p>
-        </p:txBody>
-      </p:sp>
-      <p:pic>
-        <p:nvPicPr>
-          <p:cNvPr id="3" name="Picture 2"/>
-          <p:cNvPicPr>
-            <a:picLocks noChangeAspect="1"/>
-          </p:cNvPicPr>
-          <p:nvPr/>
-        </p:nvPicPr>
-        <p:blipFill>
-          <a:blip r:embed="rId2"/>
-          <a:stretch>
-            <a:fillRect/>
-          </a:stretch>
-        </p:blipFill>
-        <p:spPr>
-          <a:xfrm>
-            <a:off x="1013383" y="2560887"/>
-            <a:ext cx="9324975" cy="323850"/>
-          </a:xfrm>
-          <a:prstGeom prst="rect">
-            <a:avLst/>
-          </a:prstGeom>
-        </p:spPr>
-      </p:pic>
-    </p:spTree>
-    <p:extLst>
-      <p:ext uri="{BB962C8B-B14F-4D97-AF65-F5344CB8AC3E}">
-        <p14:creationId xmlns:p14="http://schemas.microsoft.com/office/powerpoint/2010/main" val="994119531"/>
-      </p:ext>
-    </p:extLst>
-  </p:cSld>
-  <p:clrMapOvr>
-    <a:masterClrMapping/>
-  </p:clrMapOvr>
-  <p:timing>
-    <p:tnLst>
-      <p:par>
-        <p:cTn id="1" dur="indefinite" restart="never" nodeType="tmRoot"/>
-      </p:par>
-    </p:tnLst>
-  </p:timing>
-</p:sld>
-</file>
-
-<file path=ppt/slides/slide22.xml><?xml version="1.0" encoding="utf-8"?>
 <p:sld xmlns:a="http://schemas.openxmlformats.org/drawingml/2006/main" xmlns:r="http://schemas.openxmlformats.org/officeDocument/2006/relationships" xmlns:p="http://schemas.openxmlformats.org/presentationml/2006/main">
   <p:cSld>
     <p:bg>
@@ -7389,6 +6351,2922 @@
           <a:p>
             <a:r>
               <a:rPr lang="nl-BE" dirty="0" smtClean="0"/>
+              <a:t>reactivity</a:t>
+            </a:r>
+            <a:endParaRPr lang="en-US" dirty="0"/>
+          </a:p>
+        </p:txBody>
+      </p:sp>
+      <p:sp>
+        <p:nvSpPr>
+          <p:cNvPr id="5" name="Subtitle 4"/>
+          <p:cNvSpPr>
+            <a:spLocks noGrp="1"/>
+          </p:cNvSpPr>
+          <p:nvPr>
+            <p:ph type="subTitle" idx="1"/>
+          </p:nvPr>
+        </p:nvSpPr>
+        <p:spPr/>
+        <p:txBody>
+          <a:bodyPr/>
+          <a:lstStyle/>
+          <a:p>
+            <a:endParaRPr lang="en-US"/>
+          </a:p>
+        </p:txBody>
+      </p:sp>
+    </p:spTree>
+    <p:extLst>
+      <p:ext uri="{BB962C8B-B14F-4D97-AF65-F5344CB8AC3E}">
+        <p14:creationId xmlns:p14="http://schemas.microsoft.com/office/powerpoint/2010/main" val="1106892015"/>
+      </p:ext>
+    </p:extLst>
+  </p:cSld>
+  <p:clrMapOvr>
+    <a:masterClrMapping/>
+  </p:clrMapOvr>
+  <p:timing>
+    <p:tnLst>
+      <p:par>
+        <p:cTn id="1" dur="indefinite" restart="never" nodeType="tmRoot"/>
+      </p:par>
+    </p:tnLst>
+  </p:timing>
+</p:sld>
+</file>
+
+<file path=ppt/slides/slide22.xml><?xml version="1.0" encoding="utf-8"?>
+<p:sld xmlns:a="http://schemas.openxmlformats.org/drawingml/2006/main" xmlns:r="http://schemas.openxmlformats.org/officeDocument/2006/relationships" xmlns:p="http://schemas.openxmlformats.org/presentationml/2006/main">
+  <p:cSld>
+    <p:spTree>
+      <p:nvGrpSpPr>
+        <p:cNvPr id="1" name=""/>
+        <p:cNvGrpSpPr/>
+        <p:nvPr/>
+      </p:nvGrpSpPr>
+      <p:grpSpPr>
+        <a:xfrm>
+          <a:off x="0" y="0"/>
+          <a:ext cx="0" cy="0"/>
+          <a:chOff x="0" y="0"/>
+          <a:chExt cx="0" cy="0"/>
+        </a:xfrm>
+      </p:grpSpPr>
+      <p:sp>
+        <p:nvSpPr>
+          <p:cNvPr id="2" name="Title 1"/>
+          <p:cNvSpPr>
+            <a:spLocks noGrp="1"/>
+          </p:cNvSpPr>
+          <p:nvPr>
+            <p:ph type="title"/>
+          </p:nvPr>
+        </p:nvSpPr>
+        <p:spPr>
+          <a:xfrm>
+            <a:off x="109151" y="-203286"/>
+            <a:ext cx="10515600" cy="1325563"/>
+          </a:xfrm>
+        </p:spPr>
+        <p:txBody>
+          <a:bodyPr/>
+          <a:lstStyle/>
+          <a:p>
+            <a:r>
+              <a:rPr lang="nl-BE" dirty="0" smtClean="0"/>
+              <a:t>reactive values</a:t>
+            </a:r>
+            <a:endParaRPr lang="en-US" dirty="0"/>
+          </a:p>
+        </p:txBody>
+      </p:sp>
+      <p:sp>
+        <p:nvSpPr>
+          <p:cNvPr id="10" name="Content Placeholder 2"/>
+          <p:cNvSpPr>
+            <a:spLocks noGrp="1"/>
+          </p:cNvSpPr>
+          <p:nvPr>
+            <p:ph idx="1"/>
+          </p:nvPr>
+        </p:nvSpPr>
+        <p:spPr>
+          <a:xfrm>
+            <a:off x="203931" y="1052547"/>
+            <a:ext cx="11368171" cy="5499556"/>
+          </a:xfrm>
+        </p:spPr>
+        <p:txBody>
+          <a:bodyPr>
+            <a:normAutofit/>
+          </a:bodyPr>
+          <a:lstStyle/>
+          <a:p>
+            <a:r>
+              <a:rPr lang="nl-BE" sz="1600" dirty="0" smtClean="0"/>
+              <a:t>rv$focus_stock</a:t>
+            </a:r>
+          </a:p>
+          <a:p>
+            <a:pPr lvl="1"/>
+            <a:r>
+              <a:rPr lang="nl-BE" sz="1600" dirty="0" smtClean="0"/>
+              <a:t>guarantees continuity between pages when selecting 1 stock</a:t>
+            </a:r>
+          </a:p>
+          <a:p>
+            <a:pPr lvl="1"/>
+            <a:r>
+              <a:rPr lang="nl-BE" sz="1600" dirty="0" smtClean="0"/>
+              <a:t>first lines sets the rv so that other selectinputs may update</a:t>
+            </a:r>
+          </a:p>
+          <a:p>
+            <a:pPr lvl="1"/>
+            <a:r>
+              <a:rPr lang="nl-BE" sz="1600" dirty="0" smtClean="0"/>
+              <a:t>second line updates this selectinput if somewhere else the rv was modified</a:t>
+            </a:r>
+          </a:p>
+          <a:p>
+            <a:endParaRPr lang="en-BE" sz="1600" dirty="0" smtClean="0"/>
+          </a:p>
+          <a:p>
+            <a:endParaRPr lang="nl-BE" sz="1600" dirty="0"/>
+          </a:p>
+          <a:p>
+            <a:endParaRPr lang="nl-BE" sz="1600" dirty="0" smtClean="0"/>
+          </a:p>
+          <a:p>
+            <a:r>
+              <a:rPr lang="nl-BE" sz="1600" dirty="0" smtClean="0"/>
+              <a:t>rv$msgs</a:t>
+            </a:r>
+          </a:p>
+          <a:p>
+            <a:pPr lvl="1"/>
+            <a:r>
+              <a:rPr lang="nl-BE" sz="1600" dirty="0" smtClean="0"/>
+              <a:t>contains messages shown in notification corner as well as notification menu</a:t>
+            </a:r>
+          </a:p>
+        </p:txBody>
+      </p:sp>
+      <p:pic>
+        <p:nvPicPr>
+          <p:cNvPr id="3" name="Picture 2"/>
+          <p:cNvPicPr>
+            <a:picLocks noChangeAspect="1"/>
+          </p:cNvPicPr>
+          <p:nvPr/>
+        </p:nvPicPr>
+        <p:blipFill>
+          <a:blip r:embed="rId2"/>
+          <a:stretch>
+            <a:fillRect/>
+          </a:stretch>
+        </p:blipFill>
+        <p:spPr>
+          <a:xfrm>
+            <a:off x="935562" y="2337451"/>
+            <a:ext cx="9324975" cy="323850"/>
+          </a:xfrm>
+          <a:prstGeom prst="rect">
+            <a:avLst/>
+          </a:prstGeom>
+        </p:spPr>
+      </p:pic>
+      <p:pic>
+        <p:nvPicPr>
+          <p:cNvPr id="5" name="Picture 4"/>
+          <p:cNvPicPr>
+            <a:picLocks noChangeAspect="1"/>
+          </p:cNvPicPr>
+          <p:nvPr/>
+        </p:nvPicPr>
+        <p:blipFill>
+          <a:blip r:embed="rId3"/>
+          <a:stretch>
+            <a:fillRect/>
+          </a:stretch>
+        </p:blipFill>
+        <p:spPr>
+          <a:xfrm>
+            <a:off x="2082805" y="3978613"/>
+            <a:ext cx="7892708" cy="2789889"/>
+          </a:xfrm>
+          <a:prstGeom prst="rect">
+            <a:avLst/>
+          </a:prstGeom>
+        </p:spPr>
+      </p:pic>
+    </p:spTree>
+    <p:extLst>
+      <p:ext uri="{BB962C8B-B14F-4D97-AF65-F5344CB8AC3E}">
+        <p14:creationId xmlns:p14="http://schemas.microsoft.com/office/powerpoint/2010/main" val="994119531"/>
+      </p:ext>
+    </p:extLst>
+  </p:cSld>
+  <p:clrMapOvr>
+    <a:masterClrMapping/>
+  </p:clrMapOvr>
+  <p:timing>
+    <p:tnLst>
+      <p:par>
+        <p:cTn id="1" dur="indefinite" restart="never" nodeType="tmRoot"/>
+      </p:par>
+    </p:tnLst>
+  </p:timing>
+</p:sld>
+</file>
+
+<file path=ppt/slides/slide23.xml><?xml version="1.0" encoding="utf-8"?>
+<p:sld xmlns:a="http://schemas.openxmlformats.org/drawingml/2006/main" xmlns:r="http://schemas.openxmlformats.org/officeDocument/2006/relationships" xmlns:p="http://schemas.openxmlformats.org/presentationml/2006/main">
+  <p:cSld>
+    <p:spTree>
+      <p:nvGrpSpPr>
+        <p:cNvPr id="1" name=""/>
+        <p:cNvGrpSpPr/>
+        <p:nvPr/>
+      </p:nvGrpSpPr>
+      <p:grpSpPr>
+        <a:xfrm>
+          <a:off x="0" y="0"/>
+          <a:ext cx="0" cy="0"/>
+          <a:chOff x="0" y="0"/>
+          <a:chExt cx="0" cy="0"/>
+        </a:xfrm>
+      </p:grpSpPr>
+      <p:sp>
+        <p:nvSpPr>
+          <p:cNvPr id="2" name="Title 1"/>
+          <p:cNvSpPr>
+            <a:spLocks noGrp="1"/>
+          </p:cNvSpPr>
+          <p:nvPr>
+            <p:ph type="title"/>
+          </p:nvPr>
+        </p:nvSpPr>
+        <p:spPr>
+          <a:xfrm>
+            <a:off x="0" y="-227730"/>
+            <a:ext cx="10515600" cy="1325563"/>
+          </a:xfrm>
+        </p:spPr>
+        <p:txBody>
+          <a:bodyPr/>
+          <a:lstStyle/>
+          <a:p>
+            <a:r>
+              <a:rPr lang="nl-BE" dirty="0" smtClean="0"/>
+              <a:t>reactives</a:t>
+            </a:r>
+            <a:endParaRPr lang="en-US" dirty="0"/>
+          </a:p>
+        </p:txBody>
+      </p:sp>
+      <p:sp>
+        <p:nvSpPr>
+          <p:cNvPr id="4" name="Flowchart: Magnetic Disk 3"/>
+          <p:cNvSpPr/>
+          <p:nvPr/>
+        </p:nvSpPr>
+        <p:spPr>
+          <a:xfrm>
+            <a:off x="988539" y="1890584"/>
+            <a:ext cx="840259" cy="729048"/>
+          </a:xfrm>
+          <a:prstGeom prst="flowChartMagneticDisk">
+            <a:avLst/>
+          </a:prstGeom>
+        </p:spPr>
+        <p:style>
+          <a:lnRef idx="2">
+            <a:schemeClr val="accent5">
+              <a:shade val="50000"/>
+            </a:schemeClr>
+          </a:lnRef>
+          <a:fillRef idx="1">
+            <a:schemeClr val="accent5"/>
+          </a:fillRef>
+          <a:effectRef idx="0">
+            <a:schemeClr val="accent5"/>
+          </a:effectRef>
+          <a:fontRef idx="minor">
+            <a:schemeClr val="lt1"/>
+          </a:fontRef>
+        </p:style>
+        <p:txBody>
+          <a:bodyPr rtlCol="0" anchor="ctr"/>
+          <a:lstStyle/>
+          <a:p>
+            <a:pPr algn="ctr"/>
+            <a:r>
+              <a:rPr lang="nl-BE" sz="900" dirty="0" smtClean="0"/>
+              <a:t>transactions</a:t>
+            </a:r>
+            <a:endParaRPr lang="en-US" sz="900" dirty="0"/>
+          </a:p>
+        </p:txBody>
+      </p:sp>
+      <p:sp>
+        <p:nvSpPr>
+          <p:cNvPr id="5" name="Flowchart: Magnetic Disk 4"/>
+          <p:cNvSpPr/>
+          <p:nvPr/>
+        </p:nvSpPr>
+        <p:spPr>
+          <a:xfrm>
+            <a:off x="988540" y="3095369"/>
+            <a:ext cx="840259" cy="729048"/>
+          </a:xfrm>
+          <a:prstGeom prst="flowChartMagneticDisk">
+            <a:avLst/>
+          </a:prstGeom>
+        </p:spPr>
+        <p:style>
+          <a:lnRef idx="2">
+            <a:schemeClr val="accent5">
+              <a:shade val="50000"/>
+            </a:schemeClr>
+          </a:lnRef>
+          <a:fillRef idx="1">
+            <a:schemeClr val="accent5"/>
+          </a:fillRef>
+          <a:effectRef idx="0">
+            <a:schemeClr val="accent5"/>
+          </a:effectRef>
+          <a:fontRef idx="minor">
+            <a:schemeClr val="lt1"/>
+          </a:fontRef>
+        </p:style>
+        <p:txBody>
+          <a:bodyPr rtlCol="0" anchor="ctr"/>
+          <a:lstStyle/>
+          <a:p>
+            <a:pPr algn="ctr"/>
+            <a:r>
+              <a:rPr lang="nl-BE" sz="900" dirty="0" smtClean="0"/>
+              <a:t>stock_ohlc</a:t>
+            </a:r>
+            <a:endParaRPr lang="en-US" sz="900" dirty="0"/>
+          </a:p>
+        </p:txBody>
+      </p:sp>
+      <p:sp>
+        <p:nvSpPr>
+          <p:cNvPr id="6" name="Flowchart: Magnetic Disk 5"/>
+          <p:cNvSpPr/>
+          <p:nvPr/>
+        </p:nvSpPr>
+        <p:spPr>
+          <a:xfrm>
+            <a:off x="988539" y="4436077"/>
+            <a:ext cx="840259" cy="729048"/>
+          </a:xfrm>
+          <a:prstGeom prst="flowChartMagneticDisk">
+            <a:avLst/>
+          </a:prstGeom>
+        </p:spPr>
+        <p:style>
+          <a:lnRef idx="2">
+            <a:schemeClr val="accent5">
+              <a:shade val="50000"/>
+            </a:schemeClr>
+          </a:lnRef>
+          <a:fillRef idx="1">
+            <a:schemeClr val="accent5"/>
+          </a:fillRef>
+          <a:effectRef idx="0">
+            <a:schemeClr val="accent5"/>
+          </a:effectRef>
+          <a:fontRef idx="minor">
+            <a:schemeClr val="lt1"/>
+          </a:fontRef>
+        </p:style>
+        <p:txBody>
+          <a:bodyPr rtlCol="0" anchor="ctr"/>
+          <a:lstStyle/>
+          <a:p>
+            <a:pPr algn="ctr"/>
+            <a:r>
+              <a:rPr lang="nl-BE" sz="900" dirty="0" smtClean="0"/>
+              <a:t>fx_rates</a:t>
+            </a:r>
+            <a:endParaRPr lang="en-US" sz="900" dirty="0"/>
+          </a:p>
+        </p:txBody>
+      </p:sp>
+      <p:sp>
+        <p:nvSpPr>
+          <p:cNvPr id="7" name="Chevron 6"/>
+          <p:cNvSpPr/>
+          <p:nvPr/>
+        </p:nvSpPr>
+        <p:spPr>
+          <a:xfrm>
+            <a:off x="2940910" y="1927654"/>
+            <a:ext cx="1402492" cy="654909"/>
+          </a:xfrm>
+          <a:prstGeom prst="chevron">
+            <a:avLst/>
+          </a:prstGeom>
+        </p:spPr>
+        <p:style>
+          <a:lnRef idx="2">
+            <a:schemeClr val="accent1">
+              <a:shade val="50000"/>
+            </a:schemeClr>
+          </a:lnRef>
+          <a:fillRef idx="1">
+            <a:schemeClr val="accent1"/>
+          </a:fillRef>
+          <a:effectRef idx="0">
+            <a:schemeClr val="accent1"/>
+          </a:effectRef>
+          <a:fontRef idx="minor">
+            <a:schemeClr val="lt1"/>
+          </a:fontRef>
+        </p:style>
+        <p:txBody>
+          <a:bodyPr rtlCol="0" anchor="ctr"/>
+          <a:lstStyle/>
+          <a:p>
+            <a:pPr algn="ctr"/>
+            <a:r>
+              <a:rPr lang="nl-BE" sz="900" dirty="0"/>
+              <a:t>tr()</a:t>
+            </a:r>
+            <a:endParaRPr lang="en-US" sz="900" dirty="0"/>
+          </a:p>
+        </p:txBody>
+      </p:sp>
+      <p:sp>
+        <p:nvSpPr>
+          <p:cNvPr id="8" name="Chevron 7"/>
+          <p:cNvSpPr/>
+          <p:nvPr/>
+        </p:nvSpPr>
+        <p:spPr>
+          <a:xfrm>
+            <a:off x="2940910" y="3132438"/>
+            <a:ext cx="1402492" cy="654909"/>
+          </a:xfrm>
+          <a:prstGeom prst="chevron">
+            <a:avLst/>
+          </a:prstGeom>
+        </p:spPr>
+        <p:style>
+          <a:lnRef idx="2">
+            <a:schemeClr val="accent1">
+              <a:shade val="50000"/>
+            </a:schemeClr>
+          </a:lnRef>
+          <a:fillRef idx="1">
+            <a:schemeClr val="accent1"/>
+          </a:fillRef>
+          <a:effectRef idx="0">
+            <a:schemeClr val="accent1"/>
+          </a:effectRef>
+          <a:fontRef idx="minor">
+            <a:schemeClr val="lt1"/>
+          </a:fontRef>
+        </p:style>
+        <p:txBody>
+          <a:bodyPr rtlCol="0" anchor="ctr"/>
+          <a:lstStyle/>
+          <a:p>
+            <a:pPr algn="ctr"/>
+            <a:r>
+              <a:rPr lang="nl-BE" sz="900" dirty="0" smtClean="0"/>
+              <a:t>ohlc()</a:t>
+            </a:r>
+            <a:endParaRPr lang="en-US" sz="900" dirty="0"/>
+          </a:p>
+        </p:txBody>
+      </p:sp>
+      <p:sp>
+        <p:nvSpPr>
+          <p:cNvPr id="9" name="Chevron 8"/>
+          <p:cNvSpPr/>
+          <p:nvPr/>
+        </p:nvSpPr>
+        <p:spPr>
+          <a:xfrm>
+            <a:off x="2940910" y="4473146"/>
+            <a:ext cx="1402492" cy="654909"/>
+          </a:xfrm>
+          <a:prstGeom prst="chevron">
+            <a:avLst/>
+          </a:prstGeom>
+        </p:spPr>
+        <p:style>
+          <a:lnRef idx="2">
+            <a:schemeClr val="accent1">
+              <a:shade val="50000"/>
+            </a:schemeClr>
+          </a:lnRef>
+          <a:fillRef idx="1">
+            <a:schemeClr val="accent1"/>
+          </a:fillRef>
+          <a:effectRef idx="0">
+            <a:schemeClr val="accent1"/>
+          </a:effectRef>
+          <a:fontRef idx="minor">
+            <a:schemeClr val="lt1"/>
+          </a:fontRef>
+        </p:style>
+        <p:txBody>
+          <a:bodyPr rtlCol="0" anchor="ctr"/>
+          <a:lstStyle/>
+          <a:p>
+            <a:pPr algn="ctr"/>
+            <a:r>
+              <a:rPr lang="nl-BE" sz="900" dirty="0" smtClean="0"/>
+              <a:t>fx()</a:t>
+            </a:r>
+            <a:endParaRPr lang="en-US" sz="900" dirty="0"/>
+          </a:p>
+        </p:txBody>
+      </p:sp>
+      <p:sp>
+        <p:nvSpPr>
+          <p:cNvPr id="10" name="Chevron 9"/>
+          <p:cNvSpPr/>
+          <p:nvPr/>
+        </p:nvSpPr>
+        <p:spPr>
+          <a:xfrm>
+            <a:off x="4744997" y="1927654"/>
+            <a:ext cx="1402492" cy="654909"/>
+          </a:xfrm>
+          <a:prstGeom prst="chevron">
+            <a:avLst/>
+          </a:prstGeom>
+        </p:spPr>
+        <p:style>
+          <a:lnRef idx="2">
+            <a:schemeClr val="accent1">
+              <a:shade val="50000"/>
+            </a:schemeClr>
+          </a:lnRef>
+          <a:fillRef idx="1">
+            <a:schemeClr val="accent1"/>
+          </a:fillRef>
+          <a:effectRef idx="0">
+            <a:schemeClr val="accent1"/>
+          </a:effectRef>
+          <a:fontRef idx="minor">
+            <a:schemeClr val="lt1"/>
+          </a:fontRef>
+        </p:style>
+        <p:txBody>
+          <a:bodyPr rtlCol="0" anchor="ctr"/>
+          <a:lstStyle/>
+          <a:p>
+            <a:pPr algn="ctr"/>
+            <a:r>
+              <a:rPr lang="nl-BE" sz="900" dirty="0" smtClean="0"/>
+              <a:t>tr_ext()</a:t>
+            </a:r>
+            <a:endParaRPr lang="en-US" sz="900" dirty="0"/>
+          </a:p>
+        </p:txBody>
+      </p:sp>
+      <p:sp>
+        <p:nvSpPr>
+          <p:cNvPr id="11" name="Chevron 10"/>
+          <p:cNvSpPr/>
+          <p:nvPr/>
+        </p:nvSpPr>
+        <p:spPr>
+          <a:xfrm>
+            <a:off x="6305038" y="774840"/>
+            <a:ext cx="1560040" cy="654909"/>
+          </a:xfrm>
+          <a:prstGeom prst="chevron">
+            <a:avLst/>
+          </a:prstGeom>
+        </p:spPr>
+        <p:style>
+          <a:lnRef idx="2">
+            <a:schemeClr val="accent1">
+              <a:shade val="50000"/>
+            </a:schemeClr>
+          </a:lnRef>
+          <a:fillRef idx="1">
+            <a:schemeClr val="accent1"/>
+          </a:fillRef>
+          <a:effectRef idx="0">
+            <a:schemeClr val="accent1"/>
+          </a:effectRef>
+          <a:fontRef idx="minor">
+            <a:schemeClr val="lt1"/>
+          </a:fontRef>
+        </p:style>
+        <p:txBody>
+          <a:bodyPr rtlCol="0" anchor="ctr"/>
+          <a:lstStyle/>
+          <a:p>
+            <a:pPr algn="ctr"/>
+            <a:r>
+              <a:rPr lang="nl-BE" sz="900" dirty="0"/>
+              <a:t>cash_b_evol()</a:t>
+            </a:r>
+            <a:endParaRPr lang="en-US" sz="900" dirty="0"/>
+          </a:p>
+        </p:txBody>
+      </p:sp>
+      <p:sp>
+        <p:nvSpPr>
+          <p:cNvPr id="12" name="Chevron 11"/>
+          <p:cNvSpPr/>
+          <p:nvPr/>
+        </p:nvSpPr>
+        <p:spPr>
+          <a:xfrm>
+            <a:off x="6462585" y="2686500"/>
+            <a:ext cx="1520829" cy="654909"/>
+          </a:xfrm>
+          <a:prstGeom prst="chevron">
+            <a:avLst/>
+          </a:prstGeom>
+        </p:spPr>
+        <p:style>
+          <a:lnRef idx="2">
+            <a:schemeClr val="accent1">
+              <a:shade val="50000"/>
+            </a:schemeClr>
+          </a:lnRef>
+          <a:fillRef idx="1">
+            <a:schemeClr val="accent1"/>
+          </a:fillRef>
+          <a:effectRef idx="0">
+            <a:schemeClr val="accent1"/>
+          </a:effectRef>
+          <a:fontRef idx="minor">
+            <a:schemeClr val="lt1"/>
+          </a:fontRef>
+        </p:style>
+        <p:txBody>
+          <a:bodyPr rtlCol="0" anchor="ctr"/>
+          <a:lstStyle/>
+          <a:p>
+            <a:pPr algn="ctr"/>
+            <a:r>
+              <a:rPr lang="nl-BE" sz="900" dirty="0"/>
+              <a:t>pos_sb_evol()</a:t>
+            </a:r>
+            <a:endParaRPr lang="en-US" sz="900" dirty="0"/>
+          </a:p>
+        </p:txBody>
+      </p:sp>
+      <p:sp>
+        <p:nvSpPr>
+          <p:cNvPr id="13" name="Chevron 12"/>
+          <p:cNvSpPr/>
+          <p:nvPr/>
+        </p:nvSpPr>
+        <p:spPr>
+          <a:xfrm>
+            <a:off x="8841262" y="2686499"/>
+            <a:ext cx="1402492" cy="654909"/>
+          </a:xfrm>
+          <a:prstGeom prst="chevron">
+            <a:avLst/>
+          </a:prstGeom>
+        </p:spPr>
+        <p:style>
+          <a:lnRef idx="2">
+            <a:schemeClr val="accent1">
+              <a:shade val="50000"/>
+            </a:schemeClr>
+          </a:lnRef>
+          <a:fillRef idx="1">
+            <a:schemeClr val="accent1"/>
+          </a:fillRef>
+          <a:effectRef idx="0">
+            <a:schemeClr val="accent1"/>
+          </a:effectRef>
+          <a:fontRef idx="minor">
+            <a:schemeClr val="lt1"/>
+          </a:fontRef>
+        </p:style>
+        <p:txBody>
+          <a:bodyPr rtlCol="0" anchor="ctr"/>
+          <a:lstStyle/>
+          <a:p>
+            <a:pPr algn="ctr"/>
+            <a:r>
+              <a:rPr lang="nl-BE" sz="900" dirty="0"/>
+              <a:t>pos_sb()</a:t>
+            </a:r>
+            <a:endParaRPr lang="en-US" sz="900" dirty="0"/>
+          </a:p>
+        </p:txBody>
+      </p:sp>
+      <p:cxnSp>
+        <p:nvCxnSpPr>
+          <p:cNvPr id="15" name="Straight Arrow Connector 14"/>
+          <p:cNvCxnSpPr>
+            <a:stCxn id="4" idx="4"/>
+            <a:endCxn id="7" idx="1"/>
+          </p:cNvCxnSpPr>
+          <p:nvPr/>
+        </p:nvCxnSpPr>
+        <p:spPr>
+          <a:xfrm>
+            <a:off x="1828798" y="2255108"/>
+            <a:ext cx="1439567" cy="1"/>
+          </a:xfrm>
+          <a:prstGeom prst="straightConnector1">
+            <a:avLst/>
+          </a:prstGeom>
+          <a:ln>
+            <a:tailEnd type="triangle"/>
+          </a:ln>
+        </p:spPr>
+        <p:style>
+          <a:lnRef idx="1">
+            <a:schemeClr val="dk1"/>
+          </a:lnRef>
+          <a:fillRef idx="0">
+            <a:schemeClr val="dk1"/>
+          </a:fillRef>
+          <a:effectRef idx="0">
+            <a:schemeClr val="dk1"/>
+          </a:effectRef>
+          <a:fontRef idx="minor">
+            <a:schemeClr val="tx1"/>
+          </a:fontRef>
+        </p:style>
+      </p:cxnSp>
+      <p:sp>
+        <p:nvSpPr>
+          <p:cNvPr id="17" name="TextBox 16"/>
+          <p:cNvSpPr txBox="1"/>
+          <p:nvPr/>
+        </p:nvSpPr>
+        <p:spPr>
+          <a:xfrm>
+            <a:off x="1831893" y="2021673"/>
+            <a:ext cx="704332" cy="230832"/>
+          </a:xfrm>
+          <a:prstGeom prst="rect">
+            <a:avLst/>
+          </a:prstGeom>
+          <a:noFill/>
+        </p:spPr>
+        <p:txBody>
+          <a:bodyPr wrap="square" rtlCol="0">
+            <a:spAutoFit/>
+          </a:bodyPr>
+          <a:lstStyle/>
+          <a:p>
+            <a:r>
+              <a:rPr lang="nl-BE" sz="900" dirty="0" smtClean="0"/>
+              <a:t>polling</a:t>
+            </a:r>
+            <a:endParaRPr lang="en-US" sz="900" dirty="0"/>
+          </a:p>
+        </p:txBody>
+      </p:sp>
+      <p:sp>
+        <p:nvSpPr>
+          <p:cNvPr id="18" name="Flowchart: Magnetic Disk 17"/>
+          <p:cNvSpPr/>
+          <p:nvPr/>
+        </p:nvSpPr>
+        <p:spPr>
+          <a:xfrm>
+            <a:off x="988539" y="5776785"/>
+            <a:ext cx="840259" cy="729048"/>
+          </a:xfrm>
+          <a:prstGeom prst="flowChartMagneticDisk">
+            <a:avLst/>
+          </a:prstGeom>
+        </p:spPr>
+        <p:style>
+          <a:lnRef idx="2">
+            <a:schemeClr val="accent5">
+              <a:shade val="50000"/>
+            </a:schemeClr>
+          </a:lnRef>
+          <a:fillRef idx="1">
+            <a:schemeClr val="accent5"/>
+          </a:fillRef>
+          <a:effectRef idx="0">
+            <a:schemeClr val="accent5"/>
+          </a:effectRef>
+          <a:fontRef idx="minor">
+            <a:schemeClr val="lt1"/>
+          </a:fontRef>
+        </p:style>
+        <p:txBody>
+          <a:bodyPr rtlCol="0" anchor="ctr"/>
+          <a:lstStyle/>
+          <a:p>
+            <a:pPr algn="ctr"/>
+            <a:r>
+              <a:rPr lang="nl-BE" sz="900" dirty="0" smtClean="0"/>
+              <a:t>stock_profiles</a:t>
+            </a:r>
+            <a:endParaRPr lang="en-US" sz="900" dirty="0"/>
+          </a:p>
+        </p:txBody>
+      </p:sp>
+      <p:sp>
+        <p:nvSpPr>
+          <p:cNvPr id="19" name="Chevron 18"/>
+          <p:cNvSpPr/>
+          <p:nvPr/>
+        </p:nvSpPr>
+        <p:spPr>
+          <a:xfrm>
+            <a:off x="2940910" y="5813854"/>
+            <a:ext cx="1402492" cy="654909"/>
+          </a:xfrm>
+          <a:prstGeom prst="chevron">
+            <a:avLst/>
+          </a:prstGeom>
+        </p:spPr>
+        <p:style>
+          <a:lnRef idx="2">
+            <a:schemeClr val="accent1">
+              <a:shade val="50000"/>
+            </a:schemeClr>
+          </a:lnRef>
+          <a:fillRef idx="1">
+            <a:schemeClr val="accent1"/>
+          </a:fillRef>
+          <a:effectRef idx="0">
+            <a:schemeClr val="accent1"/>
+          </a:effectRef>
+          <a:fontRef idx="minor">
+            <a:schemeClr val="lt1"/>
+          </a:fontRef>
+        </p:style>
+        <p:txBody>
+          <a:bodyPr rtlCol="0" anchor="ctr"/>
+          <a:lstStyle/>
+          <a:p>
+            <a:pPr algn="ctr"/>
+            <a:r>
+              <a:rPr lang="nl-BE" sz="900" dirty="0" smtClean="0"/>
+              <a:t>profiles()</a:t>
+            </a:r>
+            <a:endParaRPr lang="en-US" sz="900" dirty="0"/>
+          </a:p>
+        </p:txBody>
+      </p:sp>
+      <p:cxnSp>
+        <p:nvCxnSpPr>
+          <p:cNvPr id="21" name="Straight Arrow Connector 20"/>
+          <p:cNvCxnSpPr>
+            <a:stCxn id="5" idx="4"/>
+            <a:endCxn id="8" idx="1"/>
+          </p:cNvCxnSpPr>
+          <p:nvPr/>
+        </p:nvCxnSpPr>
+        <p:spPr>
+          <a:xfrm>
+            <a:off x="1828799" y="3459893"/>
+            <a:ext cx="1439566" cy="0"/>
+          </a:xfrm>
+          <a:prstGeom prst="straightConnector1">
+            <a:avLst/>
+          </a:prstGeom>
+          <a:ln>
+            <a:tailEnd type="triangle"/>
+          </a:ln>
+        </p:spPr>
+        <p:style>
+          <a:lnRef idx="1">
+            <a:schemeClr val="dk1"/>
+          </a:lnRef>
+          <a:fillRef idx="0">
+            <a:schemeClr val="dk1"/>
+          </a:fillRef>
+          <a:effectRef idx="0">
+            <a:schemeClr val="dk1"/>
+          </a:effectRef>
+          <a:fontRef idx="minor">
+            <a:schemeClr val="tx1"/>
+          </a:fontRef>
+        </p:style>
+      </p:cxnSp>
+      <p:cxnSp>
+        <p:nvCxnSpPr>
+          <p:cNvPr id="23" name="Straight Arrow Connector 22"/>
+          <p:cNvCxnSpPr>
+            <a:stCxn id="6" idx="4"/>
+            <a:endCxn id="9" idx="1"/>
+          </p:cNvCxnSpPr>
+          <p:nvPr/>
+        </p:nvCxnSpPr>
+        <p:spPr>
+          <a:xfrm>
+            <a:off x="1828798" y="4800601"/>
+            <a:ext cx="1439567" cy="0"/>
+          </a:xfrm>
+          <a:prstGeom prst="straightConnector1">
+            <a:avLst/>
+          </a:prstGeom>
+          <a:ln>
+            <a:tailEnd type="triangle"/>
+          </a:ln>
+        </p:spPr>
+        <p:style>
+          <a:lnRef idx="1">
+            <a:schemeClr val="dk1"/>
+          </a:lnRef>
+          <a:fillRef idx="0">
+            <a:schemeClr val="dk1"/>
+          </a:fillRef>
+          <a:effectRef idx="0">
+            <a:schemeClr val="dk1"/>
+          </a:effectRef>
+          <a:fontRef idx="minor">
+            <a:schemeClr val="tx1"/>
+          </a:fontRef>
+        </p:style>
+      </p:cxnSp>
+      <p:cxnSp>
+        <p:nvCxnSpPr>
+          <p:cNvPr id="25" name="Straight Arrow Connector 24"/>
+          <p:cNvCxnSpPr>
+            <a:stCxn id="18" idx="4"/>
+            <a:endCxn id="19" idx="1"/>
+          </p:cNvCxnSpPr>
+          <p:nvPr/>
+        </p:nvCxnSpPr>
+        <p:spPr>
+          <a:xfrm>
+            <a:off x="1828798" y="6141309"/>
+            <a:ext cx="1439567" cy="0"/>
+          </a:xfrm>
+          <a:prstGeom prst="straightConnector1">
+            <a:avLst/>
+          </a:prstGeom>
+          <a:ln>
+            <a:tailEnd type="triangle"/>
+          </a:ln>
+        </p:spPr>
+        <p:style>
+          <a:lnRef idx="1">
+            <a:schemeClr val="dk1"/>
+          </a:lnRef>
+          <a:fillRef idx="0">
+            <a:schemeClr val="dk1"/>
+          </a:fillRef>
+          <a:effectRef idx="0">
+            <a:schemeClr val="dk1"/>
+          </a:effectRef>
+          <a:fontRef idx="minor">
+            <a:schemeClr val="tx1"/>
+          </a:fontRef>
+        </p:style>
+      </p:cxnSp>
+      <p:sp>
+        <p:nvSpPr>
+          <p:cNvPr id="26" name="TextBox 25"/>
+          <p:cNvSpPr txBox="1"/>
+          <p:nvPr/>
+        </p:nvSpPr>
+        <p:spPr>
+          <a:xfrm>
+            <a:off x="1831893" y="3235282"/>
+            <a:ext cx="704332" cy="230832"/>
+          </a:xfrm>
+          <a:prstGeom prst="rect">
+            <a:avLst/>
+          </a:prstGeom>
+          <a:noFill/>
+        </p:spPr>
+        <p:txBody>
+          <a:bodyPr wrap="square" rtlCol="0">
+            <a:spAutoFit/>
+          </a:bodyPr>
+          <a:lstStyle/>
+          <a:p>
+            <a:r>
+              <a:rPr lang="nl-BE" sz="900" dirty="0" smtClean="0"/>
+              <a:t>polling</a:t>
+            </a:r>
+            <a:endParaRPr lang="en-US" sz="900" dirty="0"/>
+          </a:p>
+        </p:txBody>
+      </p:sp>
+      <p:sp>
+        <p:nvSpPr>
+          <p:cNvPr id="27" name="TextBox 26"/>
+          <p:cNvSpPr txBox="1"/>
+          <p:nvPr/>
+        </p:nvSpPr>
+        <p:spPr>
+          <a:xfrm>
+            <a:off x="1831893" y="4563176"/>
+            <a:ext cx="704332" cy="230832"/>
+          </a:xfrm>
+          <a:prstGeom prst="rect">
+            <a:avLst/>
+          </a:prstGeom>
+          <a:noFill/>
+        </p:spPr>
+        <p:txBody>
+          <a:bodyPr wrap="square" rtlCol="0">
+            <a:spAutoFit/>
+          </a:bodyPr>
+          <a:lstStyle/>
+          <a:p>
+            <a:r>
+              <a:rPr lang="nl-BE" sz="900" dirty="0" smtClean="0"/>
+              <a:t>polling</a:t>
+            </a:r>
+            <a:endParaRPr lang="en-US" sz="900" dirty="0"/>
+          </a:p>
+        </p:txBody>
+      </p:sp>
+      <p:sp>
+        <p:nvSpPr>
+          <p:cNvPr id="28" name="TextBox 27"/>
+          <p:cNvSpPr txBox="1"/>
+          <p:nvPr/>
+        </p:nvSpPr>
+        <p:spPr>
+          <a:xfrm>
+            <a:off x="1831893" y="5903884"/>
+            <a:ext cx="704332" cy="230832"/>
+          </a:xfrm>
+          <a:prstGeom prst="rect">
+            <a:avLst/>
+          </a:prstGeom>
+          <a:noFill/>
+        </p:spPr>
+        <p:txBody>
+          <a:bodyPr wrap="square" rtlCol="0">
+            <a:spAutoFit/>
+          </a:bodyPr>
+          <a:lstStyle/>
+          <a:p>
+            <a:r>
+              <a:rPr lang="nl-BE" sz="900" dirty="0" smtClean="0"/>
+              <a:t>polling</a:t>
+            </a:r>
+            <a:endParaRPr lang="en-US" sz="900" dirty="0"/>
+          </a:p>
+        </p:txBody>
+      </p:sp>
+      <p:sp>
+        <p:nvSpPr>
+          <p:cNvPr id="30" name="Chevron 29"/>
+          <p:cNvSpPr/>
+          <p:nvPr/>
+        </p:nvSpPr>
+        <p:spPr>
+          <a:xfrm>
+            <a:off x="4877829" y="3787347"/>
+            <a:ext cx="1402492" cy="654909"/>
+          </a:xfrm>
+          <a:prstGeom prst="chevron">
+            <a:avLst/>
+          </a:prstGeom>
+        </p:spPr>
+        <p:style>
+          <a:lnRef idx="2">
+            <a:schemeClr val="accent1">
+              <a:shade val="50000"/>
+            </a:schemeClr>
+          </a:lnRef>
+          <a:fillRef idx="1">
+            <a:schemeClr val="accent1"/>
+          </a:fillRef>
+          <a:effectRef idx="0">
+            <a:schemeClr val="accent1"/>
+          </a:effectRef>
+          <a:fontRef idx="minor">
+            <a:schemeClr val="lt1"/>
+          </a:fontRef>
+        </p:style>
+        <p:txBody>
+          <a:bodyPr rtlCol="0" anchor="ctr"/>
+          <a:lstStyle/>
+          <a:p>
+            <a:pPr algn="ctr"/>
+            <a:r>
+              <a:rPr lang="nl-BE" sz="900" dirty="0" smtClean="0"/>
+              <a:t>ohlc_euro()</a:t>
+            </a:r>
+            <a:endParaRPr lang="en-US" sz="900" dirty="0"/>
+          </a:p>
+        </p:txBody>
+      </p:sp>
+      <p:cxnSp>
+        <p:nvCxnSpPr>
+          <p:cNvPr id="32" name="Straight Arrow Connector 31"/>
+          <p:cNvCxnSpPr>
+            <a:stCxn id="8" idx="3"/>
+            <a:endCxn id="30" idx="1"/>
+          </p:cNvCxnSpPr>
+          <p:nvPr/>
+        </p:nvCxnSpPr>
+        <p:spPr>
+          <a:xfrm>
+            <a:off x="4343402" y="3459893"/>
+            <a:ext cx="861882" cy="654909"/>
+          </a:xfrm>
+          <a:prstGeom prst="straightConnector1">
+            <a:avLst/>
+          </a:prstGeom>
+          <a:ln>
+            <a:tailEnd type="triangle"/>
+          </a:ln>
+        </p:spPr>
+        <p:style>
+          <a:lnRef idx="1">
+            <a:schemeClr val="dk1"/>
+          </a:lnRef>
+          <a:fillRef idx="0">
+            <a:schemeClr val="dk1"/>
+          </a:fillRef>
+          <a:effectRef idx="0">
+            <a:schemeClr val="dk1"/>
+          </a:effectRef>
+          <a:fontRef idx="minor">
+            <a:schemeClr val="tx1"/>
+          </a:fontRef>
+        </p:style>
+      </p:cxnSp>
+      <p:cxnSp>
+        <p:nvCxnSpPr>
+          <p:cNvPr id="34" name="Straight Arrow Connector 33"/>
+          <p:cNvCxnSpPr>
+            <a:stCxn id="9" idx="3"/>
+            <a:endCxn id="30" idx="1"/>
+          </p:cNvCxnSpPr>
+          <p:nvPr/>
+        </p:nvCxnSpPr>
+        <p:spPr>
+          <a:xfrm flipV="1">
+            <a:off x="4343402" y="4114802"/>
+            <a:ext cx="861882" cy="685799"/>
+          </a:xfrm>
+          <a:prstGeom prst="straightConnector1">
+            <a:avLst/>
+          </a:prstGeom>
+          <a:ln>
+            <a:tailEnd type="triangle"/>
+          </a:ln>
+        </p:spPr>
+        <p:style>
+          <a:lnRef idx="1">
+            <a:schemeClr val="dk1"/>
+          </a:lnRef>
+          <a:fillRef idx="0">
+            <a:schemeClr val="dk1"/>
+          </a:fillRef>
+          <a:effectRef idx="0">
+            <a:schemeClr val="dk1"/>
+          </a:effectRef>
+          <a:fontRef idx="minor">
+            <a:schemeClr val="tx1"/>
+          </a:fontRef>
+        </p:style>
+      </p:cxnSp>
+      <p:cxnSp>
+        <p:nvCxnSpPr>
+          <p:cNvPr id="36" name="Straight Arrow Connector 35"/>
+          <p:cNvCxnSpPr>
+            <a:stCxn id="19" idx="3"/>
+            <a:endCxn id="30" idx="1"/>
+          </p:cNvCxnSpPr>
+          <p:nvPr/>
+        </p:nvCxnSpPr>
+        <p:spPr>
+          <a:xfrm flipV="1">
+            <a:off x="4343402" y="4114802"/>
+            <a:ext cx="861882" cy="2026507"/>
+          </a:xfrm>
+          <a:prstGeom prst="straightConnector1">
+            <a:avLst/>
+          </a:prstGeom>
+          <a:ln>
+            <a:tailEnd type="triangle"/>
+          </a:ln>
+        </p:spPr>
+        <p:style>
+          <a:lnRef idx="1">
+            <a:schemeClr val="dk1"/>
+          </a:lnRef>
+          <a:fillRef idx="0">
+            <a:schemeClr val="dk1"/>
+          </a:fillRef>
+          <a:effectRef idx="0">
+            <a:schemeClr val="dk1"/>
+          </a:effectRef>
+          <a:fontRef idx="minor">
+            <a:schemeClr val="tx1"/>
+          </a:fontRef>
+        </p:style>
+      </p:cxnSp>
+      <p:cxnSp>
+        <p:nvCxnSpPr>
+          <p:cNvPr id="38" name="Straight Arrow Connector 37"/>
+          <p:cNvCxnSpPr>
+            <a:stCxn id="7" idx="3"/>
+            <a:endCxn id="10" idx="1"/>
+          </p:cNvCxnSpPr>
+          <p:nvPr/>
+        </p:nvCxnSpPr>
+        <p:spPr>
+          <a:xfrm>
+            <a:off x="4343402" y="2255109"/>
+            <a:ext cx="729050" cy="0"/>
+          </a:xfrm>
+          <a:prstGeom prst="straightConnector1">
+            <a:avLst/>
+          </a:prstGeom>
+          <a:ln>
+            <a:tailEnd type="triangle"/>
+          </a:ln>
+        </p:spPr>
+        <p:style>
+          <a:lnRef idx="1">
+            <a:schemeClr val="dk1"/>
+          </a:lnRef>
+          <a:fillRef idx="0">
+            <a:schemeClr val="dk1"/>
+          </a:fillRef>
+          <a:effectRef idx="0">
+            <a:schemeClr val="dk1"/>
+          </a:effectRef>
+          <a:fontRef idx="minor">
+            <a:schemeClr val="tx1"/>
+          </a:fontRef>
+        </p:style>
+      </p:cxnSp>
+      <p:cxnSp>
+        <p:nvCxnSpPr>
+          <p:cNvPr id="42" name="Straight Arrow Connector 41"/>
+          <p:cNvCxnSpPr>
+            <a:stCxn id="10" idx="3"/>
+            <a:endCxn id="11" idx="1"/>
+          </p:cNvCxnSpPr>
+          <p:nvPr/>
+        </p:nvCxnSpPr>
+        <p:spPr>
+          <a:xfrm flipV="1">
+            <a:off x="6147489" y="1102295"/>
+            <a:ext cx="485004" cy="1152814"/>
+          </a:xfrm>
+          <a:prstGeom prst="straightConnector1">
+            <a:avLst/>
+          </a:prstGeom>
+          <a:ln>
+            <a:tailEnd type="triangle"/>
+          </a:ln>
+        </p:spPr>
+        <p:style>
+          <a:lnRef idx="1">
+            <a:schemeClr val="dk1"/>
+          </a:lnRef>
+          <a:fillRef idx="0">
+            <a:schemeClr val="dk1"/>
+          </a:fillRef>
+          <a:effectRef idx="0">
+            <a:schemeClr val="dk1"/>
+          </a:effectRef>
+          <a:fontRef idx="minor">
+            <a:schemeClr val="tx1"/>
+          </a:fontRef>
+        </p:style>
+      </p:cxnSp>
+      <p:cxnSp>
+        <p:nvCxnSpPr>
+          <p:cNvPr id="44" name="Straight Arrow Connector 43"/>
+          <p:cNvCxnSpPr>
+            <a:stCxn id="10" idx="3"/>
+            <a:endCxn id="12" idx="1"/>
+          </p:cNvCxnSpPr>
+          <p:nvPr/>
+        </p:nvCxnSpPr>
+        <p:spPr>
+          <a:xfrm>
+            <a:off x="6147489" y="2255109"/>
+            <a:ext cx="642551" cy="758846"/>
+          </a:xfrm>
+          <a:prstGeom prst="straightConnector1">
+            <a:avLst/>
+          </a:prstGeom>
+          <a:ln>
+            <a:tailEnd type="triangle"/>
+          </a:ln>
+        </p:spPr>
+        <p:style>
+          <a:lnRef idx="1">
+            <a:schemeClr val="dk1"/>
+          </a:lnRef>
+          <a:fillRef idx="0">
+            <a:schemeClr val="dk1"/>
+          </a:fillRef>
+          <a:effectRef idx="0">
+            <a:schemeClr val="dk1"/>
+          </a:effectRef>
+          <a:fontRef idx="minor">
+            <a:schemeClr val="tx1"/>
+          </a:fontRef>
+        </p:style>
+      </p:cxnSp>
+      <p:cxnSp>
+        <p:nvCxnSpPr>
+          <p:cNvPr id="46" name="Straight Arrow Connector 45"/>
+          <p:cNvCxnSpPr>
+            <a:stCxn id="30" idx="3"/>
+            <a:endCxn id="12" idx="1"/>
+          </p:cNvCxnSpPr>
+          <p:nvPr/>
+        </p:nvCxnSpPr>
+        <p:spPr>
+          <a:xfrm flipV="1">
+            <a:off x="6280321" y="3013955"/>
+            <a:ext cx="509719" cy="1100847"/>
+          </a:xfrm>
+          <a:prstGeom prst="straightConnector1">
+            <a:avLst/>
+          </a:prstGeom>
+          <a:ln>
+            <a:tailEnd type="triangle"/>
+          </a:ln>
+        </p:spPr>
+        <p:style>
+          <a:lnRef idx="1">
+            <a:schemeClr val="dk1"/>
+          </a:lnRef>
+          <a:fillRef idx="0">
+            <a:schemeClr val="dk1"/>
+          </a:fillRef>
+          <a:effectRef idx="0">
+            <a:schemeClr val="dk1"/>
+          </a:effectRef>
+          <a:fontRef idx="minor">
+            <a:schemeClr val="tx1"/>
+          </a:fontRef>
+        </p:style>
+      </p:cxnSp>
+      <p:cxnSp>
+        <p:nvCxnSpPr>
+          <p:cNvPr id="48" name="Straight Arrow Connector 47"/>
+          <p:cNvCxnSpPr>
+            <a:stCxn id="12" idx="3"/>
+            <a:endCxn id="13" idx="1"/>
+          </p:cNvCxnSpPr>
+          <p:nvPr/>
+        </p:nvCxnSpPr>
+        <p:spPr>
+          <a:xfrm flipV="1">
+            <a:off x="7983414" y="3013954"/>
+            <a:ext cx="1185303" cy="1"/>
+          </a:xfrm>
+          <a:prstGeom prst="straightConnector1">
+            <a:avLst/>
+          </a:prstGeom>
+          <a:ln>
+            <a:tailEnd type="triangle"/>
+          </a:ln>
+        </p:spPr>
+        <p:style>
+          <a:lnRef idx="1">
+            <a:schemeClr val="dk1"/>
+          </a:lnRef>
+          <a:fillRef idx="0">
+            <a:schemeClr val="dk1"/>
+          </a:fillRef>
+          <a:effectRef idx="0">
+            <a:schemeClr val="dk1"/>
+          </a:effectRef>
+          <a:fontRef idx="minor">
+            <a:schemeClr val="tx1"/>
+          </a:fontRef>
+        </p:style>
+      </p:cxnSp>
+      <p:sp>
+        <p:nvSpPr>
+          <p:cNvPr id="3" name="TextBox 2"/>
+          <p:cNvSpPr txBox="1"/>
+          <p:nvPr/>
+        </p:nvSpPr>
+        <p:spPr>
+          <a:xfrm>
+            <a:off x="5579075" y="4678592"/>
+            <a:ext cx="6511047" cy="1569660"/>
+          </a:xfrm>
+          <a:prstGeom prst="rect">
+            <a:avLst/>
+          </a:prstGeom>
+          <a:noFill/>
+        </p:spPr>
+        <p:txBody>
+          <a:bodyPr wrap="square" rtlCol="0">
+            <a:spAutoFit/>
+          </a:bodyPr>
+          <a:lstStyle/>
+          <a:p>
+            <a:r>
+              <a:rPr lang="nl-BE" sz="1600" b="1" dirty="0"/>
+              <a:t>use reactive expressions for calculations</a:t>
+            </a:r>
+          </a:p>
+          <a:p>
+            <a:pPr marL="285750" indent="-285750">
+              <a:buFont typeface="Arial" panose="020B0604020202020204" pitchFamily="34" charset="0"/>
+              <a:buChar char="•"/>
+            </a:pPr>
+            <a:r>
+              <a:rPr lang="nl-BE" sz="1600" dirty="0" err="1" smtClean="0"/>
+              <a:t>reactive</a:t>
+            </a:r>
+            <a:r>
+              <a:rPr lang="nl-BE" sz="1600" dirty="0" smtClean="0"/>
+              <a:t> </a:t>
+            </a:r>
+            <a:r>
+              <a:rPr lang="nl-BE" sz="1600" dirty="0" smtClean="0"/>
+              <a:t>expressions are recipes for how to calculate something, shiny will determine when it is required to execute</a:t>
+            </a:r>
+          </a:p>
+          <a:p>
+            <a:pPr marL="285750" indent="-285750">
+              <a:buFont typeface="Arial" panose="020B0604020202020204" pitchFamily="34" charset="0"/>
+              <a:buChar char="•"/>
+            </a:pPr>
+            <a:r>
+              <a:rPr lang="nl-BE" sz="1600" dirty="0" err="1" smtClean="0"/>
+              <a:t>can</a:t>
+            </a:r>
+            <a:r>
+              <a:rPr lang="nl-BE" sz="1600" dirty="0" smtClean="0"/>
+              <a:t> </a:t>
+            </a:r>
+            <a:r>
+              <a:rPr lang="nl-BE" sz="1600" dirty="0" smtClean="0"/>
+              <a:t>accept reactive input and deliver reactive output</a:t>
+            </a:r>
+          </a:p>
+          <a:p>
+            <a:pPr marL="285750" indent="-285750">
+              <a:buFont typeface="Arial" panose="020B0604020202020204" pitchFamily="34" charset="0"/>
+              <a:buChar char="•"/>
+            </a:pPr>
+            <a:r>
+              <a:rPr lang="nl-BE" sz="1600" dirty="0" smtClean="0"/>
+              <a:t>has </a:t>
+            </a:r>
+            <a:r>
+              <a:rPr lang="nl-BE" sz="1600" dirty="0" smtClean="0"/>
+              <a:t>a cached result</a:t>
+            </a:r>
+          </a:p>
+          <a:p>
+            <a:pPr marL="285750" indent="-285750">
+              <a:buFont typeface="Arial" panose="020B0604020202020204" pitchFamily="34" charset="0"/>
+              <a:buChar char="•"/>
+            </a:pPr>
+            <a:r>
+              <a:rPr lang="nl-BE" sz="1600" dirty="0" smtClean="0"/>
+              <a:t>make </a:t>
+            </a:r>
+            <a:r>
+              <a:rPr lang="nl-BE" sz="1600" dirty="0" smtClean="0"/>
+              <a:t>maximum use of this feature in shiny</a:t>
+            </a:r>
+            <a:endParaRPr lang="en-US" sz="1600" dirty="0"/>
+          </a:p>
+        </p:txBody>
+      </p:sp>
+      <p:sp>
+        <p:nvSpPr>
+          <p:cNvPr id="35" name="TextBox 34"/>
+          <p:cNvSpPr txBox="1"/>
+          <p:nvPr/>
+        </p:nvSpPr>
+        <p:spPr>
+          <a:xfrm>
+            <a:off x="7983414" y="174675"/>
+            <a:ext cx="4326922" cy="1354217"/>
+          </a:xfrm>
+          <a:prstGeom prst="rect">
+            <a:avLst/>
+          </a:prstGeom>
+          <a:noFill/>
+        </p:spPr>
+        <p:txBody>
+          <a:bodyPr wrap="square" rtlCol="0">
+            <a:spAutoFit/>
+          </a:bodyPr>
+          <a:lstStyle/>
+          <a:p>
+            <a:r>
+              <a:rPr lang="nl-BE" sz="1600" b="1" dirty="0" smtClean="0"/>
+              <a:t>use observers for side effects</a:t>
+            </a:r>
+          </a:p>
+          <a:p>
+            <a:pPr marL="285750" indent="-285750">
+              <a:buFontTx/>
+              <a:buChar char="-"/>
+            </a:pPr>
+            <a:r>
+              <a:rPr lang="nl-BE" sz="1600" dirty="0" smtClean="0"/>
+              <a:t>dealing with I/O (files / DB)</a:t>
+            </a:r>
+          </a:p>
+          <a:p>
+            <a:pPr marL="285750" indent="-285750">
+              <a:buFontTx/>
+              <a:buChar char="-"/>
+            </a:pPr>
+            <a:r>
+              <a:rPr lang="nl-BE" sz="1600" dirty="0" smtClean="0"/>
+              <a:t>setting reactive values!</a:t>
+            </a:r>
+          </a:p>
+          <a:p>
+            <a:pPr marL="285750" indent="-285750">
+              <a:buFontTx/>
+              <a:buChar char="-"/>
+            </a:pPr>
+            <a:r>
+              <a:rPr lang="nl-BE" sz="1600" dirty="0" smtClean="0"/>
+              <a:t>update input elements of the </a:t>
+            </a:r>
+            <a:r>
+              <a:rPr lang="nl-BE" sz="1600" dirty="0" err="1" smtClean="0"/>
+              <a:t>shiny</a:t>
+            </a:r>
+            <a:r>
+              <a:rPr lang="nl-BE" sz="1600" dirty="0" smtClean="0"/>
+              <a:t> </a:t>
+            </a:r>
+            <a:r>
+              <a:rPr lang="nl-BE" sz="1600" dirty="0" smtClean="0"/>
+              <a:t>app</a:t>
+            </a:r>
+            <a:endParaRPr lang="en-BE" sz="1600" dirty="0" smtClean="0"/>
+          </a:p>
+          <a:p>
+            <a:pPr marL="285750" indent="-285750">
+              <a:buFontTx/>
+              <a:buChar char="-"/>
+            </a:pPr>
+            <a:r>
+              <a:rPr lang="en-BE" sz="1600" dirty="0" smtClean="0"/>
+              <a:t>are always executed</a:t>
+            </a:r>
+            <a:endParaRPr lang="en-US" sz="1600" dirty="0"/>
+          </a:p>
+        </p:txBody>
+      </p:sp>
+    </p:spTree>
+    <p:extLst>
+      <p:ext uri="{BB962C8B-B14F-4D97-AF65-F5344CB8AC3E}">
+        <p14:creationId xmlns:p14="http://schemas.microsoft.com/office/powerpoint/2010/main" val="2314002344"/>
+      </p:ext>
+    </p:extLst>
+  </p:cSld>
+  <p:clrMapOvr>
+    <a:masterClrMapping/>
+  </p:clrMapOvr>
+  <p:timing>
+    <p:tnLst>
+      <p:par>
+        <p:cTn id="1" dur="indefinite" restart="never" nodeType="tmRoot"/>
+      </p:par>
+    </p:tnLst>
+  </p:timing>
+</p:sld>
+</file>
+
+<file path=ppt/slides/slide24.xml><?xml version="1.0" encoding="utf-8"?>
+<p:sld xmlns:a="http://schemas.openxmlformats.org/drawingml/2006/main" xmlns:r="http://schemas.openxmlformats.org/officeDocument/2006/relationships" xmlns:p="http://schemas.openxmlformats.org/presentationml/2006/main">
+  <p:cSld>
+    <p:spTree>
+      <p:nvGrpSpPr>
+        <p:cNvPr id="1" name=""/>
+        <p:cNvGrpSpPr/>
+        <p:nvPr/>
+      </p:nvGrpSpPr>
+      <p:grpSpPr>
+        <a:xfrm>
+          <a:off x="0" y="0"/>
+          <a:ext cx="0" cy="0"/>
+          <a:chOff x="0" y="0"/>
+          <a:chExt cx="0" cy="0"/>
+        </a:xfrm>
+      </p:grpSpPr>
+      <p:sp>
+        <p:nvSpPr>
+          <p:cNvPr id="2" name="Title 1"/>
+          <p:cNvSpPr>
+            <a:spLocks noGrp="1"/>
+          </p:cNvSpPr>
+          <p:nvPr>
+            <p:ph type="title"/>
+          </p:nvPr>
+        </p:nvSpPr>
+        <p:spPr>
+          <a:xfrm>
+            <a:off x="0" y="-227730"/>
+            <a:ext cx="10515600" cy="1325563"/>
+          </a:xfrm>
+        </p:spPr>
+        <p:txBody>
+          <a:bodyPr/>
+          <a:lstStyle/>
+          <a:p>
+            <a:r>
+              <a:rPr lang="nl-BE" dirty="0" smtClean="0"/>
+              <a:t>reactives</a:t>
+            </a:r>
+            <a:endParaRPr lang="en-US" dirty="0"/>
+          </a:p>
+        </p:txBody>
+      </p:sp>
+      <p:sp>
+        <p:nvSpPr>
+          <p:cNvPr id="4" name="Flowchart: Magnetic Disk 3"/>
+          <p:cNvSpPr/>
+          <p:nvPr/>
+        </p:nvSpPr>
+        <p:spPr>
+          <a:xfrm>
+            <a:off x="988539" y="1890584"/>
+            <a:ext cx="840259" cy="729048"/>
+          </a:xfrm>
+          <a:prstGeom prst="flowChartMagneticDisk">
+            <a:avLst/>
+          </a:prstGeom>
+        </p:spPr>
+        <p:style>
+          <a:lnRef idx="2">
+            <a:schemeClr val="accent5">
+              <a:shade val="50000"/>
+            </a:schemeClr>
+          </a:lnRef>
+          <a:fillRef idx="1">
+            <a:schemeClr val="accent5"/>
+          </a:fillRef>
+          <a:effectRef idx="0">
+            <a:schemeClr val="accent5"/>
+          </a:effectRef>
+          <a:fontRef idx="minor">
+            <a:schemeClr val="lt1"/>
+          </a:fontRef>
+        </p:style>
+        <p:txBody>
+          <a:bodyPr rtlCol="0" anchor="ctr"/>
+          <a:lstStyle/>
+          <a:p>
+            <a:pPr algn="ctr"/>
+            <a:r>
+              <a:rPr lang="nl-BE" sz="900" dirty="0" smtClean="0"/>
+              <a:t>transactions</a:t>
+            </a:r>
+            <a:endParaRPr lang="en-US" sz="900" dirty="0"/>
+          </a:p>
+        </p:txBody>
+      </p:sp>
+      <p:sp>
+        <p:nvSpPr>
+          <p:cNvPr id="5" name="Flowchart: Magnetic Disk 4"/>
+          <p:cNvSpPr/>
+          <p:nvPr/>
+        </p:nvSpPr>
+        <p:spPr>
+          <a:xfrm>
+            <a:off x="988540" y="3095369"/>
+            <a:ext cx="840259" cy="729048"/>
+          </a:xfrm>
+          <a:prstGeom prst="flowChartMagneticDisk">
+            <a:avLst/>
+          </a:prstGeom>
+        </p:spPr>
+        <p:style>
+          <a:lnRef idx="2">
+            <a:schemeClr val="accent5">
+              <a:shade val="50000"/>
+            </a:schemeClr>
+          </a:lnRef>
+          <a:fillRef idx="1">
+            <a:schemeClr val="accent5"/>
+          </a:fillRef>
+          <a:effectRef idx="0">
+            <a:schemeClr val="accent5"/>
+          </a:effectRef>
+          <a:fontRef idx="minor">
+            <a:schemeClr val="lt1"/>
+          </a:fontRef>
+        </p:style>
+        <p:txBody>
+          <a:bodyPr rtlCol="0" anchor="ctr"/>
+          <a:lstStyle/>
+          <a:p>
+            <a:pPr algn="ctr"/>
+            <a:r>
+              <a:rPr lang="nl-BE" sz="900" dirty="0" smtClean="0"/>
+              <a:t>stock_ohlc</a:t>
+            </a:r>
+            <a:endParaRPr lang="en-US" sz="900" dirty="0"/>
+          </a:p>
+        </p:txBody>
+      </p:sp>
+      <p:sp>
+        <p:nvSpPr>
+          <p:cNvPr id="6" name="Flowchart: Magnetic Disk 5"/>
+          <p:cNvSpPr/>
+          <p:nvPr/>
+        </p:nvSpPr>
+        <p:spPr>
+          <a:xfrm>
+            <a:off x="988539" y="4436077"/>
+            <a:ext cx="840259" cy="729048"/>
+          </a:xfrm>
+          <a:prstGeom prst="flowChartMagneticDisk">
+            <a:avLst/>
+          </a:prstGeom>
+        </p:spPr>
+        <p:style>
+          <a:lnRef idx="2">
+            <a:schemeClr val="accent5">
+              <a:shade val="50000"/>
+            </a:schemeClr>
+          </a:lnRef>
+          <a:fillRef idx="1">
+            <a:schemeClr val="accent5"/>
+          </a:fillRef>
+          <a:effectRef idx="0">
+            <a:schemeClr val="accent5"/>
+          </a:effectRef>
+          <a:fontRef idx="minor">
+            <a:schemeClr val="lt1"/>
+          </a:fontRef>
+        </p:style>
+        <p:txBody>
+          <a:bodyPr rtlCol="0" anchor="ctr"/>
+          <a:lstStyle/>
+          <a:p>
+            <a:pPr algn="ctr"/>
+            <a:r>
+              <a:rPr lang="nl-BE" sz="900" dirty="0" smtClean="0"/>
+              <a:t>fx_rates</a:t>
+            </a:r>
+            <a:endParaRPr lang="en-US" sz="900" dirty="0"/>
+          </a:p>
+        </p:txBody>
+      </p:sp>
+      <p:sp>
+        <p:nvSpPr>
+          <p:cNvPr id="7" name="Chevron 6"/>
+          <p:cNvSpPr/>
+          <p:nvPr/>
+        </p:nvSpPr>
+        <p:spPr>
+          <a:xfrm>
+            <a:off x="2940910" y="1927654"/>
+            <a:ext cx="1402492" cy="654909"/>
+          </a:xfrm>
+          <a:prstGeom prst="chevron">
+            <a:avLst/>
+          </a:prstGeom>
+        </p:spPr>
+        <p:style>
+          <a:lnRef idx="2">
+            <a:schemeClr val="accent1">
+              <a:shade val="50000"/>
+            </a:schemeClr>
+          </a:lnRef>
+          <a:fillRef idx="1">
+            <a:schemeClr val="accent1"/>
+          </a:fillRef>
+          <a:effectRef idx="0">
+            <a:schemeClr val="accent1"/>
+          </a:effectRef>
+          <a:fontRef idx="minor">
+            <a:schemeClr val="lt1"/>
+          </a:fontRef>
+        </p:style>
+        <p:txBody>
+          <a:bodyPr rtlCol="0" anchor="ctr"/>
+          <a:lstStyle/>
+          <a:p>
+            <a:pPr algn="ctr"/>
+            <a:r>
+              <a:rPr lang="nl-BE" sz="900" dirty="0"/>
+              <a:t>tr()</a:t>
+            </a:r>
+            <a:endParaRPr lang="en-US" sz="900" dirty="0"/>
+          </a:p>
+        </p:txBody>
+      </p:sp>
+      <p:sp>
+        <p:nvSpPr>
+          <p:cNvPr id="8" name="Chevron 7"/>
+          <p:cNvSpPr/>
+          <p:nvPr/>
+        </p:nvSpPr>
+        <p:spPr>
+          <a:xfrm>
+            <a:off x="2940910" y="3132438"/>
+            <a:ext cx="1402492" cy="654909"/>
+          </a:xfrm>
+          <a:prstGeom prst="chevron">
+            <a:avLst/>
+          </a:prstGeom>
+        </p:spPr>
+        <p:style>
+          <a:lnRef idx="2">
+            <a:schemeClr val="accent1">
+              <a:shade val="50000"/>
+            </a:schemeClr>
+          </a:lnRef>
+          <a:fillRef idx="1">
+            <a:schemeClr val="accent1"/>
+          </a:fillRef>
+          <a:effectRef idx="0">
+            <a:schemeClr val="accent1"/>
+          </a:effectRef>
+          <a:fontRef idx="minor">
+            <a:schemeClr val="lt1"/>
+          </a:fontRef>
+        </p:style>
+        <p:txBody>
+          <a:bodyPr rtlCol="0" anchor="ctr"/>
+          <a:lstStyle/>
+          <a:p>
+            <a:pPr algn="ctr"/>
+            <a:r>
+              <a:rPr lang="nl-BE" sz="900" dirty="0" smtClean="0"/>
+              <a:t>ohlc()</a:t>
+            </a:r>
+            <a:endParaRPr lang="en-US" sz="900" dirty="0"/>
+          </a:p>
+        </p:txBody>
+      </p:sp>
+      <p:sp>
+        <p:nvSpPr>
+          <p:cNvPr id="9" name="Chevron 8"/>
+          <p:cNvSpPr/>
+          <p:nvPr/>
+        </p:nvSpPr>
+        <p:spPr>
+          <a:xfrm>
+            <a:off x="2940910" y="4473146"/>
+            <a:ext cx="1402492" cy="654909"/>
+          </a:xfrm>
+          <a:prstGeom prst="chevron">
+            <a:avLst/>
+          </a:prstGeom>
+        </p:spPr>
+        <p:style>
+          <a:lnRef idx="2">
+            <a:schemeClr val="accent1">
+              <a:shade val="50000"/>
+            </a:schemeClr>
+          </a:lnRef>
+          <a:fillRef idx="1">
+            <a:schemeClr val="accent1"/>
+          </a:fillRef>
+          <a:effectRef idx="0">
+            <a:schemeClr val="accent1"/>
+          </a:effectRef>
+          <a:fontRef idx="minor">
+            <a:schemeClr val="lt1"/>
+          </a:fontRef>
+        </p:style>
+        <p:txBody>
+          <a:bodyPr rtlCol="0" anchor="ctr"/>
+          <a:lstStyle/>
+          <a:p>
+            <a:pPr algn="ctr"/>
+            <a:r>
+              <a:rPr lang="nl-BE" sz="900" dirty="0" smtClean="0"/>
+              <a:t>fx()</a:t>
+            </a:r>
+            <a:endParaRPr lang="en-US" sz="900" dirty="0"/>
+          </a:p>
+        </p:txBody>
+      </p:sp>
+      <p:sp>
+        <p:nvSpPr>
+          <p:cNvPr id="10" name="Chevron 9"/>
+          <p:cNvSpPr/>
+          <p:nvPr/>
+        </p:nvSpPr>
+        <p:spPr>
+          <a:xfrm>
+            <a:off x="4744997" y="1927654"/>
+            <a:ext cx="1402492" cy="654909"/>
+          </a:xfrm>
+          <a:prstGeom prst="chevron">
+            <a:avLst/>
+          </a:prstGeom>
+        </p:spPr>
+        <p:style>
+          <a:lnRef idx="2">
+            <a:schemeClr val="accent1">
+              <a:shade val="50000"/>
+            </a:schemeClr>
+          </a:lnRef>
+          <a:fillRef idx="1">
+            <a:schemeClr val="accent1"/>
+          </a:fillRef>
+          <a:effectRef idx="0">
+            <a:schemeClr val="accent1"/>
+          </a:effectRef>
+          <a:fontRef idx="minor">
+            <a:schemeClr val="lt1"/>
+          </a:fontRef>
+        </p:style>
+        <p:txBody>
+          <a:bodyPr rtlCol="0" anchor="ctr"/>
+          <a:lstStyle/>
+          <a:p>
+            <a:pPr algn="ctr"/>
+            <a:r>
+              <a:rPr lang="nl-BE" sz="900" dirty="0" smtClean="0"/>
+              <a:t>tr_ext()</a:t>
+            </a:r>
+            <a:endParaRPr lang="en-US" sz="900" dirty="0"/>
+          </a:p>
+        </p:txBody>
+      </p:sp>
+      <p:sp>
+        <p:nvSpPr>
+          <p:cNvPr id="11" name="Chevron 10"/>
+          <p:cNvSpPr/>
+          <p:nvPr/>
+        </p:nvSpPr>
+        <p:spPr>
+          <a:xfrm>
+            <a:off x="6305038" y="774840"/>
+            <a:ext cx="1560040" cy="654909"/>
+          </a:xfrm>
+          <a:prstGeom prst="chevron">
+            <a:avLst/>
+          </a:prstGeom>
+        </p:spPr>
+        <p:style>
+          <a:lnRef idx="2">
+            <a:schemeClr val="accent1">
+              <a:shade val="50000"/>
+            </a:schemeClr>
+          </a:lnRef>
+          <a:fillRef idx="1">
+            <a:schemeClr val="accent1"/>
+          </a:fillRef>
+          <a:effectRef idx="0">
+            <a:schemeClr val="accent1"/>
+          </a:effectRef>
+          <a:fontRef idx="minor">
+            <a:schemeClr val="lt1"/>
+          </a:fontRef>
+        </p:style>
+        <p:txBody>
+          <a:bodyPr rtlCol="0" anchor="ctr"/>
+          <a:lstStyle/>
+          <a:p>
+            <a:pPr algn="ctr"/>
+            <a:r>
+              <a:rPr lang="nl-BE" sz="900" dirty="0"/>
+              <a:t>cash_b_evol()</a:t>
+            </a:r>
+            <a:endParaRPr lang="en-US" sz="900" dirty="0"/>
+          </a:p>
+        </p:txBody>
+      </p:sp>
+      <p:sp>
+        <p:nvSpPr>
+          <p:cNvPr id="12" name="Chevron 11"/>
+          <p:cNvSpPr/>
+          <p:nvPr/>
+        </p:nvSpPr>
+        <p:spPr>
+          <a:xfrm>
+            <a:off x="6462585" y="2686500"/>
+            <a:ext cx="1520829" cy="654909"/>
+          </a:xfrm>
+          <a:prstGeom prst="chevron">
+            <a:avLst/>
+          </a:prstGeom>
+        </p:spPr>
+        <p:style>
+          <a:lnRef idx="2">
+            <a:schemeClr val="accent1">
+              <a:shade val="50000"/>
+            </a:schemeClr>
+          </a:lnRef>
+          <a:fillRef idx="1">
+            <a:schemeClr val="accent1"/>
+          </a:fillRef>
+          <a:effectRef idx="0">
+            <a:schemeClr val="accent1"/>
+          </a:effectRef>
+          <a:fontRef idx="minor">
+            <a:schemeClr val="lt1"/>
+          </a:fontRef>
+        </p:style>
+        <p:txBody>
+          <a:bodyPr rtlCol="0" anchor="ctr"/>
+          <a:lstStyle/>
+          <a:p>
+            <a:pPr algn="ctr"/>
+            <a:r>
+              <a:rPr lang="nl-BE" sz="900" dirty="0"/>
+              <a:t>pos_sb_evol()</a:t>
+            </a:r>
+            <a:endParaRPr lang="en-US" sz="900" dirty="0"/>
+          </a:p>
+        </p:txBody>
+      </p:sp>
+      <p:sp>
+        <p:nvSpPr>
+          <p:cNvPr id="13" name="Chevron 12"/>
+          <p:cNvSpPr/>
+          <p:nvPr/>
+        </p:nvSpPr>
+        <p:spPr>
+          <a:xfrm>
+            <a:off x="8841262" y="2686499"/>
+            <a:ext cx="1402492" cy="654909"/>
+          </a:xfrm>
+          <a:prstGeom prst="chevron">
+            <a:avLst/>
+          </a:prstGeom>
+        </p:spPr>
+        <p:style>
+          <a:lnRef idx="2">
+            <a:schemeClr val="accent1">
+              <a:shade val="50000"/>
+            </a:schemeClr>
+          </a:lnRef>
+          <a:fillRef idx="1">
+            <a:schemeClr val="accent1"/>
+          </a:fillRef>
+          <a:effectRef idx="0">
+            <a:schemeClr val="accent1"/>
+          </a:effectRef>
+          <a:fontRef idx="minor">
+            <a:schemeClr val="lt1"/>
+          </a:fontRef>
+        </p:style>
+        <p:txBody>
+          <a:bodyPr rtlCol="0" anchor="ctr"/>
+          <a:lstStyle/>
+          <a:p>
+            <a:pPr algn="ctr"/>
+            <a:r>
+              <a:rPr lang="nl-BE" sz="900" dirty="0"/>
+              <a:t>pos_sb()</a:t>
+            </a:r>
+            <a:endParaRPr lang="en-US" sz="900" dirty="0"/>
+          </a:p>
+        </p:txBody>
+      </p:sp>
+      <p:cxnSp>
+        <p:nvCxnSpPr>
+          <p:cNvPr id="15" name="Straight Arrow Connector 14"/>
+          <p:cNvCxnSpPr>
+            <a:stCxn id="4" idx="4"/>
+            <a:endCxn id="7" idx="1"/>
+          </p:cNvCxnSpPr>
+          <p:nvPr/>
+        </p:nvCxnSpPr>
+        <p:spPr>
+          <a:xfrm>
+            <a:off x="1828798" y="2255108"/>
+            <a:ext cx="1439567" cy="1"/>
+          </a:xfrm>
+          <a:prstGeom prst="straightConnector1">
+            <a:avLst/>
+          </a:prstGeom>
+          <a:ln>
+            <a:tailEnd type="triangle"/>
+          </a:ln>
+        </p:spPr>
+        <p:style>
+          <a:lnRef idx="1">
+            <a:schemeClr val="dk1"/>
+          </a:lnRef>
+          <a:fillRef idx="0">
+            <a:schemeClr val="dk1"/>
+          </a:fillRef>
+          <a:effectRef idx="0">
+            <a:schemeClr val="dk1"/>
+          </a:effectRef>
+          <a:fontRef idx="minor">
+            <a:schemeClr val="tx1"/>
+          </a:fontRef>
+        </p:style>
+      </p:cxnSp>
+      <p:sp>
+        <p:nvSpPr>
+          <p:cNvPr id="17" name="TextBox 16"/>
+          <p:cNvSpPr txBox="1"/>
+          <p:nvPr/>
+        </p:nvSpPr>
+        <p:spPr>
+          <a:xfrm>
+            <a:off x="1831893" y="2021673"/>
+            <a:ext cx="704332" cy="230832"/>
+          </a:xfrm>
+          <a:prstGeom prst="rect">
+            <a:avLst/>
+          </a:prstGeom>
+          <a:noFill/>
+        </p:spPr>
+        <p:txBody>
+          <a:bodyPr wrap="square" rtlCol="0">
+            <a:spAutoFit/>
+          </a:bodyPr>
+          <a:lstStyle/>
+          <a:p>
+            <a:r>
+              <a:rPr lang="nl-BE" sz="900" dirty="0" smtClean="0"/>
+              <a:t>polling</a:t>
+            </a:r>
+            <a:endParaRPr lang="en-US" sz="900" dirty="0"/>
+          </a:p>
+        </p:txBody>
+      </p:sp>
+      <p:sp>
+        <p:nvSpPr>
+          <p:cNvPr id="18" name="Flowchart: Magnetic Disk 17"/>
+          <p:cNvSpPr/>
+          <p:nvPr/>
+        </p:nvSpPr>
+        <p:spPr>
+          <a:xfrm>
+            <a:off x="988539" y="5776785"/>
+            <a:ext cx="840259" cy="729048"/>
+          </a:xfrm>
+          <a:prstGeom prst="flowChartMagneticDisk">
+            <a:avLst/>
+          </a:prstGeom>
+        </p:spPr>
+        <p:style>
+          <a:lnRef idx="2">
+            <a:schemeClr val="accent5">
+              <a:shade val="50000"/>
+            </a:schemeClr>
+          </a:lnRef>
+          <a:fillRef idx="1">
+            <a:schemeClr val="accent5"/>
+          </a:fillRef>
+          <a:effectRef idx="0">
+            <a:schemeClr val="accent5"/>
+          </a:effectRef>
+          <a:fontRef idx="minor">
+            <a:schemeClr val="lt1"/>
+          </a:fontRef>
+        </p:style>
+        <p:txBody>
+          <a:bodyPr rtlCol="0" anchor="ctr"/>
+          <a:lstStyle/>
+          <a:p>
+            <a:pPr algn="ctr"/>
+            <a:r>
+              <a:rPr lang="nl-BE" sz="900" dirty="0" smtClean="0"/>
+              <a:t>stock_profiles</a:t>
+            </a:r>
+            <a:endParaRPr lang="en-US" sz="900" dirty="0"/>
+          </a:p>
+        </p:txBody>
+      </p:sp>
+      <p:sp>
+        <p:nvSpPr>
+          <p:cNvPr id="19" name="Chevron 18"/>
+          <p:cNvSpPr/>
+          <p:nvPr/>
+        </p:nvSpPr>
+        <p:spPr>
+          <a:xfrm>
+            <a:off x="2940910" y="5813854"/>
+            <a:ext cx="1402492" cy="654909"/>
+          </a:xfrm>
+          <a:prstGeom prst="chevron">
+            <a:avLst/>
+          </a:prstGeom>
+        </p:spPr>
+        <p:style>
+          <a:lnRef idx="2">
+            <a:schemeClr val="accent1">
+              <a:shade val="50000"/>
+            </a:schemeClr>
+          </a:lnRef>
+          <a:fillRef idx="1">
+            <a:schemeClr val="accent1"/>
+          </a:fillRef>
+          <a:effectRef idx="0">
+            <a:schemeClr val="accent1"/>
+          </a:effectRef>
+          <a:fontRef idx="minor">
+            <a:schemeClr val="lt1"/>
+          </a:fontRef>
+        </p:style>
+        <p:txBody>
+          <a:bodyPr rtlCol="0" anchor="ctr"/>
+          <a:lstStyle/>
+          <a:p>
+            <a:pPr algn="ctr"/>
+            <a:r>
+              <a:rPr lang="nl-BE" sz="900" dirty="0" smtClean="0"/>
+              <a:t>profiles()</a:t>
+            </a:r>
+            <a:endParaRPr lang="en-US" sz="900" dirty="0"/>
+          </a:p>
+        </p:txBody>
+      </p:sp>
+      <p:cxnSp>
+        <p:nvCxnSpPr>
+          <p:cNvPr id="21" name="Straight Arrow Connector 20"/>
+          <p:cNvCxnSpPr>
+            <a:stCxn id="5" idx="4"/>
+            <a:endCxn id="8" idx="1"/>
+          </p:cNvCxnSpPr>
+          <p:nvPr/>
+        </p:nvCxnSpPr>
+        <p:spPr>
+          <a:xfrm>
+            <a:off x="1828799" y="3459893"/>
+            <a:ext cx="1439566" cy="0"/>
+          </a:xfrm>
+          <a:prstGeom prst="straightConnector1">
+            <a:avLst/>
+          </a:prstGeom>
+          <a:ln>
+            <a:tailEnd type="triangle"/>
+          </a:ln>
+        </p:spPr>
+        <p:style>
+          <a:lnRef idx="1">
+            <a:schemeClr val="dk1"/>
+          </a:lnRef>
+          <a:fillRef idx="0">
+            <a:schemeClr val="dk1"/>
+          </a:fillRef>
+          <a:effectRef idx="0">
+            <a:schemeClr val="dk1"/>
+          </a:effectRef>
+          <a:fontRef idx="minor">
+            <a:schemeClr val="tx1"/>
+          </a:fontRef>
+        </p:style>
+      </p:cxnSp>
+      <p:cxnSp>
+        <p:nvCxnSpPr>
+          <p:cNvPr id="23" name="Straight Arrow Connector 22"/>
+          <p:cNvCxnSpPr>
+            <a:stCxn id="6" idx="4"/>
+            <a:endCxn id="9" idx="1"/>
+          </p:cNvCxnSpPr>
+          <p:nvPr/>
+        </p:nvCxnSpPr>
+        <p:spPr>
+          <a:xfrm>
+            <a:off x="1828798" y="4800601"/>
+            <a:ext cx="1439567" cy="0"/>
+          </a:xfrm>
+          <a:prstGeom prst="straightConnector1">
+            <a:avLst/>
+          </a:prstGeom>
+          <a:ln>
+            <a:tailEnd type="triangle"/>
+          </a:ln>
+        </p:spPr>
+        <p:style>
+          <a:lnRef idx="1">
+            <a:schemeClr val="dk1"/>
+          </a:lnRef>
+          <a:fillRef idx="0">
+            <a:schemeClr val="dk1"/>
+          </a:fillRef>
+          <a:effectRef idx="0">
+            <a:schemeClr val="dk1"/>
+          </a:effectRef>
+          <a:fontRef idx="minor">
+            <a:schemeClr val="tx1"/>
+          </a:fontRef>
+        </p:style>
+      </p:cxnSp>
+      <p:cxnSp>
+        <p:nvCxnSpPr>
+          <p:cNvPr id="25" name="Straight Arrow Connector 24"/>
+          <p:cNvCxnSpPr>
+            <a:stCxn id="18" idx="4"/>
+            <a:endCxn id="19" idx="1"/>
+          </p:cNvCxnSpPr>
+          <p:nvPr/>
+        </p:nvCxnSpPr>
+        <p:spPr>
+          <a:xfrm>
+            <a:off x="1828798" y="6141309"/>
+            <a:ext cx="1439567" cy="0"/>
+          </a:xfrm>
+          <a:prstGeom prst="straightConnector1">
+            <a:avLst/>
+          </a:prstGeom>
+          <a:ln>
+            <a:tailEnd type="triangle"/>
+          </a:ln>
+        </p:spPr>
+        <p:style>
+          <a:lnRef idx="1">
+            <a:schemeClr val="dk1"/>
+          </a:lnRef>
+          <a:fillRef idx="0">
+            <a:schemeClr val="dk1"/>
+          </a:fillRef>
+          <a:effectRef idx="0">
+            <a:schemeClr val="dk1"/>
+          </a:effectRef>
+          <a:fontRef idx="minor">
+            <a:schemeClr val="tx1"/>
+          </a:fontRef>
+        </p:style>
+      </p:cxnSp>
+      <p:sp>
+        <p:nvSpPr>
+          <p:cNvPr id="26" name="TextBox 25"/>
+          <p:cNvSpPr txBox="1"/>
+          <p:nvPr/>
+        </p:nvSpPr>
+        <p:spPr>
+          <a:xfrm>
+            <a:off x="1831893" y="3235282"/>
+            <a:ext cx="704332" cy="230832"/>
+          </a:xfrm>
+          <a:prstGeom prst="rect">
+            <a:avLst/>
+          </a:prstGeom>
+          <a:noFill/>
+        </p:spPr>
+        <p:txBody>
+          <a:bodyPr wrap="square" rtlCol="0">
+            <a:spAutoFit/>
+          </a:bodyPr>
+          <a:lstStyle/>
+          <a:p>
+            <a:r>
+              <a:rPr lang="nl-BE" sz="900" dirty="0" smtClean="0"/>
+              <a:t>polling</a:t>
+            </a:r>
+            <a:endParaRPr lang="en-US" sz="900" dirty="0"/>
+          </a:p>
+        </p:txBody>
+      </p:sp>
+      <p:sp>
+        <p:nvSpPr>
+          <p:cNvPr id="27" name="TextBox 26"/>
+          <p:cNvSpPr txBox="1"/>
+          <p:nvPr/>
+        </p:nvSpPr>
+        <p:spPr>
+          <a:xfrm>
+            <a:off x="1831893" y="4563176"/>
+            <a:ext cx="704332" cy="230832"/>
+          </a:xfrm>
+          <a:prstGeom prst="rect">
+            <a:avLst/>
+          </a:prstGeom>
+          <a:noFill/>
+        </p:spPr>
+        <p:txBody>
+          <a:bodyPr wrap="square" rtlCol="0">
+            <a:spAutoFit/>
+          </a:bodyPr>
+          <a:lstStyle/>
+          <a:p>
+            <a:r>
+              <a:rPr lang="nl-BE" sz="900" dirty="0" smtClean="0"/>
+              <a:t>polling</a:t>
+            </a:r>
+            <a:endParaRPr lang="en-US" sz="900" dirty="0"/>
+          </a:p>
+        </p:txBody>
+      </p:sp>
+      <p:sp>
+        <p:nvSpPr>
+          <p:cNvPr id="28" name="TextBox 27"/>
+          <p:cNvSpPr txBox="1"/>
+          <p:nvPr/>
+        </p:nvSpPr>
+        <p:spPr>
+          <a:xfrm>
+            <a:off x="1831893" y="5903884"/>
+            <a:ext cx="704332" cy="230832"/>
+          </a:xfrm>
+          <a:prstGeom prst="rect">
+            <a:avLst/>
+          </a:prstGeom>
+          <a:noFill/>
+        </p:spPr>
+        <p:txBody>
+          <a:bodyPr wrap="square" rtlCol="0">
+            <a:spAutoFit/>
+          </a:bodyPr>
+          <a:lstStyle/>
+          <a:p>
+            <a:r>
+              <a:rPr lang="nl-BE" sz="900" dirty="0" smtClean="0"/>
+              <a:t>polling</a:t>
+            </a:r>
+            <a:endParaRPr lang="en-US" sz="900" dirty="0"/>
+          </a:p>
+        </p:txBody>
+      </p:sp>
+      <p:sp>
+        <p:nvSpPr>
+          <p:cNvPr id="30" name="Chevron 29"/>
+          <p:cNvSpPr/>
+          <p:nvPr/>
+        </p:nvSpPr>
+        <p:spPr>
+          <a:xfrm>
+            <a:off x="4877829" y="3787347"/>
+            <a:ext cx="1402492" cy="654909"/>
+          </a:xfrm>
+          <a:prstGeom prst="chevron">
+            <a:avLst/>
+          </a:prstGeom>
+        </p:spPr>
+        <p:style>
+          <a:lnRef idx="2">
+            <a:schemeClr val="accent1">
+              <a:shade val="50000"/>
+            </a:schemeClr>
+          </a:lnRef>
+          <a:fillRef idx="1">
+            <a:schemeClr val="accent1"/>
+          </a:fillRef>
+          <a:effectRef idx="0">
+            <a:schemeClr val="accent1"/>
+          </a:effectRef>
+          <a:fontRef idx="minor">
+            <a:schemeClr val="lt1"/>
+          </a:fontRef>
+        </p:style>
+        <p:txBody>
+          <a:bodyPr rtlCol="0" anchor="ctr"/>
+          <a:lstStyle/>
+          <a:p>
+            <a:pPr algn="ctr"/>
+            <a:r>
+              <a:rPr lang="nl-BE" sz="900" dirty="0" smtClean="0"/>
+              <a:t>ohlc_euro()</a:t>
+            </a:r>
+            <a:endParaRPr lang="en-US" sz="900" dirty="0"/>
+          </a:p>
+        </p:txBody>
+      </p:sp>
+      <p:cxnSp>
+        <p:nvCxnSpPr>
+          <p:cNvPr id="32" name="Straight Arrow Connector 31"/>
+          <p:cNvCxnSpPr>
+            <a:stCxn id="8" idx="3"/>
+            <a:endCxn id="30" idx="1"/>
+          </p:cNvCxnSpPr>
+          <p:nvPr/>
+        </p:nvCxnSpPr>
+        <p:spPr>
+          <a:xfrm>
+            <a:off x="4343402" y="3459893"/>
+            <a:ext cx="861882" cy="654909"/>
+          </a:xfrm>
+          <a:prstGeom prst="straightConnector1">
+            <a:avLst/>
+          </a:prstGeom>
+          <a:ln>
+            <a:tailEnd type="triangle"/>
+          </a:ln>
+        </p:spPr>
+        <p:style>
+          <a:lnRef idx="1">
+            <a:schemeClr val="dk1"/>
+          </a:lnRef>
+          <a:fillRef idx="0">
+            <a:schemeClr val="dk1"/>
+          </a:fillRef>
+          <a:effectRef idx="0">
+            <a:schemeClr val="dk1"/>
+          </a:effectRef>
+          <a:fontRef idx="minor">
+            <a:schemeClr val="tx1"/>
+          </a:fontRef>
+        </p:style>
+      </p:cxnSp>
+      <p:cxnSp>
+        <p:nvCxnSpPr>
+          <p:cNvPr id="34" name="Straight Arrow Connector 33"/>
+          <p:cNvCxnSpPr>
+            <a:stCxn id="9" idx="3"/>
+            <a:endCxn id="30" idx="1"/>
+          </p:cNvCxnSpPr>
+          <p:nvPr/>
+        </p:nvCxnSpPr>
+        <p:spPr>
+          <a:xfrm flipV="1">
+            <a:off x="4343402" y="4114802"/>
+            <a:ext cx="861882" cy="685799"/>
+          </a:xfrm>
+          <a:prstGeom prst="straightConnector1">
+            <a:avLst/>
+          </a:prstGeom>
+          <a:ln>
+            <a:tailEnd type="triangle"/>
+          </a:ln>
+        </p:spPr>
+        <p:style>
+          <a:lnRef idx="1">
+            <a:schemeClr val="dk1"/>
+          </a:lnRef>
+          <a:fillRef idx="0">
+            <a:schemeClr val="dk1"/>
+          </a:fillRef>
+          <a:effectRef idx="0">
+            <a:schemeClr val="dk1"/>
+          </a:effectRef>
+          <a:fontRef idx="minor">
+            <a:schemeClr val="tx1"/>
+          </a:fontRef>
+        </p:style>
+      </p:cxnSp>
+      <p:cxnSp>
+        <p:nvCxnSpPr>
+          <p:cNvPr id="36" name="Straight Arrow Connector 35"/>
+          <p:cNvCxnSpPr>
+            <a:stCxn id="19" idx="3"/>
+            <a:endCxn id="30" idx="1"/>
+          </p:cNvCxnSpPr>
+          <p:nvPr/>
+        </p:nvCxnSpPr>
+        <p:spPr>
+          <a:xfrm flipV="1">
+            <a:off x="4343402" y="4114802"/>
+            <a:ext cx="861882" cy="2026507"/>
+          </a:xfrm>
+          <a:prstGeom prst="straightConnector1">
+            <a:avLst/>
+          </a:prstGeom>
+          <a:ln>
+            <a:tailEnd type="triangle"/>
+          </a:ln>
+        </p:spPr>
+        <p:style>
+          <a:lnRef idx="1">
+            <a:schemeClr val="dk1"/>
+          </a:lnRef>
+          <a:fillRef idx="0">
+            <a:schemeClr val="dk1"/>
+          </a:fillRef>
+          <a:effectRef idx="0">
+            <a:schemeClr val="dk1"/>
+          </a:effectRef>
+          <a:fontRef idx="minor">
+            <a:schemeClr val="tx1"/>
+          </a:fontRef>
+        </p:style>
+      </p:cxnSp>
+      <p:cxnSp>
+        <p:nvCxnSpPr>
+          <p:cNvPr id="38" name="Straight Arrow Connector 37"/>
+          <p:cNvCxnSpPr>
+            <a:stCxn id="7" idx="3"/>
+            <a:endCxn id="10" idx="1"/>
+          </p:cNvCxnSpPr>
+          <p:nvPr/>
+        </p:nvCxnSpPr>
+        <p:spPr>
+          <a:xfrm>
+            <a:off x="4343402" y="2255109"/>
+            <a:ext cx="729050" cy="0"/>
+          </a:xfrm>
+          <a:prstGeom prst="straightConnector1">
+            <a:avLst/>
+          </a:prstGeom>
+          <a:ln>
+            <a:tailEnd type="triangle"/>
+          </a:ln>
+        </p:spPr>
+        <p:style>
+          <a:lnRef idx="1">
+            <a:schemeClr val="dk1"/>
+          </a:lnRef>
+          <a:fillRef idx="0">
+            <a:schemeClr val="dk1"/>
+          </a:fillRef>
+          <a:effectRef idx="0">
+            <a:schemeClr val="dk1"/>
+          </a:effectRef>
+          <a:fontRef idx="minor">
+            <a:schemeClr val="tx1"/>
+          </a:fontRef>
+        </p:style>
+      </p:cxnSp>
+      <p:cxnSp>
+        <p:nvCxnSpPr>
+          <p:cNvPr id="42" name="Straight Arrow Connector 41"/>
+          <p:cNvCxnSpPr>
+            <a:stCxn id="10" idx="3"/>
+            <a:endCxn id="11" idx="1"/>
+          </p:cNvCxnSpPr>
+          <p:nvPr/>
+        </p:nvCxnSpPr>
+        <p:spPr>
+          <a:xfrm flipV="1">
+            <a:off x="6147489" y="1102295"/>
+            <a:ext cx="485004" cy="1152814"/>
+          </a:xfrm>
+          <a:prstGeom prst="straightConnector1">
+            <a:avLst/>
+          </a:prstGeom>
+          <a:ln>
+            <a:tailEnd type="triangle"/>
+          </a:ln>
+        </p:spPr>
+        <p:style>
+          <a:lnRef idx="1">
+            <a:schemeClr val="dk1"/>
+          </a:lnRef>
+          <a:fillRef idx="0">
+            <a:schemeClr val="dk1"/>
+          </a:fillRef>
+          <a:effectRef idx="0">
+            <a:schemeClr val="dk1"/>
+          </a:effectRef>
+          <a:fontRef idx="minor">
+            <a:schemeClr val="tx1"/>
+          </a:fontRef>
+        </p:style>
+      </p:cxnSp>
+      <p:cxnSp>
+        <p:nvCxnSpPr>
+          <p:cNvPr id="44" name="Straight Arrow Connector 43"/>
+          <p:cNvCxnSpPr>
+            <a:stCxn id="10" idx="3"/>
+            <a:endCxn id="12" idx="1"/>
+          </p:cNvCxnSpPr>
+          <p:nvPr/>
+        </p:nvCxnSpPr>
+        <p:spPr>
+          <a:xfrm>
+            <a:off x="6147489" y="2255109"/>
+            <a:ext cx="642551" cy="758846"/>
+          </a:xfrm>
+          <a:prstGeom prst="straightConnector1">
+            <a:avLst/>
+          </a:prstGeom>
+          <a:ln>
+            <a:tailEnd type="triangle"/>
+          </a:ln>
+        </p:spPr>
+        <p:style>
+          <a:lnRef idx="1">
+            <a:schemeClr val="dk1"/>
+          </a:lnRef>
+          <a:fillRef idx="0">
+            <a:schemeClr val="dk1"/>
+          </a:fillRef>
+          <a:effectRef idx="0">
+            <a:schemeClr val="dk1"/>
+          </a:effectRef>
+          <a:fontRef idx="minor">
+            <a:schemeClr val="tx1"/>
+          </a:fontRef>
+        </p:style>
+      </p:cxnSp>
+      <p:cxnSp>
+        <p:nvCxnSpPr>
+          <p:cNvPr id="46" name="Straight Arrow Connector 45"/>
+          <p:cNvCxnSpPr>
+            <a:stCxn id="30" idx="3"/>
+            <a:endCxn id="12" idx="1"/>
+          </p:cNvCxnSpPr>
+          <p:nvPr/>
+        </p:nvCxnSpPr>
+        <p:spPr>
+          <a:xfrm flipV="1">
+            <a:off x="6280321" y="3013955"/>
+            <a:ext cx="509719" cy="1100847"/>
+          </a:xfrm>
+          <a:prstGeom prst="straightConnector1">
+            <a:avLst/>
+          </a:prstGeom>
+          <a:ln>
+            <a:tailEnd type="triangle"/>
+          </a:ln>
+        </p:spPr>
+        <p:style>
+          <a:lnRef idx="1">
+            <a:schemeClr val="dk1"/>
+          </a:lnRef>
+          <a:fillRef idx="0">
+            <a:schemeClr val="dk1"/>
+          </a:fillRef>
+          <a:effectRef idx="0">
+            <a:schemeClr val="dk1"/>
+          </a:effectRef>
+          <a:fontRef idx="minor">
+            <a:schemeClr val="tx1"/>
+          </a:fontRef>
+        </p:style>
+      </p:cxnSp>
+      <p:cxnSp>
+        <p:nvCxnSpPr>
+          <p:cNvPr id="48" name="Straight Arrow Connector 47"/>
+          <p:cNvCxnSpPr>
+            <a:stCxn id="12" idx="3"/>
+            <a:endCxn id="13" idx="1"/>
+          </p:cNvCxnSpPr>
+          <p:nvPr/>
+        </p:nvCxnSpPr>
+        <p:spPr>
+          <a:xfrm flipV="1">
+            <a:off x="7983414" y="3013954"/>
+            <a:ext cx="1185303" cy="1"/>
+          </a:xfrm>
+          <a:prstGeom prst="straightConnector1">
+            <a:avLst/>
+          </a:prstGeom>
+          <a:ln>
+            <a:tailEnd type="triangle"/>
+          </a:ln>
+        </p:spPr>
+        <p:style>
+          <a:lnRef idx="1">
+            <a:schemeClr val="dk1"/>
+          </a:lnRef>
+          <a:fillRef idx="0">
+            <a:schemeClr val="dk1"/>
+          </a:fillRef>
+          <a:effectRef idx="0">
+            <a:schemeClr val="dk1"/>
+          </a:effectRef>
+          <a:fontRef idx="minor">
+            <a:schemeClr val="tx1"/>
+          </a:fontRef>
+        </p:style>
+      </p:cxnSp>
+      <p:sp>
+        <p:nvSpPr>
+          <p:cNvPr id="16" name="TextBox 15"/>
+          <p:cNvSpPr txBox="1"/>
+          <p:nvPr/>
+        </p:nvSpPr>
+        <p:spPr>
+          <a:xfrm>
+            <a:off x="1566154" y="787302"/>
+            <a:ext cx="2538197" cy="923330"/>
+          </a:xfrm>
+          <a:prstGeom prst="rect">
+            <a:avLst/>
+          </a:prstGeom>
+        </p:spPr>
+        <p:style>
+          <a:lnRef idx="2">
+            <a:schemeClr val="accent6"/>
+          </a:lnRef>
+          <a:fillRef idx="1">
+            <a:schemeClr val="lt1"/>
+          </a:fillRef>
+          <a:effectRef idx="0">
+            <a:schemeClr val="accent6"/>
+          </a:effectRef>
+          <a:fontRef idx="minor">
+            <a:schemeClr val="dk1"/>
+          </a:fontRef>
+        </p:style>
+        <p:txBody>
+          <a:bodyPr wrap="square" rtlCol="0">
+            <a:spAutoFit/>
+          </a:bodyPr>
+          <a:lstStyle/>
+          <a:p>
+            <a:r>
+              <a:rPr lang="en-BE" dirty="0" smtClean="0"/>
+              <a:t>read entire table into memory and do some type conversions</a:t>
+            </a:r>
+            <a:endParaRPr lang="nl-BE" dirty="0"/>
+          </a:p>
+        </p:txBody>
+      </p:sp>
+      <p:sp>
+        <p:nvSpPr>
+          <p:cNvPr id="37" name="TextBox 36"/>
+          <p:cNvSpPr txBox="1"/>
+          <p:nvPr/>
+        </p:nvSpPr>
+        <p:spPr>
+          <a:xfrm>
+            <a:off x="5363394" y="4502663"/>
+            <a:ext cx="2538197" cy="646331"/>
+          </a:xfrm>
+          <a:prstGeom prst="rect">
+            <a:avLst/>
+          </a:prstGeom>
+        </p:spPr>
+        <p:style>
+          <a:lnRef idx="2">
+            <a:schemeClr val="accent6"/>
+          </a:lnRef>
+          <a:fillRef idx="1">
+            <a:schemeClr val="lt1"/>
+          </a:fillRef>
+          <a:effectRef idx="0">
+            <a:schemeClr val="accent6"/>
+          </a:effectRef>
+          <a:fontRef idx="minor">
+            <a:schemeClr val="dk1"/>
+          </a:fontRef>
+        </p:style>
+        <p:txBody>
+          <a:bodyPr wrap="square" rtlCol="0">
+            <a:spAutoFit/>
+          </a:bodyPr>
+          <a:lstStyle/>
+          <a:p>
+            <a:r>
+              <a:rPr lang="en-BE" dirty="0" smtClean="0"/>
+              <a:t>same format as ohlc but all values are in euro</a:t>
+            </a:r>
+            <a:endParaRPr lang="nl-BE" dirty="0"/>
+          </a:p>
+        </p:txBody>
+      </p:sp>
+    </p:spTree>
+    <p:extLst>
+      <p:ext uri="{BB962C8B-B14F-4D97-AF65-F5344CB8AC3E}">
+        <p14:creationId xmlns:p14="http://schemas.microsoft.com/office/powerpoint/2010/main" val="3611430084"/>
+      </p:ext>
+    </p:extLst>
+  </p:cSld>
+  <p:clrMapOvr>
+    <a:masterClrMapping/>
+  </p:clrMapOvr>
+  <p:timing>
+    <p:tnLst>
+      <p:par>
+        <p:cTn id="1" dur="indefinite" restart="never" nodeType="tmRoot"/>
+      </p:par>
+    </p:tnLst>
+  </p:timing>
+</p:sld>
+</file>
+
+<file path=ppt/slides/slide25.xml><?xml version="1.0" encoding="utf-8"?>
+<p:sld xmlns:a="http://schemas.openxmlformats.org/drawingml/2006/main" xmlns:r="http://schemas.openxmlformats.org/officeDocument/2006/relationships" xmlns:p="http://schemas.openxmlformats.org/presentationml/2006/main">
+  <p:cSld>
+    <p:bg>
+      <p:bgPr>
+        <a:solidFill>
+          <a:schemeClr val="accent6">
+            <a:lumMod val="20000"/>
+            <a:lumOff val="80000"/>
+          </a:schemeClr>
+        </a:solidFill>
+        <a:effectLst/>
+      </p:bgPr>
+    </p:bg>
+    <p:spTree>
+      <p:nvGrpSpPr>
+        <p:cNvPr id="1" name=""/>
+        <p:cNvGrpSpPr/>
+        <p:nvPr/>
+      </p:nvGrpSpPr>
+      <p:grpSpPr>
+        <a:xfrm>
+          <a:off x="0" y="0"/>
+          <a:ext cx="0" cy="0"/>
+          <a:chOff x="0" y="0"/>
+          <a:chExt cx="0" cy="0"/>
+        </a:xfrm>
+      </p:grpSpPr>
+      <p:sp>
+        <p:nvSpPr>
+          <p:cNvPr id="4" name="Title 3"/>
+          <p:cNvSpPr>
+            <a:spLocks noGrp="1"/>
+          </p:cNvSpPr>
+          <p:nvPr>
+            <p:ph type="ctrTitle"/>
+          </p:nvPr>
+        </p:nvSpPr>
+        <p:spPr/>
+        <p:txBody>
+          <a:bodyPr/>
+          <a:lstStyle/>
+          <a:p>
+            <a:r>
+              <a:rPr lang="nl-BE" dirty="0" smtClean="0"/>
               <a:t>performance</a:t>
             </a:r>
             <a:endParaRPr lang="en-US" dirty="0"/>
@@ -7434,7 +9312,7 @@
 </p:sld>
 </file>
 
-<file path=ppt/slides/slide23.xml><?xml version="1.0" encoding="utf-8"?>
+<file path=ppt/slides/slide26.xml><?xml version="1.0" encoding="utf-8"?>
 <p:sld xmlns:a="http://schemas.openxmlformats.org/drawingml/2006/main" xmlns:r="http://schemas.openxmlformats.org/officeDocument/2006/relationships" xmlns:p="http://schemas.openxmlformats.org/presentationml/2006/main">
   <p:cSld>
     <p:spTree>
@@ -9137,7 +11015,7 @@
 </p:sld>
 </file>
 
-<file path=ppt/slides/slide24.xml><?xml version="1.0" encoding="utf-8"?>
+<file path=ppt/slides/slide27.xml><?xml version="1.0" encoding="utf-8"?>
 <p:sld xmlns:a="http://schemas.openxmlformats.org/drawingml/2006/main" xmlns:r="http://schemas.openxmlformats.org/officeDocument/2006/relationships" xmlns:p="http://schemas.openxmlformats.org/presentationml/2006/main">
   <p:cSld>
     <p:spTree>

--- a/doc/stock_dashboard_documentation.pptx
+++ b/doc/stock_dashboard_documentation.pptx
@@ -22,9 +22,9 @@
     <p:sldId id="262" r:id="rId16"/>
     <p:sldId id="284" r:id="rId17"/>
     <p:sldId id="290" r:id="rId18"/>
-    <p:sldId id="289" r:id="rId19"/>
-    <p:sldId id="259" r:id="rId20"/>
-    <p:sldId id="260" r:id="rId21"/>
+    <p:sldId id="260" r:id="rId19"/>
+    <p:sldId id="289" r:id="rId20"/>
+    <p:sldId id="259" r:id="rId21"/>
     <p:sldId id="272" r:id="rId22"/>
     <p:sldId id="266" r:id="rId23"/>
     <p:sldId id="265" r:id="rId24"/>
@@ -4014,6 +4014,36 @@
           </a:prstGeom>
         </p:spPr>
       </p:pic>
+      <p:sp>
+        <p:nvSpPr>
+          <p:cNvPr id="7" name="TextBox 6"/>
+          <p:cNvSpPr txBox="1"/>
+          <p:nvPr/>
+        </p:nvSpPr>
+        <p:spPr>
+          <a:xfrm>
+            <a:off x="7861610" y="455583"/>
+            <a:ext cx="3166946" cy="369332"/>
+          </a:xfrm>
+          <a:prstGeom prst="rect">
+            <a:avLst/>
+          </a:prstGeom>
+          <a:noFill/>
+        </p:spPr>
+        <p:txBody>
+          <a:bodyPr wrap="square" rtlCol="0">
+            <a:spAutoFit/>
+          </a:bodyPr>
+          <a:lstStyle/>
+          <a:p>
+            <a:r>
+              <a:rPr lang="en-BE" dirty="0" smtClean="0"/>
+              <a:t>all records are unique</a:t>
+            </a:r>
+            <a:endParaRPr lang="nl-BE" dirty="0"/>
+          </a:p>
+        </p:txBody>
+      </p:sp>
     </p:spTree>
     <p:extLst>
       <p:ext uri="{BB962C8B-B14F-4D97-AF65-F5344CB8AC3E}">
@@ -5693,9 +5723,153 @@
           <a:chExt cx="0" cy="0"/>
         </a:xfrm>
       </p:grpSpPr>
+      <p:sp>
+        <p:nvSpPr>
+          <p:cNvPr id="2" name="Title 1"/>
+          <p:cNvSpPr>
+            <a:spLocks noGrp="1"/>
+          </p:cNvSpPr>
+          <p:nvPr>
+            <p:ph type="title"/>
+          </p:nvPr>
+        </p:nvSpPr>
+        <p:spPr>
+          <a:xfrm>
+            <a:off x="68525" y="-207198"/>
+            <a:ext cx="10515600" cy="1325563"/>
+          </a:xfrm>
+        </p:spPr>
+        <p:txBody>
+          <a:bodyPr/>
+          <a:lstStyle/>
+          <a:p>
+            <a:r>
+              <a:rPr lang="en-BE" dirty="0"/>
+              <a:t>transactions</a:t>
+            </a:r>
+            <a:r>
+              <a:rPr lang="en-BE" dirty="0" smtClean="0"/>
+              <a:t>: saxo </a:t>
+            </a:r>
+            <a:r>
+              <a:rPr lang="en-BE" dirty="0"/>
+              <a:t>import</a:t>
+            </a:r>
+            <a:endParaRPr lang="en-US" dirty="0"/>
+          </a:p>
+        </p:txBody>
+      </p:sp>
+      <p:sp>
+        <p:nvSpPr>
+          <p:cNvPr id="3" name="Content Placeholder 2"/>
+          <p:cNvSpPr>
+            <a:spLocks noGrp="1"/>
+          </p:cNvSpPr>
+          <p:nvPr>
+            <p:ph idx="1"/>
+          </p:nvPr>
+        </p:nvSpPr>
+        <p:spPr>
+          <a:xfrm>
+            <a:off x="203932" y="1052547"/>
+            <a:ext cx="4837626" cy="5499556"/>
+          </a:xfrm>
+        </p:spPr>
+        <p:txBody>
+          <a:bodyPr>
+            <a:normAutofit/>
+          </a:bodyPr>
+          <a:lstStyle/>
+          <a:p>
+            <a:r>
+              <a:rPr lang="nl-BE" sz="1600" dirty="0"/>
+              <a:t>log in op </a:t>
+            </a:r>
+            <a:r>
+              <a:rPr lang="nl-BE" sz="1600" dirty="0" smtClean="0"/>
+              <a:t>Saxo Investor</a:t>
+            </a:r>
+            <a:endParaRPr lang="nl-BE" sz="1600" dirty="0"/>
+          </a:p>
+          <a:p>
+            <a:r>
+              <a:rPr lang="nl-BE" sz="1600" dirty="0"/>
+              <a:t>gaar naar </a:t>
+            </a:r>
+            <a:r>
+              <a:rPr lang="nl-BE" sz="1600" dirty="0" smtClean="0"/>
+              <a:t>transacties</a:t>
+            </a:r>
+            <a:endParaRPr lang="nl-BE" sz="1600" dirty="0"/>
+          </a:p>
+          <a:p>
+            <a:r>
+              <a:rPr lang="nl-BE" sz="1600" dirty="0" smtClean="0"/>
+              <a:t>plaats aangepaste periode</a:t>
+            </a:r>
+            <a:endParaRPr lang="nl-BE" sz="1600" dirty="0"/>
+          </a:p>
+          <a:p>
+            <a:r>
+              <a:rPr lang="nl-BE" sz="1600" dirty="0" smtClean="0"/>
+              <a:t>exporteer als excel</a:t>
+            </a:r>
+            <a:endParaRPr lang="nl-BE" sz="1600" dirty="0"/>
+          </a:p>
+          <a:p>
+            <a:endParaRPr lang="nl-BE" sz="1600" dirty="0" smtClean="0"/>
+          </a:p>
+          <a:p>
+            <a:r>
+              <a:rPr lang="nl-BE" sz="1600" dirty="0"/>
+              <a:t>voeg een </a:t>
+            </a:r>
+            <a:r>
+              <a:rPr lang="nl-BE" sz="1600" i="1" dirty="0"/>
+              <a:t>symbol</a:t>
+            </a:r>
+            <a:r>
+              <a:rPr lang="nl-BE" sz="1600" dirty="0"/>
+              <a:t> kolom toe</a:t>
+            </a:r>
+          </a:p>
+          <a:p>
+            <a:r>
+              <a:rPr lang="nl-BE" sz="1600" dirty="0"/>
+              <a:t>vul het </a:t>
+            </a:r>
+            <a:r>
+              <a:rPr lang="nl-BE" sz="1600" dirty="0" smtClean="0"/>
+              <a:t>RIC als symbol in (minstens </a:t>
+            </a:r>
+            <a:r>
+              <a:rPr lang="nl-BE" sz="1600" dirty="0"/>
+              <a:t>1x per nieuwe </a:t>
+            </a:r>
+            <a:r>
+              <a:rPr lang="nl-BE" sz="1600" dirty="0" smtClean="0"/>
+              <a:t>stock)</a:t>
+            </a:r>
+            <a:endParaRPr lang="nl-BE" sz="1600" dirty="0"/>
+          </a:p>
+          <a:p>
+            <a:r>
+              <a:rPr lang="nl-BE" sz="1600" dirty="0"/>
+              <a:t>als er geen ‘nieuwe’ stocks zijn gekocht dan hoef je geen symbol in te vullen</a:t>
+            </a:r>
+            <a:endParaRPr lang="en-US" sz="1600" dirty="0"/>
+          </a:p>
+          <a:p>
+            <a:endParaRPr lang="en-US" sz="1600" dirty="0"/>
+          </a:p>
+          <a:p>
+            <a:endParaRPr lang="nl-BE" sz="1600" dirty="0" smtClean="0"/>
+          </a:p>
+        </p:txBody>
+      </p:sp>
       <p:pic>
         <p:nvPicPr>
-          <p:cNvPr id="4" name="Picture 3"/>
+          <p:cNvPr id="6" name="Picture 5"/>
           <p:cNvPicPr>
             <a:picLocks noChangeAspect="1"/>
           </p:cNvPicPr>
@@ -5709,8 +5883,8 @@
         </p:blipFill>
         <p:spPr>
           <a:xfrm>
-            <a:off x="2999678" y="2330605"/>
-            <a:ext cx="6690940" cy="3795089"/>
+            <a:off x="7737781" y="21292"/>
+            <a:ext cx="2400629" cy="4461714"/>
           </a:xfrm>
           <a:prstGeom prst="rect">
             <a:avLst/>
@@ -5719,22 +5893,22 @@
       </p:pic>
       <p:pic>
         <p:nvPicPr>
-          <p:cNvPr id="5" name="Picture 4"/>
+          <p:cNvPr id="7" name="Picture 6"/>
           <p:cNvPicPr>
             <a:picLocks noChangeAspect="1"/>
           </p:cNvPicPr>
           <p:nvPr/>
         </p:nvPicPr>
         <p:blipFill>
-          <a:blip r:embed="rId2"/>
+          <a:blip r:embed="rId3"/>
           <a:stretch>
             <a:fillRect/>
           </a:stretch>
         </p:blipFill>
         <p:spPr>
           <a:xfrm>
-            <a:off x="1460809" y="1594624"/>
-            <a:ext cx="6690940" cy="3795089"/>
+            <a:off x="546833" y="5742751"/>
+            <a:ext cx="11473718" cy="829842"/>
           </a:xfrm>
           <a:prstGeom prst="rect">
             <a:avLst/>
@@ -5744,7 +5918,7 @@
     </p:spTree>
     <p:extLst>
       <p:ext uri="{BB962C8B-B14F-4D97-AF65-F5344CB8AC3E}">
-        <p14:creationId xmlns:p14="http://schemas.microsoft.com/office/powerpoint/2010/main" val="1632147480"/>
+        <p14:creationId xmlns:p14="http://schemas.microsoft.com/office/powerpoint/2010/main" val="703887595"/>
       </p:ext>
     </p:extLst>
   </p:cSld>
@@ -5778,138 +5952,9 @@
           <a:chExt cx="0" cy="0"/>
         </a:xfrm>
       </p:grpSpPr>
-      <p:sp>
-        <p:nvSpPr>
-          <p:cNvPr id="2" name="Title 1"/>
-          <p:cNvSpPr>
-            <a:spLocks noGrp="1"/>
-          </p:cNvSpPr>
-          <p:nvPr>
-            <p:ph type="title"/>
-          </p:nvPr>
-        </p:nvSpPr>
-        <p:spPr>
-          <a:xfrm>
-            <a:off x="68525" y="-207198"/>
-            <a:ext cx="10515600" cy="1325563"/>
-          </a:xfrm>
-        </p:spPr>
-        <p:txBody>
-          <a:bodyPr/>
-          <a:lstStyle/>
-          <a:p>
-            <a:r>
-              <a:rPr lang="nl-BE" dirty="0" smtClean="0"/>
-              <a:t>BOLERO import xlsx</a:t>
-            </a:r>
-            <a:endParaRPr lang="en-US" dirty="0"/>
-          </a:p>
-        </p:txBody>
-      </p:sp>
-      <p:sp>
-        <p:nvSpPr>
-          <p:cNvPr id="3" name="Content Placeholder 2"/>
-          <p:cNvSpPr>
-            <a:spLocks noGrp="1"/>
-          </p:cNvSpPr>
-          <p:nvPr>
-            <p:ph idx="1"/>
-          </p:nvPr>
-        </p:nvSpPr>
-        <p:spPr>
-          <a:xfrm>
-            <a:off x="203932" y="1052547"/>
-            <a:ext cx="4837626" cy="5499556"/>
-          </a:xfrm>
-        </p:spPr>
-        <p:txBody>
-          <a:bodyPr>
-            <a:normAutofit/>
-          </a:bodyPr>
-          <a:lstStyle/>
-          <a:p>
-            <a:r>
-              <a:rPr lang="nl-BE" sz="2400" dirty="0"/>
-              <a:t>log in op bolero</a:t>
-            </a:r>
-          </a:p>
-          <a:p>
-            <a:r>
-              <a:rPr lang="nl-BE" sz="2400" dirty="0"/>
-              <a:t>gaar naar portefeuille</a:t>
-            </a:r>
-          </a:p>
-          <a:p>
-            <a:r>
-              <a:rPr lang="nl-BE" sz="2400" dirty="0"/>
-              <a:t>dan naar historiek</a:t>
-            </a:r>
-          </a:p>
-          <a:p>
-            <a:r>
-              <a:rPr lang="nl-BE" sz="2400" dirty="0"/>
-              <a:t>selecteer data en plak het in </a:t>
-            </a:r>
-            <a:r>
-              <a:rPr lang="nl-BE" sz="2400" dirty="0" smtClean="0"/>
-              <a:t>excel (via notepad tussenstap wordt html formatting verwijderd)</a:t>
-            </a:r>
-            <a:endParaRPr lang="nl-BE" sz="2400" dirty="0"/>
-          </a:p>
-          <a:p>
-            <a:endParaRPr lang="nl-BE" sz="2400" dirty="0" smtClean="0"/>
-          </a:p>
-          <a:p>
-            <a:r>
-              <a:rPr lang="nl-BE" sz="2400" dirty="0"/>
-              <a:t>voeg een </a:t>
-            </a:r>
-            <a:r>
-              <a:rPr lang="nl-BE" sz="2400" i="1" dirty="0"/>
-              <a:t>symbol</a:t>
-            </a:r>
-            <a:r>
-              <a:rPr lang="nl-BE" sz="2400" dirty="0"/>
-              <a:t> kolom toe</a:t>
-            </a:r>
-          </a:p>
-          <a:p>
-            <a:r>
-              <a:rPr lang="nl-BE" sz="2400" dirty="0"/>
-              <a:t>vul het </a:t>
-            </a:r>
-            <a:r>
-              <a:rPr lang="nl-BE" sz="2400" dirty="0" smtClean="0"/>
-              <a:t>RIC als symbol in (minstens </a:t>
-            </a:r>
-            <a:r>
-              <a:rPr lang="nl-BE" sz="2400" dirty="0"/>
-              <a:t>1x per nieuwe </a:t>
-            </a:r>
-            <a:r>
-              <a:rPr lang="nl-BE" sz="2400" dirty="0" smtClean="0"/>
-              <a:t>stock)</a:t>
-            </a:r>
-            <a:endParaRPr lang="nl-BE" sz="2400" dirty="0"/>
-          </a:p>
-          <a:p>
-            <a:r>
-              <a:rPr lang="nl-BE" sz="2400" dirty="0"/>
-              <a:t>als er geen ‘nieuwe’ stocks zijn gekocht dan hoef je geen symbol in te vullen</a:t>
-            </a:r>
-            <a:endParaRPr lang="en-US" sz="2400" dirty="0"/>
-          </a:p>
-          <a:p>
-            <a:endParaRPr lang="en-US" sz="2400" dirty="0"/>
-          </a:p>
-          <a:p>
-            <a:endParaRPr lang="nl-BE" sz="2200" dirty="0" smtClean="0"/>
-          </a:p>
-        </p:txBody>
-      </p:sp>
       <p:pic>
         <p:nvPicPr>
-          <p:cNvPr id="4" name="Content Placeholder 5"/>
+          <p:cNvPr id="4" name="Picture 3"/>
           <p:cNvPicPr>
             <a:picLocks noChangeAspect="1"/>
           </p:cNvPicPr>
@@ -5923,8 +5968,8 @@
         </p:blipFill>
         <p:spPr>
           <a:xfrm>
-            <a:off x="5235555" y="213069"/>
-            <a:ext cx="6650373" cy="2956440"/>
+            <a:off x="2999678" y="2330605"/>
+            <a:ext cx="6690940" cy="3795089"/>
           </a:xfrm>
           <a:prstGeom prst="rect">
             <a:avLst/>
@@ -5940,15 +5985,15 @@
           <p:nvPr/>
         </p:nvPicPr>
         <p:blipFill>
-          <a:blip r:embed="rId3"/>
+          <a:blip r:embed="rId2"/>
           <a:stretch>
             <a:fillRect/>
           </a:stretch>
         </p:blipFill>
         <p:spPr>
           <a:xfrm>
-            <a:off x="5283034" y="4063365"/>
-            <a:ext cx="6555414" cy="1720215"/>
+            <a:off x="1460809" y="1594624"/>
+            <a:ext cx="6690940" cy="3795089"/>
           </a:xfrm>
           <a:prstGeom prst="rect">
             <a:avLst/>
@@ -5958,7 +6003,7 @@
     </p:spTree>
     <p:extLst>
       <p:ext uri="{BB962C8B-B14F-4D97-AF65-F5344CB8AC3E}">
-        <p14:creationId xmlns:p14="http://schemas.microsoft.com/office/powerpoint/2010/main" val="8355119"/>
+        <p14:creationId xmlns:p14="http://schemas.microsoft.com/office/powerpoint/2010/main" val="1632147480"/>
       </p:ext>
     </p:extLst>
   </p:cSld>
@@ -6119,8 +6164,8 @@
           <a:lstStyle/>
           <a:p>
             <a:r>
-              <a:rPr lang="nl-BE"/>
-              <a:t>SAXO import xlsx</a:t>
+              <a:rPr lang="nl-BE" dirty="0" smtClean="0"/>
+              <a:t>BOLERO import xlsx</a:t>
             </a:r>
             <a:endParaRPr lang="en-US" dirty="0"/>
           </a:p>
@@ -6150,40 +6195,29 @@
           <a:p>
             <a:r>
               <a:rPr lang="nl-BE" sz="2400" dirty="0"/>
-              <a:t>log in </a:t>
-            </a:r>
-            <a:r>
-              <a:rPr lang="nl-BE" sz="2400"/>
-              <a:t>op </a:t>
-            </a:r>
-            <a:r>
-              <a:rPr lang="nl-BE" sz="2400" smtClean="0"/>
-              <a:t>Saxo Investor</a:t>
-            </a:r>
-            <a:endParaRPr lang="nl-BE" sz="2400" dirty="0"/>
+              <a:t>log in op bolero</a:t>
+            </a:r>
           </a:p>
           <a:p>
             <a:r>
               <a:rPr lang="nl-BE" sz="2400" dirty="0"/>
-              <a:t>gaar naar </a:t>
+              <a:t>gaar naar portefeuille</a:t>
+            </a:r>
+          </a:p>
+          <a:p>
+            <a:r>
+              <a:rPr lang="nl-BE" sz="2400" dirty="0"/>
+              <a:t>dan naar historiek</a:t>
+            </a:r>
+          </a:p>
+          <a:p>
+            <a:r>
+              <a:rPr lang="nl-BE" sz="2400" dirty="0"/>
+              <a:t>selecteer data en plak het in </a:t>
             </a:r>
             <a:r>
               <a:rPr lang="nl-BE" sz="2400" dirty="0" smtClean="0"/>
-              <a:t>transacties</a:t>
-            </a:r>
-            <a:endParaRPr lang="nl-BE" sz="2400" dirty="0"/>
-          </a:p>
-          <a:p>
-            <a:r>
-              <a:rPr lang="nl-BE" sz="2400" dirty="0" smtClean="0"/>
-              <a:t>plaats aangepaste periode</a:t>
-            </a:r>
-            <a:endParaRPr lang="nl-BE" sz="2400" dirty="0"/>
-          </a:p>
-          <a:p>
-            <a:r>
-              <a:rPr lang="nl-BE" sz="2400" dirty="0" smtClean="0"/>
-              <a:t>exporteer als excel</a:t>
+              <a:t>excel (via notepad tussenstap wordt html formatting verwijderd)</a:t>
             </a:r>
             <a:endParaRPr lang="nl-BE" sz="2400" dirty="0"/>
           </a:p>
@@ -6240,7 +6274,7 @@
       </p:sp>
       <p:pic>
         <p:nvPicPr>
-          <p:cNvPr id="6" name="Picture 5"/>
+          <p:cNvPr id="4" name="Content Placeholder 5"/>
           <p:cNvPicPr>
             <a:picLocks noChangeAspect="1"/>
           </p:cNvPicPr>
@@ -6254,8 +6288,8 @@
         </p:blipFill>
         <p:spPr>
           <a:xfrm>
-            <a:off x="7737781" y="21292"/>
-            <a:ext cx="2400629" cy="4461714"/>
+            <a:off x="5235555" y="213069"/>
+            <a:ext cx="6650373" cy="2956440"/>
           </a:xfrm>
           <a:prstGeom prst="rect">
             <a:avLst/>
@@ -6264,7 +6298,7 @@
       </p:pic>
       <p:pic>
         <p:nvPicPr>
-          <p:cNvPr id="7" name="Picture 6"/>
+          <p:cNvPr id="5" name="Picture 4"/>
           <p:cNvPicPr>
             <a:picLocks noChangeAspect="1"/>
           </p:cNvPicPr>
@@ -6278,8 +6312,8 @@
         </p:blipFill>
         <p:spPr>
           <a:xfrm>
-            <a:off x="546833" y="5742751"/>
-            <a:ext cx="11473718" cy="829842"/>
+            <a:off x="5283034" y="4063365"/>
+            <a:ext cx="6555414" cy="1720215"/>
           </a:xfrm>
           <a:prstGeom prst="rect">
             <a:avLst/>
@@ -6289,7 +6323,7 @@
     </p:spTree>
     <p:extLst>
       <p:ext uri="{BB962C8B-B14F-4D97-AF65-F5344CB8AC3E}">
-        <p14:creationId xmlns:p14="http://schemas.microsoft.com/office/powerpoint/2010/main" val="703887595"/>
+        <p14:creationId xmlns:p14="http://schemas.microsoft.com/office/powerpoint/2010/main" val="8355119"/>
       </p:ext>
     </p:extLst>
   </p:cSld>
@@ -11231,6 +11265,31 @@
             </a:r>
           </a:p>
           <a:p>
+            <a:r>
+              <a:rPr lang="en-BE" sz="1600" dirty="0" smtClean="0"/>
+              <a:t>ric: reuters instrument code (</a:t>
+            </a:r>
+            <a:r>
+              <a:rPr lang="nl-BE" sz="1600" dirty="0">
+                <a:hlinkClick r:id="rId2"/>
+              </a:rPr>
+              <a:t>https://</a:t>
+            </a:r>
+            <a:r>
+              <a:rPr lang="nl-BE" sz="1600" dirty="0" smtClean="0">
+                <a:hlinkClick r:id="rId2"/>
+              </a:rPr>
+              <a:t>en.wikipedia.org/wiki/Refinitiv_Identification_Code</a:t>
+            </a:r>
+            <a:r>
+              <a:rPr lang="en-BE" sz="1600" dirty="0" smtClean="0"/>
+              <a:t>)</a:t>
+            </a:r>
+          </a:p>
+          <a:p>
+            <a:endParaRPr lang="en-BE" sz="1600" dirty="0" smtClean="0"/>
+          </a:p>
+          <a:p>
             <a:pPr marL="0" indent="0">
               <a:buNone/>
             </a:pPr>
@@ -11640,15 +11699,7 @@
           <a:p>
             <a:r>
               <a:rPr lang="en-BE" sz="1600" dirty="0" smtClean="0"/>
-              <a:t>Shinymanager can store credentials </a:t>
-            </a:r>
-            <a:r>
-              <a:rPr lang="en-BE" sz="1600" dirty="0"/>
-              <a:t>are stored in </a:t>
-            </a:r>
-            <a:r>
-              <a:rPr lang="en-BE" sz="1600" dirty="0" smtClean="0"/>
-              <a:t>sqlite</a:t>
+              <a:t>Shinymanager can store credentials in sqlite</a:t>
             </a:r>
             <a:r>
               <a:rPr lang="en-US" sz="1600" dirty="0" smtClean="0"/>

--- a/doc/stock_dashboard_documentation.pptx
+++ b/doc/stock_dashboard_documentation.pptx
@@ -269,7 +269,7 @@
           <a:p>
             <a:fld id="{C7A550C2-E7D9-4260-A406-70CCA9D8798D}" type="datetimeFigureOut">
               <a:rPr lang="en-US" smtClean="0"/>
-              <a:t>9/23/2023</a:t>
+              <a:t>9/25/2023</a:t>
             </a:fld>
             <a:endParaRPr lang="en-US"/>
           </a:p>
@@ -446,7 +446,7 @@
           <a:p>
             <a:fld id="{C7A550C2-E7D9-4260-A406-70CCA9D8798D}" type="datetimeFigureOut">
               <a:rPr lang="en-US" smtClean="0"/>
-              <a:t>9/23/2023</a:t>
+              <a:t>9/25/2023</a:t>
             </a:fld>
             <a:endParaRPr lang="en-US"/>
           </a:p>
@@ -626,7 +626,7 @@
           <a:p>
             <a:fld id="{C7A550C2-E7D9-4260-A406-70CCA9D8798D}" type="datetimeFigureOut">
               <a:rPr lang="en-US" smtClean="0"/>
-              <a:t>9/23/2023</a:t>
+              <a:t>9/25/2023</a:t>
             </a:fld>
             <a:endParaRPr lang="en-US"/>
           </a:p>
@@ -803,7 +803,7 @@
           <a:p>
             <a:fld id="{C7A550C2-E7D9-4260-A406-70CCA9D8798D}" type="datetimeFigureOut">
               <a:rPr lang="en-US" smtClean="0"/>
-              <a:t>9/23/2023</a:t>
+              <a:t>9/25/2023</a:t>
             </a:fld>
             <a:endParaRPr lang="en-US"/>
           </a:p>
@@ -1049,7 +1049,7 @@
           <a:p>
             <a:fld id="{C7A550C2-E7D9-4260-A406-70CCA9D8798D}" type="datetimeFigureOut">
               <a:rPr lang="en-US" smtClean="0"/>
-              <a:t>9/23/2023</a:t>
+              <a:t>9/25/2023</a:t>
             </a:fld>
             <a:endParaRPr lang="en-US"/>
           </a:p>
@@ -1281,7 +1281,7 @@
           <a:p>
             <a:fld id="{C7A550C2-E7D9-4260-A406-70CCA9D8798D}" type="datetimeFigureOut">
               <a:rPr lang="en-US" smtClean="0"/>
-              <a:t>9/23/2023</a:t>
+              <a:t>9/25/2023</a:t>
             </a:fld>
             <a:endParaRPr lang="en-US"/>
           </a:p>
@@ -1648,7 +1648,7 @@
           <a:p>
             <a:fld id="{C7A550C2-E7D9-4260-A406-70CCA9D8798D}" type="datetimeFigureOut">
               <a:rPr lang="en-US" smtClean="0"/>
-              <a:t>9/23/2023</a:t>
+              <a:t>9/25/2023</a:t>
             </a:fld>
             <a:endParaRPr lang="en-US"/>
           </a:p>
@@ -1766,7 +1766,7 @@
           <a:p>
             <a:fld id="{C7A550C2-E7D9-4260-A406-70CCA9D8798D}" type="datetimeFigureOut">
               <a:rPr lang="en-US" smtClean="0"/>
-              <a:t>9/23/2023</a:t>
+              <a:t>9/25/2023</a:t>
             </a:fld>
             <a:endParaRPr lang="en-US"/>
           </a:p>
@@ -1861,7 +1861,7 @@
           <a:p>
             <a:fld id="{C7A550C2-E7D9-4260-A406-70CCA9D8798D}" type="datetimeFigureOut">
               <a:rPr lang="en-US" smtClean="0"/>
-              <a:t>9/23/2023</a:t>
+              <a:t>9/25/2023</a:t>
             </a:fld>
             <a:endParaRPr lang="en-US"/>
           </a:p>
@@ -2138,7 +2138,7 @@
           <a:p>
             <a:fld id="{C7A550C2-E7D9-4260-A406-70CCA9D8798D}" type="datetimeFigureOut">
               <a:rPr lang="en-US" smtClean="0"/>
-              <a:t>9/23/2023</a:t>
+              <a:t>9/25/2023</a:t>
             </a:fld>
             <a:endParaRPr lang="en-US"/>
           </a:p>
@@ -2391,7 +2391,7 @@
           <a:p>
             <a:fld id="{C7A550C2-E7D9-4260-A406-70CCA9D8798D}" type="datetimeFigureOut">
               <a:rPr lang="en-US" smtClean="0"/>
-              <a:t>9/23/2023</a:t>
+              <a:t>9/25/2023</a:t>
             </a:fld>
             <a:endParaRPr lang="en-US"/>
           </a:p>
@@ -2604,7 +2604,7 @@
           <a:p>
             <a:fld id="{C7A550C2-E7D9-4260-A406-70CCA9D8798D}" type="datetimeFigureOut">
               <a:rPr lang="en-US" smtClean="0"/>
-              <a:t>9/23/2023</a:t>
+              <a:t>9/25/2023</a:t>
             </a:fld>
             <a:endParaRPr lang="en-US"/>
           </a:p>
@@ -3132,11 +3132,7 @@
           <a:p>
             <a:r>
               <a:rPr lang="en-BE" dirty="0" smtClean="0"/>
-              <a:t>stock_ohlc</a:t>
-            </a:r>
-            <a:r>
-              <a:rPr lang="en-BE" dirty="0" smtClean="0"/>
-              <a:t>:</a:t>
+              <a:t>stock_ohlc:</a:t>
             </a:r>
             <a:r>
               <a:rPr lang="nl-BE" dirty="0" smtClean="0"/>
@@ -3547,11 +3543,7 @@
           <a:p>
             <a:r>
               <a:rPr lang="en-BE" dirty="0" smtClean="0"/>
-              <a:t>fx_rates</a:t>
-            </a:r>
-            <a:r>
-              <a:rPr lang="en-BE" dirty="0" smtClean="0"/>
-              <a:t>:</a:t>
+              <a:t>fx_rates:</a:t>
             </a:r>
             <a:r>
               <a:rPr lang="nl-BE" dirty="0" smtClean="0"/>
@@ -3865,11 +3857,7 @@
             </a:r>
             <a:r>
               <a:rPr lang="nl-BE" sz="1600" dirty="0" smtClean="0"/>
-              <a:t> </a:t>
-            </a:r>
-            <a:r>
-              <a:rPr lang="nl-BE" sz="1600" dirty="0" smtClean="0"/>
-              <a:t>dividend</a:t>
+              <a:t> dividend</a:t>
             </a:r>
             <a:endParaRPr lang="en-BE" sz="1600" dirty="0" smtClean="0"/>
           </a:p>
@@ -4209,11 +4197,7 @@
             </a:r>
             <a:r>
               <a:rPr lang="nl-BE" dirty="0" smtClean="0"/>
-              <a:t> </a:t>
-            </a:r>
-            <a:r>
-              <a:rPr lang="nl-BE" dirty="0" smtClean="0"/>
-              <a:t>visualised</a:t>
+              <a:t> visualised</a:t>
             </a:r>
             <a:endParaRPr lang="en-US" dirty="0"/>
           </a:p>
@@ -5152,11 +5136,7 @@
           <a:p>
             <a:r>
               <a:rPr lang="en-BE" sz="1600" dirty="0" smtClean="0"/>
-              <a:t>Script to buil</a:t>
-            </a:r>
-            <a:r>
-              <a:rPr lang="en-BE" sz="1600" dirty="0" smtClean="0"/>
-              <a:t>d an empty db file available at</a:t>
+              <a:t>Script to build an empty db file available at</a:t>
             </a:r>
           </a:p>
           <a:p>
@@ -5526,7 +5506,6 @@
               <a:rPr lang="nl-BE" sz="1200" dirty="0"/>
               <a:t>://forexsb.com/historical-forex-data</a:t>
             </a:r>
-            <a:endParaRPr lang="nl-BE" sz="1200" dirty="0"/>
           </a:p>
         </p:txBody>
       </p:sp>
@@ -5613,11 +5592,7 @@
           <a:p>
             <a:r>
               <a:rPr lang="en-BE" dirty="0" smtClean="0"/>
-              <a:t>transactions</a:t>
-            </a:r>
-            <a:r>
-              <a:rPr lang="en-BE" dirty="0" smtClean="0"/>
-              <a:t>: import</a:t>
+              <a:t>transactions: import</a:t>
             </a:r>
             <a:endParaRPr lang="en-US" dirty="0"/>
           </a:p>
@@ -5869,7 +5844,7 @@
       </p:sp>
       <p:pic>
         <p:nvPicPr>
-          <p:cNvPr id="6" name="Picture 5"/>
+          <p:cNvPr id="7" name="Picture 6"/>
           <p:cNvPicPr>
             <a:picLocks noChangeAspect="1"/>
           </p:cNvPicPr>
@@ -5883,8 +5858,8 @@
         </p:blipFill>
         <p:spPr>
           <a:xfrm>
-            <a:off x="7737781" y="21292"/>
-            <a:ext cx="2400629" cy="4461714"/>
+            <a:off x="341882" y="4347503"/>
+            <a:ext cx="11473718" cy="829842"/>
           </a:xfrm>
           <a:prstGeom prst="rect">
             <a:avLst/>
@@ -5893,7 +5868,7 @@
       </p:pic>
       <p:pic>
         <p:nvPicPr>
-          <p:cNvPr id="7" name="Picture 6"/>
+          <p:cNvPr id="4" name="Picture 3"/>
           <p:cNvPicPr>
             <a:picLocks noChangeAspect="1"/>
           </p:cNvPicPr>
@@ -5907,8 +5882,116 @@
         </p:blipFill>
         <p:spPr>
           <a:xfrm>
-            <a:off x="546833" y="5742751"/>
-            <a:ext cx="11473718" cy="829842"/>
+            <a:off x="6018769" y="273923"/>
+            <a:ext cx="6001782" cy="1586408"/>
+          </a:xfrm>
+          <a:prstGeom prst="rect">
+            <a:avLst/>
+          </a:prstGeom>
+        </p:spPr>
+      </p:pic>
+      <p:sp>
+        <p:nvSpPr>
+          <p:cNvPr id="5" name="TextBox 4"/>
+          <p:cNvSpPr txBox="1"/>
+          <p:nvPr/>
+        </p:nvSpPr>
+        <p:spPr>
+          <a:xfrm>
+            <a:off x="5041558" y="3917732"/>
+            <a:ext cx="1832228" cy="369332"/>
+          </a:xfrm>
+          <a:prstGeom prst="rect">
+            <a:avLst/>
+          </a:prstGeom>
+          <a:noFill/>
+        </p:spPr>
+        <p:txBody>
+          <a:bodyPr wrap="square" rtlCol="0">
+            <a:spAutoFit/>
+          </a:bodyPr>
+          <a:lstStyle/>
+          <a:p>
+            <a:r>
+              <a:rPr lang="en-BE" dirty="0" smtClean="0"/>
+              <a:t>oude template</a:t>
+            </a:r>
+            <a:endParaRPr lang="nl-BE" dirty="0"/>
+          </a:p>
+        </p:txBody>
+      </p:sp>
+      <p:sp>
+        <p:nvSpPr>
+          <p:cNvPr id="8" name="TextBox 7"/>
+          <p:cNvSpPr txBox="1"/>
+          <p:nvPr/>
+        </p:nvSpPr>
+        <p:spPr>
+          <a:xfrm>
+            <a:off x="5041558" y="5237784"/>
+            <a:ext cx="1832228" cy="369332"/>
+          </a:xfrm>
+          <a:prstGeom prst="rect">
+            <a:avLst/>
+          </a:prstGeom>
+          <a:noFill/>
+        </p:spPr>
+        <p:txBody>
+          <a:bodyPr wrap="square" rtlCol="0">
+            <a:spAutoFit/>
+          </a:bodyPr>
+          <a:lstStyle/>
+          <a:p>
+            <a:r>
+              <a:rPr lang="en-BE" dirty="0" smtClean="0"/>
+              <a:t>nieuwe template</a:t>
+            </a:r>
+            <a:endParaRPr lang="nl-BE" dirty="0"/>
+          </a:p>
+        </p:txBody>
+      </p:sp>
+      <p:pic>
+        <p:nvPicPr>
+          <p:cNvPr id="9" name="Picture 8"/>
+          <p:cNvPicPr>
+            <a:picLocks noChangeAspect="1"/>
+          </p:cNvPicPr>
+          <p:nvPr/>
+        </p:nvPicPr>
+        <p:blipFill>
+          <a:blip r:embed="rId4"/>
+          <a:stretch>
+            <a:fillRect/>
+          </a:stretch>
+        </p:blipFill>
+        <p:spPr>
+          <a:xfrm>
+            <a:off x="7154828" y="2161258"/>
+            <a:ext cx="3429297" cy="1455546"/>
+          </a:xfrm>
+          <a:prstGeom prst="rect">
+            <a:avLst/>
+          </a:prstGeom>
+        </p:spPr>
+      </p:pic>
+      <p:pic>
+        <p:nvPicPr>
+          <p:cNvPr id="10" name="Picture 9"/>
+          <p:cNvPicPr>
+            <a:picLocks noChangeAspect="1"/>
+          </p:cNvPicPr>
+          <p:nvPr/>
+        </p:nvPicPr>
+        <p:blipFill>
+          <a:blip r:embed="rId5"/>
+          <a:stretch>
+            <a:fillRect/>
+          </a:stretch>
+        </p:blipFill>
+        <p:spPr>
+          <a:xfrm>
+            <a:off x="1942014" y="5584340"/>
+            <a:ext cx="8303955" cy="1189896"/>
           </a:xfrm>
           <a:prstGeom prst="rect">
             <a:avLst/>
@@ -6194,81 +6277,81 @@
           <a:lstStyle/>
           <a:p>
             <a:r>
-              <a:rPr lang="nl-BE" sz="2400" dirty="0"/>
+              <a:rPr lang="nl-BE" sz="1600" dirty="0"/>
               <a:t>log in op bolero</a:t>
             </a:r>
           </a:p>
           <a:p>
             <a:r>
-              <a:rPr lang="nl-BE" sz="2400" dirty="0"/>
+              <a:rPr lang="nl-BE" sz="1600" dirty="0"/>
               <a:t>gaar naar portefeuille</a:t>
             </a:r>
           </a:p>
           <a:p>
             <a:r>
-              <a:rPr lang="nl-BE" sz="2400" dirty="0"/>
+              <a:rPr lang="nl-BE" sz="1600" dirty="0"/>
               <a:t>dan naar historiek</a:t>
             </a:r>
           </a:p>
           <a:p>
             <a:r>
-              <a:rPr lang="nl-BE" sz="2400" dirty="0"/>
+              <a:rPr lang="nl-BE" sz="1600" dirty="0"/>
               <a:t>selecteer data en plak het in </a:t>
             </a:r>
             <a:r>
-              <a:rPr lang="nl-BE" sz="2400" dirty="0" smtClean="0"/>
+              <a:rPr lang="nl-BE" sz="1600" dirty="0" smtClean="0"/>
               <a:t>excel (via notepad tussenstap wordt html formatting verwijderd)</a:t>
             </a:r>
-            <a:endParaRPr lang="nl-BE" sz="2400" dirty="0"/>
-          </a:p>
-          <a:p>
-            <a:endParaRPr lang="nl-BE" sz="2400" dirty="0" smtClean="0"/>
-          </a:p>
-          <a:p>
-            <a:r>
-              <a:rPr lang="nl-BE" sz="2400" dirty="0"/>
+            <a:endParaRPr lang="nl-BE" sz="1600" dirty="0"/>
+          </a:p>
+          <a:p>
+            <a:endParaRPr lang="nl-BE" sz="1600" dirty="0" smtClean="0"/>
+          </a:p>
+          <a:p>
+            <a:r>
+              <a:rPr lang="nl-BE" sz="1600" dirty="0"/>
               <a:t>voeg een </a:t>
             </a:r>
             <a:r>
-              <a:rPr lang="nl-BE" sz="2400" i="1" dirty="0"/>
+              <a:rPr lang="nl-BE" sz="1600" i="1" dirty="0"/>
               <a:t>symbol</a:t>
             </a:r>
             <a:r>
-              <a:rPr lang="nl-BE" sz="2400" dirty="0"/>
+              <a:rPr lang="nl-BE" sz="1600" dirty="0"/>
               <a:t> kolom toe</a:t>
             </a:r>
           </a:p>
           <a:p>
             <a:r>
-              <a:rPr lang="nl-BE" sz="2400" dirty="0"/>
+              <a:rPr lang="nl-BE" sz="1600" dirty="0"/>
               <a:t>vul het </a:t>
             </a:r>
             <a:r>
-              <a:rPr lang="nl-BE" sz="2400" dirty="0" smtClean="0"/>
+              <a:rPr lang="nl-BE" sz="1600" dirty="0" smtClean="0"/>
               <a:t>RIC als symbol in (minstens </a:t>
             </a:r>
             <a:r>
-              <a:rPr lang="nl-BE" sz="2400" dirty="0"/>
+              <a:rPr lang="nl-BE" sz="1600" dirty="0"/>
               <a:t>1x per nieuwe </a:t>
             </a:r>
             <a:r>
-              <a:rPr lang="nl-BE" sz="2400" dirty="0" smtClean="0"/>
+              <a:rPr lang="nl-BE" sz="1600" dirty="0" smtClean="0"/>
               <a:t>stock)</a:t>
             </a:r>
-            <a:endParaRPr lang="nl-BE" sz="2400" dirty="0"/>
-          </a:p>
-          <a:p>
-            <a:r>
-              <a:rPr lang="nl-BE" sz="2400" dirty="0"/>
+            <a:endParaRPr lang="nl-BE" sz="1600" dirty="0"/>
+          </a:p>
+          <a:p>
+            <a:r>
+              <a:rPr lang="nl-BE" sz="1600" dirty="0"/>
               <a:t>als er geen ‘nieuwe’ stocks zijn gekocht dan hoef je geen symbol in te vullen</a:t>
             </a:r>
-            <a:endParaRPr lang="en-US" sz="2400" dirty="0"/>
-          </a:p>
-          <a:p>
-            <a:endParaRPr lang="en-US" sz="2400" dirty="0"/>
-          </a:p>
-          <a:p>
-            <a:endParaRPr lang="nl-BE" sz="2200" dirty="0" smtClean="0"/>
+            <a:endParaRPr lang="en-US" sz="1600" dirty="0"/>
+          </a:p>
+          <a:p>
+            <a:endParaRPr lang="en-US" sz="1600" dirty="0"/>
+          </a:p>
+          <a:p>
+            <a:endParaRPr lang="nl-BE" sz="1600" dirty="0" smtClean="0"/>
           </a:p>
         </p:txBody>
       </p:sp>
@@ -7822,11 +7905,7 @@
             </a:r>
             <a:r>
               <a:rPr lang="nl-BE" sz="1600" dirty="0" smtClean="0"/>
-              <a:t> </a:t>
-            </a:r>
-            <a:r>
-              <a:rPr lang="nl-BE" sz="1600" dirty="0" smtClean="0"/>
-              <a:t>expressions are recipes for how to calculate something, shiny will determine when it is required to execute</a:t>
+              <a:t> expressions are recipes for how to calculate something, shiny will determine when it is required to execute</a:t>
             </a:r>
           </a:p>
           <a:p>
@@ -7840,11 +7919,7 @@
             </a:r>
             <a:r>
               <a:rPr lang="nl-BE" sz="1600" dirty="0" smtClean="0"/>
-              <a:t> </a:t>
-            </a:r>
-            <a:r>
-              <a:rPr lang="nl-BE" sz="1600" dirty="0" smtClean="0"/>
-              <a:t>accept reactive input and deliver reactive output</a:t>
+              <a:t> accept reactive input and deliver reactive output</a:t>
             </a:r>
           </a:p>
           <a:p>
@@ -7854,11 +7929,7 @@
             </a:pPr>
             <a:r>
               <a:rPr lang="nl-BE" sz="1600" dirty="0" smtClean="0"/>
-              <a:t>has </a:t>
-            </a:r>
-            <a:r>
-              <a:rPr lang="nl-BE" sz="1600" dirty="0" smtClean="0"/>
-              <a:t>a cached result</a:t>
+              <a:t>has a cached result</a:t>
             </a:r>
           </a:p>
           <a:p>
@@ -7868,11 +7939,7 @@
             </a:pPr>
             <a:r>
               <a:rPr lang="nl-BE" sz="1600" dirty="0" smtClean="0"/>
-              <a:t>make </a:t>
-            </a:r>
-            <a:r>
-              <a:rPr lang="nl-BE" sz="1600" dirty="0" smtClean="0"/>
-              <a:t>maximum use of this feature in shiny</a:t>
+              <a:t>make maximum use of this feature in shiny</a:t>
             </a:r>
             <a:endParaRPr lang="en-US" sz="1600" dirty="0"/>
           </a:p>
@@ -7940,11 +8007,7 @@
             </a:r>
             <a:r>
               <a:rPr lang="nl-BE" sz="1600" dirty="0" smtClean="0"/>
-              <a:t> </a:t>
-            </a:r>
-            <a:r>
-              <a:rPr lang="nl-BE" sz="1600" dirty="0" smtClean="0"/>
-              <a:t>app</a:t>
+              <a:t> app</a:t>
             </a:r>
             <a:endParaRPr lang="en-BE" sz="1600" dirty="0" smtClean="0"/>
           </a:p>
@@ -11580,7 +11643,6 @@
               <a:rPr lang="en-BE" sz="1600" dirty="0" smtClean="0"/>
               <a:t>Run app.R</a:t>
             </a:r>
-            <a:endParaRPr lang="en-BE" sz="1600" dirty="0" smtClean="0"/>
           </a:p>
         </p:txBody>
       </p:sp>
@@ -11673,11 +11735,7 @@
           <a:p>
             <a:r>
               <a:rPr lang="en-BE" sz="1600" dirty="0" smtClean="0"/>
-              <a:t>Auth is</a:t>
-            </a:r>
-            <a:r>
-              <a:rPr lang="en-BE" sz="1600" dirty="0" smtClean="0"/>
-              <a:t> done using shinymanager</a:t>
+              <a:t>Auth is done using shinymanager</a:t>
             </a:r>
           </a:p>
           <a:p>
@@ -12177,7 +12235,6 @@
               <a:rPr lang="en-BE" sz="1600" dirty="0" smtClean="0"/>
               <a:t>transactions: contains user transactions</a:t>
             </a:r>
-            <a:endParaRPr lang="en-BE" sz="1600" dirty="0" smtClean="0"/>
           </a:p>
         </p:txBody>
       </p:sp>

--- a/doc/stock_dashboard_documentation.pptx
+++ b/doc/stock_dashboard_documentation.pptx
@@ -23,15 +23,14 @@
     <p:sldId id="284" r:id="rId17"/>
     <p:sldId id="290" r:id="rId18"/>
     <p:sldId id="260" r:id="rId19"/>
-    <p:sldId id="289" r:id="rId20"/>
-    <p:sldId id="259" r:id="rId21"/>
-    <p:sldId id="272" r:id="rId22"/>
-    <p:sldId id="266" r:id="rId23"/>
-    <p:sldId id="265" r:id="rId24"/>
-    <p:sldId id="288" r:id="rId25"/>
-    <p:sldId id="268" r:id="rId26"/>
-    <p:sldId id="271" r:id="rId27"/>
-    <p:sldId id="274" r:id="rId28"/>
+    <p:sldId id="259" r:id="rId20"/>
+    <p:sldId id="272" r:id="rId21"/>
+    <p:sldId id="266" r:id="rId22"/>
+    <p:sldId id="265" r:id="rId23"/>
+    <p:sldId id="288" r:id="rId24"/>
+    <p:sldId id="268" r:id="rId25"/>
+    <p:sldId id="271" r:id="rId26"/>
+    <p:sldId id="274" r:id="rId27"/>
   </p:sldIdLst>
   <p:sldSz cx="12192000" cy="6858000"/>
   <p:notesSz cx="6858000" cy="9144000"/>
@@ -5657,10 +5656,75 @@
             <a:pPr marL="457200" lvl="1" indent="0">
               <a:buNone/>
             </a:pPr>
+            <a:endParaRPr lang="en-BE" sz="1600" dirty="0"/>
+          </a:p>
+          <a:p>
+            <a:r>
+              <a:rPr lang="en-BE" sz="2000" dirty="0" smtClean="0"/>
+              <a:t>stock splits: very annoying</a:t>
+            </a:r>
+          </a:p>
+          <a:p>
+            <a:pPr lvl="1"/>
+            <a:r>
+              <a:rPr lang="en-BE" sz="1600" dirty="0" smtClean="0"/>
+              <a:t>often no data in the downloads</a:t>
+            </a:r>
+          </a:p>
+          <a:p>
+            <a:pPr lvl="1"/>
             <a:endParaRPr lang="en-BE" sz="1600" dirty="0" smtClean="0"/>
           </a:p>
         </p:txBody>
       </p:sp>
+      <p:pic>
+        <p:nvPicPr>
+          <p:cNvPr id="4" name="Picture 3"/>
+          <p:cNvPicPr>
+            <a:picLocks noChangeAspect="1"/>
+          </p:cNvPicPr>
+          <p:nvPr/>
+        </p:nvPicPr>
+        <p:blipFill>
+          <a:blip r:embed="rId2"/>
+          <a:stretch>
+            <a:fillRect/>
+          </a:stretch>
+        </p:blipFill>
+        <p:spPr>
+          <a:xfrm>
+            <a:off x="4950645" y="2576668"/>
+            <a:ext cx="6248942" cy="1493649"/>
+          </a:xfrm>
+          <a:prstGeom prst="rect">
+            <a:avLst/>
+          </a:prstGeom>
+        </p:spPr>
+      </p:pic>
+      <p:pic>
+        <p:nvPicPr>
+          <p:cNvPr id="5" name="Picture 4"/>
+          <p:cNvPicPr>
+            <a:picLocks noChangeAspect="1"/>
+          </p:cNvPicPr>
+          <p:nvPr/>
+        </p:nvPicPr>
+        <p:blipFill>
+          <a:blip r:embed="rId3"/>
+          <a:stretch>
+            <a:fillRect/>
+          </a:stretch>
+        </p:blipFill>
+        <p:spPr>
+          <a:xfrm>
+            <a:off x="1018385" y="4554977"/>
+            <a:ext cx="10181202" cy="579170"/>
+          </a:xfrm>
+          <a:prstGeom prst="rect">
+            <a:avLst/>
+          </a:prstGeom>
+        </p:spPr>
+      </p:pic>
     </p:spTree>
     <p:extLst>
       <p:ext uri="{BB962C8B-B14F-4D97-AF65-F5344CB8AC3E}">
@@ -6035,9 +6099,161 @@
           <a:chExt cx="0" cy="0"/>
         </a:xfrm>
       </p:grpSpPr>
+      <p:sp>
+        <p:nvSpPr>
+          <p:cNvPr id="2" name="Title 1"/>
+          <p:cNvSpPr>
+            <a:spLocks noGrp="1"/>
+          </p:cNvSpPr>
+          <p:nvPr>
+            <p:ph type="title"/>
+          </p:nvPr>
+        </p:nvSpPr>
+        <p:spPr>
+          <a:xfrm>
+            <a:off x="68525" y="-207198"/>
+            <a:ext cx="10515600" cy="1325563"/>
+          </a:xfrm>
+        </p:spPr>
+        <p:txBody>
+          <a:bodyPr/>
+          <a:lstStyle/>
+          <a:p>
+            <a:r>
+              <a:rPr lang="nl-BE" dirty="0" smtClean="0"/>
+              <a:t>BOLERO import xlsx</a:t>
+            </a:r>
+            <a:endParaRPr lang="en-US" dirty="0"/>
+          </a:p>
+        </p:txBody>
+      </p:sp>
+      <p:sp>
+        <p:nvSpPr>
+          <p:cNvPr id="3" name="Content Placeholder 2"/>
+          <p:cNvSpPr>
+            <a:spLocks noGrp="1"/>
+          </p:cNvSpPr>
+          <p:nvPr>
+            <p:ph idx="1"/>
+          </p:nvPr>
+        </p:nvSpPr>
+        <p:spPr>
+          <a:xfrm>
+            <a:off x="203932" y="1052547"/>
+            <a:ext cx="4837626" cy="5499556"/>
+          </a:xfrm>
+        </p:spPr>
+        <p:txBody>
+          <a:bodyPr>
+            <a:normAutofit/>
+          </a:bodyPr>
+          <a:lstStyle/>
+          <a:p>
+            <a:r>
+              <a:rPr lang="nl-BE" sz="1600" dirty="0"/>
+              <a:t>log in op bolero</a:t>
+            </a:r>
+          </a:p>
+          <a:p>
+            <a:r>
+              <a:rPr lang="nl-BE" sz="1600" dirty="0"/>
+              <a:t>gaar naar portefeuille</a:t>
+            </a:r>
+          </a:p>
+          <a:p>
+            <a:r>
+              <a:rPr lang="nl-BE" sz="1600" dirty="0"/>
+              <a:t>dan naar historiek</a:t>
+            </a:r>
+          </a:p>
+          <a:p>
+            <a:r>
+              <a:rPr lang="nl-BE" sz="1600" dirty="0"/>
+              <a:t>selecteer data en plak het in </a:t>
+            </a:r>
+            <a:r>
+              <a:rPr lang="nl-BE" sz="1600" dirty="0" smtClean="0"/>
+              <a:t>excel (via notepad tussenstap wordt html formatting verwijderd)</a:t>
+            </a:r>
+            <a:endParaRPr lang="nl-BE" sz="1600" dirty="0"/>
+          </a:p>
+          <a:p>
+            <a:endParaRPr lang="nl-BE" sz="1600" dirty="0" smtClean="0"/>
+          </a:p>
+          <a:p>
+            <a:r>
+              <a:rPr lang="nl-BE" sz="1600" dirty="0"/>
+              <a:t>voeg een </a:t>
+            </a:r>
+            <a:r>
+              <a:rPr lang="nl-BE" sz="1600" i="1" dirty="0"/>
+              <a:t>symbol</a:t>
+            </a:r>
+            <a:r>
+              <a:rPr lang="nl-BE" sz="1600" dirty="0"/>
+              <a:t> kolom toe</a:t>
+            </a:r>
+          </a:p>
+          <a:p>
+            <a:r>
+              <a:rPr lang="nl-BE" sz="1600" dirty="0"/>
+              <a:t>vul het </a:t>
+            </a:r>
+            <a:r>
+              <a:rPr lang="nl-BE" sz="1600" dirty="0" smtClean="0"/>
+              <a:t>RIC als symbol in (minstens </a:t>
+            </a:r>
+            <a:r>
+              <a:rPr lang="nl-BE" sz="1600" dirty="0"/>
+              <a:t>1x per nieuwe </a:t>
+            </a:r>
+            <a:r>
+              <a:rPr lang="nl-BE" sz="1600" dirty="0" smtClean="0"/>
+              <a:t>stock)</a:t>
+            </a:r>
+            <a:endParaRPr lang="nl-BE" sz="1600" dirty="0"/>
+          </a:p>
+          <a:p>
+            <a:r>
+              <a:rPr lang="nl-BE" sz="1600" dirty="0"/>
+              <a:t>als er geen ‘nieuwe’ stocks zijn gekocht dan hoef je geen symbol in te vullen</a:t>
+            </a:r>
+            <a:endParaRPr lang="en-US" sz="1600" dirty="0"/>
+          </a:p>
+          <a:p>
+            <a:endParaRPr lang="en-US" sz="1600" dirty="0"/>
+          </a:p>
+          <a:p>
+            <a:r>
+              <a:rPr lang="en-BE" sz="1600" b="1" dirty="0" smtClean="0">
+                <a:solidFill>
+                  <a:srgbClr val="FF0000"/>
+                </a:solidFill>
+              </a:rPr>
+              <a:t>gegokt aantal is soms verkeerd, best af en toe kijken in dashboard-orders-historiek en in dbbrowser de waarden </a:t>
+            </a:r>
+            <a:r>
+              <a:rPr lang="en-BE" sz="1600" b="1" smtClean="0">
+                <a:solidFill>
+                  <a:srgbClr val="FF0000"/>
+                </a:solidFill>
+              </a:rPr>
+              <a:t>juist zetten (todo ontwikkeling: excel van dit dashboard parsen)</a:t>
+            </a:r>
+            <a:endParaRPr lang="en-BE" sz="1600" b="1" dirty="0" smtClean="0">
+              <a:solidFill>
+                <a:srgbClr val="FF0000"/>
+              </a:solidFill>
+            </a:endParaRPr>
+          </a:p>
+          <a:p>
+            <a:endParaRPr lang="nl-BE" sz="1600" dirty="0" smtClean="0"/>
+          </a:p>
+        </p:txBody>
+      </p:sp>
       <p:pic>
         <p:nvPicPr>
-          <p:cNvPr id="4" name="Picture 3"/>
+          <p:cNvPr id="4" name="Content Placeholder 5"/>
           <p:cNvPicPr>
             <a:picLocks noChangeAspect="1"/>
           </p:cNvPicPr>
@@ -6051,8 +6267,8 @@
         </p:blipFill>
         <p:spPr>
           <a:xfrm>
-            <a:off x="2999678" y="2330605"/>
-            <a:ext cx="6690940" cy="3795089"/>
+            <a:off x="5235555" y="213069"/>
+            <a:ext cx="6650373" cy="2956440"/>
           </a:xfrm>
           <a:prstGeom prst="rect">
             <a:avLst/>
@@ -6068,15 +6284,15 @@
           <p:nvPr/>
         </p:nvPicPr>
         <p:blipFill>
-          <a:blip r:embed="rId2"/>
+          <a:blip r:embed="rId3"/>
           <a:stretch>
             <a:fillRect/>
           </a:stretch>
         </p:blipFill>
         <p:spPr>
           <a:xfrm>
-            <a:off x="1460809" y="1594624"/>
-            <a:ext cx="6690940" cy="3795089"/>
+            <a:off x="5283034" y="4063365"/>
+            <a:ext cx="6555414" cy="1720215"/>
           </a:xfrm>
           <a:prstGeom prst="rect">
             <a:avLst/>
@@ -6086,7 +6302,7 @@
     </p:spTree>
     <p:extLst>
       <p:ext uri="{BB962C8B-B14F-4D97-AF65-F5344CB8AC3E}">
-        <p14:creationId xmlns:p14="http://schemas.microsoft.com/office/powerpoint/2010/main" val="1632147480"/>
+        <p14:creationId xmlns:p14="http://schemas.microsoft.com/office/powerpoint/2010/main" val="8355119"/>
       </p:ext>
     </p:extLst>
   </p:cSld>
@@ -6212,220 +6428,6 @@
 <file path=ppt/slides/slide20.xml><?xml version="1.0" encoding="utf-8"?>
 <p:sld xmlns:a="http://schemas.openxmlformats.org/drawingml/2006/main" xmlns:r="http://schemas.openxmlformats.org/officeDocument/2006/relationships" xmlns:p="http://schemas.openxmlformats.org/presentationml/2006/main">
   <p:cSld>
-    <p:spTree>
-      <p:nvGrpSpPr>
-        <p:cNvPr id="1" name=""/>
-        <p:cNvGrpSpPr/>
-        <p:nvPr/>
-      </p:nvGrpSpPr>
-      <p:grpSpPr>
-        <a:xfrm>
-          <a:off x="0" y="0"/>
-          <a:ext cx="0" cy="0"/>
-          <a:chOff x="0" y="0"/>
-          <a:chExt cx="0" cy="0"/>
-        </a:xfrm>
-      </p:grpSpPr>
-      <p:sp>
-        <p:nvSpPr>
-          <p:cNvPr id="2" name="Title 1"/>
-          <p:cNvSpPr>
-            <a:spLocks noGrp="1"/>
-          </p:cNvSpPr>
-          <p:nvPr>
-            <p:ph type="title"/>
-          </p:nvPr>
-        </p:nvSpPr>
-        <p:spPr>
-          <a:xfrm>
-            <a:off x="68525" y="-207198"/>
-            <a:ext cx="10515600" cy="1325563"/>
-          </a:xfrm>
-        </p:spPr>
-        <p:txBody>
-          <a:bodyPr/>
-          <a:lstStyle/>
-          <a:p>
-            <a:r>
-              <a:rPr lang="nl-BE" dirty="0" smtClean="0"/>
-              <a:t>BOLERO import xlsx</a:t>
-            </a:r>
-            <a:endParaRPr lang="en-US" dirty="0"/>
-          </a:p>
-        </p:txBody>
-      </p:sp>
-      <p:sp>
-        <p:nvSpPr>
-          <p:cNvPr id="3" name="Content Placeholder 2"/>
-          <p:cNvSpPr>
-            <a:spLocks noGrp="1"/>
-          </p:cNvSpPr>
-          <p:nvPr>
-            <p:ph idx="1"/>
-          </p:nvPr>
-        </p:nvSpPr>
-        <p:spPr>
-          <a:xfrm>
-            <a:off x="203932" y="1052547"/>
-            <a:ext cx="4837626" cy="5499556"/>
-          </a:xfrm>
-        </p:spPr>
-        <p:txBody>
-          <a:bodyPr>
-            <a:normAutofit/>
-          </a:bodyPr>
-          <a:lstStyle/>
-          <a:p>
-            <a:r>
-              <a:rPr lang="nl-BE" sz="1600" dirty="0"/>
-              <a:t>log in op bolero</a:t>
-            </a:r>
-          </a:p>
-          <a:p>
-            <a:r>
-              <a:rPr lang="nl-BE" sz="1600" dirty="0"/>
-              <a:t>gaar naar portefeuille</a:t>
-            </a:r>
-          </a:p>
-          <a:p>
-            <a:r>
-              <a:rPr lang="nl-BE" sz="1600" dirty="0"/>
-              <a:t>dan naar historiek</a:t>
-            </a:r>
-          </a:p>
-          <a:p>
-            <a:r>
-              <a:rPr lang="nl-BE" sz="1600" dirty="0"/>
-              <a:t>selecteer data en plak het in </a:t>
-            </a:r>
-            <a:r>
-              <a:rPr lang="nl-BE" sz="1600" dirty="0" smtClean="0"/>
-              <a:t>excel (via notepad tussenstap wordt html formatting verwijderd)</a:t>
-            </a:r>
-            <a:endParaRPr lang="nl-BE" sz="1600" dirty="0"/>
-          </a:p>
-          <a:p>
-            <a:endParaRPr lang="nl-BE" sz="1600" dirty="0" smtClean="0"/>
-          </a:p>
-          <a:p>
-            <a:r>
-              <a:rPr lang="nl-BE" sz="1600" dirty="0"/>
-              <a:t>voeg een </a:t>
-            </a:r>
-            <a:r>
-              <a:rPr lang="nl-BE" sz="1600" i="1" dirty="0"/>
-              <a:t>symbol</a:t>
-            </a:r>
-            <a:r>
-              <a:rPr lang="nl-BE" sz="1600" dirty="0"/>
-              <a:t> kolom toe</a:t>
-            </a:r>
-          </a:p>
-          <a:p>
-            <a:r>
-              <a:rPr lang="nl-BE" sz="1600" dirty="0"/>
-              <a:t>vul het </a:t>
-            </a:r>
-            <a:r>
-              <a:rPr lang="nl-BE" sz="1600" dirty="0" smtClean="0"/>
-              <a:t>RIC als symbol in (minstens </a:t>
-            </a:r>
-            <a:r>
-              <a:rPr lang="nl-BE" sz="1600" dirty="0"/>
-              <a:t>1x per nieuwe </a:t>
-            </a:r>
-            <a:r>
-              <a:rPr lang="nl-BE" sz="1600" dirty="0" smtClean="0"/>
-              <a:t>stock)</a:t>
-            </a:r>
-            <a:endParaRPr lang="nl-BE" sz="1600" dirty="0"/>
-          </a:p>
-          <a:p>
-            <a:r>
-              <a:rPr lang="nl-BE" sz="1600" dirty="0"/>
-              <a:t>als er geen ‘nieuwe’ stocks zijn gekocht dan hoef je geen symbol in te vullen</a:t>
-            </a:r>
-            <a:endParaRPr lang="en-US" sz="1600" dirty="0"/>
-          </a:p>
-          <a:p>
-            <a:endParaRPr lang="en-US" sz="1600" dirty="0"/>
-          </a:p>
-          <a:p>
-            <a:endParaRPr lang="nl-BE" sz="1600" dirty="0" smtClean="0"/>
-          </a:p>
-        </p:txBody>
-      </p:sp>
-      <p:pic>
-        <p:nvPicPr>
-          <p:cNvPr id="4" name="Content Placeholder 5"/>
-          <p:cNvPicPr>
-            <a:picLocks noChangeAspect="1"/>
-          </p:cNvPicPr>
-          <p:nvPr/>
-        </p:nvPicPr>
-        <p:blipFill>
-          <a:blip r:embed="rId2"/>
-          <a:stretch>
-            <a:fillRect/>
-          </a:stretch>
-        </p:blipFill>
-        <p:spPr>
-          <a:xfrm>
-            <a:off x="5235555" y="213069"/>
-            <a:ext cx="6650373" cy="2956440"/>
-          </a:xfrm>
-          <a:prstGeom prst="rect">
-            <a:avLst/>
-          </a:prstGeom>
-        </p:spPr>
-      </p:pic>
-      <p:pic>
-        <p:nvPicPr>
-          <p:cNvPr id="5" name="Picture 4"/>
-          <p:cNvPicPr>
-            <a:picLocks noChangeAspect="1"/>
-          </p:cNvPicPr>
-          <p:nvPr/>
-        </p:nvPicPr>
-        <p:blipFill>
-          <a:blip r:embed="rId3"/>
-          <a:stretch>
-            <a:fillRect/>
-          </a:stretch>
-        </p:blipFill>
-        <p:spPr>
-          <a:xfrm>
-            <a:off x="5283034" y="4063365"/>
-            <a:ext cx="6555414" cy="1720215"/>
-          </a:xfrm>
-          <a:prstGeom prst="rect">
-            <a:avLst/>
-          </a:prstGeom>
-        </p:spPr>
-      </p:pic>
-    </p:spTree>
-    <p:extLst>
-      <p:ext uri="{BB962C8B-B14F-4D97-AF65-F5344CB8AC3E}">
-        <p14:creationId xmlns:p14="http://schemas.microsoft.com/office/powerpoint/2010/main" val="8355119"/>
-      </p:ext>
-    </p:extLst>
-  </p:cSld>
-  <p:clrMapOvr>
-    <a:masterClrMapping/>
-  </p:clrMapOvr>
-  <p:timing>
-    <p:tnLst>
-      <p:par>
-        <p:cTn id="1" dur="indefinite" restart="never" nodeType="tmRoot"/>
-      </p:par>
-    </p:tnLst>
-  </p:timing>
-</p:sld>
-</file>
-
-<file path=ppt/slides/slide21.xml><?xml version="1.0" encoding="utf-8"?>
-<p:sld xmlns:a="http://schemas.openxmlformats.org/drawingml/2006/main" xmlns:r="http://schemas.openxmlformats.org/officeDocument/2006/relationships" xmlns:p="http://schemas.openxmlformats.org/presentationml/2006/main">
-  <p:cSld>
     <p:bg>
       <p:bgPr>
         <a:solidFill>
@@ -6497,6 +6499,191 @@
     <p:extLst>
       <p:ext uri="{BB962C8B-B14F-4D97-AF65-F5344CB8AC3E}">
         <p14:creationId xmlns:p14="http://schemas.microsoft.com/office/powerpoint/2010/main" val="1106892015"/>
+      </p:ext>
+    </p:extLst>
+  </p:cSld>
+  <p:clrMapOvr>
+    <a:masterClrMapping/>
+  </p:clrMapOvr>
+  <p:timing>
+    <p:tnLst>
+      <p:par>
+        <p:cTn id="1" dur="indefinite" restart="never" nodeType="tmRoot"/>
+      </p:par>
+    </p:tnLst>
+  </p:timing>
+</p:sld>
+</file>
+
+<file path=ppt/slides/slide21.xml><?xml version="1.0" encoding="utf-8"?>
+<p:sld xmlns:a="http://schemas.openxmlformats.org/drawingml/2006/main" xmlns:r="http://schemas.openxmlformats.org/officeDocument/2006/relationships" xmlns:p="http://schemas.openxmlformats.org/presentationml/2006/main">
+  <p:cSld>
+    <p:spTree>
+      <p:nvGrpSpPr>
+        <p:cNvPr id="1" name=""/>
+        <p:cNvGrpSpPr/>
+        <p:nvPr/>
+      </p:nvGrpSpPr>
+      <p:grpSpPr>
+        <a:xfrm>
+          <a:off x="0" y="0"/>
+          <a:ext cx="0" cy="0"/>
+          <a:chOff x="0" y="0"/>
+          <a:chExt cx="0" cy="0"/>
+        </a:xfrm>
+      </p:grpSpPr>
+      <p:sp>
+        <p:nvSpPr>
+          <p:cNvPr id="2" name="Title 1"/>
+          <p:cNvSpPr>
+            <a:spLocks noGrp="1"/>
+          </p:cNvSpPr>
+          <p:nvPr>
+            <p:ph type="title"/>
+          </p:nvPr>
+        </p:nvSpPr>
+        <p:spPr>
+          <a:xfrm>
+            <a:off x="109151" y="-203286"/>
+            <a:ext cx="10515600" cy="1325563"/>
+          </a:xfrm>
+        </p:spPr>
+        <p:txBody>
+          <a:bodyPr/>
+          <a:lstStyle/>
+          <a:p>
+            <a:r>
+              <a:rPr lang="nl-BE" dirty="0" smtClean="0"/>
+              <a:t>reactive values</a:t>
+            </a:r>
+            <a:endParaRPr lang="en-US" dirty="0"/>
+          </a:p>
+        </p:txBody>
+      </p:sp>
+      <p:sp>
+        <p:nvSpPr>
+          <p:cNvPr id="10" name="Content Placeholder 2"/>
+          <p:cNvSpPr>
+            <a:spLocks noGrp="1"/>
+          </p:cNvSpPr>
+          <p:nvPr>
+            <p:ph idx="1"/>
+          </p:nvPr>
+        </p:nvSpPr>
+        <p:spPr>
+          <a:xfrm>
+            <a:off x="203931" y="1052547"/>
+            <a:ext cx="11368171" cy="5499556"/>
+          </a:xfrm>
+        </p:spPr>
+        <p:txBody>
+          <a:bodyPr>
+            <a:normAutofit/>
+          </a:bodyPr>
+          <a:lstStyle/>
+          <a:p>
+            <a:r>
+              <a:rPr lang="nl-BE" sz="1600" dirty="0" smtClean="0"/>
+              <a:t>rv$focus_stock</a:t>
+            </a:r>
+          </a:p>
+          <a:p>
+            <a:pPr lvl="1"/>
+            <a:r>
+              <a:rPr lang="nl-BE" sz="1600" dirty="0" smtClean="0"/>
+              <a:t>guarantees continuity between pages when selecting 1 stock</a:t>
+            </a:r>
+          </a:p>
+          <a:p>
+            <a:pPr lvl="1"/>
+            <a:r>
+              <a:rPr lang="nl-BE" sz="1600" dirty="0" smtClean="0"/>
+              <a:t>first lines sets the rv so that other selectinputs may update</a:t>
+            </a:r>
+          </a:p>
+          <a:p>
+            <a:pPr lvl="1"/>
+            <a:r>
+              <a:rPr lang="nl-BE" sz="1600" dirty="0" smtClean="0"/>
+              <a:t>second line updates this selectinput if somewhere else the rv was modified</a:t>
+            </a:r>
+          </a:p>
+          <a:p>
+            <a:endParaRPr lang="en-BE" sz="1600" dirty="0" smtClean="0"/>
+          </a:p>
+          <a:p>
+            <a:endParaRPr lang="nl-BE" sz="1600" dirty="0"/>
+          </a:p>
+          <a:p>
+            <a:endParaRPr lang="nl-BE" sz="1600" dirty="0" smtClean="0"/>
+          </a:p>
+          <a:p>
+            <a:r>
+              <a:rPr lang="nl-BE" sz="1600" dirty="0" smtClean="0"/>
+              <a:t>rv$msgs</a:t>
+            </a:r>
+          </a:p>
+          <a:p>
+            <a:pPr lvl="1"/>
+            <a:r>
+              <a:rPr lang="nl-BE" sz="1600" dirty="0" smtClean="0"/>
+              <a:t>contains messages shown in notification corner as well as notification menu</a:t>
+            </a:r>
+          </a:p>
+        </p:txBody>
+      </p:sp>
+      <p:pic>
+        <p:nvPicPr>
+          <p:cNvPr id="3" name="Picture 2"/>
+          <p:cNvPicPr>
+            <a:picLocks noChangeAspect="1"/>
+          </p:cNvPicPr>
+          <p:nvPr/>
+        </p:nvPicPr>
+        <p:blipFill>
+          <a:blip r:embed="rId2"/>
+          <a:stretch>
+            <a:fillRect/>
+          </a:stretch>
+        </p:blipFill>
+        <p:spPr>
+          <a:xfrm>
+            <a:off x="935562" y="2337451"/>
+            <a:ext cx="9324975" cy="323850"/>
+          </a:xfrm>
+          <a:prstGeom prst="rect">
+            <a:avLst/>
+          </a:prstGeom>
+        </p:spPr>
+      </p:pic>
+      <p:pic>
+        <p:nvPicPr>
+          <p:cNvPr id="5" name="Picture 4"/>
+          <p:cNvPicPr>
+            <a:picLocks noChangeAspect="1"/>
+          </p:cNvPicPr>
+          <p:nvPr/>
+        </p:nvPicPr>
+        <p:blipFill>
+          <a:blip r:embed="rId3"/>
+          <a:stretch>
+            <a:fillRect/>
+          </a:stretch>
+        </p:blipFill>
+        <p:spPr>
+          <a:xfrm>
+            <a:off x="2082805" y="3978613"/>
+            <a:ext cx="7892708" cy="2789889"/>
+          </a:xfrm>
+          <a:prstGeom prst="rect">
+            <a:avLst/>
+          </a:prstGeom>
+        </p:spPr>
+      </p:pic>
+    </p:spTree>
+    <p:extLst>
+      <p:ext uri="{BB962C8B-B14F-4D97-AF65-F5344CB8AC3E}">
+        <p14:creationId xmlns:p14="http://schemas.microsoft.com/office/powerpoint/2010/main" val="994119531"/>
       </p:ext>
     </p:extLst>
   </p:cSld>
@@ -6542,7 +6729,7 @@
         </p:nvSpPr>
         <p:spPr>
           <a:xfrm>
-            <a:off x="109151" y="-203286"/>
+            <a:off x="0" y="-227730"/>
             <a:ext cx="10515600" cy="1325563"/>
           </a:xfrm>
         </p:spPr>
@@ -6552,7 +6739,7 @@
           <a:p>
             <a:r>
               <a:rPr lang="nl-BE" dirty="0" smtClean="0"/>
-              <a:t>reactive values</a:t>
+              <a:t>reactives</a:t>
             </a:r>
             <a:endParaRPr lang="en-US" dirty="0"/>
           </a:p>
@@ -6560,128 +6747,1289 @@
       </p:sp>
       <p:sp>
         <p:nvSpPr>
-          <p:cNvPr id="10" name="Content Placeholder 2"/>
-          <p:cNvSpPr>
-            <a:spLocks noGrp="1"/>
-          </p:cNvSpPr>
-          <p:nvPr>
-            <p:ph idx="1"/>
-          </p:nvPr>
-        </p:nvSpPr>
-        <p:spPr>
-          <a:xfrm>
-            <a:off x="203931" y="1052547"/>
-            <a:ext cx="11368171" cy="5499556"/>
-          </a:xfrm>
-        </p:spPr>
-        <p:txBody>
-          <a:bodyPr>
-            <a:normAutofit/>
+          <p:cNvPr id="4" name="Flowchart: Magnetic Disk 3"/>
+          <p:cNvSpPr/>
+          <p:nvPr/>
+        </p:nvSpPr>
+        <p:spPr>
+          <a:xfrm>
+            <a:off x="988539" y="1890584"/>
+            <a:ext cx="840259" cy="729048"/>
+          </a:xfrm>
+          <a:prstGeom prst="flowChartMagneticDisk">
+            <a:avLst/>
+          </a:prstGeom>
+        </p:spPr>
+        <p:style>
+          <a:lnRef idx="2">
+            <a:schemeClr val="accent5">
+              <a:shade val="50000"/>
+            </a:schemeClr>
+          </a:lnRef>
+          <a:fillRef idx="1">
+            <a:schemeClr val="accent5"/>
+          </a:fillRef>
+          <a:effectRef idx="0">
+            <a:schemeClr val="accent5"/>
+          </a:effectRef>
+          <a:fontRef idx="minor">
+            <a:schemeClr val="lt1"/>
+          </a:fontRef>
+        </p:style>
+        <p:txBody>
+          <a:bodyPr rtlCol="0" anchor="ctr"/>
+          <a:lstStyle/>
+          <a:p>
+            <a:pPr algn="ctr"/>
+            <a:r>
+              <a:rPr lang="nl-BE" sz="900" dirty="0" smtClean="0"/>
+              <a:t>transactions</a:t>
+            </a:r>
+            <a:endParaRPr lang="en-US" sz="900" dirty="0"/>
+          </a:p>
+        </p:txBody>
+      </p:sp>
+      <p:sp>
+        <p:nvSpPr>
+          <p:cNvPr id="5" name="Flowchart: Magnetic Disk 4"/>
+          <p:cNvSpPr/>
+          <p:nvPr/>
+        </p:nvSpPr>
+        <p:spPr>
+          <a:xfrm>
+            <a:off x="988540" y="3095369"/>
+            <a:ext cx="840259" cy="729048"/>
+          </a:xfrm>
+          <a:prstGeom prst="flowChartMagneticDisk">
+            <a:avLst/>
+          </a:prstGeom>
+        </p:spPr>
+        <p:style>
+          <a:lnRef idx="2">
+            <a:schemeClr val="accent5">
+              <a:shade val="50000"/>
+            </a:schemeClr>
+          </a:lnRef>
+          <a:fillRef idx="1">
+            <a:schemeClr val="accent5"/>
+          </a:fillRef>
+          <a:effectRef idx="0">
+            <a:schemeClr val="accent5"/>
+          </a:effectRef>
+          <a:fontRef idx="minor">
+            <a:schemeClr val="lt1"/>
+          </a:fontRef>
+        </p:style>
+        <p:txBody>
+          <a:bodyPr rtlCol="0" anchor="ctr"/>
+          <a:lstStyle/>
+          <a:p>
+            <a:pPr algn="ctr"/>
+            <a:r>
+              <a:rPr lang="nl-BE" sz="900" dirty="0" smtClean="0"/>
+              <a:t>stock_ohlc</a:t>
+            </a:r>
+            <a:endParaRPr lang="en-US" sz="900" dirty="0"/>
+          </a:p>
+        </p:txBody>
+      </p:sp>
+      <p:sp>
+        <p:nvSpPr>
+          <p:cNvPr id="6" name="Flowchart: Magnetic Disk 5"/>
+          <p:cNvSpPr/>
+          <p:nvPr/>
+        </p:nvSpPr>
+        <p:spPr>
+          <a:xfrm>
+            <a:off x="988539" y="4436077"/>
+            <a:ext cx="840259" cy="729048"/>
+          </a:xfrm>
+          <a:prstGeom prst="flowChartMagneticDisk">
+            <a:avLst/>
+          </a:prstGeom>
+        </p:spPr>
+        <p:style>
+          <a:lnRef idx="2">
+            <a:schemeClr val="accent5">
+              <a:shade val="50000"/>
+            </a:schemeClr>
+          </a:lnRef>
+          <a:fillRef idx="1">
+            <a:schemeClr val="accent5"/>
+          </a:fillRef>
+          <a:effectRef idx="0">
+            <a:schemeClr val="accent5"/>
+          </a:effectRef>
+          <a:fontRef idx="minor">
+            <a:schemeClr val="lt1"/>
+          </a:fontRef>
+        </p:style>
+        <p:txBody>
+          <a:bodyPr rtlCol="0" anchor="ctr"/>
+          <a:lstStyle/>
+          <a:p>
+            <a:pPr algn="ctr"/>
+            <a:r>
+              <a:rPr lang="nl-BE" sz="900" dirty="0" smtClean="0"/>
+              <a:t>fx_rates</a:t>
+            </a:r>
+            <a:endParaRPr lang="en-US" sz="900" dirty="0"/>
+          </a:p>
+        </p:txBody>
+      </p:sp>
+      <p:sp>
+        <p:nvSpPr>
+          <p:cNvPr id="7" name="Chevron 6"/>
+          <p:cNvSpPr/>
+          <p:nvPr/>
+        </p:nvSpPr>
+        <p:spPr>
+          <a:xfrm>
+            <a:off x="2940910" y="1927654"/>
+            <a:ext cx="1402492" cy="654909"/>
+          </a:xfrm>
+          <a:prstGeom prst="chevron">
+            <a:avLst/>
+          </a:prstGeom>
+        </p:spPr>
+        <p:style>
+          <a:lnRef idx="2">
+            <a:schemeClr val="accent1">
+              <a:shade val="50000"/>
+            </a:schemeClr>
+          </a:lnRef>
+          <a:fillRef idx="1">
+            <a:schemeClr val="accent1"/>
+          </a:fillRef>
+          <a:effectRef idx="0">
+            <a:schemeClr val="accent1"/>
+          </a:effectRef>
+          <a:fontRef idx="minor">
+            <a:schemeClr val="lt1"/>
+          </a:fontRef>
+        </p:style>
+        <p:txBody>
+          <a:bodyPr rtlCol="0" anchor="ctr"/>
+          <a:lstStyle/>
+          <a:p>
+            <a:pPr algn="ctr"/>
+            <a:r>
+              <a:rPr lang="nl-BE" sz="900" dirty="0"/>
+              <a:t>tr()</a:t>
+            </a:r>
+            <a:endParaRPr lang="en-US" sz="900" dirty="0"/>
+          </a:p>
+        </p:txBody>
+      </p:sp>
+      <p:sp>
+        <p:nvSpPr>
+          <p:cNvPr id="8" name="Chevron 7"/>
+          <p:cNvSpPr/>
+          <p:nvPr/>
+        </p:nvSpPr>
+        <p:spPr>
+          <a:xfrm>
+            <a:off x="2940910" y="3132438"/>
+            <a:ext cx="1402492" cy="654909"/>
+          </a:xfrm>
+          <a:prstGeom prst="chevron">
+            <a:avLst/>
+          </a:prstGeom>
+        </p:spPr>
+        <p:style>
+          <a:lnRef idx="2">
+            <a:schemeClr val="accent1">
+              <a:shade val="50000"/>
+            </a:schemeClr>
+          </a:lnRef>
+          <a:fillRef idx="1">
+            <a:schemeClr val="accent1"/>
+          </a:fillRef>
+          <a:effectRef idx="0">
+            <a:schemeClr val="accent1"/>
+          </a:effectRef>
+          <a:fontRef idx="minor">
+            <a:schemeClr val="lt1"/>
+          </a:fontRef>
+        </p:style>
+        <p:txBody>
+          <a:bodyPr rtlCol="0" anchor="ctr"/>
+          <a:lstStyle/>
+          <a:p>
+            <a:pPr algn="ctr"/>
+            <a:r>
+              <a:rPr lang="nl-BE" sz="900" dirty="0" smtClean="0"/>
+              <a:t>ohlc()</a:t>
+            </a:r>
+            <a:endParaRPr lang="en-US" sz="900" dirty="0"/>
+          </a:p>
+        </p:txBody>
+      </p:sp>
+      <p:sp>
+        <p:nvSpPr>
+          <p:cNvPr id="9" name="Chevron 8"/>
+          <p:cNvSpPr/>
+          <p:nvPr/>
+        </p:nvSpPr>
+        <p:spPr>
+          <a:xfrm>
+            <a:off x="2940910" y="4473146"/>
+            <a:ext cx="1402492" cy="654909"/>
+          </a:xfrm>
+          <a:prstGeom prst="chevron">
+            <a:avLst/>
+          </a:prstGeom>
+        </p:spPr>
+        <p:style>
+          <a:lnRef idx="2">
+            <a:schemeClr val="accent1">
+              <a:shade val="50000"/>
+            </a:schemeClr>
+          </a:lnRef>
+          <a:fillRef idx="1">
+            <a:schemeClr val="accent1"/>
+          </a:fillRef>
+          <a:effectRef idx="0">
+            <a:schemeClr val="accent1"/>
+          </a:effectRef>
+          <a:fontRef idx="minor">
+            <a:schemeClr val="lt1"/>
+          </a:fontRef>
+        </p:style>
+        <p:txBody>
+          <a:bodyPr rtlCol="0" anchor="ctr"/>
+          <a:lstStyle/>
+          <a:p>
+            <a:pPr algn="ctr"/>
+            <a:r>
+              <a:rPr lang="nl-BE" sz="900" dirty="0" smtClean="0"/>
+              <a:t>fx()</a:t>
+            </a:r>
+            <a:endParaRPr lang="en-US" sz="900" dirty="0"/>
+          </a:p>
+        </p:txBody>
+      </p:sp>
+      <p:sp>
+        <p:nvSpPr>
+          <p:cNvPr id="10" name="Chevron 9"/>
+          <p:cNvSpPr/>
+          <p:nvPr/>
+        </p:nvSpPr>
+        <p:spPr>
+          <a:xfrm>
+            <a:off x="4744997" y="1927654"/>
+            <a:ext cx="1402492" cy="654909"/>
+          </a:xfrm>
+          <a:prstGeom prst="chevron">
+            <a:avLst/>
+          </a:prstGeom>
+        </p:spPr>
+        <p:style>
+          <a:lnRef idx="2">
+            <a:schemeClr val="accent1">
+              <a:shade val="50000"/>
+            </a:schemeClr>
+          </a:lnRef>
+          <a:fillRef idx="1">
+            <a:schemeClr val="accent1"/>
+          </a:fillRef>
+          <a:effectRef idx="0">
+            <a:schemeClr val="accent1"/>
+          </a:effectRef>
+          <a:fontRef idx="minor">
+            <a:schemeClr val="lt1"/>
+          </a:fontRef>
+        </p:style>
+        <p:txBody>
+          <a:bodyPr rtlCol="0" anchor="ctr"/>
+          <a:lstStyle/>
+          <a:p>
+            <a:pPr algn="ctr"/>
+            <a:r>
+              <a:rPr lang="nl-BE" sz="900" dirty="0" smtClean="0"/>
+              <a:t>tr_ext()</a:t>
+            </a:r>
+            <a:endParaRPr lang="en-US" sz="900" dirty="0"/>
+          </a:p>
+        </p:txBody>
+      </p:sp>
+      <p:sp>
+        <p:nvSpPr>
+          <p:cNvPr id="11" name="Chevron 10"/>
+          <p:cNvSpPr/>
+          <p:nvPr/>
+        </p:nvSpPr>
+        <p:spPr>
+          <a:xfrm>
+            <a:off x="6305038" y="774840"/>
+            <a:ext cx="1560040" cy="654909"/>
+          </a:xfrm>
+          <a:prstGeom prst="chevron">
+            <a:avLst/>
+          </a:prstGeom>
+        </p:spPr>
+        <p:style>
+          <a:lnRef idx="2">
+            <a:schemeClr val="accent1">
+              <a:shade val="50000"/>
+            </a:schemeClr>
+          </a:lnRef>
+          <a:fillRef idx="1">
+            <a:schemeClr val="accent1"/>
+          </a:fillRef>
+          <a:effectRef idx="0">
+            <a:schemeClr val="accent1"/>
+          </a:effectRef>
+          <a:fontRef idx="minor">
+            <a:schemeClr val="lt1"/>
+          </a:fontRef>
+        </p:style>
+        <p:txBody>
+          <a:bodyPr rtlCol="0" anchor="ctr"/>
+          <a:lstStyle/>
+          <a:p>
+            <a:pPr algn="ctr"/>
+            <a:r>
+              <a:rPr lang="nl-BE" sz="900" dirty="0"/>
+              <a:t>cash_b_evol()</a:t>
+            </a:r>
+            <a:endParaRPr lang="en-US" sz="900" dirty="0"/>
+          </a:p>
+        </p:txBody>
+      </p:sp>
+      <p:sp>
+        <p:nvSpPr>
+          <p:cNvPr id="12" name="Chevron 11"/>
+          <p:cNvSpPr/>
+          <p:nvPr/>
+        </p:nvSpPr>
+        <p:spPr>
+          <a:xfrm>
+            <a:off x="6462585" y="2686500"/>
+            <a:ext cx="1520829" cy="654909"/>
+          </a:xfrm>
+          <a:prstGeom prst="chevron">
+            <a:avLst/>
+          </a:prstGeom>
+        </p:spPr>
+        <p:style>
+          <a:lnRef idx="2">
+            <a:schemeClr val="accent1">
+              <a:shade val="50000"/>
+            </a:schemeClr>
+          </a:lnRef>
+          <a:fillRef idx="1">
+            <a:schemeClr val="accent1"/>
+          </a:fillRef>
+          <a:effectRef idx="0">
+            <a:schemeClr val="accent1"/>
+          </a:effectRef>
+          <a:fontRef idx="minor">
+            <a:schemeClr val="lt1"/>
+          </a:fontRef>
+        </p:style>
+        <p:txBody>
+          <a:bodyPr rtlCol="0" anchor="ctr"/>
+          <a:lstStyle/>
+          <a:p>
+            <a:pPr algn="ctr"/>
+            <a:r>
+              <a:rPr lang="nl-BE" sz="900" dirty="0"/>
+              <a:t>pos_sb_evol()</a:t>
+            </a:r>
+            <a:endParaRPr lang="en-US" sz="900" dirty="0"/>
+          </a:p>
+        </p:txBody>
+      </p:sp>
+      <p:sp>
+        <p:nvSpPr>
+          <p:cNvPr id="13" name="Chevron 12"/>
+          <p:cNvSpPr/>
+          <p:nvPr/>
+        </p:nvSpPr>
+        <p:spPr>
+          <a:xfrm>
+            <a:off x="8841262" y="2686499"/>
+            <a:ext cx="1402492" cy="654909"/>
+          </a:xfrm>
+          <a:prstGeom prst="chevron">
+            <a:avLst/>
+          </a:prstGeom>
+        </p:spPr>
+        <p:style>
+          <a:lnRef idx="2">
+            <a:schemeClr val="accent1">
+              <a:shade val="50000"/>
+            </a:schemeClr>
+          </a:lnRef>
+          <a:fillRef idx="1">
+            <a:schemeClr val="accent1"/>
+          </a:fillRef>
+          <a:effectRef idx="0">
+            <a:schemeClr val="accent1"/>
+          </a:effectRef>
+          <a:fontRef idx="minor">
+            <a:schemeClr val="lt1"/>
+          </a:fontRef>
+        </p:style>
+        <p:txBody>
+          <a:bodyPr rtlCol="0" anchor="ctr"/>
+          <a:lstStyle/>
+          <a:p>
+            <a:pPr algn="ctr"/>
+            <a:r>
+              <a:rPr lang="nl-BE" sz="900" dirty="0"/>
+              <a:t>pos_sb()</a:t>
+            </a:r>
+            <a:endParaRPr lang="en-US" sz="900" dirty="0"/>
+          </a:p>
+        </p:txBody>
+      </p:sp>
+      <p:cxnSp>
+        <p:nvCxnSpPr>
+          <p:cNvPr id="15" name="Straight Arrow Connector 14"/>
+          <p:cNvCxnSpPr>
+            <a:stCxn id="4" idx="4"/>
+            <a:endCxn id="7" idx="1"/>
+          </p:cNvCxnSpPr>
+          <p:nvPr/>
+        </p:nvCxnSpPr>
+        <p:spPr>
+          <a:xfrm>
+            <a:off x="1828798" y="2255108"/>
+            <a:ext cx="1439567" cy="1"/>
+          </a:xfrm>
+          <a:prstGeom prst="straightConnector1">
+            <a:avLst/>
+          </a:prstGeom>
+          <a:ln>
+            <a:tailEnd type="triangle"/>
+          </a:ln>
+        </p:spPr>
+        <p:style>
+          <a:lnRef idx="1">
+            <a:schemeClr val="dk1"/>
+          </a:lnRef>
+          <a:fillRef idx="0">
+            <a:schemeClr val="dk1"/>
+          </a:fillRef>
+          <a:effectRef idx="0">
+            <a:schemeClr val="dk1"/>
+          </a:effectRef>
+          <a:fontRef idx="minor">
+            <a:schemeClr val="tx1"/>
+          </a:fontRef>
+        </p:style>
+      </p:cxnSp>
+      <p:sp>
+        <p:nvSpPr>
+          <p:cNvPr id="17" name="TextBox 16"/>
+          <p:cNvSpPr txBox="1"/>
+          <p:nvPr/>
+        </p:nvSpPr>
+        <p:spPr>
+          <a:xfrm>
+            <a:off x="1831893" y="2021673"/>
+            <a:ext cx="704332" cy="230832"/>
+          </a:xfrm>
+          <a:prstGeom prst="rect">
+            <a:avLst/>
+          </a:prstGeom>
+          <a:noFill/>
+        </p:spPr>
+        <p:txBody>
+          <a:bodyPr wrap="square" rtlCol="0">
+            <a:spAutoFit/>
           </a:bodyPr>
           <a:lstStyle/>
           <a:p>
             <a:r>
+              <a:rPr lang="nl-BE" sz="900" dirty="0" smtClean="0"/>
+              <a:t>polling</a:t>
+            </a:r>
+            <a:endParaRPr lang="en-US" sz="900" dirty="0"/>
+          </a:p>
+        </p:txBody>
+      </p:sp>
+      <p:sp>
+        <p:nvSpPr>
+          <p:cNvPr id="18" name="Flowchart: Magnetic Disk 17"/>
+          <p:cNvSpPr/>
+          <p:nvPr/>
+        </p:nvSpPr>
+        <p:spPr>
+          <a:xfrm>
+            <a:off x="988539" y="5776785"/>
+            <a:ext cx="840259" cy="729048"/>
+          </a:xfrm>
+          <a:prstGeom prst="flowChartMagneticDisk">
+            <a:avLst/>
+          </a:prstGeom>
+        </p:spPr>
+        <p:style>
+          <a:lnRef idx="2">
+            <a:schemeClr val="accent5">
+              <a:shade val="50000"/>
+            </a:schemeClr>
+          </a:lnRef>
+          <a:fillRef idx="1">
+            <a:schemeClr val="accent5"/>
+          </a:fillRef>
+          <a:effectRef idx="0">
+            <a:schemeClr val="accent5"/>
+          </a:effectRef>
+          <a:fontRef idx="minor">
+            <a:schemeClr val="lt1"/>
+          </a:fontRef>
+        </p:style>
+        <p:txBody>
+          <a:bodyPr rtlCol="0" anchor="ctr"/>
+          <a:lstStyle/>
+          <a:p>
+            <a:pPr algn="ctr"/>
+            <a:r>
+              <a:rPr lang="nl-BE" sz="900" dirty="0" smtClean="0"/>
+              <a:t>stock_profiles</a:t>
+            </a:r>
+            <a:endParaRPr lang="en-US" sz="900" dirty="0"/>
+          </a:p>
+        </p:txBody>
+      </p:sp>
+      <p:sp>
+        <p:nvSpPr>
+          <p:cNvPr id="19" name="Chevron 18"/>
+          <p:cNvSpPr/>
+          <p:nvPr/>
+        </p:nvSpPr>
+        <p:spPr>
+          <a:xfrm>
+            <a:off x="2940910" y="5813854"/>
+            <a:ext cx="1402492" cy="654909"/>
+          </a:xfrm>
+          <a:prstGeom prst="chevron">
+            <a:avLst/>
+          </a:prstGeom>
+        </p:spPr>
+        <p:style>
+          <a:lnRef idx="2">
+            <a:schemeClr val="accent1">
+              <a:shade val="50000"/>
+            </a:schemeClr>
+          </a:lnRef>
+          <a:fillRef idx="1">
+            <a:schemeClr val="accent1"/>
+          </a:fillRef>
+          <a:effectRef idx="0">
+            <a:schemeClr val="accent1"/>
+          </a:effectRef>
+          <a:fontRef idx="minor">
+            <a:schemeClr val="lt1"/>
+          </a:fontRef>
+        </p:style>
+        <p:txBody>
+          <a:bodyPr rtlCol="0" anchor="ctr"/>
+          <a:lstStyle/>
+          <a:p>
+            <a:pPr algn="ctr"/>
+            <a:r>
+              <a:rPr lang="nl-BE" sz="900" dirty="0" smtClean="0"/>
+              <a:t>profiles()</a:t>
+            </a:r>
+            <a:endParaRPr lang="en-US" sz="900" dirty="0"/>
+          </a:p>
+        </p:txBody>
+      </p:sp>
+      <p:cxnSp>
+        <p:nvCxnSpPr>
+          <p:cNvPr id="21" name="Straight Arrow Connector 20"/>
+          <p:cNvCxnSpPr>
+            <a:stCxn id="5" idx="4"/>
+            <a:endCxn id="8" idx="1"/>
+          </p:cNvCxnSpPr>
+          <p:nvPr/>
+        </p:nvCxnSpPr>
+        <p:spPr>
+          <a:xfrm>
+            <a:off x="1828799" y="3459893"/>
+            <a:ext cx="1439566" cy="0"/>
+          </a:xfrm>
+          <a:prstGeom prst="straightConnector1">
+            <a:avLst/>
+          </a:prstGeom>
+          <a:ln>
+            <a:tailEnd type="triangle"/>
+          </a:ln>
+        </p:spPr>
+        <p:style>
+          <a:lnRef idx="1">
+            <a:schemeClr val="dk1"/>
+          </a:lnRef>
+          <a:fillRef idx="0">
+            <a:schemeClr val="dk1"/>
+          </a:fillRef>
+          <a:effectRef idx="0">
+            <a:schemeClr val="dk1"/>
+          </a:effectRef>
+          <a:fontRef idx="minor">
+            <a:schemeClr val="tx1"/>
+          </a:fontRef>
+        </p:style>
+      </p:cxnSp>
+      <p:cxnSp>
+        <p:nvCxnSpPr>
+          <p:cNvPr id="23" name="Straight Arrow Connector 22"/>
+          <p:cNvCxnSpPr>
+            <a:stCxn id="6" idx="4"/>
+            <a:endCxn id="9" idx="1"/>
+          </p:cNvCxnSpPr>
+          <p:nvPr/>
+        </p:nvCxnSpPr>
+        <p:spPr>
+          <a:xfrm>
+            <a:off x="1828798" y="4800601"/>
+            <a:ext cx="1439567" cy="0"/>
+          </a:xfrm>
+          <a:prstGeom prst="straightConnector1">
+            <a:avLst/>
+          </a:prstGeom>
+          <a:ln>
+            <a:tailEnd type="triangle"/>
+          </a:ln>
+        </p:spPr>
+        <p:style>
+          <a:lnRef idx="1">
+            <a:schemeClr val="dk1"/>
+          </a:lnRef>
+          <a:fillRef idx="0">
+            <a:schemeClr val="dk1"/>
+          </a:fillRef>
+          <a:effectRef idx="0">
+            <a:schemeClr val="dk1"/>
+          </a:effectRef>
+          <a:fontRef idx="minor">
+            <a:schemeClr val="tx1"/>
+          </a:fontRef>
+        </p:style>
+      </p:cxnSp>
+      <p:cxnSp>
+        <p:nvCxnSpPr>
+          <p:cNvPr id="25" name="Straight Arrow Connector 24"/>
+          <p:cNvCxnSpPr>
+            <a:stCxn id="18" idx="4"/>
+            <a:endCxn id="19" idx="1"/>
+          </p:cNvCxnSpPr>
+          <p:nvPr/>
+        </p:nvCxnSpPr>
+        <p:spPr>
+          <a:xfrm>
+            <a:off x="1828798" y="6141309"/>
+            <a:ext cx="1439567" cy="0"/>
+          </a:xfrm>
+          <a:prstGeom prst="straightConnector1">
+            <a:avLst/>
+          </a:prstGeom>
+          <a:ln>
+            <a:tailEnd type="triangle"/>
+          </a:ln>
+        </p:spPr>
+        <p:style>
+          <a:lnRef idx="1">
+            <a:schemeClr val="dk1"/>
+          </a:lnRef>
+          <a:fillRef idx="0">
+            <a:schemeClr val="dk1"/>
+          </a:fillRef>
+          <a:effectRef idx="0">
+            <a:schemeClr val="dk1"/>
+          </a:effectRef>
+          <a:fontRef idx="minor">
+            <a:schemeClr val="tx1"/>
+          </a:fontRef>
+        </p:style>
+      </p:cxnSp>
+      <p:sp>
+        <p:nvSpPr>
+          <p:cNvPr id="26" name="TextBox 25"/>
+          <p:cNvSpPr txBox="1"/>
+          <p:nvPr/>
+        </p:nvSpPr>
+        <p:spPr>
+          <a:xfrm>
+            <a:off x="1831893" y="3235282"/>
+            <a:ext cx="704332" cy="230832"/>
+          </a:xfrm>
+          <a:prstGeom prst="rect">
+            <a:avLst/>
+          </a:prstGeom>
+          <a:noFill/>
+        </p:spPr>
+        <p:txBody>
+          <a:bodyPr wrap="square" rtlCol="0">
+            <a:spAutoFit/>
+          </a:bodyPr>
+          <a:lstStyle/>
+          <a:p>
+            <a:r>
+              <a:rPr lang="nl-BE" sz="900" dirty="0" smtClean="0"/>
+              <a:t>polling</a:t>
+            </a:r>
+            <a:endParaRPr lang="en-US" sz="900" dirty="0"/>
+          </a:p>
+        </p:txBody>
+      </p:sp>
+      <p:sp>
+        <p:nvSpPr>
+          <p:cNvPr id="27" name="TextBox 26"/>
+          <p:cNvSpPr txBox="1"/>
+          <p:nvPr/>
+        </p:nvSpPr>
+        <p:spPr>
+          <a:xfrm>
+            <a:off x="1831893" y="4563176"/>
+            <a:ext cx="704332" cy="230832"/>
+          </a:xfrm>
+          <a:prstGeom prst="rect">
+            <a:avLst/>
+          </a:prstGeom>
+          <a:noFill/>
+        </p:spPr>
+        <p:txBody>
+          <a:bodyPr wrap="square" rtlCol="0">
+            <a:spAutoFit/>
+          </a:bodyPr>
+          <a:lstStyle/>
+          <a:p>
+            <a:r>
+              <a:rPr lang="nl-BE" sz="900" dirty="0" smtClean="0"/>
+              <a:t>polling</a:t>
+            </a:r>
+            <a:endParaRPr lang="en-US" sz="900" dirty="0"/>
+          </a:p>
+        </p:txBody>
+      </p:sp>
+      <p:sp>
+        <p:nvSpPr>
+          <p:cNvPr id="28" name="TextBox 27"/>
+          <p:cNvSpPr txBox="1"/>
+          <p:nvPr/>
+        </p:nvSpPr>
+        <p:spPr>
+          <a:xfrm>
+            <a:off x="1831893" y="5903884"/>
+            <a:ext cx="704332" cy="230832"/>
+          </a:xfrm>
+          <a:prstGeom prst="rect">
+            <a:avLst/>
+          </a:prstGeom>
+          <a:noFill/>
+        </p:spPr>
+        <p:txBody>
+          <a:bodyPr wrap="square" rtlCol="0">
+            <a:spAutoFit/>
+          </a:bodyPr>
+          <a:lstStyle/>
+          <a:p>
+            <a:r>
+              <a:rPr lang="nl-BE" sz="900" dirty="0" smtClean="0"/>
+              <a:t>polling</a:t>
+            </a:r>
+            <a:endParaRPr lang="en-US" sz="900" dirty="0"/>
+          </a:p>
+        </p:txBody>
+      </p:sp>
+      <p:sp>
+        <p:nvSpPr>
+          <p:cNvPr id="30" name="Chevron 29"/>
+          <p:cNvSpPr/>
+          <p:nvPr/>
+        </p:nvSpPr>
+        <p:spPr>
+          <a:xfrm>
+            <a:off x="4877829" y="3787347"/>
+            <a:ext cx="1402492" cy="654909"/>
+          </a:xfrm>
+          <a:prstGeom prst="chevron">
+            <a:avLst/>
+          </a:prstGeom>
+        </p:spPr>
+        <p:style>
+          <a:lnRef idx="2">
+            <a:schemeClr val="accent1">
+              <a:shade val="50000"/>
+            </a:schemeClr>
+          </a:lnRef>
+          <a:fillRef idx="1">
+            <a:schemeClr val="accent1"/>
+          </a:fillRef>
+          <a:effectRef idx="0">
+            <a:schemeClr val="accent1"/>
+          </a:effectRef>
+          <a:fontRef idx="minor">
+            <a:schemeClr val="lt1"/>
+          </a:fontRef>
+        </p:style>
+        <p:txBody>
+          <a:bodyPr rtlCol="0" anchor="ctr"/>
+          <a:lstStyle/>
+          <a:p>
+            <a:pPr algn="ctr"/>
+            <a:r>
+              <a:rPr lang="nl-BE" sz="900" dirty="0" smtClean="0"/>
+              <a:t>ohlc_euro()</a:t>
+            </a:r>
+            <a:endParaRPr lang="en-US" sz="900" dirty="0"/>
+          </a:p>
+        </p:txBody>
+      </p:sp>
+      <p:cxnSp>
+        <p:nvCxnSpPr>
+          <p:cNvPr id="32" name="Straight Arrow Connector 31"/>
+          <p:cNvCxnSpPr>
+            <a:stCxn id="8" idx="3"/>
+            <a:endCxn id="30" idx="1"/>
+          </p:cNvCxnSpPr>
+          <p:nvPr/>
+        </p:nvCxnSpPr>
+        <p:spPr>
+          <a:xfrm>
+            <a:off x="4343402" y="3459893"/>
+            <a:ext cx="861882" cy="654909"/>
+          </a:xfrm>
+          <a:prstGeom prst="straightConnector1">
+            <a:avLst/>
+          </a:prstGeom>
+          <a:ln>
+            <a:tailEnd type="triangle"/>
+          </a:ln>
+        </p:spPr>
+        <p:style>
+          <a:lnRef idx="1">
+            <a:schemeClr val="dk1"/>
+          </a:lnRef>
+          <a:fillRef idx="0">
+            <a:schemeClr val="dk1"/>
+          </a:fillRef>
+          <a:effectRef idx="0">
+            <a:schemeClr val="dk1"/>
+          </a:effectRef>
+          <a:fontRef idx="minor">
+            <a:schemeClr val="tx1"/>
+          </a:fontRef>
+        </p:style>
+      </p:cxnSp>
+      <p:cxnSp>
+        <p:nvCxnSpPr>
+          <p:cNvPr id="34" name="Straight Arrow Connector 33"/>
+          <p:cNvCxnSpPr>
+            <a:stCxn id="9" idx="3"/>
+            <a:endCxn id="30" idx="1"/>
+          </p:cNvCxnSpPr>
+          <p:nvPr/>
+        </p:nvCxnSpPr>
+        <p:spPr>
+          <a:xfrm flipV="1">
+            <a:off x="4343402" y="4114802"/>
+            <a:ext cx="861882" cy="685799"/>
+          </a:xfrm>
+          <a:prstGeom prst="straightConnector1">
+            <a:avLst/>
+          </a:prstGeom>
+          <a:ln>
+            <a:tailEnd type="triangle"/>
+          </a:ln>
+        </p:spPr>
+        <p:style>
+          <a:lnRef idx="1">
+            <a:schemeClr val="dk1"/>
+          </a:lnRef>
+          <a:fillRef idx="0">
+            <a:schemeClr val="dk1"/>
+          </a:fillRef>
+          <a:effectRef idx="0">
+            <a:schemeClr val="dk1"/>
+          </a:effectRef>
+          <a:fontRef idx="minor">
+            <a:schemeClr val="tx1"/>
+          </a:fontRef>
+        </p:style>
+      </p:cxnSp>
+      <p:cxnSp>
+        <p:nvCxnSpPr>
+          <p:cNvPr id="36" name="Straight Arrow Connector 35"/>
+          <p:cNvCxnSpPr>
+            <a:stCxn id="19" idx="3"/>
+            <a:endCxn id="30" idx="1"/>
+          </p:cNvCxnSpPr>
+          <p:nvPr/>
+        </p:nvCxnSpPr>
+        <p:spPr>
+          <a:xfrm flipV="1">
+            <a:off x="4343402" y="4114802"/>
+            <a:ext cx="861882" cy="2026507"/>
+          </a:xfrm>
+          <a:prstGeom prst="straightConnector1">
+            <a:avLst/>
+          </a:prstGeom>
+          <a:ln>
+            <a:tailEnd type="triangle"/>
+          </a:ln>
+        </p:spPr>
+        <p:style>
+          <a:lnRef idx="1">
+            <a:schemeClr val="dk1"/>
+          </a:lnRef>
+          <a:fillRef idx="0">
+            <a:schemeClr val="dk1"/>
+          </a:fillRef>
+          <a:effectRef idx="0">
+            <a:schemeClr val="dk1"/>
+          </a:effectRef>
+          <a:fontRef idx="minor">
+            <a:schemeClr val="tx1"/>
+          </a:fontRef>
+        </p:style>
+      </p:cxnSp>
+      <p:cxnSp>
+        <p:nvCxnSpPr>
+          <p:cNvPr id="38" name="Straight Arrow Connector 37"/>
+          <p:cNvCxnSpPr>
+            <a:stCxn id="7" idx="3"/>
+            <a:endCxn id="10" idx="1"/>
+          </p:cNvCxnSpPr>
+          <p:nvPr/>
+        </p:nvCxnSpPr>
+        <p:spPr>
+          <a:xfrm>
+            <a:off x="4343402" y="2255109"/>
+            <a:ext cx="729050" cy="0"/>
+          </a:xfrm>
+          <a:prstGeom prst="straightConnector1">
+            <a:avLst/>
+          </a:prstGeom>
+          <a:ln>
+            <a:tailEnd type="triangle"/>
+          </a:ln>
+        </p:spPr>
+        <p:style>
+          <a:lnRef idx="1">
+            <a:schemeClr val="dk1"/>
+          </a:lnRef>
+          <a:fillRef idx="0">
+            <a:schemeClr val="dk1"/>
+          </a:fillRef>
+          <a:effectRef idx="0">
+            <a:schemeClr val="dk1"/>
+          </a:effectRef>
+          <a:fontRef idx="minor">
+            <a:schemeClr val="tx1"/>
+          </a:fontRef>
+        </p:style>
+      </p:cxnSp>
+      <p:cxnSp>
+        <p:nvCxnSpPr>
+          <p:cNvPr id="42" name="Straight Arrow Connector 41"/>
+          <p:cNvCxnSpPr>
+            <a:stCxn id="10" idx="3"/>
+            <a:endCxn id="11" idx="1"/>
+          </p:cNvCxnSpPr>
+          <p:nvPr/>
+        </p:nvCxnSpPr>
+        <p:spPr>
+          <a:xfrm flipV="1">
+            <a:off x="6147489" y="1102295"/>
+            <a:ext cx="485004" cy="1152814"/>
+          </a:xfrm>
+          <a:prstGeom prst="straightConnector1">
+            <a:avLst/>
+          </a:prstGeom>
+          <a:ln>
+            <a:tailEnd type="triangle"/>
+          </a:ln>
+        </p:spPr>
+        <p:style>
+          <a:lnRef idx="1">
+            <a:schemeClr val="dk1"/>
+          </a:lnRef>
+          <a:fillRef idx="0">
+            <a:schemeClr val="dk1"/>
+          </a:fillRef>
+          <a:effectRef idx="0">
+            <a:schemeClr val="dk1"/>
+          </a:effectRef>
+          <a:fontRef idx="minor">
+            <a:schemeClr val="tx1"/>
+          </a:fontRef>
+        </p:style>
+      </p:cxnSp>
+      <p:cxnSp>
+        <p:nvCxnSpPr>
+          <p:cNvPr id="44" name="Straight Arrow Connector 43"/>
+          <p:cNvCxnSpPr>
+            <a:stCxn id="10" idx="3"/>
+            <a:endCxn id="12" idx="1"/>
+          </p:cNvCxnSpPr>
+          <p:nvPr/>
+        </p:nvCxnSpPr>
+        <p:spPr>
+          <a:xfrm>
+            <a:off x="6147489" y="2255109"/>
+            <a:ext cx="642551" cy="758846"/>
+          </a:xfrm>
+          <a:prstGeom prst="straightConnector1">
+            <a:avLst/>
+          </a:prstGeom>
+          <a:ln>
+            <a:tailEnd type="triangle"/>
+          </a:ln>
+        </p:spPr>
+        <p:style>
+          <a:lnRef idx="1">
+            <a:schemeClr val="dk1"/>
+          </a:lnRef>
+          <a:fillRef idx="0">
+            <a:schemeClr val="dk1"/>
+          </a:fillRef>
+          <a:effectRef idx="0">
+            <a:schemeClr val="dk1"/>
+          </a:effectRef>
+          <a:fontRef idx="minor">
+            <a:schemeClr val="tx1"/>
+          </a:fontRef>
+        </p:style>
+      </p:cxnSp>
+      <p:cxnSp>
+        <p:nvCxnSpPr>
+          <p:cNvPr id="46" name="Straight Arrow Connector 45"/>
+          <p:cNvCxnSpPr>
+            <a:stCxn id="30" idx="3"/>
+            <a:endCxn id="12" idx="1"/>
+          </p:cNvCxnSpPr>
+          <p:nvPr/>
+        </p:nvCxnSpPr>
+        <p:spPr>
+          <a:xfrm flipV="1">
+            <a:off x="6280321" y="3013955"/>
+            <a:ext cx="509719" cy="1100847"/>
+          </a:xfrm>
+          <a:prstGeom prst="straightConnector1">
+            <a:avLst/>
+          </a:prstGeom>
+          <a:ln>
+            <a:tailEnd type="triangle"/>
+          </a:ln>
+        </p:spPr>
+        <p:style>
+          <a:lnRef idx="1">
+            <a:schemeClr val="dk1"/>
+          </a:lnRef>
+          <a:fillRef idx="0">
+            <a:schemeClr val="dk1"/>
+          </a:fillRef>
+          <a:effectRef idx="0">
+            <a:schemeClr val="dk1"/>
+          </a:effectRef>
+          <a:fontRef idx="minor">
+            <a:schemeClr val="tx1"/>
+          </a:fontRef>
+        </p:style>
+      </p:cxnSp>
+      <p:cxnSp>
+        <p:nvCxnSpPr>
+          <p:cNvPr id="48" name="Straight Arrow Connector 47"/>
+          <p:cNvCxnSpPr>
+            <a:stCxn id="12" idx="3"/>
+            <a:endCxn id="13" idx="1"/>
+          </p:cNvCxnSpPr>
+          <p:nvPr/>
+        </p:nvCxnSpPr>
+        <p:spPr>
+          <a:xfrm flipV="1">
+            <a:off x="7983414" y="3013954"/>
+            <a:ext cx="1185303" cy="1"/>
+          </a:xfrm>
+          <a:prstGeom prst="straightConnector1">
+            <a:avLst/>
+          </a:prstGeom>
+          <a:ln>
+            <a:tailEnd type="triangle"/>
+          </a:ln>
+        </p:spPr>
+        <p:style>
+          <a:lnRef idx="1">
+            <a:schemeClr val="dk1"/>
+          </a:lnRef>
+          <a:fillRef idx="0">
+            <a:schemeClr val="dk1"/>
+          </a:fillRef>
+          <a:effectRef idx="0">
+            <a:schemeClr val="dk1"/>
+          </a:effectRef>
+          <a:fontRef idx="minor">
+            <a:schemeClr val="tx1"/>
+          </a:fontRef>
+        </p:style>
+      </p:cxnSp>
+      <p:sp>
+        <p:nvSpPr>
+          <p:cNvPr id="3" name="TextBox 2"/>
+          <p:cNvSpPr txBox="1"/>
+          <p:nvPr/>
+        </p:nvSpPr>
+        <p:spPr>
+          <a:xfrm>
+            <a:off x="5579075" y="4678592"/>
+            <a:ext cx="6511047" cy="1569660"/>
+          </a:xfrm>
+          <a:prstGeom prst="rect">
+            <a:avLst/>
+          </a:prstGeom>
+          <a:noFill/>
+        </p:spPr>
+        <p:txBody>
+          <a:bodyPr wrap="square" rtlCol="0">
+            <a:spAutoFit/>
+          </a:bodyPr>
+          <a:lstStyle/>
+          <a:p>
+            <a:r>
+              <a:rPr lang="nl-BE" sz="1600" b="1" dirty="0"/>
+              <a:t>use reactive expressions for calculations</a:t>
+            </a:r>
+          </a:p>
+          <a:p>
+            <a:pPr marL="285750" indent="-285750">
+              <a:buFont typeface="Arial" panose="020B0604020202020204" pitchFamily="34" charset="0"/>
+              <a:buChar char="•"/>
+            </a:pPr>
+            <a:r>
+              <a:rPr lang="nl-BE" sz="1600" dirty="0" err="1" smtClean="0"/>
+              <a:t>reactive</a:t>
+            </a:r>
+            <a:r>
               <a:rPr lang="nl-BE" sz="1600" dirty="0" smtClean="0"/>
-              <a:t>rv$focus_stock</a:t>
-            </a:r>
-          </a:p>
-          <a:p>
-            <a:pPr lvl="1"/>
+              <a:t> expressions are recipes for how to calculate something, shiny will determine when it is required to execute</a:t>
+            </a:r>
+          </a:p>
+          <a:p>
+            <a:pPr marL="285750" indent="-285750">
+              <a:buFont typeface="Arial" panose="020B0604020202020204" pitchFamily="34" charset="0"/>
+              <a:buChar char="•"/>
+            </a:pPr>
+            <a:r>
+              <a:rPr lang="nl-BE" sz="1600" dirty="0" err="1" smtClean="0"/>
+              <a:t>can</a:t>
+            </a:r>
             <a:r>
               <a:rPr lang="nl-BE" sz="1600" dirty="0" smtClean="0"/>
-              <a:t>guarantees continuity between pages when selecting 1 stock</a:t>
-            </a:r>
-          </a:p>
-          <a:p>
-            <a:pPr lvl="1"/>
+              <a:t> accept reactive input and deliver reactive output</a:t>
+            </a:r>
+          </a:p>
+          <a:p>
+            <a:pPr marL="285750" indent="-285750">
+              <a:buFont typeface="Arial" panose="020B0604020202020204" pitchFamily="34" charset="0"/>
+              <a:buChar char="•"/>
+            </a:pPr>
             <a:r>
               <a:rPr lang="nl-BE" sz="1600" dirty="0" smtClean="0"/>
-              <a:t>first lines sets the rv so that other selectinputs may update</a:t>
-            </a:r>
-          </a:p>
-          <a:p>
-            <a:pPr lvl="1"/>
+              <a:t>has a cached result</a:t>
+            </a:r>
+          </a:p>
+          <a:p>
+            <a:pPr marL="285750" indent="-285750">
+              <a:buFont typeface="Arial" panose="020B0604020202020204" pitchFamily="34" charset="0"/>
+              <a:buChar char="•"/>
+            </a:pPr>
             <a:r>
               <a:rPr lang="nl-BE" sz="1600" dirty="0" smtClean="0"/>
-              <a:t>second line updates this selectinput if somewhere else the rv was modified</a:t>
-            </a:r>
-          </a:p>
-          <a:p>
+              <a:t>make maximum use of this feature in shiny</a:t>
+            </a:r>
+            <a:endParaRPr lang="en-US" sz="1600" dirty="0"/>
+          </a:p>
+        </p:txBody>
+      </p:sp>
+      <p:sp>
+        <p:nvSpPr>
+          <p:cNvPr id="35" name="TextBox 34"/>
+          <p:cNvSpPr txBox="1"/>
+          <p:nvPr/>
+        </p:nvSpPr>
+        <p:spPr>
+          <a:xfrm>
+            <a:off x="7983414" y="174675"/>
+            <a:ext cx="4326922" cy="1354217"/>
+          </a:xfrm>
+          <a:prstGeom prst="rect">
+            <a:avLst/>
+          </a:prstGeom>
+          <a:noFill/>
+        </p:spPr>
+        <p:txBody>
+          <a:bodyPr wrap="square" rtlCol="0">
+            <a:spAutoFit/>
+          </a:bodyPr>
+          <a:lstStyle/>
+          <a:p>
+            <a:r>
+              <a:rPr lang="nl-BE" sz="1600" b="1" dirty="0" smtClean="0"/>
+              <a:t>use observers for side effects</a:t>
+            </a:r>
+          </a:p>
+          <a:p>
+            <a:pPr marL="285750" indent="-285750">
+              <a:buFontTx/>
+              <a:buChar char="-"/>
+            </a:pPr>
+            <a:r>
+              <a:rPr lang="nl-BE" sz="1600" dirty="0" smtClean="0"/>
+              <a:t>dealing with I/O (files / DB)</a:t>
+            </a:r>
+          </a:p>
+          <a:p>
+            <a:pPr marL="285750" indent="-285750">
+              <a:buFontTx/>
+              <a:buChar char="-"/>
+            </a:pPr>
+            <a:r>
+              <a:rPr lang="nl-BE" sz="1600" dirty="0" smtClean="0"/>
+              <a:t>setting reactive values!</a:t>
+            </a:r>
+          </a:p>
+          <a:p>
+            <a:pPr marL="285750" indent="-285750">
+              <a:buFontTx/>
+              <a:buChar char="-"/>
+            </a:pPr>
+            <a:r>
+              <a:rPr lang="nl-BE" sz="1600" dirty="0" smtClean="0"/>
+              <a:t>update input elements of the </a:t>
+            </a:r>
+            <a:r>
+              <a:rPr lang="nl-BE" sz="1600" dirty="0" err="1" smtClean="0"/>
+              <a:t>shiny</a:t>
+            </a:r>
+            <a:r>
+              <a:rPr lang="nl-BE" sz="1600" dirty="0" smtClean="0"/>
+              <a:t> app</a:t>
+            </a:r>
             <a:endParaRPr lang="en-BE" sz="1600" dirty="0" smtClean="0"/>
           </a:p>
           <a:p>
-            <a:endParaRPr lang="nl-BE" sz="1600" dirty="0"/>
-          </a:p>
-          <a:p>
-            <a:endParaRPr lang="nl-BE" sz="1600" dirty="0" smtClean="0"/>
-          </a:p>
-          <a:p>
-            <a:r>
-              <a:rPr lang="nl-BE" sz="1600" dirty="0" smtClean="0"/>
-              <a:t>rv$msgs</a:t>
-            </a:r>
-          </a:p>
-          <a:p>
-            <a:pPr lvl="1"/>
-            <a:r>
-              <a:rPr lang="nl-BE" sz="1600" dirty="0" smtClean="0"/>
-              <a:t>contains messages shown in notification corner as well as notification menu</a:t>
-            </a:r>
-          </a:p>
-        </p:txBody>
-      </p:sp>
-      <p:pic>
-        <p:nvPicPr>
-          <p:cNvPr id="3" name="Picture 2"/>
-          <p:cNvPicPr>
-            <a:picLocks noChangeAspect="1"/>
-          </p:cNvPicPr>
-          <p:nvPr/>
-        </p:nvPicPr>
-        <p:blipFill>
-          <a:blip r:embed="rId2"/>
-          <a:stretch>
-            <a:fillRect/>
-          </a:stretch>
-        </p:blipFill>
-        <p:spPr>
-          <a:xfrm>
-            <a:off x="935562" y="2337451"/>
-            <a:ext cx="9324975" cy="323850"/>
-          </a:xfrm>
-          <a:prstGeom prst="rect">
-            <a:avLst/>
-          </a:prstGeom>
-        </p:spPr>
-      </p:pic>
-      <p:pic>
-        <p:nvPicPr>
-          <p:cNvPr id="5" name="Picture 4"/>
-          <p:cNvPicPr>
-            <a:picLocks noChangeAspect="1"/>
-          </p:cNvPicPr>
-          <p:nvPr/>
-        </p:nvPicPr>
-        <p:blipFill>
-          <a:blip r:embed="rId3"/>
-          <a:stretch>
-            <a:fillRect/>
-          </a:stretch>
-        </p:blipFill>
-        <p:spPr>
-          <a:xfrm>
-            <a:off x="2082805" y="3978613"/>
-            <a:ext cx="7892708" cy="2789889"/>
-          </a:xfrm>
-          <a:prstGeom prst="rect">
-            <a:avLst/>
-          </a:prstGeom>
-        </p:spPr>
-      </p:pic>
+            <a:pPr marL="285750" indent="-285750">
+              <a:buFontTx/>
+              <a:buChar char="-"/>
+            </a:pPr>
+            <a:r>
+              <a:rPr lang="en-BE" sz="1600" dirty="0" smtClean="0"/>
+              <a:t>are always executed</a:t>
+            </a:r>
+            <a:endParaRPr lang="en-US" sz="1600" dirty="0"/>
+          </a:p>
+        </p:txBody>
+      </p:sp>
     </p:spTree>
     <p:extLst>
       <p:ext uri="{BB962C8B-B14F-4D97-AF65-F5344CB8AC3E}">
-        <p14:creationId xmlns:p14="http://schemas.microsoft.com/office/powerpoint/2010/main" val="994119531"/>
+        <p14:creationId xmlns:p14="http://schemas.microsoft.com/office/powerpoint/2010/main" val="2314002344"/>
       </p:ext>
     </p:extLst>
   </p:cSld>
@@ -7869,1360 +9217,14 @@
       </p:cxnSp>
       <p:sp>
         <p:nvSpPr>
-          <p:cNvPr id="3" name="TextBox 2"/>
-          <p:cNvSpPr txBox="1"/>
-          <p:nvPr/>
-        </p:nvSpPr>
-        <p:spPr>
-          <a:xfrm>
-            <a:off x="5579075" y="4678592"/>
-            <a:ext cx="6511047" cy="1569660"/>
-          </a:xfrm>
-          <a:prstGeom prst="rect">
-            <a:avLst/>
-          </a:prstGeom>
-          <a:noFill/>
-        </p:spPr>
-        <p:txBody>
-          <a:bodyPr wrap="square" rtlCol="0">
-            <a:spAutoFit/>
-          </a:bodyPr>
-          <a:lstStyle/>
-          <a:p>
-            <a:r>
-              <a:rPr lang="nl-BE" sz="1600" b="1" dirty="0"/>
-              <a:t>use reactive expressions for calculations</a:t>
-            </a:r>
-          </a:p>
-          <a:p>
-            <a:pPr marL="285750" indent="-285750">
-              <a:buFont typeface="Arial" panose="020B0604020202020204" pitchFamily="34" charset="0"/>
-              <a:buChar char="•"/>
-            </a:pPr>
-            <a:r>
-              <a:rPr lang="nl-BE" sz="1600" dirty="0" err="1" smtClean="0"/>
-              <a:t>reactive</a:t>
-            </a:r>
-            <a:r>
-              <a:rPr lang="nl-BE" sz="1600" dirty="0" smtClean="0"/>
-              <a:t> expressions are recipes for how to calculate something, shiny will determine when it is required to execute</a:t>
-            </a:r>
-          </a:p>
-          <a:p>
-            <a:pPr marL="285750" indent="-285750">
-              <a:buFont typeface="Arial" panose="020B0604020202020204" pitchFamily="34" charset="0"/>
-              <a:buChar char="•"/>
-            </a:pPr>
-            <a:r>
-              <a:rPr lang="nl-BE" sz="1600" dirty="0" err="1" smtClean="0"/>
-              <a:t>can</a:t>
-            </a:r>
-            <a:r>
-              <a:rPr lang="nl-BE" sz="1600" dirty="0" smtClean="0"/>
-              <a:t> accept reactive input and deliver reactive output</a:t>
-            </a:r>
-          </a:p>
-          <a:p>
-            <a:pPr marL="285750" indent="-285750">
-              <a:buFont typeface="Arial" panose="020B0604020202020204" pitchFamily="34" charset="0"/>
-              <a:buChar char="•"/>
-            </a:pPr>
-            <a:r>
-              <a:rPr lang="nl-BE" sz="1600" dirty="0" smtClean="0"/>
-              <a:t>has a cached result</a:t>
-            </a:r>
-          </a:p>
-          <a:p>
-            <a:pPr marL="285750" indent="-285750">
-              <a:buFont typeface="Arial" panose="020B0604020202020204" pitchFamily="34" charset="0"/>
-              <a:buChar char="•"/>
-            </a:pPr>
-            <a:r>
-              <a:rPr lang="nl-BE" sz="1600" dirty="0" smtClean="0"/>
-              <a:t>make maximum use of this feature in shiny</a:t>
-            </a:r>
-            <a:endParaRPr lang="en-US" sz="1600" dirty="0"/>
-          </a:p>
-        </p:txBody>
-      </p:sp>
-      <p:sp>
-        <p:nvSpPr>
-          <p:cNvPr id="35" name="TextBox 34"/>
-          <p:cNvSpPr txBox="1"/>
-          <p:nvPr/>
-        </p:nvSpPr>
-        <p:spPr>
-          <a:xfrm>
-            <a:off x="7983414" y="174675"/>
-            <a:ext cx="4326922" cy="1354217"/>
-          </a:xfrm>
-          <a:prstGeom prst="rect">
-            <a:avLst/>
-          </a:prstGeom>
-          <a:noFill/>
-        </p:spPr>
-        <p:txBody>
-          <a:bodyPr wrap="square" rtlCol="0">
-            <a:spAutoFit/>
-          </a:bodyPr>
-          <a:lstStyle/>
-          <a:p>
-            <a:r>
-              <a:rPr lang="nl-BE" sz="1600" b="1" dirty="0" smtClean="0"/>
-              <a:t>use observers for side effects</a:t>
-            </a:r>
-          </a:p>
-          <a:p>
-            <a:pPr marL="285750" indent="-285750">
-              <a:buFontTx/>
-              <a:buChar char="-"/>
-            </a:pPr>
-            <a:r>
-              <a:rPr lang="nl-BE" sz="1600" dirty="0" smtClean="0"/>
-              <a:t>dealing with I/O (files / DB)</a:t>
-            </a:r>
-          </a:p>
-          <a:p>
-            <a:pPr marL="285750" indent="-285750">
-              <a:buFontTx/>
-              <a:buChar char="-"/>
-            </a:pPr>
-            <a:r>
-              <a:rPr lang="nl-BE" sz="1600" dirty="0" smtClean="0"/>
-              <a:t>setting reactive values!</a:t>
-            </a:r>
-          </a:p>
-          <a:p>
-            <a:pPr marL="285750" indent="-285750">
-              <a:buFontTx/>
-              <a:buChar char="-"/>
-            </a:pPr>
-            <a:r>
-              <a:rPr lang="nl-BE" sz="1600" dirty="0" smtClean="0"/>
-              <a:t>update input elements of the </a:t>
-            </a:r>
-            <a:r>
-              <a:rPr lang="nl-BE" sz="1600" dirty="0" err="1" smtClean="0"/>
-              <a:t>shiny</a:t>
-            </a:r>
-            <a:r>
-              <a:rPr lang="nl-BE" sz="1600" dirty="0" smtClean="0"/>
-              <a:t> app</a:t>
-            </a:r>
-            <a:endParaRPr lang="en-BE" sz="1600" dirty="0" smtClean="0"/>
-          </a:p>
-          <a:p>
-            <a:pPr marL="285750" indent="-285750">
-              <a:buFontTx/>
-              <a:buChar char="-"/>
-            </a:pPr>
-            <a:r>
-              <a:rPr lang="en-BE" sz="1600" dirty="0" smtClean="0"/>
-              <a:t>are always executed</a:t>
-            </a:r>
-            <a:endParaRPr lang="en-US" sz="1600" dirty="0"/>
-          </a:p>
-        </p:txBody>
-      </p:sp>
-    </p:spTree>
-    <p:extLst>
-      <p:ext uri="{BB962C8B-B14F-4D97-AF65-F5344CB8AC3E}">
-        <p14:creationId xmlns:p14="http://schemas.microsoft.com/office/powerpoint/2010/main" val="2314002344"/>
-      </p:ext>
-    </p:extLst>
-  </p:cSld>
-  <p:clrMapOvr>
-    <a:masterClrMapping/>
-  </p:clrMapOvr>
-  <p:timing>
-    <p:tnLst>
-      <p:par>
-        <p:cTn id="1" dur="indefinite" restart="never" nodeType="tmRoot"/>
-      </p:par>
-    </p:tnLst>
-  </p:timing>
-</p:sld>
-</file>
-
-<file path=ppt/slides/slide24.xml><?xml version="1.0" encoding="utf-8"?>
-<p:sld xmlns:a="http://schemas.openxmlformats.org/drawingml/2006/main" xmlns:r="http://schemas.openxmlformats.org/officeDocument/2006/relationships" xmlns:p="http://schemas.openxmlformats.org/presentationml/2006/main">
-  <p:cSld>
-    <p:spTree>
-      <p:nvGrpSpPr>
-        <p:cNvPr id="1" name=""/>
-        <p:cNvGrpSpPr/>
-        <p:nvPr/>
-      </p:nvGrpSpPr>
-      <p:grpSpPr>
-        <a:xfrm>
-          <a:off x="0" y="0"/>
-          <a:ext cx="0" cy="0"/>
-          <a:chOff x="0" y="0"/>
-          <a:chExt cx="0" cy="0"/>
-        </a:xfrm>
-      </p:grpSpPr>
-      <p:sp>
-        <p:nvSpPr>
-          <p:cNvPr id="2" name="Title 1"/>
-          <p:cNvSpPr>
-            <a:spLocks noGrp="1"/>
-          </p:cNvSpPr>
-          <p:nvPr>
-            <p:ph type="title"/>
-          </p:nvPr>
-        </p:nvSpPr>
-        <p:spPr>
-          <a:xfrm>
-            <a:off x="0" y="-227730"/>
-            <a:ext cx="10515600" cy="1325563"/>
-          </a:xfrm>
-        </p:spPr>
-        <p:txBody>
-          <a:bodyPr/>
-          <a:lstStyle/>
-          <a:p>
-            <a:r>
-              <a:rPr lang="nl-BE" dirty="0" smtClean="0"/>
-              <a:t>reactives</a:t>
-            </a:r>
-            <a:endParaRPr lang="en-US" dirty="0"/>
-          </a:p>
-        </p:txBody>
-      </p:sp>
-      <p:sp>
-        <p:nvSpPr>
-          <p:cNvPr id="4" name="Flowchart: Magnetic Disk 3"/>
-          <p:cNvSpPr/>
-          <p:nvPr/>
-        </p:nvSpPr>
-        <p:spPr>
-          <a:xfrm>
-            <a:off x="988539" y="1890584"/>
-            <a:ext cx="840259" cy="729048"/>
-          </a:xfrm>
-          <a:prstGeom prst="flowChartMagneticDisk">
-            <a:avLst/>
-          </a:prstGeom>
-        </p:spPr>
-        <p:style>
-          <a:lnRef idx="2">
-            <a:schemeClr val="accent5">
-              <a:shade val="50000"/>
-            </a:schemeClr>
-          </a:lnRef>
-          <a:fillRef idx="1">
-            <a:schemeClr val="accent5"/>
-          </a:fillRef>
-          <a:effectRef idx="0">
-            <a:schemeClr val="accent5"/>
-          </a:effectRef>
-          <a:fontRef idx="minor">
-            <a:schemeClr val="lt1"/>
-          </a:fontRef>
-        </p:style>
-        <p:txBody>
-          <a:bodyPr rtlCol="0" anchor="ctr"/>
-          <a:lstStyle/>
-          <a:p>
-            <a:pPr algn="ctr"/>
-            <a:r>
-              <a:rPr lang="nl-BE" sz="900" dirty="0" smtClean="0"/>
-              <a:t>transactions</a:t>
-            </a:r>
-            <a:endParaRPr lang="en-US" sz="900" dirty="0"/>
-          </a:p>
-        </p:txBody>
-      </p:sp>
-      <p:sp>
-        <p:nvSpPr>
-          <p:cNvPr id="5" name="Flowchart: Magnetic Disk 4"/>
-          <p:cNvSpPr/>
-          <p:nvPr/>
-        </p:nvSpPr>
-        <p:spPr>
-          <a:xfrm>
-            <a:off x="988540" y="3095369"/>
-            <a:ext cx="840259" cy="729048"/>
-          </a:xfrm>
-          <a:prstGeom prst="flowChartMagneticDisk">
-            <a:avLst/>
-          </a:prstGeom>
-        </p:spPr>
-        <p:style>
-          <a:lnRef idx="2">
-            <a:schemeClr val="accent5">
-              <a:shade val="50000"/>
-            </a:schemeClr>
-          </a:lnRef>
-          <a:fillRef idx="1">
-            <a:schemeClr val="accent5"/>
-          </a:fillRef>
-          <a:effectRef idx="0">
-            <a:schemeClr val="accent5"/>
-          </a:effectRef>
-          <a:fontRef idx="minor">
-            <a:schemeClr val="lt1"/>
-          </a:fontRef>
-        </p:style>
-        <p:txBody>
-          <a:bodyPr rtlCol="0" anchor="ctr"/>
-          <a:lstStyle/>
-          <a:p>
-            <a:pPr algn="ctr"/>
-            <a:r>
-              <a:rPr lang="nl-BE" sz="900" dirty="0" smtClean="0"/>
-              <a:t>stock_ohlc</a:t>
-            </a:r>
-            <a:endParaRPr lang="en-US" sz="900" dirty="0"/>
-          </a:p>
-        </p:txBody>
-      </p:sp>
-      <p:sp>
-        <p:nvSpPr>
-          <p:cNvPr id="6" name="Flowchart: Magnetic Disk 5"/>
-          <p:cNvSpPr/>
-          <p:nvPr/>
-        </p:nvSpPr>
-        <p:spPr>
-          <a:xfrm>
-            <a:off x="988539" y="4436077"/>
-            <a:ext cx="840259" cy="729048"/>
-          </a:xfrm>
-          <a:prstGeom prst="flowChartMagneticDisk">
-            <a:avLst/>
-          </a:prstGeom>
-        </p:spPr>
-        <p:style>
-          <a:lnRef idx="2">
-            <a:schemeClr val="accent5">
-              <a:shade val="50000"/>
-            </a:schemeClr>
-          </a:lnRef>
-          <a:fillRef idx="1">
-            <a:schemeClr val="accent5"/>
-          </a:fillRef>
-          <a:effectRef idx="0">
-            <a:schemeClr val="accent5"/>
-          </a:effectRef>
-          <a:fontRef idx="minor">
-            <a:schemeClr val="lt1"/>
-          </a:fontRef>
-        </p:style>
-        <p:txBody>
-          <a:bodyPr rtlCol="0" anchor="ctr"/>
-          <a:lstStyle/>
-          <a:p>
-            <a:pPr algn="ctr"/>
-            <a:r>
-              <a:rPr lang="nl-BE" sz="900" dirty="0" smtClean="0"/>
-              <a:t>fx_rates</a:t>
-            </a:r>
-            <a:endParaRPr lang="en-US" sz="900" dirty="0"/>
-          </a:p>
-        </p:txBody>
-      </p:sp>
-      <p:sp>
-        <p:nvSpPr>
-          <p:cNvPr id="7" name="Chevron 6"/>
-          <p:cNvSpPr/>
-          <p:nvPr/>
-        </p:nvSpPr>
-        <p:spPr>
-          <a:xfrm>
-            <a:off x="2940910" y="1927654"/>
-            <a:ext cx="1402492" cy="654909"/>
-          </a:xfrm>
-          <a:prstGeom prst="chevron">
-            <a:avLst/>
-          </a:prstGeom>
-        </p:spPr>
-        <p:style>
-          <a:lnRef idx="2">
-            <a:schemeClr val="accent1">
-              <a:shade val="50000"/>
-            </a:schemeClr>
-          </a:lnRef>
-          <a:fillRef idx="1">
-            <a:schemeClr val="accent1"/>
-          </a:fillRef>
-          <a:effectRef idx="0">
-            <a:schemeClr val="accent1"/>
-          </a:effectRef>
-          <a:fontRef idx="minor">
-            <a:schemeClr val="lt1"/>
-          </a:fontRef>
-        </p:style>
-        <p:txBody>
-          <a:bodyPr rtlCol="0" anchor="ctr"/>
-          <a:lstStyle/>
-          <a:p>
-            <a:pPr algn="ctr"/>
-            <a:r>
-              <a:rPr lang="nl-BE" sz="900" dirty="0"/>
-              <a:t>tr()</a:t>
-            </a:r>
-            <a:endParaRPr lang="en-US" sz="900" dirty="0"/>
-          </a:p>
-        </p:txBody>
-      </p:sp>
-      <p:sp>
-        <p:nvSpPr>
-          <p:cNvPr id="8" name="Chevron 7"/>
-          <p:cNvSpPr/>
-          <p:nvPr/>
-        </p:nvSpPr>
-        <p:spPr>
-          <a:xfrm>
-            <a:off x="2940910" y="3132438"/>
-            <a:ext cx="1402492" cy="654909"/>
-          </a:xfrm>
-          <a:prstGeom prst="chevron">
-            <a:avLst/>
-          </a:prstGeom>
-        </p:spPr>
-        <p:style>
-          <a:lnRef idx="2">
-            <a:schemeClr val="accent1">
-              <a:shade val="50000"/>
-            </a:schemeClr>
-          </a:lnRef>
-          <a:fillRef idx="1">
-            <a:schemeClr val="accent1"/>
-          </a:fillRef>
-          <a:effectRef idx="0">
-            <a:schemeClr val="accent1"/>
-          </a:effectRef>
-          <a:fontRef idx="minor">
-            <a:schemeClr val="lt1"/>
-          </a:fontRef>
-        </p:style>
-        <p:txBody>
-          <a:bodyPr rtlCol="0" anchor="ctr"/>
-          <a:lstStyle/>
-          <a:p>
-            <a:pPr algn="ctr"/>
-            <a:r>
-              <a:rPr lang="nl-BE" sz="900" dirty="0" smtClean="0"/>
-              <a:t>ohlc()</a:t>
-            </a:r>
-            <a:endParaRPr lang="en-US" sz="900" dirty="0"/>
-          </a:p>
-        </p:txBody>
-      </p:sp>
-      <p:sp>
-        <p:nvSpPr>
-          <p:cNvPr id="9" name="Chevron 8"/>
-          <p:cNvSpPr/>
-          <p:nvPr/>
-        </p:nvSpPr>
-        <p:spPr>
-          <a:xfrm>
-            <a:off x="2940910" y="4473146"/>
-            <a:ext cx="1402492" cy="654909"/>
-          </a:xfrm>
-          <a:prstGeom prst="chevron">
-            <a:avLst/>
-          </a:prstGeom>
-        </p:spPr>
-        <p:style>
-          <a:lnRef idx="2">
-            <a:schemeClr val="accent1">
-              <a:shade val="50000"/>
-            </a:schemeClr>
-          </a:lnRef>
-          <a:fillRef idx="1">
-            <a:schemeClr val="accent1"/>
-          </a:fillRef>
-          <a:effectRef idx="0">
-            <a:schemeClr val="accent1"/>
-          </a:effectRef>
-          <a:fontRef idx="minor">
-            <a:schemeClr val="lt1"/>
-          </a:fontRef>
-        </p:style>
-        <p:txBody>
-          <a:bodyPr rtlCol="0" anchor="ctr"/>
-          <a:lstStyle/>
-          <a:p>
-            <a:pPr algn="ctr"/>
-            <a:r>
-              <a:rPr lang="nl-BE" sz="900" dirty="0" smtClean="0"/>
-              <a:t>fx()</a:t>
-            </a:r>
-            <a:endParaRPr lang="en-US" sz="900" dirty="0"/>
-          </a:p>
-        </p:txBody>
-      </p:sp>
-      <p:sp>
-        <p:nvSpPr>
-          <p:cNvPr id="10" name="Chevron 9"/>
-          <p:cNvSpPr/>
-          <p:nvPr/>
-        </p:nvSpPr>
-        <p:spPr>
-          <a:xfrm>
-            <a:off x="4744997" y="1927654"/>
-            <a:ext cx="1402492" cy="654909"/>
-          </a:xfrm>
-          <a:prstGeom prst="chevron">
-            <a:avLst/>
-          </a:prstGeom>
-        </p:spPr>
-        <p:style>
-          <a:lnRef idx="2">
-            <a:schemeClr val="accent1">
-              <a:shade val="50000"/>
-            </a:schemeClr>
-          </a:lnRef>
-          <a:fillRef idx="1">
-            <a:schemeClr val="accent1"/>
-          </a:fillRef>
-          <a:effectRef idx="0">
-            <a:schemeClr val="accent1"/>
-          </a:effectRef>
-          <a:fontRef idx="minor">
-            <a:schemeClr val="lt1"/>
-          </a:fontRef>
-        </p:style>
-        <p:txBody>
-          <a:bodyPr rtlCol="0" anchor="ctr"/>
-          <a:lstStyle/>
-          <a:p>
-            <a:pPr algn="ctr"/>
-            <a:r>
-              <a:rPr lang="nl-BE" sz="900" dirty="0" smtClean="0"/>
-              <a:t>tr_ext()</a:t>
-            </a:r>
-            <a:endParaRPr lang="en-US" sz="900" dirty="0"/>
-          </a:p>
-        </p:txBody>
-      </p:sp>
-      <p:sp>
-        <p:nvSpPr>
-          <p:cNvPr id="11" name="Chevron 10"/>
-          <p:cNvSpPr/>
-          <p:nvPr/>
-        </p:nvSpPr>
-        <p:spPr>
-          <a:xfrm>
-            <a:off x="6305038" y="774840"/>
-            <a:ext cx="1560040" cy="654909"/>
-          </a:xfrm>
-          <a:prstGeom prst="chevron">
-            <a:avLst/>
-          </a:prstGeom>
-        </p:spPr>
-        <p:style>
-          <a:lnRef idx="2">
-            <a:schemeClr val="accent1">
-              <a:shade val="50000"/>
-            </a:schemeClr>
-          </a:lnRef>
-          <a:fillRef idx="1">
-            <a:schemeClr val="accent1"/>
-          </a:fillRef>
-          <a:effectRef idx="0">
-            <a:schemeClr val="accent1"/>
-          </a:effectRef>
-          <a:fontRef idx="minor">
-            <a:schemeClr val="lt1"/>
-          </a:fontRef>
-        </p:style>
-        <p:txBody>
-          <a:bodyPr rtlCol="0" anchor="ctr"/>
-          <a:lstStyle/>
-          <a:p>
-            <a:pPr algn="ctr"/>
-            <a:r>
-              <a:rPr lang="nl-BE" sz="900" dirty="0"/>
-              <a:t>cash_b_evol()</a:t>
-            </a:r>
-            <a:endParaRPr lang="en-US" sz="900" dirty="0"/>
-          </a:p>
-        </p:txBody>
-      </p:sp>
-      <p:sp>
-        <p:nvSpPr>
-          <p:cNvPr id="12" name="Chevron 11"/>
-          <p:cNvSpPr/>
-          <p:nvPr/>
-        </p:nvSpPr>
-        <p:spPr>
-          <a:xfrm>
-            <a:off x="6462585" y="2686500"/>
-            <a:ext cx="1520829" cy="654909"/>
-          </a:xfrm>
-          <a:prstGeom prst="chevron">
-            <a:avLst/>
-          </a:prstGeom>
-        </p:spPr>
-        <p:style>
-          <a:lnRef idx="2">
-            <a:schemeClr val="accent1">
-              <a:shade val="50000"/>
-            </a:schemeClr>
-          </a:lnRef>
-          <a:fillRef idx="1">
-            <a:schemeClr val="accent1"/>
-          </a:fillRef>
-          <a:effectRef idx="0">
-            <a:schemeClr val="accent1"/>
-          </a:effectRef>
-          <a:fontRef idx="minor">
-            <a:schemeClr val="lt1"/>
-          </a:fontRef>
-        </p:style>
-        <p:txBody>
-          <a:bodyPr rtlCol="0" anchor="ctr"/>
-          <a:lstStyle/>
-          <a:p>
-            <a:pPr algn="ctr"/>
-            <a:r>
-              <a:rPr lang="nl-BE" sz="900" dirty="0"/>
-              <a:t>pos_sb_evol()</a:t>
-            </a:r>
-            <a:endParaRPr lang="en-US" sz="900" dirty="0"/>
-          </a:p>
-        </p:txBody>
-      </p:sp>
-      <p:sp>
-        <p:nvSpPr>
-          <p:cNvPr id="13" name="Chevron 12"/>
-          <p:cNvSpPr/>
-          <p:nvPr/>
-        </p:nvSpPr>
-        <p:spPr>
-          <a:xfrm>
-            <a:off x="8841262" y="2686499"/>
-            <a:ext cx="1402492" cy="654909"/>
-          </a:xfrm>
-          <a:prstGeom prst="chevron">
-            <a:avLst/>
-          </a:prstGeom>
-        </p:spPr>
-        <p:style>
-          <a:lnRef idx="2">
-            <a:schemeClr val="accent1">
-              <a:shade val="50000"/>
-            </a:schemeClr>
-          </a:lnRef>
-          <a:fillRef idx="1">
-            <a:schemeClr val="accent1"/>
-          </a:fillRef>
-          <a:effectRef idx="0">
-            <a:schemeClr val="accent1"/>
-          </a:effectRef>
-          <a:fontRef idx="minor">
-            <a:schemeClr val="lt1"/>
-          </a:fontRef>
-        </p:style>
-        <p:txBody>
-          <a:bodyPr rtlCol="0" anchor="ctr"/>
-          <a:lstStyle/>
-          <a:p>
-            <a:pPr algn="ctr"/>
-            <a:r>
-              <a:rPr lang="nl-BE" sz="900" dirty="0"/>
-              <a:t>pos_sb()</a:t>
-            </a:r>
-            <a:endParaRPr lang="en-US" sz="900" dirty="0"/>
-          </a:p>
-        </p:txBody>
-      </p:sp>
-      <p:cxnSp>
-        <p:nvCxnSpPr>
-          <p:cNvPr id="15" name="Straight Arrow Connector 14"/>
-          <p:cNvCxnSpPr>
-            <a:stCxn id="4" idx="4"/>
-            <a:endCxn id="7" idx="1"/>
-          </p:cNvCxnSpPr>
-          <p:nvPr/>
-        </p:nvCxnSpPr>
-        <p:spPr>
-          <a:xfrm>
-            <a:off x="1828798" y="2255108"/>
-            <a:ext cx="1439567" cy="1"/>
-          </a:xfrm>
-          <a:prstGeom prst="straightConnector1">
-            <a:avLst/>
-          </a:prstGeom>
-          <a:ln>
-            <a:tailEnd type="triangle"/>
-          </a:ln>
-        </p:spPr>
-        <p:style>
-          <a:lnRef idx="1">
-            <a:schemeClr val="dk1"/>
-          </a:lnRef>
-          <a:fillRef idx="0">
-            <a:schemeClr val="dk1"/>
-          </a:fillRef>
-          <a:effectRef idx="0">
-            <a:schemeClr val="dk1"/>
-          </a:effectRef>
-          <a:fontRef idx="minor">
-            <a:schemeClr val="tx1"/>
-          </a:fontRef>
-        </p:style>
-      </p:cxnSp>
-      <p:sp>
-        <p:nvSpPr>
-          <p:cNvPr id="17" name="TextBox 16"/>
-          <p:cNvSpPr txBox="1"/>
-          <p:nvPr/>
-        </p:nvSpPr>
-        <p:spPr>
-          <a:xfrm>
-            <a:off x="1831893" y="2021673"/>
-            <a:ext cx="704332" cy="230832"/>
-          </a:xfrm>
-          <a:prstGeom prst="rect">
-            <a:avLst/>
-          </a:prstGeom>
-          <a:noFill/>
-        </p:spPr>
-        <p:txBody>
-          <a:bodyPr wrap="square" rtlCol="0">
-            <a:spAutoFit/>
-          </a:bodyPr>
-          <a:lstStyle/>
-          <a:p>
-            <a:r>
-              <a:rPr lang="nl-BE" sz="900" dirty="0" smtClean="0"/>
-              <a:t>polling</a:t>
-            </a:r>
-            <a:endParaRPr lang="en-US" sz="900" dirty="0"/>
-          </a:p>
-        </p:txBody>
-      </p:sp>
-      <p:sp>
-        <p:nvSpPr>
-          <p:cNvPr id="18" name="Flowchart: Magnetic Disk 17"/>
-          <p:cNvSpPr/>
-          <p:nvPr/>
-        </p:nvSpPr>
-        <p:spPr>
-          <a:xfrm>
-            <a:off x="988539" y="5776785"/>
-            <a:ext cx="840259" cy="729048"/>
-          </a:xfrm>
-          <a:prstGeom prst="flowChartMagneticDisk">
-            <a:avLst/>
-          </a:prstGeom>
-        </p:spPr>
-        <p:style>
-          <a:lnRef idx="2">
-            <a:schemeClr val="accent5">
-              <a:shade val="50000"/>
-            </a:schemeClr>
-          </a:lnRef>
-          <a:fillRef idx="1">
-            <a:schemeClr val="accent5"/>
-          </a:fillRef>
-          <a:effectRef idx="0">
-            <a:schemeClr val="accent5"/>
-          </a:effectRef>
-          <a:fontRef idx="minor">
-            <a:schemeClr val="lt1"/>
-          </a:fontRef>
-        </p:style>
-        <p:txBody>
-          <a:bodyPr rtlCol="0" anchor="ctr"/>
-          <a:lstStyle/>
-          <a:p>
-            <a:pPr algn="ctr"/>
-            <a:r>
-              <a:rPr lang="nl-BE" sz="900" dirty="0" smtClean="0"/>
-              <a:t>stock_profiles</a:t>
-            </a:r>
-            <a:endParaRPr lang="en-US" sz="900" dirty="0"/>
-          </a:p>
-        </p:txBody>
-      </p:sp>
-      <p:sp>
-        <p:nvSpPr>
-          <p:cNvPr id="19" name="Chevron 18"/>
-          <p:cNvSpPr/>
-          <p:nvPr/>
-        </p:nvSpPr>
-        <p:spPr>
-          <a:xfrm>
-            <a:off x="2940910" y="5813854"/>
-            <a:ext cx="1402492" cy="654909"/>
-          </a:xfrm>
-          <a:prstGeom prst="chevron">
-            <a:avLst/>
-          </a:prstGeom>
-        </p:spPr>
-        <p:style>
-          <a:lnRef idx="2">
-            <a:schemeClr val="accent1">
-              <a:shade val="50000"/>
-            </a:schemeClr>
-          </a:lnRef>
-          <a:fillRef idx="1">
-            <a:schemeClr val="accent1"/>
-          </a:fillRef>
-          <a:effectRef idx="0">
-            <a:schemeClr val="accent1"/>
-          </a:effectRef>
-          <a:fontRef idx="minor">
-            <a:schemeClr val="lt1"/>
-          </a:fontRef>
-        </p:style>
-        <p:txBody>
-          <a:bodyPr rtlCol="0" anchor="ctr"/>
-          <a:lstStyle/>
-          <a:p>
-            <a:pPr algn="ctr"/>
-            <a:r>
-              <a:rPr lang="nl-BE" sz="900" dirty="0" smtClean="0"/>
-              <a:t>profiles()</a:t>
-            </a:r>
-            <a:endParaRPr lang="en-US" sz="900" dirty="0"/>
-          </a:p>
-        </p:txBody>
-      </p:sp>
-      <p:cxnSp>
-        <p:nvCxnSpPr>
-          <p:cNvPr id="21" name="Straight Arrow Connector 20"/>
-          <p:cNvCxnSpPr>
-            <a:stCxn id="5" idx="4"/>
-            <a:endCxn id="8" idx="1"/>
-          </p:cNvCxnSpPr>
-          <p:nvPr/>
-        </p:nvCxnSpPr>
-        <p:spPr>
-          <a:xfrm>
-            <a:off x="1828799" y="3459893"/>
-            <a:ext cx="1439566" cy="0"/>
-          </a:xfrm>
-          <a:prstGeom prst="straightConnector1">
-            <a:avLst/>
-          </a:prstGeom>
-          <a:ln>
-            <a:tailEnd type="triangle"/>
-          </a:ln>
-        </p:spPr>
-        <p:style>
-          <a:lnRef idx="1">
-            <a:schemeClr val="dk1"/>
-          </a:lnRef>
-          <a:fillRef idx="0">
-            <a:schemeClr val="dk1"/>
-          </a:fillRef>
-          <a:effectRef idx="0">
-            <a:schemeClr val="dk1"/>
-          </a:effectRef>
-          <a:fontRef idx="minor">
-            <a:schemeClr val="tx1"/>
-          </a:fontRef>
-        </p:style>
-      </p:cxnSp>
-      <p:cxnSp>
-        <p:nvCxnSpPr>
-          <p:cNvPr id="23" name="Straight Arrow Connector 22"/>
-          <p:cNvCxnSpPr>
-            <a:stCxn id="6" idx="4"/>
-            <a:endCxn id="9" idx="1"/>
-          </p:cNvCxnSpPr>
-          <p:nvPr/>
-        </p:nvCxnSpPr>
-        <p:spPr>
-          <a:xfrm>
-            <a:off x="1828798" y="4800601"/>
-            <a:ext cx="1439567" cy="0"/>
-          </a:xfrm>
-          <a:prstGeom prst="straightConnector1">
-            <a:avLst/>
-          </a:prstGeom>
-          <a:ln>
-            <a:tailEnd type="triangle"/>
-          </a:ln>
-        </p:spPr>
-        <p:style>
-          <a:lnRef idx="1">
-            <a:schemeClr val="dk1"/>
-          </a:lnRef>
-          <a:fillRef idx="0">
-            <a:schemeClr val="dk1"/>
-          </a:fillRef>
-          <a:effectRef idx="0">
-            <a:schemeClr val="dk1"/>
-          </a:effectRef>
-          <a:fontRef idx="minor">
-            <a:schemeClr val="tx1"/>
-          </a:fontRef>
-        </p:style>
-      </p:cxnSp>
-      <p:cxnSp>
-        <p:nvCxnSpPr>
-          <p:cNvPr id="25" name="Straight Arrow Connector 24"/>
-          <p:cNvCxnSpPr>
-            <a:stCxn id="18" idx="4"/>
-            <a:endCxn id="19" idx="1"/>
-          </p:cNvCxnSpPr>
-          <p:nvPr/>
-        </p:nvCxnSpPr>
-        <p:spPr>
-          <a:xfrm>
-            <a:off x="1828798" y="6141309"/>
-            <a:ext cx="1439567" cy="0"/>
-          </a:xfrm>
-          <a:prstGeom prst="straightConnector1">
-            <a:avLst/>
-          </a:prstGeom>
-          <a:ln>
-            <a:tailEnd type="triangle"/>
-          </a:ln>
-        </p:spPr>
-        <p:style>
-          <a:lnRef idx="1">
-            <a:schemeClr val="dk1"/>
-          </a:lnRef>
-          <a:fillRef idx="0">
-            <a:schemeClr val="dk1"/>
-          </a:fillRef>
-          <a:effectRef idx="0">
-            <a:schemeClr val="dk1"/>
-          </a:effectRef>
-          <a:fontRef idx="minor">
-            <a:schemeClr val="tx1"/>
-          </a:fontRef>
-        </p:style>
-      </p:cxnSp>
-      <p:sp>
-        <p:nvSpPr>
-          <p:cNvPr id="26" name="TextBox 25"/>
-          <p:cNvSpPr txBox="1"/>
-          <p:nvPr/>
-        </p:nvSpPr>
-        <p:spPr>
-          <a:xfrm>
-            <a:off x="1831893" y="3235282"/>
-            <a:ext cx="704332" cy="230832"/>
-          </a:xfrm>
-          <a:prstGeom prst="rect">
-            <a:avLst/>
-          </a:prstGeom>
-          <a:noFill/>
-        </p:spPr>
-        <p:txBody>
-          <a:bodyPr wrap="square" rtlCol="0">
-            <a:spAutoFit/>
-          </a:bodyPr>
-          <a:lstStyle/>
-          <a:p>
-            <a:r>
-              <a:rPr lang="nl-BE" sz="900" dirty="0" smtClean="0"/>
-              <a:t>polling</a:t>
-            </a:r>
-            <a:endParaRPr lang="en-US" sz="900" dirty="0"/>
-          </a:p>
-        </p:txBody>
-      </p:sp>
-      <p:sp>
-        <p:nvSpPr>
-          <p:cNvPr id="27" name="TextBox 26"/>
-          <p:cNvSpPr txBox="1"/>
-          <p:nvPr/>
-        </p:nvSpPr>
-        <p:spPr>
-          <a:xfrm>
-            <a:off x="1831893" y="4563176"/>
-            <a:ext cx="704332" cy="230832"/>
-          </a:xfrm>
-          <a:prstGeom prst="rect">
-            <a:avLst/>
-          </a:prstGeom>
-          <a:noFill/>
-        </p:spPr>
-        <p:txBody>
-          <a:bodyPr wrap="square" rtlCol="0">
-            <a:spAutoFit/>
-          </a:bodyPr>
-          <a:lstStyle/>
-          <a:p>
-            <a:r>
-              <a:rPr lang="nl-BE" sz="900" dirty="0" smtClean="0"/>
-              <a:t>polling</a:t>
-            </a:r>
-            <a:endParaRPr lang="en-US" sz="900" dirty="0"/>
-          </a:p>
-        </p:txBody>
-      </p:sp>
-      <p:sp>
-        <p:nvSpPr>
-          <p:cNvPr id="28" name="TextBox 27"/>
-          <p:cNvSpPr txBox="1"/>
-          <p:nvPr/>
-        </p:nvSpPr>
-        <p:spPr>
-          <a:xfrm>
-            <a:off x="1831893" y="5903884"/>
-            <a:ext cx="704332" cy="230832"/>
-          </a:xfrm>
-          <a:prstGeom prst="rect">
-            <a:avLst/>
-          </a:prstGeom>
-          <a:noFill/>
-        </p:spPr>
-        <p:txBody>
-          <a:bodyPr wrap="square" rtlCol="0">
-            <a:spAutoFit/>
-          </a:bodyPr>
-          <a:lstStyle/>
-          <a:p>
-            <a:r>
-              <a:rPr lang="nl-BE" sz="900" dirty="0" smtClean="0"/>
-              <a:t>polling</a:t>
-            </a:r>
-            <a:endParaRPr lang="en-US" sz="900" dirty="0"/>
-          </a:p>
-        </p:txBody>
-      </p:sp>
-      <p:sp>
-        <p:nvSpPr>
-          <p:cNvPr id="30" name="Chevron 29"/>
-          <p:cNvSpPr/>
-          <p:nvPr/>
-        </p:nvSpPr>
-        <p:spPr>
-          <a:xfrm>
-            <a:off x="4877829" y="3787347"/>
-            <a:ext cx="1402492" cy="654909"/>
-          </a:xfrm>
-          <a:prstGeom prst="chevron">
-            <a:avLst/>
-          </a:prstGeom>
-        </p:spPr>
-        <p:style>
-          <a:lnRef idx="2">
-            <a:schemeClr val="accent1">
-              <a:shade val="50000"/>
-            </a:schemeClr>
-          </a:lnRef>
-          <a:fillRef idx="1">
-            <a:schemeClr val="accent1"/>
-          </a:fillRef>
-          <a:effectRef idx="0">
-            <a:schemeClr val="accent1"/>
-          </a:effectRef>
-          <a:fontRef idx="minor">
-            <a:schemeClr val="lt1"/>
-          </a:fontRef>
-        </p:style>
-        <p:txBody>
-          <a:bodyPr rtlCol="0" anchor="ctr"/>
-          <a:lstStyle/>
-          <a:p>
-            <a:pPr algn="ctr"/>
-            <a:r>
-              <a:rPr lang="nl-BE" sz="900" dirty="0" smtClean="0"/>
-              <a:t>ohlc_euro()</a:t>
-            </a:r>
-            <a:endParaRPr lang="en-US" sz="900" dirty="0"/>
-          </a:p>
-        </p:txBody>
-      </p:sp>
-      <p:cxnSp>
-        <p:nvCxnSpPr>
-          <p:cNvPr id="32" name="Straight Arrow Connector 31"/>
-          <p:cNvCxnSpPr>
-            <a:stCxn id="8" idx="3"/>
-            <a:endCxn id="30" idx="1"/>
-          </p:cNvCxnSpPr>
-          <p:nvPr/>
-        </p:nvCxnSpPr>
-        <p:spPr>
-          <a:xfrm>
-            <a:off x="4343402" y="3459893"/>
-            <a:ext cx="861882" cy="654909"/>
-          </a:xfrm>
-          <a:prstGeom prst="straightConnector1">
-            <a:avLst/>
-          </a:prstGeom>
-          <a:ln>
-            <a:tailEnd type="triangle"/>
-          </a:ln>
-        </p:spPr>
-        <p:style>
-          <a:lnRef idx="1">
-            <a:schemeClr val="dk1"/>
-          </a:lnRef>
-          <a:fillRef idx="0">
-            <a:schemeClr val="dk1"/>
-          </a:fillRef>
-          <a:effectRef idx="0">
-            <a:schemeClr val="dk1"/>
-          </a:effectRef>
-          <a:fontRef idx="minor">
-            <a:schemeClr val="tx1"/>
-          </a:fontRef>
-        </p:style>
-      </p:cxnSp>
-      <p:cxnSp>
-        <p:nvCxnSpPr>
-          <p:cNvPr id="34" name="Straight Arrow Connector 33"/>
-          <p:cNvCxnSpPr>
-            <a:stCxn id="9" idx="3"/>
-            <a:endCxn id="30" idx="1"/>
-          </p:cNvCxnSpPr>
-          <p:nvPr/>
-        </p:nvCxnSpPr>
-        <p:spPr>
-          <a:xfrm flipV="1">
-            <a:off x="4343402" y="4114802"/>
-            <a:ext cx="861882" cy="685799"/>
-          </a:xfrm>
-          <a:prstGeom prst="straightConnector1">
-            <a:avLst/>
-          </a:prstGeom>
-          <a:ln>
-            <a:tailEnd type="triangle"/>
-          </a:ln>
-        </p:spPr>
-        <p:style>
-          <a:lnRef idx="1">
-            <a:schemeClr val="dk1"/>
-          </a:lnRef>
-          <a:fillRef idx="0">
-            <a:schemeClr val="dk1"/>
-          </a:fillRef>
-          <a:effectRef idx="0">
-            <a:schemeClr val="dk1"/>
-          </a:effectRef>
-          <a:fontRef idx="minor">
-            <a:schemeClr val="tx1"/>
-          </a:fontRef>
-        </p:style>
-      </p:cxnSp>
-      <p:cxnSp>
-        <p:nvCxnSpPr>
-          <p:cNvPr id="36" name="Straight Arrow Connector 35"/>
-          <p:cNvCxnSpPr>
-            <a:stCxn id="19" idx="3"/>
-            <a:endCxn id="30" idx="1"/>
-          </p:cNvCxnSpPr>
-          <p:nvPr/>
-        </p:nvCxnSpPr>
-        <p:spPr>
-          <a:xfrm flipV="1">
-            <a:off x="4343402" y="4114802"/>
-            <a:ext cx="861882" cy="2026507"/>
-          </a:xfrm>
-          <a:prstGeom prst="straightConnector1">
-            <a:avLst/>
-          </a:prstGeom>
-          <a:ln>
-            <a:tailEnd type="triangle"/>
-          </a:ln>
-        </p:spPr>
-        <p:style>
-          <a:lnRef idx="1">
-            <a:schemeClr val="dk1"/>
-          </a:lnRef>
-          <a:fillRef idx="0">
-            <a:schemeClr val="dk1"/>
-          </a:fillRef>
-          <a:effectRef idx="0">
-            <a:schemeClr val="dk1"/>
-          </a:effectRef>
-          <a:fontRef idx="minor">
-            <a:schemeClr val="tx1"/>
-          </a:fontRef>
-        </p:style>
-      </p:cxnSp>
-      <p:cxnSp>
-        <p:nvCxnSpPr>
-          <p:cNvPr id="38" name="Straight Arrow Connector 37"/>
-          <p:cNvCxnSpPr>
-            <a:stCxn id="7" idx="3"/>
-            <a:endCxn id="10" idx="1"/>
-          </p:cNvCxnSpPr>
-          <p:nvPr/>
-        </p:nvCxnSpPr>
-        <p:spPr>
-          <a:xfrm>
-            <a:off x="4343402" y="2255109"/>
-            <a:ext cx="729050" cy="0"/>
-          </a:xfrm>
-          <a:prstGeom prst="straightConnector1">
-            <a:avLst/>
-          </a:prstGeom>
-          <a:ln>
-            <a:tailEnd type="triangle"/>
-          </a:ln>
-        </p:spPr>
-        <p:style>
-          <a:lnRef idx="1">
-            <a:schemeClr val="dk1"/>
-          </a:lnRef>
-          <a:fillRef idx="0">
-            <a:schemeClr val="dk1"/>
-          </a:fillRef>
-          <a:effectRef idx="0">
-            <a:schemeClr val="dk1"/>
-          </a:effectRef>
-          <a:fontRef idx="minor">
-            <a:schemeClr val="tx1"/>
-          </a:fontRef>
-        </p:style>
-      </p:cxnSp>
-      <p:cxnSp>
-        <p:nvCxnSpPr>
-          <p:cNvPr id="42" name="Straight Arrow Connector 41"/>
-          <p:cNvCxnSpPr>
-            <a:stCxn id="10" idx="3"/>
-            <a:endCxn id="11" idx="1"/>
-          </p:cNvCxnSpPr>
-          <p:nvPr/>
-        </p:nvCxnSpPr>
-        <p:spPr>
-          <a:xfrm flipV="1">
-            <a:off x="6147489" y="1102295"/>
-            <a:ext cx="485004" cy="1152814"/>
-          </a:xfrm>
-          <a:prstGeom prst="straightConnector1">
-            <a:avLst/>
-          </a:prstGeom>
-          <a:ln>
-            <a:tailEnd type="triangle"/>
-          </a:ln>
-        </p:spPr>
-        <p:style>
-          <a:lnRef idx="1">
-            <a:schemeClr val="dk1"/>
-          </a:lnRef>
-          <a:fillRef idx="0">
-            <a:schemeClr val="dk1"/>
-          </a:fillRef>
-          <a:effectRef idx="0">
-            <a:schemeClr val="dk1"/>
-          </a:effectRef>
-          <a:fontRef idx="minor">
-            <a:schemeClr val="tx1"/>
-          </a:fontRef>
-        </p:style>
-      </p:cxnSp>
-      <p:cxnSp>
-        <p:nvCxnSpPr>
-          <p:cNvPr id="44" name="Straight Arrow Connector 43"/>
-          <p:cNvCxnSpPr>
-            <a:stCxn id="10" idx="3"/>
-            <a:endCxn id="12" idx="1"/>
-          </p:cNvCxnSpPr>
-          <p:nvPr/>
-        </p:nvCxnSpPr>
-        <p:spPr>
-          <a:xfrm>
-            <a:off x="6147489" y="2255109"/>
-            <a:ext cx="642551" cy="758846"/>
-          </a:xfrm>
-          <a:prstGeom prst="straightConnector1">
-            <a:avLst/>
-          </a:prstGeom>
-          <a:ln>
-            <a:tailEnd type="triangle"/>
-          </a:ln>
-        </p:spPr>
-        <p:style>
-          <a:lnRef idx="1">
-            <a:schemeClr val="dk1"/>
-          </a:lnRef>
-          <a:fillRef idx="0">
-            <a:schemeClr val="dk1"/>
-          </a:fillRef>
-          <a:effectRef idx="0">
-            <a:schemeClr val="dk1"/>
-          </a:effectRef>
-          <a:fontRef idx="minor">
-            <a:schemeClr val="tx1"/>
-          </a:fontRef>
-        </p:style>
-      </p:cxnSp>
-      <p:cxnSp>
-        <p:nvCxnSpPr>
-          <p:cNvPr id="46" name="Straight Arrow Connector 45"/>
-          <p:cNvCxnSpPr>
-            <a:stCxn id="30" idx="3"/>
-            <a:endCxn id="12" idx="1"/>
-          </p:cNvCxnSpPr>
-          <p:nvPr/>
-        </p:nvCxnSpPr>
-        <p:spPr>
-          <a:xfrm flipV="1">
-            <a:off x="6280321" y="3013955"/>
-            <a:ext cx="509719" cy="1100847"/>
-          </a:xfrm>
-          <a:prstGeom prst="straightConnector1">
-            <a:avLst/>
-          </a:prstGeom>
-          <a:ln>
-            <a:tailEnd type="triangle"/>
-          </a:ln>
-        </p:spPr>
-        <p:style>
-          <a:lnRef idx="1">
-            <a:schemeClr val="dk1"/>
-          </a:lnRef>
-          <a:fillRef idx="0">
-            <a:schemeClr val="dk1"/>
-          </a:fillRef>
-          <a:effectRef idx="0">
-            <a:schemeClr val="dk1"/>
-          </a:effectRef>
-          <a:fontRef idx="minor">
-            <a:schemeClr val="tx1"/>
-          </a:fontRef>
-        </p:style>
-      </p:cxnSp>
-      <p:cxnSp>
-        <p:nvCxnSpPr>
-          <p:cNvPr id="48" name="Straight Arrow Connector 47"/>
-          <p:cNvCxnSpPr>
-            <a:stCxn id="12" idx="3"/>
-            <a:endCxn id="13" idx="1"/>
-          </p:cNvCxnSpPr>
-          <p:nvPr/>
-        </p:nvCxnSpPr>
-        <p:spPr>
-          <a:xfrm flipV="1">
-            <a:off x="7983414" y="3013954"/>
-            <a:ext cx="1185303" cy="1"/>
-          </a:xfrm>
-          <a:prstGeom prst="straightConnector1">
-            <a:avLst/>
-          </a:prstGeom>
-          <a:ln>
-            <a:tailEnd type="triangle"/>
-          </a:ln>
-        </p:spPr>
-        <p:style>
-          <a:lnRef idx="1">
-            <a:schemeClr val="dk1"/>
-          </a:lnRef>
-          <a:fillRef idx="0">
-            <a:schemeClr val="dk1"/>
-          </a:fillRef>
-          <a:effectRef idx="0">
-            <a:schemeClr val="dk1"/>
-          </a:effectRef>
-          <a:fontRef idx="minor">
-            <a:schemeClr val="tx1"/>
-          </a:fontRef>
-        </p:style>
-      </p:cxnSp>
-      <p:sp>
-        <p:nvSpPr>
           <p:cNvPr id="16" name="TextBox 15"/>
           <p:cNvSpPr txBox="1"/>
           <p:nvPr/>
         </p:nvSpPr>
         <p:spPr>
           <a:xfrm>
-            <a:off x="1566154" y="787302"/>
-            <a:ext cx="2538197" cy="923330"/>
+            <a:off x="1566156" y="879613"/>
+            <a:ext cx="2538197" cy="830997"/>
           </a:xfrm>
           <a:prstGeom prst="rect">
             <a:avLst/>
@@ -9249,10 +9251,10 @@
           <a:lstStyle/>
           <a:p>
             <a:r>
-              <a:rPr lang="en-BE" dirty="0" smtClean="0"/>
+              <a:rPr lang="en-BE" sz="1600" dirty="0" smtClean="0"/>
               <a:t>read entire table into memory and do some type conversions</a:t>
             </a:r>
-            <a:endParaRPr lang="nl-BE" dirty="0"/>
+            <a:endParaRPr lang="nl-BE" sz="1600" dirty="0"/>
           </a:p>
         </p:txBody>
       </p:sp>
@@ -9264,8 +9266,8 @@
         </p:nvSpPr>
         <p:spPr>
           <a:xfrm>
-            <a:off x="5363394" y="4502663"/>
-            <a:ext cx="2538197" cy="646331"/>
+            <a:off x="5120892" y="4501620"/>
+            <a:ext cx="2538197" cy="584775"/>
           </a:xfrm>
           <a:prstGeom prst="rect">
             <a:avLst/>
@@ -9292,10 +9294,65 @@
           <a:lstStyle/>
           <a:p>
             <a:r>
-              <a:rPr lang="en-BE" dirty="0" smtClean="0"/>
+              <a:rPr lang="en-BE" sz="1600" dirty="0" smtClean="0"/>
               <a:t>same format as ohlc but all values are in euro</a:t>
             </a:r>
-            <a:endParaRPr lang="nl-BE" dirty="0"/>
+            <a:endParaRPr lang="nl-BE" sz="1600" dirty="0"/>
+          </a:p>
+        </p:txBody>
+      </p:sp>
+      <p:sp>
+        <p:nvSpPr>
+          <p:cNvPr id="35" name="TextBox 34"/>
+          <p:cNvSpPr txBox="1"/>
+          <p:nvPr/>
+        </p:nvSpPr>
+        <p:spPr>
+          <a:xfrm>
+            <a:off x="4134535" y="311360"/>
+            <a:ext cx="2348248" cy="1569660"/>
+          </a:xfrm>
+          <a:prstGeom prst="rect">
+            <a:avLst/>
+          </a:prstGeom>
+        </p:spPr>
+        <p:style>
+          <a:lnRef idx="2">
+            <a:schemeClr val="accent6"/>
+          </a:lnRef>
+          <a:fillRef idx="1">
+            <a:schemeClr val="lt1"/>
+          </a:fillRef>
+          <a:effectRef idx="0">
+            <a:schemeClr val="accent6"/>
+          </a:effectRef>
+          <a:fontRef idx="minor">
+            <a:schemeClr val="dk1"/>
+          </a:fontRef>
+        </p:style>
+        <p:txBody>
+          <a:bodyPr wrap="square" rtlCol="0">
+            <a:spAutoFit/>
+          </a:bodyPr>
+          <a:lstStyle/>
+          <a:p>
+            <a:r>
+              <a:rPr lang="en-BE" sz="1600" dirty="0" smtClean="0"/>
+              <a:t>extended tr() with </a:t>
+            </a:r>
+          </a:p>
+          <a:p>
+            <a:r>
+              <a:rPr lang="en-BE" sz="1600" dirty="0" smtClean="0"/>
+              <a:t>cash delta, cash_position, amount_holding, transaction_price, mean_acquire_price,</a:t>
+            </a:r>
+          </a:p>
+          <a:p>
+            <a:r>
+              <a:rPr lang="en-BE" sz="1600" dirty="0" smtClean="0"/>
+              <a:t>mean_acquire_value</a:t>
+            </a:r>
+            <a:endParaRPr lang="nl-BE" sz="1600" dirty="0"/>
           </a:p>
         </p:txBody>
       </p:sp>
@@ -9319,7 +9376,7 @@
 </p:sld>
 </file>
 
-<file path=ppt/slides/slide25.xml><?xml version="1.0" encoding="utf-8"?>
+<file path=ppt/slides/slide24.xml><?xml version="1.0" encoding="utf-8"?>
 <p:sld xmlns:a="http://schemas.openxmlformats.org/drawingml/2006/main" xmlns:r="http://schemas.openxmlformats.org/officeDocument/2006/relationships" xmlns:p="http://schemas.openxmlformats.org/presentationml/2006/main">
   <p:cSld>
     <p:bg>
@@ -9409,7 +9466,7 @@
 </p:sld>
 </file>
 
-<file path=ppt/slides/slide26.xml><?xml version="1.0" encoding="utf-8"?>
+<file path=ppt/slides/slide25.xml><?xml version="1.0" encoding="utf-8"?>
 <p:sld xmlns:a="http://schemas.openxmlformats.org/drawingml/2006/main" xmlns:r="http://schemas.openxmlformats.org/officeDocument/2006/relationships" xmlns:p="http://schemas.openxmlformats.org/presentationml/2006/main">
   <p:cSld>
     <p:spTree>
@@ -11112,7 +11169,7 @@
 </p:sld>
 </file>
 
-<file path=ppt/slides/slide27.xml><?xml version="1.0" encoding="utf-8"?>
+<file path=ppt/slides/slide26.xml><?xml version="1.0" encoding="utf-8"?>
 <p:sld xmlns:a="http://schemas.openxmlformats.org/drawingml/2006/main" xmlns:r="http://schemas.openxmlformats.org/officeDocument/2006/relationships" xmlns:p="http://schemas.openxmlformats.org/presentationml/2006/main">
   <p:cSld>
     <p:spTree>

--- a/doc/stock_dashboard_documentation.pptx
+++ b/doc/stock_dashboard_documentation.pptx
@@ -28,9 +28,14 @@
     <p:sldId id="266" r:id="rId22"/>
     <p:sldId id="265" r:id="rId23"/>
     <p:sldId id="288" r:id="rId24"/>
-    <p:sldId id="268" r:id="rId25"/>
-    <p:sldId id="271" r:id="rId26"/>
-    <p:sldId id="274" r:id="rId27"/>
+    <p:sldId id="292" r:id="rId25"/>
+    <p:sldId id="293" r:id="rId26"/>
+    <p:sldId id="294" r:id="rId27"/>
+    <p:sldId id="295" r:id="rId28"/>
+    <p:sldId id="296" r:id="rId29"/>
+    <p:sldId id="268" r:id="rId30"/>
+    <p:sldId id="271" r:id="rId31"/>
+    <p:sldId id="274" r:id="rId32"/>
   </p:sldIdLst>
   <p:sldSz cx="12192000" cy="6858000"/>
   <p:notesSz cx="6858000" cy="9144000"/>
@@ -6230,21 +6235,8 @@
                   <a:srgbClr val="FF0000"/>
                 </a:solidFill>
               </a:rPr>
-              <a:t>gegokt aantal is soms verkeerd, best af en toe kijken in dashboard-orders-historiek en in dbbrowser de waarden </a:t>
-            </a:r>
-            <a:r>
-              <a:rPr lang="en-BE" sz="1600" b="1" smtClean="0">
-                <a:solidFill>
-                  <a:srgbClr val="FF0000"/>
-                </a:solidFill>
-              </a:rPr>
-              <a:t>juist zetten (todo ontwikkeling: excel van dit dashboard parsen)</a:t>
-            </a:r>
-            <a:endParaRPr lang="en-BE" sz="1600" b="1" dirty="0" smtClean="0">
-              <a:solidFill>
-                <a:srgbClr val="FF0000"/>
-              </a:solidFill>
-            </a:endParaRPr>
+              <a:t>gegokt aantal is soms verkeerd, best af en toe kijken in dashboard-orders-historiek en in dbbrowser de waarden juist zetten (todo ontwikkeling: excel van dit dashboard parsen)</a:t>
+            </a:r>
           </a:p>
           <a:p>
             <a:endParaRPr lang="nl-BE" sz="1600" dirty="0" smtClean="0"/>
@@ -6401,6 +6393,24 @@
             </a:r>
           </a:p>
           <a:p>
+            <a:r>
+              <a:rPr lang="en-BE" sz="1600" dirty="0"/>
+              <a:t>internal data structures &amp; </a:t>
+            </a:r>
+            <a:br>
+              <a:rPr lang="en-BE" sz="1600" dirty="0"/>
+            </a:br>
+            <a:r>
+              <a:rPr lang="nl-BE" sz="1600" dirty="0" err="1" smtClean="0"/>
+              <a:t>reactivity</a:t>
+            </a:r>
+            <a:endParaRPr lang="en-BE" sz="1600" dirty="0" smtClean="0"/>
+          </a:p>
+          <a:p>
+            <a:r>
+              <a:rPr lang="en-BE" sz="1600" dirty="0" smtClean="0"/>
+              <a:t>performance</a:t>
+            </a:r>
             <a:endParaRPr lang="nl-BE" sz="1600" dirty="0"/>
           </a:p>
         </p:txBody>
@@ -6469,7 +6479,14 @@
           <a:lstStyle/>
           <a:p>
             <a:r>
-              <a:rPr lang="nl-BE" dirty="0" smtClean="0"/>
+              <a:rPr lang="en-BE" dirty="0" smtClean="0"/>
+              <a:t>internal data structures &amp; </a:t>
+            </a:r>
+            <a:br>
+              <a:rPr lang="en-BE" dirty="0" smtClean="0"/>
+            </a:br>
+            <a:r>
+              <a:rPr lang="nl-BE" dirty="0" err="1" smtClean="0"/>
               <a:t>reactivity</a:t>
             </a:r>
             <a:endParaRPr lang="en-US" dirty="0"/>
@@ -9223,7 +9240,7 @@
         </p:nvSpPr>
         <p:spPr>
           <a:xfrm>
-            <a:off x="1566156" y="879613"/>
+            <a:off x="1638948" y="896830"/>
             <a:ext cx="2538197" cy="830997"/>
           </a:xfrm>
           <a:prstGeom prst="rect">
@@ -9266,8 +9283,8 @@
         </p:nvSpPr>
         <p:spPr>
           <a:xfrm>
-            <a:off x="5120892" y="4501620"/>
-            <a:ext cx="2538197" cy="584775"/>
+            <a:off x="6283903" y="5354652"/>
+            <a:ext cx="2538197" cy="338554"/>
           </a:xfrm>
           <a:prstGeom prst="rect">
             <a:avLst/>
@@ -9295,7 +9312,7 @@
           <a:p>
             <a:r>
               <a:rPr lang="en-BE" sz="1600" dirty="0" smtClean="0"/>
-              <a:t>same format as ohlc but all values are in euro</a:t>
+              <a:t>see next slides</a:t>
             </a:r>
             <a:endParaRPr lang="nl-BE" sz="1600" dirty="0"/>
           </a:p>
@@ -9303,56 +9320,97 @@
       </p:sp>
       <p:sp>
         <p:nvSpPr>
-          <p:cNvPr id="35" name="TextBox 34"/>
-          <p:cNvSpPr txBox="1"/>
-          <p:nvPr/>
-        </p:nvSpPr>
-        <p:spPr>
-          <a:xfrm>
-            <a:off x="4134535" y="311360"/>
-            <a:ext cx="2348248" cy="1569660"/>
+          <p:cNvPr id="3" name="Rectangle 2"/>
+          <p:cNvSpPr/>
+          <p:nvPr/>
+        </p:nvSpPr>
+        <p:spPr>
+          <a:xfrm>
+            <a:off x="835269" y="722870"/>
+            <a:ext cx="3701562" cy="5910062"/>
           </a:xfrm>
           <a:prstGeom prst="rect">
             <a:avLst/>
           </a:prstGeom>
+          <a:noFill/>
+          <a:ln w="9525" cap="flat" cmpd="sng" algn="ctr">
+            <a:solidFill>
+              <a:schemeClr val="dk1"/>
+            </a:solidFill>
+            <a:prstDash val="solid"/>
+            <a:round/>
+            <a:headEnd type="none" w="med" len="med"/>
+            <a:tailEnd type="none" w="med" len="med"/>
+          </a:ln>
         </p:spPr>
         <p:style>
-          <a:lnRef idx="2">
-            <a:schemeClr val="accent6"/>
+          <a:lnRef idx="0">
+            <a:scrgbClr r="0" g="0" b="0"/>
           </a:lnRef>
-          <a:fillRef idx="1">
-            <a:schemeClr val="lt1"/>
+          <a:fillRef idx="0">
+            <a:scrgbClr r="0" g="0" b="0"/>
           </a:fillRef>
           <a:effectRef idx="0">
-            <a:schemeClr val="accent6"/>
+            <a:scrgbClr r="0" g="0" b="0"/>
           </a:effectRef>
           <a:fontRef idx="minor">
             <a:schemeClr val="dk1"/>
           </a:fontRef>
         </p:style>
         <p:txBody>
-          <a:bodyPr wrap="square" rtlCol="0">
-            <a:spAutoFit/>
-          </a:bodyPr>
-          <a:lstStyle/>
-          <a:p>
-            <a:r>
-              <a:rPr lang="en-BE" sz="1600" dirty="0" smtClean="0"/>
-              <a:t>extended tr() with </a:t>
-            </a:r>
-          </a:p>
-          <a:p>
-            <a:r>
-              <a:rPr lang="en-BE" sz="1600" dirty="0" smtClean="0"/>
-              <a:t>cash delta, cash_position, amount_holding, transaction_price, mean_acquire_price,</a:t>
-            </a:r>
-          </a:p>
-          <a:p>
-            <a:r>
-              <a:rPr lang="en-BE" sz="1600" dirty="0" smtClean="0"/>
-              <a:t>mean_acquire_value</a:t>
-            </a:r>
-            <a:endParaRPr lang="nl-BE" sz="1600" dirty="0"/>
+          <a:bodyPr rtlCol="0" anchor="ctr"/>
+          <a:lstStyle/>
+          <a:p>
+            <a:pPr algn="ctr"/>
+            <a:endParaRPr lang="nl-BE"/>
+          </a:p>
+        </p:txBody>
+      </p:sp>
+      <p:sp>
+        <p:nvSpPr>
+          <p:cNvPr id="40" name="Rectangle 39"/>
+          <p:cNvSpPr/>
+          <p:nvPr/>
+        </p:nvSpPr>
+        <p:spPr>
+          <a:xfrm>
+            <a:off x="4651952" y="722870"/>
+            <a:ext cx="5802101" cy="5910062"/>
+          </a:xfrm>
+          <a:prstGeom prst="rect">
+            <a:avLst/>
+          </a:prstGeom>
+          <a:noFill/>
+          <a:ln w="9525" cap="flat" cmpd="sng" algn="ctr">
+            <a:solidFill>
+              <a:schemeClr val="dk1"/>
+            </a:solidFill>
+            <a:prstDash val="solid"/>
+            <a:round/>
+            <a:headEnd type="none" w="med" len="med"/>
+            <a:tailEnd type="none" w="med" len="med"/>
+          </a:ln>
+        </p:spPr>
+        <p:style>
+          <a:lnRef idx="0">
+            <a:scrgbClr r="0" g="0" b="0"/>
+          </a:lnRef>
+          <a:fillRef idx="0">
+            <a:scrgbClr r="0" g="0" b="0"/>
+          </a:fillRef>
+          <a:effectRef idx="0">
+            <a:scrgbClr r="0" g="0" b="0"/>
+          </a:effectRef>
+          <a:fontRef idx="minor">
+            <a:schemeClr val="dk1"/>
+          </a:fontRef>
+        </p:style>
+        <p:txBody>
+          <a:bodyPr rtlCol="0" anchor="ctr"/>
+          <a:lstStyle/>
+          <a:p>
+            <a:pPr algn="ctr"/>
+            <a:endParaRPr lang="nl-BE"/>
           </a:p>
         </p:txBody>
       </p:sp>
@@ -9377,6 +9435,648 @@
 </file>
 
 <file path=ppt/slides/slide24.xml><?xml version="1.0" encoding="utf-8"?>
+<p:sld xmlns:a="http://schemas.openxmlformats.org/drawingml/2006/main" xmlns:r="http://schemas.openxmlformats.org/officeDocument/2006/relationships" xmlns:p="http://schemas.openxmlformats.org/presentationml/2006/main">
+  <p:cSld>
+    <p:spTree>
+      <p:nvGrpSpPr>
+        <p:cNvPr id="1" name=""/>
+        <p:cNvGrpSpPr/>
+        <p:nvPr/>
+      </p:nvGrpSpPr>
+      <p:grpSpPr>
+        <a:xfrm>
+          <a:off x="0" y="0"/>
+          <a:ext cx="0" cy="0"/>
+          <a:chOff x="0" y="0"/>
+          <a:chExt cx="0" cy="0"/>
+        </a:xfrm>
+      </p:grpSpPr>
+      <p:sp>
+        <p:nvSpPr>
+          <p:cNvPr id="2" name="Title 1"/>
+          <p:cNvSpPr>
+            <a:spLocks noGrp="1"/>
+          </p:cNvSpPr>
+          <p:nvPr>
+            <p:ph type="title"/>
+          </p:nvPr>
+        </p:nvSpPr>
+        <p:spPr>
+          <a:xfrm>
+            <a:off x="109151" y="-203286"/>
+            <a:ext cx="10515600" cy="1325563"/>
+          </a:xfrm>
+        </p:spPr>
+        <p:txBody>
+          <a:bodyPr/>
+          <a:lstStyle/>
+          <a:p>
+            <a:r>
+              <a:rPr lang="en-BE" dirty="0" smtClean="0"/>
+              <a:t>reactives: tr_ext()</a:t>
+            </a:r>
+            <a:endParaRPr lang="en-US" dirty="0"/>
+          </a:p>
+        </p:txBody>
+      </p:sp>
+      <p:sp>
+        <p:nvSpPr>
+          <p:cNvPr id="10" name="Content Placeholder 2"/>
+          <p:cNvSpPr>
+            <a:spLocks noGrp="1"/>
+          </p:cNvSpPr>
+          <p:nvPr>
+            <p:ph idx="1"/>
+          </p:nvPr>
+        </p:nvSpPr>
+        <p:spPr>
+          <a:xfrm>
+            <a:off x="203931" y="1052547"/>
+            <a:ext cx="11368171" cy="5499556"/>
+          </a:xfrm>
+        </p:spPr>
+        <p:txBody>
+          <a:bodyPr>
+            <a:normAutofit/>
+          </a:bodyPr>
+          <a:lstStyle/>
+          <a:p>
+            <a:r>
+              <a:rPr lang="en-BE" sz="1600" dirty="0"/>
+              <a:t>extended tr() with </a:t>
+            </a:r>
+          </a:p>
+          <a:p>
+            <a:pPr lvl="1"/>
+            <a:r>
+              <a:rPr lang="en-BE" sz="1200" dirty="0"/>
+              <a:t>cash </a:t>
+            </a:r>
+            <a:r>
+              <a:rPr lang="en-BE" sz="1200" dirty="0" smtClean="0"/>
+              <a:t>delta</a:t>
+            </a:r>
+          </a:p>
+          <a:p>
+            <a:pPr lvl="1"/>
+            <a:r>
+              <a:rPr lang="en-BE" sz="1200" dirty="0" smtClean="0"/>
+              <a:t>cash_position</a:t>
+            </a:r>
+          </a:p>
+          <a:p>
+            <a:pPr lvl="1"/>
+            <a:r>
+              <a:rPr lang="en-BE" sz="1200" dirty="0" smtClean="0"/>
+              <a:t>amount_holding</a:t>
+            </a:r>
+          </a:p>
+          <a:p>
+            <a:pPr lvl="1"/>
+            <a:r>
+              <a:rPr lang="en-BE" sz="1200" dirty="0" smtClean="0"/>
+              <a:t>transaction_price</a:t>
+            </a:r>
+          </a:p>
+          <a:p>
+            <a:pPr lvl="1"/>
+            <a:r>
+              <a:rPr lang="en-BE" sz="1200" dirty="0" smtClean="0"/>
+              <a:t>mean_acquire_price</a:t>
+            </a:r>
+            <a:endParaRPr lang="en-BE" sz="1200" dirty="0"/>
+          </a:p>
+          <a:p>
+            <a:pPr lvl="1"/>
+            <a:r>
+              <a:rPr lang="en-BE" sz="1200" dirty="0"/>
+              <a:t>mean_acquire_value</a:t>
+            </a:r>
+            <a:endParaRPr lang="nl-BE" sz="1200" dirty="0"/>
+          </a:p>
+        </p:txBody>
+      </p:sp>
+      <p:pic>
+        <p:nvPicPr>
+          <p:cNvPr id="4" name="Picture 3"/>
+          <p:cNvPicPr>
+            <a:picLocks noChangeAspect="1"/>
+          </p:cNvPicPr>
+          <p:nvPr/>
+        </p:nvPicPr>
+        <p:blipFill>
+          <a:blip r:embed="rId2"/>
+          <a:stretch>
+            <a:fillRect/>
+          </a:stretch>
+        </p:blipFill>
+        <p:spPr>
+          <a:xfrm>
+            <a:off x="272561" y="3214478"/>
+            <a:ext cx="11524617" cy="1175694"/>
+          </a:xfrm>
+          <a:prstGeom prst="rect">
+            <a:avLst/>
+          </a:prstGeom>
+        </p:spPr>
+      </p:pic>
+    </p:spTree>
+    <p:extLst>
+      <p:ext uri="{BB962C8B-B14F-4D97-AF65-F5344CB8AC3E}">
+        <p14:creationId xmlns:p14="http://schemas.microsoft.com/office/powerpoint/2010/main" val="704196023"/>
+      </p:ext>
+    </p:extLst>
+  </p:cSld>
+  <p:clrMapOvr>
+    <a:masterClrMapping/>
+  </p:clrMapOvr>
+  <p:timing>
+    <p:tnLst>
+      <p:par>
+        <p:cTn id="1" dur="indefinite" restart="never" nodeType="tmRoot"/>
+      </p:par>
+    </p:tnLst>
+  </p:timing>
+</p:sld>
+</file>
+
+<file path=ppt/slides/slide25.xml><?xml version="1.0" encoding="utf-8"?>
+<p:sld xmlns:a="http://schemas.openxmlformats.org/drawingml/2006/main" xmlns:r="http://schemas.openxmlformats.org/officeDocument/2006/relationships" xmlns:p="http://schemas.openxmlformats.org/presentationml/2006/main">
+  <p:cSld>
+    <p:spTree>
+      <p:nvGrpSpPr>
+        <p:cNvPr id="1" name=""/>
+        <p:cNvGrpSpPr/>
+        <p:nvPr/>
+      </p:nvGrpSpPr>
+      <p:grpSpPr>
+        <a:xfrm>
+          <a:off x="0" y="0"/>
+          <a:ext cx="0" cy="0"/>
+          <a:chOff x="0" y="0"/>
+          <a:chExt cx="0" cy="0"/>
+        </a:xfrm>
+      </p:grpSpPr>
+      <p:sp>
+        <p:nvSpPr>
+          <p:cNvPr id="2" name="Title 1"/>
+          <p:cNvSpPr>
+            <a:spLocks noGrp="1"/>
+          </p:cNvSpPr>
+          <p:nvPr>
+            <p:ph type="title"/>
+          </p:nvPr>
+        </p:nvSpPr>
+        <p:spPr>
+          <a:xfrm>
+            <a:off x="109151" y="-203286"/>
+            <a:ext cx="10515600" cy="1325563"/>
+          </a:xfrm>
+        </p:spPr>
+        <p:txBody>
+          <a:bodyPr/>
+          <a:lstStyle/>
+          <a:p>
+            <a:r>
+              <a:rPr lang="en-BE" dirty="0" smtClean="0"/>
+              <a:t>reactives: ohlc_euro()</a:t>
+            </a:r>
+            <a:endParaRPr lang="en-US" dirty="0"/>
+          </a:p>
+        </p:txBody>
+      </p:sp>
+      <p:sp>
+        <p:nvSpPr>
+          <p:cNvPr id="10" name="Content Placeholder 2"/>
+          <p:cNvSpPr>
+            <a:spLocks noGrp="1"/>
+          </p:cNvSpPr>
+          <p:nvPr>
+            <p:ph idx="1"/>
+          </p:nvPr>
+        </p:nvSpPr>
+        <p:spPr>
+          <a:xfrm>
+            <a:off x="203931" y="1052547"/>
+            <a:ext cx="11368171" cy="5499556"/>
+          </a:xfrm>
+        </p:spPr>
+        <p:txBody>
+          <a:bodyPr>
+            <a:normAutofit/>
+          </a:bodyPr>
+          <a:lstStyle/>
+          <a:p>
+            <a:r>
+              <a:rPr lang="en-BE" sz="1600" dirty="0" smtClean="0"/>
+              <a:t>same as ohlc() but all values are converted to EUR if they were in another currency to begin with:</a:t>
+            </a:r>
+            <a:endParaRPr lang="nl-BE" sz="1200" dirty="0"/>
+          </a:p>
+        </p:txBody>
+      </p:sp>
+      <p:pic>
+        <p:nvPicPr>
+          <p:cNvPr id="3" name="Picture 2"/>
+          <p:cNvPicPr>
+            <a:picLocks noChangeAspect="1"/>
+          </p:cNvPicPr>
+          <p:nvPr/>
+        </p:nvPicPr>
+        <p:blipFill>
+          <a:blip r:embed="rId2"/>
+          <a:stretch>
+            <a:fillRect/>
+          </a:stretch>
+        </p:blipFill>
+        <p:spPr>
+          <a:xfrm>
+            <a:off x="3022647" y="3546470"/>
+            <a:ext cx="5730737" cy="1242168"/>
+          </a:xfrm>
+          <a:prstGeom prst="rect">
+            <a:avLst/>
+          </a:prstGeom>
+        </p:spPr>
+      </p:pic>
+    </p:spTree>
+    <p:extLst>
+      <p:ext uri="{BB962C8B-B14F-4D97-AF65-F5344CB8AC3E}">
+        <p14:creationId xmlns:p14="http://schemas.microsoft.com/office/powerpoint/2010/main" val="3191780694"/>
+      </p:ext>
+    </p:extLst>
+  </p:cSld>
+  <p:clrMapOvr>
+    <a:masterClrMapping/>
+  </p:clrMapOvr>
+  <p:timing>
+    <p:tnLst>
+      <p:par>
+        <p:cTn id="1" dur="indefinite" restart="never" nodeType="tmRoot"/>
+      </p:par>
+    </p:tnLst>
+  </p:timing>
+</p:sld>
+</file>
+
+<file path=ppt/slides/slide26.xml><?xml version="1.0" encoding="utf-8"?>
+<p:sld xmlns:a="http://schemas.openxmlformats.org/drawingml/2006/main" xmlns:r="http://schemas.openxmlformats.org/officeDocument/2006/relationships" xmlns:p="http://schemas.openxmlformats.org/presentationml/2006/main">
+  <p:cSld>
+    <p:spTree>
+      <p:nvGrpSpPr>
+        <p:cNvPr id="1" name=""/>
+        <p:cNvGrpSpPr/>
+        <p:nvPr/>
+      </p:nvGrpSpPr>
+      <p:grpSpPr>
+        <a:xfrm>
+          <a:off x="0" y="0"/>
+          <a:ext cx="0" cy="0"/>
+          <a:chOff x="0" y="0"/>
+          <a:chExt cx="0" cy="0"/>
+        </a:xfrm>
+      </p:grpSpPr>
+      <p:sp>
+        <p:nvSpPr>
+          <p:cNvPr id="2" name="Title 1"/>
+          <p:cNvSpPr>
+            <a:spLocks noGrp="1"/>
+          </p:cNvSpPr>
+          <p:nvPr>
+            <p:ph type="title"/>
+          </p:nvPr>
+        </p:nvSpPr>
+        <p:spPr>
+          <a:xfrm>
+            <a:off x="109151" y="-203286"/>
+            <a:ext cx="10515600" cy="1325563"/>
+          </a:xfrm>
+        </p:spPr>
+        <p:txBody>
+          <a:bodyPr/>
+          <a:lstStyle/>
+          <a:p>
+            <a:r>
+              <a:rPr lang="en-BE" dirty="0" smtClean="0"/>
+              <a:t>reactives: cash_b_evol()</a:t>
+            </a:r>
+            <a:endParaRPr lang="en-US" dirty="0"/>
+          </a:p>
+        </p:txBody>
+      </p:sp>
+      <p:sp>
+        <p:nvSpPr>
+          <p:cNvPr id="10" name="Content Placeholder 2"/>
+          <p:cNvSpPr>
+            <a:spLocks noGrp="1"/>
+          </p:cNvSpPr>
+          <p:nvPr>
+            <p:ph idx="1"/>
+          </p:nvPr>
+        </p:nvSpPr>
+        <p:spPr>
+          <a:xfrm>
+            <a:off x="203931" y="1052547"/>
+            <a:ext cx="11368171" cy="5499556"/>
+          </a:xfrm>
+        </p:spPr>
+        <p:txBody>
+          <a:bodyPr>
+            <a:normAutofit/>
+          </a:bodyPr>
+          <a:lstStyle/>
+          <a:p>
+            <a:r>
+              <a:rPr lang="en-BE" sz="1600" dirty="0" smtClean="0"/>
+              <a:t>cash per broker (=account) evolution over time</a:t>
+            </a:r>
+            <a:endParaRPr lang="nl-BE" sz="1200" dirty="0"/>
+          </a:p>
+        </p:txBody>
+      </p:sp>
+      <p:pic>
+        <p:nvPicPr>
+          <p:cNvPr id="4" name="Picture 3"/>
+          <p:cNvPicPr>
+            <a:picLocks noChangeAspect="1"/>
+          </p:cNvPicPr>
+          <p:nvPr/>
+        </p:nvPicPr>
+        <p:blipFill>
+          <a:blip r:embed="rId2"/>
+          <a:stretch>
+            <a:fillRect/>
+          </a:stretch>
+        </p:blipFill>
+        <p:spPr>
+          <a:xfrm>
+            <a:off x="3850033" y="2290341"/>
+            <a:ext cx="2751058" cy="1257409"/>
+          </a:xfrm>
+          <a:prstGeom prst="rect">
+            <a:avLst/>
+          </a:prstGeom>
+        </p:spPr>
+      </p:pic>
+    </p:spTree>
+    <p:extLst>
+      <p:ext uri="{BB962C8B-B14F-4D97-AF65-F5344CB8AC3E}">
+        <p14:creationId xmlns:p14="http://schemas.microsoft.com/office/powerpoint/2010/main" val="1716930485"/>
+      </p:ext>
+    </p:extLst>
+  </p:cSld>
+  <p:clrMapOvr>
+    <a:masterClrMapping/>
+  </p:clrMapOvr>
+  <p:timing>
+    <p:tnLst>
+      <p:par>
+        <p:cTn id="1" dur="indefinite" restart="never" nodeType="tmRoot"/>
+      </p:par>
+    </p:tnLst>
+  </p:timing>
+</p:sld>
+</file>
+
+<file path=ppt/slides/slide27.xml><?xml version="1.0" encoding="utf-8"?>
+<p:sld xmlns:a="http://schemas.openxmlformats.org/drawingml/2006/main" xmlns:r="http://schemas.openxmlformats.org/officeDocument/2006/relationships" xmlns:p="http://schemas.openxmlformats.org/presentationml/2006/main">
+  <p:cSld>
+    <p:spTree>
+      <p:nvGrpSpPr>
+        <p:cNvPr id="1" name=""/>
+        <p:cNvGrpSpPr/>
+        <p:nvPr/>
+      </p:nvGrpSpPr>
+      <p:grpSpPr>
+        <a:xfrm>
+          <a:off x="0" y="0"/>
+          <a:ext cx="0" cy="0"/>
+          <a:chOff x="0" y="0"/>
+          <a:chExt cx="0" cy="0"/>
+        </a:xfrm>
+      </p:grpSpPr>
+      <p:sp>
+        <p:nvSpPr>
+          <p:cNvPr id="2" name="Title 1"/>
+          <p:cNvSpPr>
+            <a:spLocks noGrp="1"/>
+          </p:cNvSpPr>
+          <p:nvPr>
+            <p:ph type="title"/>
+          </p:nvPr>
+        </p:nvSpPr>
+        <p:spPr>
+          <a:xfrm>
+            <a:off x="109151" y="-203286"/>
+            <a:ext cx="10515600" cy="1325563"/>
+          </a:xfrm>
+        </p:spPr>
+        <p:txBody>
+          <a:bodyPr/>
+          <a:lstStyle/>
+          <a:p>
+            <a:r>
+              <a:rPr lang="en-BE" dirty="0" smtClean="0"/>
+              <a:t>reactives: pos_sb_evol()</a:t>
+            </a:r>
+            <a:endParaRPr lang="en-US" dirty="0"/>
+          </a:p>
+        </p:txBody>
+      </p:sp>
+      <p:sp>
+        <p:nvSpPr>
+          <p:cNvPr id="10" name="Content Placeholder 2"/>
+          <p:cNvSpPr>
+            <a:spLocks noGrp="1"/>
+          </p:cNvSpPr>
+          <p:nvPr>
+            <p:ph idx="1"/>
+          </p:nvPr>
+        </p:nvSpPr>
+        <p:spPr>
+          <a:xfrm>
+            <a:off x="203931" y="1052547"/>
+            <a:ext cx="11368171" cy="5499556"/>
+          </a:xfrm>
+        </p:spPr>
+        <p:txBody>
+          <a:bodyPr>
+            <a:normAutofit/>
+          </a:bodyPr>
+          <a:lstStyle/>
+          <a:p>
+            <a:r>
+              <a:rPr lang="en-BE" sz="1600" dirty="0" smtClean="0"/>
+              <a:t>position of stock per broker (=account) evolution over time</a:t>
+            </a:r>
+            <a:endParaRPr lang="nl-BE" sz="1200" dirty="0"/>
+          </a:p>
+        </p:txBody>
+      </p:sp>
+      <p:pic>
+        <p:nvPicPr>
+          <p:cNvPr id="3" name="Picture 2"/>
+          <p:cNvPicPr>
+            <a:picLocks noChangeAspect="1"/>
+          </p:cNvPicPr>
+          <p:nvPr/>
+        </p:nvPicPr>
+        <p:blipFill>
+          <a:blip r:embed="rId2"/>
+          <a:stretch>
+            <a:fillRect/>
+          </a:stretch>
+        </p:blipFill>
+        <p:spPr>
+          <a:xfrm>
+            <a:off x="525297" y="2948898"/>
+            <a:ext cx="11141405" cy="960203"/>
+          </a:xfrm>
+          <a:prstGeom prst="rect">
+            <a:avLst/>
+          </a:prstGeom>
+        </p:spPr>
+      </p:pic>
+    </p:spTree>
+    <p:extLst>
+      <p:ext uri="{BB962C8B-B14F-4D97-AF65-F5344CB8AC3E}">
+        <p14:creationId xmlns:p14="http://schemas.microsoft.com/office/powerpoint/2010/main" val="3960779816"/>
+      </p:ext>
+    </p:extLst>
+  </p:cSld>
+  <p:clrMapOvr>
+    <a:masterClrMapping/>
+  </p:clrMapOvr>
+  <p:timing>
+    <p:tnLst>
+      <p:par>
+        <p:cTn id="1" dur="indefinite" restart="never" nodeType="tmRoot"/>
+      </p:par>
+    </p:tnLst>
+  </p:timing>
+</p:sld>
+</file>
+
+<file path=ppt/slides/slide28.xml><?xml version="1.0" encoding="utf-8"?>
+<p:sld xmlns:a="http://schemas.openxmlformats.org/drawingml/2006/main" xmlns:r="http://schemas.openxmlformats.org/officeDocument/2006/relationships" xmlns:p="http://schemas.openxmlformats.org/presentationml/2006/main">
+  <p:cSld>
+    <p:spTree>
+      <p:nvGrpSpPr>
+        <p:cNvPr id="1" name=""/>
+        <p:cNvGrpSpPr/>
+        <p:nvPr/>
+      </p:nvGrpSpPr>
+      <p:grpSpPr>
+        <a:xfrm>
+          <a:off x="0" y="0"/>
+          <a:ext cx="0" cy="0"/>
+          <a:chOff x="0" y="0"/>
+          <a:chExt cx="0" cy="0"/>
+        </a:xfrm>
+      </p:grpSpPr>
+      <p:sp>
+        <p:nvSpPr>
+          <p:cNvPr id="2" name="Title 1"/>
+          <p:cNvSpPr>
+            <a:spLocks noGrp="1"/>
+          </p:cNvSpPr>
+          <p:nvPr>
+            <p:ph type="title"/>
+          </p:nvPr>
+        </p:nvSpPr>
+        <p:spPr>
+          <a:xfrm>
+            <a:off x="109151" y="-203286"/>
+            <a:ext cx="10515600" cy="1325563"/>
+          </a:xfrm>
+        </p:spPr>
+        <p:txBody>
+          <a:bodyPr/>
+          <a:lstStyle/>
+          <a:p>
+            <a:r>
+              <a:rPr lang="en-BE" dirty="0" smtClean="0"/>
+              <a:t>reactives: pos_sb()</a:t>
+            </a:r>
+            <a:endParaRPr lang="en-US" dirty="0"/>
+          </a:p>
+        </p:txBody>
+      </p:sp>
+      <p:sp>
+        <p:nvSpPr>
+          <p:cNvPr id="10" name="Content Placeholder 2"/>
+          <p:cNvSpPr>
+            <a:spLocks noGrp="1"/>
+          </p:cNvSpPr>
+          <p:nvPr>
+            <p:ph idx="1"/>
+          </p:nvPr>
+        </p:nvSpPr>
+        <p:spPr>
+          <a:xfrm>
+            <a:off x="203931" y="1052547"/>
+            <a:ext cx="11368171" cy="5499556"/>
+          </a:xfrm>
+        </p:spPr>
+        <p:txBody>
+          <a:bodyPr>
+            <a:normAutofit/>
+          </a:bodyPr>
+          <a:lstStyle/>
+          <a:p>
+            <a:r>
+              <a:rPr lang="en-BE" sz="1600" dirty="0" smtClean="0"/>
+              <a:t>shows the last known position per stock per broker (=account)</a:t>
+            </a:r>
+            <a:endParaRPr lang="nl-BE" sz="1200" dirty="0"/>
+          </a:p>
+        </p:txBody>
+      </p:sp>
+      <p:pic>
+        <p:nvPicPr>
+          <p:cNvPr id="4" name="Picture 3"/>
+          <p:cNvPicPr>
+            <a:picLocks noChangeAspect="1"/>
+          </p:cNvPicPr>
+          <p:nvPr/>
+        </p:nvPicPr>
+        <p:blipFill>
+          <a:blip r:embed="rId2"/>
+          <a:stretch>
+            <a:fillRect/>
+          </a:stretch>
+        </p:blipFill>
+        <p:spPr>
+          <a:xfrm>
+            <a:off x="798652" y="3029975"/>
+            <a:ext cx="10456521" cy="1052814"/>
+          </a:xfrm>
+          <a:prstGeom prst="rect">
+            <a:avLst/>
+          </a:prstGeom>
+        </p:spPr>
+      </p:pic>
+    </p:spTree>
+    <p:extLst>
+      <p:ext uri="{BB962C8B-B14F-4D97-AF65-F5344CB8AC3E}">
+        <p14:creationId xmlns:p14="http://schemas.microsoft.com/office/powerpoint/2010/main" val="1036281182"/>
+      </p:ext>
+    </p:extLst>
+  </p:cSld>
+  <p:clrMapOvr>
+    <a:masterClrMapping/>
+  </p:clrMapOvr>
+  <p:timing>
+    <p:tnLst>
+      <p:par>
+        <p:cTn id="1" dur="indefinite" restart="never" nodeType="tmRoot"/>
+      </p:par>
+    </p:tnLst>
+  </p:timing>
+</p:sld>
+</file>
+
+<file path=ppt/slides/slide29.xml><?xml version="1.0" encoding="utf-8"?>
 <p:sld xmlns:a="http://schemas.openxmlformats.org/drawingml/2006/main" xmlns:r="http://schemas.openxmlformats.org/officeDocument/2006/relationships" xmlns:p="http://schemas.openxmlformats.org/presentationml/2006/main">
   <p:cSld>
     <p:bg>
@@ -9466,7 +10166,132 @@
 </p:sld>
 </file>
 
-<file path=ppt/slides/slide25.xml><?xml version="1.0" encoding="utf-8"?>
+<file path=ppt/slides/slide3.xml><?xml version="1.0" encoding="utf-8"?>
+<p:sld xmlns:a="http://schemas.openxmlformats.org/drawingml/2006/main" xmlns:r="http://schemas.openxmlformats.org/officeDocument/2006/relationships" xmlns:p="http://schemas.openxmlformats.org/presentationml/2006/main">
+  <p:cSld>
+    <p:spTree>
+      <p:nvGrpSpPr>
+        <p:cNvPr id="1" name=""/>
+        <p:cNvGrpSpPr/>
+        <p:nvPr/>
+      </p:nvGrpSpPr>
+      <p:grpSpPr>
+        <a:xfrm>
+          <a:off x="0" y="0"/>
+          <a:ext cx="0" cy="0"/>
+          <a:chOff x="0" y="0"/>
+          <a:chExt cx="0" cy="0"/>
+        </a:xfrm>
+      </p:grpSpPr>
+      <p:sp>
+        <p:nvSpPr>
+          <p:cNvPr id="2" name="Title 1"/>
+          <p:cNvSpPr>
+            <a:spLocks noGrp="1"/>
+          </p:cNvSpPr>
+          <p:nvPr>
+            <p:ph type="title"/>
+          </p:nvPr>
+        </p:nvSpPr>
+        <p:spPr/>
+        <p:txBody>
+          <a:bodyPr/>
+          <a:lstStyle/>
+          <a:p>
+            <a:r>
+              <a:rPr lang="en-BE" dirty="0" smtClean="0"/>
+              <a:t>terminology</a:t>
+            </a:r>
+            <a:endParaRPr lang="nl-BE" dirty="0"/>
+          </a:p>
+        </p:txBody>
+      </p:sp>
+      <p:sp>
+        <p:nvSpPr>
+          <p:cNvPr id="3" name="Content Placeholder 2"/>
+          <p:cNvSpPr>
+            <a:spLocks noGrp="1"/>
+          </p:cNvSpPr>
+          <p:nvPr>
+            <p:ph idx="1"/>
+          </p:nvPr>
+        </p:nvSpPr>
+        <p:spPr/>
+        <p:txBody>
+          <a:bodyPr>
+            <a:normAutofit/>
+          </a:bodyPr>
+          <a:lstStyle/>
+          <a:p>
+            <a:r>
+              <a:rPr lang="en-BE" sz="1600" dirty="0"/>
+              <a:t>foreign exchange rates = forex = fx</a:t>
+            </a:r>
+            <a:endParaRPr lang="en-US" sz="1600" dirty="0"/>
+          </a:p>
+          <a:p>
+            <a:r>
+              <a:rPr lang="en-BE" sz="1600" dirty="0" smtClean="0"/>
+              <a:t>ohlc: open – high – low – close = daily values for stocks</a:t>
+            </a:r>
+          </a:p>
+          <a:p>
+            <a:r>
+              <a:rPr lang="en-BE" sz="1600" dirty="0" smtClean="0"/>
+              <a:t>ric: reuters instrument code (</a:t>
+            </a:r>
+            <a:r>
+              <a:rPr lang="nl-BE" sz="1600" dirty="0">
+                <a:hlinkClick r:id="rId2"/>
+              </a:rPr>
+              <a:t>https://</a:t>
+            </a:r>
+            <a:r>
+              <a:rPr lang="nl-BE" sz="1600" dirty="0" smtClean="0">
+                <a:hlinkClick r:id="rId2"/>
+              </a:rPr>
+              <a:t>en.wikipedia.org/wiki/Refinitiv_Identification_Code</a:t>
+            </a:r>
+            <a:r>
+              <a:rPr lang="en-BE" sz="1600" dirty="0" smtClean="0"/>
+              <a:t>)</a:t>
+            </a:r>
+          </a:p>
+          <a:p>
+            <a:endParaRPr lang="en-BE" sz="1600" dirty="0" smtClean="0"/>
+          </a:p>
+          <a:p>
+            <a:pPr marL="0" indent="0">
+              <a:buNone/>
+            </a:pPr>
+            <a:endParaRPr lang="en-BE" sz="1600" dirty="0" smtClean="0"/>
+          </a:p>
+          <a:p>
+            <a:endParaRPr lang="nl-BE" sz="1600" dirty="0"/>
+          </a:p>
+        </p:txBody>
+      </p:sp>
+    </p:spTree>
+    <p:extLst>
+      <p:ext uri="{BB962C8B-B14F-4D97-AF65-F5344CB8AC3E}">
+        <p14:creationId xmlns:p14="http://schemas.microsoft.com/office/powerpoint/2010/main" val="2224524725"/>
+      </p:ext>
+    </p:extLst>
+  </p:cSld>
+  <p:clrMapOvr>
+    <a:masterClrMapping/>
+  </p:clrMapOvr>
+  <p:timing>
+    <p:tnLst>
+      <p:par>
+        <p:cTn id="1" dur="indefinite" restart="never" nodeType="tmRoot"/>
+      </p:par>
+    </p:tnLst>
+  </p:timing>
+</p:sld>
+</file>
+
+<file path=ppt/slides/slide30.xml><?xml version="1.0" encoding="utf-8"?>
 <p:sld xmlns:a="http://schemas.openxmlformats.org/drawingml/2006/main" xmlns:r="http://schemas.openxmlformats.org/officeDocument/2006/relationships" xmlns:p="http://schemas.openxmlformats.org/presentationml/2006/main">
   <p:cSld>
     <p:spTree>
@@ -11169,7 +11994,7 @@
 </p:sld>
 </file>
 
-<file path=ppt/slides/slide26.xml><?xml version="1.0" encoding="utf-8"?>
+<file path=ppt/slides/slide31.xml><?xml version="1.0" encoding="utf-8"?>
 <p:sld xmlns:a="http://schemas.openxmlformats.org/drawingml/2006/main" xmlns:r="http://schemas.openxmlformats.org/officeDocument/2006/relationships" xmlns:p="http://schemas.openxmlformats.org/presentationml/2006/main">
   <p:cSld>
     <p:spTree>
@@ -11299,131 +12124,6 @@
     <p:extLst>
       <p:ext uri="{BB962C8B-B14F-4D97-AF65-F5344CB8AC3E}">
         <p14:creationId xmlns:p14="http://schemas.microsoft.com/office/powerpoint/2010/main" val="2156918266"/>
-      </p:ext>
-    </p:extLst>
-  </p:cSld>
-  <p:clrMapOvr>
-    <a:masterClrMapping/>
-  </p:clrMapOvr>
-  <p:timing>
-    <p:tnLst>
-      <p:par>
-        <p:cTn id="1" dur="indefinite" restart="never" nodeType="tmRoot"/>
-      </p:par>
-    </p:tnLst>
-  </p:timing>
-</p:sld>
-</file>
-
-<file path=ppt/slides/slide3.xml><?xml version="1.0" encoding="utf-8"?>
-<p:sld xmlns:a="http://schemas.openxmlformats.org/drawingml/2006/main" xmlns:r="http://schemas.openxmlformats.org/officeDocument/2006/relationships" xmlns:p="http://schemas.openxmlformats.org/presentationml/2006/main">
-  <p:cSld>
-    <p:spTree>
-      <p:nvGrpSpPr>
-        <p:cNvPr id="1" name=""/>
-        <p:cNvGrpSpPr/>
-        <p:nvPr/>
-      </p:nvGrpSpPr>
-      <p:grpSpPr>
-        <a:xfrm>
-          <a:off x="0" y="0"/>
-          <a:ext cx="0" cy="0"/>
-          <a:chOff x="0" y="0"/>
-          <a:chExt cx="0" cy="0"/>
-        </a:xfrm>
-      </p:grpSpPr>
-      <p:sp>
-        <p:nvSpPr>
-          <p:cNvPr id="2" name="Title 1"/>
-          <p:cNvSpPr>
-            <a:spLocks noGrp="1"/>
-          </p:cNvSpPr>
-          <p:nvPr>
-            <p:ph type="title"/>
-          </p:nvPr>
-        </p:nvSpPr>
-        <p:spPr/>
-        <p:txBody>
-          <a:bodyPr/>
-          <a:lstStyle/>
-          <a:p>
-            <a:r>
-              <a:rPr lang="en-BE" dirty="0" smtClean="0"/>
-              <a:t>terminology</a:t>
-            </a:r>
-            <a:endParaRPr lang="nl-BE" dirty="0"/>
-          </a:p>
-        </p:txBody>
-      </p:sp>
-      <p:sp>
-        <p:nvSpPr>
-          <p:cNvPr id="3" name="Content Placeholder 2"/>
-          <p:cNvSpPr>
-            <a:spLocks noGrp="1"/>
-          </p:cNvSpPr>
-          <p:nvPr>
-            <p:ph idx="1"/>
-          </p:nvPr>
-        </p:nvSpPr>
-        <p:spPr/>
-        <p:txBody>
-          <a:bodyPr>
-            <a:normAutofit/>
-          </a:bodyPr>
-          <a:lstStyle/>
-          <a:p>
-            <a:r>
-              <a:rPr lang="en-BE" sz="1600" dirty="0"/>
-              <a:t>foreign exchange rates = forex = fx</a:t>
-            </a:r>
-            <a:endParaRPr lang="en-US" sz="1600" dirty="0"/>
-          </a:p>
-          <a:p>
-            <a:r>
-              <a:rPr lang="en-BE" sz="1600" dirty="0" smtClean="0"/>
-              <a:t>ohlc: open – high – low – close = daily values for stocks</a:t>
-            </a:r>
-          </a:p>
-          <a:p>
-            <a:r>
-              <a:rPr lang="en-BE" sz="1600" dirty="0" smtClean="0"/>
-              <a:t>ric: reuters instrument code (</a:t>
-            </a:r>
-            <a:r>
-              <a:rPr lang="nl-BE" sz="1600" dirty="0">
-                <a:hlinkClick r:id="rId2"/>
-              </a:rPr>
-              <a:t>https://</a:t>
-            </a:r>
-            <a:r>
-              <a:rPr lang="nl-BE" sz="1600" dirty="0" smtClean="0">
-                <a:hlinkClick r:id="rId2"/>
-              </a:rPr>
-              <a:t>en.wikipedia.org/wiki/Refinitiv_Identification_Code</a:t>
-            </a:r>
-            <a:r>
-              <a:rPr lang="en-BE" sz="1600" dirty="0" smtClean="0"/>
-              <a:t>)</a:t>
-            </a:r>
-          </a:p>
-          <a:p>
-            <a:endParaRPr lang="en-BE" sz="1600" dirty="0" smtClean="0"/>
-          </a:p>
-          <a:p>
-            <a:pPr marL="0" indent="0">
-              <a:buNone/>
-            </a:pPr>
-            <a:endParaRPr lang="en-BE" sz="1600" dirty="0" smtClean="0"/>
-          </a:p>
-          <a:p>
-            <a:endParaRPr lang="nl-BE" sz="1600" dirty="0"/>
-          </a:p>
-        </p:txBody>
-      </p:sp>
-    </p:spTree>
-    <p:extLst>
-      <p:ext uri="{BB962C8B-B14F-4D97-AF65-F5344CB8AC3E}">
-        <p14:creationId xmlns:p14="http://schemas.microsoft.com/office/powerpoint/2010/main" val="2224524725"/>
       </p:ext>
     </p:extLst>
   </p:cSld>

--- a/doc/stock_dashboard_documentation.pptx
+++ b/doc/stock_dashboard_documentation.pptx
@@ -36,6 +36,7 @@
     <p:sldId id="268" r:id="rId30"/>
     <p:sldId id="271" r:id="rId31"/>
     <p:sldId id="274" r:id="rId32"/>
+    <p:sldId id="297" r:id="rId33"/>
   </p:sldIdLst>
   <p:sldSz cx="12192000" cy="6858000"/>
   <p:notesSz cx="6858000" cy="9144000"/>
@@ -12032,8 +12033,20 @@
           <a:lstStyle/>
           <a:p>
             <a:r>
+              <a:rPr lang="en-BE" dirty="0" smtClean="0"/>
+              <a:t>p</a:t>
+            </a:r>
+            <a:r>
+              <a:rPr lang="nl-BE" dirty="0" err="1" smtClean="0"/>
+              <a:t>ortfolio</a:t>
+            </a:r>
+            <a:r>
+              <a:rPr lang="en-BE" dirty="0" smtClean="0"/>
+              <a:t> </a:t>
+            </a:r>
+            <a:r>
               <a:rPr lang="nl-BE" dirty="0" smtClean="0"/>
-              <a:t>performance per portfolio</a:t>
+              <a:t>performance</a:t>
             </a:r>
             <a:endParaRPr lang="en-US" dirty="0"/>
           </a:p>
@@ -12062,19 +12075,284 @@
           <a:lstStyle/>
           <a:p>
             <a:r>
-              <a:rPr lang="nl-BE" sz="2400" dirty="0" smtClean="0"/>
-              <a:t>1234569</a:t>
+              <a:rPr lang="en-BE" sz="1600" dirty="0" smtClean="0"/>
+              <a:t>Modified Dietz: theory</a:t>
             </a:r>
           </a:p>
           <a:p>
             <a:pPr lvl="1"/>
-            <a:endParaRPr lang="nl-BE" sz="1400" dirty="0" smtClean="0"/>
+            <a:r>
+              <a:rPr lang="en-BE" sz="1600" dirty="0" smtClean="0"/>
+              <a:t>t</a:t>
+            </a:r>
+            <a:r>
+              <a:rPr lang="en-US" sz="1600" dirty="0" smtClean="0"/>
+              <a:t>he</a:t>
+            </a:r>
+            <a:r>
+              <a:rPr lang="en-US" sz="1600" dirty="0"/>
+              <a:t> </a:t>
+            </a:r>
+            <a:r>
+              <a:rPr lang="en-US" sz="1600" b="1" dirty="0"/>
+              <a:t>modified Dietz method</a:t>
+            </a:r>
+            <a:r>
+              <a:rPr lang="en-US" sz="1600" baseline="30000" dirty="0">
+                <a:hlinkClick r:id="rId2"/>
+              </a:rPr>
+              <a:t>[1]</a:t>
+            </a:r>
+            <a:r>
+              <a:rPr lang="en-US" sz="1600" baseline="30000" dirty="0">
+                <a:hlinkClick r:id="rId3"/>
+              </a:rPr>
+              <a:t>[2]</a:t>
+            </a:r>
+            <a:r>
+              <a:rPr lang="en-US" sz="1600" baseline="30000" dirty="0">
+                <a:hlinkClick r:id="rId4"/>
+              </a:rPr>
+              <a:t>[3]</a:t>
+            </a:r>
+            <a:r>
+              <a:rPr lang="en-US" sz="1600" dirty="0"/>
+              <a:t> is a measure of the </a:t>
+            </a:r>
+            <a:r>
+              <a:rPr lang="en-US" sz="1600" i="1" dirty="0"/>
+              <a:t>ex post</a:t>
+            </a:r>
+            <a:r>
+              <a:rPr lang="en-US" sz="1600" dirty="0"/>
+              <a:t> (i.e. historical) performance of an </a:t>
+            </a:r>
+            <a:r>
+              <a:rPr lang="en-US" sz="1600" dirty="0">
+                <a:hlinkClick r:id="rId5" tooltip="Investment portfolio"/>
+              </a:rPr>
+              <a:t>investment portfolio</a:t>
+            </a:r>
+            <a:r>
+              <a:rPr lang="en-US" sz="1600" dirty="0"/>
+              <a:t> in the presence of external flows.</a:t>
+            </a:r>
+            <a:endParaRPr lang="en-BE" sz="1600" dirty="0" smtClean="0"/>
+          </a:p>
+          <a:p>
+            <a:pPr lvl="1"/>
+            <a:r>
+              <a:rPr lang="nl-BE" sz="1600" dirty="0"/>
+              <a:t>https://en.wikipedia.org/wiki/Modified_Dietz_method</a:t>
+            </a:r>
+            <a:endParaRPr lang="nl-BE" sz="1600" dirty="0" smtClean="0"/>
+          </a:p>
+          <a:p>
+            <a:pPr lvl="1"/>
+            <a:endParaRPr lang="nl-BE" sz="1600" dirty="0" smtClean="0"/>
           </a:p>
         </p:txBody>
       </p:sp>
       <p:pic>
         <p:nvPicPr>
           <p:cNvPr id="3" name="Picture 2"/>
+          <p:cNvPicPr>
+            <a:picLocks noChangeAspect="1"/>
+          </p:cNvPicPr>
+          <p:nvPr/>
+        </p:nvPicPr>
+        <p:blipFill>
+          <a:blip r:embed="rId6"/>
+          <a:stretch>
+            <a:fillRect/>
+          </a:stretch>
+        </p:blipFill>
+        <p:spPr>
+          <a:xfrm>
+            <a:off x="414141" y="2956121"/>
+            <a:ext cx="5250355" cy="2862708"/>
+          </a:xfrm>
+          <a:prstGeom prst="rect">
+            <a:avLst/>
+          </a:prstGeom>
+        </p:spPr>
+      </p:pic>
+      <p:pic>
+        <p:nvPicPr>
+          <p:cNvPr id="4" name="Picture 3"/>
+          <p:cNvPicPr>
+            <a:picLocks noChangeAspect="1"/>
+          </p:cNvPicPr>
+          <p:nvPr/>
+        </p:nvPicPr>
+        <p:blipFill>
+          <a:blip r:embed="rId7"/>
+          <a:stretch>
+            <a:fillRect/>
+          </a:stretch>
+        </p:blipFill>
+        <p:spPr>
+          <a:xfrm>
+            <a:off x="6310255" y="3243721"/>
+            <a:ext cx="4846797" cy="2287507"/>
+          </a:xfrm>
+          <a:prstGeom prst="rect">
+            <a:avLst/>
+          </a:prstGeom>
+        </p:spPr>
+      </p:pic>
+    </p:spTree>
+    <p:extLst>
+      <p:ext uri="{BB962C8B-B14F-4D97-AF65-F5344CB8AC3E}">
+        <p14:creationId xmlns:p14="http://schemas.microsoft.com/office/powerpoint/2010/main" val="2156918266"/>
+      </p:ext>
+    </p:extLst>
+  </p:cSld>
+  <p:clrMapOvr>
+    <a:masterClrMapping/>
+  </p:clrMapOvr>
+  <p:timing>
+    <p:tnLst>
+      <p:par>
+        <p:cTn id="1" dur="indefinite" restart="never" nodeType="tmRoot"/>
+      </p:par>
+    </p:tnLst>
+  </p:timing>
+</p:sld>
+</file>
+
+<file path=ppt/slides/slide32.xml><?xml version="1.0" encoding="utf-8"?>
+<p:sld xmlns:a="http://schemas.openxmlformats.org/drawingml/2006/main" xmlns:r="http://schemas.openxmlformats.org/officeDocument/2006/relationships" xmlns:p="http://schemas.openxmlformats.org/presentationml/2006/main">
+  <p:cSld>
+    <p:spTree>
+      <p:nvGrpSpPr>
+        <p:cNvPr id="1" name=""/>
+        <p:cNvGrpSpPr/>
+        <p:nvPr/>
+      </p:nvGrpSpPr>
+      <p:grpSpPr>
+        <a:xfrm>
+          <a:off x="0" y="0"/>
+          <a:ext cx="0" cy="0"/>
+          <a:chOff x="0" y="0"/>
+          <a:chExt cx="0" cy="0"/>
+        </a:xfrm>
+      </p:grpSpPr>
+      <p:sp>
+        <p:nvSpPr>
+          <p:cNvPr id="2" name="Title 1"/>
+          <p:cNvSpPr>
+            <a:spLocks noGrp="1"/>
+          </p:cNvSpPr>
+          <p:nvPr>
+            <p:ph type="title"/>
+          </p:nvPr>
+        </p:nvSpPr>
+        <p:spPr>
+          <a:xfrm>
+            <a:off x="109151" y="-203286"/>
+            <a:ext cx="10515600" cy="1325563"/>
+          </a:xfrm>
+        </p:spPr>
+        <p:txBody>
+          <a:bodyPr/>
+          <a:lstStyle/>
+          <a:p>
+            <a:r>
+              <a:rPr lang="en-BE" dirty="0"/>
+              <a:t>p</a:t>
+            </a:r>
+            <a:r>
+              <a:rPr lang="nl-BE" dirty="0" err="1"/>
+              <a:t>ortfolio</a:t>
+            </a:r>
+            <a:r>
+              <a:rPr lang="en-BE" dirty="0"/>
+              <a:t> </a:t>
+            </a:r>
+            <a:r>
+              <a:rPr lang="nl-BE" dirty="0" smtClean="0"/>
+              <a:t>performance</a:t>
+            </a:r>
+            <a:r>
+              <a:rPr lang="en-BE" dirty="0" smtClean="0"/>
+              <a:t>: example</a:t>
+            </a:r>
+            <a:endParaRPr lang="en-US" dirty="0"/>
+          </a:p>
+        </p:txBody>
+      </p:sp>
+      <p:sp>
+        <p:nvSpPr>
+          <p:cNvPr id="10" name="Content Placeholder 2"/>
+          <p:cNvSpPr>
+            <a:spLocks noGrp="1"/>
+          </p:cNvSpPr>
+          <p:nvPr>
+            <p:ph idx="1"/>
+          </p:nvPr>
+        </p:nvSpPr>
+        <p:spPr>
+          <a:xfrm>
+            <a:off x="203931" y="1052548"/>
+            <a:ext cx="11368171" cy="2524030"/>
+          </a:xfrm>
+        </p:spPr>
+        <p:txBody>
+          <a:bodyPr>
+            <a:normAutofit/>
+          </a:bodyPr>
+          <a:lstStyle/>
+          <a:p>
+            <a:pPr marL="0" indent="0">
+              <a:buNone/>
+            </a:pPr>
+            <a:r>
+              <a:rPr lang="en-BE" sz="1600" b="1" u="sng" dirty="0" smtClean="0"/>
+              <a:t>return per stock</a:t>
+            </a:r>
+          </a:p>
+          <a:p>
+            <a:r>
+              <a:rPr lang="en-BE" sz="1600" dirty="0" smtClean="0"/>
+              <a:t>return_rood = 150/100 = +50%</a:t>
+            </a:r>
+          </a:p>
+          <a:p>
+            <a:r>
+              <a:rPr lang="en-BE" sz="1600" dirty="0" smtClean="0"/>
+              <a:t>return_blauw = 100/50 = +100%</a:t>
+            </a:r>
+          </a:p>
+          <a:p>
+            <a:r>
+              <a:rPr lang="en-BE" sz="1600" dirty="0" smtClean="0"/>
+              <a:t>return_year_rood = +25%</a:t>
+            </a:r>
+          </a:p>
+          <a:p>
+            <a:r>
+              <a:rPr lang="en-BE" sz="1600" dirty="0" smtClean="0"/>
+              <a:t>return_year_blauw = +100%</a:t>
+            </a:r>
+          </a:p>
+          <a:p>
+            <a:endParaRPr lang="en-BE" sz="1600" dirty="0"/>
+          </a:p>
+          <a:p>
+            <a:pPr marL="0" indent="0">
+              <a:buNone/>
+            </a:pPr>
+            <a:r>
+              <a:rPr lang="en-BE" sz="1600" b="1" u="sng" dirty="0" smtClean="0"/>
+              <a:t>wat is nu return portfolio?</a:t>
+            </a:r>
+          </a:p>
+        </p:txBody>
+      </p:sp>
+      <p:pic>
+        <p:nvPicPr>
+          <p:cNvPr id="5" name="Picture 4"/>
           <p:cNvPicPr>
             <a:picLocks noChangeAspect="1"/>
           </p:cNvPicPr>
@@ -12088,17 +12366,375 @@
         </p:blipFill>
         <p:spPr>
           <a:xfrm>
-            <a:off x="637661" y="2986601"/>
-            <a:ext cx="5250355" cy="2862708"/>
+            <a:off x="4480691" y="763182"/>
+            <a:ext cx="3318744" cy="2018155"/>
           </a:xfrm>
           <a:prstGeom prst="rect">
             <a:avLst/>
           </a:prstGeom>
         </p:spPr>
       </p:pic>
+      <p:sp>
+        <p:nvSpPr>
+          <p:cNvPr id="6" name="TextBox 5"/>
+          <p:cNvSpPr txBox="1"/>
+          <p:nvPr/>
+        </p:nvSpPr>
+        <p:spPr>
+          <a:xfrm>
+            <a:off x="196770" y="4051139"/>
+            <a:ext cx="2731625" cy="2488557"/>
+          </a:xfrm>
+          <a:prstGeom prst="rect">
+            <a:avLst/>
+          </a:prstGeom>
+          <a:noFill/>
+        </p:spPr>
+        <p:txBody>
+          <a:bodyPr wrap="square" rtlCol="0">
+            <a:spAutoFit/>
+          </a:bodyPr>
+          <a:lstStyle/>
+          <a:p>
+            <a:endParaRPr lang="nl-BE" dirty="0"/>
+          </a:p>
+        </p:txBody>
+      </p:sp>
+      <p:sp>
+        <p:nvSpPr>
+          <p:cNvPr id="7" name="Rectangle 6"/>
+          <p:cNvSpPr/>
+          <p:nvPr/>
+        </p:nvSpPr>
+        <p:spPr>
+          <a:xfrm>
+            <a:off x="203931" y="3564984"/>
+            <a:ext cx="2819244" cy="2974712"/>
+          </a:xfrm>
+          <a:prstGeom prst="rect">
+            <a:avLst/>
+          </a:prstGeom>
+        </p:spPr>
+        <p:style>
+          <a:lnRef idx="2">
+            <a:schemeClr val="dk1"/>
+          </a:lnRef>
+          <a:fillRef idx="1">
+            <a:schemeClr val="lt1"/>
+          </a:fillRef>
+          <a:effectRef idx="0">
+            <a:schemeClr val="dk1"/>
+          </a:effectRef>
+          <a:fontRef idx="minor">
+            <a:schemeClr val="dk1"/>
+          </a:fontRef>
+        </p:style>
+        <p:txBody>
+          <a:bodyPr rtlCol="0" anchor="t" anchorCtr="0"/>
+          <a:lstStyle/>
+          <a:p>
+            <a:r>
+              <a:rPr lang="en-BE" b="1" dirty="0"/>
+              <a:t>simpele </a:t>
+            </a:r>
+            <a:r>
+              <a:rPr lang="en-BE" b="1" dirty="0" smtClean="0"/>
+              <a:t>benadering:</a:t>
+            </a:r>
+          </a:p>
+          <a:p>
+            <a:r>
+              <a:rPr lang="en-BE" dirty="0" smtClean="0"/>
+              <a:t>(150+100) / (100+50) = </a:t>
+            </a:r>
+          </a:p>
+          <a:p>
+            <a:r>
+              <a:rPr lang="en-BE" dirty="0" smtClean="0"/>
+              <a:t>1,666 = </a:t>
+            </a:r>
+            <a:r>
+              <a:rPr lang="en-BE" b="1" dirty="0" smtClean="0">
+                <a:solidFill>
+                  <a:srgbClr val="FF0000"/>
+                </a:solidFill>
+              </a:rPr>
+              <a:t>+ 66%</a:t>
+            </a:r>
+          </a:p>
+          <a:p>
+            <a:endParaRPr lang="en-BE" b="1" dirty="0" smtClean="0">
+              <a:solidFill>
+                <a:srgbClr val="FF0000"/>
+              </a:solidFill>
+            </a:endParaRPr>
+          </a:p>
+          <a:p>
+            <a:r>
+              <a:rPr lang="en-BE" dirty="0" smtClean="0"/>
+              <a:t>geen impact van tijd voor blauwe stock</a:t>
+            </a:r>
+          </a:p>
+          <a:p>
+            <a:endParaRPr lang="nl-BE" dirty="0"/>
+          </a:p>
+        </p:txBody>
+      </p:sp>
+      <p:sp>
+        <p:nvSpPr>
+          <p:cNvPr id="9" name="Rectangle 8"/>
+          <p:cNvSpPr/>
+          <p:nvPr/>
+        </p:nvSpPr>
+        <p:spPr>
+          <a:xfrm>
+            <a:off x="3282796" y="3564984"/>
+            <a:ext cx="3650439" cy="2974712"/>
+          </a:xfrm>
+          <a:prstGeom prst="rect">
+            <a:avLst/>
+          </a:prstGeom>
+        </p:spPr>
+        <p:style>
+          <a:lnRef idx="2">
+            <a:schemeClr val="dk1"/>
+          </a:lnRef>
+          <a:fillRef idx="1">
+            <a:schemeClr val="lt1"/>
+          </a:fillRef>
+          <a:effectRef idx="0">
+            <a:schemeClr val="dk1"/>
+          </a:effectRef>
+          <a:fontRef idx="minor">
+            <a:schemeClr val="dk1"/>
+          </a:fontRef>
+        </p:style>
+        <p:txBody>
+          <a:bodyPr rtlCol="0" anchor="t" anchorCtr="0"/>
+          <a:lstStyle/>
+          <a:p>
+            <a:r>
+              <a:rPr lang="en-BE" b="1" dirty="0" smtClean="0"/>
+              <a:t>money-weighted average:</a:t>
+            </a:r>
+          </a:p>
+          <a:p>
+            <a:r>
+              <a:rPr lang="en-BE" dirty="0" smtClean="0"/>
+              <a:t>50% x 150/250 + 100% x 100/250 = </a:t>
+            </a:r>
+          </a:p>
+          <a:p>
+            <a:r>
+              <a:rPr lang="en-BE" dirty="0" smtClean="0"/>
+              <a:t>0,7 = </a:t>
+            </a:r>
+            <a:r>
+              <a:rPr lang="en-BE" b="1" dirty="0" smtClean="0">
+                <a:solidFill>
+                  <a:srgbClr val="FF0000"/>
+                </a:solidFill>
+              </a:rPr>
+              <a:t>+ 70%</a:t>
+            </a:r>
+          </a:p>
+          <a:p>
+            <a:endParaRPr lang="en-BE" dirty="0" smtClean="0"/>
+          </a:p>
+          <a:p>
+            <a:r>
+              <a:rPr lang="en-BE" dirty="0" smtClean="0"/>
+              <a:t>duurdere assets wegen meer door op finaal return</a:t>
+            </a:r>
+            <a:endParaRPr lang="nl-BE" dirty="0"/>
+          </a:p>
+        </p:txBody>
+      </p:sp>
+      <p:cxnSp>
+        <p:nvCxnSpPr>
+          <p:cNvPr id="11" name="Elbow Connector 10"/>
+          <p:cNvCxnSpPr/>
+          <p:nvPr/>
+        </p:nvCxnSpPr>
+        <p:spPr>
+          <a:xfrm rot="16200000" flipH="1">
+            <a:off x="2178223" y="2490739"/>
+            <a:ext cx="2314936" cy="435473"/>
+          </a:xfrm>
+          <a:prstGeom prst="bentConnector3">
+            <a:avLst>
+              <a:gd name="adj1" fmla="val 0"/>
+            </a:avLst>
+          </a:prstGeom>
+          <a:ln>
+            <a:tailEnd type="triangle"/>
+          </a:ln>
+        </p:spPr>
+        <p:style>
+          <a:lnRef idx="1">
+            <a:schemeClr val="accent1"/>
+          </a:lnRef>
+          <a:fillRef idx="0">
+            <a:schemeClr val="accent1"/>
+          </a:fillRef>
+          <a:effectRef idx="0">
+            <a:schemeClr val="accent1"/>
+          </a:effectRef>
+          <a:fontRef idx="minor">
+            <a:schemeClr val="tx1"/>
+          </a:fontRef>
+        </p:style>
+      </p:cxnSp>
+      <p:cxnSp>
+        <p:nvCxnSpPr>
+          <p:cNvPr id="14" name="Elbow Connector 13"/>
+          <p:cNvCxnSpPr/>
+          <p:nvPr/>
+        </p:nvCxnSpPr>
+        <p:spPr>
+          <a:xfrm rot="16200000" flipH="1">
+            <a:off x="3221343" y="1936552"/>
+            <a:ext cx="2013995" cy="1891088"/>
+          </a:xfrm>
+          <a:prstGeom prst="bentConnector3">
+            <a:avLst>
+              <a:gd name="adj1" fmla="val 575"/>
+            </a:avLst>
+          </a:prstGeom>
+          <a:ln>
+            <a:tailEnd type="triangle"/>
+          </a:ln>
+        </p:spPr>
+        <p:style>
+          <a:lnRef idx="1">
+            <a:schemeClr val="accent1"/>
+          </a:lnRef>
+          <a:fillRef idx="0">
+            <a:schemeClr val="accent1"/>
+          </a:fillRef>
+          <a:effectRef idx="0">
+            <a:schemeClr val="accent1"/>
+          </a:effectRef>
+          <a:fontRef idx="minor">
+            <a:schemeClr val="tx1"/>
+          </a:fontRef>
+        </p:style>
+      </p:cxnSp>
+      <p:sp>
+        <p:nvSpPr>
+          <p:cNvPr id="16" name="Rectangle 15"/>
+          <p:cNvSpPr/>
+          <p:nvPr/>
+        </p:nvSpPr>
+        <p:spPr>
+          <a:xfrm>
+            <a:off x="7106241" y="3564984"/>
+            <a:ext cx="4939455" cy="2974712"/>
+          </a:xfrm>
+          <a:prstGeom prst="rect">
+            <a:avLst/>
+          </a:prstGeom>
+        </p:spPr>
+        <p:style>
+          <a:lnRef idx="2">
+            <a:schemeClr val="dk1"/>
+          </a:lnRef>
+          <a:fillRef idx="1">
+            <a:schemeClr val="lt1"/>
+          </a:fillRef>
+          <a:effectRef idx="0">
+            <a:schemeClr val="dk1"/>
+          </a:effectRef>
+          <a:fontRef idx="minor">
+            <a:schemeClr val="dk1"/>
+          </a:fontRef>
+        </p:style>
+        <p:txBody>
+          <a:bodyPr rtlCol="0" anchor="t" anchorCtr="0"/>
+          <a:lstStyle/>
+          <a:p>
+            <a:r>
+              <a:rPr lang="en-BE" b="1" dirty="0" smtClean="0"/>
+              <a:t>modified dietz:</a:t>
+            </a:r>
+          </a:p>
+          <a:p>
+            <a:r>
+              <a:rPr lang="en-BE" dirty="0" smtClean="0"/>
+              <a:t>B = 250 (at t2)</a:t>
+            </a:r>
+          </a:p>
+          <a:p>
+            <a:r>
+              <a:rPr lang="en-BE" dirty="0" smtClean="0"/>
+              <a:t>A = 0 (at time before t0)</a:t>
+            </a:r>
+          </a:p>
+          <a:p>
+            <a:r>
+              <a:rPr lang="en-BE" dirty="0" smtClean="0"/>
+              <a:t>F = adding 100 and 50 cash to the account at t0, t1</a:t>
+            </a:r>
+          </a:p>
+          <a:p>
+            <a:r>
+              <a:rPr lang="en-BE" dirty="0" smtClean="0"/>
+              <a:t>Wi = time weight: wi_rood = 2 ; wi_blauw = 1</a:t>
+            </a:r>
+          </a:p>
+          <a:p>
+            <a:endParaRPr lang="en-BE" dirty="0" smtClean="0"/>
+          </a:p>
+          <a:p>
+            <a:r>
+              <a:rPr lang="en-BE" dirty="0" smtClean="0"/>
+              <a:t>MD = </a:t>
+            </a:r>
+            <a:r>
+              <a:rPr lang="en-BE" u="sng" dirty="0" smtClean="0"/>
+              <a:t>250 – 0 - (100 + 50)</a:t>
+            </a:r>
+            <a:r>
+              <a:rPr lang="en-BE" dirty="0" smtClean="0"/>
+              <a:t>   = </a:t>
+            </a:r>
+            <a:r>
+              <a:rPr lang="en-BE" u="sng" dirty="0" smtClean="0"/>
+              <a:t>100</a:t>
+            </a:r>
+            <a:r>
+              <a:rPr lang="en-BE" dirty="0" smtClean="0"/>
+              <a:t>  = 0,4 = </a:t>
+            </a:r>
+            <a:r>
+              <a:rPr lang="en-BE" b="1" dirty="0" smtClean="0">
+                <a:solidFill>
+                  <a:srgbClr val="FF0000"/>
+                </a:solidFill>
+              </a:rPr>
+              <a:t>+40%</a:t>
+            </a:r>
+          </a:p>
+          <a:p>
+            <a:r>
+              <a:rPr lang="en-BE" dirty="0" smtClean="0"/>
+              <a:t>           0 + (2 x 100 + 1 x 50)    250</a:t>
+            </a:r>
+          </a:p>
+          <a:p>
+            <a:endParaRPr lang="en-BE" dirty="0" smtClean="0"/>
+          </a:p>
+          <a:p>
+            <a:r>
+              <a:rPr lang="en-BE" dirty="0" smtClean="0"/>
+              <a:t>takes into account cashflows</a:t>
+            </a:r>
+          </a:p>
+        </p:txBody>
+      </p:sp>
       <p:pic>
         <p:nvPicPr>
-          <p:cNvPr id="4" name="Picture 3"/>
+          <p:cNvPr id="17" name="Picture 16"/>
           <p:cNvPicPr>
             <a:picLocks noChangeAspect="1"/>
           </p:cNvPicPr>
@@ -12112,8 +12748,32 @@
         </p:blipFill>
         <p:spPr>
           <a:xfrm>
-            <a:off x="6361055" y="3274201"/>
-            <a:ext cx="4846797" cy="2287507"/>
+            <a:off x="7900116" y="601866"/>
+            <a:ext cx="4203101" cy="2291702"/>
+          </a:xfrm>
+          <a:prstGeom prst="rect">
+            <a:avLst/>
+          </a:prstGeom>
+        </p:spPr>
+      </p:pic>
+      <p:pic>
+        <p:nvPicPr>
+          <p:cNvPr id="18" name="Picture 17"/>
+          <p:cNvPicPr>
+            <a:picLocks noChangeAspect="1"/>
+          </p:cNvPicPr>
+          <p:nvPr/>
+        </p:nvPicPr>
+        <p:blipFill>
+          <a:blip r:embed="rId4"/>
+          <a:stretch>
+            <a:fillRect/>
+          </a:stretch>
+        </p:blipFill>
+        <p:spPr>
+          <a:xfrm>
+            <a:off x="8179143" y="2986397"/>
+            <a:ext cx="3652580" cy="289221"/>
           </a:xfrm>
           <a:prstGeom prst="rect">
             <a:avLst/>
@@ -12123,7 +12783,7 @@
     </p:spTree>
     <p:extLst>
       <p:ext uri="{BB962C8B-B14F-4D97-AF65-F5344CB8AC3E}">
-        <p14:creationId xmlns:p14="http://schemas.microsoft.com/office/powerpoint/2010/main" val="2156918266"/>
+        <p14:creationId xmlns:p14="http://schemas.microsoft.com/office/powerpoint/2010/main" val="2417091490"/>
       </p:ext>
     </p:extLst>
   </p:cSld>
